--- a/移动对象的时空轨迹相似性查询算法-丁光伟-第2版.pptx
+++ b/移动对象的时空轨迹相似性查询算法-丁光伟-第2版.pptx
@@ -5,7 +5,7 @@
     <p:sldMasterId id="2147483648" r:id="rId1"/>
   </p:sldMasterIdLst>
   <p:notesMasterIdLst>
-    <p:notesMasterId r:id="rId36"/>
+    <p:notesMasterId r:id="rId37"/>
   </p:notesMasterIdLst>
   <p:sldIdLst>
     <p:sldId id="256" r:id="rId2"/>
@@ -22,26 +22,27 @@
     <p:sldId id="332" r:id="rId13"/>
     <p:sldId id="331" r:id="rId14"/>
     <p:sldId id="306" r:id="rId15"/>
-    <p:sldId id="307" r:id="rId16"/>
-    <p:sldId id="311" r:id="rId17"/>
-    <p:sldId id="308" r:id="rId18"/>
-    <p:sldId id="302" r:id="rId19"/>
-    <p:sldId id="303" r:id="rId20"/>
-    <p:sldId id="312" r:id="rId21"/>
-    <p:sldId id="313" r:id="rId22"/>
-    <p:sldId id="314" r:id="rId23"/>
-    <p:sldId id="339" r:id="rId24"/>
-    <p:sldId id="317" r:id="rId25"/>
-    <p:sldId id="318" r:id="rId26"/>
-    <p:sldId id="321" r:id="rId27"/>
-    <p:sldId id="334" r:id="rId28"/>
-    <p:sldId id="335" r:id="rId29"/>
-    <p:sldId id="336" r:id="rId30"/>
-    <p:sldId id="337" r:id="rId31"/>
-    <p:sldId id="338" r:id="rId32"/>
-    <p:sldId id="327" r:id="rId33"/>
-    <p:sldId id="328" r:id="rId34"/>
-    <p:sldId id="329" r:id="rId35"/>
+    <p:sldId id="340" r:id="rId16"/>
+    <p:sldId id="307" r:id="rId17"/>
+    <p:sldId id="311" r:id="rId18"/>
+    <p:sldId id="308" r:id="rId19"/>
+    <p:sldId id="302" r:id="rId20"/>
+    <p:sldId id="303" r:id="rId21"/>
+    <p:sldId id="312" r:id="rId22"/>
+    <p:sldId id="313" r:id="rId23"/>
+    <p:sldId id="314" r:id="rId24"/>
+    <p:sldId id="339" r:id="rId25"/>
+    <p:sldId id="317" r:id="rId26"/>
+    <p:sldId id="318" r:id="rId27"/>
+    <p:sldId id="321" r:id="rId28"/>
+    <p:sldId id="334" r:id="rId29"/>
+    <p:sldId id="335" r:id="rId30"/>
+    <p:sldId id="336" r:id="rId31"/>
+    <p:sldId id="337" r:id="rId32"/>
+    <p:sldId id="338" r:id="rId33"/>
+    <p:sldId id="327" r:id="rId34"/>
+    <p:sldId id="328" r:id="rId35"/>
+    <p:sldId id="329" r:id="rId36"/>
   </p:sldIdLst>
   <p:sldSz cx="9144000" cy="6858000" type="screen4x3"/>
   <p:notesSz cx="6858000" cy="9144000"/>
@@ -659,7 +660,7 @@
           <a:p>
             <a:fld id="{F8A4E550-F08C-490A-AE9D-597818A582E3}" type="slidenum">
               <a:rPr lang="zh-CN" altLang="en-US" smtClean="0"/>
-              <a:t>15</a:t>
+              <a:t>16</a:t>
             </a:fld>
             <a:endParaRPr lang="zh-CN" altLang="en-US"/>
           </a:p>
@@ -5633,7 +5634,11 @@
           <a:p>
             <a:r>
               <a:rPr lang="zh-CN" altLang="en-US" dirty="0" smtClean="0"/>
-              <a:t>缺点：基于样本点匹配不能很好地对齐</a:t>
+              <a:t>缺点</a:t>
+            </a:r>
+            <a:r>
+              <a:rPr lang="zh-CN" altLang="en-US" dirty="0" smtClean="0"/>
+              <a:t>：只能与样本点匹配，对齐效果差</a:t>
             </a:r>
             <a:endParaRPr lang="zh-CN" altLang="en-US" dirty="0"/>
           </a:p>
@@ -5786,7 +5791,15 @@
           <a:p>
             <a:r>
               <a:rPr lang="zh-CN" altLang="en-US" dirty="0" smtClean="0"/>
-              <a:t>缺点：不考虑时间因素，可能会带来时序错乱</a:t>
+              <a:t>缺点</a:t>
+            </a:r>
+            <a:r>
+              <a:rPr lang="zh-CN" altLang="en-US" dirty="0" smtClean="0"/>
+              <a:t>：未考虑时间，对应点匹配结果时序</a:t>
+            </a:r>
+            <a:r>
+              <a:rPr lang="zh-CN" altLang="en-US" dirty="0" smtClean="0"/>
+              <a:t>错乱</a:t>
             </a:r>
             <a:endParaRPr lang="zh-CN" altLang="en-US" dirty="0"/>
           </a:p>
@@ -5876,9 +5889,9 @@
         <p:grpSpPr>
           <a:xfrm>
             <a:off x="731408" y="3807096"/>
-            <a:ext cx="3897423" cy="2655393"/>
+            <a:ext cx="3697145" cy="2655393"/>
             <a:chOff x="4074224" y="1328491"/>
-            <a:chExt cx="3897423" cy="2655393"/>
+            <a:chExt cx="3697145" cy="2655393"/>
           </a:xfrm>
         </p:grpSpPr>
         <p:pic>
@@ -5968,7 +5981,7 @@
           <p:spPr bwMode="auto">
             <a:xfrm>
               <a:off x="6514518" y="2795242"/>
-              <a:ext cx="1457129" cy="627240"/>
+              <a:ext cx="1256851" cy="333772"/>
             </a:xfrm>
             <a:prstGeom prst="wedgeRoundRectCallout">
               <a:avLst>
@@ -6104,7 +6117,7 @@
                   <a:ea typeface="黑体" panose="02010609060101010101" pitchFamily="49" charset="-122"/>
                   <a:cs typeface="Times New Roman" panose="02020603050405020304" pitchFamily="18" charset="0"/>
                 </a:rPr>
-                <a:t>样本点不能很好对齐</a:t>
+                <a:t>对齐效果差</a:t>
               </a:r>
               <a:endParaRPr lang="en-US" altLang="zh-CN" sz="1600" dirty="0" smtClean="0">
                 <a:latin typeface="Times New Roman" panose="02020603050405020304" pitchFamily="18" charset="0"/>
@@ -6364,6 +6377,98 @@
           </p:txBody>
         </p:sp>
       </p:grpSp>
+      <p:sp>
+        <p:nvSpPr>
+          <p:cNvPr id="14" name="文本框 13"/>
+          <p:cNvSpPr txBox="1"/>
+          <p:nvPr/>
+        </p:nvSpPr>
+        <p:spPr>
+          <a:xfrm>
+            <a:off x="731408" y="6148726"/>
+            <a:ext cx="2876406" cy="369332"/>
+          </a:xfrm>
+          <a:prstGeom prst="rect">
+            <a:avLst/>
+          </a:prstGeom>
+          <a:solidFill>
+            <a:srgbClr val="FFFFFF"/>
+          </a:solidFill>
+        </p:spPr>
+        <p:txBody>
+          <a:bodyPr wrap="square" rtlCol="0">
+            <a:spAutoFit/>
+          </a:bodyPr>
+          <a:lstStyle/>
+          <a:p>
+            <a:pPr algn="ctr"/>
+            <a:r>
+              <a:rPr lang="en-US" altLang="zh-CN" dirty="0" smtClean="0">
+                <a:latin typeface="黑体" panose="02010609060101010101" pitchFamily="49" charset="-122"/>
+                <a:ea typeface="黑体" panose="02010609060101010101" pitchFamily="49" charset="-122"/>
+              </a:rPr>
+              <a:t>DTW</a:t>
+            </a:r>
+            <a:r>
+              <a:rPr lang="zh-CN" altLang="en-US" dirty="0" smtClean="0">
+                <a:latin typeface="黑体" panose="02010609060101010101" pitchFamily="49" charset="-122"/>
+                <a:ea typeface="黑体" panose="02010609060101010101" pitchFamily="49" charset="-122"/>
+              </a:rPr>
+              <a:t>匹配结果</a:t>
+            </a:r>
+            <a:endParaRPr lang="zh-CN" altLang="en-US" dirty="0">
+              <a:latin typeface="黑体" panose="02010609060101010101" pitchFamily="49" charset="-122"/>
+              <a:ea typeface="黑体" panose="02010609060101010101" pitchFamily="49" charset="-122"/>
+            </a:endParaRPr>
+          </a:p>
+        </p:txBody>
+      </p:sp>
+      <p:sp>
+        <p:nvSpPr>
+          <p:cNvPr id="27" name="文本框 26"/>
+          <p:cNvSpPr txBox="1"/>
+          <p:nvPr/>
+        </p:nvSpPr>
+        <p:spPr>
+          <a:xfrm>
+            <a:off x="4837513" y="6093157"/>
+            <a:ext cx="2876406" cy="369332"/>
+          </a:xfrm>
+          <a:prstGeom prst="rect">
+            <a:avLst/>
+          </a:prstGeom>
+          <a:solidFill>
+            <a:srgbClr val="FFFFFF"/>
+          </a:solidFill>
+        </p:spPr>
+        <p:txBody>
+          <a:bodyPr wrap="square" rtlCol="0">
+            <a:spAutoFit/>
+          </a:bodyPr>
+          <a:lstStyle/>
+          <a:p>
+            <a:pPr algn="ctr"/>
+            <a:r>
+              <a:rPr lang="en-US" altLang="zh-CN" dirty="0" smtClean="0">
+                <a:latin typeface="黑体" panose="02010609060101010101" pitchFamily="49" charset="-122"/>
+                <a:ea typeface="黑体" panose="02010609060101010101" pitchFamily="49" charset="-122"/>
+              </a:rPr>
+              <a:t>BDS</a:t>
+            </a:r>
+            <a:r>
+              <a:rPr lang="zh-CN" altLang="en-US" dirty="0" smtClean="0">
+                <a:latin typeface="黑体" panose="02010609060101010101" pitchFamily="49" charset="-122"/>
+                <a:ea typeface="黑体" panose="02010609060101010101" pitchFamily="49" charset="-122"/>
+              </a:rPr>
+              <a:t>匹配结果</a:t>
+            </a:r>
+            <a:endParaRPr lang="zh-CN" altLang="en-US" dirty="0">
+              <a:latin typeface="黑体" panose="02010609060101010101" pitchFamily="49" charset="-122"/>
+              <a:ea typeface="黑体" panose="02010609060101010101" pitchFamily="49" charset="-122"/>
+            </a:endParaRPr>
+          </a:p>
+        </p:txBody>
+      </p:sp>
     </p:spTree>
     <p:extLst>
       <p:ext uri="{BB962C8B-B14F-4D97-AF65-F5344CB8AC3E}">
@@ -7137,6 +7242,1163 @@
       </p:grpSpPr>
       <p:grpSp>
         <p:nvGrpSpPr>
+          <p:cNvPr id="14" name="组合 13"/>
+          <p:cNvGrpSpPr/>
+          <p:nvPr/>
+        </p:nvGrpSpPr>
+        <p:grpSpPr>
+          <a:xfrm>
+            <a:off x="114300" y="171450"/>
+            <a:ext cx="8875502" cy="1066800"/>
+            <a:chOff x="114300" y="171450"/>
+            <a:chExt cx="8875502" cy="1066800"/>
+          </a:xfrm>
+        </p:grpSpPr>
+        <p:cxnSp>
+          <p:nvCxnSpPr>
+            <p:cNvPr id="15" name="直接连接符 14"/>
+            <p:cNvCxnSpPr/>
+            <p:nvPr/>
+          </p:nvCxnSpPr>
+          <p:spPr>
+            <a:xfrm>
+              <a:off x="114300" y="1076325"/>
+              <a:ext cx="8858250" cy="0"/>
+            </a:xfrm>
+            <a:prstGeom prst="line">
+              <a:avLst/>
+            </a:prstGeom>
+            <a:ln w="31750">
+              <a:solidFill>
+                <a:srgbClr val="1E50A6"/>
+              </a:solidFill>
+            </a:ln>
+          </p:spPr>
+          <p:style>
+            <a:lnRef idx="1">
+              <a:schemeClr val="accent1"/>
+            </a:lnRef>
+            <a:fillRef idx="0">
+              <a:schemeClr val="accent1"/>
+            </a:fillRef>
+            <a:effectRef idx="0">
+              <a:schemeClr val="accent1"/>
+            </a:effectRef>
+            <a:fontRef idx="minor">
+              <a:schemeClr val="tx1"/>
+            </a:fontRef>
+          </p:style>
+        </p:cxnSp>
+        <p:cxnSp>
+          <p:nvCxnSpPr>
+            <p:cNvPr id="16" name="直接连接符 15"/>
+            <p:cNvCxnSpPr/>
+            <p:nvPr/>
+          </p:nvCxnSpPr>
+          <p:spPr>
+            <a:xfrm>
+              <a:off x="6962775" y="171450"/>
+              <a:ext cx="28322" cy="1066800"/>
+            </a:xfrm>
+            <a:prstGeom prst="line">
+              <a:avLst/>
+            </a:prstGeom>
+            <a:ln w="31750">
+              <a:solidFill>
+                <a:srgbClr val="1E50A6"/>
+              </a:solidFill>
+            </a:ln>
+          </p:spPr>
+          <p:style>
+            <a:lnRef idx="1">
+              <a:schemeClr val="accent1"/>
+            </a:lnRef>
+            <a:fillRef idx="0">
+              <a:schemeClr val="accent1"/>
+            </a:fillRef>
+            <a:effectRef idx="0">
+              <a:schemeClr val="accent1"/>
+            </a:effectRef>
+            <a:fontRef idx="minor">
+              <a:schemeClr val="tx1"/>
+            </a:fontRef>
+          </p:style>
+        </p:cxnSp>
+        <p:pic>
+          <p:nvPicPr>
+            <p:cNvPr id="17" name="图片 16"/>
+            <p:cNvPicPr>
+              <a:picLocks noChangeAspect="1"/>
+            </p:cNvPicPr>
+            <p:nvPr/>
+          </p:nvPicPr>
+          <p:blipFill rotWithShape="1">
+            <a:blip r:embed="rId2">
+              <a:extLst>
+                <a:ext uri="{28A0092B-C50C-407E-A947-70E740481C1C}">
+                  <a14:useLocalDpi xmlns:a14="http://schemas.microsoft.com/office/drawing/2010/main" val="0"/>
+                </a:ext>
+              </a:extLst>
+            </a:blip>
+            <a:srcRect t="36874" r="33358" b="34304"/>
+            <a:stretch>
+              <a:fillRect/>
+            </a:stretch>
+          </p:blipFill>
+          <p:spPr>
+            <a:xfrm>
+              <a:off x="7076536" y="261127"/>
+              <a:ext cx="1913266" cy="765415"/>
+            </a:xfrm>
+            <a:prstGeom prst="rect">
+              <a:avLst/>
+            </a:prstGeom>
+          </p:spPr>
+        </p:pic>
+      </p:grpSp>
+      <p:sp>
+        <p:nvSpPr>
+          <p:cNvPr id="18" name="矩形 17"/>
+          <p:cNvSpPr/>
+          <p:nvPr/>
+        </p:nvSpPr>
+        <p:spPr>
+          <a:xfrm>
+            <a:off x="0" y="6573627"/>
+            <a:ext cx="9144000" cy="285750"/>
+          </a:xfrm>
+          <a:prstGeom prst="rect">
+            <a:avLst/>
+          </a:prstGeom>
+          <a:solidFill>
+            <a:srgbClr val="1B4DA5"/>
+          </a:solidFill>
+          <a:ln>
+            <a:noFill/>
+          </a:ln>
+        </p:spPr>
+        <p:style>
+          <a:lnRef idx="2">
+            <a:schemeClr val="accent1">
+              <a:shade val="50000"/>
+            </a:schemeClr>
+          </a:lnRef>
+          <a:fillRef idx="1">
+            <a:schemeClr val="accent1"/>
+          </a:fillRef>
+          <a:effectRef idx="0">
+            <a:schemeClr val="accent1"/>
+          </a:effectRef>
+          <a:fontRef idx="minor">
+            <a:schemeClr val="lt1"/>
+          </a:fontRef>
+        </p:style>
+        <p:txBody>
+          <a:bodyPr rtlCol="0" anchor="ctr"/>
+          <a:lstStyle/>
+          <a:p>
+            <a:pPr algn="ctr"/>
+            <a:r>
+              <a:rPr lang="zh-CN" altLang="zh-CN" sz="1200" dirty="0">
+                <a:latin typeface="黑体" panose="02010609060101010101" pitchFamily="49" charset="-122"/>
+                <a:ea typeface="黑体" panose="02010609060101010101" pitchFamily="49" charset="-122"/>
+              </a:rPr>
+              <a:t>移动对象的时空轨迹相似性</a:t>
+            </a:r>
+            <a:r>
+              <a:rPr lang="zh-CN" altLang="zh-CN" sz="1200" dirty="0" smtClean="0">
+                <a:latin typeface="黑体" panose="02010609060101010101" pitchFamily="49" charset="-122"/>
+                <a:ea typeface="黑体" panose="02010609060101010101" pitchFamily="49" charset="-122"/>
+              </a:rPr>
+              <a:t>算法</a:t>
+            </a:r>
+            <a:endParaRPr lang="zh-CN" altLang="en-US" sz="1200" dirty="0">
+              <a:latin typeface="黑体" panose="02010609060101010101" pitchFamily="49" charset="-122"/>
+              <a:ea typeface="黑体" panose="02010609060101010101" pitchFamily="49" charset="-122"/>
+              <a:cs typeface="Times New Roman" panose="02020603050405020304" pitchFamily="18" charset="0"/>
+            </a:endParaRPr>
+          </a:p>
+        </p:txBody>
+      </p:sp>
+      <p:sp>
+        <p:nvSpPr>
+          <p:cNvPr id="19" name="标题 1"/>
+          <p:cNvSpPr txBox="1">
+            <a:spLocks/>
+          </p:cNvSpPr>
+          <p:nvPr/>
+        </p:nvSpPr>
+        <p:spPr>
+          <a:xfrm>
+            <a:off x="628650" y="365125"/>
+            <a:ext cx="6324600" cy="715963"/>
+          </a:xfrm>
+          <a:prstGeom prst="rect">
+            <a:avLst/>
+          </a:prstGeom>
+        </p:spPr>
+        <p:txBody>
+          <a:bodyPr/>
+          <a:lstStyle>
+            <a:lvl1pPr algn="l" defTabSz="914400" rtl="0" eaLnBrk="1" latinLnBrk="0" hangingPunct="1">
+              <a:lnSpc>
+                <a:spcPct val="90000"/>
+              </a:lnSpc>
+              <a:spcBef>
+                <a:spcPct val="0"/>
+              </a:spcBef>
+              <a:buNone/>
+              <a:defRPr sz="4400" kern="1200">
+                <a:solidFill>
+                  <a:schemeClr val="tx1"/>
+                </a:solidFill>
+                <a:latin typeface="+mj-lt"/>
+                <a:ea typeface="+mj-ea"/>
+                <a:cs typeface="+mj-cs"/>
+              </a:defRPr>
+            </a:lvl1pPr>
+          </a:lstStyle>
+          <a:p>
+            <a:r>
+              <a:rPr lang="en-US" altLang="zh-CN" smtClean="0">
+                <a:latin typeface="Times New Roman" panose="02020603050405020304" pitchFamily="18" charset="0"/>
+                <a:ea typeface="黑体" panose="02010609060101010101" pitchFamily="49" charset="-122"/>
+                <a:cs typeface="Times New Roman" panose="02020603050405020304" pitchFamily="18" charset="0"/>
+              </a:rPr>
+              <a:t>DTW-BDS</a:t>
+            </a:r>
+            <a:r>
+              <a:rPr lang="zh-CN" altLang="en-US" smtClean="0">
+                <a:latin typeface="Times New Roman" panose="02020603050405020304" pitchFamily="18" charset="0"/>
+                <a:ea typeface="黑体" panose="02010609060101010101" pitchFamily="49" charset="-122"/>
+                <a:cs typeface="Times New Roman" panose="02020603050405020304" pitchFamily="18" charset="0"/>
+              </a:rPr>
+              <a:t>对应点匹配</a:t>
+            </a:r>
+            <a:endParaRPr lang="zh-CN" altLang="en-US" dirty="0" smtClean="0">
+              <a:latin typeface="Times New Roman" panose="02020603050405020304" pitchFamily="18" charset="0"/>
+              <a:ea typeface="黑体" panose="02010609060101010101" pitchFamily="49" charset="-122"/>
+              <a:cs typeface="Times New Roman" panose="02020603050405020304" pitchFamily="18" charset="0"/>
+            </a:endParaRPr>
+          </a:p>
+        </p:txBody>
+      </p:sp>
+      <p:sp>
+        <p:nvSpPr>
+          <p:cNvPr id="30" name="TextBox 40"/>
+          <p:cNvSpPr txBox="1">
+            <a:spLocks noChangeArrowheads="1"/>
+          </p:cNvSpPr>
+          <p:nvPr/>
+        </p:nvSpPr>
+        <p:spPr bwMode="auto">
+          <a:xfrm>
+            <a:off x="1150010" y="5287701"/>
+            <a:ext cx="6357755" cy="923330"/>
+          </a:xfrm>
+          <a:prstGeom prst="rect">
+            <a:avLst/>
+          </a:prstGeom>
+          <a:solidFill>
+            <a:schemeClr val="accent6">
+              <a:lumMod val="20000"/>
+              <a:lumOff val="80000"/>
+            </a:schemeClr>
+          </a:solidFill>
+          <a:ln w="22225">
+            <a:solidFill>
+              <a:srgbClr val="5E5EAF"/>
+            </a:solidFill>
+            <a:miter lim="800000"/>
+          </a:ln>
+        </p:spPr>
+        <p:txBody>
+          <a:bodyPr wrap="square">
+            <a:spAutoFit/>
+          </a:bodyPr>
+          <a:lstStyle>
+            <a:lvl1pPr>
+              <a:defRPr>
+                <a:solidFill>
+                  <a:schemeClr val="tx1"/>
+                </a:solidFill>
+                <a:latin typeface="Tahoma" panose="020B0604030504040204" pitchFamily="34" charset="0"/>
+                <a:ea typeface="PMingLiU" panose="02020500000000000000" pitchFamily="18" charset="-120"/>
+              </a:defRPr>
+            </a:lvl1pPr>
+            <a:lvl2pPr>
+              <a:defRPr>
+                <a:solidFill>
+                  <a:schemeClr val="tx1"/>
+                </a:solidFill>
+                <a:latin typeface="Tahoma" panose="020B0604030504040204" pitchFamily="34" charset="0"/>
+                <a:ea typeface="PMingLiU" panose="02020500000000000000" pitchFamily="18" charset="-120"/>
+              </a:defRPr>
+            </a:lvl2pPr>
+            <a:lvl3pPr>
+              <a:defRPr>
+                <a:solidFill>
+                  <a:schemeClr val="tx1"/>
+                </a:solidFill>
+                <a:latin typeface="Tahoma" panose="020B0604030504040204" pitchFamily="34" charset="0"/>
+                <a:ea typeface="PMingLiU" panose="02020500000000000000" pitchFamily="18" charset="-120"/>
+              </a:defRPr>
+            </a:lvl3pPr>
+            <a:lvl4pPr>
+              <a:defRPr>
+                <a:solidFill>
+                  <a:schemeClr val="tx1"/>
+                </a:solidFill>
+                <a:latin typeface="Tahoma" panose="020B0604030504040204" pitchFamily="34" charset="0"/>
+                <a:ea typeface="PMingLiU" panose="02020500000000000000" pitchFamily="18" charset="-120"/>
+              </a:defRPr>
+            </a:lvl4pPr>
+            <a:lvl5pPr>
+              <a:defRPr>
+                <a:solidFill>
+                  <a:schemeClr val="tx1"/>
+                </a:solidFill>
+                <a:latin typeface="Tahoma" panose="020B0604030504040204" pitchFamily="34" charset="0"/>
+                <a:ea typeface="PMingLiU" panose="02020500000000000000" pitchFamily="18" charset="-120"/>
+              </a:defRPr>
+            </a:lvl5pPr>
+            <a:lvl6pPr fontAlgn="base">
+              <a:spcBef>
+                <a:spcPct val="0"/>
+              </a:spcBef>
+              <a:spcAft>
+                <a:spcPct val="0"/>
+              </a:spcAft>
+              <a:buFont typeface="Arial" panose="020B0604020202020204" pitchFamily="34" charset="0"/>
+              <a:defRPr>
+                <a:solidFill>
+                  <a:schemeClr val="tx1"/>
+                </a:solidFill>
+                <a:latin typeface="Tahoma" panose="020B0604030504040204" pitchFamily="34" charset="0"/>
+                <a:ea typeface="PMingLiU" panose="02020500000000000000" pitchFamily="18" charset="-120"/>
+              </a:defRPr>
+            </a:lvl6pPr>
+            <a:lvl7pPr fontAlgn="base">
+              <a:spcBef>
+                <a:spcPct val="0"/>
+              </a:spcBef>
+              <a:spcAft>
+                <a:spcPct val="0"/>
+              </a:spcAft>
+              <a:buFont typeface="Arial" panose="020B0604020202020204" pitchFamily="34" charset="0"/>
+              <a:defRPr>
+                <a:solidFill>
+                  <a:schemeClr val="tx1"/>
+                </a:solidFill>
+                <a:latin typeface="Tahoma" panose="020B0604030504040204" pitchFamily="34" charset="0"/>
+                <a:ea typeface="PMingLiU" panose="02020500000000000000" pitchFamily="18" charset="-120"/>
+              </a:defRPr>
+            </a:lvl7pPr>
+            <a:lvl8pPr fontAlgn="base">
+              <a:spcBef>
+                <a:spcPct val="0"/>
+              </a:spcBef>
+              <a:spcAft>
+                <a:spcPct val="0"/>
+              </a:spcAft>
+              <a:buFont typeface="Arial" panose="020B0604020202020204" pitchFamily="34" charset="0"/>
+              <a:defRPr>
+                <a:solidFill>
+                  <a:schemeClr val="tx1"/>
+                </a:solidFill>
+                <a:latin typeface="Tahoma" panose="020B0604030504040204" pitchFamily="34" charset="0"/>
+                <a:ea typeface="PMingLiU" panose="02020500000000000000" pitchFamily="18" charset="-120"/>
+              </a:defRPr>
+            </a:lvl8pPr>
+            <a:lvl9pPr fontAlgn="base">
+              <a:spcBef>
+                <a:spcPct val="0"/>
+              </a:spcBef>
+              <a:spcAft>
+                <a:spcPct val="0"/>
+              </a:spcAft>
+              <a:buFont typeface="Arial" panose="020B0604020202020204" pitchFamily="34" charset="0"/>
+              <a:defRPr>
+                <a:solidFill>
+                  <a:schemeClr val="tx1"/>
+                </a:solidFill>
+                <a:latin typeface="Tahoma" panose="020B0604030504040204" pitchFamily="34" charset="0"/>
+                <a:ea typeface="PMingLiU" panose="02020500000000000000" pitchFamily="18" charset="-120"/>
+              </a:defRPr>
+            </a:lvl9pPr>
+          </a:lstStyle>
+          <a:p>
+            <a:pPr eaLnBrk="1" fontAlgn="auto" hangingPunct="1">
+              <a:spcBef>
+                <a:spcPts val="0"/>
+              </a:spcBef>
+              <a:spcAft>
+                <a:spcPts val="0"/>
+              </a:spcAft>
+              <a:defRPr/>
+            </a:pPr>
+            <a:r>
+              <a:rPr lang="en-US" altLang="zh-CN" dirty="0" smtClean="0">
+                <a:solidFill>
+                  <a:srgbClr val="333399"/>
+                </a:solidFill>
+                <a:latin typeface="Times New Roman" panose="02020603050405020304" pitchFamily="18" charset="0"/>
+                <a:ea typeface="黑体" panose="02010609060101010101" pitchFamily="49" charset="-122"/>
+                <a:cs typeface="Times New Roman" panose="02020603050405020304" pitchFamily="18" charset="0"/>
+              </a:rPr>
+              <a:t>DTW-BDS</a:t>
+            </a:r>
+            <a:r>
+              <a:rPr lang="zh-CN" altLang="en-US" dirty="0" smtClean="0">
+                <a:solidFill>
+                  <a:srgbClr val="333399"/>
+                </a:solidFill>
+                <a:latin typeface="Times New Roman" panose="02020603050405020304" pitchFamily="18" charset="0"/>
+                <a:ea typeface="黑体" panose="02010609060101010101" pitchFamily="49" charset="-122"/>
+                <a:cs typeface="Times New Roman" panose="02020603050405020304" pitchFamily="18" charset="0"/>
+              </a:rPr>
+              <a:t>算法优势：</a:t>
+            </a:r>
+            <a:endParaRPr lang="en-US" altLang="zh-CN" dirty="0">
+              <a:solidFill>
+                <a:srgbClr val="333399"/>
+              </a:solidFill>
+              <a:latin typeface="Times New Roman" panose="02020603050405020304" pitchFamily="18" charset="0"/>
+              <a:ea typeface="黑体" panose="02010609060101010101" pitchFamily="49" charset="-122"/>
+              <a:cs typeface="Times New Roman" panose="02020603050405020304" pitchFamily="18" charset="0"/>
+            </a:endParaRPr>
+          </a:p>
+          <a:p>
+            <a:pPr>
+              <a:defRPr/>
+            </a:pPr>
+            <a:r>
+              <a:rPr lang="en-US" altLang="zh-CN" dirty="0">
+                <a:latin typeface="Times New Roman" panose="02020603050405020304" pitchFamily="18" charset="0"/>
+                <a:ea typeface="黑体" panose="02010609060101010101" pitchFamily="49" charset="-122"/>
+                <a:cs typeface="Times New Roman" panose="02020603050405020304" pitchFamily="18" charset="0"/>
+              </a:rPr>
+              <a:t> </a:t>
+            </a:r>
+            <a:r>
+              <a:rPr lang="en-US" altLang="zh-CN" dirty="0" smtClean="0">
+                <a:latin typeface="Times New Roman" panose="02020603050405020304" pitchFamily="18" charset="0"/>
+                <a:ea typeface="黑体" panose="02010609060101010101" pitchFamily="49" charset="-122"/>
+                <a:cs typeface="Times New Roman" panose="02020603050405020304" pitchFamily="18" charset="0"/>
+              </a:rPr>
+              <a:t>       </a:t>
+            </a:r>
+            <a:r>
+              <a:rPr lang="en-US" altLang="zh-CN" dirty="0" smtClean="0">
+                <a:latin typeface="Times New Roman" panose="02020603050405020304" pitchFamily="18" charset="0"/>
+                <a:ea typeface="黑体" panose="02010609060101010101" pitchFamily="49" charset="-122"/>
+                <a:cs typeface="Times New Roman" panose="02020603050405020304" pitchFamily="18" charset="0"/>
+              </a:rPr>
+              <a:t>−</a:t>
+            </a:r>
+            <a:r>
+              <a:rPr lang="zh-CN" altLang="en-US" dirty="0">
+                <a:latin typeface="Times New Roman" panose="02020603050405020304" pitchFamily="18" charset="0"/>
+                <a:ea typeface="黑体" panose="02010609060101010101" pitchFamily="49" charset="-122"/>
+                <a:cs typeface="Times New Roman" panose="02020603050405020304" pitchFamily="18" charset="0"/>
+              </a:rPr>
+              <a:t>对齐效果</a:t>
+            </a:r>
+            <a:r>
+              <a:rPr lang="zh-CN" altLang="en-US" dirty="0" smtClean="0">
+                <a:latin typeface="Times New Roman" panose="02020603050405020304" pitchFamily="18" charset="0"/>
+                <a:ea typeface="黑体" panose="02010609060101010101" pitchFamily="49" charset="-122"/>
+                <a:cs typeface="Times New Roman" panose="02020603050405020304" pitchFamily="18" charset="0"/>
+              </a:rPr>
+              <a:t>好</a:t>
+            </a:r>
+            <a:endParaRPr lang="en-US" altLang="zh-CN" dirty="0" smtClean="0">
+              <a:latin typeface="Times New Roman" panose="02020603050405020304" pitchFamily="18" charset="0"/>
+              <a:ea typeface="黑体" panose="02010609060101010101" pitchFamily="49" charset="-122"/>
+              <a:cs typeface="Times New Roman" panose="02020603050405020304" pitchFamily="18" charset="0"/>
+            </a:endParaRPr>
+          </a:p>
+          <a:p>
+            <a:pPr>
+              <a:defRPr/>
+            </a:pPr>
+            <a:r>
+              <a:rPr lang="en-US" altLang="zh-CN" dirty="0" smtClean="0">
+                <a:latin typeface="Times New Roman" panose="02020603050405020304" pitchFamily="18" charset="0"/>
+                <a:ea typeface="黑体" panose="02010609060101010101" pitchFamily="49" charset="-122"/>
+                <a:cs typeface="Times New Roman" panose="02020603050405020304" pitchFamily="18" charset="0"/>
+              </a:rPr>
+              <a:t>        −</a:t>
+            </a:r>
+            <a:r>
+              <a:rPr lang="zh-CN" altLang="en-US" dirty="0" smtClean="0">
+                <a:latin typeface="Times New Roman" panose="02020603050405020304" pitchFamily="18" charset="0"/>
+                <a:ea typeface="黑体" panose="02010609060101010101" pitchFamily="49" charset="-122"/>
+                <a:cs typeface="Times New Roman" panose="02020603050405020304" pitchFamily="18" charset="0"/>
+              </a:rPr>
+              <a:t>匹配结果保持时序</a:t>
+            </a:r>
+            <a:r>
+              <a:rPr lang="zh-CN" altLang="en-US" dirty="0">
+                <a:latin typeface="Times New Roman" panose="02020603050405020304" pitchFamily="18" charset="0"/>
+                <a:ea typeface="黑体" panose="02010609060101010101" pitchFamily="49" charset="-122"/>
+                <a:cs typeface="Times New Roman" panose="02020603050405020304" pitchFamily="18" charset="0"/>
+              </a:rPr>
+              <a:t>性</a:t>
+            </a:r>
+            <a:endParaRPr lang="zh-CN" altLang="en-US" dirty="0">
+              <a:latin typeface="Times New Roman" panose="02020603050405020304" pitchFamily="18" charset="0"/>
+              <a:ea typeface="黑体" panose="02010609060101010101" pitchFamily="49" charset="-122"/>
+              <a:cs typeface="Times New Roman" panose="02020603050405020304" pitchFamily="18" charset="0"/>
+            </a:endParaRPr>
+          </a:p>
+        </p:txBody>
+      </p:sp>
+      <p:grpSp>
+        <p:nvGrpSpPr>
+          <p:cNvPr id="48" name="组合 47"/>
+          <p:cNvGrpSpPr/>
+          <p:nvPr/>
+        </p:nvGrpSpPr>
+        <p:grpSpPr>
+          <a:xfrm>
+            <a:off x="4779199" y="1673553"/>
+            <a:ext cx="3458234" cy="3036498"/>
+            <a:chOff x="3990629" y="1539073"/>
+            <a:chExt cx="3458234" cy="3036498"/>
+          </a:xfrm>
+        </p:grpSpPr>
+        <p:pic>
+          <p:nvPicPr>
+            <p:cNvPr id="28" name="图片 27"/>
+            <p:cNvPicPr>
+              <a:picLocks noChangeAspect="1"/>
+            </p:cNvPicPr>
+            <p:nvPr/>
+          </p:nvPicPr>
+          <p:blipFill>
+            <a:blip r:embed="rId3" cstate="print">
+              <a:extLst>
+                <a:ext uri="{28A0092B-C50C-407E-A947-70E740481C1C}">
+                  <a14:useLocalDpi xmlns:a14="http://schemas.microsoft.com/office/drawing/2010/main" val="0"/>
+                </a:ext>
+              </a:extLst>
+            </a:blip>
+            <a:stretch>
+              <a:fillRect/>
+            </a:stretch>
+          </p:blipFill>
+          <p:spPr>
+            <a:xfrm>
+              <a:off x="3990629" y="1539073"/>
+              <a:ext cx="3458234" cy="3036498"/>
+            </a:xfrm>
+            <a:prstGeom prst="rect">
+              <a:avLst/>
+            </a:prstGeom>
+          </p:spPr>
+        </p:pic>
+        <p:sp>
+          <p:nvSpPr>
+            <p:cNvPr id="29" name="文本框 28"/>
+            <p:cNvSpPr txBox="1"/>
+            <p:nvPr/>
+          </p:nvSpPr>
+          <p:spPr>
+            <a:xfrm>
+              <a:off x="4291767" y="4148299"/>
+              <a:ext cx="2855957" cy="369332"/>
+            </a:xfrm>
+            <a:prstGeom prst="rect">
+              <a:avLst/>
+            </a:prstGeom>
+            <a:solidFill>
+              <a:srgbClr val="FFFFFF"/>
+            </a:solidFill>
+          </p:spPr>
+          <p:txBody>
+            <a:bodyPr wrap="square" rtlCol="0">
+              <a:spAutoFit/>
+            </a:bodyPr>
+            <a:lstStyle/>
+            <a:p>
+              <a:pPr algn="ctr"/>
+              <a:r>
+                <a:rPr lang="en-US" altLang="zh-CN" dirty="0" smtClean="0">
+                  <a:latin typeface="黑体" panose="02010609060101010101" pitchFamily="49" charset="-122"/>
+                  <a:ea typeface="黑体" panose="02010609060101010101" pitchFamily="49" charset="-122"/>
+                </a:rPr>
+                <a:t>DTW-BDS</a:t>
+              </a:r>
+              <a:r>
+                <a:rPr lang="zh-CN" altLang="en-US" dirty="0" smtClean="0">
+                  <a:latin typeface="黑体" panose="02010609060101010101" pitchFamily="49" charset="-122"/>
+                  <a:ea typeface="黑体" panose="02010609060101010101" pitchFamily="49" charset="-122"/>
+                </a:rPr>
+                <a:t>匹配结果</a:t>
+              </a:r>
+              <a:endParaRPr lang="zh-CN" altLang="en-US" dirty="0">
+                <a:latin typeface="黑体" panose="02010609060101010101" pitchFamily="49" charset="-122"/>
+                <a:ea typeface="黑体" panose="02010609060101010101" pitchFamily="49" charset="-122"/>
+              </a:endParaRPr>
+            </a:p>
+          </p:txBody>
+        </p:sp>
+        <p:sp>
+          <p:nvSpPr>
+            <p:cNvPr id="38" name="椭圆 37"/>
+            <p:cNvSpPr/>
+            <p:nvPr/>
+          </p:nvSpPr>
+          <p:spPr>
+            <a:xfrm>
+              <a:off x="4895604" y="1833269"/>
+              <a:ext cx="1482743" cy="646601"/>
+            </a:xfrm>
+            <a:prstGeom prst="ellipse">
+              <a:avLst/>
+            </a:prstGeom>
+            <a:solidFill>
+              <a:schemeClr val="accent1">
+                <a:alpha val="20000"/>
+              </a:schemeClr>
+            </a:solidFill>
+          </p:spPr>
+          <p:style>
+            <a:lnRef idx="2">
+              <a:schemeClr val="accent1">
+                <a:shade val="50000"/>
+              </a:schemeClr>
+            </a:lnRef>
+            <a:fillRef idx="1">
+              <a:schemeClr val="accent1"/>
+            </a:fillRef>
+            <a:effectRef idx="0">
+              <a:schemeClr val="accent1"/>
+            </a:effectRef>
+            <a:fontRef idx="minor">
+              <a:schemeClr val="lt1"/>
+            </a:fontRef>
+          </p:style>
+          <p:txBody>
+            <a:bodyPr rtlCol="0" anchor="ctr"/>
+            <a:lstStyle/>
+            <a:p>
+              <a:pPr algn="ctr"/>
+              <a:endParaRPr lang="zh-CN" altLang="en-US"/>
+            </a:p>
+          </p:txBody>
+        </p:sp>
+        <p:sp>
+          <p:nvSpPr>
+            <p:cNvPr id="39" name="椭圆 38"/>
+            <p:cNvSpPr/>
+            <p:nvPr/>
+          </p:nvSpPr>
+          <p:spPr>
+            <a:xfrm>
+              <a:off x="5145411" y="2532617"/>
+              <a:ext cx="1232936" cy="1527693"/>
+            </a:xfrm>
+            <a:prstGeom prst="ellipse">
+              <a:avLst/>
+            </a:prstGeom>
+            <a:solidFill>
+              <a:schemeClr val="accent6">
+                <a:lumMod val="75000"/>
+                <a:alpha val="20000"/>
+              </a:schemeClr>
+            </a:solidFill>
+          </p:spPr>
+          <p:style>
+            <a:lnRef idx="2">
+              <a:schemeClr val="accent1">
+                <a:shade val="50000"/>
+              </a:schemeClr>
+            </a:lnRef>
+            <a:fillRef idx="1">
+              <a:schemeClr val="accent1"/>
+            </a:fillRef>
+            <a:effectRef idx="0">
+              <a:schemeClr val="accent1"/>
+            </a:effectRef>
+            <a:fontRef idx="minor">
+              <a:schemeClr val="lt1"/>
+            </a:fontRef>
+          </p:style>
+          <p:txBody>
+            <a:bodyPr rtlCol="0" anchor="ctr"/>
+            <a:lstStyle/>
+            <a:p>
+              <a:pPr algn="ctr"/>
+              <a:endParaRPr lang="zh-CN" altLang="en-US"/>
+            </a:p>
+          </p:txBody>
+        </p:sp>
+      </p:grpSp>
+      <p:sp>
+        <p:nvSpPr>
+          <p:cNvPr id="40" name="右箭头 39"/>
+          <p:cNvSpPr/>
+          <p:nvPr/>
+        </p:nvSpPr>
+        <p:spPr>
+          <a:xfrm>
+            <a:off x="3521515" y="2160901"/>
+            <a:ext cx="729154" cy="303022"/>
+          </a:xfrm>
+          <a:prstGeom prst="rightArrow">
+            <a:avLst/>
+          </a:prstGeom>
+        </p:spPr>
+        <p:style>
+          <a:lnRef idx="2">
+            <a:schemeClr val="accent1">
+              <a:shade val="50000"/>
+            </a:schemeClr>
+          </a:lnRef>
+          <a:fillRef idx="1">
+            <a:schemeClr val="accent1"/>
+          </a:fillRef>
+          <a:effectRef idx="0">
+            <a:schemeClr val="accent1"/>
+          </a:effectRef>
+          <a:fontRef idx="minor">
+            <a:schemeClr val="lt1"/>
+          </a:fontRef>
+        </p:style>
+        <p:txBody>
+          <a:bodyPr rtlCol="0" anchor="ctr"/>
+          <a:lstStyle/>
+          <a:p>
+            <a:pPr algn="ctr"/>
+            <a:endParaRPr lang="zh-CN" altLang="en-US"/>
+          </a:p>
+        </p:txBody>
+      </p:sp>
+      <p:sp>
+        <p:nvSpPr>
+          <p:cNvPr id="41" name="文本框 40"/>
+          <p:cNvSpPr txBox="1"/>
+          <p:nvPr/>
+        </p:nvSpPr>
+        <p:spPr>
+          <a:xfrm>
+            <a:off x="3273868" y="1817322"/>
+            <a:ext cx="1338828" cy="369332"/>
+          </a:xfrm>
+          <a:prstGeom prst="rect">
+            <a:avLst/>
+          </a:prstGeom>
+          <a:noFill/>
+        </p:spPr>
+        <p:txBody>
+          <a:bodyPr wrap="none" rtlCol="0">
+            <a:spAutoFit/>
+          </a:bodyPr>
+          <a:lstStyle/>
+          <a:p>
+            <a:r>
+              <a:rPr lang="zh-CN" altLang="en-US" dirty="0" smtClean="0">
+                <a:latin typeface="黑体" panose="02010609060101010101" pitchFamily="49" charset="-122"/>
+                <a:ea typeface="黑体" panose="02010609060101010101" pitchFamily="49" charset="-122"/>
+              </a:rPr>
+              <a:t>保证时序性</a:t>
+            </a:r>
+            <a:endParaRPr lang="zh-CN" altLang="en-US" dirty="0">
+              <a:latin typeface="黑体" panose="02010609060101010101" pitchFamily="49" charset="-122"/>
+              <a:ea typeface="黑体" panose="02010609060101010101" pitchFamily="49" charset="-122"/>
+            </a:endParaRPr>
+          </a:p>
+        </p:txBody>
+      </p:sp>
+      <p:sp>
+        <p:nvSpPr>
+          <p:cNvPr id="42" name="右箭头 41"/>
+          <p:cNvSpPr/>
+          <p:nvPr/>
+        </p:nvSpPr>
+        <p:spPr>
+          <a:xfrm>
+            <a:off x="3437643" y="3946260"/>
+            <a:ext cx="1021852" cy="303022"/>
+          </a:xfrm>
+          <a:prstGeom prst="rightArrow">
+            <a:avLst/>
+          </a:prstGeom>
+        </p:spPr>
+        <p:style>
+          <a:lnRef idx="2">
+            <a:schemeClr val="accent1">
+              <a:shade val="50000"/>
+            </a:schemeClr>
+          </a:lnRef>
+          <a:fillRef idx="1">
+            <a:schemeClr val="accent1"/>
+          </a:fillRef>
+          <a:effectRef idx="0">
+            <a:schemeClr val="accent1"/>
+          </a:effectRef>
+          <a:fontRef idx="minor">
+            <a:schemeClr val="lt1"/>
+          </a:fontRef>
+        </p:style>
+        <p:txBody>
+          <a:bodyPr rtlCol="0" anchor="ctr"/>
+          <a:lstStyle/>
+          <a:p>
+            <a:pPr algn="ctr"/>
+            <a:endParaRPr lang="zh-CN" altLang="en-US"/>
+          </a:p>
+        </p:txBody>
+      </p:sp>
+      <p:sp>
+        <p:nvSpPr>
+          <p:cNvPr id="43" name="文本框 42"/>
+          <p:cNvSpPr txBox="1"/>
+          <p:nvPr/>
+        </p:nvSpPr>
+        <p:spPr>
+          <a:xfrm>
+            <a:off x="3199718" y="3592679"/>
+            <a:ext cx="1569660" cy="369332"/>
+          </a:xfrm>
+          <a:prstGeom prst="rect">
+            <a:avLst/>
+          </a:prstGeom>
+          <a:noFill/>
+        </p:spPr>
+        <p:txBody>
+          <a:bodyPr wrap="none" rtlCol="0">
+            <a:spAutoFit/>
+          </a:bodyPr>
+          <a:lstStyle/>
+          <a:p>
+            <a:r>
+              <a:rPr lang="zh-CN" altLang="en-US" dirty="0" smtClean="0">
+                <a:latin typeface="黑体" panose="02010609060101010101" pitchFamily="49" charset="-122"/>
+                <a:ea typeface="黑体" panose="02010609060101010101" pitchFamily="49" charset="-122"/>
+              </a:rPr>
+              <a:t>提升匹配效果</a:t>
+            </a:r>
+            <a:endParaRPr lang="zh-CN" altLang="en-US" dirty="0">
+              <a:latin typeface="黑体" panose="02010609060101010101" pitchFamily="49" charset="-122"/>
+              <a:ea typeface="黑体" panose="02010609060101010101" pitchFamily="49" charset="-122"/>
+            </a:endParaRPr>
+          </a:p>
+        </p:txBody>
+      </p:sp>
+      <p:grpSp>
+        <p:nvGrpSpPr>
+          <p:cNvPr id="47" name="组合 46"/>
+          <p:cNvGrpSpPr/>
+          <p:nvPr/>
+        </p:nvGrpSpPr>
+        <p:grpSpPr>
+          <a:xfrm>
+            <a:off x="1037811" y="3073166"/>
+            <a:ext cx="2210966" cy="1863007"/>
+            <a:chOff x="4818383" y="3856334"/>
+            <a:chExt cx="2967706" cy="2592677"/>
+          </a:xfrm>
+        </p:grpSpPr>
+        <p:pic>
+          <p:nvPicPr>
+            <p:cNvPr id="7" name="图片 6"/>
+            <p:cNvPicPr>
+              <a:picLocks noChangeAspect="1"/>
+            </p:cNvPicPr>
+            <p:nvPr/>
+          </p:nvPicPr>
+          <p:blipFill>
+            <a:blip r:embed="rId4" cstate="print">
+              <a:extLst>
+                <a:ext uri="{28A0092B-C50C-407E-A947-70E740481C1C}">
+                  <a14:useLocalDpi xmlns:a14="http://schemas.microsoft.com/office/drawing/2010/main" val="0"/>
+                </a:ext>
+              </a:extLst>
+            </a:blip>
+            <a:stretch>
+              <a:fillRect/>
+            </a:stretch>
+          </p:blipFill>
+          <p:spPr>
+            <a:xfrm>
+              <a:off x="4818383" y="3856334"/>
+              <a:ext cx="2967706" cy="2592677"/>
+            </a:xfrm>
+            <a:prstGeom prst="rect">
+              <a:avLst/>
+            </a:prstGeom>
+          </p:spPr>
+        </p:pic>
+        <p:sp>
+          <p:nvSpPr>
+            <p:cNvPr id="8" name="椭圆 7"/>
+            <p:cNvSpPr/>
+            <p:nvPr/>
+          </p:nvSpPr>
+          <p:spPr>
+            <a:xfrm>
+              <a:off x="5810672" y="4696896"/>
+              <a:ext cx="983128" cy="1302943"/>
+            </a:xfrm>
+            <a:prstGeom prst="ellipse">
+              <a:avLst/>
+            </a:prstGeom>
+            <a:solidFill>
+              <a:schemeClr val="accent6">
+                <a:lumMod val="75000"/>
+                <a:alpha val="20000"/>
+              </a:schemeClr>
+            </a:solidFill>
+          </p:spPr>
+          <p:style>
+            <a:lnRef idx="2">
+              <a:schemeClr val="accent1">
+                <a:shade val="50000"/>
+              </a:schemeClr>
+            </a:lnRef>
+            <a:fillRef idx="1">
+              <a:schemeClr val="accent1"/>
+            </a:fillRef>
+            <a:effectRef idx="0">
+              <a:schemeClr val="accent1"/>
+            </a:effectRef>
+            <a:fontRef idx="minor">
+              <a:schemeClr val="lt1"/>
+            </a:fontRef>
+          </p:style>
+          <p:txBody>
+            <a:bodyPr rtlCol="0" anchor="ctr"/>
+            <a:lstStyle/>
+            <a:p>
+              <a:pPr algn="ctr"/>
+              <a:endParaRPr lang="zh-CN" altLang="en-US"/>
+            </a:p>
+          </p:txBody>
+        </p:sp>
+        <p:sp>
+          <p:nvSpPr>
+            <p:cNvPr id="11" name="文本框 10"/>
+            <p:cNvSpPr txBox="1"/>
+            <p:nvPr/>
+          </p:nvSpPr>
+          <p:spPr>
+            <a:xfrm>
+              <a:off x="4818383" y="6079679"/>
+              <a:ext cx="2876406" cy="369332"/>
+            </a:xfrm>
+            <a:prstGeom prst="rect">
+              <a:avLst/>
+            </a:prstGeom>
+            <a:solidFill>
+              <a:srgbClr val="FFFFFF"/>
+            </a:solidFill>
+          </p:spPr>
+          <p:txBody>
+            <a:bodyPr wrap="square" rtlCol="0">
+              <a:spAutoFit/>
+            </a:bodyPr>
+            <a:lstStyle/>
+            <a:p>
+              <a:pPr algn="ctr"/>
+              <a:r>
+                <a:rPr lang="en-US" altLang="zh-CN" dirty="0" smtClean="0">
+                  <a:latin typeface="黑体" panose="02010609060101010101" pitchFamily="49" charset="-122"/>
+                  <a:ea typeface="黑体" panose="02010609060101010101" pitchFamily="49" charset="-122"/>
+                </a:rPr>
+                <a:t>BDS</a:t>
+              </a:r>
+              <a:r>
+                <a:rPr lang="zh-CN" altLang="en-US" dirty="0" smtClean="0">
+                  <a:latin typeface="黑体" panose="02010609060101010101" pitchFamily="49" charset="-122"/>
+                  <a:ea typeface="黑体" panose="02010609060101010101" pitchFamily="49" charset="-122"/>
+                </a:rPr>
+                <a:t>匹配结果</a:t>
+              </a:r>
+              <a:endParaRPr lang="zh-CN" altLang="en-US" dirty="0">
+                <a:latin typeface="黑体" panose="02010609060101010101" pitchFamily="49" charset="-122"/>
+                <a:ea typeface="黑体" panose="02010609060101010101" pitchFamily="49" charset="-122"/>
+              </a:endParaRPr>
+            </a:p>
+          </p:txBody>
+        </p:sp>
+      </p:grpSp>
+      <p:grpSp>
+        <p:nvGrpSpPr>
+          <p:cNvPr id="46" name="组合 45"/>
+          <p:cNvGrpSpPr/>
+          <p:nvPr/>
+        </p:nvGrpSpPr>
+        <p:grpSpPr>
+          <a:xfrm>
+            <a:off x="1150010" y="1118615"/>
+            <a:ext cx="2098767" cy="1947774"/>
+            <a:chOff x="4864310" y="1200941"/>
+            <a:chExt cx="2876406" cy="2710962"/>
+          </a:xfrm>
+        </p:grpSpPr>
+        <p:pic>
+          <p:nvPicPr>
+            <p:cNvPr id="3" name="图片 2"/>
+            <p:cNvPicPr>
+              <a:picLocks noChangeAspect="1"/>
+            </p:cNvPicPr>
+            <p:nvPr/>
+          </p:nvPicPr>
+          <p:blipFill rotWithShape="1">
+            <a:blip r:embed="rId5" cstate="print">
+              <a:extLst>
+                <a:ext uri="{28A0092B-C50C-407E-A947-70E740481C1C}">
+                  <a14:useLocalDpi xmlns:a14="http://schemas.microsoft.com/office/drawing/2010/main" val="0"/>
+                </a:ext>
+              </a:extLst>
+            </a:blip>
+            <a:srcRect l="26790" t="15691" r="13187" b="10428"/>
+            <a:stretch/>
+          </p:blipFill>
+          <p:spPr>
+            <a:xfrm>
+              <a:off x="4864310" y="1200941"/>
+              <a:ext cx="2876406" cy="2655393"/>
+            </a:xfrm>
+            <a:prstGeom prst="rect">
+              <a:avLst/>
+            </a:prstGeom>
+          </p:spPr>
+        </p:pic>
+        <p:sp>
+          <p:nvSpPr>
+            <p:cNvPr id="4" name="椭圆 3"/>
+            <p:cNvSpPr/>
+            <p:nvPr/>
+          </p:nvSpPr>
+          <p:spPr>
+            <a:xfrm>
+              <a:off x="5392509" y="1464225"/>
+              <a:ext cx="1482743" cy="646601"/>
+            </a:xfrm>
+            <a:prstGeom prst="ellipse">
+              <a:avLst/>
+            </a:prstGeom>
+            <a:solidFill>
+              <a:schemeClr val="accent1">
+                <a:alpha val="20000"/>
+              </a:schemeClr>
+            </a:solidFill>
+          </p:spPr>
+          <p:style>
+            <a:lnRef idx="2">
+              <a:schemeClr val="accent1">
+                <a:shade val="50000"/>
+              </a:schemeClr>
+            </a:lnRef>
+            <a:fillRef idx="1">
+              <a:schemeClr val="accent1"/>
+            </a:fillRef>
+            <a:effectRef idx="0">
+              <a:schemeClr val="accent1"/>
+            </a:effectRef>
+            <a:fontRef idx="minor">
+              <a:schemeClr val="lt1"/>
+            </a:fontRef>
+          </p:style>
+          <p:txBody>
+            <a:bodyPr rtlCol="0" anchor="ctr"/>
+            <a:lstStyle/>
+            <a:p>
+              <a:pPr algn="ctr"/>
+              <a:endParaRPr lang="zh-CN" altLang="en-US"/>
+            </a:p>
+          </p:txBody>
+        </p:sp>
+        <p:sp>
+          <p:nvSpPr>
+            <p:cNvPr id="10" name="文本框 9"/>
+            <p:cNvSpPr txBox="1"/>
+            <p:nvPr/>
+          </p:nvSpPr>
+          <p:spPr>
+            <a:xfrm>
+              <a:off x="4864310" y="3542571"/>
+              <a:ext cx="2876406" cy="369332"/>
+            </a:xfrm>
+            <a:prstGeom prst="rect">
+              <a:avLst/>
+            </a:prstGeom>
+            <a:solidFill>
+              <a:srgbClr val="FFFFFF"/>
+            </a:solidFill>
+          </p:spPr>
+          <p:txBody>
+            <a:bodyPr wrap="square" rtlCol="0">
+              <a:spAutoFit/>
+            </a:bodyPr>
+            <a:lstStyle/>
+            <a:p>
+              <a:pPr algn="ctr"/>
+              <a:r>
+                <a:rPr lang="en-US" altLang="zh-CN" dirty="0" smtClean="0">
+                  <a:latin typeface="黑体" panose="02010609060101010101" pitchFamily="49" charset="-122"/>
+                  <a:ea typeface="黑体" panose="02010609060101010101" pitchFamily="49" charset="-122"/>
+                </a:rPr>
+                <a:t>DTW</a:t>
+              </a:r>
+              <a:r>
+                <a:rPr lang="zh-CN" altLang="en-US" dirty="0" smtClean="0">
+                  <a:latin typeface="黑体" panose="02010609060101010101" pitchFamily="49" charset="-122"/>
+                  <a:ea typeface="黑体" panose="02010609060101010101" pitchFamily="49" charset="-122"/>
+                </a:rPr>
+                <a:t>匹配结果</a:t>
+              </a:r>
+              <a:endParaRPr lang="zh-CN" altLang="en-US" dirty="0">
+                <a:latin typeface="黑体" panose="02010609060101010101" pitchFamily="49" charset="-122"/>
+                <a:ea typeface="黑体" panose="02010609060101010101" pitchFamily="49" charset="-122"/>
+              </a:endParaRPr>
+            </a:p>
+          </p:txBody>
+        </p:sp>
+      </p:grpSp>
+    </p:spTree>
+    <p:extLst>
+      <p:ext uri="{BB962C8B-B14F-4D97-AF65-F5344CB8AC3E}">
+        <p14:creationId xmlns:p14="http://schemas.microsoft.com/office/powerpoint/2010/main" val="4288241098"/>
+      </p:ext>
+    </p:extLst>
+  </p:cSld>
+  <p:clrMapOvr>
+    <a:masterClrMapping/>
+  </p:clrMapOvr>
+  <p:timing>
+    <p:tnLst>
+      <p:par>
+        <p:cTn id="1" dur="indefinite" restart="never" nodeType="tmRoot"/>
+      </p:par>
+    </p:tnLst>
+  </p:timing>
+</p:sld>
+</file>
+
+<file path=ppt/slides/slide16.xml><?xml version="1.0" encoding="utf-8"?>
+<p:sld xmlns:a="http://schemas.openxmlformats.org/drawingml/2006/main" xmlns:r="http://schemas.openxmlformats.org/officeDocument/2006/relationships" xmlns:p="http://schemas.openxmlformats.org/presentationml/2006/main">
+  <p:cSld>
+    <p:spTree>
+      <p:nvGrpSpPr>
+        <p:cNvPr id="1" name=""/>
+        <p:cNvGrpSpPr/>
+        <p:nvPr/>
+      </p:nvGrpSpPr>
+      <p:grpSpPr>
+        <a:xfrm>
+          <a:off x="0" y="0"/>
+          <a:ext cx="0" cy="0"/>
+          <a:chOff x="0" y="0"/>
+          <a:chExt cx="0" cy="0"/>
+        </a:xfrm>
+      </p:grpSpPr>
+      <p:grpSp>
+        <p:nvGrpSpPr>
           <p:cNvPr id="2" name="组合 1"/>
           <p:cNvGrpSpPr/>
           <p:nvPr/>
@@ -7378,761 +8640,525 @@
           </a:p>
         </p:txBody>
       </p:sp>
-      <p:pic>
-        <p:nvPicPr>
-          <p:cNvPr id="8" name="图片 7"/>
-          <p:cNvPicPr>
-            <a:picLocks noChangeAspect="1"/>
-          </p:cNvPicPr>
+      <p:grpSp>
+        <p:nvGrpSpPr>
+          <p:cNvPr id="17" name="组合 16"/>
+          <p:cNvGrpSpPr/>
           <p:nvPr/>
-        </p:nvPicPr>
-        <p:blipFill>
-          <a:blip r:embed="rId4" cstate="print">
-            <a:extLst>
-              <a:ext uri="{28A0092B-C50C-407E-A947-70E740481C1C}">
-                <a14:useLocalDpi xmlns:a14="http://schemas.microsoft.com/office/drawing/2010/main" val="0"/>
-              </a:ext>
-            </a:extLst>
-          </a:blip>
-          <a:stretch>
-            <a:fillRect/>
-          </a:stretch>
-        </p:blipFill>
+        </p:nvGrpSpPr>
+        <p:grpSpPr>
+          <a:xfrm>
+            <a:off x="449511" y="2154483"/>
+            <a:ext cx="8244978" cy="3831009"/>
+            <a:chOff x="456122" y="1126109"/>
+            <a:chExt cx="8244978" cy="3831009"/>
+          </a:xfrm>
+        </p:grpSpPr>
+        <p:pic>
+          <p:nvPicPr>
+            <p:cNvPr id="8" name="图片 7"/>
+            <p:cNvPicPr>
+              <a:picLocks noChangeAspect="1"/>
+            </p:cNvPicPr>
+            <p:nvPr/>
+          </p:nvPicPr>
+          <p:blipFill>
+            <a:blip r:embed="rId4" cstate="print">
+              <a:extLst>
+                <a:ext uri="{28A0092B-C50C-407E-A947-70E740481C1C}">
+                  <a14:useLocalDpi xmlns:a14="http://schemas.microsoft.com/office/drawing/2010/main" val="0"/>
+                </a:ext>
+              </a:extLst>
+            </a:blip>
+            <a:stretch>
+              <a:fillRect/>
+            </a:stretch>
+          </p:blipFill>
+          <p:spPr>
+            <a:xfrm>
+              <a:off x="456122" y="1428032"/>
+              <a:ext cx="3458234" cy="3036498"/>
+            </a:xfrm>
+            <a:prstGeom prst="rect">
+              <a:avLst/>
+            </a:prstGeom>
+          </p:spPr>
+        </p:pic>
+        <p:sp>
+          <p:nvSpPr>
+            <p:cNvPr id="10" name="椭圆 9"/>
+            <p:cNvSpPr/>
+            <p:nvPr/>
+          </p:nvSpPr>
+          <p:spPr>
+            <a:xfrm>
+              <a:off x="1621366" y="2211609"/>
+              <a:ext cx="317128" cy="401178"/>
+            </a:xfrm>
+            <a:prstGeom prst="ellipse">
+              <a:avLst/>
+            </a:prstGeom>
+            <a:solidFill>
+              <a:schemeClr val="accent4">
+                <a:lumMod val="60000"/>
+                <a:lumOff val="40000"/>
+                <a:alpha val="20000"/>
+              </a:schemeClr>
+            </a:solidFill>
+          </p:spPr>
+          <p:style>
+            <a:lnRef idx="2">
+              <a:schemeClr val="accent1">
+                <a:shade val="50000"/>
+              </a:schemeClr>
+            </a:lnRef>
+            <a:fillRef idx="1">
+              <a:schemeClr val="accent1"/>
+            </a:fillRef>
+            <a:effectRef idx="0">
+              <a:schemeClr val="accent1"/>
+            </a:effectRef>
+            <a:fontRef idx="minor">
+              <a:schemeClr val="lt1"/>
+            </a:fontRef>
+          </p:style>
+          <p:txBody>
+            <a:bodyPr rtlCol="0" anchor="ctr"/>
+            <a:lstStyle/>
+            <a:p>
+              <a:pPr algn="ctr"/>
+              <a:endParaRPr lang="zh-CN" altLang="en-US"/>
+            </a:p>
+          </p:txBody>
+        </p:sp>
+        <p:sp>
+          <p:nvSpPr>
+            <p:cNvPr id="20" name="椭圆 19"/>
+            <p:cNvSpPr/>
+            <p:nvPr/>
+          </p:nvSpPr>
+          <p:spPr>
+            <a:xfrm>
+              <a:off x="1868111" y="2815474"/>
+              <a:ext cx="317128" cy="401178"/>
+            </a:xfrm>
+            <a:prstGeom prst="ellipse">
+              <a:avLst/>
+            </a:prstGeom>
+            <a:solidFill>
+              <a:schemeClr val="accent4">
+                <a:lumMod val="60000"/>
+                <a:lumOff val="40000"/>
+                <a:alpha val="20000"/>
+              </a:schemeClr>
+            </a:solidFill>
+          </p:spPr>
+          <p:style>
+            <a:lnRef idx="2">
+              <a:schemeClr val="accent1">
+                <a:shade val="50000"/>
+              </a:schemeClr>
+            </a:lnRef>
+            <a:fillRef idx="1">
+              <a:schemeClr val="accent1"/>
+            </a:fillRef>
+            <a:effectRef idx="0">
+              <a:schemeClr val="accent1"/>
+            </a:effectRef>
+            <a:fontRef idx="minor">
+              <a:schemeClr val="lt1"/>
+            </a:fontRef>
+          </p:style>
+          <p:txBody>
+            <a:bodyPr rtlCol="0" anchor="ctr"/>
+            <a:lstStyle/>
+            <a:p>
+              <a:pPr algn="ctr"/>
+              <a:endParaRPr lang="zh-CN" altLang="en-US"/>
+            </a:p>
+          </p:txBody>
+        </p:sp>
+        <p:sp>
+          <p:nvSpPr>
+            <p:cNvPr id="21" name="文本框 20"/>
+            <p:cNvSpPr txBox="1"/>
+            <p:nvPr/>
+          </p:nvSpPr>
+          <p:spPr>
+            <a:xfrm>
+              <a:off x="757260" y="4037258"/>
+              <a:ext cx="2855957" cy="369332"/>
+            </a:xfrm>
+            <a:prstGeom prst="rect">
+              <a:avLst/>
+            </a:prstGeom>
+            <a:solidFill>
+              <a:srgbClr val="FFFFFF"/>
+            </a:solidFill>
+          </p:spPr>
+          <p:txBody>
+            <a:bodyPr wrap="square" rtlCol="0">
+              <a:spAutoFit/>
+            </a:bodyPr>
+            <a:lstStyle/>
+            <a:p>
+              <a:pPr algn="ctr"/>
+              <a:r>
+                <a:rPr lang="en-US" altLang="zh-CN" dirty="0" smtClean="0">
+                  <a:latin typeface="黑体" panose="02010609060101010101" pitchFamily="49" charset="-122"/>
+                  <a:ea typeface="黑体" panose="02010609060101010101" pitchFamily="49" charset="-122"/>
+                </a:rPr>
+                <a:t>DTW-BDS</a:t>
+              </a:r>
+              <a:r>
+                <a:rPr lang="zh-CN" altLang="en-US" dirty="0" smtClean="0">
+                  <a:latin typeface="黑体" panose="02010609060101010101" pitchFamily="49" charset="-122"/>
+                  <a:ea typeface="黑体" panose="02010609060101010101" pitchFamily="49" charset="-122"/>
+                </a:rPr>
+                <a:t>匹配结果</a:t>
+              </a:r>
+              <a:endParaRPr lang="zh-CN" altLang="en-US" dirty="0">
+                <a:latin typeface="黑体" panose="02010609060101010101" pitchFamily="49" charset="-122"/>
+                <a:ea typeface="黑体" panose="02010609060101010101" pitchFamily="49" charset="-122"/>
+              </a:endParaRPr>
+            </a:p>
+          </p:txBody>
+        </p:sp>
+        <p:pic>
+          <p:nvPicPr>
+            <p:cNvPr id="12" name="图片 11"/>
+            <p:cNvPicPr>
+              <a:picLocks noChangeAspect="1"/>
+            </p:cNvPicPr>
+            <p:nvPr/>
+          </p:nvPicPr>
+          <p:blipFill>
+            <a:blip r:embed="rId5" cstate="print">
+              <a:extLst>
+                <a:ext uri="{28A0092B-C50C-407E-A947-70E740481C1C}">
+                  <a14:useLocalDpi xmlns:a14="http://schemas.microsoft.com/office/drawing/2010/main" val="0"/>
+                </a:ext>
+              </a:extLst>
+            </a:blip>
+            <a:stretch>
+              <a:fillRect/>
+            </a:stretch>
+          </p:blipFill>
+          <p:spPr>
+            <a:xfrm>
+              <a:off x="4292869" y="1126109"/>
+              <a:ext cx="2001461" cy="1621437"/>
+            </a:xfrm>
+            <a:prstGeom prst="rect">
+              <a:avLst/>
+            </a:prstGeom>
+          </p:spPr>
+        </p:pic>
+        <p:pic>
+          <p:nvPicPr>
+            <p:cNvPr id="13" name="图片 12"/>
+            <p:cNvPicPr>
+              <a:picLocks noChangeAspect="1"/>
+            </p:cNvPicPr>
+            <p:nvPr/>
+          </p:nvPicPr>
+          <p:blipFill>
+            <a:blip r:embed="rId6" cstate="print">
+              <a:extLst>
+                <a:ext uri="{28A0092B-C50C-407E-A947-70E740481C1C}">
+                  <a14:useLocalDpi xmlns:a14="http://schemas.microsoft.com/office/drawing/2010/main" val="0"/>
+                </a:ext>
+              </a:extLst>
+            </a:blip>
+            <a:stretch>
+              <a:fillRect/>
+            </a:stretch>
+          </p:blipFill>
+          <p:spPr>
+            <a:xfrm>
+              <a:off x="6699639" y="1238250"/>
+              <a:ext cx="2001461" cy="1621437"/>
+            </a:xfrm>
+            <a:prstGeom prst="rect">
+              <a:avLst/>
+            </a:prstGeom>
+          </p:spPr>
+        </p:pic>
+        <p:pic>
+          <p:nvPicPr>
+            <p:cNvPr id="14" name="图片 13"/>
+            <p:cNvPicPr>
+              <a:picLocks noChangeAspect="1"/>
+            </p:cNvPicPr>
+            <p:nvPr/>
+          </p:nvPicPr>
+          <p:blipFill>
+            <a:blip r:embed="rId7" cstate="print">
+              <a:extLst>
+                <a:ext uri="{28A0092B-C50C-407E-A947-70E740481C1C}">
+                  <a14:useLocalDpi xmlns:a14="http://schemas.microsoft.com/office/drawing/2010/main" val="0"/>
+                </a:ext>
+              </a:extLst>
+            </a:blip>
+            <a:stretch>
+              <a:fillRect/>
+            </a:stretch>
+          </p:blipFill>
+          <p:spPr>
+            <a:xfrm>
+              <a:off x="4456770" y="3335681"/>
+              <a:ext cx="2001461" cy="1621437"/>
+            </a:xfrm>
+            <a:prstGeom prst="rect">
+              <a:avLst/>
+            </a:prstGeom>
+          </p:spPr>
+        </p:pic>
+        <p:cxnSp>
+          <p:nvCxnSpPr>
+            <p:cNvPr id="16" name="直接箭头连接符 15"/>
+            <p:cNvCxnSpPr>
+              <a:endCxn id="12" idx="1"/>
+            </p:cNvCxnSpPr>
+            <p:nvPr/>
+          </p:nvCxnSpPr>
+          <p:spPr>
+            <a:xfrm flipV="1">
+              <a:off x="1938494" y="1936828"/>
+              <a:ext cx="2354375" cy="431157"/>
+            </a:xfrm>
+            <a:prstGeom prst="straightConnector1">
+              <a:avLst/>
+            </a:prstGeom>
+            <a:ln>
+              <a:tailEnd type="triangle"/>
+            </a:ln>
+          </p:spPr>
+          <p:style>
+            <a:lnRef idx="1">
+              <a:schemeClr val="accent1"/>
+            </a:lnRef>
+            <a:fillRef idx="0">
+              <a:schemeClr val="accent1"/>
+            </a:fillRef>
+            <a:effectRef idx="0">
+              <a:schemeClr val="accent1"/>
+            </a:effectRef>
+            <a:fontRef idx="minor">
+              <a:schemeClr val="tx1"/>
+            </a:fontRef>
+          </p:style>
+        </p:cxnSp>
+        <p:cxnSp>
+          <p:nvCxnSpPr>
+            <p:cNvPr id="19" name="直接箭头连接符 18"/>
+            <p:cNvCxnSpPr>
+              <a:stCxn id="20" idx="6"/>
+              <a:endCxn id="14" idx="1"/>
+            </p:cNvCxnSpPr>
+            <p:nvPr/>
+          </p:nvCxnSpPr>
+          <p:spPr>
+            <a:xfrm>
+              <a:off x="2185239" y="3016063"/>
+              <a:ext cx="2271531" cy="1130337"/>
+            </a:xfrm>
+            <a:prstGeom prst="straightConnector1">
+              <a:avLst/>
+            </a:prstGeom>
+            <a:ln>
+              <a:tailEnd type="triangle"/>
+            </a:ln>
+          </p:spPr>
+          <p:style>
+            <a:lnRef idx="1">
+              <a:schemeClr val="accent1"/>
+            </a:lnRef>
+            <a:fillRef idx="0">
+              <a:schemeClr val="accent1"/>
+            </a:fillRef>
+            <a:effectRef idx="0">
+              <a:schemeClr val="accent1"/>
+            </a:effectRef>
+            <a:fontRef idx="minor">
+              <a:schemeClr val="tx1"/>
+            </a:fontRef>
+          </p:style>
+        </p:cxnSp>
+      </p:grpSp>
+      <p:sp>
+        <p:nvSpPr>
+          <p:cNvPr id="22" name="文本框 21"/>
+          <p:cNvSpPr txBox="1"/>
+          <p:nvPr/>
+        </p:nvSpPr>
         <p:spPr>
           <a:xfrm>
-            <a:off x="456122" y="1428032"/>
-            <a:ext cx="3458234" cy="3036498"/>
+            <a:off x="645328" y="1623035"/>
+            <a:ext cx="2749471" cy="400110"/>
           </a:xfrm>
           <a:prstGeom prst="rect">
             <a:avLst/>
           </a:prstGeom>
-        </p:spPr>
-      </p:pic>
-      <p:sp>
-        <p:nvSpPr>
-          <p:cNvPr id="9" name="TextBox 40"/>
-          <p:cNvSpPr txBox="1">
-            <a:spLocks noChangeArrowheads="1"/>
-          </p:cNvSpPr>
-          <p:nvPr/>
-        </p:nvSpPr>
-        <p:spPr bwMode="auto">
-          <a:xfrm>
-            <a:off x="725757" y="5076509"/>
-            <a:ext cx="7134225" cy="923925"/>
-          </a:xfrm>
-          <a:prstGeom prst="rect">
-            <a:avLst/>
-          </a:prstGeom>
-          <a:solidFill>
-            <a:schemeClr val="accent6">
-              <a:lumMod val="20000"/>
-              <a:lumOff val="80000"/>
-            </a:schemeClr>
-          </a:solidFill>
-          <a:ln w="22225">
+          <a:noFill/>
+          <a:ln>
             <a:solidFill>
-              <a:srgbClr val="5E5EAF"/>
+              <a:srgbClr val="0070C0"/>
             </a:solidFill>
-            <a:miter lim="800000"/>
           </a:ln>
         </p:spPr>
         <p:txBody>
-          <a:bodyPr>
+          <a:bodyPr wrap="none" rtlCol="0">
             <a:spAutoFit/>
           </a:bodyPr>
-          <a:lstStyle>
-            <a:lvl1pPr>
-              <a:defRPr>
-                <a:solidFill>
-                  <a:schemeClr val="tx1"/>
-                </a:solidFill>
-                <a:latin typeface="Tahoma" panose="020B0604030504040204" pitchFamily="34" charset="0"/>
-                <a:ea typeface="PMingLiU" panose="02020500000000000000" pitchFamily="18" charset="-120"/>
-              </a:defRPr>
-            </a:lvl1pPr>
-            <a:lvl2pPr>
-              <a:defRPr>
-                <a:solidFill>
-                  <a:schemeClr val="tx1"/>
-                </a:solidFill>
-                <a:latin typeface="Tahoma" panose="020B0604030504040204" pitchFamily="34" charset="0"/>
-                <a:ea typeface="PMingLiU" panose="02020500000000000000" pitchFamily="18" charset="-120"/>
-              </a:defRPr>
-            </a:lvl2pPr>
-            <a:lvl3pPr>
-              <a:defRPr>
-                <a:solidFill>
-                  <a:schemeClr val="tx1"/>
-                </a:solidFill>
-                <a:latin typeface="Tahoma" panose="020B0604030504040204" pitchFamily="34" charset="0"/>
-                <a:ea typeface="PMingLiU" panose="02020500000000000000" pitchFamily="18" charset="-120"/>
-              </a:defRPr>
-            </a:lvl3pPr>
-            <a:lvl4pPr>
-              <a:defRPr>
-                <a:solidFill>
-                  <a:schemeClr val="tx1"/>
-                </a:solidFill>
-                <a:latin typeface="Tahoma" panose="020B0604030504040204" pitchFamily="34" charset="0"/>
-                <a:ea typeface="PMingLiU" panose="02020500000000000000" pitchFamily="18" charset="-120"/>
-              </a:defRPr>
-            </a:lvl4pPr>
-            <a:lvl5pPr>
-              <a:defRPr>
-                <a:solidFill>
-                  <a:schemeClr val="tx1"/>
-                </a:solidFill>
-                <a:latin typeface="Tahoma" panose="020B0604030504040204" pitchFamily="34" charset="0"/>
-                <a:ea typeface="PMingLiU" panose="02020500000000000000" pitchFamily="18" charset="-120"/>
-              </a:defRPr>
-            </a:lvl5pPr>
-            <a:lvl6pPr fontAlgn="base">
-              <a:spcBef>
-                <a:spcPct val="0"/>
-              </a:spcBef>
-              <a:spcAft>
-                <a:spcPct val="0"/>
-              </a:spcAft>
-              <a:buFont typeface="Arial" panose="020B0604020202020204" pitchFamily="34" charset="0"/>
-              <a:defRPr>
-                <a:solidFill>
-                  <a:schemeClr val="tx1"/>
-                </a:solidFill>
-                <a:latin typeface="Tahoma" panose="020B0604030504040204" pitchFamily="34" charset="0"/>
-                <a:ea typeface="PMingLiU" panose="02020500000000000000" pitchFamily="18" charset="-120"/>
-              </a:defRPr>
-            </a:lvl6pPr>
-            <a:lvl7pPr fontAlgn="base">
-              <a:spcBef>
-                <a:spcPct val="0"/>
-              </a:spcBef>
-              <a:spcAft>
-                <a:spcPct val="0"/>
-              </a:spcAft>
-              <a:buFont typeface="Arial" panose="020B0604020202020204" pitchFamily="34" charset="0"/>
-              <a:defRPr>
-                <a:solidFill>
-                  <a:schemeClr val="tx1"/>
-                </a:solidFill>
-                <a:latin typeface="Tahoma" panose="020B0604030504040204" pitchFamily="34" charset="0"/>
-                <a:ea typeface="PMingLiU" panose="02020500000000000000" pitchFamily="18" charset="-120"/>
-              </a:defRPr>
-            </a:lvl7pPr>
-            <a:lvl8pPr fontAlgn="base">
-              <a:spcBef>
-                <a:spcPct val="0"/>
-              </a:spcBef>
-              <a:spcAft>
-                <a:spcPct val="0"/>
-              </a:spcAft>
-              <a:buFont typeface="Arial" panose="020B0604020202020204" pitchFamily="34" charset="0"/>
-              <a:defRPr>
-                <a:solidFill>
-                  <a:schemeClr val="tx1"/>
-                </a:solidFill>
-                <a:latin typeface="Tahoma" panose="020B0604030504040204" pitchFamily="34" charset="0"/>
-                <a:ea typeface="PMingLiU" panose="02020500000000000000" pitchFamily="18" charset="-120"/>
-              </a:defRPr>
-            </a:lvl8pPr>
-            <a:lvl9pPr fontAlgn="base">
-              <a:spcBef>
-                <a:spcPct val="0"/>
-              </a:spcBef>
-              <a:spcAft>
-                <a:spcPct val="0"/>
-              </a:spcAft>
-              <a:buFont typeface="Arial" panose="020B0604020202020204" pitchFamily="34" charset="0"/>
-              <a:defRPr>
-                <a:solidFill>
-                  <a:schemeClr val="tx1"/>
-                </a:solidFill>
-                <a:latin typeface="Tahoma" panose="020B0604030504040204" pitchFamily="34" charset="0"/>
-                <a:ea typeface="PMingLiU" panose="02020500000000000000" pitchFamily="18" charset="-120"/>
-              </a:defRPr>
-            </a:lvl9pPr>
-          </a:lstStyle>
+          <a:lstStyle/>
           <a:p>
-            <a:pPr eaLnBrk="1" fontAlgn="auto" hangingPunct="1">
-              <a:spcBef>
-                <a:spcPts val="0"/>
-              </a:spcBef>
-              <a:spcAft>
-                <a:spcPts val="0"/>
-              </a:spcAft>
-              <a:defRPr/>
-            </a:pPr>
-            <a:r>
-              <a:rPr lang="en-US" altLang="zh-CN" dirty="0" smtClean="0">
-                <a:solidFill>
-                  <a:srgbClr val="333399"/>
-                </a:solidFill>
-                <a:latin typeface="Times New Roman" panose="02020603050405020304" pitchFamily="18" charset="0"/>
-                <a:ea typeface="黑体" panose="02010609060101010101" pitchFamily="49" charset="-122"/>
-                <a:cs typeface="Times New Roman" panose="02020603050405020304" pitchFamily="18" charset="0"/>
+            <a:r>
+              <a:rPr lang="zh-CN" altLang="en-US" sz="2000" b="1" dirty="0" smtClean="0">
+                <a:solidFill>
+                  <a:srgbClr val="4A67AA"/>
+                </a:solidFill>
+                <a:latin typeface="方正静蕾简体" panose="02000000000000000000" pitchFamily="2" charset="-122"/>
+                <a:ea typeface="方正静蕾简体" panose="02000000000000000000" pitchFamily="2" charset="-122"/>
               </a:rPr>
-              <a:t>DTW-BDS</a:t>
-            </a:r>
-            <a:r>
-              <a:rPr lang="zh-CN" altLang="en-US" dirty="0" smtClean="0">
-                <a:solidFill>
-                  <a:srgbClr val="333399"/>
-                </a:solidFill>
-                <a:latin typeface="Times New Roman" panose="02020603050405020304" pitchFamily="18" charset="0"/>
-                <a:ea typeface="黑体" panose="02010609060101010101" pitchFamily="49" charset="-122"/>
-                <a:cs typeface="Times New Roman" panose="02020603050405020304" pitchFamily="18" charset="0"/>
-              </a:rPr>
-              <a:t>算法优势：</a:t>
-            </a:r>
-            <a:endParaRPr lang="en-US" altLang="zh-CN" dirty="0">
+              <a:t>对应轨迹段的三种情况</a:t>
+            </a:r>
+            <a:endParaRPr lang="zh-CN" altLang="en-US" sz="2000" b="1" dirty="0">
               <a:solidFill>
-                <a:srgbClr val="333399"/>
+                <a:srgbClr val="4A67AA"/>
               </a:solidFill>
-              <a:latin typeface="Times New Roman" panose="02020603050405020304" pitchFamily="18" charset="0"/>
-              <a:ea typeface="黑体" panose="02010609060101010101" pitchFamily="49" charset="-122"/>
-              <a:cs typeface="Times New Roman" panose="02020603050405020304" pitchFamily="18" charset="0"/>
-            </a:endParaRPr>
-          </a:p>
-          <a:p>
-            <a:pPr>
-              <a:defRPr/>
-            </a:pPr>
-            <a:r>
-              <a:rPr lang="en-US" altLang="zh-CN" dirty="0">
-                <a:solidFill>
-                  <a:srgbClr val="000000"/>
-                </a:solidFill>
-                <a:latin typeface="Times New Roman" panose="02020603050405020304" pitchFamily="18" charset="0"/>
-                <a:ea typeface="黑体" panose="02010609060101010101" pitchFamily="49" charset="-122"/>
-                <a:cs typeface="Times New Roman" panose="02020603050405020304" pitchFamily="18" charset="0"/>
-              </a:rPr>
-              <a:t> </a:t>
-            </a:r>
-            <a:r>
-              <a:rPr lang="en-US" altLang="zh-CN" dirty="0" smtClean="0">
-                <a:solidFill>
-                  <a:srgbClr val="000000"/>
-                </a:solidFill>
-                <a:latin typeface="Times New Roman" panose="02020603050405020304" pitchFamily="18" charset="0"/>
-                <a:ea typeface="黑体" panose="02010609060101010101" pitchFamily="49" charset="-122"/>
-                <a:cs typeface="Times New Roman" panose="02020603050405020304" pitchFamily="18" charset="0"/>
-              </a:rPr>
-              <a:t>       −</a:t>
-            </a:r>
-            <a:r>
-              <a:rPr lang="zh-CN" altLang="en-US" dirty="0" smtClean="0">
-                <a:solidFill>
-                  <a:srgbClr val="000000"/>
-                </a:solidFill>
-                <a:latin typeface="Times New Roman" panose="02020603050405020304" pitchFamily="18" charset="0"/>
-                <a:ea typeface="黑体" panose="02010609060101010101" pitchFamily="49" charset="-122"/>
-                <a:cs typeface="Times New Roman" panose="02020603050405020304" pitchFamily="18" charset="0"/>
-              </a:rPr>
-              <a:t>一般情况下，可以达到和</a:t>
-            </a:r>
-            <a:r>
-              <a:rPr lang="en-US" altLang="zh-CN" dirty="0" smtClean="0">
-                <a:solidFill>
-                  <a:srgbClr val="000000"/>
-                </a:solidFill>
-                <a:latin typeface="Times New Roman" panose="02020603050405020304" pitchFamily="18" charset="0"/>
-                <a:ea typeface="黑体" panose="02010609060101010101" pitchFamily="49" charset="-122"/>
-                <a:cs typeface="Times New Roman" panose="02020603050405020304" pitchFamily="18" charset="0"/>
-              </a:rPr>
-              <a:t>BDS</a:t>
-            </a:r>
-            <a:r>
-              <a:rPr lang="zh-CN" altLang="en-US" dirty="0" smtClean="0">
-                <a:solidFill>
-                  <a:srgbClr val="000000"/>
-                </a:solidFill>
-                <a:latin typeface="Times New Roman" panose="02020603050405020304" pitchFamily="18" charset="0"/>
-                <a:ea typeface="黑体" panose="02010609060101010101" pitchFamily="49" charset="-122"/>
-                <a:cs typeface="Times New Roman" panose="02020603050405020304" pitchFamily="18" charset="0"/>
-              </a:rPr>
-              <a:t>算法一样好的对齐效果</a:t>
-            </a:r>
-            <a:endParaRPr lang="en-US" altLang="zh-CN" dirty="0" smtClean="0">
-              <a:solidFill>
-                <a:srgbClr val="000000"/>
-              </a:solidFill>
-              <a:latin typeface="Times New Roman" panose="02020603050405020304" pitchFamily="18" charset="0"/>
-              <a:ea typeface="黑体" panose="02010609060101010101" pitchFamily="49" charset="-122"/>
-              <a:cs typeface="Times New Roman" panose="02020603050405020304" pitchFamily="18" charset="0"/>
-            </a:endParaRPr>
-          </a:p>
-          <a:p>
-            <a:pPr>
-              <a:defRPr/>
-            </a:pPr>
-            <a:r>
-              <a:rPr lang="en-US" altLang="zh-CN" dirty="0">
-                <a:solidFill>
-                  <a:srgbClr val="000000"/>
-                </a:solidFill>
-                <a:latin typeface="Times New Roman" panose="02020603050405020304" pitchFamily="18" charset="0"/>
-                <a:ea typeface="黑体" panose="02010609060101010101" pitchFamily="49" charset="-122"/>
-                <a:cs typeface="Times New Roman" panose="02020603050405020304" pitchFamily="18" charset="0"/>
-              </a:rPr>
-              <a:t> </a:t>
-            </a:r>
-            <a:r>
-              <a:rPr lang="en-US" altLang="zh-CN" dirty="0" smtClean="0">
-                <a:solidFill>
-                  <a:srgbClr val="000000"/>
-                </a:solidFill>
-                <a:latin typeface="Times New Roman" panose="02020603050405020304" pitchFamily="18" charset="0"/>
-                <a:ea typeface="黑体" panose="02010609060101010101" pitchFamily="49" charset="-122"/>
-                <a:cs typeface="Times New Roman" panose="02020603050405020304" pitchFamily="18" charset="0"/>
-              </a:rPr>
-              <a:t>       −</a:t>
-            </a:r>
-            <a:r>
-              <a:rPr lang="zh-CN" altLang="en-US" dirty="0" smtClean="0">
-                <a:solidFill>
-                  <a:srgbClr val="000000"/>
-                </a:solidFill>
-                <a:latin typeface="Times New Roman" panose="02020603050405020304" pitchFamily="18" charset="0"/>
-                <a:ea typeface="黑体" panose="02010609060101010101" pitchFamily="49" charset="-122"/>
-                <a:cs typeface="Times New Roman" panose="02020603050405020304" pitchFamily="18" charset="0"/>
-              </a:rPr>
-              <a:t>解决了</a:t>
-            </a:r>
-            <a:r>
-              <a:rPr lang="en-US" altLang="zh-CN" dirty="0" smtClean="0">
-                <a:solidFill>
-                  <a:srgbClr val="000000"/>
-                </a:solidFill>
-                <a:latin typeface="Times New Roman" panose="02020603050405020304" pitchFamily="18" charset="0"/>
-                <a:ea typeface="黑体" panose="02010609060101010101" pitchFamily="49" charset="-122"/>
-                <a:cs typeface="Times New Roman" panose="02020603050405020304" pitchFamily="18" charset="0"/>
-              </a:rPr>
-              <a:t>BDS</a:t>
-            </a:r>
-            <a:r>
-              <a:rPr lang="zh-CN" altLang="en-US" dirty="0" smtClean="0">
-                <a:solidFill>
-                  <a:srgbClr val="000000"/>
-                </a:solidFill>
-                <a:latin typeface="Times New Roman" panose="02020603050405020304" pitchFamily="18" charset="0"/>
-                <a:ea typeface="黑体" panose="02010609060101010101" pitchFamily="49" charset="-122"/>
-                <a:cs typeface="Times New Roman" panose="02020603050405020304" pitchFamily="18" charset="0"/>
-              </a:rPr>
-              <a:t>算法可能导致的时序错乱问题</a:t>
-            </a:r>
-            <a:endParaRPr lang="zh-CN" altLang="en-US" dirty="0">
-              <a:solidFill>
-                <a:srgbClr val="000000"/>
-              </a:solidFill>
-              <a:latin typeface="Times New Roman" panose="02020603050405020304" pitchFamily="18" charset="0"/>
-              <a:ea typeface="黑体" panose="02010609060101010101" pitchFamily="49" charset="-122"/>
-              <a:cs typeface="Times New Roman" panose="02020603050405020304" pitchFamily="18" charset="0"/>
+              <a:latin typeface="方正静蕾简体" panose="02000000000000000000" pitchFamily="2" charset="-122"/>
+              <a:ea typeface="方正静蕾简体" panose="02000000000000000000" pitchFamily="2" charset="-122"/>
             </a:endParaRPr>
           </a:p>
         </p:txBody>
       </p:sp>
       <p:sp>
         <p:nvSpPr>
-          <p:cNvPr id="10" name="椭圆 9"/>
-          <p:cNvSpPr/>
+          <p:cNvPr id="23" name="文本框 22"/>
+          <p:cNvSpPr txBox="1"/>
           <p:nvPr/>
         </p:nvSpPr>
         <p:spPr>
           <a:xfrm>
-            <a:off x="1621366" y="2211609"/>
-            <a:ext cx="317128" cy="401178"/>
-          </a:xfrm>
-          <a:prstGeom prst="ellipse">
-            <a:avLst/>
-          </a:prstGeom>
-          <a:solidFill>
-            <a:schemeClr val="accent4">
-              <a:lumMod val="60000"/>
-              <a:lumOff val="40000"/>
-              <a:alpha val="20000"/>
-            </a:schemeClr>
-          </a:solidFill>
-        </p:spPr>
-        <p:style>
-          <a:lnRef idx="2">
-            <a:schemeClr val="accent1">
-              <a:shade val="50000"/>
-            </a:schemeClr>
-          </a:lnRef>
-          <a:fillRef idx="1">
-            <a:schemeClr val="accent1"/>
-          </a:fillRef>
-          <a:effectRef idx="0">
-            <a:schemeClr val="accent1"/>
-          </a:effectRef>
-          <a:fontRef idx="minor">
-            <a:schemeClr val="lt1"/>
-          </a:fontRef>
-        </p:style>
-        <p:txBody>
-          <a:bodyPr rtlCol="0" anchor="ctr"/>
-          <a:lstStyle/>
-          <a:p>
-            <a:pPr algn="ctr"/>
-            <a:endParaRPr lang="zh-CN" altLang="en-US"/>
-          </a:p>
-        </p:txBody>
-      </p:sp>
-      <p:pic>
-        <p:nvPicPr>
-          <p:cNvPr id="12" name="图片 11"/>
-          <p:cNvPicPr>
-            <a:picLocks noChangeAspect="1"/>
-          </p:cNvPicPr>
-          <p:nvPr/>
-        </p:nvPicPr>
-        <p:blipFill>
-          <a:blip r:embed="rId5" cstate="print">
-            <a:extLst>
-              <a:ext uri="{28A0092B-C50C-407E-A947-70E740481C1C}">
-                <a14:useLocalDpi xmlns:a14="http://schemas.microsoft.com/office/drawing/2010/main" val="0"/>
-              </a:ext>
-            </a:extLst>
-          </a:blip>
-          <a:stretch>
-            <a:fillRect/>
-          </a:stretch>
-        </p:blipFill>
-        <p:spPr>
-          <a:xfrm>
-            <a:off x="4292869" y="1126109"/>
-            <a:ext cx="2001461" cy="1621437"/>
+            <a:off x="4652851" y="3834914"/>
+            <a:ext cx="1225015" cy="369332"/>
           </a:xfrm>
           <a:prstGeom prst="rect">
             <a:avLst/>
           </a:prstGeom>
+          <a:noFill/>
         </p:spPr>
-      </p:pic>
-      <p:pic>
-        <p:nvPicPr>
-          <p:cNvPr id="13" name="图片 12"/>
-          <p:cNvPicPr>
-            <a:picLocks noChangeAspect="1"/>
-          </p:cNvPicPr>
-          <p:nvPr/>
-        </p:nvPicPr>
-        <p:blipFill>
-          <a:blip r:embed="rId6" cstate="print">
-            <a:extLst>
-              <a:ext uri="{28A0092B-C50C-407E-A947-70E740481C1C}">
-                <a14:useLocalDpi xmlns:a14="http://schemas.microsoft.com/office/drawing/2010/main" val="0"/>
-              </a:ext>
-            </a:extLst>
-          </a:blip>
-          <a:stretch>
-            <a:fillRect/>
-          </a:stretch>
-        </p:blipFill>
-        <p:spPr>
-          <a:xfrm>
-            <a:off x="6699639" y="1238250"/>
-            <a:ext cx="2001461" cy="1621437"/>
-          </a:xfrm>
-          <a:prstGeom prst="rect">
-            <a:avLst/>
-          </a:prstGeom>
-        </p:spPr>
-      </p:pic>
-      <p:pic>
-        <p:nvPicPr>
-          <p:cNvPr id="14" name="图片 13"/>
-          <p:cNvPicPr>
-            <a:picLocks noChangeAspect="1"/>
-          </p:cNvPicPr>
-          <p:nvPr/>
-        </p:nvPicPr>
-        <p:blipFill>
-          <a:blip r:embed="rId7" cstate="print">
-            <a:extLst>
-              <a:ext uri="{28A0092B-C50C-407E-A947-70E740481C1C}">
-                <a14:useLocalDpi xmlns:a14="http://schemas.microsoft.com/office/drawing/2010/main" val="0"/>
-              </a:ext>
-            </a:extLst>
-          </a:blip>
-          <a:stretch>
-            <a:fillRect/>
-          </a:stretch>
-        </p:blipFill>
-        <p:spPr>
-          <a:xfrm>
-            <a:off x="4292868" y="3007583"/>
-            <a:ext cx="2001461" cy="1621437"/>
-          </a:xfrm>
-          <a:prstGeom prst="rect">
-            <a:avLst/>
-          </a:prstGeom>
-        </p:spPr>
-      </p:pic>
-      <p:cxnSp>
-        <p:nvCxnSpPr>
-          <p:cNvPr id="16" name="直接箭头连接符 15"/>
-          <p:cNvCxnSpPr>
-            <a:endCxn id="12" idx="1"/>
-          </p:cNvCxnSpPr>
-          <p:nvPr/>
-        </p:nvCxnSpPr>
-        <p:spPr>
-          <a:xfrm flipV="1">
-            <a:off x="1938494" y="1936828"/>
-            <a:ext cx="2354375" cy="431157"/>
-          </a:xfrm>
-          <a:prstGeom prst="straightConnector1">
-            <a:avLst/>
-          </a:prstGeom>
-          <a:ln>
-            <a:tailEnd type="triangle"/>
-          </a:ln>
-        </p:spPr>
-        <p:style>
-          <a:lnRef idx="1">
-            <a:schemeClr val="accent1"/>
-          </a:lnRef>
-          <a:fillRef idx="0">
-            <a:schemeClr val="accent1"/>
-          </a:fillRef>
-          <a:effectRef idx="0">
-            <a:schemeClr val="accent1"/>
-          </a:effectRef>
-          <a:fontRef idx="minor">
-            <a:schemeClr val="tx1"/>
-          </a:fontRef>
-        </p:style>
-      </p:cxnSp>
-      <p:cxnSp>
-        <p:nvCxnSpPr>
-          <p:cNvPr id="19" name="直接箭头连接符 18"/>
-          <p:cNvCxnSpPr>
-            <a:stCxn id="20" idx="6"/>
-            <a:endCxn id="14" idx="1"/>
-          </p:cNvCxnSpPr>
-          <p:nvPr/>
-        </p:nvCxnSpPr>
-        <p:spPr>
-          <a:xfrm>
-            <a:off x="2185239" y="3016063"/>
-            <a:ext cx="2107629" cy="802239"/>
-          </a:xfrm>
-          <a:prstGeom prst="straightConnector1">
-            <a:avLst/>
-          </a:prstGeom>
-          <a:ln>
-            <a:tailEnd type="triangle"/>
-          </a:ln>
-        </p:spPr>
-        <p:style>
-          <a:lnRef idx="1">
-            <a:schemeClr val="accent1"/>
-          </a:lnRef>
-          <a:fillRef idx="0">
-            <a:schemeClr val="accent1"/>
-          </a:fillRef>
-          <a:effectRef idx="0">
-            <a:schemeClr val="accent1"/>
-          </a:effectRef>
-          <a:fontRef idx="minor">
-            <a:schemeClr val="tx1"/>
-          </a:fontRef>
-        </p:style>
-      </p:cxnSp>
-      <p:sp>
-        <p:nvSpPr>
-          <p:cNvPr id="20" name="椭圆 19"/>
-          <p:cNvSpPr/>
-          <p:nvPr/>
-        </p:nvSpPr>
-        <p:spPr>
-          <a:xfrm>
-            <a:off x="1868111" y="2815474"/>
-            <a:ext cx="317128" cy="401178"/>
-          </a:xfrm>
-          <a:prstGeom prst="ellipse">
-            <a:avLst/>
-          </a:prstGeom>
-          <a:solidFill>
-            <a:schemeClr val="accent4">
-              <a:lumMod val="60000"/>
-              <a:lumOff val="40000"/>
-              <a:alpha val="20000"/>
-            </a:schemeClr>
-          </a:solidFill>
-        </p:spPr>
-        <p:style>
-          <a:lnRef idx="2">
-            <a:schemeClr val="accent1">
-              <a:shade val="50000"/>
-            </a:schemeClr>
-          </a:lnRef>
-          <a:fillRef idx="1">
-            <a:schemeClr val="accent1"/>
-          </a:fillRef>
-          <a:effectRef idx="0">
-            <a:schemeClr val="accent1"/>
-          </a:effectRef>
-          <a:fontRef idx="minor">
-            <a:schemeClr val="lt1"/>
-          </a:fontRef>
-        </p:style>
         <p:txBody>
-          <a:bodyPr rtlCol="0" anchor="ctr"/>
+          <a:bodyPr wrap="none" rtlCol="0">
+            <a:spAutoFit/>
+          </a:bodyPr>
           <a:lstStyle/>
           <a:p>
-            <a:pPr algn="ctr"/>
-            <a:endParaRPr lang="zh-CN" altLang="en-US"/>
+            <a:r>
+              <a:rPr lang="en-US" altLang="zh-CN" dirty="0" smtClean="0">
+                <a:latin typeface="黑体" panose="02010609060101010101" pitchFamily="49" charset="-122"/>
+                <a:ea typeface="黑体" panose="02010609060101010101" pitchFamily="49" charset="-122"/>
+              </a:rPr>
+              <a:t>1</a:t>
+            </a:r>
+            <a:r>
+              <a:rPr lang="zh-CN" altLang="en-US" dirty="0" smtClean="0">
+                <a:latin typeface="黑体" panose="02010609060101010101" pitchFamily="49" charset="-122"/>
+                <a:ea typeface="黑体" panose="02010609060101010101" pitchFamily="49" charset="-122"/>
+              </a:rPr>
+              <a:t>、直线段</a:t>
+            </a:r>
+            <a:endParaRPr lang="zh-CN" altLang="en-US" dirty="0">
+              <a:latin typeface="黑体" panose="02010609060101010101" pitchFamily="49" charset="-122"/>
+              <a:ea typeface="黑体" panose="02010609060101010101" pitchFamily="49" charset="-122"/>
+            </a:endParaRPr>
           </a:p>
         </p:txBody>
       </p:sp>
       <p:sp>
         <p:nvSpPr>
-          <p:cNvPr id="24" name="AutoShape 31"/>
-          <p:cNvSpPr>
-            <a:spLocks noChangeArrowheads="1"/>
-          </p:cNvSpPr>
+          <p:cNvPr id="25" name="文本框 24"/>
+          <p:cNvSpPr txBox="1"/>
           <p:nvPr/>
         </p:nvSpPr>
-        <p:spPr bwMode="auto">
+        <p:spPr>
           <a:xfrm>
-            <a:off x="6699639" y="3599632"/>
-            <a:ext cx="2074593" cy="903683"/>
+            <a:off x="4652850" y="5947358"/>
+            <a:ext cx="1223412" cy="369332"/>
           </a:xfrm>
-          <a:prstGeom prst="wedgeRoundRectCallout">
-            <a:avLst>
-              <a:gd name="adj1" fmla="val -72826"/>
-              <a:gd name="adj2" fmla="val -55273"/>
-              <a:gd name="adj3" fmla="val 16667"/>
-            </a:avLst>
+          <a:prstGeom prst="rect">
+            <a:avLst/>
           </a:prstGeom>
-          <a:solidFill>
-            <a:srgbClr val="CCFFFF"/>
-          </a:solidFill>
-          <a:ln w="9525">
-            <a:solidFill>
-              <a:schemeClr val="tx1"/>
-            </a:solidFill>
-            <a:miter lim="800000"/>
-          </a:ln>
+          <a:noFill/>
         </p:spPr>
         <p:txBody>
-          <a:bodyPr/>
-          <a:lstStyle>
-            <a:lvl1pPr>
-              <a:defRPr>
-                <a:solidFill>
-                  <a:schemeClr val="tx1"/>
-                </a:solidFill>
-                <a:latin typeface="Calibri" panose="020F0502020204030204" pitchFamily="34" charset="0"/>
-                <a:ea typeface="宋体" panose="02010600030101010101" pitchFamily="2" charset="-122"/>
-              </a:defRPr>
-            </a:lvl1pPr>
-            <a:lvl2pPr marL="742950" indent="-285750">
-              <a:defRPr>
-                <a:solidFill>
-                  <a:schemeClr val="tx1"/>
-                </a:solidFill>
-                <a:latin typeface="Calibri" panose="020F0502020204030204" pitchFamily="34" charset="0"/>
-                <a:ea typeface="宋体" panose="02010600030101010101" pitchFamily="2" charset="-122"/>
-              </a:defRPr>
-            </a:lvl2pPr>
-            <a:lvl3pPr marL="1143000" indent="-228600">
-              <a:defRPr>
-                <a:solidFill>
-                  <a:schemeClr val="tx1"/>
-                </a:solidFill>
-                <a:latin typeface="Calibri" panose="020F0502020204030204" pitchFamily="34" charset="0"/>
-                <a:ea typeface="宋体" panose="02010600030101010101" pitchFamily="2" charset="-122"/>
-              </a:defRPr>
-            </a:lvl3pPr>
-            <a:lvl4pPr marL="1600200" indent="-228600">
-              <a:defRPr>
-                <a:solidFill>
-                  <a:schemeClr val="tx1"/>
-                </a:solidFill>
-                <a:latin typeface="Calibri" panose="020F0502020204030204" pitchFamily="34" charset="0"/>
-                <a:ea typeface="宋体" panose="02010600030101010101" pitchFamily="2" charset="-122"/>
-              </a:defRPr>
-            </a:lvl4pPr>
-            <a:lvl5pPr marL="2057400" indent="-228600">
-              <a:defRPr>
-                <a:solidFill>
-                  <a:schemeClr val="tx1"/>
-                </a:solidFill>
-                <a:latin typeface="Calibri" panose="020F0502020204030204" pitchFamily="34" charset="0"/>
-                <a:ea typeface="宋体" panose="02010600030101010101" pitchFamily="2" charset="-122"/>
-              </a:defRPr>
-            </a:lvl5pPr>
-            <a:lvl6pPr marL="2514600" indent="-228600" fontAlgn="base">
-              <a:spcBef>
-                <a:spcPct val="0"/>
-              </a:spcBef>
-              <a:spcAft>
-                <a:spcPct val="0"/>
-              </a:spcAft>
-              <a:defRPr>
-                <a:solidFill>
-                  <a:schemeClr val="tx1"/>
-                </a:solidFill>
-                <a:latin typeface="Calibri" panose="020F0502020204030204" pitchFamily="34" charset="0"/>
-                <a:ea typeface="宋体" panose="02010600030101010101" pitchFamily="2" charset="-122"/>
-              </a:defRPr>
-            </a:lvl6pPr>
-            <a:lvl7pPr marL="2971800" indent="-228600" fontAlgn="base">
-              <a:spcBef>
-                <a:spcPct val="0"/>
-              </a:spcBef>
-              <a:spcAft>
-                <a:spcPct val="0"/>
-              </a:spcAft>
-              <a:defRPr>
-                <a:solidFill>
-                  <a:schemeClr val="tx1"/>
-                </a:solidFill>
-                <a:latin typeface="Calibri" panose="020F0502020204030204" pitchFamily="34" charset="0"/>
-                <a:ea typeface="宋体" panose="02010600030101010101" pitchFamily="2" charset="-122"/>
-              </a:defRPr>
-            </a:lvl7pPr>
-            <a:lvl8pPr marL="3429000" indent="-228600" fontAlgn="base">
-              <a:spcBef>
-                <a:spcPct val="0"/>
-              </a:spcBef>
-              <a:spcAft>
-                <a:spcPct val="0"/>
-              </a:spcAft>
-              <a:defRPr>
-                <a:solidFill>
-                  <a:schemeClr val="tx1"/>
-                </a:solidFill>
-                <a:latin typeface="Calibri" panose="020F0502020204030204" pitchFamily="34" charset="0"/>
-                <a:ea typeface="宋体" panose="02010600030101010101" pitchFamily="2" charset="-122"/>
-              </a:defRPr>
-            </a:lvl8pPr>
-            <a:lvl9pPr marL="3886200" indent="-228600" fontAlgn="base">
-              <a:spcBef>
-                <a:spcPct val="0"/>
-              </a:spcBef>
-              <a:spcAft>
-                <a:spcPct val="0"/>
-              </a:spcAft>
-              <a:defRPr>
-                <a:solidFill>
-                  <a:schemeClr val="tx1"/>
-                </a:solidFill>
-                <a:latin typeface="Calibri" panose="020F0502020204030204" pitchFamily="34" charset="0"/>
-                <a:ea typeface="宋体" panose="02010600030101010101" pitchFamily="2" charset="-122"/>
-              </a:defRPr>
-            </a:lvl9pPr>
-          </a:lstStyle>
+          <a:bodyPr wrap="none" rtlCol="0">
+            <a:spAutoFit/>
+          </a:bodyPr>
+          <a:lstStyle/>
           <a:p>
             <a:r>
-              <a:rPr lang="zh-CN" altLang="en-US" sz="1600" dirty="0">
+              <a:rPr lang="en-US" altLang="zh-CN" dirty="0" smtClean="0">
                 <a:latin typeface="黑体" panose="02010609060101010101" pitchFamily="49" charset="-122"/>
                 <a:ea typeface="黑体" panose="02010609060101010101" pitchFamily="49" charset="-122"/>
               </a:rPr>
-              <a:t>对应点匹配后得到的对应轨迹段存在三种情况</a:t>
-            </a:r>
+              <a:t>2</a:t>
+            </a:r>
+            <a:r>
+              <a:rPr lang="zh-CN" altLang="en-US" dirty="0" smtClean="0">
+                <a:latin typeface="黑体" panose="02010609060101010101" pitchFamily="49" charset="-122"/>
+                <a:ea typeface="黑体" panose="02010609060101010101" pitchFamily="49" charset="-122"/>
+              </a:rPr>
+              <a:t>、折线段</a:t>
+            </a:r>
+            <a:endParaRPr lang="zh-CN" altLang="en-US" dirty="0">
+              <a:latin typeface="黑体" panose="02010609060101010101" pitchFamily="49" charset="-122"/>
+              <a:ea typeface="黑体" panose="02010609060101010101" pitchFamily="49" charset="-122"/>
+            </a:endParaRPr>
+          </a:p>
+        </p:txBody>
+      </p:sp>
+      <p:sp>
+        <p:nvSpPr>
+          <p:cNvPr id="26" name="文本框 25"/>
+          <p:cNvSpPr txBox="1"/>
+          <p:nvPr/>
+        </p:nvSpPr>
+        <p:spPr>
+          <a:xfrm>
+            <a:off x="7076536" y="3834914"/>
+            <a:ext cx="1223412" cy="369332"/>
+          </a:xfrm>
+          <a:prstGeom prst="rect">
+            <a:avLst/>
+          </a:prstGeom>
+          <a:noFill/>
+        </p:spPr>
+        <p:txBody>
+          <a:bodyPr wrap="none" rtlCol="0">
+            <a:spAutoFit/>
+          </a:bodyPr>
+          <a:lstStyle/>
+          <a:p>
+            <a:r>
+              <a:rPr lang="en-US" altLang="zh-CN" dirty="0" smtClean="0">
+                <a:latin typeface="黑体" panose="02010609060101010101" pitchFamily="49" charset="-122"/>
+                <a:ea typeface="黑体" panose="02010609060101010101" pitchFamily="49" charset="-122"/>
+              </a:rPr>
+              <a:t>3</a:t>
+            </a:r>
+            <a:r>
+              <a:rPr lang="zh-CN" altLang="en-US" dirty="0" smtClean="0">
+                <a:latin typeface="黑体" panose="02010609060101010101" pitchFamily="49" charset="-122"/>
+                <a:ea typeface="黑体" panose="02010609060101010101" pitchFamily="49" charset="-122"/>
+              </a:rPr>
+              <a:t>、单个点</a:t>
+            </a:r>
+            <a:endParaRPr lang="zh-CN" altLang="en-US" dirty="0">
+              <a:latin typeface="黑体" panose="02010609060101010101" pitchFamily="49" charset="-122"/>
+              <a:ea typeface="黑体" panose="02010609060101010101" pitchFamily="49" charset="-122"/>
+            </a:endParaRPr>
           </a:p>
         </p:txBody>
       </p:sp>
@@ -8156,7 +9182,7 @@
 </p:sld>
 </file>
 
-<file path=ppt/slides/slide16.xml><?xml version="1.0" encoding="utf-8"?>
+<file path=ppt/slides/slide17.xml><?xml version="1.0" encoding="utf-8"?>
 <p:sld xmlns:a="http://schemas.openxmlformats.org/drawingml/2006/main" xmlns:r="http://schemas.openxmlformats.org/officeDocument/2006/relationships" xmlns:p="http://schemas.openxmlformats.org/presentationml/2006/main">
   <p:cSld>
     <p:spTree>
@@ -9349,7 +10375,7 @@
 </p:sld>
 </file>
 
-<file path=ppt/slides/slide17.xml><?xml version="1.0" encoding="utf-8"?>
+<file path=ppt/slides/slide18.xml><?xml version="1.0" encoding="utf-8"?>
 <p:sld xmlns:a="http://schemas.openxmlformats.org/drawingml/2006/main" xmlns:r="http://schemas.openxmlformats.org/officeDocument/2006/relationships" xmlns:p="http://schemas.openxmlformats.org/presentationml/2006/main">
   <p:cSld>
     <p:spTree>
@@ -10152,7 +11178,29 @@
                 <a:ea typeface="黑体" panose="02010609060101010101" pitchFamily="49" charset="-122"/>
                 <a:cs typeface="Times New Roman" panose="02020603050405020304" pitchFamily="18" charset="0"/>
               </a:rPr>
-              <a:t>问题：</a:t>
+              <a:t>轨迹距离计算存在</a:t>
+            </a:r>
+            <a:r>
+              <a:rPr lang="zh-CN" altLang="en-US" dirty="0" smtClean="0">
+                <a:solidFill>
+                  <a:srgbClr val="000000"/>
+                </a:solidFill>
+                <a:latin typeface="Times New Roman" panose="02020603050405020304" pitchFamily="18" charset="0"/>
+                <a:ea typeface="黑体" panose="02010609060101010101" pitchFamily="49" charset="-122"/>
+                <a:cs typeface="Times New Roman" panose="02020603050405020304" pitchFamily="18" charset="0"/>
+              </a:rPr>
+              <a:t>问题</a:t>
+            </a:r>
+            <a:r>
+              <a:rPr lang="zh-CN" altLang="en-US" dirty="0" smtClean="0">
+                <a:solidFill>
+                  <a:srgbClr val="000000"/>
+                </a:solidFill>
+                <a:latin typeface="Times New Roman" panose="02020603050405020304" pitchFamily="18" charset="0"/>
+                <a:ea typeface="黑体" panose="02010609060101010101" pitchFamily="49" charset="-122"/>
+                <a:cs typeface="Times New Roman" panose="02020603050405020304" pitchFamily="18" charset="0"/>
+              </a:rPr>
+              <a:t>：</a:t>
             </a:r>
             <a:endParaRPr lang="en-US" altLang="zh-CN" dirty="0" smtClean="0">
               <a:solidFill>
@@ -10204,7 +11252,18 @@
                 <a:ea typeface="黑体" panose="02010609060101010101" pitchFamily="49" charset="-122"/>
                 <a:cs typeface="Times New Roman" panose="02020603050405020304" pitchFamily="18" charset="0"/>
               </a:rPr>
-              <a:t>只依赖样本点的相似性算法</a:t>
+              <a:t>只依赖样本点</a:t>
+            </a:r>
+            <a:r>
+              <a:rPr lang="zh-CN" altLang="en-US" dirty="0" smtClean="0">
+                <a:solidFill>
+                  <a:srgbClr val="000000"/>
+                </a:solidFill>
+                <a:latin typeface="Times New Roman" panose="02020603050405020304" pitchFamily="18" charset="0"/>
+                <a:ea typeface="黑体" panose="02010609060101010101" pitchFamily="49" charset="-122"/>
+                <a:cs typeface="Times New Roman" panose="02020603050405020304" pitchFamily="18" charset="0"/>
+              </a:rPr>
+              <a:t>的算法</a:t>
             </a:r>
             <a:r>
               <a:rPr lang="zh-CN" altLang="en-US" dirty="0" smtClean="0">
@@ -10259,7 +11318,7 @@
 </p:sld>
 </file>
 
-<file path=ppt/slides/slide18.xml><?xml version="1.0" encoding="utf-8"?>
+<file path=ppt/slides/slide19.xml><?xml version="1.0" encoding="utf-8"?>
 <p:sld xmlns:a="http://schemas.openxmlformats.org/drawingml/2006/main" xmlns:r="http://schemas.openxmlformats.org/officeDocument/2006/relationships" xmlns:p="http://schemas.openxmlformats.org/presentationml/2006/main">
   <p:cSld>
     <p:spTree>
@@ -10885,8 +11944,8 @@
           </p:sp>
         </mc:Fallback>
       </mc:AlternateContent>
-      <mc:AlternateContent xmlns:mc="http://schemas.openxmlformats.org/markup-compatibility/2006" xmlns:a14="http://schemas.microsoft.com/office/drawing/2010/main">
-        <mc:Choice Requires="a14">
+      <mc:AlternateContent xmlns:mc="http://schemas.openxmlformats.org/markup-compatibility/2006">
+        <mc:Choice xmlns:a14="http://schemas.microsoft.com/office/drawing/2010/main" Requires="a14">
           <p:sp>
             <p:nvSpPr>
               <p:cNvPr id="12" name="AutoShape 31"/>
@@ -10897,13 +11956,13 @@
             </p:nvSpPr>
             <p:spPr bwMode="auto">
               <a:xfrm>
-                <a:off x="202541" y="1344456"/>
-                <a:ext cx="2117965" cy="1441876"/>
+                <a:off x="114300" y="1322243"/>
+                <a:ext cx="2292470" cy="1441876"/>
               </a:xfrm>
               <a:prstGeom prst="wedgeRoundRectCallout">
                 <a:avLst>
-                  <a:gd name="adj1" fmla="val 80600"/>
-                  <a:gd name="adj2" fmla="val 24028"/>
+                  <a:gd name="adj1" fmla="val 69311"/>
+                  <a:gd name="adj2" fmla="val 22832"/>
                   <a:gd name="adj3" fmla="val 16667"/>
                 </a:avLst>
               </a:prstGeom>
@@ -11029,43 +12088,54 @@
               <a:p>
                 <a:r>
                   <a:rPr lang="zh-CN" altLang="zh-CN" sz="1600" dirty="0">
-                    <a:latin typeface="Times New Roman" panose="02020603050405020304" pitchFamily="18" charset="0"/>
+                    <a:latin typeface="黑体" panose="02010609060101010101" pitchFamily="49" charset="-122"/>
+                    <a:ea typeface="黑体" panose="02010609060101010101" pitchFamily="49" charset="-122"/>
                     <a:cs typeface="Times New Roman" panose="02020603050405020304" pitchFamily="18" charset="0"/>
                   </a:rPr>
                   <a:t>断点（</a:t>
                 </a:r>
                 <a:r>
                   <a:rPr lang="en-US" altLang="zh-CN" sz="1600" dirty="0">
-                    <a:latin typeface="Times New Roman" panose="02020603050405020304" pitchFamily="18" charset="0"/>
+                    <a:latin typeface="黑体" panose="02010609060101010101" pitchFamily="49" charset="-122"/>
+                    <a:ea typeface="黑体" panose="02010609060101010101" pitchFamily="49" charset="-122"/>
                   </a:rPr>
                   <a:t>break point</a:t>
                 </a:r>
                 <a:r>
                   <a:rPr lang="zh-CN" altLang="zh-CN" sz="1600" dirty="0">
-                    <a:latin typeface="Times New Roman" panose="02020603050405020304" pitchFamily="18" charset="0"/>
+                    <a:latin typeface="黑体" panose="02010609060101010101" pitchFamily="49" charset="-122"/>
+                    <a:ea typeface="黑体" panose="02010609060101010101" pitchFamily="49" charset="-122"/>
                     <a:cs typeface="Times New Roman" panose="02020603050405020304" pitchFamily="18" charset="0"/>
                   </a:rPr>
                   <a:t>）</a:t>
                 </a:r>
                 <a:r>
                   <a:rPr lang="zh-CN" altLang="en-US" sz="1600" dirty="0" smtClean="0">
-                    <a:latin typeface="Times New Roman" panose="02020603050405020304" pitchFamily="18" charset="0"/>
+                    <a:latin typeface="黑体" panose="02010609060101010101" pitchFamily="49" charset="-122"/>
+                    <a:ea typeface="黑体" panose="02010609060101010101" pitchFamily="49" charset="-122"/>
                     <a:cs typeface="Times New Roman" panose="02020603050405020304" pitchFamily="18" charset="0"/>
                   </a:rPr>
                   <a:t>：</a:t>
                 </a:r>
                 <a:endParaRPr lang="en-US" altLang="zh-CN" sz="1600" dirty="0" smtClean="0">
-                  <a:latin typeface="Times New Roman" panose="02020603050405020304" pitchFamily="18" charset="0"/>
+                  <a:latin typeface="黑体" panose="02010609060101010101" pitchFamily="49" charset="-122"/>
+                  <a:ea typeface="黑体" panose="02010609060101010101" pitchFamily="49" charset="-122"/>
                   <a:cs typeface="Times New Roman" panose="02020603050405020304" pitchFamily="18" charset="0"/>
                 </a:endParaRPr>
               </a:p>
               <a:p>
                 <a:r>
-                  <a:rPr lang="zh-CN" altLang="zh-CN" sz="1600" dirty="0" smtClean="0"/>
+                  <a:rPr lang="zh-CN" altLang="zh-CN" sz="1600" dirty="0" smtClean="0">
+                    <a:latin typeface="黑体" panose="02010609060101010101" pitchFamily="49" charset="-122"/>
+                    <a:ea typeface="黑体" panose="02010609060101010101" pitchFamily="49" charset="-122"/>
+                  </a:rPr>
                   <a:t>使用</a:t>
                 </a:r>
                 <a:r>
-                  <a:rPr lang="zh-CN" altLang="zh-CN" sz="1600" dirty="0"/>
+                  <a:rPr lang="zh-CN" altLang="zh-CN" sz="1600" dirty="0">
+                    <a:latin typeface="黑体" panose="02010609060101010101" pitchFamily="49" charset="-122"/>
+                    <a:ea typeface="黑体" panose="02010609060101010101" pitchFamily="49" charset="-122"/>
+                  </a:rPr>
                   <a:t>一个固定的断点阈值</a:t>
                 </a:r>
                 <a14:m>
@@ -11082,15 +12152,21 @@
                   </m:oMath>
                 </a14:m>
                 <a:r>
-                  <a:rPr lang="zh-CN" altLang="zh-CN" sz="1600" dirty="0"/>
+                  <a:rPr lang="zh-CN" altLang="zh-CN" sz="1600" dirty="0">
+                    <a:latin typeface="黑体" panose="02010609060101010101" pitchFamily="49" charset="-122"/>
+                    <a:ea typeface="黑体" panose="02010609060101010101" pitchFamily="49" charset="-122"/>
+                  </a:rPr>
                   <a:t>将两个相邻样本点之间的轨迹段均匀分割</a:t>
                 </a:r>
-                <a:endParaRPr lang="en-US" altLang="zh-CN" sz="1600" dirty="0"/>
+                <a:endParaRPr lang="en-US" altLang="zh-CN" sz="1600" dirty="0">
+                  <a:latin typeface="黑体" panose="02010609060101010101" pitchFamily="49" charset="-122"/>
+                  <a:ea typeface="黑体" panose="02010609060101010101" pitchFamily="49" charset="-122"/>
+                </a:endParaRPr>
               </a:p>
             </p:txBody>
           </p:sp>
         </mc:Choice>
-        <mc:Fallback xmlns="">
+        <mc:Fallback>
           <p:sp>
             <p:nvSpPr>
               <p:cNvPr id="12" name="AutoShape 31"/>
@@ -11101,20 +12177,20 @@
             </p:nvSpPr>
             <p:spPr bwMode="auto">
               <a:xfrm>
-                <a:off x="202541" y="1344456"/>
-                <a:ext cx="2117965" cy="1441876"/>
+                <a:off x="114300" y="1322243"/>
+                <a:ext cx="2292470" cy="1441876"/>
               </a:xfrm>
               <a:prstGeom prst="wedgeRoundRectCallout">
                 <a:avLst>
-                  <a:gd name="adj1" fmla="val 80600"/>
-                  <a:gd name="adj2" fmla="val 24028"/>
+                  <a:gd name="adj1" fmla="val 69311"/>
+                  <a:gd name="adj2" fmla="val 22832"/>
                   <a:gd name="adj3" fmla="val 16667"/>
                 </a:avLst>
               </a:prstGeom>
               <a:blipFill>
                 <a:blip r:embed="rId5"/>
                 <a:stretch>
-                  <a:fillRect/>
+                  <a:fillRect b="-840"/>
                 </a:stretch>
               </a:blipFill>
               <a:ln w="9525">
@@ -11139,8 +12215,8 @@
           </p:sp>
         </mc:Fallback>
       </mc:AlternateContent>
-      <mc:AlternateContent xmlns:mc="http://schemas.openxmlformats.org/markup-compatibility/2006" xmlns:a14="http://schemas.microsoft.com/office/drawing/2010/main">
-        <mc:Choice Requires="a14">
+      <mc:AlternateContent xmlns:mc="http://schemas.openxmlformats.org/markup-compatibility/2006">
+        <mc:Choice xmlns:a14="http://schemas.microsoft.com/office/drawing/2010/main" Requires="a14">
           <p:sp>
             <p:nvSpPr>
               <p:cNvPr id="13" name="AutoShape 31"/>
@@ -11152,12 +12228,12 @@
             <p:spPr bwMode="auto">
               <a:xfrm>
                 <a:off x="202540" y="3049700"/>
-                <a:ext cx="2186977" cy="1441876"/>
+                <a:ext cx="2367168" cy="1441876"/>
               </a:xfrm>
               <a:prstGeom prst="wedgeRoundRectCallout">
                 <a:avLst>
-                  <a:gd name="adj1" fmla="val 110972"/>
-                  <a:gd name="adj2" fmla="val -80670"/>
+                  <a:gd name="adj1" fmla="val 100404"/>
+                  <a:gd name="adj2" fmla="val -80072"/>
                   <a:gd name="adj3" fmla="val 16667"/>
                 </a:avLst>
               </a:prstGeom>
@@ -11283,21 +12359,24 @@
               <a:p>
                 <a:r>
                   <a:rPr lang="zh-CN" altLang="zh-CN" sz="1600" dirty="0" smtClean="0">
-                    <a:latin typeface="Times New Roman" panose="02020603050405020304" pitchFamily="18" charset="0"/>
+                    <a:latin typeface="黑体" panose="02010609060101010101" pitchFamily="49" charset="-122"/>
+                    <a:ea typeface="黑体" panose="02010609060101010101" pitchFamily="49" charset="-122"/>
                     <a:cs typeface="Times New Roman" panose="02020603050405020304" pitchFamily="18" charset="0"/>
                   </a:rPr>
                   <a:t>断点</a:t>
                 </a:r>
                 <a:r>
                   <a:rPr lang="zh-CN" altLang="en-US" sz="1600" dirty="0" smtClean="0">
-                    <a:latin typeface="Times New Roman" panose="02020603050405020304" pitchFamily="18" charset="0"/>
+                    <a:latin typeface="黑体" panose="02010609060101010101" pitchFamily="49" charset="-122"/>
+                    <a:ea typeface="黑体" panose="02010609060101010101" pitchFamily="49" charset="-122"/>
                     <a:cs typeface="Times New Roman" panose="02020603050405020304" pitchFamily="18" charset="0"/>
                   </a:rPr>
                   <a:t>的对应点：</a:t>
                 </a:r>
                 <a:r>
                   <a:rPr lang="en-US" altLang="zh-CN" sz="1600" dirty="0" smtClean="0">
-                    <a:latin typeface="Times New Roman" panose="02020603050405020304" pitchFamily="18" charset="0"/>
+                    <a:latin typeface="黑体" panose="02010609060101010101" pitchFamily="49" charset="-122"/>
+                    <a:ea typeface="黑体" panose="02010609060101010101" pitchFamily="49" charset="-122"/>
                     <a:cs typeface="Times New Roman" panose="02020603050405020304" pitchFamily="18" charset="0"/>
                   </a:rPr>
                   <a:t>DTW-BDS(</a:t>
@@ -11358,13 +12437,17 @@
                 </a14:m>
                 <a:r>
                   <a:rPr lang="en-US" altLang="zh-CN" sz="1600" dirty="0" smtClean="0">
-                    <a:latin typeface="Times New Roman" panose="02020603050405020304" pitchFamily="18" charset="0"/>
+                    <a:latin typeface="黑体" panose="02010609060101010101" pitchFamily="49" charset="-122"/>
+                    <a:ea typeface="黑体" panose="02010609060101010101" pitchFamily="49" charset="-122"/>
                     <a:cs typeface="Times New Roman" panose="02020603050405020304" pitchFamily="18" charset="0"/>
                   </a:rPr>
                   <a:t>,</a:t>
                 </a:r>
                 <a:r>
-                  <a:rPr lang="zh-CN" altLang="zh-CN" sz="1600" dirty="0"/>
+                  <a:rPr lang="zh-CN" altLang="zh-CN" sz="1600" dirty="0">
+                    <a:latin typeface="黑体" panose="02010609060101010101" pitchFamily="49" charset="-122"/>
+                    <a:ea typeface="黑体" panose="02010609060101010101" pitchFamily="49" charset="-122"/>
+                  </a:rPr>
                   <a:t> </a:t>
                 </a:r>
                 <a14:m>
@@ -11423,24 +12506,29 @@
                 </a14:m>
                 <a:r>
                   <a:rPr lang="en-US" altLang="zh-CN" sz="1600" dirty="0" smtClean="0">
-                    <a:latin typeface="Times New Roman" panose="02020603050405020304" pitchFamily="18" charset="0"/>
+                    <a:latin typeface="黑体" panose="02010609060101010101" pitchFamily="49" charset="-122"/>
+                    <a:ea typeface="黑体" panose="02010609060101010101" pitchFamily="49" charset="-122"/>
                     <a:cs typeface="Times New Roman" panose="02020603050405020304" pitchFamily="18" charset="0"/>
                   </a:rPr>
                   <a:t>)</a:t>
                 </a:r>
                 <a:r>
                   <a:rPr lang="zh-CN" altLang="en-US" sz="1600" dirty="0" smtClean="0">
-                    <a:latin typeface="Times New Roman" panose="02020603050405020304" pitchFamily="18" charset="0"/>
+                    <a:latin typeface="黑体" panose="02010609060101010101" pitchFamily="49" charset="-122"/>
+                    <a:ea typeface="黑体" panose="02010609060101010101" pitchFamily="49" charset="-122"/>
                     <a:cs typeface="Times New Roman" panose="02020603050405020304" pitchFamily="18" charset="0"/>
                   </a:rPr>
                   <a:t>获取所有断点的对应点</a:t>
                 </a:r>
-                <a:endParaRPr lang="en-US" altLang="zh-CN" sz="1600" dirty="0"/>
+                <a:endParaRPr lang="en-US" altLang="zh-CN" sz="1600" dirty="0">
+                  <a:latin typeface="黑体" panose="02010609060101010101" pitchFamily="49" charset="-122"/>
+                  <a:ea typeface="黑体" panose="02010609060101010101" pitchFamily="49" charset="-122"/>
+                </a:endParaRPr>
               </a:p>
             </p:txBody>
           </p:sp>
         </mc:Choice>
-        <mc:Fallback xmlns="">
+        <mc:Fallback>
           <p:sp>
             <p:nvSpPr>
               <p:cNvPr id="13" name="AutoShape 31"/>
@@ -11452,12 +12540,12 @@
             <p:spPr bwMode="auto">
               <a:xfrm>
                 <a:off x="202540" y="3049700"/>
-                <a:ext cx="2186977" cy="1441876"/>
+                <a:ext cx="2367168" cy="1441876"/>
               </a:xfrm>
               <a:prstGeom prst="wedgeRoundRectCallout">
                 <a:avLst>
-                  <a:gd name="adj1" fmla="val 110972"/>
-                  <a:gd name="adj2" fmla="val -80670"/>
+                  <a:gd name="adj1" fmla="val 100404"/>
+                  <a:gd name="adj2" fmla="val -80072"/>
                   <a:gd name="adj3" fmla="val 16667"/>
                 </a:avLst>
               </a:prstGeom>
@@ -11509,7 +12597,1124 @@
 </p:sld>
 </file>
 
-<file path=ppt/slides/slide19.xml><?xml version="1.0" encoding="utf-8"?>
+<file path=ppt/slides/slide2.xml><?xml version="1.0" encoding="utf-8"?>
+<p:sld xmlns:a="http://schemas.openxmlformats.org/drawingml/2006/main" xmlns:r="http://schemas.openxmlformats.org/officeDocument/2006/relationships" xmlns:p="http://schemas.openxmlformats.org/presentationml/2006/main">
+  <p:cSld>
+    <p:spTree>
+      <p:nvGrpSpPr>
+        <p:cNvPr id="1" name=""/>
+        <p:cNvGrpSpPr/>
+        <p:nvPr/>
+      </p:nvGrpSpPr>
+      <p:grpSpPr>
+        <a:xfrm>
+          <a:off x="0" y="0"/>
+          <a:ext cx="0" cy="0"/>
+          <a:chOff x="0" y="0"/>
+          <a:chExt cx="0" cy="0"/>
+        </a:xfrm>
+      </p:grpSpPr>
+      <p:grpSp>
+        <p:nvGrpSpPr>
+          <p:cNvPr id="4" name="组合 3"/>
+          <p:cNvGrpSpPr/>
+          <p:nvPr/>
+        </p:nvGrpSpPr>
+        <p:grpSpPr>
+          <a:xfrm>
+            <a:off x="114300" y="171450"/>
+            <a:ext cx="8875502" cy="1066800"/>
+            <a:chOff x="114300" y="171450"/>
+            <a:chExt cx="8875502" cy="1066800"/>
+          </a:xfrm>
+        </p:grpSpPr>
+        <p:cxnSp>
+          <p:nvCxnSpPr>
+            <p:cNvPr id="5" name="直接连接符 4"/>
+            <p:cNvCxnSpPr/>
+            <p:nvPr/>
+          </p:nvCxnSpPr>
+          <p:spPr>
+            <a:xfrm>
+              <a:off x="114300" y="1076325"/>
+              <a:ext cx="8858250" cy="0"/>
+            </a:xfrm>
+            <a:prstGeom prst="line">
+              <a:avLst/>
+            </a:prstGeom>
+            <a:ln w="31750">
+              <a:solidFill>
+                <a:srgbClr val="1E50A6"/>
+              </a:solidFill>
+            </a:ln>
+          </p:spPr>
+          <p:style>
+            <a:lnRef idx="1">
+              <a:schemeClr val="accent1"/>
+            </a:lnRef>
+            <a:fillRef idx="0">
+              <a:schemeClr val="accent1"/>
+            </a:fillRef>
+            <a:effectRef idx="0">
+              <a:schemeClr val="accent1"/>
+            </a:effectRef>
+            <a:fontRef idx="minor">
+              <a:schemeClr val="tx1"/>
+            </a:fontRef>
+          </p:style>
+        </p:cxnSp>
+        <p:cxnSp>
+          <p:nvCxnSpPr>
+            <p:cNvPr id="6" name="直接连接符 5"/>
+            <p:cNvCxnSpPr/>
+            <p:nvPr/>
+          </p:nvCxnSpPr>
+          <p:spPr>
+            <a:xfrm>
+              <a:off x="6962775" y="171450"/>
+              <a:ext cx="28322" cy="1066800"/>
+            </a:xfrm>
+            <a:prstGeom prst="line">
+              <a:avLst/>
+            </a:prstGeom>
+            <a:ln w="31750">
+              <a:solidFill>
+                <a:srgbClr val="1E50A6"/>
+              </a:solidFill>
+            </a:ln>
+          </p:spPr>
+          <p:style>
+            <a:lnRef idx="1">
+              <a:schemeClr val="accent1"/>
+            </a:lnRef>
+            <a:fillRef idx="0">
+              <a:schemeClr val="accent1"/>
+            </a:fillRef>
+            <a:effectRef idx="0">
+              <a:schemeClr val="accent1"/>
+            </a:effectRef>
+            <a:fontRef idx="minor">
+              <a:schemeClr val="tx1"/>
+            </a:fontRef>
+          </p:style>
+        </p:cxnSp>
+        <p:pic>
+          <p:nvPicPr>
+            <p:cNvPr id="7" name="图片 6"/>
+            <p:cNvPicPr>
+              <a:picLocks noChangeAspect="1"/>
+            </p:cNvPicPr>
+            <p:nvPr/>
+          </p:nvPicPr>
+          <p:blipFill rotWithShape="1">
+            <a:blip r:embed="rId2">
+              <a:extLst>
+                <a:ext uri="{28A0092B-C50C-407E-A947-70E740481C1C}">
+                  <a14:useLocalDpi xmlns:a14="http://schemas.microsoft.com/office/drawing/2010/main" val="0"/>
+                </a:ext>
+              </a:extLst>
+            </a:blip>
+            <a:srcRect t="36874" r="33358" b="34304"/>
+            <a:stretch>
+              <a:fillRect/>
+            </a:stretch>
+          </p:blipFill>
+          <p:spPr>
+            <a:xfrm>
+              <a:off x="7076536" y="261127"/>
+              <a:ext cx="1913266" cy="765415"/>
+            </a:xfrm>
+            <a:prstGeom prst="rect">
+              <a:avLst/>
+            </a:prstGeom>
+          </p:spPr>
+        </p:pic>
+      </p:grpSp>
+      <p:sp>
+        <p:nvSpPr>
+          <p:cNvPr id="9" name="标题 1"/>
+          <p:cNvSpPr>
+            <a:spLocks noGrp="1"/>
+          </p:cNvSpPr>
+          <p:nvPr>
+            <p:ph type="title"/>
+          </p:nvPr>
+        </p:nvSpPr>
+        <p:spPr>
+          <a:xfrm>
+            <a:off x="628650" y="365125"/>
+            <a:ext cx="6324600" cy="715963"/>
+          </a:xfrm>
+        </p:spPr>
+        <p:txBody>
+          <a:bodyPr/>
+          <a:lstStyle/>
+          <a:p>
+            <a:r>
+              <a:rPr lang="zh-CN" altLang="en-US" smtClean="0">
+                <a:latin typeface="Times New Roman" panose="02020603050405020304" pitchFamily="18" charset="0"/>
+                <a:ea typeface="黑体" panose="02010609060101010101" pitchFamily="49" charset="-122"/>
+                <a:cs typeface="Times New Roman" panose="02020603050405020304" pitchFamily="18" charset="0"/>
+              </a:rPr>
+              <a:t>目录</a:t>
+            </a:r>
+          </a:p>
+        </p:txBody>
+      </p:sp>
+      <p:sp>
+        <p:nvSpPr>
+          <p:cNvPr id="10" name="文本框 9"/>
+          <p:cNvSpPr txBox="1"/>
+          <p:nvPr/>
+        </p:nvSpPr>
+        <p:spPr>
+          <a:xfrm>
+            <a:off x="1185863" y="2046288"/>
+            <a:ext cx="6948487" cy="461962"/>
+          </a:xfrm>
+          <a:prstGeom prst="rect">
+            <a:avLst/>
+          </a:prstGeom>
+          <a:noFill/>
+          <a:ln>
+            <a:noFill/>
+          </a:ln>
+        </p:spPr>
+        <p:txBody>
+          <a:bodyPr anchor="ctr">
+            <a:spAutoFit/>
+          </a:bodyPr>
+          <a:lstStyle/>
+          <a:p>
+            <a:pPr eaLnBrk="1" fontAlgn="auto" hangingPunct="1">
+              <a:spcBef>
+                <a:spcPts val="0"/>
+              </a:spcBef>
+              <a:spcAft>
+                <a:spcPts val="0"/>
+              </a:spcAft>
+              <a:defRPr/>
+            </a:pPr>
+            <a:r>
+              <a:rPr lang="zh-CN" altLang="en-US" sz="2400" dirty="0">
+                <a:solidFill>
+                  <a:schemeClr val="bg2">
+                    <a:lumMod val="25000"/>
+                  </a:schemeClr>
+                </a:solidFill>
+                <a:latin typeface="Times New Roman" panose="02020603050405020304" pitchFamily="18" charset="0"/>
+                <a:ea typeface="黑体" panose="02010609060101010101" pitchFamily="49" charset="-122"/>
+                <a:cs typeface="Times New Roman" panose="02020603050405020304" pitchFamily="18" charset="0"/>
+              </a:rPr>
+              <a:t>  研究背景介绍</a:t>
+            </a:r>
+          </a:p>
+        </p:txBody>
+      </p:sp>
+      <p:sp>
+        <p:nvSpPr>
+          <p:cNvPr id="11" name="文本框 10"/>
+          <p:cNvSpPr txBox="1"/>
+          <p:nvPr/>
+        </p:nvSpPr>
+        <p:spPr>
+          <a:xfrm>
+            <a:off x="1185863" y="2828925"/>
+            <a:ext cx="6948487" cy="461963"/>
+          </a:xfrm>
+          <a:prstGeom prst="rect">
+            <a:avLst/>
+          </a:prstGeom>
+          <a:noFill/>
+          <a:ln>
+            <a:noFill/>
+          </a:ln>
+        </p:spPr>
+        <p:txBody>
+          <a:bodyPr anchor="ctr">
+            <a:spAutoFit/>
+          </a:bodyPr>
+          <a:lstStyle/>
+          <a:p>
+            <a:pPr eaLnBrk="1" fontAlgn="auto" hangingPunct="1">
+              <a:spcBef>
+                <a:spcPts val="0"/>
+              </a:spcBef>
+              <a:spcAft>
+                <a:spcPts val="0"/>
+              </a:spcAft>
+              <a:defRPr/>
+            </a:pPr>
+            <a:r>
+              <a:rPr lang="zh-CN" altLang="en-US" sz="2400" dirty="0">
+                <a:solidFill>
+                  <a:schemeClr val="bg2">
+                    <a:lumMod val="25000"/>
+                  </a:schemeClr>
+                </a:solidFill>
+                <a:latin typeface="Times New Roman" panose="02020603050405020304" pitchFamily="18" charset="0"/>
+                <a:ea typeface="黑体" panose="02010609060101010101" pitchFamily="49" charset="-122"/>
+                <a:cs typeface="Times New Roman" panose="02020603050405020304" pitchFamily="18" charset="0"/>
+              </a:rPr>
+              <a:t>  三维</a:t>
+            </a:r>
+            <a:r>
+              <a:rPr lang="zh-CN" altLang="en-US" sz="2400" dirty="0" smtClean="0">
+                <a:solidFill>
+                  <a:schemeClr val="bg2">
+                    <a:lumMod val="25000"/>
+                  </a:schemeClr>
+                </a:solidFill>
+                <a:latin typeface="Times New Roman" panose="02020603050405020304" pitchFamily="18" charset="0"/>
+                <a:ea typeface="黑体" panose="02010609060101010101" pitchFamily="49" charset="-122"/>
+                <a:cs typeface="Times New Roman" panose="02020603050405020304" pitchFamily="18" charset="0"/>
+              </a:rPr>
+              <a:t>时空下样本点匹配算法</a:t>
+            </a:r>
+            <a:endParaRPr lang="zh-CN" altLang="en-US" sz="2400" dirty="0">
+              <a:solidFill>
+                <a:schemeClr val="bg2">
+                  <a:lumMod val="10000"/>
+                </a:schemeClr>
+              </a:solidFill>
+              <a:latin typeface="Times New Roman" panose="02020603050405020304" pitchFamily="18" charset="0"/>
+              <a:ea typeface="黑体" panose="02010609060101010101" pitchFamily="49" charset="-122"/>
+              <a:cs typeface="Times New Roman" panose="02020603050405020304" pitchFamily="18" charset="0"/>
+            </a:endParaRPr>
+          </a:p>
+        </p:txBody>
+      </p:sp>
+      <p:sp>
+        <p:nvSpPr>
+          <p:cNvPr id="12" name="文本框 11"/>
+          <p:cNvSpPr txBox="1"/>
+          <p:nvPr/>
+        </p:nvSpPr>
+        <p:spPr>
+          <a:xfrm>
+            <a:off x="1185863" y="3619500"/>
+            <a:ext cx="6948487" cy="461963"/>
+          </a:xfrm>
+          <a:prstGeom prst="rect">
+            <a:avLst/>
+          </a:prstGeom>
+          <a:noFill/>
+          <a:ln>
+            <a:noFill/>
+          </a:ln>
+        </p:spPr>
+        <p:txBody>
+          <a:bodyPr anchor="ctr">
+            <a:spAutoFit/>
+          </a:bodyPr>
+          <a:lstStyle/>
+          <a:p>
+            <a:pPr eaLnBrk="1" fontAlgn="auto" hangingPunct="1">
+              <a:spcBef>
+                <a:spcPts val="0"/>
+              </a:spcBef>
+              <a:spcAft>
+                <a:spcPts val="0"/>
+              </a:spcAft>
+              <a:defRPr/>
+            </a:pPr>
+            <a:r>
+              <a:rPr lang="zh-CN" altLang="en-US" sz="2400" dirty="0" smtClean="0">
+                <a:solidFill>
+                  <a:schemeClr val="bg2">
+                    <a:lumMod val="10000"/>
+                  </a:schemeClr>
+                </a:solidFill>
+                <a:latin typeface="Times New Roman" panose="02020603050405020304" pitchFamily="18" charset="0"/>
+                <a:ea typeface="黑体" panose="02010609060101010101" pitchFamily="49" charset="-122"/>
+                <a:cs typeface="Times New Roman" panose="02020603050405020304" pitchFamily="18" charset="0"/>
+              </a:rPr>
+              <a:t>  时空</a:t>
+            </a:r>
+            <a:r>
+              <a:rPr lang="zh-CN" altLang="en-US" sz="2400" smtClean="0">
+                <a:solidFill>
+                  <a:schemeClr val="bg2">
+                    <a:lumMod val="10000"/>
+                  </a:schemeClr>
+                </a:solidFill>
+                <a:latin typeface="Times New Roman" panose="02020603050405020304" pitchFamily="18" charset="0"/>
+                <a:ea typeface="黑体" panose="02010609060101010101" pitchFamily="49" charset="-122"/>
+                <a:cs typeface="Times New Roman" panose="02020603050405020304" pitchFamily="18" charset="0"/>
+              </a:rPr>
+              <a:t>轨迹相似性查询算法</a:t>
+            </a:r>
+            <a:endParaRPr lang="zh-CN" altLang="en-US" sz="2400" dirty="0">
+              <a:solidFill>
+                <a:schemeClr val="bg2">
+                  <a:lumMod val="10000"/>
+                </a:schemeClr>
+              </a:solidFill>
+              <a:latin typeface="Times New Roman" panose="02020603050405020304" pitchFamily="18" charset="0"/>
+              <a:ea typeface="黑体" panose="02010609060101010101" pitchFamily="49" charset="-122"/>
+              <a:cs typeface="Times New Roman" panose="02020603050405020304" pitchFamily="18" charset="0"/>
+            </a:endParaRPr>
+          </a:p>
+        </p:txBody>
+      </p:sp>
+      <p:sp>
+        <p:nvSpPr>
+          <p:cNvPr id="13" name="文本框 12"/>
+          <p:cNvSpPr txBox="1"/>
+          <p:nvPr/>
+        </p:nvSpPr>
+        <p:spPr>
+          <a:xfrm>
+            <a:off x="1185863" y="4411663"/>
+            <a:ext cx="6948487" cy="460375"/>
+          </a:xfrm>
+          <a:prstGeom prst="rect">
+            <a:avLst/>
+          </a:prstGeom>
+          <a:noFill/>
+          <a:ln>
+            <a:noFill/>
+          </a:ln>
+        </p:spPr>
+        <p:txBody>
+          <a:bodyPr anchor="ctr">
+            <a:spAutoFit/>
+          </a:bodyPr>
+          <a:lstStyle/>
+          <a:p>
+            <a:pPr eaLnBrk="1" fontAlgn="auto" hangingPunct="1">
+              <a:spcBef>
+                <a:spcPts val="0"/>
+              </a:spcBef>
+              <a:spcAft>
+                <a:spcPts val="0"/>
+              </a:spcAft>
+              <a:defRPr/>
+            </a:pPr>
+            <a:r>
+              <a:rPr lang="zh-CN" altLang="en-US" sz="2400" dirty="0">
+                <a:solidFill>
+                  <a:schemeClr val="bg2">
+                    <a:lumMod val="25000"/>
+                  </a:schemeClr>
+                </a:solidFill>
+                <a:latin typeface="Times New Roman" panose="02020603050405020304" pitchFamily="18" charset="0"/>
+                <a:ea typeface="黑体" panose="02010609060101010101" pitchFamily="49" charset="-122"/>
+                <a:cs typeface="Times New Roman" panose="02020603050405020304" pitchFamily="18" charset="0"/>
+              </a:rPr>
+              <a:t>  实验与分析</a:t>
+            </a:r>
+          </a:p>
+        </p:txBody>
+      </p:sp>
+      <p:sp>
+        <p:nvSpPr>
+          <p:cNvPr id="14" name="文本框 13"/>
+          <p:cNvSpPr txBox="1"/>
+          <p:nvPr/>
+        </p:nvSpPr>
+        <p:spPr>
+          <a:xfrm>
+            <a:off x="1185863" y="5202238"/>
+            <a:ext cx="6948487" cy="460375"/>
+          </a:xfrm>
+          <a:prstGeom prst="rect">
+            <a:avLst/>
+          </a:prstGeom>
+          <a:noFill/>
+          <a:ln>
+            <a:noFill/>
+          </a:ln>
+        </p:spPr>
+        <p:txBody>
+          <a:bodyPr anchor="ctr">
+            <a:spAutoFit/>
+          </a:bodyPr>
+          <a:lstStyle/>
+          <a:p>
+            <a:pPr eaLnBrk="1" fontAlgn="auto" hangingPunct="1">
+              <a:spcBef>
+                <a:spcPts val="0"/>
+              </a:spcBef>
+              <a:spcAft>
+                <a:spcPts val="0"/>
+              </a:spcAft>
+              <a:defRPr/>
+            </a:pPr>
+            <a:r>
+              <a:rPr lang="zh-CN" altLang="en-US" sz="2400" dirty="0">
+                <a:solidFill>
+                  <a:schemeClr val="bg2">
+                    <a:lumMod val="25000"/>
+                  </a:schemeClr>
+                </a:solidFill>
+                <a:latin typeface="Times New Roman" panose="02020603050405020304" pitchFamily="18" charset="0"/>
+                <a:ea typeface="黑体" panose="02010609060101010101" pitchFamily="49" charset="-122"/>
+                <a:cs typeface="Times New Roman" panose="02020603050405020304" pitchFamily="18" charset="0"/>
+              </a:rPr>
+              <a:t>  总结</a:t>
+            </a:r>
+          </a:p>
+        </p:txBody>
+      </p:sp>
+      <p:sp>
+        <p:nvSpPr>
+          <p:cNvPr id="15" name="灯片编号占位符 6"/>
+          <p:cNvSpPr>
+            <a:spLocks noGrp="1"/>
+          </p:cNvSpPr>
+          <p:nvPr>
+            <p:ph type="sldNum" sz="quarter" idx="12"/>
+          </p:nvPr>
+        </p:nvSpPr>
+        <p:spPr bwMode="auto">
+          <a:xfrm>
+            <a:off x="7739063" y="6556375"/>
+            <a:ext cx="1184275" cy="285750"/>
+          </a:xfrm>
+          <a:noFill/>
+          <a:extLst>
+            <a:ext uri="{909E8E84-426E-40DD-AFC4-6F175D3DCCD1}">
+              <a14:hiddenFill xmlns:a14="http://schemas.microsoft.com/office/drawing/2010/main">
+                <a:solidFill>
+                  <a:srgbClr val="FFFFFF"/>
+                </a:solidFill>
+              </a14:hiddenFill>
+            </a:ext>
+            <a:ext uri="{91240B29-F687-4F45-9708-019B960494DF}">
+              <a14:hiddenLine xmlns:a14="http://schemas.microsoft.com/office/drawing/2010/main" w="9525">
+                <a:solidFill>
+                  <a:srgbClr val="000000"/>
+                </a:solidFill>
+                <a:miter lim="800000"/>
+                <a:headEnd/>
+                <a:tailEnd/>
+              </a14:hiddenLine>
+            </a:ext>
+          </a:extLst>
+        </p:spPr>
+        <p:txBody>
+          <a:bodyPr wrap="square" numCol="1" anchorCtr="0" compatLnSpc="1"/>
+          <a:lstStyle>
+            <a:lvl1pPr>
+              <a:defRPr>
+                <a:solidFill>
+                  <a:schemeClr val="tx1"/>
+                </a:solidFill>
+                <a:latin typeface="Calibri" panose="020F0502020204030204" pitchFamily="34" charset="0"/>
+                <a:ea typeface="宋体" panose="02010600030101010101" pitchFamily="2" charset="-122"/>
+              </a:defRPr>
+            </a:lvl1pPr>
+            <a:lvl2pPr marL="742950" indent="-285750">
+              <a:defRPr>
+                <a:solidFill>
+                  <a:schemeClr val="tx1"/>
+                </a:solidFill>
+                <a:latin typeface="Calibri" panose="020F0502020204030204" pitchFamily="34" charset="0"/>
+                <a:ea typeface="宋体" panose="02010600030101010101" pitchFamily="2" charset="-122"/>
+              </a:defRPr>
+            </a:lvl2pPr>
+            <a:lvl3pPr marL="1143000" indent="-228600">
+              <a:defRPr>
+                <a:solidFill>
+                  <a:schemeClr val="tx1"/>
+                </a:solidFill>
+                <a:latin typeface="Calibri" panose="020F0502020204030204" pitchFamily="34" charset="0"/>
+                <a:ea typeface="宋体" panose="02010600030101010101" pitchFamily="2" charset="-122"/>
+              </a:defRPr>
+            </a:lvl3pPr>
+            <a:lvl4pPr marL="1600200" indent="-228600">
+              <a:defRPr>
+                <a:solidFill>
+                  <a:schemeClr val="tx1"/>
+                </a:solidFill>
+                <a:latin typeface="Calibri" panose="020F0502020204030204" pitchFamily="34" charset="0"/>
+                <a:ea typeface="宋体" panose="02010600030101010101" pitchFamily="2" charset="-122"/>
+              </a:defRPr>
+            </a:lvl4pPr>
+            <a:lvl5pPr marL="2057400" indent="-228600">
+              <a:defRPr>
+                <a:solidFill>
+                  <a:schemeClr val="tx1"/>
+                </a:solidFill>
+                <a:latin typeface="Calibri" panose="020F0502020204030204" pitchFamily="34" charset="0"/>
+                <a:ea typeface="宋体" panose="02010600030101010101" pitchFamily="2" charset="-122"/>
+              </a:defRPr>
+            </a:lvl5pPr>
+            <a:lvl6pPr marL="2514600" indent="-228600" fontAlgn="base">
+              <a:spcBef>
+                <a:spcPct val="0"/>
+              </a:spcBef>
+              <a:spcAft>
+                <a:spcPct val="0"/>
+              </a:spcAft>
+              <a:defRPr>
+                <a:solidFill>
+                  <a:schemeClr val="tx1"/>
+                </a:solidFill>
+                <a:latin typeface="Calibri" panose="020F0502020204030204" pitchFamily="34" charset="0"/>
+                <a:ea typeface="宋体" panose="02010600030101010101" pitchFamily="2" charset="-122"/>
+              </a:defRPr>
+            </a:lvl6pPr>
+            <a:lvl7pPr marL="2971800" indent="-228600" fontAlgn="base">
+              <a:spcBef>
+                <a:spcPct val="0"/>
+              </a:spcBef>
+              <a:spcAft>
+                <a:spcPct val="0"/>
+              </a:spcAft>
+              <a:defRPr>
+                <a:solidFill>
+                  <a:schemeClr val="tx1"/>
+                </a:solidFill>
+                <a:latin typeface="Calibri" panose="020F0502020204030204" pitchFamily="34" charset="0"/>
+                <a:ea typeface="宋体" panose="02010600030101010101" pitchFamily="2" charset="-122"/>
+              </a:defRPr>
+            </a:lvl7pPr>
+            <a:lvl8pPr marL="3429000" indent="-228600" fontAlgn="base">
+              <a:spcBef>
+                <a:spcPct val="0"/>
+              </a:spcBef>
+              <a:spcAft>
+                <a:spcPct val="0"/>
+              </a:spcAft>
+              <a:defRPr>
+                <a:solidFill>
+                  <a:schemeClr val="tx1"/>
+                </a:solidFill>
+                <a:latin typeface="Calibri" panose="020F0502020204030204" pitchFamily="34" charset="0"/>
+                <a:ea typeface="宋体" panose="02010600030101010101" pitchFamily="2" charset="-122"/>
+              </a:defRPr>
+            </a:lvl8pPr>
+            <a:lvl9pPr marL="3886200" indent="-228600" fontAlgn="base">
+              <a:spcBef>
+                <a:spcPct val="0"/>
+              </a:spcBef>
+              <a:spcAft>
+                <a:spcPct val="0"/>
+              </a:spcAft>
+              <a:defRPr>
+                <a:solidFill>
+                  <a:schemeClr val="tx1"/>
+                </a:solidFill>
+                <a:latin typeface="Calibri" panose="020F0502020204030204" pitchFamily="34" charset="0"/>
+                <a:ea typeface="宋体" panose="02010600030101010101" pitchFamily="2" charset="-122"/>
+              </a:defRPr>
+            </a:lvl9pPr>
+          </a:lstStyle>
+          <a:p>
+            <a:pPr fontAlgn="base">
+              <a:spcBef>
+                <a:spcPct val="0"/>
+              </a:spcBef>
+              <a:spcAft>
+                <a:spcPct val="0"/>
+              </a:spcAft>
+            </a:pPr>
+            <a:r>
+              <a:rPr lang="en-US" altLang="zh-CN">
+                <a:solidFill>
+                  <a:schemeClr val="bg1"/>
+                </a:solidFill>
+              </a:rPr>
+              <a:t>1/29</a:t>
+            </a:r>
+            <a:endParaRPr lang="zh-CN" altLang="en-US">
+              <a:solidFill>
+                <a:schemeClr val="bg1"/>
+              </a:solidFill>
+            </a:endParaRPr>
+          </a:p>
+        </p:txBody>
+      </p:sp>
+      <p:sp>
+        <p:nvSpPr>
+          <p:cNvPr id="16" name="文本框 15"/>
+          <p:cNvSpPr txBox="1"/>
+          <p:nvPr/>
+        </p:nvSpPr>
+        <p:spPr>
+          <a:xfrm>
+            <a:off x="796637" y="1975769"/>
+            <a:ext cx="389850" cy="584775"/>
+          </a:xfrm>
+          <a:prstGeom prst="rect">
+            <a:avLst/>
+          </a:prstGeom>
+          <a:noFill/>
+          <a:effectLst/>
+        </p:spPr>
+        <p:txBody>
+          <a:bodyPr wrap="none">
+            <a:spAutoFit/>
+          </a:bodyPr>
+          <a:lstStyle/>
+          <a:p>
+            <a:pPr eaLnBrk="1" fontAlgn="auto" hangingPunct="1">
+              <a:spcBef>
+                <a:spcPts val="0"/>
+              </a:spcBef>
+              <a:spcAft>
+                <a:spcPts val="0"/>
+              </a:spcAft>
+              <a:defRPr/>
+            </a:pPr>
+            <a:r>
+              <a:rPr lang="en-US" altLang="zh-CN" sz="3200" b="1" dirty="0">
+                <a:ln w="9525">
+                  <a:solidFill>
+                    <a:schemeClr val="bg1"/>
+                  </a:solidFill>
+                  <a:prstDash val="solid"/>
+                </a:ln>
+                <a:solidFill>
+                  <a:schemeClr val="accent5"/>
+                </a:solidFill>
+                <a:effectLst>
+                  <a:outerShdw blurRad="12700" dist="38100" dir="2700000" algn="tl" rotWithShape="0">
+                    <a:schemeClr val="accent5">
+                      <a:lumMod val="60000"/>
+                      <a:lumOff val="40000"/>
+                    </a:schemeClr>
+                  </a:outerShdw>
+                </a:effectLst>
+                <a:latin typeface="+mn-lt"/>
+                <a:ea typeface="+mn-ea"/>
+              </a:rPr>
+              <a:t>&gt;</a:t>
+            </a:r>
+            <a:endParaRPr lang="zh-CN" altLang="en-US" sz="3200" b="1" dirty="0">
+              <a:ln w="9525">
+                <a:solidFill>
+                  <a:schemeClr val="bg1"/>
+                </a:solidFill>
+                <a:prstDash val="solid"/>
+              </a:ln>
+              <a:solidFill>
+                <a:schemeClr val="accent5"/>
+              </a:solidFill>
+              <a:effectLst>
+                <a:outerShdw blurRad="12700" dist="38100" dir="2700000" algn="tl" rotWithShape="0">
+                  <a:schemeClr val="accent5">
+                    <a:lumMod val="60000"/>
+                    <a:lumOff val="40000"/>
+                  </a:schemeClr>
+                </a:outerShdw>
+              </a:effectLst>
+              <a:latin typeface="+mn-lt"/>
+              <a:ea typeface="+mn-ea"/>
+            </a:endParaRPr>
+          </a:p>
+        </p:txBody>
+      </p:sp>
+      <p:sp>
+        <p:nvSpPr>
+          <p:cNvPr id="17" name="文本框 16"/>
+          <p:cNvSpPr txBox="1"/>
+          <p:nvPr/>
+        </p:nvSpPr>
+        <p:spPr>
+          <a:xfrm>
+            <a:off x="796637" y="2766823"/>
+            <a:ext cx="389850" cy="584775"/>
+          </a:xfrm>
+          <a:prstGeom prst="rect">
+            <a:avLst/>
+          </a:prstGeom>
+          <a:noFill/>
+          <a:effectLst/>
+        </p:spPr>
+        <p:txBody>
+          <a:bodyPr wrap="none">
+            <a:spAutoFit/>
+          </a:bodyPr>
+          <a:lstStyle/>
+          <a:p>
+            <a:pPr eaLnBrk="1" fontAlgn="auto" hangingPunct="1">
+              <a:spcBef>
+                <a:spcPts val="0"/>
+              </a:spcBef>
+              <a:spcAft>
+                <a:spcPts val="0"/>
+              </a:spcAft>
+              <a:defRPr/>
+            </a:pPr>
+            <a:r>
+              <a:rPr lang="en-US" altLang="zh-CN" sz="3200" b="1" dirty="0">
+                <a:ln w="9525">
+                  <a:solidFill>
+                    <a:schemeClr val="bg1"/>
+                  </a:solidFill>
+                  <a:prstDash val="solid"/>
+                </a:ln>
+                <a:solidFill>
+                  <a:schemeClr val="accent5"/>
+                </a:solidFill>
+                <a:effectLst>
+                  <a:outerShdw blurRad="12700" dist="38100" dir="2700000" algn="tl" rotWithShape="0">
+                    <a:schemeClr val="accent5">
+                      <a:lumMod val="60000"/>
+                      <a:lumOff val="40000"/>
+                    </a:schemeClr>
+                  </a:outerShdw>
+                </a:effectLst>
+                <a:latin typeface="+mn-lt"/>
+                <a:ea typeface="+mn-ea"/>
+              </a:rPr>
+              <a:t>&gt;</a:t>
+            </a:r>
+            <a:endParaRPr lang="zh-CN" altLang="en-US" sz="3200" b="1" dirty="0">
+              <a:ln w="9525">
+                <a:solidFill>
+                  <a:schemeClr val="bg1"/>
+                </a:solidFill>
+                <a:prstDash val="solid"/>
+              </a:ln>
+              <a:solidFill>
+                <a:schemeClr val="accent5"/>
+              </a:solidFill>
+              <a:effectLst>
+                <a:outerShdw blurRad="12700" dist="38100" dir="2700000" algn="tl" rotWithShape="0">
+                  <a:schemeClr val="accent5">
+                    <a:lumMod val="60000"/>
+                    <a:lumOff val="40000"/>
+                  </a:schemeClr>
+                </a:outerShdw>
+              </a:effectLst>
+              <a:latin typeface="+mn-lt"/>
+              <a:ea typeface="+mn-ea"/>
+            </a:endParaRPr>
+          </a:p>
+        </p:txBody>
+      </p:sp>
+      <p:sp>
+        <p:nvSpPr>
+          <p:cNvPr id="18" name="文本框 17"/>
+          <p:cNvSpPr txBox="1"/>
+          <p:nvPr/>
+        </p:nvSpPr>
+        <p:spPr>
+          <a:xfrm>
+            <a:off x="796637" y="3557877"/>
+            <a:ext cx="389850" cy="584775"/>
+          </a:xfrm>
+          <a:prstGeom prst="rect">
+            <a:avLst/>
+          </a:prstGeom>
+          <a:noFill/>
+          <a:effectLst/>
+        </p:spPr>
+        <p:txBody>
+          <a:bodyPr wrap="none">
+            <a:spAutoFit/>
+          </a:bodyPr>
+          <a:lstStyle/>
+          <a:p>
+            <a:pPr eaLnBrk="1" fontAlgn="auto" hangingPunct="1">
+              <a:spcBef>
+                <a:spcPts val="0"/>
+              </a:spcBef>
+              <a:spcAft>
+                <a:spcPts val="0"/>
+              </a:spcAft>
+              <a:defRPr/>
+            </a:pPr>
+            <a:r>
+              <a:rPr lang="en-US" altLang="zh-CN" sz="3200" b="1" dirty="0">
+                <a:ln w="9525">
+                  <a:solidFill>
+                    <a:schemeClr val="bg1"/>
+                  </a:solidFill>
+                  <a:prstDash val="solid"/>
+                </a:ln>
+                <a:solidFill>
+                  <a:schemeClr val="accent5"/>
+                </a:solidFill>
+                <a:effectLst>
+                  <a:outerShdw blurRad="12700" dist="38100" dir="2700000" algn="tl" rotWithShape="0">
+                    <a:schemeClr val="accent5">
+                      <a:lumMod val="60000"/>
+                      <a:lumOff val="40000"/>
+                    </a:schemeClr>
+                  </a:outerShdw>
+                </a:effectLst>
+                <a:latin typeface="+mn-lt"/>
+                <a:ea typeface="+mn-ea"/>
+              </a:rPr>
+              <a:t>&gt;</a:t>
+            </a:r>
+            <a:endParaRPr lang="zh-CN" altLang="en-US" sz="3200" b="1" dirty="0">
+              <a:ln w="9525">
+                <a:solidFill>
+                  <a:schemeClr val="bg1"/>
+                </a:solidFill>
+                <a:prstDash val="solid"/>
+              </a:ln>
+              <a:solidFill>
+                <a:schemeClr val="accent5"/>
+              </a:solidFill>
+              <a:effectLst>
+                <a:outerShdw blurRad="12700" dist="38100" dir="2700000" algn="tl" rotWithShape="0">
+                  <a:schemeClr val="accent5">
+                    <a:lumMod val="60000"/>
+                    <a:lumOff val="40000"/>
+                  </a:schemeClr>
+                </a:outerShdw>
+              </a:effectLst>
+              <a:latin typeface="+mn-lt"/>
+              <a:ea typeface="+mn-ea"/>
+            </a:endParaRPr>
+          </a:p>
+        </p:txBody>
+      </p:sp>
+      <p:sp>
+        <p:nvSpPr>
+          <p:cNvPr id="19" name="文本框 18"/>
+          <p:cNvSpPr txBox="1"/>
+          <p:nvPr/>
+        </p:nvSpPr>
+        <p:spPr>
+          <a:xfrm>
+            <a:off x="796637" y="4348932"/>
+            <a:ext cx="389850" cy="584775"/>
+          </a:xfrm>
+          <a:prstGeom prst="rect">
+            <a:avLst/>
+          </a:prstGeom>
+          <a:noFill/>
+          <a:effectLst/>
+        </p:spPr>
+        <p:txBody>
+          <a:bodyPr wrap="none">
+            <a:spAutoFit/>
+          </a:bodyPr>
+          <a:lstStyle/>
+          <a:p>
+            <a:pPr eaLnBrk="1" fontAlgn="auto" hangingPunct="1">
+              <a:spcBef>
+                <a:spcPts val="0"/>
+              </a:spcBef>
+              <a:spcAft>
+                <a:spcPts val="0"/>
+              </a:spcAft>
+              <a:defRPr/>
+            </a:pPr>
+            <a:r>
+              <a:rPr lang="en-US" altLang="zh-CN" sz="3200" b="1" dirty="0">
+                <a:ln w="9525">
+                  <a:solidFill>
+                    <a:schemeClr val="bg1"/>
+                  </a:solidFill>
+                  <a:prstDash val="solid"/>
+                </a:ln>
+                <a:solidFill>
+                  <a:schemeClr val="accent5"/>
+                </a:solidFill>
+                <a:effectLst>
+                  <a:outerShdw blurRad="12700" dist="38100" dir="2700000" algn="tl" rotWithShape="0">
+                    <a:schemeClr val="accent5">
+                      <a:lumMod val="60000"/>
+                      <a:lumOff val="40000"/>
+                    </a:schemeClr>
+                  </a:outerShdw>
+                </a:effectLst>
+                <a:latin typeface="+mn-lt"/>
+                <a:ea typeface="+mn-ea"/>
+              </a:rPr>
+              <a:t>&gt;</a:t>
+            </a:r>
+            <a:endParaRPr lang="zh-CN" altLang="en-US" sz="3200" b="1" dirty="0">
+              <a:ln w="9525">
+                <a:solidFill>
+                  <a:schemeClr val="bg1"/>
+                </a:solidFill>
+                <a:prstDash val="solid"/>
+              </a:ln>
+              <a:solidFill>
+                <a:schemeClr val="accent5"/>
+              </a:solidFill>
+              <a:effectLst>
+                <a:outerShdw blurRad="12700" dist="38100" dir="2700000" algn="tl" rotWithShape="0">
+                  <a:schemeClr val="accent5">
+                    <a:lumMod val="60000"/>
+                    <a:lumOff val="40000"/>
+                  </a:schemeClr>
+                </a:outerShdw>
+              </a:effectLst>
+              <a:latin typeface="+mn-lt"/>
+              <a:ea typeface="+mn-ea"/>
+            </a:endParaRPr>
+          </a:p>
+        </p:txBody>
+      </p:sp>
+      <p:sp>
+        <p:nvSpPr>
+          <p:cNvPr id="20" name="文本框 19"/>
+          <p:cNvSpPr txBox="1"/>
+          <p:nvPr/>
+        </p:nvSpPr>
+        <p:spPr>
+          <a:xfrm>
+            <a:off x="796637" y="5139987"/>
+            <a:ext cx="389850" cy="584775"/>
+          </a:xfrm>
+          <a:prstGeom prst="rect">
+            <a:avLst/>
+          </a:prstGeom>
+          <a:noFill/>
+          <a:effectLst/>
+        </p:spPr>
+        <p:txBody>
+          <a:bodyPr wrap="none">
+            <a:spAutoFit/>
+          </a:bodyPr>
+          <a:lstStyle/>
+          <a:p>
+            <a:pPr eaLnBrk="1" fontAlgn="auto" hangingPunct="1">
+              <a:spcBef>
+                <a:spcPts val="0"/>
+              </a:spcBef>
+              <a:spcAft>
+                <a:spcPts val="0"/>
+              </a:spcAft>
+              <a:defRPr/>
+            </a:pPr>
+            <a:r>
+              <a:rPr lang="en-US" altLang="zh-CN" sz="3200" b="1" dirty="0">
+                <a:ln w="9525">
+                  <a:solidFill>
+                    <a:schemeClr val="bg1"/>
+                  </a:solidFill>
+                  <a:prstDash val="solid"/>
+                </a:ln>
+                <a:solidFill>
+                  <a:schemeClr val="accent5"/>
+                </a:solidFill>
+                <a:effectLst>
+                  <a:outerShdw blurRad="12700" dist="38100" dir="2700000" algn="tl" rotWithShape="0">
+                    <a:schemeClr val="accent5">
+                      <a:lumMod val="60000"/>
+                      <a:lumOff val="40000"/>
+                    </a:schemeClr>
+                  </a:outerShdw>
+                </a:effectLst>
+                <a:latin typeface="+mn-lt"/>
+                <a:ea typeface="+mn-ea"/>
+              </a:rPr>
+              <a:t>&gt;</a:t>
+            </a:r>
+            <a:endParaRPr lang="zh-CN" altLang="en-US" sz="3200" b="1" dirty="0">
+              <a:ln w="9525">
+                <a:solidFill>
+                  <a:schemeClr val="bg1"/>
+                </a:solidFill>
+                <a:prstDash val="solid"/>
+              </a:ln>
+              <a:solidFill>
+                <a:schemeClr val="accent5"/>
+              </a:solidFill>
+              <a:effectLst>
+                <a:outerShdw blurRad="12700" dist="38100" dir="2700000" algn="tl" rotWithShape="0">
+                  <a:schemeClr val="accent5">
+                    <a:lumMod val="60000"/>
+                    <a:lumOff val="40000"/>
+                  </a:schemeClr>
+                </a:outerShdw>
+              </a:effectLst>
+              <a:latin typeface="+mn-lt"/>
+              <a:ea typeface="+mn-ea"/>
+            </a:endParaRPr>
+          </a:p>
+        </p:txBody>
+      </p:sp>
+      <p:sp>
+        <p:nvSpPr>
+          <p:cNvPr id="21" name="矩形 20"/>
+          <p:cNvSpPr/>
+          <p:nvPr/>
+        </p:nvSpPr>
+        <p:spPr>
+          <a:xfrm>
+            <a:off x="0" y="6573627"/>
+            <a:ext cx="9144000" cy="285750"/>
+          </a:xfrm>
+          <a:prstGeom prst="rect">
+            <a:avLst/>
+          </a:prstGeom>
+          <a:solidFill>
+            <a:srgbClr val="1B4DA5"/>
+          </a:solidFill>
+          <a:ln>
+            <a:noFill/>
+          </a:ln>
+        </p:spPr>
+        <p:style>
+          <a:lnRef idx="2">
+            <a:schemeClr val="accent1">
+              <a:shade val="50000"/>
+            </a:schemeClr>
+          </a:lnRef>
+          <a:fillRef idx="1">
+            <a:schemeClr val="accent1"/>
+          </a:fillRef>
+          <a:effectRef idx="0">
+            <a:schemeClr val="accent1"/>
+          </a:effectRef>
+          <a:fontRef idx="minor">
+            <a:schemeClr val="lt1"/>
+          </a:fontRef>
+        </p:style>
+        <p:txBody>
+          <a:bodyPr rtlCol="0" anchor="ctr"/>
+          <a:lstStyle/>
+          <a:p>
+            <a:pPr algn="ctr"/>
+            <a:r>
+              <a:rPr lang="zh-CN" altLang="zh-CN" sz="1200" dirty="0">
+                <a:latin typeface="黑体" panose="02010609060101010101" pitchFamily="49" charset="-122"/>
+                <a:ea typeface="黑体" panose="02010609060101010101" pitchFamily="49" charset="-122"/>
+              </a:rPr>
+              <a:t>移动对象的时空轨迹相似性</a:t>
+            </a:r>
+            <a:r>
+              <a:rPr lang="zh-CN" altLang="zh-CN" sz="1200" dirty="0" smtClean="0">
+                <a:latin typeface="黑体" panose="02010609060101010101" pitchFamily="49" charset="-122"/>
+                <a:ea typeface="黑体" panose="02010609060101010101" pitchFamily="49" charset="-122"/>
+              </a:rPr>
+              <a:t>算法</a:t>
+            </a:r>
+            <a:endParaRPr lang="zh-CN" altLang="en-US" sz="1200" dirty="0">
+              <a:latin typeface="黑体" panose="02010609060101010101" pitchFamily="49" charset="-122"/>
+              <a:ea typeface="黑体" panose="02010609060101010101" pitchFamily="49" charset="-122"/>
+              <a:cs typeface="Times New Roman" panose="02020603050405020304" pitchFamily="18" charset="0"/>
+            </a:endParaRPr>
+          </a:p>
+        </p:txBody>
+      </p:sp>
+    </p:spTree>
+  </p:cSld>
+  <p:clrMapOvr>
+    <a:masterClrMapping/>
+  </p:clrMapOvr>
+  <mc:AlternateContent xmlns:mc="http://schemas.openxmlformats.org/markup-compatibility/2006" xmlns:p14="http://schemas.microsoft.com/office/powerpoint/2010/main">
+    <mc:Choice Requires="p14">
+      <p:transition spd="slow" p14:dur="2000"/>
+    </mc:Choice>
+    <mc:Fallback xmlns="">
+      <p:transition spd="slow"/>
+    </mc:Fallback>
+  </mc:AlternateContent>
+  <p:timing>
+    <p:tnLst>
+      <p:par>
+        <p:cTn id="1" dur="indefinite" restart="never" nodeType="tmRoot"/>
+      </p:par>
+    </p:tnLst>
+  </p:timing>
+</p:sld>
+</file>
+
+<file path=ppt/slides/slide20.xml><?xml version="1.0" encoding="utf-8"?>
 <p:sld xmlns:a="http://schemas.openxmlformats.org/drawingml/2006/main" xmlns:r="http://schemas.openxmlformats.org/officeDocument/2006/relationships" xmlns:p="http://schemas.openxmlformats.org/presentationml/2006/main">
   <p:cSld>
     <p:spTree>
@@ -11846,230 +14051,193 @@
           </a:prstGeom>
         </p:spPr>
       </p:pic>
-      <mc:AlternateContent xmlns:mc="http://schemas.openxmlformats.org/markup-compatibility/2006" xmlns:a14="http://schemas.microsoft.com/office/drawing/2010/main">
-        <mc:Choice Requires="a14">
-          <p:sp>
-            <p:nvSpPr>
-              <p:cNvPr id="21" name="AutoShape 31"/>
-              <p:cNvSpPr>
-                <a:spLocks noChangeArrowheads="1"/>
-              </p:cNvSpPr>
-              <p:nvPr/>
-            </p:nvSpPr>
-            <p:spPr bwMode="auto">
-              <a:xfrm>
-                <a:off x="7233810" y="3439068"/>
-                <a:ext cx="1778630" cy="1295770"/>
-              </a:xfrm>
-              <a:prstGeom prst="wedgeRoundRectCallout">
-                <a:avLst>
-                  <a:gd name="adj1" fmla="val -71839"/>
-                  <a:gd name="adj2" fmla="val -3585"/>
-                  <a:gd name="adj3" fmla="val 16667"/>
-                </a:avLst>
-              </a:prstGeom>
-              <a:solidFill>
-                <a:srgbClr val="CCFFFF"/>
-              </a:solidFill>
-              <a:ln w="9525">
+      <p:sp>
+        <p:nvSpPr>
+          <p:cNvPr id="21" name="AutoShape 31"/>
+          <p:cNvSpPr>
+            <a:spLocks noChangeArrowheads="1"/>
+          </p:cNvSpPr>
+          <p:nvPr/>
+        </p:nvSpPr>
+        <p:spPr bwMode="auto">
+          <a:xfrm>
+            <a:off x="7233810" y="3439068"/>
+            <a:ext cx="1778630" cy="1063336"/>
+          </a:xfrm>
+          <a:prstGeom prst="wedgeRoundRectCallout">
+            <a:avLst>
+              <a:gd name="adj1" fmla="val -71839"/>
+              <a:gd name="adj2" fmla="val -3585"/>
+              <a:gd name="adj3" fmla="val 16667"/>
+            </a:avLst>
+          </a:prstGeom>
+          <a:solidFill>
+            <a:srgbClr val="CCFFFF"/>
+          </a:solidFill>
+          <a:ln w="9525">
+            <a:solidFill>
+              <a:schemeClr val="tx1"/>
+            </a:solidFill>
+            <a:miter lim="800000"/>
+          </a:ln>
+        </p:spPr>
+        <p:txBody>
+          <a:bodyPr/>
+          <a:lstStyle>
+            <a:lvl1pPr>
+              <a:defRPr>
                 <a:solidFill>
                   <a:schemeClr val="tx1"/>
                 </a:solidFill>
-                <a:miter lim="800000"/>
-              </a:ln>
-            </p:spPr>
-            <p:txBody>
-              <a:bodyPr/>
-              <a:lstStyle>
-                <a:lvl1pPr>
-                  <a:defRPr>
-                    <a:solidFill>
-                      <a:schemeClr val="tx1"/>
-                    </a:solidFill>
-                    <a:latin typeface="Calibri" panose="020F0502020204030204" pitchFamily="34" charset="0"/>
-                    <a:ea typeface="宋体" panose="02010600030101010101" pitchFamily="2" charset="-122"/>
-                  </a:defRPr>
-                </a:lvl1pPr>
-                <a:lvl2pPr marL="742950" indent="-285750">
-                  <a:defRPr>
-                    <a:solidFill>
-                      <a:schemeClr val="tx1"/>
-                    </a:solidFill>
-                    <a:latin typeface="Calibri" panose="020F0502020204030204" pitchFamily="34" charset="0"/>
-                    <a:ea typeface="宋体" panose="02010600030101010101" pitchFamily="2" charset="-122"/>
-                  </a:defRPr>
-                </a:lvl2pPr>
-                <a:lvl3pPr marL="1143000" indent="-228600">
-                  <a:defRPr>
-                    <a:solidFill>
-                      <a:schemeClr val="tx1"/>
-                    </a:solidFill>
-                    <a:latin typeface="Calibri" panose="020F0502020204030204" pitchFamily="34" charset="0"/>
-                    <a:ea typeface="宋体" panose="02010600030101010101" pitchFamily="2" charset="-122"/>
-                  </a:defRPr>
-                </a:lvl3pPr>
-                <a:lvl4pPr marL="1600200" indent="-228600">
-                  <a:defRPr>
-                    <a:solidFill>
-                      <a:schemeClr val="tx1"/>
-                    </a:solidFill>
-                    <a:latin typeface="Calibri" panose="020F0502020204030204" pitchFamily="34" charset="0"/>
-                    <a:ea typeface="宋体" panose="02010600030101010101" pitchFamily="2" charset="-122"/>
-                  </a:defRPr>
-                </a:lvl4pPr>
-                <a:lvl5pPr marL="2057400" indent="-228600">
-                  <a:defRPr>
-                    <a:solidFill>
-                      <a:schemeClr val="tx1"/>
-                    </a:solidFill>
-                    <a:latin typeface="Calibri" panose="020F0502020204030204" pitchFamily="34" charset="0"/>
-                    <a:ea typeface="宋体" panose="02010600030101010101" pitchFamily="2" charset="-122"/>
-                  </a:defRPr>
-                </a:lvl5pPr>
-                <a:lvl6pPr marL="2514600" indent="-228600" fontAlgn="base">
-                  <a:spcBef>
-                    <a:spcPct val="0"/>
-                  </a:spcBef>
-                  <a:spcAft>
-                    <a:spcPct val="0"/>
-                  </a:spcAft>
-                  <a:defRPr>
-                    <a:solidFill>
-                      <a:schemeClr val="tx1"/>
-                    </a:solidFill>
-                    <a:latin typeface="Calibri" panose="020F0502020204030204" pitchFamily="34" charset="0"/>
-                    <a:ea typeface="宋体" panose="02010600030101010101" pitchFamily="2" charset="-122"/>
-                  </a:defRPr>
-                </a:lvl6pPr>
-                <a:lvl7pPr marL="2971800" indent="-228600" fontAlgn="base">
-                  <a:spcBef>
-                    <a:spcPct val="0"/>
-                  </a:spcBef>
-                  <a:spcAft>
-                    <a:spcPct val="0"/>
-                  </a:spcAft>
-                  <a:defRPr>
-                    <a:solidFill>
-                      <a:schemeClr val="tx1"/>
-                    </a:solidFill>
-                    <a:latin typeface="Calibri" panose="020F0502020204030204" pitchFamily="34" charset="0"/>
-                    <a:ea typeface="宋体" panose="02010600030101010101" pitchFamily="2" charset="-122"/>
-                  </a:defRPr>
-                </a:lvl7pPr>
-                <a:lvl8pPr marL="3429000" indent="-228600" fontAlgn="base">
-                  <a:spcBef>
-                    <a:spcPct val="0"/>
-                  </a:spcBef>
-                  <a:spcAft>
-                    <a:spcPct val="0"/>
-                  </a:spcAft>
-                  <a:defRPr>
-                    <a:solidFill>
-                      <a:schemeClr val="tx1"/>
-                    </a:solidFill>
-                    <a:latin typeface="Calibri" panose="020F0502020204030204" pitchFamily="34" charset="0"/>
-                    <a:ea typeface="宋体" panose="02010600030101010101" pitchFamily="2" charset="-122"/>
-                  </a:defRPr>
-                </a:lvl8pPr>
-                <a:lvl9pPr marL="3886200" indent="-228600" fontAlgn="base">
-                  <a:spcBef>
-                    <a:spcPct val="0"/>
-                  </a:spcBef>
-                  <a:spcAft>
-                    <a:spcPct val="0"/>
-                  </a:spcAft>
-                  <a:defRPr>
-                    <a:solidFill>
-                      <a:schemeClr val="tx1"/>
-                    </a:solidFill>
-                    <a:latin typeface="Calibri" panose="020F0502020204030204" pitchFamily="34" charset="0"/>
-                    <a:ea typeface="宋体" panose="02010600030101010101" pitchFamily="2" charset="-122"/>
-                  </a:defRPr>
-                </a:lvl9pPr>
-              </a:lstStyle>
-              <a:p>
-                <a:r>
-                  <a:rPr lang="zh-CN" altLang="zh-CN" dirty="0">
-                    <a:latin typeface="Times New Roman" panose="02020603050405020304" pitchFamily="18" charset="0"/>
-                    <a:cs typeface="Times New Roman" panose="02020603050405020304" pitchFamily="18" charset="0"/>
-                  </a:rPr>
-                  <a:t>每个断点能代替的对应点的个数，与断点阈值</a:t>
-                </a:r>
-                <a14:m>
-                  <m:oMath xmlns:m="http://schemas.openxmlformats.org/officeDocument/2006/math">
-                    <m:r>
-                      <m:rPr>
-                        <m:sty m:val="p"/>
-                      </m:rPr>
-                      <a:rPr lang="en-US" altLang="zh-CN">
-                        <a:latin typeface="Cambria Math" panose="02040503050406030204" pitchFamily="18" charset="0"/>
-                        <a:cs typeface="Times New Roman" panose="02020603050405020304" pitchFamily="18" charset="0"/>
-                      </a:rPr>
-                      <m:t>η</m:t>
-                    </m:r>
-                  </m:oMath>
-                </a14:m>
-                <a:r>
-                  <a:rPr lang="zh-CN" altLang="zh-CN" dirty="0">
-                    <a:latin typeface="Times New Roman" panose="02020603050405020304" pitchFamily="18" charset="0"/>
-                    <a:cs typeface="Times New Roman" panose="02020603050405020304" pitchFamily="18" charset="0"/>
-                  </a:rPr>
-                  <a:t>成正比</a:t>
-                </a:r>
-                <a:endParaRPr lang="zh-CN" altLang="en-US" dirty="0"/>
-              </a:p>
-            </p:txBody>
-          </p:sp>
-        </mc:Choice>
-        <mc:Fallback xmlns="">
-          <p:sp>
-            <p:nvSpPr>
-              <p:cNvPr id="21" name="AutoShape 31"/>
-              <p:cNvSpPr>
-                <a:spLocks noRot="1" noChangeAspect="1" noMove="1" noResize="1" noEditPoints="1" noAdjustHandles="1" noChangeArrowheads="1" noChangeShapeType="1" noTextEdit="1"/>
-              </p:cNvSpPr>
-              <p:nvPr/>
-            </p:nvSpPr>
-            <p:spPr bwMode="auto">
-              <a:xfrm>
-                <a:off x="7233810" y="3439068"/>
-                <a:ext cx="1778630" cy="1295770"/>
-              </a:xfrm>
-              <a:prstGeom prst="wedgeRoundRectCallout">
-                <a:avLst>
-                  <a:gd name="adj1" fmla="val -71839"/>
-                  <a:gd name="adj2" fmla="val -3585"/>
-                  <a:gd name="adj3" fmla="val 16667"/>
-                </a:avLst>
-              </a:prstGeom>
-              <a:blipFill>
-                <a:blip r:embed="rId6"/>
-                <a:stretch>
-                  <a:fillRect b="-2326"/>
-                </a:stretch>
-              </a:blipFill>
-              <a:ln w="9525">
+                <a:latin typeface="Calibri" panose="020F0502020204030204" pitchFamily="34" charset="0"/>
+                <a:ea typeface="宋体" panose="02010600030101010101" pitchFamily="2" charset="-122"/>
+              </a:defRPr>
+            </a:lvl1pPr>
+            <a:lvl2pPr marL="742950" indent="-285750">
+              <a:defRPr>
                 <a:solidFill>
                   <a:schemeClr val="tx1"/>
                 </a:solidFill>
-                <a:miter lim="800000"/>
-              </a:ln>
-            </p:spPr>
-            <p:txBody>
-              <a:bodyPr/>
-              <a:lstStyle/>
-              <a:p>
-                <a:r>
-                  <a:rPr lang="zh-CN" altLang="en-US">
-                    <a:noFill/>
-                  </a:rPr>
-                  <a:t> </a:t>
-                </a:r>
-              </a:p>
-            </p:txBody>
-          </p:sp>
-        </mc:Fallback>
-      </mc:AlternateContent>
+                <a:latin typeface="Calibri" panose="020F0502020204030204" pitchFamily="34" charset="0"/>
+                <a:ea typeface="宋体" panose="02010600030101010101" pitchFamily="2" charset="-122"/>
+              </a:defRPr>
+            </a:lvl2pPr>
+            <a:lvl3pPr marL="1143000" indent="-228600">
+              <a:defRPr>
+                <a:solidFill>
+                  <a:schemeClr val="tx1"/>
+                </a:solidFill>
+                <a:latin typeface="Calibri" panose="020F0502020204030204" pitchFamily="34" charset="0"/>
+                <a:ea typeface="宋体" panose="02010600030101010101" pitchFamily="2" charset="-122"/>
+              </a:defRPr>
+            </a:lvl3pPr>
+            <a:lvl4pPr marL="1600200" indent="-228600">
+              <a:defRPr>
+                <a:solidFill>
+                  <a:schemeClr val="tx1"/>
+                </a:solidFill>
+                <a:latin typeface="Calibri" panose="020F0502020204030204" pitchFamily="34" charset="0"/>
+                <a:ea typeface="宋体" panose="02010600030101010101" pitchFamily="2" charset="-122"/>
+              </a:defRPr>
+            </a:lvl4pPr>
+            <a:lvl5pPr marL="2057400" indent="-228600">
+              <a:defRPr>
+                <a:solidFill>
+                  <a:schemeClr val="tx1"/>
+                </a:solidFill>
+                <a:latin typeface="Calibri" panose="020F0502020204030204" pitchFamily="34" charset="0"/>
+                <a:ea typeface="宋体" panose="02010600030101010101" pitchFamily="2" charset="-122"/>
+              </a:defRPr>
+            </a:lvl5pPr>
+            <a:lvl6pPr marL="2514600" indent="-228600" fontAlgn="base">
+              <a:spcBef>
+                <a:spcPct val="0"/>
+              </a:spcBef>
+              <a:spcAft>
+                <a:spcPct val="0"/>
+              </a:spcAft>
+              <a:defRPr>
+                <a:solidFill>
+                  <a:schemeClr val="tx1"/>
+                </a:solidFill>
+                <a:latin typeface="Calibri" panose="020F0502020204030204" pitchFamily="34" charset="0"/>
+                <a:ea typeface="宋体" panose="02010600030101010101" pitchFamily="2" charset="-122"/>
+              </a:defRPr>
+            </a:lvl6pPr>
+            <a:lvl7pPr marL="2971800" indent="-228600" fontAlgn="base">
+              <a:spcBef>
+                <a:spcPct val="0"/>
+              </a:spcBef>
+              <a:spcAft>
+                <a:spcPct val="0"/>
+              </a:spcAft>
+              <a:defRPr>
+                <a:solidFill>
+                  <a:schemeClr val="tx1"/>
+                </a:solidFill>
+                <a:latin typeface="Calibri" panose="020F0502020204030204" pitchFamily="34" charset="0"/>
+                <a:ea typeface="宋体" panose="02010600030101010101" pitchFamily="2" charset="-122"/>
+              </a:defRPr>
+            </a:lvl7pPr>
+            <a:lvl8pPr marL="3429000" indent="-228600" fontAlgn="base">
+              <a:spcBef>
+                <a:spcPct val="0"/>
+              </a:spcBef>
+              <a:spcAft>
+                <a:spcPct val="0"/>
+              </a:spcAft>
+              <a:defRPr>
+                <a:solidFill>
+                  <a:schemeClr val="tx1"/>
+                </a:solidFill>
+                <a:latin typeface="Calibri" panose="020F0502020204030204" pitchFamily="34" charset="0"/>
+                <a:ea typeface="宋体" panose="02010600030101010101" pitchFamily="2" charset="-122"/>
+              </a:defRPr>
+            </a:lvl8pPr>
+            <a:lvl9pPr marL="3886200" indent="-228600" fontAlgn="base">
+              <a:spcBef>
+                <a:spcPct val="0"/>
+              </a:spcBef>
+              <a:spcAft>
+                <a:spcPct val="0"/>
+              </a:spcAft>
+              <a:defRPr>
+                <a:solidFill>
+                  <a:schemeClr val="tx1"/>
+                </a:solidFill>
+                <a:latin typeface="Calibri" panose="020F0502020204030204" pitchFamily="34" charset="0"/>
+                <a:ea typeface="宋体" panose="02010600030101010101" pitchFamily="2" charset="-122"/>
+              </a:defRPr>
+            </a:lvl9pPr>
+          </a:lstStyle>
+          <a:p>
+            <a:r>
+              <a:rPr lang="zh-CN" altLang="zh-CN" dirty="0" smtClean="0">
+                <a:latin typeface="黑体" panose="02010609060101010101" pitchFamily="49" charset="-122"/>
+                <a:ea typeface="黑体" panose="02010609060101010101" pitchFamily="49" charset="-122"/>
+                <a:cs typeface="Times New Roman" panose="02020603050405020304" pitchFamily="18" charset="0"/>
+              </a:rPr>
+              <a:t>断点</a:t>
+            </a:r>
+            <a:r>
+              <a:rPr lang="zh-CN" altLang="en-US" dirty="0" smtClean="0">
+                <a:latin typeface="黑体" panose="02010609060101010101" pitchFamily="49" charset="-122"/>
+                <a:ea typeface="黑体" panose="02010609060101010101" pitchFamily="49" charset="-122"/>
+                <a:cs typeface="Times New Roman" panose="02020603050405020304" pitchFamily="18" charset="0"/>
+              </a:rPr>
+              <a:t>权重</a:t>
+            </a:r>
+            <a:r>
+              <a:rPr lang="zh-CN" altLang="zh-CN" dirty="0" smtClean="0">
+                <a:latin typeface="黑体" panose="02010609060101010101" pitchFamily="49" charset="-122"/>
+                <a:ea typeface="黑体" panose="02010609060101010101" pitchFamily="49" charset="-122"/>
+                <a:cs typeface="Times New Roman" panose="02020603050405020304" pitchFamily="18" charset="0"/>
+              </a:rPr>
+              <a:t>与</a:t>
+            </a:r>
+            <a:r>
+              <a:rPr lang="zh-CN" altLang="en-US" dirty="0" smtClean="0">
+                <a:latin typeface="黑体" panose="02010609060101010101" pitchFamily="49" charset="-122"/>
+                <a:ea typeface="黑体" panose="02010609060101010101" pitchFamily="49" charset="-122"/>
+                <a:cs typeface="Times New Roman" panose="02020603050405020304" pitchFamily="18" charset="0"/>
+              </a:rPr>
+              <a:t>代替的对应点个数</a:t>
+            </a:r>
+            <a:r>
+              <a:rPr lang="zh-CN" altLang="zh-CN" dirty="0" smtClean="0">
+                <a:latin typeface="黑体" panose="02010609060101010101" pitchFamily="49" charset="-122"/>
+                <a:ea typeface="黑体" panose="02010609060101010101" pitchFamily="49" charset="-122"/>
+                <a:cs typeface="Times New Roman" panose="02020603050405020304" pitchFamily="18" charset="0"/>
+              </a:rPr>
+              <a:t>成正比</a:t>
+            </a:r>
+            <a:endParaRPr lang="zh-CN" altLang="en-US" dirty="0">
+              <a:latin typeface="黑体" panose="02010609060101010101" pitchFamily="49" charset="-122"/>
+              <a:ea typeface="黑体" panose="02010609060101010101" pitchFamily="49" charset="-122"/>
+            </a:endParaRPr>
+          </a:p>
+        </p:txBody>
+      </p:sp>
       <mc:AlternateContent xmlns:mc="http://schemas.openxmlformats.org/markup-compatibility/2006" xmlns:a14="http://schemas.microsoft.com/office/drawing/2010/main">
         <mc:Choice Requires="a14">
           <p:sp>
@@ -12670,8 +14838,8 @@
           </p:sp>
         </mc:Fallback>
       </mc:AlternateContent>
-      <mc:AlternateContent xmlns:mc="http://schemas.openxmlformats.org/markup-compatibility/2006" xmlns:a14="http://schemas.microsoft.com/office/drawing/2010/main">
-        <mc:Choice Requires="a14">
+      <mc:AlternateContent xmlns:mc="http://schemas.openxmlformats.org/markup-compatibility/2006">
+        <mc:Choice xmlns:a14="http://schemas.microsoft.com/office/drawing/2010/main" Requires="a14">
           <p:sp>
             <p:nvSpPr>
               <p:cNvPr id="25" name="圆角矩形 24"/>
@@ -12680,8 +14848,8 @@
             </p:nvSpPr>
             <p:spPr>
               <a:xfrm>
-                <a:off x="171660" y="1391060"/>
-                <a:ext cx="1396952" cy="2030838"/>
+                <a:off x="171660" y="1400370"/>
+                <a:ext cx="1396952" cy="1282547"/>
               </a:xfrm>
               <a:prstGeom prst="roundRect">
                 <a:avLst/>
@@ -12706,7 +14874,10 @@
               <a:lstStyle/>
               <a:p>
                 <a:r>
-                  <a:rPr lang="zh-CN" altLang="zh-CN" sz="1600" dirty="0"/>
+                  <a:rPr lang="zh-CN" altLang="zh-CN" sz="1400" dirty="0">
+                    <a:latin typeface="黑体" panose="02010609060101010101" pitchFamily="49" charset="-122"/>
+                    <a:ea typeface="黑体" panose="02010609060101010101" pitchFamily="49" charset="-122"/>
+                  </a:rPr>
                   <a:t>断点阈值</a:t>
                 </a:r>
                 <a14:m>
@@ -12715,7 +14886,7 @@
                       <m:rPr>
                         <m:sty m:val="p"/>
                       </m:rPr>
-                      <a:rPr lang="en-US" altLang="zh-CN" sz="1600">
+                      <a:rPr lang="en-US" altLang="zh-CN" sz="1400">
                         <a:latin typeface="Cambria Math" panose="02040503050406030204" pitchFamily="18" charset="0"/>
                       </a:rPr>
                       <m:t>η</m:t>
@@ -12723,19 +14894,28 @@
                   </m:oMath>
                 </a14:m>
                 <a:r>
-                  <a:rPr lang="zh-CN" altLang="en-US" sz="1600" dirty="0"/>
+                  <a:rPr lang="zh-CN" altLang="en-US" sz="1400" dirty="0">
+                    <a:latin typeface="黑体" panose="02010609060101010101" pitchFamily="49" charset="-122"/>
+                    <a:ea typeface="黑体" panose="02010609060101010101" pitchFamily="49" charset="-122"/>
+                  </a:rPr>
                   <a:t>趋向于无穷小，</a:t>
                 </a:r>
                 <a:r>
-                  <a:rPr lang="zh-CN" altLang="zh-CN" dirty="0"/>
+                  <a:rPr lang="zh-CN" altLang="zh-CN" sz="1400" dirty="0">
+                    <a:latin typeface="黑体" panose="02010609060101010101" pitchFamily="49" charset="-122"/>
+                    <a:ea typeface="黑体" panose="02010609060101010101" pitchFamily="49" charset="-122"/>
+                  </a:rPr>
                   <a:t>相邻断点到对应点的距离近似相等</a:t>
                 </a:r>
-                <a:endParaRPr lang="zh-CN" altLang="en-US" sz="1600" dirty="0"/>
+                <a:endParaRPr lang="zh-CN" altLang="en-US" sz="1400" dirty="0">
+                  <a:latin typeface="黑体" panose="02010609060101010101" pitchFamily="49" charset="-122"/>
+                  <a:ea typeface="黑体" panose="02010609060101010101" pitchFamily="49" charset="-122"/>
+                </a:endParaRPr>
               </a:p>
             </p:txBody>
           </p:sp>
         </mc:Choice>
-        <mc:Fallback xmlns="">
+        <mc:Fallback>
           <p:sp>
             <p:nvSpPr>
               <p:cNvPr id="25" name="圆角矩形 24"/>
@@ -12746,8 +14926,8 @@
             </p:nvSpPr>
             <p:spPr>
               <a:xfrm>
-                <a:off x="171660" y="1391060"/>
-                <a:ext cx="1396952" cy="2030838"/>
+                <a:off x="171660" y="1400370"/>
+                <a:ext cx="1396952" cy="1282547"/>
               </a:xfrm>
               <a:prstGeom prst="roundRect">
                 <a:avLst/>
@@ -12755,7 +14935,7 @@
               <a:blipFill>
                 <a:blip r:embed="rId8"/>
                 <a:stretch>
-                  <a:fillRect b="-1791"/>
+                  <a:fillRect/>
                 </a:stretch>
               </a:blipFill>
             </p:spPr>
@@ -12774,8 +14954,8 @@
           </p:sp>
         </mc:Fallback>
       </mc:AlternateContent>
-      <mc:AlternateContent xmlns:mc="http://schemas.openxmlformats.org/markup-compatibility/2006" xmlns:a14="http://schemas.microsoft.com/office/drawing/2010/main">
-        <mc:Choice Requires="a14">
+      <mc:AlternateContent xmlns:mc="http://schemas.openxmlformats.org/markup-compatibility/2006">
+        <mc:Choice xmlns:a14="http://schemas.microsoft.com/office/drawing/2010/main" Requires="a14">
           <p:sp>
             <p:nvSpPr>
               <p:cNvPr id="26" name="圆角矩形 25"/>
@@ -12784,8 +14964,8 @@
             </p:nvSpPr>
             <p:spPr>
               <a:xfrm>
-                <a:off x="7233810" y="1394850"/>
-                <a:ext cx="1738740" cy="1923690"/>
+                <a:off x="7233810" y="1364680"/>
+                <a:ext cx="1738740" cy="1214879"/>
               </a:xfrm>
               <a:prstGeom prst="roundRect">
                 <a:avLst/>
@@ -12815,7 +14995,7 @@
                       <m:rPr>
                         <m:sty m:val="p"/>
                       </m:rPr>
-                      <a:rPr lang="en-US" altLang="zh-CN" sz="1600">
+                      <a:rPr lang="en-US" altLang="zh-CN" sz="1400">
                         <a:latin typeface="Cambria Math" panose="02040503050406030204" pitchFamily="18" charset="0"/>
                       </a:rPr>
                       <m:t>η</m:t>
@@ -12823,11 +15003,17 @@
                   </m:oMath>
                 </a14:m>
                 <a:r>
-                  <a:rPr lang="zh-CN" altLang="en-US" sz="1600" dirty="0"/>
+                  <a:rPr lang="zh-CN" altLang="en-US" sz="1400" dirty="0">
+                    <a:latin typeface="黑体" panose="02010609060101010101" pitchFamily="49" charset="-122"/>
+                    <a:ea typeface="黑体" panose="02010609060101010101" pitchFamily="49" charset="-122"/>
+                  </a:rPr>
                   <a:t>变大后，</a:t>
                 </a:r>
                 <a:r>
-                  <a:rPr lang="zh-CN" altLang="zh-CN" dirty="0"/>
+                  <a:rPr lang="zh-CN" altLang="zh-CN" sz="1400" dirty="0">
+                    <a:latin typeface="黑体" panose="02010609060101010101" pitchFamily="49" charset="-122"/>
+                    <a:ea typeface="黑体" panose="02010609060101010101" pitchFamily="49" charset="-122"/>
+                  </a:rPr>
                   <a:t>在一定精度范围内，使用</a:t>
                 </a:r>
                 <a14:m>
@@ -12835,14 +15021,14 @@
                     <m:sSub>
                       <m:sSubPr>
                         <m:ctrlPr>
-                          <a:rPr lang="zh-CN" altLang="zh-CN" i="1">
+                          <a:rPr lang="zh-CN" altLang="zh-CN" sz="1400" i="1">
                             <a:latin typeface="Cambria Math" panose="02040503050406030204" pitchFamily="18" charset="0"/>
                           </a:rPr>
                         </m:ctrlPr>
                       </m:sSubPr>
                       <m:e>
                         <m:r>
-                          <a:rPr lang="en-US" altLang="zh-CN" i="1">
+                          <a:rPr lang="en-US" altLang="zh-CN" sz="1400" i="1">
                             <a:latin typeface="Cambria Math" panose="02040503050406030204" pitchFamily="18" charset="0"/>
                           </a:rPr>
                           <m:t>𝑏𝑝</m:t>
@@ -12850,7 +15036,7 @@
                       </m:e>
                       <m:sub>
                         <m:r>
-                          <a:rPr lang="en-US" altLang="zh-CN" i="1">
+                          <a:rPr lang="en-US" altLang="zh-CN" sz="1400" i="1">
                             <a:latin typeface="Cambria Math" panose="02040503050406030204" pitchFamily="18" charset="0"/>
                           </a:rPr>
                           <m:t>2</m:t>
@@ -12860,7 +15046,10 @@
                   </m:oMath>
                 </a14:m>
                 <a:r>
-                  <a:rPr lang="zh-CN" altLang="zh-CN" dirty="0"/>
+                  <a:rPr lang="zh-CN" altLang="zh-CN" sz="1400" dirty="0">
+                    <a:latin typeface="黑体" panose="02010609060101010101" pitchFamily="49" charset="-122"/>
+                    <a:ea typeface="黑体" panose="02010609060101010101" pitchFamily="49" charset="-122"/>
+                  </a:rPr>
                   <a:t>代替从</a:t>
                 </a:r>
                 <a14:m>
@@ -12868,14 +15057,14 @@
                     <m:sSub>
                       <m:sSubPr>
                         <m:ctrlPr>
-                          <a:rPr lang="zh-CN" altLang="zh-CN" i="1">
+                          <a:rPr lang="zh-CN" altLang="zh-CN" sz="1400" i="1">
                             <a:latin typeface="Cambria Math" panose="02040503050406030204" pitchFamily="18" charset="0"/>
                           </a:rPr>
                         </m:ctrlPr>
                       </m:sSubPr>
                       <m:e>
                         <m:r>
-                          <a:rPr lang="en-US" altLang="zh-CN" i="1">
+                          <a:rPr lang="en-US" altLang="zh-CN" sz="1400" i="1">
                             <a:latin typeface="Cambria Math" panose="02040503050406030204" pitchFamily="18" charset="0"/>
                           </a:rPr>
                           <m:t>𝑛𝑏</m:t>
@@ -12883,7 +15072,7 @@
                       </m:e>
                       <m:sub>
                         <m:r>
-                          <a:rPr lang="en-US" altLang="zh-CN" i="1">
+                          <a:rPr lang="en-US" altLang="zh-CN" sz="1400" i="1">
                             <a:latin typeface="Cambria Math" panose="02040503050406030204" pitchFamily="18" charset="0"/>
                           </a:rPr>
                           <m:t>0</m:t>
@@ -12893,7 +15082,10 @@
                   </m:oMath>
                 </a14:m>
                 <a:r>
-                  <a:rPr lang="zh-CN" altLang="zh-CN" dirty="0"/>
+                  <a:rPr lang="zh-CN" altLang="zh-CN" sz="1400" dirty="0">
+                    <a:latin typeface="黑体" panose="02010609060101010101" pitchFamily="49" charset="-122"/>
+                    <a:ea typeface="黑体" panose="02010609060101010101" pitchFamily="49" charset="-122"/>
+                  </a:rPr>
                   <a:t>到</a:t>
                 </a:r>
                 <a14:m>
@@ -12901,14 +15093,14 @@
                     <m:sSub>
                       <m:sSubPr>
                         <m:ctrlPr>
-                          <a:rPr lang="zh-CN" altLang="zh-CN" i="1">
+                          <a:rPr lang="zh-CN" altLang="zh-CN" sz="1400" i="1">
                             <a:latin typeface="Cambria Math" panose="02040503050406030204" pitchFamily="18" charset="0"/>
                           </a:rPr>
                         </m:ctrlPr>
                       </m:sSubPr>
                       <m:e>
                         <m:r>
-                          <a:rPr lang="en-US" altLang="zh-CN" i="1">
+                          <a:rPr lang="en-US" altLang="zh-CN" sz="1400" i="1">
                             <a:latin typeface="Cambria Math" panose="02040503050406030204" pitchFamily="18" charset="0"/>
                           </a:rPr>
                           <m:t>𝑛𝑏</m:t>
@@ -12916,7 +15108,7 @@
                       </m:e>
                       <m:sub>
                         <m:r>
-                          <a:rPr lang="en-US" altLang="zh-CN" i="1">
+                          <a:rPr lang="en-US" altLang="zh-CN" sz="1400" i="1">
                             <a:latin typeface="Cambria Math" panose="02040503050406030204" pitchFamily="18" charset="0"/>
                           </a:rPr>
                           <m:t>1</m:t>
@@ -12926,15 +15118,21 @@
                   </m:oMath>
                 </a14:m>
                 <a:r>
-                  <a:rPr lang="zh-CN" altLang="zh-CN" dirty="0"/>
+                  <a:rPr lang="zh-CN" altLang="zh-CN" sz="1400" dirty="0">
+                    <a:latin typeface="黑体" panose="02010609060101010101" pitchFamily="49" charset="-122"/>
+                    <a:ea typeface="黑体" panose="02010609060101010101" pitchFamily="49" charset="-122"/>
+                  </a:rPr>
                   <a:t>间的所有消失的断点</a:t>
                 </a:r>
-                <a:endParaRPr lang="zh-CN" altLang="en-US" sz="1600" dirty="0"/>
+                <a:endParaRPr lang="zh-CN" altLang="en-US" sz="1400" dirty="0">
+                  <a:latin typeface="黑体" panose="02010609060101010101" pitchFamily="49" charset="-122"/>
+                  <a:ea typeface="黑体" panose="02010609060101010101" pitchFamily="49" charset="-122"/>
+                </a:endParaRPr>
               </a:p>
             </p:txBody>
           </p:sp>
         </mc:Choice>
-        <mc:Fallback xmlns="">
+        <mc:Fallback>
           <p:sp>
             <p:nvSpPr>
               <p:cNvPr id="26" name="圆角矩形 25"/>
@@ -12945,8 +15143,8 @@
             </p:nvSpPr>
             <p:spPr>
               <a:xfrm>
-                <a:off x="7233810" y="1394850"/>
-                <a:ext cx="1738740" cy="1923690"/>
+                <a:off x="7233810" y="1364680"/>
+                <a:ext cx="1738740" cy="1214879"/>
               </a:xfrm>
               <a:prstGeom prst="roundRect">
                 <a:avLst/>
@@ -12954,7 +15152,7 @@
               <a:blipFill>
                 <a:blip r:embed="rId9"/>
                 <a:stretch>
-                  <a:fillRect r="-9756"/>
+                  <a:fillRect b="-2488"/>
                 </a:stretch>
               </a:blipFill>
             </p:spPr>
@@ -13130,7 +15328,18 @@
                 <a:ea typeface="黑体" panose="02010609060101010101" pitchFamily="49" charset="-122"/>
                 <a:cs typeface="Times New Roman" panose="02020603050405020304" pitchFamily="18" charset="0"/>
               </a:rPr>
-              <a:t>轨迹段间的时空距离：</a:t>
+              <a:t>轨迹段时空</a:t>
+            </a:r>
+            <a:r>
+              <a:rPr lang="zh-CN" altLang="en-US" dirty="0" smtClean="0">
+                <a:solidFill>
+                  <a:srgbClr val="333399"/>
+                </a:solidFill>
+                <a:latin typeface="黑体" panose="02010609060101010101" pitchFamily="49" charset="-122"/>
+                <a:ea typeface="黑体" panose="02010609060101010101" pitchFamily="49" charset="-122"/>
+                <a:cs typeface="Times New Roman" panose="02020603050405020304" pitchFamily="18" charset="0"/>
+              </a:rPr>
+              <a:t>距离：</a:t>
             </a:r>
             <a:endParaRPr lang="en-US" altLang="zh-CN" dirty="0">
               <a:solidFill>
@@ -13147,7 +15356,28 @@
                 <a:latin typeface="黑体" panose="02010609060101010101" pitchFamily="49" charset="-122"/>
                 <a:ea typeface="黑体" panose="02010609060101010101" pitchFamily="49" charset="-122"/>
               </a:rPr>
-              <a:t>通过断点获得了更多关于轨迹段的信息，受采样策略影响更小，更健壮</a:t>
+              <a:t>    通过</a:t>
+            </a:r>
+            <a:r>
+              <a:rPr lang="zh-CN" altLang="en-US" dirty="0" smtClean="0">
+                <a:latin typeface="黑体" panose="02010609060101010101" pitchFamily="49" charset="-122"/>
+                <a:ea typeface="黑体" panose="02010609060101010101" pitchFamily="49" charset="-122"/>
+              </a:rPr>
+              <a:t>断点获得了</a:t>
+            </a:r>
+            <a:r>
+              <a:rPr lang="zh-CN" altLang="en-US" dirty="0" smtClean="0">
+                <a:latin typeface="黑体" panose="02010609060101010101" pitchFamily="49" charset="-122"/>
+                <a:ea typeface="黑体" panose="02010609060101010101" pitchFamily="49" charset="-122"/>
+              </a:rPr>
+              <a:t>更多轨迹</a:t>
+            </a:r>
+            <a:r>
+              <a:rPr lang="zh-CN" altLang="en-US" dirty="0" smtClean="0">
+                <a:latin typeface="黑体" panose="02010609060101010101" pitchFamily="49" charset="-122"/>
+                <a:ea typeface="黑体" panose="02010609060101010101" pitchFamily="49" charset="-122"/>
+              </a:rPr>
+              <a:t>段的信息，受采样策略影响更小，更健壮</a:t>
             </a:r>
             <a:endParaRPr lang="zh-CN" altLang="en-US" dirty="0">
               <a:latin typeface="黑体" panose="02010609060101010101" pitchFamily="49" charset="-122"/>
@@ -13176,1124 +15406,7 @@
 </p:sld>
 </file>
 
-<file path=ppt/slides/slide2.xml><?xml version="1.0" encoding="utf-8"?>
-<p:sld xmlns:a="http://schemas.openxmlformats.org/drawingml/2006/main" xmlns:r="http://schemas.openxmlformats.org/officeDocument/2006/relationships" xmlns:p="http://schemas.openxmlformats.org/presentationml/2006/main">
-  <p:cSld>
-    <p:spTree>
-      <p:nvGrpSpPr>
-        <p:cNvPr id="1" name=""/>
-        <p:cNvGrpSpPr/>
-        <p:nvPr/>
-      </p:nvGrpSpPr>
-      <p:grpSpPr>
-        <a:xfrm>
-          <a:off x="0" y="0"/>
-          <a:ext cx="0" cy="0"/>
-          <a:chOff x="0" y="0"/>
-          <a:chExt cx="0" cy="0"/>
-        </a:xfrm>
-      </p:grpSpPr>
-      <p:grpSp>
-        <p:nvGrpSpPr>
-          <p:cNvPr id="4" name="组合 3"/>
-          <p:cNvGrpSpPr/>
-          <p:nvPr/>
-        </p:nvGrpSpPr>
-        <p:grpSpPr>
-          <a:xfrm>
-            <a:off x="114300" y="171450"/>
-            <a:ext cx="8875502" cy="1066800"/>
-            <a:chOff x="114300" y="171450"/>
-            <a:chExt cx="8875502" cy="1066800"/>
-          </a:xfrm>
-        </p:grpSpPr>
-        <p:cxnSp>
-          <p:nvCxnSpPr>
-            <p:cNvPr id="5" name="直接连接符 4"/>
-            <p:cNvCxnSpPr/>
-            <p:nvPr/>
-          </p:nvCxnSpPr>
-          <p:spPr>
-            <a:xfrm>
-              <a:off x="114300" y="1076325"/>
-              <a:ext cx="8858250" cy="0"/>
-            </a:xfrm>
-            <a:prstGeom prst="line">
-              <a:avLst/>
-            </a:prstGeom>
-            <a:ln w="31750">
-              <a:solidFill>
-                <a:srgbClr val="1E50A6"/>
-              </a:solidFill>
-            </a:ln>
-          </p:spPr>
-          <p:style>
-            <a:lnRef idx="1">
-              <a:schemeClr val="accent1"/>
-            </a:lnRef>
-            <a:fillRef idx="0">
-              <a:schemeClr val="accent1"/>
-            </a:fillRef>
-            <a:effectRef idx="0">
-              <a:schemeClr val="accent1"/>
-            </a:effectRef>
-            <a:fontRef idx="minor">
-              <a:schemeClr val="tx1"/>
-            </a:fontRef>
-          </p:style>
-        </p:cxnSp>
-        <p:cxnSp>
-          <p:nvCxnSpPr>
-            <p:cNvPr id="6" name="直接连接符 5"/>
-            <p:cNvCxnSpPr/>
-            <p:nvPr/>
-          </p:nvCxnSpPr>
-          <p:spPr>
-            <a:xfrm>
-              <a:off x="6962775" y="171450"/>
-              <a:ext cx="28322" cy="1066800"/>
-            </a:xfrm>
-            <a:prstGeom prst="line">
-              <a:avLst/>
-            </a:prstGeom>
-            <a:ln w="31750">
-              <a:solidFill>
-                <a:srgbClr val="1E50A6"/>
-              </a:solidFill>
-            </a:ln>
-          </p:spPr>
-          <p:style>
-            <a:lnRef idx="1">
-              <a:schemeClr val="accent1"/>
-            </a:lnRef>
-            <a:fillRef idx="0">
-              <a:schemeClr val="accent1"/>
-            </a:fillRef>
-            <a:effectRef idx="0">
-              <a:schemeClr val="accent1"/>
-            </a:effectRef>
-            <a:fontRef idx="minor">
-              <a:schemeClr val="tx1"/>
-            </a:fontRef>
-          </p:style>
-        </p:cxnSp>
-        <p:pic>
-          <p:nvPicPr>
-            <p:cNvPr id="7" name="图片 6"/>
-            <p:cNvPicPr>
-              <a:picLocks noChangeAspect="1"/>
-            </p:cNvPicPr>
-            <p:nvPr/>
-          </p:nvPicPr>
-          <p:blipFill rotWithShape="1">
-            <a:blip r:embed="rId2">
-              <a:extLst>
-                <a:ext uri="{28A0092B-C50C-407E-A947-70E740481C1C}">
-                  <a14:useLocalDpi xmlns:a14="http://schemas.microsoft.com/office/drawing/2010/main" val="0"/>
-                </a:ext>
-              </a:extLst>
-            </a:blip>
-            <a:srcRect t="36874" r="33358" b="34304"/>
-            <a:stretch>
-              <a:fillRect/>
-            </a:stretch>
-          </p:blipFill>
-          <p:spPr>
-            <a:xfrm>
-              <a:off x="7076536" y="261127"/>
-              <a:ext cx="1913266" cy="765415"/>
-            </a:xfrm>
-            <a:prstGeom prst="rect">
-              <a:avLst/>
-            </a:prstGeom>
-          </p:spPr>
-        </p:pic>
-      </p:grpSp>
-      <p:sp>
-        <p:nvSpPr>
-          <p:cNvPr id="9" name="标题 1"/>
-          <p:cNvSpPr>
-            <a:spLocks noGrp="1"/>
-          </p:cNvSpPr>
-          <p:nvPr>
-            <p:ph type="title"/>
-          </p:nvPr>
-        </p:nvSpPr>
-        <p:spPr>
-          <a:xfrm>
-            <a:off x="628650" y="365125"/>
-            <a:ext cx="6324600" cy="715963"/>
-          </a:xfrm>
-        </p:spPr>
-        <p:txBody>
-          <a:bodyPr/>
-          <a:lstStyle/>
-          <a:p>
-            <a:r>
-              <a:rPr lang="zh-CN" altLang="en-US" smtClean="0">
-                <a:latin typeface="Times New Roman" panose="02020603050405020304" pitchFamily="18" charset="0"/>
-                <a:ea typeface="黑体" panose="02010609060101010101" pitchFamily="49" charset="-122"/>
-                <a:cs typeface="Times New Roman" panose="02020603050405020304" pitchFamily="18" charset="0"/>
-              </a:rPr>
-              <a:t>目录</a:t>
-            </a:r>
-          </a:p>
-        </p:txBody>
-      </p:sp>
-      <p:sp>
-        <p:nvSpPr>
-          <p:cNvPr id="10" name="文本框 9"/>
-          <p:cNvSpPr txBox="1"/>
-          <p:nvPr/>
-        </p:nvSpPr>
-        <p:spPr>
-          <a:xfrm>
-            <a:off x="1185863" y="2046288"/>
-            <a:ext cx="6948487" cy="461962"/>
-          </a:xfrm>
-          <a:prstGeom prst="rect">
-            <a:avLst/>
-          </a:prstGeom>
-          <a:noFill/>
-          <a:ln>
-            <a:noFill/>
-          </a:ln>
-        </p:spPr>
-        <p:txBody>
-          <a:bodyPr anchor="ctr">
-            <a:spAutoFit/>
-          </a:bodyPr>
-          <a:lstStyle/>
-          <a:p>
-            <a:pPr eaLnBrk="1" fontAlgn="auto" hangingPunct="1">
-              <a:spcBef>
-                <a:spcPts val="0"/>
-              </a:spcBef>
-              <a:spcAft>
-                <a:spcPts val="0"/>
-              </a:spcAft>
-              <a:defRPr/>
-            </a:pPr>
-            <a:r>
-              <a:rPr lang="zh-CN" altLang="en-US" sz="2400" dirty="0">
-                <a:solidFill>
-                  <a:schemeClr val="bg2">
-                    <a:lumMod val="25000"/>
-                  </a:schemeClr>
-                </a:solidFill>
-                <a:latin typeface="Times New Roman" panose="02020603050405020304" pitchFamily="18" charset="0"/>
-                <a:ea typeface="黑体" panose="02010609060101010101" pitchFamily="49" charset="-122"/>
-                <a:cs typeface="Times New Roman" panose="02020603050405020304" pitchFamily="18" charset="0"/>
-              </a:rPr>
-              <a:t>  研究背景介绍</a:t>
-            </a:r>
-          </a:p>
-        </p:txBody>
-      </p:sp>
-      <p:sp>
-        <p:nvSpPr>
-          <p:cNvPr id="11" name="文本框 10"/>
-          <p:cNvSpPr txBox="1"/>
-          <p:nvPr/>
-        </p:nvSpPr>
-        <p:spPr>
-          <a:xfrm>
-            <a:off x="1185863" y="2828925"/>
-            <a:ext cx="6948487" cy="461963"/>
-          </a:xfrm>
-          <a:prstGeom prst="rect">
-            <a:avLst/>
-          </a:prstGeom>
-          <a:noFill/>
-          <a:ln>
-            <a:noFill/>
-          </a:ln>
-        </p:spPr>
-        <p:txBody>
-          <a:bodyPr anchor="ctr">
-            <a:spAutoFit/>
-          </a:bodyPr>
-          <a:lstStyle/>
-          <a:p>
-            <a:pPr eaLnBrk="1" fontAlgn="auto" hangingPunct="1">
-              <a:spcBef>
-                <a:spcPts val="0"/>
-              </a:spcBef>
-              <a:spcAft>
-                <a:spcPts val="0"/>
-              </a:spcAft>
-              <a:defRPr/>
-            </a:pPr>
-            <a:r>
-              <a:rPr lang="zh-CN" altLang="en-US" sz="2400" dirty="0">
-                <a:solidFill>
-                  <a:schemeClr val="bg2">
-                    <a:lumMod val="25000"/>
-                  </a:schemeClr>
-                </a:solidFill>
-                <a:latin typeface="Times New Roman" panose="02020603050405020304" pitchFamily="18" charset="0"/>
-                <a:ea typeface="黑体" panose="02010609060101010101" pitchFamily="49" charset="-122"/>
-                <a:cs typeface="Times New Roman" panose="02020603050405020304" pitchFamily="18" charset="0"/>
-              </a:rPr>
-              <a:t>  三维</a:t>
-            </a:r>
-            <a:r>
-              <a:rPr lang="zh-CN" altLang="en-US" sz="2400" dirty="0" smtClean="0">
-                <a:solidFill>
-                  <a:schemeClr val="bg2">
-                    <a:lumMod val="25000"/>
-                  </a:schemeClr>
-                </a:solidFill>
-                <a:latin typeface="Times New Roman" panose="02020603050405020304" pitchFamily="18" charset="0"/>
-                <a:ea typeface="黑体" panose="02010609060101010101" pitchFamily="49" charset="-122"/>
-                <a:cs typeface="Times New Roman" panose="02020603050405020304" pitchFamily="18" charset="0"/>
-              </a:rPr>
-              <a:t>时空下样本点匹配算法</a:t>
-            </a:r>
-            <a:endParaRPr lang="zh-CN" altLang="en-US" sz="2400" dirty="0">
-              <a:solidFill>
-                <a:schemeClr val="bg2">
-                  <a:lumMod val="10000"/>
-                </a:schemeClr>
-              </a:solidFill>
-              <a:latin typeface="Times New Roman" panose="02020603050405020304" pitchFamily="18" charset="0"/>
-              <a:ea typeface="黑体" panose="02010609060101010101" pitchFamily="49" charset="-122"/>
-              <a:cs typeface="Times New Roman" panose="02020603050405020304" pitchFamily="18" charset="0"/>
-            </a:endParaRPr>
-          </a:p>
-        </p:txBody>
-      </p:sp>
-      <p:sp>
-        <p:nvSpPr>
-          <p:cNvPr id="12" name="文本框 11"/>
-          <p:cNvSpPr txBox="1"/>
-          <p:nvPr/>
-        </p:nvSpPr>
-        <p:spPr>
-          <a:xfrm>
-            <a:off x="1185863" y="3619500"/>
-            <a:ext cx="6948487" cy="461963"/>
-          </a:xfrm>
-          <a:prstGeom prst="rect">
-            <a:avLst/>
-          </a:prstGeom>
-          <a:noFill/>
-          <a:ln>
-            <a:noFill/>
-          </a:ln>
-        </p:spPr>
-        <p:txBody>
-          <a:bodyPr anchor="ctr">
-            <a:spAutoFit/>
-          </a:bodyPr>
-          <a:lstStyle/>
-          <a:p>
-            <a:pPr eaLnBrk="1" fontAlgn="auto" hangingPunct="1">
-              <a:spcBef>
-                <a:spcPts val="0"/>
-              </a:spcBef>
-              <a:spcAft>
-                <a:spcPts val="0"/>
-              </a:spcAft>
-              <a:defRPr/>
-            </a:pPr>
-            <a:r>
-              <a:rPr lang="zh-CN" altLang="en-US" sz="2400" dirty="0" smtClean="0">
-                <a:solidFill>
-                  <a:schemeClr val="bg2">
-                    <a:lumMod val="10000"/>
-                  </a:schemeClr>
-                </a:solidFill>
-                <a:latin typeface="Times New Roman" panose="02020603050405020304" pitchFamily="18" charset="0"/>
-                <a:ea typeface="黑体" panose="02010609060101010101" pitchFamily="49" charset="-122"/>
-                <a:cs typeface="Times New Roman" panose="02020603050405020304" pitchFamily="18" charset="0"/>
-              </a:rPr>
-              <a:t>  时空</a:t>
-            </a:r>
-            <a:r>
-              <a:rPr lang="zh-CN" altLang="en-US" sz="2400" smtClean="0">
-                <a:solidFill>
-                  <a:schemeClr val="bg2">
-                    <a:lumMod val="10000"/>
-                  </a:schemeClr>
-                </a:solidFill>
-                <a:latin typeface="Times New Roman" panose="02020603050405020304" pitchFamily="18" charset="0"/>
-                <a:ea typeface="黑体" panose="02010609060101010101" pitchFamily="49" charset="-122"/>
-                <a:cs typeface="Times New Roman" panose="02020603050405020304" pitchFamily="18" charset="0"/>
-              </a:rPr>
-              <a:t>轨迹相似性查询算法</a:t>
-            </a:r>
-            <a:endParaRPr lang="zh-CN" altLang="en-US" sz="2400" dirty="0">
-              <a:solidFill>
-                <a:schemeClr val="bg2">
-                  <a:lumMod val="10000"/>
-                </a:schemeClr>
-              </a:solidFill>
-              <a:latin typeface="Times New Roman" panose="02020603050405020304" pitchFamily="18" charset="0"/>
-              <a:ea typeface="黑体" panose="02010609060101010101" pitchFamily="49" charset="-122"/>
-              <a:cs typeface="Times New Roman" panose="02020603050405020304" pitchFamily="18" charset="0"/>
-            </a:endParaRPr>
-          </a:p>
-        </p:txBody>
-      </p:sp>
-      <p:sp>
-        <p:nvSpPr>
-          <p:cNvPr id="13" name="文本框 12"/>
-          <p:cNvSpPr txBox="1"/>
-          <p:nvPr/>
-        </p:nvSpPr>
-        <p:spPr>
-          <a:xfrm>
-            <a:off x="1185863" y="4411663"/>
-            <a:ext cx="6948487" cy="460375"/>
-          </a:xfrm>
-          <a:prstGeom prst="rect">
-            <a:avLst/>
-          </a:prstGeom>
-          <a:noFill/>
-          <a:ln>
-            <a:noFill/>
-          </a:ln>
-        </p:spPr>
-        <p:txBody>
-          <a:bodyPr anchor="ctr">
-            <a:spAutoFit/>
-          </a:bodyPr>
-          <a:lstStyle/>
-          <a:p>
-            <a:pPr eaLnBrk="1" fontAlgn="auto" hangingPunct="1">
-              <a:spcBef>
-                <a:spcPts val="0"/>
-              </a:spcBef>
-              <a:spcAft>
-                <a:spcPts val="0"/>
-              </a:spcAft>
-              <a:defRPr/>
-            </a:pPr>
-            <a:r>
-              <a:rPr lang="zh-CN" altLang="en-US" sz="2400" dirty="0">
-                <a:solidFill>
-                  <a:schemeClr val="bg2">
-                    <a:lumMod val="25000"/>
-                  </a:schemeClr>
-                </a:solidFill>
-                <a:latin typeface="Times New Roman" panose="02020603050405020304" pitchFamily="18" charset="0"/>
-                <a:ea typeface="黑体" panose="02010609060101010101" pitchFamily="49" charset="-122"/>
-                <a:cs typeface="Times New Roman" panose="02020603050405020304" pitchFamily="18" charset="0"/>
-              </a:rPr>
-              <a:t>  实验与分析</a:t>
-            </a:r>
-          </a:p>
-        </p:txBody>
-      </p:sp>
-      <p:sp>
-        <p:nvSpPr>
-          <p:cNvPr id="14" name="文本框 13"/>
-          <p:cNvSpPr txBox="1"/>
-          <p:nvPr/>
-        </p:nvSpPr>
-        <p:spPr>
-          <a:xfrm>
-            <a:off x="1185863" y="5202238"/>
-            <a:ext cx="6948487" cy="460375"/>
-          </a:xfrm>
-          <a:prstGeom prst="rect">
-            <a:avLst/>
-          </a:prstGeom>
-          <a:noFill/>
-          <a:ln>
-            <a:noFill/>
-          </a:ln>
-        </p:spPr>
-        <p:txBody>
-          <a:bodyPr anchor="ctr">
-            <a:spAutoFit/>
-          </a:bodyPr>
-          <a:lstStyle/>
-          <a:p>
-            <a:pPr eaLnBrk="1" fontAlgn="auto" hangingPunct="1">
-              <a:spcBef>
-                <a:spcPts val="0"/>
-              </a:spcBef>
-              <a:spcAft>
-                <a:spcPts val="0"/>
-              </a:spcAft>
-              <a:defRPr/>
-            </a:pPr>
-            <a:r>
-              <a:rPr lang="zh-CN" altLang="en-US" sz="2400" dirty="0">
-                <a:solidFill>
-                  <a:schemeClr val="bg2">
-                    <a:lumMod val="25000"/>
-                  </a:schemeClr>
-                </a:solidFill>
-                <a:latin typeface="Times New Roman" panose="02020603050405020304" pitchFamily="18" charset="0"/>
-                <a:ea typeface="黑体" panose="02010609060101010101" pitchFamily="49" charset="-122"/>
-                <a:cs typeface="Times New Roman" panose="02020603050405020304" pitchFamily="18" charset="0"/>
-              </a:rPr>
-              <a:t>  总结</a:t>
-            </a:r>
-          </a:p>
-        </p:txBody>
-      </p:sp>
-      <p:sp>
-        <p:nvSpPr>
-          <p:cNvPr id="15" name="灯片编号占位符 6"/>
-          <p:cNvSpPr>
-            <a:spLocks noGrp="1"/>
-          </p:cNvSpPr>
-          <p:nvPr>
-            <p:ph type="sldNum" sz="quarter" idx="12"/>
-          </p:nvPr>
-        </p:nvSpPr>
-        <p:spPr bwMode="auto">
-          <a:xfrm>
-            <a:off x="7739063" y="6556375"/>
-            <a:ext cx="1184275" cy="285750"/>
-          </a:xfrm>
-          <a:noFill/>
-          <a:extLst>
-            <a:ext uri="{909E8E84-426E-40DD-AFC4-6F175D3DCCD1}">
-              <a14:hiddenFill xmlns:a14="http://schemas.microsoft.com/office/drawing/2010/main">
-                <a:solidFill>
-                  <a:srgbClr val="FFFFFF"/>
-                </a:solidFill>
-              </a14:hiddenFill>
-            </a:ext>
-            <a:ext uri="{91240B29-F687-4F45-9708-019B960494DF}">
-              <a14:hiddenLine xmlns:a14="http://schemas.microsoft.com/office/drawing/2010/main" w="9525">
-                <a:solidFill>
-                  <a:srgbClr val="000000"/>
-                </a:solidFill>
-                <a:miter lim="800000"/>
-                <a:headEnd/>
-                <a:tailEnd/>
-              </a14:hiddenLine>
-            </a:ext>
-          </a:extLst>
-        </p:spPr>
-        <p:txBody>
-          <a:bodyPr wrap="square" numCol="1" anchorCtr="0" compatLnSpc="1"/>
-          <a:lstStyle>
-            <a:lvl1pPr>
-              <a:defRPr>
-                <a:solidFill>
-                  <a:schemeClr val="tx1"/>
-                </a:solidFill>
-                <a:latin typeface="Calibri" panose="020F0502020204030204" pitchFamily="34" charset="0"/>
-                <a:ea typeface="宋体" panose="02010600030101010101" pitchFamily="2" charset="-122"/>
-              </a:defRPr>
-            </a:lvl1pPr>
-            <a:lvl2pPr marL="742950" indent="-285750">
-              <a:defRPr>
-                <a:solidFill>
-                  <a:schemeClr val="tx1"/>
-                </a:solidFill>
-                <a:latin typeface="Calibri" panose="020F0502020204030204" pitchFamily="34" charset="0"/>
-                <a:ea typeface="宋体" panose="02010600030101010101" pitchFamily="2" charset="-122"/>
-              </a:defRPr>
-            </a:lvl2pPr>
-            <a:lvl3pPr marL="1143000" indent="-228600">
-              <a:defRPr>
-                <a:solidFill>
-                  <a:schemeClr val="tx1"/>
-                </a:solidFill>
-                <a:latin typeface="Calibri" panose="020F0502020204030204" pitchFamily="34" charset="0"/>
-                <a:ea typeface="宋体" panose="02010600030101010101" pitchFamily="2" charset="-122"/>
-              </a:defRPr>
-            </a:lvl3pPr>
-            <a:lvl4pPr marL="1600200" indent="-228600">
-              <a:defRPr>
-                <a:solidFill>
-                  <a:schemeClr val="tx1"/>
-                </a:solidFill>
-                <a:latin typeface="Calibri" panose="020F0502020204030204" pitchFamily="34" charset="0"/>
-                <a:ea typeface="宋体" panose="02010600030101010101" pitchFamily="2" charset="-122"/>
-              </a:defRPr>
-            </a:lvl4pPr>
-            <a:lvl5pPr marL="2057400" indent="-228600">
-              <a:defRPr>
-                <a:solidFill>
-                  <a:schemeClr val="tx1"/>
-                </a:solidFill>
-                <a:latin typeface="Calibri" panose="020F0502020204030204" pitchFamily="34" charset="0"/>
-                <a:ea typeface="宋体" panose="02010600030101010101" pitchFamily="2" charset="-122"/>
-              </a:defRPr>
-            </a:lvl5pPr>
-            <a:lvl6pPr marL="2514600" indent="-228600" fontAlgn="base">
-              <a:spcBef>
-                <a:spcPct val="0"/>
-              </a:spcBef>
-              <a:spcAft>
-                <a:spcPct val="0"/>
-              </a:spcAft>
-              <a:defRPr>
-                <a:solidFill>
-                  <a:schemeClr val="tx1"/>
-                </a:solidFill>
-                <a:latin typeface="Calibri" panose="020F0502020204030204" pitchFamily="34" charset="0"/>
-                <a:ea typeface="宋体" panose="02010600030101010101" pitchFamily="2" charset="-122"/>
-              </a:defRPr>
-            </a:lvl6pPr>
-            <a:lvl7pPr marL="2971800" indent="-228600" fontAlgn="base">
-              <a:spcBef>
-                <a:spcPct val="0"/>
-              </a:spcBef>
-              <a:spcAft>
-                <a:spcPct val="0"/>
-              </a:spcAft>
-              <a:defRPr>
-                <a:solidFill>
-                  <a:schemeClr val="tx1"/>
-                </a:solidFill>
-                <a:latin typeface="Calibri" panose="020F0502020204030204" pitchFamily="34" charset="0"/>
-                <a:ea typeface="宋体" panose="02010600030101010101" pitchFamily="2" charset="-122"/>
-              </a:defRPr>
-            </a:lvl7pPr>
-            <a:lvl8pPr marL="3429000" indent="-228600" fontAlgn="base">
-              <a:spcBef>
-                <a:spcPct val="0"/>
-              </a:spcBef>
-              <a:spcAft>
-                <a:spcPct val="0"/>
-              </a:spcAft>
-              <a:defRPr>
-                <a:solidFill>
-                  <a:schemeClr val="tx1"/>
-                </a:solidFill>
-                <a:latin typeface="Calibri" panose="020F0502020204030204" pitchFamily="34" charset="0"/>
-                <a:ea typeface="宋体" panose="02010600030101010101" pitchFamily="2" charset="-122"/>
-              </a:defRPr>
-            </a:lvl8pPr>
-            <a:lvl9pPr marL="3886200" indent="-228600" fontAlgn="base">
-              <a:spcBef>
-                <a:spcPct val="0"/>
-              </a:spcBef>
-              <a:spcAft>
-                <a:spcPct val="0"/>
-              </a:spcAft>
-              <a:defRPr>
-                <a:solidFill>
-                  <a:schemeClr val="tx1"/>
-                </a:solidFill>
-                <a:latin typeface="Calibri" panose="020F0502020204030204" pitchFamily="34" charset="0"/>
-                <a:ea typeface="宋体" panose="02010600030101010101" pitchFamily="2" charset="-122"/>
-              </a:defRPr>
-            </a:lvl9pPr>
-          </a:lstStyle>
-          <a:p>
-            <a:pPr fontAlgn="base">
-              <a:spcBef>
-                <a:spcPct val="0"/>
-              </a:spcBef>
-              <a:spcAft>
-                <a:spcPct val="0"/>
-              </a:spcAft>
-            </a:pPr>
-            <a:r>
-              <a:rPr lang="en-US" altLang="zh-CN">
-                <a:solidFill>
-                  <a:schemeClr val="bg1"/>
-                </a:solidFill>
-              </a:rPr>
-              <a:t>1/29</a:t>
-            </a:r>
-            <a:endParaRPr lang="zh-CN" altLang="en-US">
-              <a:solidFill>
-                <a:schemeClr val="bg1"/>
-              </a:solidFill>
-            </a:endParaRPr>
-          </a:p>
-        </p:txBody>
-      </p:sp>
-      <p:sp>
-        <p:nvSpPr>
-          <p:cNvPr id="16" name="文本框 15"/>
-          <p:cNvSpPr txBox="1"/>
-          <p:nvPr/>
-        </p:nvSpPr>
-        <p:spPr>
-          <a:xfrm>
-            <a:off x="796637" y="1975769"/>
-            <a:ext cx="389850" cy="584775"/>
-          </a:xfrm>
-          <a:prstGeom prst="rect">
-            <a:avLst/>
-          </a:prstGeom>
-          <a:noFill/>
-          <a:effectLst/>
-        </p:spPr>
-        <p:txBody>
-          <a:bodyPr wrap="none">
-            <a:spAutoFit/>
-          </a:bodyPr>
-          <a:lstStyle/>
-          <a:p>
-            <a:pPr eaLnBrk="1" fontAlgn="auto" hangingPunct="1">
-              <a:spcBef>
-                <a:spcPts val="0"/>
-              </a:spcBef>
-              <a:spcAft>
-                <a:spcPts val="0"/>
-              </a:spcAft>
-              <a:defRPr/>
-            </a:pPr>
-            <a:r>
-              <a:rPr lang="en-US" altLang="zh-CN" sz="3200" b="1" dirty="0">
-                <a:ln w="9525">
-                  <a:solidFill>
-                    <a:schemeClr val="bg1"/>
-                  </a:solidFill>
-                  <a:prstDash val="solid"/>
-                </a:ln>
-                <a:solidFill>
-                  <a:schemeClr val="accent5"/>
-                </a:solidFill>
-                <a:effectLst>
-                  <a:outerShdw blurRad="12700" dist="38100" dir="2700000" algn="tl" rotWithShape="0">
-                    <a:schemeClr val="accent5">
-                      <a:lumMod val="60000"/>
-                      <a:lumOff val="40000"/>
-                    </a:schemeClr>
-                  </a:outerShdw>
-                </a:effectLst>
-                <a:latin typeface="+mn-lt"/>
-                <a:ea typeface="+mn-ea"/>
-              </a:rPr>
-              <a:t>&gt;</a:t>
-            </a:r>
-            <a:endParaRPr lang="zh-CN" altLang="en-US" sz="3200" b="1" dirty="0">
-              <a:ln w="9525">
-                <a:solidFill>
-                  <a:schemeClr val="bg1"/>
-                </a:solidFill>
-                <a:prstDash val="solid"/>
-              </a:ln>
-              <a:solidFill>
-                <a:schemeClr val="accent5"/>
-              </a:solidFill>
-              <a:effectLst>
-                <a:outerShdw blurRad="12700" dist="38100" dir="2700000" algn="tl" rotWithShape="0">
-                  <a:schemeClr val="accent5">
-                    <a:lumMod val="60000"/>
-                    <a:lumOff val="40000"/>
-                  </a:schemeClr>
-                </a:outerShdw>
-              </a:effectLst>
-              <a:latin typeface="+mn-lt"/>
-              <a:ea typeface="+mn-ea"/>
-            </a:endParaRPr>
-          </a:p>
-        </p:txBody>
-      </p:sp>
-      <p:sp>
-        <p:nvSpPr>
-          <p:cNvPr id="17" name="文本框 16"/>
-          <p:cNvSpPr txBox="1"/>
-          <p:nvPr/>
-        </p:nvSpPr>
-        <p:spPr>
-          <a:xfrm>
-            <a:off x="796637" y="2766823"/>
-            <a:ext cx="389850" cy="584775"/>
-          </a:xfrm>
-          <a:prstGeom prst="rect">
-            <a:avLst/>
-          </a:prstGeom>
-          <a:noFill/>
-          <a:effectLst/>
-        </p:spPr>
-        <p:txBody>
-          <a:bodyPr wrap="none">
-            <a:spAutoFit/>
-          </a:bodyPr>
-          <a:lstStyle/>
-          <a:p>
-            <a:pPr eaLnBrk="1" fontAlgn="auto" hangingPunct="1">
-              <a:spcBef>
-                <a:spcPts val="0"/>
-              </a:spcBef>
-              <a:spcAft>
-                <a:spcPts val="0"/>
-              </a:spcAft>
-              <a:defRPr/>
-            </a:pPr>
-            <a:r>
-              <a:rPr lang="en-US" altLang="zh-CN" sz="3200" b="1" dirty="0">
-                <a:ln w="9525">
-                  <a:solidFill>
-                    <a:schemeClr val="bg1"/>
-                  </a:solidFill>
-                  <a:prstDash val="solid"/>
-                </a:ln>
-                <a:solidFill>
-                  <a:schemeClr val="accent5"/>
-                </a:solidFill>
-                <a:effectLst>
-                  <a:outerShdw blurRad="12700" dist="38100" dir="2700000" algn="tl" rotWithShape="0">
-                    <a:schemeClr val="accent5">
-                      <a:lumMod val="60000"/>
-                      <a:lumOff val="40000"/>
-                    </a:schemeClr>
-                  </a:outerShdw>
-                </a:effectLst>
-                <a:latin typeface="+mn-lt"/>
-                <a:ea typeface="+mn-ea"/>
-              </a:rPr>
-              <a:t>&gt;</a:t>
-            </a:r>
-            <a:endParaRPr lang="zh-CN" altLang="en-US" sz="3200" b="1" dirty="0">
-              <a:ln w="9525">
-                <a:solidFill>
-                  <a:schemeClr val="bg1"/>
-                </a:solidFill>
-                <a:prstDash val="solid"/>
-              </a:ln>
-              <a:solidFill>
-                <a:schemeClr val="accent5"/>
-              </a:solidFill>
-              <a:effectLst>
-                <a:outerShdw blurRad="12700" dist="38100" dir="2700000" algn="tl" rotWithShape="0">
-                  <a:schemeClr val="accent5">
-                    <a:lumMod val="60000"/>
-                    <a:lumOff val="40000"/>
-                  </a:schemeClr>
-                </a:outerShdw>
-              </a:effectLst>
-              <a:latin typeface="+mn-lt"/>
-              <a:ea typeface="+mn-ea"/>
-            </a:endParaRPr>
-          </a:p>
-        </p:txBody>
-      </p:sp>
-      <p:sp>
-        <p:nvSpPr>
-          <p:cNvPr id="18" name="文本框 17"/>
-          <p:cNvSpPr txBox="1"/>
-          <p:nvPr/>
-        </p:nvSpPr>
-        <p:spPr>
-          <a:xfrm>
-            <a:off x="796637" y="3557877"/>
-            <a:ext cx="389850" cy="584775"/>
-          </a:xfrm>
-          <a:prstGeom prst="rect">
-            <a:avLst/>
-          </a:prstGeom>
-          <a:noFill/>
-          <a:effectLst/>
-        </p:spPr>
-        <p:txBody>
-          <a:bodyPr wrap="none">
-            <a:spAutoFit/>
-          </a:bodyPr>
-          <a:lstStyle/>
-          <a:p>
-            <a:pPr eaLnBrk="1" fontAlgn="auto" hangingPunct="1">
-              <a:spcBef>
-                <a:spcPts val="0"/>
-              </a:spcBef>
-              <a:spcAft>
-                <a:spcPts val="0"/>
-              </a:spcAft>
-              <a:defRPr/>
-            </a:pPr>
-            <a:r>
-              <a:rPr lang="en-US" altLang="zh-CN" sz="3200" b="1" dirty="0">
-                <a:ln w="9525">
-                  <a:solidFill>
-                    <a:schemeClr val="bg1"/>
-                  </a:solidFill>
-                  <a:prstDash val="solid"/>
-                </a:ln>
-                <a:solidFill>
-                  <a:schemeClr val="accent5"/>
-                </a:solidFill>
-                <a:effectLst>
-                  <a:outerShdw blurRad="12700" dist="38100" dir="2700000" algn="tl" rotWithShape="0">
-                    <a:schemeClr val="accent5">
-                      <a:lumMod val="60000"/>
-                      <a:lumOff val="40000"/>
-                    </a:schemeClr>
-                  </a:outerShdw>
-                </a:effectLst>
-                <a:latin typeface="+mn-lt"/>
-                <a:ea typeface="+mn-ea"/>
-              </a:rPr>
-              <a:t>&gt;</a:t>
-            </a:r>
-            <a:endParaRPr lang="zh-CN" altLang="en-US" sz="3200" b="1" dirty="0">
-              <a:ln w="9525">
-                <a:solidFill>
-                  <a:schemeClr val="bg1"/>
-                </a:solidFill>
-                <a:prstDash val="solid"/>
-              </a:ln>
-              <a:solidFill>
-                <a:schemeClr val="accent5"/>
-              </a:solidFill>
-              <a:effectLst>
-                <a:outerShdw blurRad="12700" dist="38100" dir="2700000" algn="tl" rotWithShape="0">
-                  <a:schemeClr val="accent5">
-                    <a:lumMod val="60000"/>
-                    <a:lumOff val="40000"/>
-                  </a:schemeClr>
-                </a:outerShdw>
-              </a:effectLst>
-              <a:latin typeface="+mn-lt"/>
-              <a:ea typeface="+mn-ea"/>
-            </a:endParaRPr>
-          </a:p>
-        </p:txBody>
-      </p:sp>
-      <p:sp>
-        <p:nvSpPr>
-          <p:cNvPr id="19" name="文本框 18"/>
-          <p:cNvSpPr txBox="1"/>
-          <p:nvPr/>
-        </p:nvSpPr>
-        <p:spPr>
-          <a:xfrm>
-            <a:off x="796637" y="4348932"/>
-            <a:ext cx="389850" cy="584775"/>
-          </a:xfrm>
-          <a:prstGeom prst="rect">
-            <a:avLst/>
-          </a:prstGeom>
-          <a:noFill/>
-          <a:effectLst/>
-        </p:spPr>
-        <p:txBody>
-          <a:bodyPr wrap="none">
-            <a:spAutoFit/>
-          </a:bodyPr>
-          <a:lstStyle/>
-          <a:p>
-            <a:pPr eaLnBrk="1" fontAlgn="auto" hangingPunct="1">
-              <a:spcBef>
-                <a:spcPts val="0"/>
-              </a:spcBef>
-              <a:spcAft>
-                <a:spcPts val="0"/>
-              </a:spcAft>
-              <a:defRPr/>
-            </a:pPr>
-            <a:r>
-              <a:rPr lang="en-US" altLang="zh-CN" sz="3200" b="1" dirty="0">
-                <a:ln w="9525">
-                  <a:solidFill>
-                    <a:schemeClr val="bg1"/>
-                  </a:solidFill>
-                  <a:prstDash val="solid"/>
-                </a:ln>
-                <a:solidFill>
-                  <a:schemeClr val="accent5"/>
-                </a:solidFill>
-                <a:effectLst>
-                  <a:outerShdw blurRad="12700" dist="38100" dir="2700000" algn="tl" rotWithShape="0">
-                    <a:schemeClr val="accent5">
-                      <a:lumMod val="60000"/>
-                      <a:lumOff val="40000"/>
-                    </a:schemeClr>
-                  </a:outerShdw>
-                </a:effectLst>
-                <a:latin typeface="+mn-lt"/>
-                <a:ea typeface="+mn-ea"/>
-              </a:rPr>
-              <a:t>&gt;</a:t>
-            </a:r>
-            <a:endParaRPr lang="zh-CN" altLang="en-US" sz="3200" b="1" dirty="0">
-              <a:ln w="9525">
-                <a:solidFill>
-                  <a:schemeClr val="bg1"/>
-                </a:solidFill>
-                <a:prstDash val="solid"/>
-              </a:ln>
-              <a:solidFill>
-                <a:schemeClr val="accent5"/>
-              </a:solidFill>
-              <a:effectLst>
-                <a:outerShdw blurRad="12700" dist="38100" dir="2700000" algn="tl" rotWithShape="0">
-                  <a:schemeClr val="accent5">
-                    <a:lumMod val="60000"/>
-                    <a:lumOff val="40000"/>
-                  </a:schemeClr>
-                </a:outerShdw>
-              </a:effectLst>
-              <a:latin typeface="+mn-lt"/>
-              <a:ea typeface="+mn-ea"/>
-            </a:endParaRPr>
-          </a:p>
-        </p:txBody>
-      </p:sp>
-      <p:sp>
-        <p:nvSpPr>
-          <p:cNvPr id="20" name="文本框 19"/>
-          <p:cNvSpPr txBox="1"/>
-          <p:nvPr/>
-        </p:nvSpPr>
-        <p:spPr>
-          <a:xfrm>
-            <a:off x="796637" y="5139987"/>
-            <a:ext cx="389850" cy="584775"/>
-          </a:xfrm>
-          <a:prstGeom prst="rect">
-            <a:avLst/>
-          </a:prstGeom>
-          <a:noFill/>
-          <a:effectLst/>
-        </p:spPr>
-        <p:txBody>
-          <a:bodyPr wrap="none">
-            <a:spAutoFit/>
-          </a:bodyPr>
-          <a:lstStyle/>
-          <a:p>
-            <a:pPr eaLnBrk="1" fontAlgn="auto" hangingPunct="1">
-              <a:spcBef>
-                <a:spcPts val="0"/>
-              </a:spcBef>
-              <a:spcAft>
-                <a:spcPts val="0"/>
-              </a:spcAft>
-              <a:defRPr/>
-            </a:pPr>
-            <a:r>
-              <a:rPr lang="en-US" altLang="zh-CN" sz="3200" b="1" dirty="0">
-                <a:ln w="9525">
-                  <a:solidFill>
-                    <a:schemeClr val="bg1"/>
-                  </a:solidFill>
-                  <a:prstDash val="solid"/>
-                </a:ln>
-                <a:solidFill>
-                  <a:schemeClr val="accent5"/>
-                </a:solidFill>
-                <a:effectLst>
-                  <a:outerShdw blurRad="12700" dist="38100" dir="2700000" algn="tl" rotWithShape="0">
-                    <a:schemeClr val="accent5">
-                      <a:lumMod val="60000"/>
-                      <a:lumOff val="40000"/>
-                    </a:schemeClr>
-                  </a:outerShdw>
-                </a:effectLst>
-                <a:latin typeface="+mn-lt"/>
-                <a:ea typeface="+mn-ea"/>
-              </a:rPr>
-              <a:t>&gt;</a:t>
-            </a:r>
-            <a:endParaRPr lang="zh-CN" altLang="en-US" sz="3200" b="1" dirty="0">
-              <a:ln w="9525">
-                <a:solidFill>
-                  <a:schemeClr val="bg1"/>
-                </a:solidFill>
-                <a:prstDash val="solid"/>
-              </a:ln>
-              <a:solidFill>
-                <a:schemeClr val="accent5"/>
-              </a:solidFill>
-              <a:effectLst>
-                <a:outerShdw blurRad="12700" dist="38100" dir="2700000" algn="tl" rotWithShape="0">
-                  <a:schemeClr val="accent5">
-                    <a:lumMod val="60000"/>
-                    <a:lumOff val="40000"/>
-                  </a:schemeClr>
-                </a:outerShdw>
-              </a:effectLst>
-              <a:latin typeface="+mn-lt"/>
-              <a:ea typeface="+mn-ea"/>
-            </a:endParaRPr>
-          </a:p>
-        </p:txBody>
-      </p:sp>
-      <p:sp>
-        <p:nvSpPr>
-          <p:cNvPr id="21" name="矩形 20"/>
-          <p:cNvSpPr/>
-          <p:nvPr/>
-        </p:nvSpPr>
-        <p:spPr>
-          <a:xfrm>
-            <a:off x="0" y="6573627"/>
-            <a:ext cx="9144000" cy="285750"/>
-          </a:xfrm>
-          <a:prstGeom prst="rect">
-            <a:avLst/>
-          </a:prstGeom>
-          <a:solidFill>
-            <a:srgbClr val="1B4DA5"/>
-          </a:solidFill>
-          <a:ln>
-            <a:noFill/>
-          </a:ln>
-        </p:spPr>
-        <p:style>
-          <a:lnRef idx="2">
-            <a:schemeClr val="accent1">
-              <a:shade val="50000"/>
-            </a:schemeClr>
-          </a:lnRef>
-          <a:fillRef idx="1">
-            <a:schemeClr val="accent1"/>
-          </a:fillRef>
-          <a:effectRef idx="0">
-            <a:schemeClr val="accent1"/>
-          </a:effectRef>
-          <a:fontRef idx="minor">
-            <a:schemeClr val="lt1"/>
-          </a:fontRef>
-        </p:style>
-        <p:txBody>
-          <a:bodyPr rtlCol="0" anchor="ctr"/>
-          <a:lstStyle/>
-          <a:p>
-            <a:pPr algn="ctr"/>
-            <a:r>
-              <a:rPr lang="zh-CN" altLang="zh-CN" sz="1200" dirty="0">
-                <a:latin typeface="黑体" panose="02010609060101010101" pitchFamily="49" charset="-122"/>
-                <a:ea typeface="黑体" panose="02010609060101010101" pitchFamily="49" charset="-122"/>
-              </a:rPr>
-              <a:t>移动对象的时空轨迹相似性</a:t>
-            </a:r>
-            <a:r>
-              <a:rPr lang="zh-CN" altLang="zh-CN" sz="1200" dirty="0" smtClean="0">
-                <a:latin typeface="黑体" panose="02010609060101010101" pitchFamily="49" charset="-122"/>
-                <a:ea typeface="黑体" panose="02010609060101010101" pitchFamily="49" charset="-122"/>
-              </a:rPr>
-              <a:t>算法</a:t>
-            </a:r>
-            <a:endParaRPr lang="zh-CN" altLang="en-US" sz="1200" dirty="0">
-              <a:latin typeface="黑体" panose="02010609060101010101" pitchFamily="49" charset="-122"/>
-              <a:ea typeface="黑体" panose="02010609060101010101" pitchFamily="49" charset="-122"/>
-              <a:cs typeface="Times New Roman" panose="02020603050405020304" pitchFamily="18" charset="0"/>
-            </a:endParaRPr>
-          </a:p>
-        </p:txBody>
-      </p:sp>
-    </p:spTree>
-  </p:cSld>
-  <p:clrMapOvr>
-    <a:masterClrMapping/>
-  </p:clrMapOvr>
-  <mc:AlternateContent xmlns:mc="http://schemas.openxmlformats.org/markup-compatibility/2006" xmlns:p14="http://schemas.microsoft.com/office/powerpoint/2010/main">
-    <mc:Choice Requires="p14">
-      <p:transition spd="slow" p14:dur="2000"/>
-    </mc:Choice>
-    <mc:Fallback xmlns="">
-      <p:transition spd="slow"/>
-    </mc:Fallback>
-  </mc:AlternateContent>
-  <p:timing>
-    <p:tnLst>
-      <p:par>
-        <p:cTn id="1" dur="indefinite" restart="never" nodeType="tmRoot"/>
-      </p:par>
-    </p:tnLst>
-  </p:timing>
-</p:sld>
-</file>
-
-<file path=ppt/slides/slide20.xml><?xml version="1.0" encoding="utf-8"?>
+<file path=ppt/slides/slide21.xml><?xml version="1.0" encoding="utf-8"?>
 <p:sld xmlns:a="http://schemas.openxmlformats.org/drawingml/2006/main" xmlns:r="http://schemas.openxmlformats.org/officeDocument/2006/relationships" xmlns:p="http://schemas.openxmlformats.org/presentationml/2006/main">
   <p:cSld>
     <p:spTree>
@@ -15589,7 +16702,7 @@
 </p:sld>
 </file>
 
-<file path=ppt/slides/slide21.xml><?xml version="1.0" encoding="utf-8"?>
+<file path=ppt/slides/slide22.xml><?xml version="1.0" encoding="utf-8"?>
 <p:sld xmlns:a="http://schemas.openxmlformats.org/drawingml/2006/main" xmlns:r="http://schemas.openxmlformats.org/officeDocument/2006/relationships" xmlns:p="http://schemas.openxmlformats.org/presentationml/2006/main">
   <p:cSld>
     <p:spTree>
@@ -17944,7 +19057,7 @@
 </p:sld>
 </file>
 
-<file path=ppt/slides/slide22.xml><?xml version="1.0" encoding="utf-8"?>
+<file path=ppt/slides/slide23.xml><?xml version="1.0" encoding="utf-8"?>
 <p:sld xmlns:a="http://schemas.openxmlformats.org/drawingml/2006/main" xmlns:r="http://schemas.openxmlformats.org/officeDocument/2006/relationships" xmlns:p="http://schemas.openxmlformats.org/presentationml/2006/main">
   <p:cSld>
     <p:spTree>
@@ -20524,7 +21637,7 @@
 </p:sld>
 </file>
 
-<file path=ppt/slides/slide23.xml><?xml version="1.0" encoding="utf-8"?>
+<file path=ppt/slides/slide24.xml><?xml version="1.0" encoding="utf-8"?>
 <p:sld xmlns:a="http://schemas.openxmlformats.org/drawingml/2006/main" xmlns:r="http://schemas.openxmlformats.org/officeDocument/2006/relationships" xmlns:p="http://schemas.openxmlformats.org/presentationml/2006/main">
   <p:cSld>
     <p:spTree>
@@ -20768,11 +21881,6 @@
               </a:rPr>
               <a:t>轨迹距离</a:t>
             </a:r>
-            <a:endParaRPr lang="zh-CN" altLang="en-US" dirty="0" smtClean="0">
-              <a:latin typeface="Times New Roman" panose="02020603050405020304" pitchFamily="18" charset="0"/>
-              <a:ea typeface="黑体" panose="02010609060101010101" pitchFamily="49" charset="-122"/>
-              <a:cs typeface="Times New Roman" panose="02020603050405020304" pitchFamily="18" charset="0"/>
-            </a:endParaRPr>
           </a:p>
         </p:txBody>
       </p:sp>
@@ -20884,7 +21992,7 @@
 </p:sld>
 </file>
 
-<file path=ppt/slides/slide24.xml><?xml version="1.0" encoding="utf-8"?>
+<file path=ppt/slides/slide25.xml><?xml version="1.0" encoding="utf-8"?>
 <p:sld xmlns:a="http://schemas.openxmlformats.org/drawingml/2006/main" xmlns:r="http://schemas.openxmlformats.org/officeDocument/2006/relationships" xmlns:p="http://schemas.openxmlformats.org/presentationml/2006/main">
   <p:cSld>
     <p:spTree>
@@ -21131,8 +22239,8 @@
           </a:p>
         </p:txBody>
       </p:sp>
-      <mc:AlternateContent xmlns:mc="http://schemas.openxmlformats.org/markup-compatibility/2006">
-        <mc:Choice xmlns:a14="http://schemas.microsoft.com/office/drawing/2010/main" Requires="a14">
+      <mc:AlternateContent xmlns:mc="http://schemas.openxmlformats.org/markup-compatibility/2006" xmlns:a14="http://schemas.microsoft.com/office/drawing/2010/main">
+        <mc:Choice Requires="a14">
           <p:sp>
             <p:nvSpPr>
               <p:cNvPr id="34" name="文本框 33"/>
@@ -21213,17 +22321,7 @@
                     <a:latin typeface="黑体" panose="02010609060101010101" pitchFamily="49" charset="-122"/>
                     <a:ea typeface="黑体" panose="02010609060101010101" pitchFamily="49" charset="-122"/>
                   </a:rPr>
-                  <a:t>STS</a:t>
-                </a:r>
-                <a:r>
-                  <a:rPr lang="en-US" altLang="zh-CN" sz="1600" b="1" dirty="0" smtClean="0">
-                    <a:solidFill>
-                      <a:schemeClr val="tx1"/>
-                    </a:solidFill>
-                    <a:latin typeface="黑体" panose="02010609060101010101" pitchFamily="49" charset="-122"/>
-                    <a:ea typeface="黑体" panose="02010609060101010101" pitchFamily="49" charset="-122"/>
-                  </a:rPr>
-                  <a:t>)</a:t>
+                  <a:t>STS)</a:t>
                 </a:r>
               </a:p>
               <a:p>
@@ -21599,7 +22697,7 @@
             </p:txBody>
           </p:sp>
         </mc:Choice>
-        <mc:Fallback>
+        <mc:Fallback xmlns="">
           <p:sp>
             <p:nvSpPr>
               <p:cNvPr id="34" name="文本框 33"/>
@@ -21733,7 +22831,7 @@
 </p:sld>
 </file>
 
-<file path=ppt/slides/slide25.xml><?xml version="1.0" encoding="utf-8"?>
+<file path=ppt/slides/slide26.xml><?xml version="1.0" encoding="utf-8"?>
 <p:sld xmlns:a="http://schemas.openxmlformats.org/drawingml/2006/main" xmlns:r="http://schemas.openxmlformats.org/officeDocument/2006/relationships" xmlns:p="http://schemas.openxmlformats.org/presentationml/2006/main">
   <p:cSld>
     <p:spTree>
@@ -22965,7 +24063,7 @@
 </p:sld>
 </file>
 
-<file path=ppt/slides/slide26.xml><?xml version="1.0" encoding="utf-8"?>
+<file path=ppt/slides/slide27.xml><?xml version="1.0" encoding="utf-8"?>
 <p:sld xmlns:a="http://schemas.openxmlformats.org/drawingml/2006/main" xmlns:r="http://schemas.openxmlformats.org/officeDocument/2006/relationships" xmlns:p="http://schemas.openxmlformats.org/presentationml/2006/main">
   <p:cSld>
     <p:spTree>
@@ -24682,972 +25780,6 @@
 </p:sld>
 </file>
 
-<file path=ppt/slides/slide27.xml><?xml version="1.0" encoding="utf-8"?>
-<p:sld xmlns:a="http://schemas.openxmlformats.org/drawingml/2006/main" xmlns:r="http://schemas.openxmlformats.org/officeDocument/2006/relationships" xmlns:p="http://schemas.openxmlformats.org/presentationml/2006/main">
-  <p:cSld>
-    <p:spTree>
-      <p:nvGrpSpPr>
-        <p:cNvPr id="1" name=""/>
-        <p:cNvGrpSpPr/>
-        <p:nvPr/>
-      </p:nvGrpSpPr>
-      <p:grpSpPr>
-        <a:xfrm>
-          <a:off x="0" y="0"/>
-          <a:ext cx="0" cy="0"/>
-          <a:chOff x="0" y="0"/>
-          <a:chExt cx="0" cy="0"/>
-        </a:xfrm>
-      </p:grpSpPr>
-      <p:grpSp>
-        <p:nvGrpSpPr>
-          <p:cNvPr id="2" name="组合 1"/>
-          <p:cNvGrpSpPr/>
-          <p:nvPr/>
-        </p:nvGrpSpPr>
-        <p:grpSpPr>
-          <a:xfrm>
-            <a:off x="114300" y="171450"/>
-            <a:ext cx="8875502" cy="1066800"/>
-            <a:chOff x="114300" y="171450"/>
-            <a:chExt cx="8875502" cy="1066800"/>
-          </a:xfrm>
-        </p:grpSpPr>
-        <p:cxnSp>
-          <p:nvCxnSpPr>
-            <p:cNvPr id="3" name="直接连接符 2"/>
-            <p:cNvCxnSpPr/>
-            <p:nvPr/>
-          </p:nvCxnSpPr>
-          <p:spPr>
-            <a:xfrm>
-              <a:off x="114300" y="1076325"/>
-              <a:ext cx="8858250" cy="0"/>
-            </a:xfrm>
-            <a:prstGeom prst="line">
-              <a:avLst/>
-            </a:prstGeom>
-            <a:ln w="31750">
-              <a:solidFill>
-                <a:srgbClr val="1E50A6"/>
-              </a:solidFill>
-            </a:ln>
-          </p:spPr>
-          <p:style>
-            <a:lnRef idx="1">
-              <a:schemeClr val="accent1"/>
-            </a:lnRef>
-            <a:fillRef idx="0">
-              <a:schemeClr val="accent1"/>
-            </a:fillRef>
-            <a:effectRef idx="0">
-              <a:schemeClr val="accent1"/>
-            </a:effectRef>
-            <a:fontRef idx="minor">
-              <a:schemeClr val="tx1"/>
-            </a:fontRef>
-          </p:style>
-        </p:cxnSp>
-        <p:cxnSp>
-          <p:nvCxnSpPr>
-            <p:cNvPr id="4" name="直接连接符 3"/>
-            <p:cNvCxnSpPr/>
-            <p:nvPr/>
-          </p:nvCxnSpPr>
-          <p:spPr>
-            <a:xfrm>
-              <a:off x="6962775" y="171450"/>
-              <a:ext cx="28322" cy="1066800"/>
-            </a:xfrm>
-            <a:prstGeom prst="line">
-              <a:avLst/>
-            </a:prstGeom>
-            <a:ln w="31750">
-              <a:solidFill>
-                <a:srgbClr val="1E50A6"/>
-              </a:solidFill>
-            </a:ln>
-          </p:spPr>
-          <p:style>
-            <a:lnRef idx="1">
-              <a:schemeClr val="accent1"/>
-            </a:lnRef>
-            <a:fillRef idx="0">
-              <a:schemeClr val="accent1"/>
-            </a:fillRef>
-            <a:effectRef idx="0">
-              <a:schemeClr val="accent1"/>
-            </a:effectRef>
-            <a:fontRef idx="minor">
-              <a:schemeClr val="tx1"/>
-            </a:fontRef>
-          </p:style>
-        </p:cxnSp>
-        <p:pic>
-          <p:nvPicPr>
-            <p:cNvPr id="5" name="图片 4"/>
-            <p:cNvPicPr>
-              <a:picLocks noChangeAspect="1"/>
-            </p:cNvPicPr>
-            <p:nvPr/>
-          </p:nvPicPr>
-          <p:blipFill rotWithShape="1">
-            <a:blip r:embed="rId2">
-              <a:extLst>
-                <a:ext uri="{28A0092B-C50C-407E-A947-70E740481C1C}">
-                  <a14:useLocalDpi xmlns:a14="http://schemas.microsoft.com/office/drawing/2010/main" val="0"/>
-                </a:ext>
-              </a:extLst>
-            </a:blip>
-            <a:srcRect t="36874" r="33358" b="34304"/>
-            <a:stretch>
-              <a:fillRect/>
-            </a:stretch>
-          </p:blipFill>
-          <p:spPr>
-            <a:xfrm>
-              <a:off x="7076536" y="261127"/>
-              <a:ext cx="1913266" cy="765415"/>
-            </a:xfrm>
-            <a:prstGeom prst="rect">
-              <a:avLst/>
-            </a:prstGeom>
-          </p:spPr>
-        </p:pic>
-      </p:grpSp>
-      <p:sp>
-        <p:nvSpPr>
-          <p:cNvPr id="6" name="矩形 5"/>
-          <p:cNvSpPr/>
-          <p:nvPr/>
-        </p:nvSpPr>
-        <p:spPr>
-          <a:xfrm>
-            <a:off x="0" y="6573627"/>
-            <a:ext cx="9144000" cy="285750"/>
-          </a:xfrm>
-          <a:prstGeom prst="rect">
-            <a:avLst/>
-          </a:prstGeom>
-          <a:solidFill>
-            <a:srgbClr val="1B4DA5"/>
-          </a:solidFill>
-          <a:ln>
-            <a:noFill/>
-          </a:ln>
-        </p:spPr>
-        <p:style>
-          <a:lnRef idx="2">
-            <a:schemeClr val="accent1">
-              <a:shade val="50000"/>
-            </a:schemeClr>
-          </a:lnRef>
-          <a:fillRef idx="1">
-            <a:schemeClr val="accent1"/>
-          </a:fillRef>
-          <a:effectRef idx="0">
-            <a:schemeClr val="accent1"/>
-          </a:effectRef>
-          <a:fontRef idx="minor">
-            <a:schemeClr val="lt1"/>
-          </a:fontRef>
-        </p:style>
-        <p:txBody>
-          <a:bodyPr rtlCol="0" anchor="ctr"/>
-          <a:lstStyle/>
-          <a:p>
-            <a:pPr algn="ctr"/>
-            <a:r>
-              <a:rPr lang="zh-CN" altLang="zh-CN" sz="1200" dirty="0">
-                <a:latin typeface="黑体" panose="02010609060101010101" pitchFamily="49" charset="-122"/>
-                <a:ea typeface="黑体" panose="02010609060101010101" pitchFamily="49" charset="-122"/>
-              </a:rPr>
-              <a:t>移动对象的时空轨迹相似性</a:t>
-            </a:r>
-            <a:r>
-              <a:rPr lang="zh-CN" altLang="zh-CN" sz="1200" dirty="0" smtClean="0">
-                <a:latin typeface="黑体" panose="02010609060101010101" pitchFamily="49" charset="-122"/>
-                <a:ea typeface="黑体" panose="02010609060101010101" pitchFamily="49" charset="-122"/>
-              </a:rPr>
-              <a:t>算法</a:t>
-            </a:r>
-            <a:endParaRPr lang="zh-CN" altLang="en-US" sz="1200" dirty="0">
-              <a:latin typeface="黑体" panose="02010609060101010101" pitchFamily="49" charset="-122"/>
-              <a:ea typeface="黑体" panose="02010609060101010101" pitchFamily="49" charset="-122"/>
-              <a:cs typeface="Times New Roman" panose="02020603050405020304" pitchFamily="18" charset="0"/>
-            </a:endParaRPr>
-          </a:p>
-        </p:txBody>
-      </p:sp>
-      <p:sp>
-        <p:nvSpPr>
-          <p:cNvPr id="7" name="标题 1"/>
-          <p:cNvSpPr txBox="1">
-            <a:spLocks/>
-          </p:cNvSpPr>
-          <p:nvPr/>
-        </p:nvSpPr>
-        <p:spPr>
-          <a:xfrm>
-            <a:off x="628650" y="365125"/>
-            <a:ext cx="6324600" cy="715963"/>
-          </a:xfrm>
-          <a:prstGeom prst="rect">
-            <a:avLst/>
-          </a:prstGeom>
-        </p:spPr>
-        <p:txBody>
-          <a:bodyPr/>
-          <a:lstStyle>
-            <a:lvl1pPr algn="l" defTabSz="914400" rtl="0" eaLnBrk="1" latinLnBrk="0" hangingPunct="1">
-              <a:lnSpc>
-                <a:spcPct val="90000"/>
-              </a:lnSpc>
-              <a:spcBef>
-                <a:spcPct val="0"/>
-              </a:spcBef>
-              <a:buNone/>
-              <a:defRPr sz="4400" kern="1200">
-                <a:solidFill>
-                  <a:schemeClr val="tx1"/>
-                </a:solidFill>
-                <a:latin typeface="+mj-lt"/>
-                <a:ea typeface="+mj-ea"/>
-                <a:cs typeface="+mj-cs"/>
-              </a:defRPr>
-            </a:lvl1pPr>
-          </a:lstStyle>
-          <a:p>
-            <a:r>
-              <a:rPr lang="zh-CN" altLang="en-US" dirty="0" smtClean="0">
-                <a:latin typeface="Times New Roman" panose="02020603050405020304" pitchFamily="18" charset="0"/>
-                <a:ea typeface="黑体" panose="02010609060101010101" pitchFamily="49" charset="-122"/>
-                <a:cs typeface="Times New Roman" panose="02020603050405020304" pitchFamily="18" charset="0"/>
-              </a:rPr>
-              <a:t>参数的影响</a:t>
-            </a:r>
-          </a:p>
-        </p:txBody>
-      </p:sp>
-      <p:pic>
-        <p:nvPicPr>
-          <p:cNvPr id="13" name="图片 12"/>
-          <p:cNvPicPr>
-            <a:picLocks noChangeAspect="1"/>
-          </p:cNvPicPr>
-          <p:nvPr/>
-        </p:nvPicPr>
-        <p:blipFill>
-          <a:blip r:embed="rId3" cstate="print">
-            <a:extLst>
-              <a:ext uri="{28A0092B-C50C-407E-A947-70E740481C1C}">
-                <a14:useLocalDpi xmlns:a14="http://schemas.microsoft.com/office/drawing/2010/main" val="0"/>
-              </a:ext>
-            </a:extLst>
-          </a:blip>
-          <a:stretch>
-            <a:fillRect/>
-          </a:stretch>
-        </p:blipFill>
-        <p:spPr>
-          <a:xfrm>
-            <a:off x="1494208" y="1925692"/>
-            <a:ext cx="2800136" cy="2100102"/>
-          </a:xfrm>
-          <a:prstGeom prst="rect">
-            <a:avLst/>
-          </a:prstGeom>
-        </p:spPr>
-      </p:pic>
-      <p:pic>
-        <p:nvPicPr>
-          <p:cNvPr id="14" name="图片 13"/>
-          <p:cNvPicPr>
-            <a:picLocks noChangeAspect="1"/>
-          </p:cNvPicPr>
-          <p:nvPr/>
-        </p:nvPicPr>
-        <p:blipFill>
-          <a:blip r:embed="rId4" cstate="print">
-            <a:extLst>
-              <a:ext uri="{28A0092B-C50C-407E-A947-70E740481C1C}">
-                <a14:useLocalDpi xmlns:a14="http://schemas.microsoft.com/office/drawing/2010/main" val="0"/>
-              </a:ext>
-            </a:extLst>
-          </a:blip>
-          <a:stretch>
-            <a:fillRect/>
-          </a:stretch>
-        </p:blipFill>
-        <p:spPr>
-          <a:xfrm>
-            <a:off x="4471932" y="1920552"/>
-            <a:ext cx="2800136" cy="2100102"/>
-          </a:xfrm>
-          <a:prstGeom prst="rect">
-            <a:avLst/>
-          </a:prstGeom>
-        </p:spPr>
-      </p:pic>
-      <p:sp>
-        <p:nvSpPr>
-          <p:cNvPr id="16" name="文本框 10"/>
-          <p:cNvSpPr txBox="1">
-            <a:spLocks noChangeArrowheads="1"/>
-          </p:cNvSpPr>
-          <p:nvPr/>
-        </p:nvSpPr>
-        <p:spPr bwMode="auto">
-          <a:xfrm>
-            <a:off x="382689" y="1181344"/>
-            <a:ext cx="4299086" cy="307777"/>
-          </a:xfrm>
-          <a:prstGeom prst="rect">
-            <a:avLst/>
-          </a:prstGeom>
-          <a:noFill/>
-          <a:ln>
-            <a:noFill/>
-          </a:ln>
-          <a:extLst>
-            <a:ext uri="{909E8E84-426E-40DD-AFC4-6F175D3DCCD1}">
-              <a14:hiddenFill xmlns:a14="http://schemas.microsoft.com/office/drawing/2010/main">
-                <a:solidFill>
-                  <a:srgbClr val="FFFFFF"/>
-                </a:solidFill>
-              </a14:hiddenFill>
-            </a:ext>
-            <a:ext uri="{91240B29-F687-4F45-9708-019B960494DF}">
-              <a14:hiddenLine xmlns:a14="http://schemas.microsoft.com/office/drawing/2010/main" w="9525">
-                <a:solidFill>
-                  <a:srgbClr val="000000"/>
-                </a:solidFill>
-                <a:miter lim="800000"/>
-                <a:headEnd/>
-                <a:tailEnd/>
-              </a14:hiddenLine>
-            </a:ext>
-          </a:extLst>
-        </p:spPr>
-        <p:txBody>
-          <a:bodyPr>
-            <a:spAutoFit/>
-          </a:bodyPr>
-          <a:lstStyle>
-            <a:lvl1pPr>
-              <a:defRPr>
-                <a:solidFill>
-                  <a:schemeClr val="tx1"/>
-                </a:solidFill>
-                <a:latin typeface="Calibri" panose="020F0502020204030204" pitchFamily="34" charset="0"/>
-                <a:ea typeface="宋体" panose="02010600030101010101" pitchFamily="2" charset="-122"/>
-              </a:defRPr>
-            </a:lvl1pPr>
-            <a:lvl2pPr marL="742950" indent="-285750">
-              <a:defRPr>
-                <a:solidFill>
-                  <a:schemeClr val="tx1"/>
-                </a:solidFill>
-                <a:latin typeface="Calibri" panose="020F0502020204030204" pitchFamily="34" charset="0"/>
-                <a:ea typeface="宋体" panose="02010600030101010101" pitchFamily="2" charset="-122"/>
-              </a:defRPr>
-            </a:lvl2pPr>
-            <a:lvl3pPr marL="1143000" indent="-228600">
-              <a:defRPr>
-                <a:solidFill>
-                  <a:schemeClr val="tx1"/>
-                </a:solidFill>
-                <a:latin typeface="Calibri" panose="020F0502020204030204" pitchFamily="34" charset="0"/>
-                <a:ea typeface="宋体" panose="02010600030101010101" pitchFamily="2" charset="-122"/>
-              </a:defRPr>
-            </a:lvl3pPr>
-            <a:lvl4pPr marL="1600200" indent="-228600">
-              <a:defRPr>
-                <a:solidFill>
-                  <a:schemeClr val="tx1"/>
-                </a:solidFill>
-                <a:latin typeface="Calibri" panose="020F0502020204030204" pitchFamily="34" charset="0"/>
-                <a:ea typeface="宋体" panose="02010600030101010101" pitchFamily="2" charset="-122"/>
-              </a:defRPr>
-            </a:lvl4pPr>
-            <a:lvl5pPr marL="2057400" indent="-228600">
-              <a:defRPr>
-                <a:solidFill>
-                  <a:schemeClr val="tx1"/>
-                </a:solidFill>
-                <a:latin typeface="Calibri" panose="020F0502020204030204" pitchFamily="34" charset="0"/>
-                <a:ea typeface="宋体" panose="02010600030101010101" pitchFamily="2" charset="-122"/>
-              </a:defRPr>
-            </a:lvl5pPr>
-            <a:lvl6pPr marL="2514600" indent="-228600" fontAlgn="base">
-              <a:spcBef>
-                <a:spcPct val="0"/>
-              </a:spcBef>
-              <a:spcAft>
-                <a:spcPct val="0"/>
-              </a:spcAft>
-              <a:defRPr>
-                <a:solidFill>
-                  <a:schemeClr val="tx1"/>
-                </a:solidFill>
-                <a:latin typeface="Calibri" panose="020F0502020204030204" pitchFamily="34" charset="0"/>
-                <a:ea typeface="宋体" panose="02010600030101010101" pitchFamily="2" charset="-122"/>
-              </a:defRPr>
-            </a:lvl6pPr>
-            <a:lvl7pPr marL="2971800" indent="-228600" fontAlgn="base">
-              <a:spcBef>
-                <a:spcPct val="0"/>
-              </a:spcBef>
-              <a:spcAft>
-                <a:spcPct val="0"/>
-              </a:spcAft>
-              <a:defRPr>
-                <a:solidFill>
-                  <a:schemeClr val="tx1"/>
-                </a:solidFill>
-                <a:latin typeface="Calibri" panose="020F0502020204030204" pitchFamily="34" charset="0"/>
-                <a:ea typeface="宋体" panose="02010600030101010101" pitchFamily="2" charset="-122"/>
-              </a:defRPr>
-            </a:lvl7pPr>
-            <a:lvl8pPr marL="3429000" indent="-228600" fontAlgn="base">
-              <a:spcBef>
-                <a:spcPct val="0"/>
-              </a:spcBef>
-              <a:spcAft>
-                <a:spcPct val="0"/>
-              </a:spcAft>
-              <a:defRPr>
-                <a:solidFill>
-                  <a:schemeClr val="tx1"/>
-                </a:solidFill>
-                <a:latin typeface="Calibri" panose="020F0502020204030204" pitchFamily="34" charset="0"/>
-                <a:ea typeface="宋体" panose="02010600030101010101" pitchFamily="2" charset="-122"/>
-              </a:defRPr>
-            </a:lvl8pPr>
-            <a:lvl9pPr marL="3886200" indent="-228600" fontAlgn="base">
-              <a:spcBef>
-                <a:spcPct val="0"/>
-              </a:spcBef>
-              <a:spcAft>
-                <a:spcPct val="0"/>
-              </a:spcAft>
-              <a:defRPr>
-                <a:solidFill>
-                  <a:schemeClr val="tx1"/>
-                </a:solidFill>
-                <a:latin typeface="Calibri" panose="020F0502020204030204" pitchFamily="34" charset="0"/>
-                <a:ea typeface="宋体" panose="02010600030101010101" pitchFamily="2" charset="-122"/>
-              </a:defRPr>
-            </a:lvl9pPr>
-          </a:lstStyle>
-          <a:p>
-            <a:r>
-              <a:rPr lang="zh-CN" altLang="en-US" sz="1400" dirty="0" smtClean="0">
-                <a:latin typeface="Times New Roman" panose="02020603050405020304" pitchFamily="18" charset="0"/>
-                <a:ea typeface="黑体" panose="02010609060101010101" pitchFamily="49" charset="-122"/>
-                <a:cs typeface="Times New Roman" panose="02020603050405020304" pitchFamily="18" charset="0"/>
-              </a:rPr>
-              <a:t>轨迹</a:t>
-            </a:r>
-            <a:r>
-              <a:rPr lang="zh-CN" altLang="en-US" sz="1400" dirty="0">
-                <a:latin typeface="Times New Roman" panose="02020603050405020304" pitchFamily="18" charset="0"/>
-                <a:ea typeface="黑体" panose="02010609060101010101" pitchFamily="49" charset="-122"/>
-                <a:cs typeface="Times New Roman" panose="02020603050405020304" pitchFamily="18" charset="0"/>
-              </a:rPr>
-              <a:t>数据集分别</a:t>
-            </a:r>
-            <a:r>
-              <a:rPr lang="zh-CN" altLang="en-US" sz="1400" dirty="0" smtClean="0">
-                <a:latin typeface="Times New Roman" panose="02020603050405020304" pitchFamily="18" charset="0"/>
-                <a:ea typeface="黑体" panose="02010609060101010101" pitchFamily="49" charset="-122"/>
-                <a:cs typeface="Times New Roman" panose="02020603050405020304" pitchFamily="18" charset="0"/>
-              </a:rPr>
-              <a:t>是</a:t>
-            </a:r>
-            <a:r>
-              <a:rPr lang="en-US" altLang="zh-CN" sz="1400" dirty="0" smtClean="0">
-                <a:solidFill>
-                  <a:schemeClr val="dk1"/>
-                </a:solidFill>
-                <a:latin typeface="黑体" panose="02010609060101010101" pitchFamily="49" charset="-122"/>
-                <a:ea typeface="黑体" panose="02010609060101010101" pitchFamily="49" charset="-122"/>
-              </a:rPr>
-              <a:t>GL</a:t>
-            </a:r>
-            <a:r>
-              <a:rPr lang="zh-CN" altLang="en-US" sz="1400" dirty="0" smtClean="0">
-                <a:latin typeface="Times New Roman" panose="02020603050405020304" pitchFamily="18" charset="0"/>
-                <a:ea typeface="黑体" panose="02010609060101010101" pitchFamily="49" charset="-122"/>
-                <a:cs typeface="Times New Roman" panose="02020603050405020304" pitchFamily="18" charset="0"/>
-              </a:rPr>
-              <a:t>和</a:t>
-            </a:r>
-            <a:r>
-              <a:rPr lang="en-US" altLang="zh-CN" sz="1400" dirty="0" smtClean="0">
-                <a:latin typeface="Times New Roman" panose="02020603050405020304" pitchFamily="18" charset="0"/>
-                <a:ea typeface="黑体" panose="02010609060101010101" pitchFamily="49" charset="-122"/>
-                <a:cs typeface="Times New Roman" panose="02020603050405020304" pitchFamily="18" charset="0"/>
-              </a:rPr>
-              <a:t>NARN</a:t>
-            </a:r>
-            <a:endParaRPr lang="zh-CN" altLang="en-US" sz="1400" dirty="0">
-              <a:latin typeface="Times New Roman" panose="02020603050405020304" pitchFamily="18" charset="0"/>
-              <a:ea typeface="黑体" panose="02010609060101010101" pitchFamily="49" charset="-122"/>
-              <a:cs typeface="Times New Roman" panose="02020603050405020304" pitchFamily="18" charset="0"/>
-            </a:endParaRPr>
-          </a:p>
-        </p:txBody>
-      </p:sp>
-      <p:sp>
-        <p:nvSpPr>
-          <p:cNvPr id="17" name="文本框 29"/>
-          <p:cNvSpPr txBox="1">
-            <a:spLocks noChangeArrowheads="1"/>
-          </p:cNvSpPr>
-          <p:nvPr/>
-        </p:nvSpPr>
-        <p:spPr bwMode="auto">
-          <a:xfrm>
-            <a:off x="382689" y="1559098"/>
-            <a:ext cx="6337288" cy="307777"/>
-          </a:xfrm>
-          <a:prstGeom prst="rect">
-            <a:avLst/>
-          </a:prstGeom>
-          <a:noFill/>
-          <a:ln>
-            <a:noFill/>
-          </a:ln>
-          <a:extLst>
-            <a:ext uri="{909E8E84-426E-40DD-AFC4-6F175D3DCCD1}">
-              <a14:hiddenFill xmlns:a14="http://schemas.microsoft.com/office/drawing/2010/main">
-                <a:solidFill>
-                  <a:srgbClr val="FFFFFF"/>
-                </a:solidFill>
-              </a14:hiddenFill>
-            </a:ext>
-            <a:ext uri="{91240B29-F687-4F45-9708-019B960494DF}">
-              <a14:hiddenLine xmlns:a14="http://schemas.microsoft.com/office/drawing/2010/main" w="9525">
-                <a:solidFill>
-                  <a:srgbClr val="000000"/>
-                </a:solidFill>
-                <a:miter lim="800000"/>
-                <a:headEnd/>
-                <a:tailEnd/>
-              </a14:hiddenLine>
-            </a:ext>
-          </a:extLst>
-        </p:spPr>
-        <p:txBody>
-          <a:bodyPr wrap="square">
-            <a:spAutoFit/>
-          </a:bodyPr>
-          <a:lstStyle>
-            <a:lvl1pPr>
-              <a:defRPr>
-                <a:solidFill>
-                  <a:schemeClr val="tx1"/>
-                </a:solidFill>
-                <a:latin typeface="Calibri" panose="020F0502020204030204" pitchFamily="34" charset="0"/>
-                <a:ea typeface="宋体" panose="02010600030101010101" pitchFamily="2" charset="-122"/>
-              </a:defRPr>
-            </a:lvl1pPr>
-            <a:lvl2pPr marL="742950" indent="-285750">
-              <a:defRPr>
-                <a:solidFill>
-                  <a:schemeClr val="tx1"/>
-                </a:solidFill>
-                <a:latin typeface="Calibri" panose="020F0502020204030204" pitchFamily="34" charset="0"/>
-                <a:ea typeface="宋体" panose="02010600030101010101" pitchFamily="2" charset="-122"/>
-              </a:defRPr>
-            </a:lvl2pPr>
-            <a:lvl3pPr marL="1143000" indent="-228600">
-              <a:defRPr>
-                <a:solidFill>
-                  <a:schemeClr val="tx1"/>
-                </a:solidFill>
-                <a:latin typeface="Calibri" panose="020F0502020204030204" pitchFamily="34" charset="0"/>
-                <a:ea typeface="宋体" panose="02010600030101010101" pitchFamily="2" charset="-122"/>
-              </a:defRPr>
-            </a:lvl3pPr>
-            <a:lvl4pPr marL="1600200" indent="-228600">
-              <a:defRPr>
-                <a:solidFill>
-                  <a:schemeClr val="tx1"/>
-                </a:solidFill>
-                <a:latin typeface="Calibri" panose="020F0502020204030204" pitchFamily="34" charset="0"/>
-                <a:ea typeface="宋体" panose="02010600030101010101" pitchFamily="2" charset="-122"/>
-              </a:defRPr>
-            </a:lvl4pPr>
-            <a:lvl5pPr marL="2057400" indent="-228600">
-              <a:defRPr>
-                <a:solidFill>
-                  <a:schemeClr val="tx1"/>
-                </a:solidFill>
-                <a:latin typeface="Calibri" panose="020F0502020204030204" pitchFamily="34" charset="0"/>
-                <a:ea typeface="宋体" panose="02010600030101010101" pitchFamily="2" charset="-122"/>
-              </a:defRPr>
-            </a:lvl5pPr>
-            <a:lvl6pPr marL="2514600" indent="-228600" fontAlgn="base">
-              <a:spcBef>
-                <a:spcPct val="0"/>
-              </a:spcBef>
-              <a:spcAft>
-                <a:spcPct val="0"/>
-              </a:spcAft>
-              <a:defRPr>
-                <a:solidFill>
-                  <a:schemeClr val="tx1"/>
-                </a:solidFill>
-                <a:latin typeface="Calibri" panose="020F0502020204030204" pitchFamily="34" charset="0"/>
-                <a:ea typeface="宋体" panose="02010600030101010101" pitchFamily="2" charset="-122"/>
-              </a:defRPr>
-            </a:lvl6pPr>
-            <a:lvl7pPr marL="2971800" indent="-228600" fontAlgn="base">
-              <a:spcBef>
-                <a:spcPct val="0"/>
-              </a:spcBef>
-              <a:spcAft>
-                <a:spcPct val="0"/>
-              </a:spcAft>
-              <a:defRPr>
-                <a:solidFill>
-                  <a:schemeClr val="tx1"/>
-                </a:solidFill>
-                <a:latin typeface="Calibri" panose="020F0502020204030204" pitchFamily="34" charset="0"/>
-                <a:ea typeface="宋体" panose="02010600030101010101" pitchFamily="2" charset="-122"/>
-              </a:defRPr>
-            </a:lvl7pPr>
-            <a:lvl8pPr marL="3429000" indent="-228600" fontAlgn="base">
-              <a:spcBef>
-                <a:spcPct val="0"/>
-              </a:spcBef>
-              <a:spcAft>
-                <a:spcPct val="0"/>
-              </a:spcAft>
-              <a:defRPr>
-                <a:solidFill>
-                  <a:schemeClr val="tx1"/>
-                </a:solidFill>
-                <a:latin typeface="Calibri" panose="020F0502020204030204" pitchFamily="34" charset="0"/>
-                <a:ea typeface="宋体" panose="02010600030101010101" pitchFamily="2" charset="-122"/>
-              </a:defRPr>
-            </a:lvl8pPr>
-            <a:lvl9pPr marL="3886200" indent="-228600" fontAlgn="base">
-              <a:spcBef>
-                <a:spcPct val="0"/>
-              </a:spcBef>
-              <a:spcAft>
-                <a:spcPct val="0"/>
-              </a:spcAft>
-              <a:defRPr>
-                <a:solidFill>
-                  <a:schemeClr val="tx1"/>
-                </a:solidFill>
-                <a:latin typeface="Calibri" panose="020F0502020204030204" pitchFamily="34" charset="0"/>
-                <a:ea typeface="宋体" panose="02010600030101010101" pitchFamily="2" charset="-122"/>
-              </a:defRPr>
-            </a:lvl9pPr>
-          </a:lstStyle>
-          <a:p>
-            <a:r>
-              <a:rPr lang="zh-CN" altLang="en-US" sz="1400" dirty="0" smtClean="0">
-                <a:latin typeface="Times New Roman" panose="02020603050405020304" pitchFamily="18" charset="0"/>
-                <a:ea typeface="黑体" panose="02010609060101010101" pitchFamily="49" charset="-122"/>
-                <a:cs typeface="Times New Roman" panose="02020603050405020304" pitchFamily="18" charset="0"/>
-              </a:rPr>
-              <a:t>断点阈值越大，</a:t>
-            </a:r>
-            <a:r>
-              <a:rPr lang="zh-CN" altLang="en-US" sz="1400" dirty="0">
-                <a:latin typeface="Times New Roman" panose="02020603050405020304" pitchFamily="18" charset="0"/>
-                <a:ea typeface="黑体" panose="02010609060101010101" pitchFamily="49" charset="-122"/>
-                <a:cs typeface="Times New Roman" panose="02020603050405020304" pitchFamily="18" charset="0"/>
-              </a:rPr>
-              <a:t>轨迹段</a:t>
-            </a:r>
-            <a:r>
-              <a:rPr lang="zh-CN" altLang="en-US" sz="1400" dirty="0" smtClean="0">
-                <a:latin typeface="Times New Roman" panose="02020603050405020304" pitchFamily="18" charset="0"/>
-                <a:ea typeface="黑体" panose="02010609060101010101" pitchFamily="49" charset="-122"/>
-                <a:cs typeface="Times New Roman" panose="02020603050405020304" pitchFamily="18" charset="0"/>
-              </a:rPr>
-              <a:t>粒度</a:t>
-            </a:r>
-            <a:r>
-              <a:rPr lang="zh-CN" altLang="en-US" sz="1400" dirty="0">
-                <a:latin typeface="Times New Roman" panose="02020603050405020304" pitchFamily="18" charset="0"/>
-                <a:ea typeface="黑体" panose="02010609060101010101" pitchFamily="49" charset="-122"/>
-                <a:cs typeface="Times New Roman" panose="02020603050405020304" pitchFamily="18" charset="0"/>
-              </a:rPr>
-              <a:t>增大，断点的作用越小，查准率</a:t>
-            </a:r>
-            <a:r>
-              <a:rPr lang="zh-CN" altLang="en-US" sz="1400" dirty="0" smtClean="0">
-                <a:latin typeface="Times New Roman" panose="02020603050405020304" pitchFamily="18" charset="0"/>
-                <a:ea typeface="黑体" panose="02010609060101010101" pitchFamily="49" charset="-122"/>
-                <a:cs typeface="Times New Roman" panose="02020603050405020304" pitchFamily="18" charset="0"/>
-              </a:rPr>
-              <a:t>越低</a:t>
-            </a:r>
-            <a:endParaRPr lang="en-US" altLang="zh-CN" sz="1400" dirty="0">
-              <a:latin typeface="Times New Roman" panose="02020603050405020304" pitchFamily="18" charset="0"/>
-              <a:ea typeface="黑体" panose="02010609060101010101" pitchFamily="49" charset="-122"/>
-              <a:cs typeface="Times New Roman" panose="02020603050405020304" pitchFamily="18" charset="0"/>
-            </a:endParaRPr>
-          </a:p>
-        </p:txBody>
-      </p:sp>
-      <p:sp>
-        <p:nvSpPr>
-          <p:cNvPr id="20" name="文本框 29"/>
-          <p:cNvSpPr txBox="1">
-            <a:spLocks noChangeArrowheads="1"/>
-          </p:cNvSpPr>
-          <p:nvPr/>
-        </p:nvSpPr>
-        <p:spPr bwMode="auto">
-          <a:xfrm>
-            <a:off x="382689" y="4074331"/>
-            <a:ext cx="6337288" cy="307777"/>
-          </a:xfrm>
-          <a:prstGeom prst="rect">
-            <a:avLst/>
-          </a:prstGeom>
-          <a:noFill/>
-          <a:ln>
-            <a:noFill/>
-          </a:ln>
-          <a:extLst>
-            <a:ext uri="{909E8E84-426E-40DD-AFC4-6F175D3DCCD1}">
-              <a14:hiddenFill xmlns:a14="http://schemas.microsoft.com/office/drawing/2010/main">
-                <a:solidFill>
-                  <a:srgbClr val="FFFFFF"/>
-                </a:solidFill>
-              </a14:hiddenFill>
-            </a:ext>
-            <a:ext uri="{91240B29-F687-4F45-9708-019B960494DF}">
-              <a14:hiddenLine xmlns:a14="http://schemas.microsoft.com/office/drawing/2010/main" w="9525">
-                <a:solidFill>
-                  <a:srgbClr val="000000"/>
-                </a:solidFill>
-                <a:miter lim="800000"/>
-                <a:headEnd/>
-                <a:tailEnd/>
-              </a14:hiddenLine>
-            </a:ext>
-          </a:extLst>
-        </p:spPr>
-        <p:txBody>
-          <a:bodyPr wrap="square">
-            <a:spAutoFit/>
-          </a:bodyPr>
-          <a:lstStyle>
-            <a:lvl1pPr>
-              <a:defRPr>
-                <a:solidFill>
-                  <a:schemeClr val="tx1"/>
-                </a:solidFill>
-                <a:latin typeface="Calibri" panose="020F0502020204030204" pitchFamily="34" charset="0"/>
-                <a:ea typeface="宋体" panose="02010600030101010101" pitchFamily="2" charset="-122"/>
-              </a:defRPr>
-            </a:lvl1pPr>
-            <a:lvl2pPr marL="742950" indent="-285750">
-              <a:defRPr>
-                <a:solidFill>
-                  <a:schemeClr val="tx1"/>
-                </a:solidFill>
-                <a:latin typeface="Calibri" panose="020F0502020204030204" pitchFamily="34" charset="0"/>
-                <a:ea typeface="宋体" panose="02010600030101010101" pitchFamily="2" charset="-122"/>
-              </a:defRPr>
-            </a:lvl2pPr>
-            <a:lvl3pPr marL="1143000" indent="-228600">
-              <a:defRPr>
-                <a:solidFill>
-                  <a:schemeClr val="tx1"/>
-                </a:solidFill>
-                <a:latin typeface="Calibri" panose="020F0502020204030204" pitchFamily="34" charset="0"/>
-                <a:ea typeface="宋体" panose="02010600030101010101" pitchFamily="2" charset="-122"/>
-              </a:defRPr>
-            </a:lvl3pPr>
-            <a:lvl4pPr marL="1600200" indent="-228600">
-              <a:defRPr>
-                <a:solidFill>
-                  <a:schemeClr val="tx1"/>
-                </a:solidFill>
-                <a:latin typeface="Calibri" panose="020F0502020204030204" pitchFamily="34" charset="0"/>
-                <a:ea typeface="宋体" panose="02010600030101010101" pitchFamily="2" charset="-122"/>
-              </a:defRPr>
-            </a:lvl4pPr>
-            <a:lvl5pPr marL="2057400" indent="-228600">
-              <a:defRPr>
-                <a:solidFill>
-                  <a:schemeClr val="tx1"/>
-                </a:solidFill>
-                <a:latin typeface="Calibri" panose="020F0502020204030204" pitchFamily="34" charset="0"/>
-                <a:ea typeface="宋体" panose="02010600030101010101" pitchFamily="2" charset="-122"/>
-              </a:defRPr>
-            </a:lvl5pPr>
-            <a:lvl6pPr marL="2514600" indent="-228600" fontAlgn="base">
-              <a:spcBef>
-                <a:spcPct val="0"/>
-              </a:spcBef>
-              <a:spcAft>
-                <a:spcPct val="0"/>
-              </a:spcAft>
-              <a:defRPr>
-                <a:solidFill>
-                  <a:schemeClr val="tx1"/>
-                </a:solidFill>
-                <a:latin typeface="Calibri" panose="020F0502020204030204" pitchFamily="34" charset="0"/>
-                <a:ea typeface="宋体" panose="02010600030101010101" pitchFamily="2" charset="-122"/>
-              </a:defRPr>
-            </a:lvl6pPr>
-            <a:lvl7pPr marL="2971800" indent="-228600" fontAlgn="base">
-              <a:spcBef>
-                <a:spcPct val="0"/>
-              </a:spcBef>
-              <a:spcAft>
-                <a:spcPct val="0"/>
-              </a:spcAft>
-              <a:defRPr>
-                <a:solidFill>
-                  <a:schemeClr val="tx1"/>
-                </a:solidFill>
-                <a:latin typeface="Calibri" panose="020F0502020204030204" pitchFamily="34" charset="0"/>
-                <a:ea typeface="宋体" panose="02010600030101010101" pitchFamily="2" charset="-122"/>
-              </a:defRPr>
-            </a:lvl7pPr>
-            <a:lvl8pPr marL="3429000" indent="-228600" fontAlgn="base">
-              <a:spcBef>
-                <a:spcPct val="0"/>
-              </a:spcBef>
-              <a:spcAft>
-                <a:spcPct val="0"/>
-              </a:spcAft>
-              <a:defRPr>
-                <a:solidFill>
-                  <a:schemeClr val="tx1"/>
-                </a:solidFill>
-                <a:latin typeface="Calibri" panose="020F0502020204030204" pitchFamily="34" charset="0"/>
-                <a:ea typeface="宋体" panose="02010600030101010101" pitchFamily="2" charset="-122"/>
-              </a:defRPr>
-            </a:lvl8pPr>
-            <a:lvl9pPr marL="3886200" indent="-228600" fontAlgn="base">
-              <a:spcBef>
-                <a:spcPct val="0"/>
-              </a:spcBef>
-              <a:spcAft>
-                <a:spcPct val="0"/>
-              </a:spcAft>
-              <a:defRPr>
-                <a:solidFill>
-                  <a:schemeClr val="tx1"/>
-                </a:solidFill>
-                <a:latin typeface="Calibri" panose="020F0502020204030204" pitchFamily="34" charset="0"/>
-                <a:ea typeface="宋体" panose="02010600030101010101" pitchFamily="2" charset="-122"/>
-              </a:defRPr>
-            </a:lvl9pPr>
-          </a:lstStyle>
-          <a:p>
-            <a:pPr eaLnBrk="1" hangingPunct="1"/>
-            <a:r>
-              <a:rPr lang="zh-CN" altLang="en-US" sz="1400" dirty="0" smtClean="0">
-                <a:latin typeface="Times New Roman" panose="02020603050405020304" pitchFamily="18" charset="0"/>
-                <a:ea typeface="黑体" panose="02010609060101010101" pitchFamily="49" charset="-122"/>
-                <a:cs typeface="Times New Roman" panose="02020603050405020304" pitchFamily="18" charset="0"/>
-              </a:rPr>
-              <a:t>形状敏感度参数太小会导致忽略轨迹时空距离，太大会导致形状不起作用</a:t>
-            </a:r>
-            <a:endParaRPr lang="en-US" altLang="zh-CN" sz="1400" dirty="0">
-              <a:latin typeface="Times New Roman" panose="02020603050405020304" pitchFamily="18" charset="0"/>
-              <a:ea typeface="黑体" panose="02010609060101010101" pitchFamily="49" charset="-122"/>
-              <a:cs typeface="Times New Roman" panose="02020603050405020304" pitchFamily="18" charset="0"/>
-            </a:endParaRPr>
-          </a:p>
-        </p:txBody>
-      </p:sp>
-      <p:pic>
-        <p:nvPicPr>
-          <p:cNvPr id="21" name="图片 20"/>
-          <p:cNvPicPr>
-            <a:picLocks noChangeAspect="1"/>
-          </p:cNvPicPr>
-          <p:nvPr/>
-        </p:nvPicPr>
-        <p:blipFill>
-          <a:blip r:embed="rId5">
-            <a:extLst>
-              <a:ext uri="{28A0092B-C50C-407E-A947-70E740481C1C}">
-                <a14:useLocalDpi xmlns:a14="http://schemas.microsoft.com/office/drawing/2010/main" val="0"/>
-              </a:ext>
-            </a:extLst>
-          </a:blip>
-          <a:stretch>
-            <a:fillRect/>
-          </a:stretch>
-        </p:blipFill>
-        <p:spPr>
-          <a:xfrm>
-            <a:off x="1494208" y="4430645"/>
-            <a:ext cx="2800136" cy="2100102"/>
-          </a:xfrm>
-          <a:prstGeom prst="rect">
-            <a:avLst/>
-          </a:prstGeom>
-        </p:spPr>
-      </p:pic>
-      <p:pic>
-        <p:nvPicPr>
-          <p:cNvPr id="22" name="图片 21"/>
-          <p:cNvPicPr>
-            <a:picLocks noChangeAspect="1"/>
-          </p:cNvPicPr>
-          <p:nvPr/>
-        </p:nvPicPr>
-        <p:blipFill>
-          <a:blip r:embed="rId6">
-            <a:extLst>
-              <a:ext uri="{28A0092B-C50C-407E-A947-70E740481C1C}">
-                <a14:useLocalDpi xmlns:a14="http://schemas.microsoft.com/office/drawing/2010/main" val="0"/>
-              </a:ext>
-            </a:extLst>
-          </a:blip>
-          <a:stretch>
-            <a:fillRect/>
-          </a:stretch>
-        </p:blipFill>
-        <p:spPr>
-          <a:xfrm>
-            <a:off x="4471932" y="4382108"/>
-            <a:ext cx="2800136" cy="2100102"/>
-          </a:xfrm>
-          <a:prstGeom prst="rect">
-            <a:avLst/>
-          </a:prstGeom>
-        </p:spPr>
-      </p:pic>
-    </p:spTree>
-    <p:extLst>
-      <p:ext uri="{BB962C8B-B14F-4D97-AF65-F5344CB8AC3E}">
-        <p14:creationId xmlns:p14="http://schemas.microsoft.com/office/powerpoint/2010/main" val="599103848"/>
-      </p:ext>
-    </p:extLst>
-  </p:cSld>
-  <p:clrMapOvr>
-    <a:masterClrMapping/>
-  </p:clrMapOvr>
-  <p:timing>
-    <p:tnLst>
-      <p:par>
-        <p:cTn id="1" dur="indefinite" restart="never" nodeType="tmRoot"/>
-      </p:par>
-    </p:tnLst>
-  </p:timing>
-</p:sld>
-</file>
-
 <file path=ppt/slides/slide28.xml><?xml version="1.0" encoding="utf-8"?>
 <p:sld xmlns:a="http://schemas.openxmlformats.org/drawingml/2006/main" xmlns:r="http://schemas.openxmlformats.org/officeDocument/2006/relationships" xmlns:p="http://schemas.openxmlformats.org/presentationml/2006/main">
   <p:cSld>
@@ -25897,14 +26029,14 @@
       </p:sp>
       <p:pic>
         <p:nvPicPr>
-          <p:cNvPr id="24" name="图片 23"/>
+          <p:cNvPr id="13" name="图片 12"/>
           <p:cNvPicPr>
             <a:picLocks noChangeAspect="1"/>
           </p:cNvPicPr>
           <p:nvPr/>
         </p:nvPicPr>
         <p:blipFill>
-          <a:blip r:embed="rId3">
+          <a:blip r:embed="rId3" cstate="print">
             <a:extLst>
               <a:ext uri="{28A0092B-C50C-407E-A947-70E740481C1C}">
                 <a14:useLocalDpi xmlns:a14="http://schemas.microsoft.com/office/drawing/2010/main" val="0"/>
@@ -25917,8 +26049,8 @@
         </p:blipFill>
         <p:spPr>
           <a:xfrm>
-            <a:off x="1873478" y="1894324"/>
-            <a:ext cx="2736085" cy="2052063"/>
+            <a:off x="1494208" y="1925692"/>
+            <a:ext cx="2800136" cy="2100102"/>
           </a:xfrm>
           <a:prstGeom prst="rect">
             <a:avLst/>
@@ -25927,14 +26059,14 @@
       </p:pic>
       <p:pic>
         <p:nvPicPr>
-          <p:cNvPr id="25" name="图片 24"/>
+          <p:cNvPr id="14" name="图片 13"/>
           <p:cNvPicPr>
             <a:picLocks noChangeAspect="1"/>
           </p:cNvPicPr>
           <p:nvPr/>
         </p:nvPicPr>
         <p:blipFill>
-          <a:blip r:embed="rId4">
+          <a:blip r:embed="rId4" cstate="print">
             <a:extLst>
               <a:ext uri="{28A0092B-C50C-407E-A947-70E740481C1C}">
                 <a14:useLocalDpi xmlns:a14="http://schemas.microsoft.com/office/drawing/2010/main" val="0"/>
@@ -25947,68 +26079,8 @@
         </p:blipFill>
         <p:spPr>
           <a:xfrm>
-            <a:off x="4674005" y="1901077"/>
-            <a:ext cx="2736085" cy="2052063"/>
-          </a:xfrm>
-          <a:prstGeom prst="rect">
-            <a:avLst/>
-          </a:prstGeom>
-        </p:spPr>
-      </p:pic>
-      <p:pic>
-        <p:nvPicPr>
-          <p:cNvPr id="26" name="图片 25"/>
-          <p:cNvPicPr>
-            <a:picLocks noChangeAspect="1"/>
-          </p:cNvPicPr>
-          <p:nvPr/>
-        </p:nvPicPr>
-        <p:blipFill>
-          <a:blip r:embed="rId5">
-            <a:extLst>
-              <a:ext uri="{28A0092B-C50C-407E-A947-70E740481C1C}">
-                <a14:useLocalDpi xmlns:a14="http://schemas.microsoft.com/office/drawing/2010/main" val="0"/>
-              </a:ext>
-            </a:extLst>
-          </a:blip>
-          <a:stretch>
-            <a:fillRect/>
-          </a:stretch>
-        </p:blipFill>
-        <p:spPr>
-          <a:xfrm>
-            <a:off x="1813093" y="4489211"/>
-            <a:ext cx="2736085" cy="2052063"/>
-          </a:xfrm>
-          <a:prstGeom prst="rect">
-            <a:avLst/>
-          </a:prstGeom>
-        </p:spPr>
-      </p:pic>
-      <p:pic>
-        <p:nvPicPr>
-          <p:cNvPr id="27" name="图片 26"/>
-          <p:cNvPicPr>
-            <a:picLocks noChangeAspect="1"/>
-          </p:cNvPicPr>
-          <p:nvPr/>
-        </p:nvPicPr>
-        <p:blipFill>
-          <a:blip r:embed="rId6">
-            <a:extLst>
-              <a:ext uri="{28A0092B-C50C-407E-A947-70E740481C1C}">
-                <a14:useLocalDpi xmlns:a14="http://schemas.microsoft.com/office/drawing/2010/main" val="0"/>
-              </a:ext>
-            </a:extLst>
-          </a:blip>
-          <a:stretch>
-            <a:fillRect/>
-          </a:stretch>
-        </p:blipFill>
-        <p:spPr>
-          <a:xfrm>
-            <a:off x="4674005" y="4489211"/>
-            <a:ext cx="2736085" cy="2052063"/>
+            <a:off x="4471932" y="1920552"/>
+            <a:ext cx="2800136" cy="2100102"/>
           </a:xfrm>
           <a:prstGeom prst="rect">
             <a:avLst/>
@@ -26017,7 +26089,7 @@
       </p:pic>
       <p:sp>
         <p:nvSpPr>
-          <p:cNvPr id="28" name="文本框 10"/>
+          <p:cNvPr id="16" name="文本框 10"/>
           <p:cNvSpPr txBox="1">
             <a:spLocks noChangeArrowheads="1"/>
           </p:cNvSpPr>
@@ -26227,7 +26299,7 @@
       </p:sp>
       <p:sp>
         <p:nvSpPr>
-          <p:cNvPr id="29" name="文本框 29"/>
+          <p:cNvPr id="17" name="文本框 29"/>
           <p:cNvSpPr txBox="1">
             <a:spLocks noChangeArrowheads="1"/>
           </p:cNvSpPr>
@@ -26235,8 +26307,8 @@
         </p:nvSpPr>
         <p:spPr bwMode="auto">
           <a:xfrm>
-            <a:off x="382688" y="1559098"/>
-            <a:ext cx="7027401" cy="307777"/>
+            <a:off x="382689" y="1559098"/>
+            <a:ext cx="6337288" cy="307777"/>
           </a:xfrm>
           <a:prstGeom prst="rect">
             <a:avLst/>
@@ -26383,31 +26455,15 @@
                 <a:ea typeface="黑体" panose="02010609060101010101" pitchFamily="49" charset="-122"/>
                 <a:cs typeface="Times New Roman" panose="02020603050405020304" pitchFamily="18" charset="0"/>
               </a:rPr>
-              <a:t>有效子轨迹</a:t>
-            </a:r>
-            <a:r>
-              <a:rPr lang="zh-CN" altLang="zh-CN" sz="1400" dirty="0" smtClean="0">
+              <a:t>断点阈值越大，</a:t>
+            </a:r>
+            <a:r>
+              <a:rPr lang="zh-CN" altLang="en-US" sz="1400" dirty="0">
                 <a:latin typeface="Times New Roman" panose="02020603050405020304" pitchFamily="18" charset="0"/>
                 <a:ea typeface="黑体" panose="02010609060101010101" pitchFamily="49" charset="-122"/>
                 <a:cs typeface="Times New Roman" panose="02020603050405020304" pitchFamily="18" charset="0"/>
               </a:rPr>
-              <a:t>长度</a:t>
-            </a:r>
-            <a:r>
-              <a:rPr lang="zh-CN" altLang="zh-CN" sz="1400" dirty="0">
-                <a:latin typeface="Times New Roman" panose="02020603050405020304" pitchFamily="18" charset="0"/>
-                <a:ea typeface="黑体" panose="02010609060101010101" pitchFamily="49" charset="-122"/>
-                <a:cs typeface="Times New Roman" panose="02020603050405020304" pitchFamily="18" charset="0"/>
-              </a:rPr>
-              <a:t>限制</a:t>
-            </a:r>
-            <a:r>
-              <a:rPr lang="zh-CN" altLang="zh-CN" sz="1400" dirty="0" smtClean="0">
-                <a:latin typeface="Times New Roman" panose="02020603050405020304" pitchFamily="18" charset="0"/>
-                <a:ea typeface="黑体" panose="02010609060101010101" pitchFamily="49" charset="-122"/>
-                <a:cs typeface="Times New Roman" panose="02020603050405020304" pitchFamily="18" charset="0"/>
-              </a:rPr>
-              <a:t>参数</a:t>
+              <a:t>轨迹段</a:t>
             </a:r>
             <a:r>
               <a:rPr lang="zh-CN" altLang="en-US" sz="1400" dirty="0" smtClean="0">
@@ -26415,7 +26471,23 @@
                 <a:ea typeface="黑体" panose="02010609060101010101" pitchFamily="49" charset="-122"/>
                 <a:cs typeface="Times New Roman" panose="02020603050405020304" pitchFamily="18" charset="0"/>
               </a:rPr>
-              <a:t>太小或太大会导致有效子轨迹查找不准确，降低查准率</a:t>
+              <a:t>粒度</a:t>
+            </a:r>
+            <a:r>
+              <a:rPr lang="zh-CN" altLang="en-US" sz="1400" dirty="0">
+                <a:latin typeface="Times New Roman" panose="02020603050405020304" pitchFamily="18" charset="0"/>
+                <a:ea typeface="黑体" panose="02010609060101010101" pitchFamily="49" charset="-122"/>
+                <a:cs typeface="Times New Roman" panose="02020603050405020304" pitchFamily="18" charset="0"/>
+              </a:rPr>
+              <a:t>增大，断点的作用越小，查准率</a:t>
+            </a:r>
+            <a:r>
+              <a:rPr lang="zh-CN" altLang="en-US" sz="1400" dirty="0" smtClean="0">
+                <a:latin typeface="Times New Roman" panose="02020603050405020304" pitchFamily="18" charset="0"/>
+                <a:ea typeface="黑体" panose="02010609060101010101" pitchFamily="49" charset="-122"/>
+                <a:cs typeface="Times New Roman" panose="02020603050405020304" pitchFamily="18" charset="0"/>
+              </a:rPr>
+              <a:t>越低</a:t>
             </a:r>
             <a:endParaRPr lang="en-US" altLang="zh-CN" sz="1400" dirty="0">
               <a:latin typeface="Times New Roman" panose="02020603050405020304" pitchFamily="18" charset="0"/>
@@ -26427,7 +26499,7 @@
       </p:sp>
       <p:sp>
         <p:nvSpPr>
-          <p:cNvPr id="30" name="文本框 29"/>
+          <p:cNvPr id="20" name="文本框 29"/>
           <p:cNvSpPr txBox="1">
             <a:spLocks noChangeArrowheads="1"/>
           </p:cNvSpPr>
@@ -26584,7 +26656,7 @@
                 <a:ea typeface="黑体" panose="02010609060101010101" pitchFamily="49" charset="-122"/>
                 <a:cs typeface="Times New Roman" panose="02020603050405020304" pitchFamily="18" charset="0"/>
               </a:rPr>
-              <a:t>轨迹距离阈值太小导致查全率较低，过大导致查准率较低</a:t>
+              <a:t>形状敏感度参数太小会导致忽略轨迹时空距离，太大会导致形状不起作用</a:t>
             </a:r>
             <a:endParaRPr lang="en-US" altLang="zh-CN" sz="1400" dirty="0">
               <a:latin typeface="Times New Roman" panose="02020603050405020304" pitchFamily="18" charset="0"/>
@@ -26594,10 +26666,70 @@
           </a:p>
         </p:txBody>
       </p:sp>
+      <p:pic>
+        <p:nvPicPr>
+          <p:cNvPr id="21" name="图片 20"/>
+          <p:cNvPicPr>
+            <a:picLocks noChangeAspect="1"/>
+          </p:cNvPicPr>
+          <p:nvPr/>
+        </p:nvPicPr>
+        <p:blipFill>
+          <a:blip r:embed="rId5">
+            <a:extLst>
+              <a:ext uri="{28A0092B-C50C-407E-A947-70E740481C1C}">
+                <a14:useLocalDpi xmlns:a14="http://schemas.microsoft.com/office/drawing/2010/main" val="0"/>
+              </a:ext>
+            </a:extLst>
+          </a:blip>
+          <a:stretch>
+            <a:fillRect/>
+          </a:stretch>
+        </p:blipFill>
+        <p:spPr>
+          <a:xfrm>
+            <a:off x="1494208" y="4430645"/>
+            <a:ext cx="2800136" cy="2100102"/>
+          </a:xfrm>
+          <a:prstGeom prst="rect">
+            <a:avLst/>
+          </a:prstGeom>
+        </p:spPr>
+      </p:pic>
+      <p:pic>
+        <p:nvPicPr>
+          <p:cNvPr id="22" name="图片 21"/>
+          <p:cNvPicPr>
+            <a:picLocks noChangeAspect="1"/>
+          </p:cNvPicPr>
+          <p:nvPr/>
+        </p:nvPicPr>
+        <p:blipFill>
+          <a:blip r:embed="rId6">
+            <a:extLst>
+              <a:ext uri="{28A0092B-C50C-407E-A947-70E740481C1C}">
+                <a14:useLocalDpi xmlns:a14="http://schemas.microsoft.com/office/drawing/2010/main" val="0"/>
+              </a:ext>
+            </a:extLst>
+          </a:blip>
+          <a:stretch>
+            <a:fillRect/>
+          </a:stretch>
+        </p:blipFill>
+        <p:spPr>
+          <a:xfrm>
+            <a:off x="4471932" y="4382108"/>
+            <a:ext cx="2800136" cy="2100102"/>
+          </a:xfrm>
+          <a:prstGeom prst="rect">
+            <a:avLst/>
+          </a:prstGeom>
+        </p:spPr>
+      </p:pic>
     </p:spTree>
     <p:extLst>
       <p:ext uri="{BB962C8B-B14F-4D97-AF65-F5344CB8AC3E}">
-        <p14:creationId xmlns:p14="http://schemas.microsoft.com/office/powerpoint/2010/main" val="4049355886"/>
+        <p14:creationId xmlns:p14="http://schemas.microsoft.com/office/powerpoint/2010/main" val="599103848"/>
       </p:ext>
     </p:extLst>
   </p:cSld>
@@ -26856,169 +26988,134 @@
                 <a:ea typeface="黑体" panose="02010609060101010101" pitchFamily="49" charset="-122"/>
                 <a:cs typeface="Times New Roman" panose="02020603050405020304" pitchFamily="18" charset="0"/>
               </a:rPr>
-              <a:t>查询轨迹长度的影响</a:t>
+              <a:t>参数的影响</a:t>
             </a:r>
           </a:p>
         </p:txBody>
       </p:sp>
-      <p:sp>
-        <p:nvSpPr>
-          <p:cNvPr id="10" name="文本框 9"/>
-          <p:cNvSpPr txBox="1"/>
+      <p:pic>
+        <p:nvPicPr>
+          <p:cNvPr id="24" name="图片 23"/>
+          <p:cNvPicPr>
+            <a:picLocks noChangeAspect="1"/>
+          </p:cNvPicPr>
           <p:nvPr/>
-        </p:nvSpPr>
+        </p:nvPicPr>
+        <p:blipFill>
+          <a:blip r:embed="rId3">
+            <a:extLst>
+              <a:ext uri="{28A0092B-C50C-407E-A947-70E740481C1C}">
+                <a14:useLocalDpi xmlns:a14="http://schemas.microsoft.com/office/drawing/2010/main" val="0"/>
+              </a:ext>
+            </a:extLst>
+          </a:blip>
+          <a:stretch>
+            <a:fillRect/>
+          </a:stretch>
+        </p:blipFill>
         <p:spPr>
           <a:xfrm>
-            <a:off x="628650" y="1238250"/>
-            <a:ext cx="7600950" cy="923330"/>
+            <a:off x="1873478" y="1894324"/>
+            <a:ext cx="2736085" cy="2052063"/>
           </a:xfrm>
           <a:prstGeom prst="rect">
             <a:avLst/>
           </a:prstGeom>
-          <a:noFill/>
         </p:spPr>
-        <p:txBody>
-          <a:bodyPr wrap="square" rtlCol="0">
-            <a:spAutoFit/>
-          </a:bodyPr>
-          <a:lstStyle/>
-          <a:p>
-            <a:r>
-              <a:rPr lang="zh-CN" altLang="en-US" dirty="0" smtClean="0"/>
-              <a:t>参与比较的算法：</a:t>
-            </a:r>
-            <a:r>
-              <a:rPr lang="en-US" altLang="zh-CN" dirty="0" smtClean="0"/>
-              <a:t>DTW</a:t>
-            </a:r>
-            <a:r>
-              <a:rPr lang="zh-CN" altLang="en-US" dirty="0" smtClean="0"/>
-              <a:t>、</a:t>
-            </a:r>
-            <a:r>
-              <a:rPr lang="en-US" altLang="zh-CN" dirty="0" smtClean="0"/>
-              <a:t>SDTW</a:t>
-            </a:r>
-            <a:r>
-              <a:rPr lang="zh-CN" altLang="en-US" dirty="0" smtClean="0"/>
-              <a:t>、</a:t>
-            </a:r>
-            <a:r>
-              <a:rPr lang="en-US" altLang="zh-CN" dirty="0" smtClean="0"/>
-              <a:t>PTM</a:t>
-            </a:r>
-            <a:r>
-              <a:rPr lang="zh-CN" altLang="en-US" dirty="0" smtClean="0"/>
-              <a:t>、</a:t>
-            </a:r>
-            <a:r>
-              <a:rPr lang="en-US" altLang="zh-CN" dirty="0" smtClean="0">
-                <a:solidFill>
-                  <a:schemeClr val="accent1"/>
-                </a:solidFill>
-              </a:rPr>
-              <a:t>STS</a:t>
-            </a:r>
-          </a:p>
-          <a:p>
-            <a:r>
-              <a:rPr lang="zh-CN" altLang="en-US" dirty="0" smtClean="0"/>
-              <a:t>变量为不同的查询轨迹的长度，通过调节算法参数，使用获得的</a:t>
-            </a:r>
-            <a:r>
-              <a:rPr lang="zh-CN" altLang="zh-CN" dirty="0" smtClean="0"/>
-              <a:t>最大</a:t>
-            </a:r>
-            <a:r>
-              <a:rPr lang="zh-CN" altLang="zh-CN" dirty="0"/>
-              <a:t>的查准率</a:t>
-            </a:r>
-            <a:r>
-              <a:rPr lang="zh-CN" altLang="zh-CN" dirty="0" smtClean="0"/>
-              <a:t>作为算法效果</a:t>
-            </a:r>
-            <a:endParaRPr lang="en-US" altLang="zh-CN" dirty="0" smtClean="0"/>
-          </a:p>
-        </p:txBody>
-      </p:sp>
-      <p:grpSp>
-        <p:nvGrpSpPr>
-          <p:cNvPr id="17" name="组合 16"/>
-          <p:cNvGrpSpPr/>
+      </p:pic>
+      <p:pic>
+        <p:nvPicPr>
+          <p:cNvPr id="25" name="图片 24"/>
+          <p:cNvPicPr>
+            <a:picLocks noChangeAspect="1"/>
+          </p:cNvPicPr>
           <p:nvPr/>
-        </p:nvGrpSpPr>
-        <p:grpSpPr>
+        </p:nvPicPr>
+        <p:blipFill>
+          <a:blip r:embed="rId4">
+            <a:extLst>
+              <a:ext uri="{28A0092B-C50C-407E-A947-70E740481C1C}">
+                <a14:useLocalDpi xmlns:a14="http://schemas.microsoft.com/office/drawing/2010/main" val="0"/>
+              </a:ext>
+            </a:extLst>
+          </a:blip>
+          <a:stretch>
+            <a:fillRect/>
+          </a:stretch>
+        </p:blipFill>
+        <p:spPr>
           <a:xfrm>
-            <a:off x="628650" y="2278705"/>
-            <a:ext cx="7456833" cy="2762941"/>
-            <a:chOff x="628650" y="2531831"/>
-            <a:chExt cx="7456833" cy="2762941"/>
+            <a:off x="4674005" y="1901077"/>
+            <a:ext cx="2736085" cy="2052063"/>
           </a:xfrm>
-        </p:grpSpPr>
-        <p:pic>
-          <p:nvPicPr>
-            <p:cNvPr id="13" name="图片 12"/>
-            <p:cNvPicPr>
-              <a:picLocks noChangeAspect="1"/>
-            </p:cNvPicPr>
-            <p:nvPr/>
-          </p:nvPicPr>
-          <p:blipFill>
-            <a:blip r:embed="rId3">
-              <a:extLst>
-                <a:ext uri="{28A0092B-C50C-407E-A947-70E740481C1C}">
-                  <a14:useLocalDpi xmlns:a14="http://schemas.microsoft.com/office/drawing/2010/main" val="0"/>
-                </a:ext>
-              </a:extLst>
-            </a:blip>
-            <a:stretch>
-              <a:fillRect/>
-            </a:stretch>
-          </p:blipFill>
-          <p:spPr>
-            <a:xfrm>
-              <a:off x="628650" y="2531831"/>
-              <a:ext cx="3683921" cy="2762941"/>
-            </a:xfrm>
-            <a:prstGeom prst="rect">
-              <a:avLst/>
-            </a:prstGeom>
-          </p:spPr>
-        </p:pic>
-        <p:pic>
-          <p:nvPicPr>
-            <p:cNvPr id="14" name="图片 13"/>
-            <p:cNvPicPr>
-              <a:picLocks noChangeAspect="1"/>
-            </p:cNvPicPr>
-            <p:nvPr/>
-          </p:nvPicPr>
-          <p:blipFill>
-            <a:blip r:embed="rId4">
-              <a:extLst>
-                <a:ext uri="{28A0092B-C50C-407E-A947-70E740481C1C}">
-                  <a14:useLocalDpi xmlns:a14="http://schemas.microsoft.com/office/drawing/2010/main" val="0"/>
-                </a:ext>
-              </a:extLst>
-            </a:blip>
-            <a:stretch>
-              <a:fillRect/>
-            </a:stretch>
-          </p:blipFill>
-          <p:spPr>
-            <a:xfrm>
-              <a:off x="4401562" y="2531831"/>
-              <a:ext cx="3683921" cy="2762941"/>
-            </a:xfrm>
-            <a:prstGeom prst="rect">
-              <a:avLst/>
-            </a:prstGeom>
-          </p:spPr>
-        </p:pic>
-      </p:grpSp>
+          <a:prstGeom prst="rect">
+            <a:avLst/>
+          </a:prstGeom>
+        </p:spPr>
+      </p:pic>
+      <p:pic>
+        <p:nvPicPr>
+          <p:cNvPr id="26" name="图片 25"/>
+          <p:cNvPicPr>
+            <a:picLocks noChangeAspect="1"/>
+          </p:cNvPicPr>
+          <p:nvPr/>
+        </p:nvPicPr>
+        <p:blipFill>
+          <a:blip r:embed="rId5">
+            <a:extLst>
+              <a:ext uri="{28A0092B-C50C-407E-A947-70E740481C1C}">
+                <a14:useLocalDpi xmlns:a14="http://schemas.microsoft.com/office/drawing/2010/main" val="0"/>
+              </a:ext>
+            </a:extLst>
+          </a:blip>
+          <a:stretch>
+            <a:fillRect/>
+          </a:stretch>
+        </p:blipFill>
+        <p:spPr>
+          <a:xfrm>
+            <a:off x="1813093" y="4489211"/>
+            <a:ext cx="2736085" cy="2052063"/>
+          </a:xfrm>
+          <a:prstGeom prst="rect">
+            <a:avLst/>
+          </a:prstGeom>
+        </p:spPr>
+      </p:pic>
+      <p:pic>
+        <p:nvPicPr>
+          <p:cNvPr id="27" name="图片 26"/>
+          <p:cNvPicPr>
+            <a:picLocks noChangeAspect="1"/>
+          </p:cNvPicPr>
+          <p:nvPr/>
+        </p:nvPicPr>
+        <p:blipFill>
+          <a:blip r:embed="rId6">
+            <a:extLst>
+              <a:ext uri="{28A0092B-C50C-407E-A947-70E740481C1C}">
+                <a14:useLocalDpi xmlns:a14="http://schemas.microsoft.com/office/drawing/2010/main" val="0"/>
+              </a:ext>
+            </a:extLst>
+          </a:blip>
+          <a:stretch>
+            <a:fillRect/>
+          </a:stretch>
+        </p:blipFill>
+        <p:spPr>
+          <a:xfrm>
+            <a:off x="4674005" y="4489211"/>
+            <a:ext cx="2736085" cy="2052063"/>
+          </a:xfrm>
+          <a:prstGeom prst="rect">
+            <a:avLst/>
+          </a:prstGeom>
+        </p:spPr>
+      </p:pic>
       <p:sp>
         <p:nvSpPr>
-          <p:cNvPr id="15" name="TextBox 40"/>
+          <p:cNvPr id="28" name="文本框 10"/>
           <p:cNvSpPr txBox="1">
             <a:spLocks noChangeArrowheads="1"/>
           </p:cNvSpPr>
@@ -27026,24 +27123,35 @@
         </p:nvSpPr>
         <p:spPr bwMode="auto">
           <a:xfrm>
-            <a:off x="708444" y="5207472"/>
-            <a:ext cx="7324725" cy="1200329"/>
+            <a:off x="382689" y="1181344"/>
+            <a:ext cx="4299086" cy="307777"/>
           </a:xfrm>
           <a:prstGeom prst="rect">
             <a:avLst/>
           </a:prstGeom>
-          <a:solidFill>
-            <a:schemeClr val="accent6">
-              <a:lumMod val="20000"/>
-              <a:lumOff val="80000"/>
-            </a:schemeClr>
-          </a:solidFill>
-          <a:ln w="22225">
-            <a:solidFill>
-              <a:srgbClr val="5E5EAF"/>
-            </a:solidFill>
-            <a:miter lim="800000"/>
+          <a:noFill/>
+          <a:ln>
+            <a:noFill/>
           </a:ln>
+          <a:extLst>
+            <a:ext uri="{909E8E84-426E-40DD-AFC4-6F175D3DCCD1}">
+              <a14:hiddenFill xmlns:a14="http://schemas.microsoft.com/office/drawing/2010/main">
+                <a:solidFill>
+                  <a:srgbClr val="FFFFFF"/>
+                </a:solidFill>
+              </a14:hiddenFill>
+            </a:ext>
+            <a:ext uri="{91240B29-F687-4F45-9708-019B960494DF}">
+              <a14:hiddenLine xmlns:a14="http://schemas.microsoft.com/office/drawing/2010/main" w="9525">
+                <a:solidFill>
+                  <a:srgbClr val="000000"/>
+                </a:solidFill>
+                <a:miter lim="800000"/>
+                <a:headEnd/>
+                <a:tailEnd/>
+              </a14:hiddenLine>
+            </a:ext>
+          </a:extLst>
         </p:spPr>
         <p:txBody>
           <a:bodyPr>
@@ -27055,258 +27163,531 @@
                 <a:solidFill>
                   <a:schemeClr val="tx1"/>
                 </a:solidFill>
-                <a:latin typeface="Tahoma" panose="020B0604030504040204" pitchFamily="34" charset="0"/>
-                <a:ea typeface="PMingLiU" panose="02020500000000000000" pitchFamily="18" charset="-120"/>
+                <a:latin typeface="Calibri" panose="020F0502020204030204" pitchFamily="34" charset="0"/>
+                <a:ea typeface="宋体" panose="02010600030101010101" pitchFamily="2" charset="-122"/>
               </a:defRPr>
             </a:lvl1pPr>
-            <a:lvl2pPr>
+            <a:lvl2pPr marL="742950" indent="-285750">
               <a:defRPr>
                 <a:solidFill>
                   <a:schemeClr val="tx1"/>
                 </a:solidFill>
-                <a:latin typeface="Tahoma" panose="020B0604030504040204" pitchFamily="34" charset="0"/>
-                <a:ea typeface="PMingLiU" panose="02020500000000000000" pitchFamily="18" charset="-120"/>
+                <a:latin typeface="Calibri" panose="020F0502020204030204" pitchFamily="34" charset="0"/>
+                <a:ea typeface="宋体" panose="02010600030101010101" pitchFamily="2" charset="-122"/>
               </a:defRPr>
             </a:lvl2pPr>
-            <a:lvl3pPr>
+            <a:lvl3pPr marL="1143000" indent="-228600">
               <a:defRPr>
                 <a:solidFill>
                   <a:schemeClr val="tx1"/>
                 </a:solidFill>
-                <a:latin typeface="Tahoma" panose="020B0604030504040204" pitchFamily="34" charset="0"/>
-                <a:ea typeface="PMingLiU" panose="02020500000000000000" pitchFamily="18" charset="-120"/>
+                <a:latin typeface="Calibri" panose="020F0502020204030204" pitchFamily="34" charset="0"/>
+                <a:ea typeface="宋体" panose="02010600030101010101" pitchFamily="2" charset="-122"/>
               </a:defRPr>
             </a:lvl3pPr>
-            <a:lvl4pPr>
+            <a:lvl4pPr marL="1600200" indent="-228600">
               <a:defRPr>
                 <a:solidFill>
                   <a:schemeClr val="tx1"/>
                 </a:solidFill>
-                <a:latin typeface="Tahoma" panose="020B0604030504040204" pitchFamily="34" charset="0"/>
-                <a:ea typeface="PMingLiU" panose="02020500000000000000" pitchFamily="18" charset="-120"/>
+                <a:latin typeface="Calibri" panose="020F0502020204030204" pitchFamily="34" charset="0"/>
+                <a:ea typeface="宋体" panose="02010600030101010101" pitchFamily="2" charset="-122"/>
               </a:defRPr>
             </a:lvl4pPr>
-            <a:lvl5pPr>
+            <a:lvl5pPr marL="2057400" indent="-228600">
               <a:defRPr>
                 <a:solidFill>
                   <a:schemeClr val="tx1"/>
                 </a:solidFill>
-                <a:latin typeface="Tahoma" panose="020B0604030504040204" pitchFamily="34" charset="0"/>
-                <a:ea typeface="PMingLiU" panose="02020500000000000000" pitchFamily="18" charset="-120"/>
+                <a:latin typeface="Calibri" panose="020F0502020204030204" pitchFamily="34" charset="0"/>
+                <a:ea typeface="宋体" panose="02010600030101010101" pitchFamily="2" charset="-122"/>
               </a:defRPr>
             </a:lvl5pPr>
-            <a:lvl6pPr fontAlgn="base">
+            <a:lvl6pPr marL="2514600" indent="-228600" fontAlgn="base">
               <a:spcBef>
                 <a:spcPct val="0"/>
               </a:spcBef>
               <a:spcAft>
                 <a:spcPct val="0"/>
               </a:spcAft>
-              <a:buFont typeface="Arial" panose="020B0604020202020204" pitchFamily="34" charset="0"/>
               <a:defRPr>
                 <a:solidFill>
                   <a:schemeClr val="tx1"/>
                 </a:solidFill>
-                <a:latin typeface="Tahoma" panose="020B0604030504040204" pitchFamily="34" charset="0"/>
-                <a:ea typeface="PMingLiU" panose="02020500000000000000" pitchFamily="18" charset="-120"/>
+                <a:latin typeface="Calibri" panose="020F0502020204030204" pitchFamily="34" charset="0"/>
+                <a:ea typeface="宋体" panose="02010600030101010101" pitchFamily="2" charset="-122"/>
               </a:defRPr>
             </a:lvl6pPr>
-            <a:lvl7pPr fontAlgn="base">
+            <a:lvl7pPr marL="2971800" indent="-228600" fontAlgn="base">
               <a:spcBef>
                 <a:spcPct val="0"/>
               </a:spcBef>
               <a:spcAft>
                 <a:spcPct val="0"/>
               </a:spcAft>
-              <a:buFont typeface="Arial" panose="020B0604020202020204" pitchFamily="34" charset="0"/>
               <a:defRPr>
                 <a:solidFill>
                   <a:schemeClr val="tx1"/>
                 </a:solidFill>
-                <a:latin typeface="Tahoma" panose="020B0604030504040204" pitchFamily="34" charset="0"/>
-                <a:ea typeface="PMingLiU" panose="02020500000000000000" pitchFamily="18" charset="-120"/>
+                <a:latin typeface="Calibri" panose="020F0502020204030204" pitchFamily="34" charset="0"/>
+                <a:ea typeface="宋体" panose="02010600030101010101" pitchFamily="2" charset="-122"/>
               </a:defRPr>
             </a:lvl7pPr>
-            <a:lvl8pPr fontAlgn="base">
+            <a:lvl8pPr marL="3429000" indent="-228600" fontAlgn="base">
               <a:spcBef>
                 <a:spcPct val="0"/>
               </a:spcBef>
               <a:spcAft>
                 <a:spcPct val="0"/>
               </a:spcAft>
-              <a:buFont typeface="Arial" panose="020B0604020202020204" pitchFamily="34" charset="0"/>
               <a:defRPr>
                 <a:solidFill>
                   <a:schemeClr val="tx1"/>
                 </a:solidFill>
-                <a:latin typeface="Tahoma" panose="020B0604030504040204" pitchFamily="34" charset="0"/>
-                <a:ea typeface="PMingLiU" panose="02020500000000000000" pitchFamily="18" charset="-120"/>
+                <a:latin typeface="Calibri" panose="020F0502020204030204" pitchFamily="34" charset="0"/>
+                <a:ea typeface="宋体" panose="02010600030101010101" pitchFamily="2" charset="-122"/>
               </a:defRPr>
             </a:lvl8pPr>
-            <a:lvl9pPr fontAlgn="base">
+            <a:lvl9pPr marL="3886200" indent="-228600" fontAlgn="base">
               <a:spcBef>
                 <a:spcPct val="0"/>
               </a:spcBef>
               <a:spcAft>
                 <a:spcPct val="0"/>
               </a:spcAft>
-              <a:buFont typeface="Arial" panose="020B0604020202020204" pitchFamily="34" charset="0"/>
               <a:defRPr>
                 <a:solidFill>
                   <a:schemeClr val="tx1"/>
                 </a:solidFill>
-                <a:latin typeface="Tahoma" panose="020B0604030504040204" pitchFamily="34" charset="0"/>
-                <a:ea typeface="PMingLiU" panose="02020500000000000000" pitchFamily="18" charset="-120"/>
+                <a:latin typeface="Calibri" panose="020F0502020204030204" pitchFamily="34" charset="0"/>
+                <a:ea typeface="宋体" panose="02010600030101010101" pitchFamily="2" charset="-122"/>
               </a:defRPr>
             </a:lvl9pPr>
           </a:lstStyle>
           <a:p>
             <a:r>
-              <a:rPr lang="zh-CN" altLang="en-US" dirty="0" smtClean="0">
+              <a:rPr lang="zh-CN" altLang="en-US" sz="1400" dirty="0" smtClean="0">
+                <a:latin typeface="Times New Roman" panose="02020603050405020304" pitchFamily="18" charset="0"/>
+                <a:ea typeface="黑体" panose="02010609060101010101" pitchFamily="49" charset="-122"/>
+                <a:cs typeface="Times New Roman" panose="02020603050405020304" pitchFamily="18" charset="0"/>
+              </a:rPr>
+              <a:t>轨迹</a:t>
+            </a:r>
+            <a:r>
+              <a:rPr lang="zh-CN" altLang="en-US" sz="1400" dirty="0">
+                <a:latin typeface="Times New Roman" panose="02020603050405020304" pitchFamily="18" charset="0"/>
+                <a:ea typeface="黑体" panose="02010609060101010101" pitchFamily="49" charset="-122"/>
+                <a:cs typeface="Times New Roman" panose="02020603050405020304" pitchFamily="18" charset="0"/>
+              </a:rPr>
+              <a:t>数据集分别</a:t>
+            </a:r>
+            <a:r>
+              <a:rPr lang="zh-CN" altLang="en-US" sz="1400" dirty="0" smtClean="0">
+                <a:latin typeface="Times New Roman" panose="02020603050405020304" pitchFamily="18" charset="0"/>
+                <a:ea typeface="黑体" panose="02010609060101010101" pitchFamily="49" charset="-122"/>
+                <a:cs typeface="Times New Roman" panose="02020603050405020304" pitchFamily="18" charset="0"/>
+              </a:rPr>
+              <a:t>是</a:t>
+            </a:r>
+            <a:r>
+              <a:rPr lang="en-US" altLang="zh-CN" sz="1400" dirty="0" smtClean="0">
+                <a:solidFill>
+                  <a:schemeClr val="dk1"/>
+                </a:solidFill>
                 <a:latin typeface="黑体" panose="02010609060101010101" pitchFamily="49" charset="-122"/>
                 <a:ea typeface="黑体" panose="02010609060101010101" pitchFamily="49" charset="-122"/>
               </a:rPr>
-              <a:t>结论：</a:t>
-            </a:r>
-            <a:endParaRPr lang="en-US" altLang="zh-CN" dirty="0" smtClean="0">
-              <a:latin typeface="黑体" panose="02010609060101010101" pitchFamily="49" charset="-122"/>
+              <a:t>GL</a:t>
+            </a:r>
+            <a:r>
+              <a:rPr lang="zh-CN" altLang="en-US" sz="1400" dirty="0" smtClean="0">
+                <a:latin typeface="Times New Roman" panose="02020603050405020304" pitchFamily="18" charset="0"/>
+                <a:ea typeface="黑体" panose="02010609060101010101" pitchFamily="49" charset="-122"/>
+                <a:cs typeface="Times New Roman" panose="02020603050405020304" pitchFamily="18" charset="0"/>
+              </a:rPr>
+              <a:t>和</a:t>
+            </a:r>
+            <a:r>
+              <a:rPr lang="en-US" altLang="zh-CN" sz="1400" dirty="0" smtClean="0">
+                <a:latin typeface="Times New Roman" panose="02020603050405020304" pitchFamily="18" charset="0"/>
+                <a:ea typeface="黑体" panose="02010609060101010101" pitchFamily="49" charset="-122"/>
+                <a:cs typeface="Times New Roman" panose="02020603050405020304" pitchFamily="18" charset="0"/>
+              </a:rPr>
+              <a:t>NARN</a:t>
+            </a:r>
+            <a:endParaRPr lang="zh-CN" altLang="en-US" sz="1400" dirty="0">
+              <a:latin typeface="Times New Roman" panose="02020603050405020304" pitchFamily="18" charset="0"/>
               <a:ea typeface="黑体" panose="02010609060101010101" pitchFamily="49" charset="-122"/>
+              <a:cs typeface="Times New Roman" panose="02020603050405020304" pitchFamily="18" charset="0"/>
             </a:endParaRPr>
           </a:p>
+        </p:txBody>
+      </p:sp>
+      <p:sp>
+        <p:nvSpPr>
+          <p:cNvPr id="29" name="文本框 29"/>
+          <p:cNvSpPr txBox="1">
+            <a:spLocks noChangeArrowheads="1"/>
+          </p:cNvSpPr>
+          <p:nvPr/>
+        </p:nvSpPr>
+        <p:spPr bwMode="auto">
+          <a:xfrm>
+            <a:off x="382688" y="1559098"/>
+            <a:ext cx="7027401" cy="307777"/>
+          </a:xfrm>
+          <a:prstGeom prst="rect">
+            <a:avLst/>
+          </a:prstGeom>
+          <a:noFill/>
+          <a:ln>
+            <a:noFill/>
+          </a:ln>
+          <a:extLst>
+            <a:ext uri="{909E8E84-426E-40DD-AFC4-6F175D3DCCD1}">
+              <a14:hiddenFill xmlns:a14="http://schemas.microsoft.com/office/drawing/2010/main">
+                <a:solidFill>
+                  <a:srgbClr val="FFFFFF"/>
+                </a:solidFill>
+              </a14:hiddenFill>
+            </a:ext>
+            <a:ext uri="{91240B29-F687-4F45-9708-019B960494DF}">
+              <a14:hiddenLine xmlns:a14="http://schemas.microsoft.com/office/drawing/2010/main" w="9525">
+                <a:solidFill>
+                  <a:srgbClr val="000000"/>
+                </a:solidFill>
+                <a:miter lim="800000"/>
+                <a:headEnd/>
+                <a:tailEnd/>
+              </a14:hiddenLine>
+            </a:ext>
+          </a:extLst>
+        </p:spPr>
+        <p:txBody>
+          <a:bodyPr wrap="square">
+            <a:spAutoFit/>
+          </a:bodyPr>
+          <a:lstStyle>
+            <a:lvl1pPr>
+              <a:defRPr>
+                <a:solidFill>
+                  <a:schemeClr val="tx1"/>
+                </a:solidFill>
+                <a:latin typeface="Calibri" panose="020F0502020204030204" pitchFamily="34" charset="0"/>
+                <a:ea typeface="宋体" panose="02010600030101010101" pitchFamily="2" charset="-122"/>
+              </a:defRPr>
+            </a:lvl1pPr>
+            <a:lvl2pPr marL="742950" indent="-285750">
+              <a:defRPr>
+                <a:solidFill>
+                  <a:schemeClr val="tx1"/>
+                </a:solidFill>
+                <a:latin typeface="Calibri" panose="020F0502020204030204" pitchFamily="34" charset="0"/>
+                <a:ea typeface="宋体" panose="02010600030101010101" pitchFamily="2" charset="-122"/>
+              </a:defRPr>
+            </a:lvl2pPr>
+            <a:lvl3pPr marL="1143000" indent="-228600">
+              <a:defRPr>
+                <a:solidFill>
+                  <a:schemeClr val="tx1"/>
+                </a:solidFill>
+                <a:latin typeface="Calibri" panose="020F0502020204030204" pitchFamily="34" charset="0"/>
+                <a:ea typeface="宋体" panose="02010600030101010101" pitchFamily="2" charset="-122"/>
+              </a:defRPr>
+            </a:lvl3pPr>
+            <a:lvl4pPr marL="1600200" indent="-228600">
+              <a:defRPr>
+                <a:solidFill>
+                  <a:schemeClr val="tx1"/>
+                </a:solidFill>
+                <a:latin typeface="Calibri" panose="020F0502020204030204" pitchFamily="34" charset="0"/>
+                <a:ea typeface="宋体" panose="02010600030101010101" pitchFamily="2" charset="-122"/>
+              </a:defRPr>
+            </a:lvl4pPr>
+            <a:lvl5pPr marL="2057400" indent="-228600">
+              <a:defRPr>
+                <a:solidFill>
+                  <a:schemeClr val="tx1"/>
+                </a:solidFill>
+                <a:latin typeface="Calibri" panose="020F0502020204030204" pitchFamily="34" charset="0"/>
+                <a:ea typeface="宋体" panose="02010600030101010101" pitchFamily="2" charset="-122"/>
+              </a:defRPr>
+            </a:lvl5pPr>
+            <a:lvl6pPr marL="2514600" indent="-228600" fontAlgn="base">
+              <a:spcBef>
+                <a:spcPct val="0"/>
+              </a:spcBef>
+              <a:spcAft>
+                <a:spcPct val="0"/>
+              </a:spcAft>
+              <a:defRPr>
+                <a:solidFill>
+                  <a:schemeClr val="tx1"/>
+                </a:solidFill>
+                <a:latin typeface="Calibri" panose="020F0502020204030204" pitchFamily="34" charset="0"/>
+                <a:ea typeface="宋体" panose="02010600030101010101" pitchFamily="2" charset="-122"/>
+              </a:defRPr>
+            </a:lvl6pPr>
+            <a:lvl7pPr marL="2971800" indent="-228600" fontAlgn="base">
+              <a:spcBef>
+                <a:spcPct val="0"/>
+              </a:spcBef>
+              <a:spcAft>
+                <a:spcPct val="0"/>
+              </a:spcAft>
+              <a:defRPr>
+                <a:solidFill>
+                  <a:schemeClr val="tx1"/>
+                </a:solidFill>
+                <a:latin typeface="Calibri" panose="020F0502020204030204" pitchFamily="34" charset="0"/>
+                <a:ea typeface="宋体" panose="02010600030101010101" pitchFamily="2" charset="-122"/>
+              </a:defRPr>
+            </a:lvl7pPr>
+            <a:lvl8pPr marL="3429000" indent="-228600" fontAlgn="base">
+              <a:spcBef>
+                <a:spcPct val="0"/>
+              </a:spcBef>
+              <a:spcAft>
+                <a:spcPct val="0"/>
+              </a:spcAft>
+              <a:defRPr>
+                <a:solidFill>
+                  <a:schemeClr val="tx1"/>
+                </a:solidFill>
+                <a:latin typeface="Calibri" panose="020F0502020204030204" pitchFamily="34" charset="0"/>
+                <a:ea typeface="宋体" panose="02010600030101010101" pitchFamily="2" charset="-122"/>
+              </a:defRPr>
+            </a:lvl8pPr>
+            <a:lvl9pPr marL="3886200" indent="-228600" fontAlgn="base">
+              <a:spcBef>
+                <a:spcPct val="0"/>
+              </a:spcBef>
+              <a:spcAft>
+                <a:spcPct val="0"/>
+              </a:spcAft>
+              <a:defRPr>
+                <a:solidFill>
+                  <a:schemeClr val="tx1"/>
+                </a:solidFill>
+                <a:latin typeface="Calibri" panose="020F0502020204030204" pitchFamily="34" charset="0"/>
+                <a:ea typeface="宋体" panose="02010600030101010101" pitchFamily="2" charset="-122"/>
+              </a:defRPr>
+            </a:lvl9pPr>
+          </a:lstStyle>
           <a:p>
             <a:r>
-              <a:rPr lang="en-US" altLang="zh-CN" dirty="0" smtClean="0">
-                <a:latin typeface="黑体" panose="02010609060101010101" pitchFamily="49" charset="-122"/>
+              <a:rPr lang="zh-CN" altLang="en-US" sz="1400" dirty="0" smtClean="0">
+                <a:latin typeface="Times New Roman" panose="02020603050405020304" pitchFamily="18" charset="0"/>
                 <a:ea typeface="黑体" panose="02010609060101010101" pitchFamily="49" charset="-122"/>
+                <a:cs typeface="Times New Roman" panose="02020603050405020304" pitchFamily="18" charset="0"/>
               </a:rPr>
-              <a:t>    DTW</a:t>
-            </a:r>
-            <a:r>
-              <a:rPr lang="zh-CN" altLang="en-US" dirty="0" smtClean="0">
-                <a:latin typeface="黑体" panose="02010609060101010101" pitchFamily="49" charset="-122"/>
+              <a:t>有效子轨迹</a:t>
+            </a:r>
+            <a:r>
+              <a:rPr lang="zh-CN" altLang="zh-CN" sz="1400" dirty="0" smtClean="0">
+                <a:latin typeface="Times New Roman" panose="02020603050405020304" pitchFamily="18" charset="0"/>
                 <a:ea typeface="黑体" panose="02010609060101010101" pitchFamily="49" charset="-122"/>
+                <a:cs typeface="Times New Roman" panose="02020603050405020304" pitchFamily="18" charset="0"/>
               </a:rPr>
-              <a:t>未</a:t>
-            </a:r>
-            <a:r>
-              <a:rPr lang="zh-CN" altLang="en-US" dirty="0">
-                <a:latin typeface="黑体" panose="02010609060101010101" pitchFamily="49" charset="-122"/>
+              <a:t>长度</a:t>
+            </a:r>
+            <a:r>
+              <a:rPr lang="zh-CN" altLang="zh-CN" sz="1400" dirty="0">
+                <a:latin typeface="Times New Roman" panose="02020603050405020304" pitchFamily="18" charset="0"/>
                 <a:ea typeface="黑体" panose="02010609060101010101" pitchFamily="49" charset="-122"/>
+                <a:cs typeface="Times New Roman" panose="02020603050405020304" pitchFamily="18" charset="0"/>
               </a:rPr>
-              <a:t>考虑时间因素，查准率较低</a:t>
-            </a:r>
-            <a:endParaRPr lang="en-US" altLang="zh-CN" dirty="0">
-              <a:latin typeface="黑体" panose="02010609060101010101" pitchFamily="49" charset="-122"/>
+              <a:t>限制</a:t>
+            </a:r>
+            <a:r>
+              <a:rPr lang="zh-CN" altLang="zh-CN" sz="1400" dirty="0" smtClean="0">
+                <a:latin typeface="Times New Roman" panose="02020603050405020304" pitchFamily="18" charset="0"/>
+                <a:ea typeface="黑体" panose="02010609060101010101" pitchFamily="49" charset="-122"/>
+                <a:cs typeface="Times New Roman" panose="02020603050405020304" pitchFamily="18" charset="0"/>
+              </a:rPr>
+              <a:t>参数</a:t>
+            </a:r>
+            <a:r>
+              <a:rPr lang="zh-CN" altLang="en-US" sz="1400" dirty="0" smtClean="0">
+                <a:latin typeface="Times New Roman" panose="02020603050405020304" pitchFamily="18" charset="0"/>
+                <a:ea typeface="黑体" panose="02010609060101010101" pitchFamily="49" charset="-122"/>
+                <a:cs typeface="Times New Roman" panose="02020603050405020304" pitchFamily="18" charset="0"/>
+              </a:rPr>
+              <a:t>太小或太大会导致有效子轨迹查找不准确，降低查准率</a:t>
+            </a:r>
+            <a:endParaRPr lang="en-US" altLang="zh-CN" sz="1400" dirty="0">
+              <a:latin typeface="Times New Roman" panose="02020603050405020304" pitchFamily="18" charset="0"/>
               <a:ea typeface="黑体" panose="02010609060101010101" pitchFamily="49" charset="-122"/>
+              <a:cs typeface="Times New Roman" panose="02020603050405020304" pitchFamily="18" charset="0"/>
             </a:endParaRPr>
           </a:p>
+        </p:txBody>
+      </p:sp>
+      <p:sp>
+        <p:nvSpPr>
+          <p:cNvPr id="30" name="文本框 29"/>
+          <p:cNvSpPr txBox="1">
+            <a:spLocks noChangeArrowheads="1"/>
+          </p:cNvSpPr>
+          <p:nvPr/>
+        </p:nvSpPr>
+        <p:spPr bwMode="auto">
+          <a:xfrm>
+            <a:off x="382689" y="4074331"/>
+            <a:ext cx="6337288" cy="307777"/>
+          </a:xfrm>
+          <a:prstGeom prst="rect">
+            <a:avLst/>
+          </a:prstGeom>
+          <a:noFill/>
+          <a:ln>
+            <a:noFill/>
+          </a:ln>
+          <a:extLst>
+            <a:ext uri="{909E8E84-426E-40DD-AFC4-6F175D3DCCD1}">
+              <a14:hiddenFill xmlns:a14="http://schemas.microsoft.com/office/drawing/2010/main">
+                <a:solidFill>
+                  <a:srgbClr val="FFFFFF"/>
+                </a:solidFill>
+              </a14:hiddenFill>
+            </a:ext>
+            <a:ext uri="{91240B29-F687-4F45-9708-019B960494DF}">
+              <a14:hiddenLine xmlns:a14="http://schemas.microsoft.com/office/drawing/2010/main" w="9525">
+                <a:solidFill>
+                  <a:srgbClr val="000000"/>
+                </a:solidFill>
+                <a:miter lim="800000"/>
+                <a:headEnd/>
+                <a:tailEnd/>
+              </a14:hiddenLine>
+            </a:ext>
+          </a:extLst>
+        </p:spPr>
+        <p:txBody>
+          <a:bodyPr wrap="square">
+            <a:spAutoFit/>
+          </a:bodyPr>
+          <a:lstStyle>
+            <a:lvl1pPr>
+              <a:defRPr>
+                <a:solidFill>
+                  <a:schemeClr val="tx1"/>
+                </a:solidFill>
+                <a:latin typeface="Calibri" panose="020F0502020204030204" pitchFamily="34" charset="0"/>
+                <a:ea typeface="宋体" panose="02010600030101010101" pitchFamily="2" charset="-122"/>
+              </a:defRPr>
+            </a:lvl1pPr>
+            <a:lvl2pPr marL="742950" indent="-285750">
+              <a:defRPr>
+                <a:solidFill>
+                  <a:schemeClr val="tx1"/>
+                </a:solidFill>
+                <a:latin typeface="Calibri" panose="020F0502020204030204" pitchFamily="34" charset="0"/>
+                <a:ea typeface="宋体" panose="02010600030101010101" pitchFamily="2" charset="-122"/>
+              </a:defRPr>
+            </a:lvl2pPr>
+            <a:lvl3pPr marL="1143000" indent="-228600">
+              <a:defRPr>
+                <a:solidFill>
+                  <a:schemeClr val="tx1"/>
+                </a:solidFill>
+                <a:latin typeface="Calibri" panose="020F0502020204030204" pitchFamily="34" charset="0"/>
+                <a:ea typeface="宋体" panose="02010600030101010101" pitchFamily="2" charset="-122"/>
+              </a:defRPr>
+            </a:lvl3pPr>
+            <a:lvl4pPr marL="1600200" indent="-228600">
+              <a:defRPr>
+                <a:solidFill>
+                  <a:schemeClr val="tx1"/>
+                </a:solidFill>
+                <a:latin typeface="Calibri" panose="020F0502020204030204" pitchFamily="34" charset="0"/>
+                <a:ea typeface="宋体" panose="02010600030101010101" pitchFamily="2" charset="-122"/>
+              </a:defRPr>
+            </a:lvl4pPr>
+            <a:lvl5pPr marL="2057400" indent="-228600">
+              <a:defRPr>
+                <a:solidFill>
+                  <a:schemeClr val="tx1"/>
+                </a:solidFill>
+                <a:latin typeface="Calibri" panose="020F0502020204030204" pitchFamily="34" charset="0"/>
+                <a:ea typeface="宋体" panose="02010600030101010101" pitchFamily="2" charset="-122"/>
+              </a:defRPr>
+            </a:lvl5pPr>
+            <a:lvl6pPr marL="2514600" indent="-228600" fontAlgn="base">
+              <a:spcBef>
+                <a:spcPct val="0"/>
+              </a:spcBef>
+              <a:spcAft>
+                <a:spcPct val="0"/>
+              </a:spcAft>
+              <a:defRPr>
+                <a:solidFill>
+                  <a:schemeClr val="tx1"/>
+                </a:solidFill>
+                <a:latin typeface="Calibri" panose="020F0502020204030204" pitchFamily="34" charset="0"/>
+                <a:ea typeface="宋体" panose="02010600030101010101" pitchFamily="2" charset="-122"/>
+              </a:defRPr>
+            </a:lvl6pPr>
+            <a:lvl7pPr marL="2971800" indent="-228600" fontAlgn="base">
+              <a:spcBef>
+                <a:spcPct val="0"/>
+              </a:spcBef>
+              <a:spcAft>
+                <a:spcPct val="0"/>
+              </a:spcAft>
+              <a:defRPr>
+                <a:solidFill>
+                  <a:schemeClr val="tx1"/>
+                </a:solidFill>
+                <a:latin typeface="Calibri" panose="020F0502020204030204" pitchFamily="34" charset="0"/>
+                <a:ea typeface="宋体" panose="02010600030101010101" pitchFamily="2" charset="-122"/>
+              </a:defRPr>
+            </a:lvl7pPr>
+            <a:lvl8pPr marL="3429000" indent="-228600" fontAlgn="base">
+              <a:spcBef>
+                <a:spcPct val="0"/>
+              </a:spcBef>
+              <a:spcAft>
+                <a:spcPct val="0"/>
+              </a:spcAft>
+              <a:defRPr>
+                <a:solidFill>
+                  <a:schemeClr val="tx1"/>
+                </a:solidFill>
+                <a:latin typeface="Calibri" panose="020F0502020204030204" pitchFamily="34" charset="0"/>
+                <a:ea typeface="宋体" panose="02010600030101010101" pitchFamily="2" charset="-122"/>
+              </a:defRPr>
+            </a:lvl8pPr>
+            <a:lvl9pPr marL="3886200" indent="-228600" fontAlgn="base">
+              <a:spcBef>
+                <a:spcPct val="0"/>
+              </a:spcBef>
+              <a:spcAft>
+                <a:spcPct val="0"/>
+              </a:spcAft>
+              <a:defRPr>
+                <a:solidFill>
+                  <a:schemeClr val="tx1"/>
+                </a:solidFill>
+                <a:latin typeface="Calibri" panose="020F0502020204030204" pitchFamily="34" charset="0"/>
+                <a:ea typeface="宋体" panose="02010600030101010101" pitchFamily="2" charset="-122"/>
+              </a:defRPr>
+            </a:lvl9pPr>
+          </a:lstStyle>
           <a:p>
-            <a:r>
-              <a:rPr lang="en-US" altLang="zh-CN" dirty="0" smtClean="0">
-                <a:latin typeface="黑体" panose="02010609060101010101" pitchFamily="49" charset="-122"/>
+            <a:pPr eaLnBrk="1" hangingPunct="1"/>
+            <a:r>
+              <a:rPr lang="zh-CN" altLang="en-US" sz="1400" dirty="0" smtClean="0">
+                <a:latin typeface="Times New Roman" panose="02020603050405020304" pitchFamily="18" charset="0"/>
                 <a:ea typeface="黑体" panose="02010609060101010101" pitchFamily="49" charset="-122"/>
+                <a:cs typeface="Times New Roman" panose="02020603050405020304" pitchFamily="18" charset="0"/>
               </a:rPr>
-              <a:t>    SDTW</a:t>
-            </a:r>
-            <a:r>
-              <a:rPr lang="zh-CN" altLang="en-US" dirty="0">
-                <a:latin typeface="黑体" panose="02010609060101010101" pitchFamily="49" charset="-122"/>
-                <a:ea typeface="黑体" panose="02010609060101010101" pitchFamily="49" charset="-122"/>
-              </a:rPr>
-              <a:t>与</a:t>
-            </a:r>
-            <a:r>
-              <a:rPr lang="en-US" altLang="zh-CN" dirty="0">
-                <a:latin typeface="黑体" panose="02010609060101010101" pitchFamily="49" charset="-122"/>
-                <a:ea typeface="黑体" panose="02010609060101010101" pitchFamily="49" charset="-122"/>
-              </a:rPr>
-              <a:t>PTM</a:t>
-            </a:r>
-            <a:r>
-              <a:rPr lang="zh-CN" altLang="en-US" dirty="0" smtClean="0">
-                <a:latin typeface="黑体" panose="02010609060101010101" pitchFamily="49" charset="-122"/>
-                <a:ea typeface="黑体" panose="02010609060101010101" pitchFamily="49" charset="-122"/>
-              </a:rPr>
-              <a:t>考虑时间，但</a:t>
-            </a:r>
-            <a:r>
-              <a:rPr lang="zh-CN" altLang="en-US" dirty="0">
-                <a:latin typeface="黑体" panose="02010609060101010101" pitchFamily="49" charset="-122"/>
-                <a:ea typeface="黑体" panose="02010609060101010101" pitchFamily="49" charset="-122"/>
-              </a:rPr>
-              <a:t>查准率</a:t>
-            </a:r>
-            <a:r>
-              <a:rPr lang="zh-CN" altLang="en-US" dirty="0" smtClean="0">
-                <a:latin typeface="黑体" panose="02010609060101010101" pitchFamily="49" charset="-122"/>
-                <a:ea typeface="黑体" panose="02010609060101010101" pitchFamily="49" charset="-122"/>
-              </a:rPr>
-              <a:t>随</a:t>
-            </a:r>
-            <a:r>
-              <a:rPr lang="zh-CN" altLang="en-US" dirty="0">
-                <a:latin typeface="黑体" panose="02010609060101010101" pitchFamily="49" charset="-122"/>
-                <a:ea typeface="黑体" panose="02010609060101010101" pitchFamily="49" charset="-122"/>
-              </a:rPr>
-              <a:t>查询轨迹</a:t>
-            </a:r>
-            <a:r>
-              <a:rPr lang="zh-CN" altLang="en-US" dirty="0" smtClean="0">
-                <a:latin typeface="黑体" panose="02010609060101010101" pitchFamily="49" charset="-122"/>
-                <a:ea typeface="黑体" panose="02010609060101010101" pitchFamily="49" charset="-122"/>
-              </a:rPr>
-              <a:t>长度变化的波动</a:t>
-            </a:r>
-            <a:r>
-              <a:rPr lang="zh-CN" altLang="en-US" dirty="0">
-                <a:latin typeface="黑体" panose="02010609060101010101" pitchFamily="49" charset="-122"/>
-                <a:ea typeface="黑体" panose="02010609060101010101" pitchFamily="49" charset="-122"/>
-              </a:rPr>
-              <a:t>较大</a:t>
-            </a:r>
-            <a:endParaRPr lang="en-US" altLang="zh-CN" dirty="0">
-              <a:latin typeface="黑体" panose="02010609060101010101" pitchFamily="49" charset="-122"/>
+              <a:t>轨迹距离阈值太小导致查全率较低，过大导致查准率较低</a:t>
+            </a:r>
+            <a:endParaRPr lang="en-US" altLang="zh-CN" sz="1400" dirty="0">
+              <a:latin typeface="Times New Roman" panose="02020603050405020304" pitchFamily="18" charset="0"/>
               <a:ea typeface="黑体" panose="02010609060101010101" pitchFamily="49" charset="-122"/>
-            </a:endParaRPr>
-          </a:p>
-          <a:p>
-            <a:r>
-              <a:rPr lang="en-US" altLang="zh-CN" dirty="0" smtClean="0">
-                <a:solidFill>
-                  <a:schemeClr val="accent1"/>
-                </a:solidFill>
-                <a:latin typeface="黑体" panose="02010609060101010101" pitchFamily="49" charset="-122"/>
-                <a:ea typeface="黑体" panose="02010609060101010101" pitchFamily="49" charset="-122"/>
-              </a:rPr>
-              <a:t>    STS</a:t>
-            </a:r>
-            <a:r>
-              <a:rPr lang="zh-CN" altLang="en-US" dirty="0">
-                <a:solidFill>
-                  <a:schemeClr val="accent1"/>
-                </a:solidFill>
-                <a:latin typeface="黑体" panose="02010609060101010101" pitchFamily="49" charset="-122"/>
-                <a:ea typeface="黑体" panose="02010609060101010101" pitchFamily="49" charset="-122"/>
-              </a:rPr>
-              <a:t>较稳定</a:t>
-            </a:r>
-            <a:r>
-              <a:rPr lang="zh-CN" altLang="en-US" dirty="0">
-                <a:latin typeface="黑体" panose="02010609060101010101" pitchFamily="49" charset="-122"/>
-                <a:ea typeface="黑体" panose="02010609060101010101" pitchFamily="49" charset="-122"/>
-              </a:rPr>
-              <a:t>，轨迹长度的变化未带来较大</a:t>
-            </a:r>
-            <a:r>
-              <a:rPr lang="zh-CN" altLang="en-US" dirty="0" smtClean="0">
-                <a:latin typeface="黑体" panose="02010609060101010101" pitchFamily="49" charset="-122"/>
-                <a:ea typeface="黑体" panose="02010609060101010101" pitchFamily="49" charset="-122"/>
-              </a:rPr>
-              <a:t>影响</a:t>
-            </a:r>
-            <a:endParaRPr lang="zh-CN" altLang="en-US" dirty="0">
-              <a:latin typeface="黑体" panose="02010609060101010101" pitchFamily="49" charset="-122"/>
-              <a:ea typeface="黑体" panose="02010609060101010101" pitchFamily="49" charset="-122"/>
+              <a:cs typeface="Times New Roman" panose="02020603050405020304" pitchFamily="18" charset="0"/>
             </a:endParaRPr>
           </a:p>
         </p:txBody>
@@ -27314,7 +27695,7 @@
     </p:spTree>
     <p:extLst>
       <p:ext uri="{BB962C8B-B14F-4D97-AF65-F5344CB8AC3E}">
-        <p14:creationId xmlns:p14="http://schemas.microsoft.com/office/powerpoint/2010/main" val="3134646089"/>
+        <p14:creationId xmlns:p14="http://schemas.microsoft.com/office/powerpoint/2010/main" val="4049355886"/>
       </p:ext>
     </p:extLst>
   </p:cSld>
@@ -28463,6 +28844,723 @@
                 <a:ea typeface="黑体" panose="02010609060101010101" pitchFamily="49" charset="-122"/>
                 <a:cs typeface="Times New Roman" panose="02020603050405020304" pitchFamily="18" charset="0"/>
               </a:rPr>
+              <a:t>查询轨迹长度的影响</a:t>
+            </a:r>
+          </a:p>
+        </p:txBody>
+      </p:sp>
+      <p:sp>
+        <p:nvSpPr>
+          <p:cNvPr id="10" name="文本框 9"/>
+          <p:cNvSpPr txBox="1"/>
+          <p:nvPr/>
+        </p:nvSpPr>
+        <p:spPr>
+          <a:xfrm>
+            <a:off x="628650" y="1238250"/>
+            <a:ext cx="7600950" cy="923330"/>
+          </a:xfrm>
+          <a:prstGeom prst="rect">
+            <a:avLst/>
+          </a:prstGeom>
+          <a:noFill/>
+        </p:spPr>
+        <p:txBody>
+          <a:bodyPr wrap="square" rtlCol="0">
+            <a:spAutoFit/>
+          </a:bodyPr>
+          <a:lstStyle/>
+          <a:p>
+            <a:r>
+              <a:rPr lang="zh-CN" altLang="en-US" dirty="0" smtClean="0"/>
+              <a:t>参与比较的算法：</a:t>
+            </a:r>
+            <a:r>
+              <a:rPr lang="en-US" altLang="zh-CN" dirty="0" smtClean="0"/>
+              <a:t>DTW</a:t>
+            </a:r>
+            <a:r>
+              <a:rPr lang="zh-CN" altLang="en-US" dirty="0" smtClean="0"/>
+              <a:t>、</a:t>
+            </a:r>
+            <a:r>
+              <a:rPr lang="en-US" altLang="zh-CN" dirty="0" smtClean="0"/>
+              <a:t>SDTW</a:t>
+            </a:r>
+            <a:r>
+              <a:rPr lang="zh-CN" altLang="en-US" dirty="0" smtClean="0"/>
+              <a:t>、</a:t>
+            </a:r>
+            <a:r>
+              <a:rPr lang="en-US" altLang="zh-CN" dirty="0" smtClean="0"/>
+              <a:t>PTM</a:t>
+            </a:r>
+            <a:r>
+              <a:rPr lang="zh-CN" altLang="en-US" dirty="0" smtClean="0"/>
+              <a:t>、</a:t>
+            </a:r>
+            <a:r>
+              <a:rPr lang="en-US" altLang="zh-CN" dirty="0" smtClean="0">
+                <a:solidFill>
+                  <a:schemeClr val="accent1"/>
+                </a:solidFill>
+              </a:rPr>
+              <a:t>STS</a:t>
+            </a:r>
+          </a:p>
+          <a:p>
+            <a:r>
+              <a:rPr lang="zh-CN" altLang="en-US" dirty="0" smtClean="0"/>
+              <a:t>变量为不同的查询轨迹的长度，通过调节算法参数，使用获得的</a:t>
+            </a:r>
+            <a:r>
+              <a:rPr lang="zh-CN" altLang="zh-CN" dirty="0" smtClean="0"/>
+              <a:t>最大</a:t>
+            </a:r>
+            <a:r>
+              <a:rPr lang="zh-CN" altLang="zh-CN" dirty="0"/>
+              <a:t>的查准率</a:t>
+            </a:r>
+            <a:r>
+              <a:rPr lang="zh-CN" altLang="zh-CN" dirty="0" smtClean="0"/>
+              <a:t>作为算法效果</a:t>
+            </a:r>
+            <a:endParaRPr lang="en-US" altLang="zh-CN" dirty="0" smtClean="0"/>
+          </a:p>
+        </p:txBody>
+      </p:sp>
+      <p:grpSp>
+        <p:nvGrpSpPr>
+          <p:cNvPr id="17" name="组合 16"/>
+          <p:cNvGrpSpPr/>
+          <p:nvPr/>
+        </p:nvGrpSpPr>
+        <p:grpSpPr>
+          <a:xfrm>
+            <a:off x="628650" y="2278705"/>
+            <a:ext cx="7456833" cy="2762941"/>
+            <a:chOff x="628650" y="2531831"/>
+            <a:chExt cx="7456833" cy="2762941"/>
+          </a:xfrm>
+        </p:grpSpPr>
+        <p:pic>
+          <p:nvPicPr>
+            <p:cNvPr id="13" name="图片 12"/>
+            <p:cNvPicPr>
+              <a:picLocks noChangeAspect="1"/>
+            </p:cNvPicPr>
+            <p:nvPr/>
+          </p:nvPicPr>
+          <p:blipFill>
+            <a:blip r:embed="rId3">
+              <a:extLst>
+                <a:ext uri="{28A0092B-C50C-407E-A947-70E740481C1C}">
+                  <a14:useLocalDpi xmlns:a14="http://schemas.microsoft.com/office/drawing/2010/main" val="0"/>
+                </a:ext>
+              </a:extLst>
+            </a:blip>
+            <a:stretch>
+              <a:fillRect/>
+            </a:stretch>
+          </p:blipFill>
+          <p:spPr>
+            <a:xfrm>
+              <a:off x="628650" y="2531831"/>
+              <a:ext cx="3683921" cy="2762941"/>
+            </a:xfrm>
+            <a:prstGeom prst="rect">
+              <a:avLst/>
+            </a:prstGeom>
+          </p:spPr>
+        </p:pic>
+        <p:pic>
+          <p:nvPicPr>
+            <p:cNvPr id="14" name="图片 13"/>
+            <p:cNvPicPr>
+              <a:picLocks noChangeAspect="1"/>
+            </p:cNvPicPr>
+            <p:nvPr/>
+          </p:nvPicPr>
+          <p:blipFill>
+            <a:blip r:embed="rId4">
+              <a:extLst>
+                <a:ext uri="{28A0092B-C50C-407E-A947-70E740481C1C}">
+                  <a14:useLocalDpi xmlns:a14="http://schemas.microsoft.com/office/drawing/2010/main" val="0"/>
+                </a:ext>
+              </a:extLst>
+            </a:blip>
+            <a:stretch>
+              <a:fillRect/>
+            </a:stretch>
+          </p:blipFill>
+          <p:spPr>
+            <a:xfrm>
+              <a:off x="4401562" y="2531831"/>
+              <a:ext cx="3683921" cy="2762941"/>
+            </a:xfrm>
+            <a:prstGeom prst="rect">
+              <a:avLst/>
+            </a:prstGeom>
+          </p:spPr>
+        </p:pic>
+      </p:grpSp>
+      <p:sp>
+        <p:nvSpPr>
+          <p:cNvPr id="15" name="TextBox 40"/>
+          <p:cNvSpPr txBox="1">
+            <a:spLocks noChangeArrowheads="1"/>
+          </p:cNvSpPr>
+          <p:nvPr/>
+        </p:nvSpPr>
+        <p:spPr bwMode="auto">
+          <a:xfrm>
+            <a:off x="708444" y="5207472"/>
+            <a:ext cx="7324725" cy="1200329"/>
+          </a:xfrm>
+          <a:prstGeom prst="rect">
+            <a:avLst/>
+          </a:prstGeom>
+          <a:solidFill>
+            <a:schemeClr val="accent6">
+              <a:lumMod val="20000"/>
+              <a:lumOff val="80000"/>
+            </a:schemeClr>
+          </a:solidFill>
+          <a:ln w="22225">
+            <a:solidFill>
+              <a:srgbClr val="5E5EAF"/>
+            </a:solidFill>
+            <a:miter lim="800000"/>
+          </a:ln>
+        </p:spPr>
+        <p:txBody>
+          <a:bodyPr>
+            <a:spAutoFit/>
+          </a:bodyPr>
+          <a:lstStyle>
+            <a:lvl1pPr>
+              <a:defRPr>
+                <a:solidFill>
+                  <a:schemeClr val="tx1"/>
+                </a:solidFill>
+                <a:latin typeface="Tahoma" panose="020B0604030504040204" pitchFamily="34" charset="0"/>
+                <a:ea typeface="PMingLiU" panose="02020500000000000000" pitchFamily="18" charset="-120"/>
+              </a:defRPr>
+            </a:lvl1pPr>
+            <a:lvl2pPr>
+              <a:defRPr>
+                <a:solidFill>
+                  <a:schemeClr val="tx1"/>
+                </a:solidFill>
+                <a:latin typeface="Tahoma" panose="020B0604030504040204" pitchFamily="34" charset="0"/>
+                <a:ea typeface="PMingLiU" panose="02020500000000000000" pitchFamily="18" charset="-120"/>
+              </a:defRPr>
+            </a:lvl2pPr>
+            <a:lvl3pPr>
+              <a:defRPr>
+                <a:solidFill>
+                  <a:schemeClr val="tx1"/>
+                </a:solidFill>
+                <a:latin typeface="Tahoma" panose="020B0604030504040204" pitchFamily="34" charset="0"/>
+                <a:ea typeface="PMingLiU" panose="02020500000000000000" pitchFamily="18" charset="-120"/>
+              </a:defRPr>
+            </a:lvl3pPr>
+            <a:lvl4pPr>
+              <a:defRPr>
+                <a:solidFill>
+                  <a:schemeClr val="tx1"/>
+                </a:solidFill>
+                <a:latin typeface="Tahoma" panose="020B0604030504040204" pitchFamily="34" charset="0"/>
+                <a:ea typeface="PMingLiU" panose="02020500000000000000" pitchFamily="18" charset="-120"/>
+              </a:defRPr>
+            </a:lvl4pPr>
+            <a:lvl5pPr>
+              <a:defRPr>
+                <a:solidFill>
+                  <a:schemeClr val="tx1"/>
+                </a:solidFill>
+                <a:latin typeface="Tahoma" panose="020B0604030504040204" pitchFamily="34" charset="0"/>
+                <a:ea typeface="PMingLiU" panose="02020500000000000000" pitchFamily="18" charset="-120"/>
+              </a:defRPr>
+            </a:lvl5pPr>
+            <a:lvl6pPr fontAlgn="base">
+              <a:spcBef>
+                <a:spcPct val="0"/>
+              </a:spcBef>
+              <a:spcAft>
+                <a:spcPct val="0"/>
+              </a:spcAft>
+              <a:buFont typeface="Arial" panose="020B0604020202020204" pitchFamily="34" charset="0"/>
+              <a:defRPr>
+                <a:solidFill>
+                  <a:schemeClr val="tx1"/>
+                </a:solidFill>
+                <a:latin typeface="Tahoma" panose="020B0604030504040204" pitchFamily="34" charset="0"/>
+                <a:ea typeface="PMingLiU" panose="02020500000000000000" pitchFamily="18" charset="-120"/>
+              </a:defRPr>
+            </a:lvl6pPr>
+            <a:lvl7pPr fontAlgn="base">
+              <a:spcBef>
+                <a:spcPct val="0"/>
+              </a:spcBef>
+              <a:spcAft>
+                <a:spcPct val="0"/>
+              </a:spcAft>
+              <a:buFont typeface="Arial" panose="020B0604020202020204" pitchFamily="34" charset="0"/>
+              <a:defRPr>
+                <a:solidFill>
+                  <a:schemeClr val="tx1"/>
+                </a:solidFill>
+                <a:latin typeface="Tahoma" panose="020B0604030504040204" pitchFamily="34" charset="0"/>
+                <a:ea typeface="PMingLiU" panose="02020500000000000000" pitchFamily="18" charset="-120"/>
+              </a:defRPr>
+            </a:lvl7pPr>
+            <a:lvl8pPr fontAlgn="base">
+              <a:spcBef>
+                <a:spcPct val="0"/>
+              </a:spcBef>
+              <a:spcAft>
+                <a:spcPct val="0"/>
+              </a:spcAft>
+              <a:buFont typeface="Arial" panose="020B0604020202020204" pitchFamily="34" charset="0"/>
+              <a:defRPr>
+                <a:solidFill>
+                  <a:schemeClr val="tx1"/>
+                </a:solidFill>
+                <a:latin typeface="Tahoma" panose="020B0604030504040204" pitchFamily="34" charset="0"/>
+                <a:ea typeface="PMingLiU" panose="02020500000000000000" pitchFamily="18" charset="-120"/>
+              </a:defRPr>
+            </a:lvl8pPr>
+            <a:lvl9pPr fontAlgn="base">
+              <a:spcBef>
+                <a:spcPct val="0"/>
+              </a:spcBef>
+              <a:spcAft>
+                <a:spcPct val="0"/>
+              </a:spcAft>
+              <a:buFont typeface="Arial" panose="020B0604020202020204" pitchFamily="34" charset="0"/>
+              <a:defRPr>
+                <a:solidFill>
+                  <a:schemeClr val="tx1"/>
+                </a:solidFill>
+                <a:latin typeface="Tahoma" panose="020B0604030504040204" pitchFamily="34" charset="0"/>
+                <a:ea typeface="PMingLiU" panose="02020500000000000000" pitchFamily="18" charset="-120"/>
+              </a:defRPr>
+            </a:lvl9pPr>
+          </a:lstStyle>
+          <a:p>
+            <a:r>
+              <a:rPr lang="zh-CN" altLang="en-US" dirty="0" smtClean="0">
+                <a:latin typeface="黑体" panose="02010609060101010101" pitchFamily="49" charset="-122"/>
+                <a:ea typeface="黑体" panose="02010609060101010101" pitchFamily="49" charset="-122"/>
+              </a:rPr>
+              <a:t>结论：</a:t>
+            </a:r>
+            <a:endParaRPr lang="en-US" altLang="zh-CN" dirty="0" smtClean="0">
+              <a:latin typeface="黑体" panose="02010609060101010101" pitchFamily="49" charset="-122"/>
+              <a:ea typeface="黑体" panose="02010609060101010101" pitchFamily="49" charset="-122"/>
+            </a:endParaRPr>
+          </a:p>
+          <a:p>
+            <a:r>
+              <a:rPr lang="en-US" altLang="zh-CN" dirty="0" smtClean="0">
+                <a:latin typeface="黑体" panose="02010609060101010101" pitchFamily="49" charset="-122"/>
+                <a:ea typeface="黑体" panose="02010609060101010101" pitchFamily="49" charset="-122"/>
+              </a:rPr>
+              <a:t>    DTW</a:t>
+            </a:r>
+            <a:r>
+              <a:rPr lang="zh-CN" altLang="en-US" dirty="0" smtClean="0">
+                <a:latin typeface="黑体" panose="02010609060101010101" pitchFamily="49" charset="-122"/>
+                <a:ea typeface="黑体" panose="02010609060101010101" pitchFamily="49" charset="-122"/>
+              </a:rPr>
+              <a:t>未</a:t>
+            </a:r>
+            <a:r>
+              <a:rPr lang="zh-CN" altLang="en-US" dirty="0">
+                <a:latin typeface="黑体" panose="02010609060101010101" pitchFamily="49" charset="-122"/>
+                <a:ea typeface="黑体" panose="02010609060101010101" pitchFamily="49" charset="-122"/>
+              </a:rPr>
+              <a:t>考虑时间因素，查准率较低</a:t>
+            </a:r>
+            <a:endParaRPr lang="en-US" altLang="zh-CN" dirty="0">
+              <a:latin typeface="黑体" panose="02010609060101010101" pitchFamily="49" charset="-122"/>
+              <a:ea typeface="黑体" panose="02010609060101010101" pitchFamily="49" charset="-122"/>
+            </a:endParaRPr>
+          </a:p>
+          <a:p>
+            <a:r>
+              <a:rPr lang="en-US" altLang="zh-CN" dirty="0" smtClean="0">
+                <a:latin typeface="黑体" panose="02010609060101010101" pitchFamily="49" charset="-122"/>
+                <a:ea typeface="黑体" panose="02010609060101010101" pitchFamily="49" charset="-122"/>
+              </a:rPr>
+              <a:t>    SDTW</a:t>
+            </a:r>
+            <a:r>
+              <a:rPr lang="zh-CN" altLang="en-US" dirty="0">
+                <a:latin typeface="黑体" panose="02010609060101010101" pitchFamily="49" charset="-122"/>
+                <a:ea typeface="黑体" panose="02010609060101010101" pitchFamily="49" charset="-122"/>
+              </a:rPr>
+              <a:t>与</a:t>
+            </a:r>
+            <a:r>
+              <a:rPr lang="en-US" altLang="zh-CN" dirty="0">
+                <a:latin typeface="黑体" panose="02010609060101010101" pitchFamily="49" charset="-122"/>
+                <a:ea typeface="黑体" panose="02010609060101010101" pitchFamily="49" charset="-122"/>
+              </a:rPr>
+              <a:t>PTM</a:t>
+            </a:r>
+            <a:r>
+              <a:rPr lang="zh-CN" altLang="en-US" dirty="0" smtClean="0">
+                <a:latin typeface="黑体" panose="02010609060101010101" pitchFamily="49" charset="-122"/>
+                <a:ea typeface="黑体" panose="02010609060101010101" pitchFamily="49" charset="-122"/>
+              </a:rPr>
+              <a:t>考虑时间，但</a:t>
+            </a:r>
+            <a:r>
+              <a:rPr lang="zh-CN" altLang="en-US" dirty="0">
+                <a:latin typeface="黑体" panose="02010609060101010101" pitchFamily="49" charset="-122"/>
+                <a:ea typeface="黑体" panose="02010609060101010101" pitchFamily="49" charset="-122"/>
+              </a:rPr>
+              <a:t>查准率</a:t>
+            </a:r>
+            <a:r>
+              <a:rPr lang="zh-CN" altLang="en-US" dirty="0" smtClean="0">
+                <a:latin typeface="黑体" panose="02010609060101010101" pitchFamily="49" charset="-122"/>
+                <a:ea typeface="黑体" panose="02010609060101010101" pitchFamily="49" charset="-122"/>
+              </a:rPr>
+              <a:t>随</a:t>
+            </a:r>
+            <a:r>
+              <a:rPr lang="zh-CN" altLang="en-US" dirty="0">
+                <a:latin typeface="黑体" panose="02010609060101010101" pitchFamily="49" charset="-122"/>
+                <a:ea typeface="黑体" panose="02010609060101010101" pitchFamily="49" charset="-122"/>
+              </a:rPr>
+              <a:t>查询轨迹</a:t>
+            </a:r>
+            <a:r>
+              <a:rPr lang="zh-CN" altLang="en-US" dirty="0" smtClean="0">
+                <a:latin typeface="黑体" panose="02010609060101010101" pitchFamily="49" charset="-122"/>
+                <a:ea typeface="黑体" panose="02010609060101010101" pitchFamily="49" charset="-122"/>
+              </a:rPr>
+              <a:t>长度变化的波动</a:t>
+            </a:r>
+            <a:r>
+              <a:rPr lang="zh-CN" altLang="en-US" dirty="0">
+                <a:latin typeface="黑体" panose="02010609060101010101" pitchFamily="49" charset="-122"/>
+                <a:ea typeface="黑体" panose="02010609060101010101" pitchFamily="49" charset="-122"/>
+              </a:rPr>
+              <a:t>较大</a:t>
+            </a:r>
+            <a:endParaRPr lang="en-US" altLang="zh-CN" dirty="0">
+              <a:latin typeface="黑体" panose="02010609060101010101" pitchFamily="49" charset="-122"/>
+              <a:ea typeface="黑体" panose="02010609060101010101" pitchFamily="49" charset="-122"/>
+            </a:endParaRPr>
+          </a:p>
+          <a:p>
+            <a:r>
+              <a:rPr lang="en-US" altLang="zh-CN" dirty="0" smtClean="0">
+                <a:solidFill>
+                  <a:schemeClr val="accent1"/>
+                </a:solidFill>
+                <a:latin typeface="黑体" panose="02010609060101010101" pitchFamily="49" charset="-122"/>
+                <a:ea typeface="黑体" panose="02010609060101010101" pitchFamily="49" charset="-122"/>
+              </a:rPr>
+              <a:t>    STS</a:t>
+            </a:r>
+            <a:r>
+              <a:rPr lang="zh-CN" altLang="en-US" dirty="0">
+                <a:solidFill>
+                  <a:schemeClr val="accent1"/>
+                </a:solidFill>
+                <a:latin typeface="黑体" panose="02010609060101010101" pitchFamily="49" charset="-122"/>
+                <a:ea typeface="黑体" panose="02010609060101010101" pitchFamily="49" charset="-122"/>
+              </a:rPr>
+              <a:t>较稳定</a:t>
+            </a:r>
+            <a:r>
+              <a:rPr lang="zh-CN" altLang="en-US" dirty="0">
+                <a:latin typeface="黑体" panose="02010609060101010101" pitchFamily="49" charset="-122"/>
+                <a:ea typeface="黑体" panose="02010609060101010101" pitchFamily="49" charset="-122"/>
+              </a:rPr>
+              <a:t>，轨迹长度的变化未带来较大</a:t>
+            </a:r>
+            <a:r>
+              <a:rPr lang="zh-CN" altLang="en-US" dirty="0" smtClean="0">
+                <a:latin typeface="黑体" panose="02010609060101010101" pitchFamily="49" charset="-122"/>
+                <a:ea typeface="黑体" panose="02010609060101010101" pitchFamily="49" charset="-122"/>
+              </a:rPr>
+              <a:t>影响</a:t>
+            </a:r>
+            <a:endParaRPr lang="zh-CN" altLang="en-US" dirty="0">
+              <a:latin typeface="黑体" panose="02010609060101010101" pitchFamily="49" charset="-122"/>
+              <a:ea typeface="黑体" panose="02010609060101010101" pitchFamily="49" charset="-122"/>
+            </a:endParaRPr>
+          </a:p>
+        </p:txBody>
+      </p:sp>
+    </p:spTree>
+    <p:extLst>
+      <p:ext uri="{BB962C8B-B14F-4D97-AF65-F5344CB8AC3E}">
+        <p14:creationId xmlns:p14="http://schemas.microsoft.com/office/powerpoint/2010/main" val="3134646089"/>
+      </p:ext>
+    </p:extLst>
+  </p:cSld>
+  <p:clrMapOvr>
+    <a:masterClrMapping/>
+  </p:clrMapOvr>
+  <p:timing>
+    <p:tnLst>
+      <p:par>
+        <p:cTn id="1" dur="indefinite" restart="never" nodeType="tmRoot"/>
+      </p:par>
+    </p:tnLst>
+  </p:timing>
+</p:sld>
+</file>
+
+<file path=ppt/slides/slide31.xml><?xml version="1.0" encoding="utf-8"?>
+<p:sld xmlns:a="http://schemas.openxmlformats.org/drawingml/2006/main" xmlns:r="http://schemas.openxmlformats.org/officeDocument/2006/relationships" xmlns:p="http://schemas.openxmlformats.org/presentationml/2006/main">
+  <p:cSld>
+    <p:spTree>
+      <p:nvGrpSpPr>
+        <p:cNvPr id="1" name=""/>
+        <p:cNvGrpSpPr/>
+        <p:nvPr/>
+      </p:nvGrpSpPr>
+      <p:grpSpPr>
+        <a:xfrm>
+          <a:off x="0" y="0"/>
+          <a:ext cx="0" cy="0"/>
+          <a:chOff x="0" y="0"/>
+          <a:chExt cx="0" cy="0"/>
+        </a:xfrm>
+      </p:grpSpPr>
+      <p:grpSp>
+        <p:nvGrpSpPr>
+          <p:cNvPr id="2" name="组合 1"/>
+          <p:cNvGrpSpPr/>
+          <p:nvPr/>
+        </p:nvGrpSpPr>
+        <p:grpSpPr>
+          <a:xfrm>
+            <a:off x="114300" y="171450"/>
+            <a:ext cx="8875502" cy="1066800"/>
+            <a:chOff x="114300" y="171450"/>
+            <a:chExt cx="8875502" cy="1066800"/>
+          </a:xfrm>
+        </p:grpSpPr>
+        <p:cxnSp>
+          <p:nvCxnSpPr>
+            <p:cNvPr id="3" name="直接连接符 2"/>
+            <p:cNvCxnSpPr/>
+            <p:nvPr/>
+          </p:nvCxnSpPr>
+          <p:spPr>
+            <a:xfrm>
+              <a:off x="114300" y="1076325"/>
+              <a:ext cx="8858250" cy="0"/>
+            </a:xfrm>
+            <a:prstGeom prst="line">
+              <a:avLst/>
+            </a:prstGeom>
+            <a:ln w="31750">
+              <a:solidFill>
+                <a:srgbClr val="1E50A6"/>
+              </a:solidFill>
+            </a:ln>
+          </p:spPr>
+          <p:style>
+            <a:lnRef idx="1">
+              <a:schemeClr val="accent1"/>
+            </a:lnRef>
+            <a:fillRef idx="0">
+              <a:schemeClr val="accent1"/>
+            </a:fillRef>
+            <a:effectRef idx="0">
+              <a:schemeClr val="accent1"/>
+            </a:effectRef>
+            <a:fontRef idx="minor">
+              <a:schemeClr val="tx1"/>
+            </a:fontRef>
+          </p:style>
+        </p:cxnSp>
+        <p:cxnSp>
+          <p:nvCxnSpPr>
+            <p:cNvPr id="4" name="直接连接符 3"/>
+            <p:cNvCxnSpPr/>
+            <p:nvPr/>
+          </p:nvCxnSpPr>
+          <p:spPr>
+            <a:xfrm>
+              <a:off x="6962775" y="171450"/>
+              <a:ext cx="28322" cy="1066800"/>
+            </a:xfrm>
+            <a:prstGeom prst="line">
+              <a:avLst/>
+            </a:prstGeom>
+            <a:ln w="31750">
+              <a:solidFill>
+                <a:srgbClr val="1E50A6"/>
+              </a:solidFill>
+            </a:ln>
+          </p:spPr>
+          <p:style>
+            <a:lnRef idx="1">
+              <a:schemeClr val="accent1"/>
+            </a:lnRef>
+            <a:fillRef idx="0">
+              <a:schemeClr val="accent1"/>
+            </a:fillRef>
+            <a:effectRef idx="0">
+              <a:schemeClr val="accent1"/>
+            </a:effectRef>
+            <a:fontRef idx="minor">
+              <a:schemeClr val="tx1"/>
+            </a:fontRef>
+          </p:style>
+        </p:cxnSp>
+        <p:pic>
+          <p:nvPicPr>
+            <p:cNvPr id="5" name="图片 4"/>
+            <p:cNvPicPr>
+              <a:picLocks noChangeAspect="1"/>
+            </p:cNvPicPr>
+            <p:nvPr/>
+          </p:nvPicPr>
+          <p:blipFill rotWithShape="1">
+            <a:blip r:embed="rId2">
+              <a:extLst>
+                <a:ext uri="{28A0092B-C50C-407E-A947-70E740481C1C}">
+                  <a14:useLocalDpi xmlns:a14="http://schemas.microsoft.com/office/drawing/2010/main" val="0"/>
+                </a:ext>
+              </a:extLst>
+            </a:blip>
+            <a:srcRect t="36874" r="33358" b="34304"/>
+            <a:stretch>
+              <a:fillRect/>
+            </a:stretch>
+          </p:blipFill>
+          <p:spPr>
+            <a:xfrm>
+              <a:off x="7076536" y="261127"/>
+              <a:ext cx="1913266" cy="765415"/>
+            </a:xfrm>
+            <a:prstGeom prst="rect">
+              <a:avLst/>
+            </a:prstGeom>
+          </p:spPr>
+        </p:pic>
+      </p:grpSp>
+      <p:sp>
+        <p:nvSpPr>
+          <p:cNvPr id="6" name="矩形 5"/>
+          <p:cNvSpPr/>
+          <p:nvPr/>
+        </p:nvSpPr>
+        <p:spPr>
+          <a:xfrm>
+            <a:off x="0" y="6573627"/>
+            <a:ext cx="9144000" cy="285750"/>
+          </a:xfrm>
+          <a:prstGeom prst="rect">
+            <a:avLst/>
+          </a:prstGeom>
+          <a:solidFill>
+            <a:srgbClr val="1B4DA5"/>
+          </a:solidFill>
+          <a:ln>
+            <a:noFill/>
+          </a:ln>
+        </p:spPr>
+        <p:style>
+          <a:lnRef idx="2">
+            <a:schemeClr val="accent1">
+              <a:shade val="50000"/>
+            </a:schemeClr>
+          </a:lnRef>
+          <a:fillRef idx="1">
+            <a:schemeClr val="accent1"/>
+          </a:fillRef>
+          <a:effectRef idx="0">
+            <a:schemeClr val="accent1"/>
+          </a:effectRef>
+          <a:fontRef idx="minor">
+            <a:schemeClr val="lt1"/>
+          </a:fontRef>
+        </p:style>
+        <p:txBody>
+          <a:bodyPr rtlCol="0" anchor="ctr"/>
+          <a:lstStyle/>
+          <a:p>
+            <a:pPr algn="ctr"/>
+            <a:r>
+              <a:rPr lang="zh-CN" altLang="zh-CN" sz="1200" dirty="0">
+                <a:latin typeface="黑体" panose="02010609060101010101" pitchFamily="49" charset="-122"/>
+                <a:ea typeface="黑体" panose="02010609060101010101" pitchFamily="49" charset="-122"/>
+              </a:rPr>
+              <a:t>移动对象的时空轨迹相似性</a:t>
+            </a:r>
+            <a:r>
+              <a:rPr lang="zh-CN" altLang="zh-CN" sz="1200" dirty="0" smtClean="0">
+                <a:latin typeface="黑体" panose="02010609060101010101" pitchFamily="49" charset="-122"/>
+                <a:ea typeface="黑体" panose="02010609060101010101" pitchFamily="49" charset="-122"/>
+              </a:rPr>
+              <a:t>算法</a:t>
+            </a:r>
+            <a:endParaRPr lang="zh-CN" altLang="en-US" sz="1200" dirty="0">
+              <a:latin typeface="黑体" panose="02010609060101010101" pitchFamily="49" charset="-122"/>
+              <a:ea typeface="黑体" panose="02010609060101010101" pitchFamily="49" charset="-122"/>
+              <a:cs typeface="Times New Roman" panose="02020603050405020304" pitchFamily="18" charset="0"/>
+            </a:endParaRPr>
+          </a:p>
+        </p:txBody>
+      </p:sp>
+      <p:sp>
+        <p:nvSpPr>
+          <p:cNvPr id="7" name="标题 1"/>
+          <p:cNvSpPr txBox="1">
+            <a:spLocks/>
+          </p:cNvSpPr>
+          <p:nvPr/>
+        </p:nvSpPr>
+        <p:spPr>
+          <a:xfrm>
+            <a:off x="628650" y="365125"/>
+            <a:ext cx="6324600" cy="715963"/>
+          </a:xfrm>
+          <a:prstGeom prst="rect">
+            <a:avLst/>
+          </a:prstGeom>
+        </p:spPr>
+        <p:txBody>
+          <a:bodyPr/>
+          <a:lstStyle>
+            <a:lvl1pPr algn="l" defTabSz="914400" rtl="0" eaLnBrk="1" latinLnBrk="0" hangingPunct="1">
+              <a:lnSpc>
+                <a:spcPct val="90000"/>
+              </a:lnSpc>
+              <a:spcBef>
+                <a:spcPct val="0"/>
+              </a:spcBef>
+              <a:buNone/>
+              <a:defRPr sz="4400" kern="1200">
+                <a:solidFill>
+                  <a:schemeClr val="tx1"/>
+                </a:solidFill>
+                <a:latin typeface="+mj-lt"/>
+                <a:ea typeface="+mj-ea"/>
+                <a:cs typeface="+mj-cs"/>
+              </a:defRPr>
+            </a:lvl1pPr>
+          </a:lstStyle>
+          <a:p>
+            <a:r>
+              <a:rPr lang="zh-CN" altLang="en-US" dirty="0" smtClean="0">
+                <a:latin typeface="Times New Roman" panose="02020603050405020304" pitchFamily="18" charset="0"/>
+                <a:ea typeface="黑体" panose="02010609060101010101" pitchFamily="49" charset="-122"/>
+                <a:cs typeface="Times New Roman" panose="02020603050405020304" pitchFamily="18" charset="0"/>
+              </a:rPr>
               <a:t>验证三维时空有效性</a:t>
             </a:r>
           </a:p>
@@ -28793,7 +29891,7 @@
 </p:sld>
 </file>
 
-<file path=ppt/slides/slide31.xml><?xml version="1.0" encoding="utf-8"?>
+<file path=ppt/slides/slide32.xml><?xml version="1.0" encoding="utf-8"?>
 <p:sld xmlns:a="http://schemas.openxmlformats.org/drawingml/2006/main" xmlns:r="http://schemas.openxmlformats.org/officeDocument/2006/relationships" xmlns:p="http://schemas.openxmlformats.org/presentationml/2006/main">
   <p:cSld>
     <p:spTree>
@@ -29520,7 +30618,7 @@
 </p:sld>
 </file>
 
-<file path=ppt/slides/slide32.xml><?xml version="1.0" encoding="utf-8"?>
+<file path=ppt/slides/slide33.xml><?xml version="1.0" encoding="utf-8"?>
 <p:sld xmlns:a="http://schemas.openxmlformats.org/drawingml/2006/main" xmlns:r="http://schemas.openxmlformats.org/officeDocument/2006/relationships" xmlns:p="http://schemas.openxmlformats.org/presentationml/2006/main">
   <p:cSld>
     <p:spTree>
@@ -30262,7 +31360,7 @@
 </p:sld>
 </file>
 
-<file path=ppt/slides/slide33.xml><?xml version="1.0" encoding="utf-8"?>
+<file path=ppt/slides/slide34.xml><?xml version="1.0" encoding="utf-8"?>
 <p:sld xmlns:a="http://schemas.openxmlformats.org/drawingml/2006/main" xmlns:r="http://schemas.openxmlformats.org/officeDocument/2006/relationships" xmlns:p="http://schemas.openxmlformats.org/presentationml/2006/main">
   <p:cSld>
     <p:spTree>
@@ -31276,7 +32374,7 @@
 </p:sld>
 </file>
 
-<file path=ppt/slides/slide34.xml><?xml version="1.0" encoding="utf-8"?>
+<file path=ppt/slides/slide35.xml><?xml version="1.0" encoding="utf-8"?>
 <p:sld xmlns:a="http://schemas.openxmlformats.org/drawingml/2006/main" xmlns:r="http://schemas.openxmlformats.org/officeDocument/2006/relationships" xmlns:p="http://schemas.openxmlformats.org/presentationml/2006/main">
   <p:cSld>
     <p:spTree>
@@ -39301,7 +40399,7 @@
         </p:blipFill>
         <p:spPr>
           <a:xfrm>
-            <a:off x="473657" y="1288033"/>
+            <a:off x="292502" y="3854163"/>
             <a:ext cx="4918572" cy="2635819"/>
           </a:xfrm>
           <a:prstGeom prst="rect">
@@ -39318,13 +40416,13 @@
           <p:nvPr>
             <p:extLst>
               <p:ext uri="{D42A27DB-BD31-4B8C-83A1-F6EECF244321}">
-                <p14:modId xmlns:p14="http://schemas.microsoft.com/office/powerpoint/2010/main" val="2728077259"/>
+                <p14:modId xmlns:p14="http://schemas.microsoft.com/office/powerpoint/2010/main" val="3236951197"/>
               </p:ext>
             </p:extLst>
           </p:nvPr>
         </p:nvGraphicFramePr>
         <p:xfrm>
-          <a:off x="1122153" y="3939004"/>
+          <a:off x="2950953" y="1458701"/>
           <a:ext cx="2122098" cy="2233113"/>
         </p:xfrm>
         <a:graphic>
@@ -40316,13 +41414,120 @@
       </p:graphicFrame>
       <p:sp>
         <p:nvSpPr>
+          <p:cNvPr id="16" name="文本框 15"/>
+          <p:cNvSpPr txBox="1"/>
+          <p:nvPr/>
+        </p:nvSpPr>
+        <p:spPr>
+          <a:xfrm>
+            <a:off x="472573" y="1464360"/>
+            <a:ext cx="2377574" cy="646331"/>
+          </a:xfrm>
+          <a:prstGeom prst="rect">
+            <a:avLst/>
+          </a:prstGeom>
+          <a:noFill/>
+        </p:spPr>
+        <p:txBody>
+          <a:bodyPr wrap="none" rtlCol="0">
+            <a:spAutoFit/>
+          </a:bodyPr>
+          <a:lstStyle/>
+          <a:p>
+            <a:r>
+              <a:rPr lang="zh-CN" altLang="en-US" dirty="0" smtClean="0">
+                <a:latin typeface="黑体" panose="02010609060101010101" pitchFamily="49" charset="-122"/>
+                <a:ea typeface="黑体" panose="02010609060101010101" pitchFamily="49" charset="-122"/>
+              </a:rPr>
+              <a:t>基于时间信息</a:t>
+            </a:r>
+            <a:r>
+              <a:rPr lang="zh-CN" altLang="en-US" dirty="0" smtClean="0">
+                <a:latin typeface="黑体" panose="02010609060101010101" pitchFamily="49" charset="-122"/>
+                <a:ea typeface="黑体" panose="02010609060101010101" pitchFamily="49" charset="-122"/>
+              </a:rPr>
+              <a:t>的</a:t>
+            </a:r>
+            <a:endParaRPr lang="en-US" altLang="zh-CN" dirty="0" smtClean="0">
+              <a:latin typeface="黑体" panose="02010609060101010101" pitchFamily="49" charset="-122"/>
+              <a:ea typeface="黑体" panose="02010609060101010101" pitchFamily="49" charset="-122"/>
+            </a:endParaRPr>
+          </a:p>
+          <a:p>
+            <a:r>
+              <a:rPr lang="zh-CN" altLang="en-US" dirty="0" smtClean="0">
+                <a:latin typeface="黑体" panose="02010609060101010101" pitchFamily="49" charset="-122"/>
+                <a:ea typeface="黑体" panose="02010609060101010101" pitchFamily="49" charset="-122"/>
+              </a:rPr>
+              <a:t>轨迹</a:t>
+            </a:r>
+            <a:r>
+              <a:rPr lang="zh-CN" altLang="en-US" dirty="0" smtClean="0">
+                <a:latin typeface="黑体" panose="02010609060101010101" pitchFamily="49" charset="-122"/>
+                <a:ea typeface="黑体" panose="02010609060101010101" pitchFamily="49" charset="-122"/>
+              </a:rPr>
+              <a:t>表示模型（</a:t>
+            </a:r>
+            <a:r>
+              <a:rPr lang="en-US" altLang="zh-CN" dirty="0" smtClean="0">
+                <a:latin typeface="黑体" panose="02010609060101010101" pitchFamily="49" charset="-122"/>
+                <a:ea typeface="黑体" panose="02010609060101010101" pitchFamily="49" charset="-122"/>
+              </a:rPr>
+              <a:t>TTR</a:t>
+            </a:r>
+            <a:r>
+              <a:rPr lang="zh-CN" altLang="en-US" dirty="0" smtClean="0">
+                <a:latin typeface="黑体" panose="02010609060101010101" pitchFamily="49" charset="-122"/>
+                <a:ea typeface="黑体" panose="02010609060101010101" pitchFamily="49" charset="-122"/>
+              </a:rPr>
+              <a:t>）</a:t>
+            </a:r>
+            <a:endParaRPr lang="zh-CN" altLang="en-US" dirty="0">
+              <a:latin typeface="黑体" panose="02010609060101010101" pitchFamily="49" charset="-122"/>
+              <a:ea typeface="黑体" panose="02010609060101010101" pitchFamily="49" charset="-122"/>
+            </a:endParaRPr>
+          </a:p>
+        </p:txBody>
+      </p:sp>
+      <p:pic>
+        <p:nvPicPr>
+          <p:cNvPr id="4" name="图片 3"/>
+          <p:cNvPicPr>
+            <a:picLocks noChangeAspect="1"/>
+          </p:cNvPicPr>
+          <p:nvPr/>
+        </p:nvPicPr>
+        <p:blipFill>
+          <a:blip r:embed="rId4">
+            <a:extLst>
+              <a:ext uri="{28A0092B-C50C-407E-A947-70E740481C1C}">
+                <a14:useLocalDpi xmlns:a14="http://schemas.microsoft.com/office/drawing/2010/main" val="0"/>
+              </a:ext>
+            </a:extLst>
+          </a:blip>
+          <a:stretch>
+            <a:fillRect/>
+          </a:stretch>
+        </p:blipFill>
+        <p:spPr>
+          <a:xfrm>
+            <a:off x="5211074" y="3854163"/>
+            <a:ext cx="3458473" cy="2593855"/>
+          </a:xfrm>
+          <a:prstGeom prst="rect">
+            <a:avLst/>
+          </a:prstGeom>
+        </p:spPr>
+      </p:pic>
+      <p:sp>
+        <p:nvSpPr>
           <p:cNvPr id="15" name="Freeform 12"/>
           <p:cNvSpPr/>
           <p:nvPr/>
         </p:nvSpPr>
         <p:spPr bwMode="auto">
-          <a:xfrm rot="9478107">
-            <a:off x="3647552" y="4262033"/>
+          <a:xfrm rot="3906738">
+            <a:off x="5144153" y="2573000"/>
             <a:ext cx="2022510" cy="1127234"/>
           </a:xfrm>
           <a:custGeom>
@@ -40844,86 +42049,6 @@
           </a:p>
         </p:txBody>
       </p:sp>
-      <p:sp>
-        <p:nvSpPr>
-          <p:cNvPr id="16" name="文本框 15"/>
-          <p:cNvSpPr txBox="1"/>
-          <p:nvPr/>
-        </p:nvSpPr>
-        <p:spPr>
-          <a:xfrm>
-            <a:off x="763582" y="6204295"/>
-            <a:ext cx="3993401" cy="369332"/>
-          </a:xfrm>
-          <a:prstGeom prst="rect">
-            <a:avLst/>
-          </a:prstGeom>
-          <a:noFill/>
-        </p:spPr>
-        <p:txBody>
-          <a:bodyPr wrap="none" rtlCol="0">
-            <a:spAutoFit/>
-          </a:bodyPr>
-          <a:lstStyle/>
-          <a:p>
-            <a:r>
-              <a:rPr lang="zh-CN" altLang="en-US" dirty="0" smtClean="0">
-                <a:latin typeface="黑体" panose="02010609060101010101" pitchFamily="49" charset="-122"/>
-                <a:ea typeface="黑体" panose="02010609060101010101" pitchFamily="49" charset="-122"/>
-              </a:rPr>
-              <a:t>基于时间信息的轨迹表示模型（</a:t>
-            </a:r>
-            <a:r>
-              <a:rPr lang="en-US" altLang="zh-CN" dirty="0" smtClean="0">
-                <a:latin typeface="黑体" panose="02010609060101010101" pitchFamily="49" charset="-122"/>
-                <a:ea typeface="黑体" panose="02010609060101010101" pitchFamily="49" charset="-122"/>
-              </a:rPr>
-              <a:t>TTR</a:t>
-            </a:r>
-            <a:r>
-              <a:rPr lang="zh-CN" altLang="en-US" dirty="0" smtClean="0">
-                <a:latin typeface="黑体" panose="02010609060101010101" pitchFamily="49" charset="-122"/>
-                <a:ea typeface="黑体" panose="02010609060101010101" pitchFamily="49" charset="-122"/>
-              </a:rPr>
-              <a:t>）</a:t>
-            </a:r>
-            <a:endParaRPr lang="zh-CN" altLang="en-US" dirty="0">
-              <a:latin typeface="黑体" panose="02010609060101010101" pitchFamily="49" charset="-122"/>
-              <a:ea typeface="黑体" panose="02010609060101010101" pitchFamily="49" charset="-122"/>
-            </a:endParaRPr>
-          </a:p>
-        </p:txBody>
-      </p:sp>
-      <p:pic>
-        <p:nvPicPr>
-          <p:cNvPr id="4" name="图片 3"/>
-          <p:cNvPicPr>
-            <a:picLocks noChangeAspect="1"/>
-          </p:cNvPicPr>
-          <p:nvPr/>
-        </p:nvPicPr>
-        <p:blipFill>
-          <a:blip r:embed="rId4">
-            <a:extLst>
-              <a:ext uri="{28A0092B-C50C-407E-A947-70E740481C1C}">
-                <a14:useLocalDpi xmlns:a14="http://schemas.microsoft.com/office/drawing/2010/main" val="0"/>
-              </a:ext>
-            </a:extLst>
-          </a:blip>
-          <a:stretch>
-            <a:fillRect/>
-          </a:stretch>
-        </p:blipFill>
-        <p:spPr>
-          <a:xfrm>
-            <a:off x="5392229" y="1288033"/>
-            <a:ext cx="3458473" cy="2593855"/>
-          </a:xfrm>
-          <a:prstGeom prst="rect">
-            <a:avLst/>
-          </a:prstGeom>
-        </p:spPr>
-      </p:pic>
     </p:spTree>
     <p:extLst>
       <p:ext uri="{BB962C8B-B14F-4D97-AF65-F5344CB8AC3E}">
@@ -42564,7 +43689,7 @@
                 <a:latin typeface="黑体" panose="02010609060101010101" pitchFamily="49" charset="-122"/>
                 <a:ea typeface="黑体" panose="02010609060101010101" pitchFamily="49" charset="-122"/>
               </a:rPr>
-              <a:t>算法</a:t>
+              <a:t>算法分别考虑时间空间维度，可能导致使轨迹</a:t>
             </a:r>
             <a:r>
               <a:rPr lang="zh-CN" altLang="en-US" sz="1600" b="0" dirty="0" smtClean="0">
@@ -42574,16 +43699,12 @@
                 <a:latin typeface="黑体" panose="02010609060101010101" pitchFamily="49" charset="-122"/>
                 <a:ea typeface="黑体" panose="02010609060101010101" pitchFamily="49" charset="-122"/>
               </a:rPr>
-              <a:t>分别考虑时间空间维度</a:t>
-            </a:r>
-            <a:r>
-              <a:rPr lang="zh-CN" altLang="en-US" sz="1600" b="0" dirty="0" smtClean="0">
-                <a:latin typeface="黑体" panose="02010609060101010101" pitchFamily="49" charset="-122"/>
-                <a:ea typeface="黑体" panose="02010609060101010101" pitchFamily="49" charset="-122"/>
-              </a:rPr>
-              <a:t>，可能导致使轨迹时空对应关系的混乱</a:t>
+              <a:t>时空对应关系的混乱</a:t>
             </a:r>
             <a:endParaRPr lang="en-US" altLang="zh-CN" sz="1600" b="0" dirty="0" smtClean="0">
+              <a:solidFill>
+                <a:srgbClr val="FF0000"/>
+              </a:solidFill>
               <a:latin typeface="黑体" panose="02010609060101010101" pitchFamily="49" charset="-122"/>
               <a:ea typeface="黑体" panose="02010609060101010101" pitchFamily="49" charset="-122"/>
             </a:endParaRPr>
@@ -44062,8 +45183,8 @@
           </a:p>
         </p:txBody>
       </p:sp>
-      <mc:AlternateContent xmlns:mc="http://schemas.openxmlformats.org/markup-compatibility/2006" xmlns:a14="http://schemas.microsoft.com/office/drawing/2010/main">
-        <mc:Choice Requires="a14">
+      <mc:AlternateContent xmlns:mc="http://schemas.openxmlformats.org/markup-compatibility/2006">
+        <mc:Choice xmlns:a14="http://schemas.microsoft.com/office/drawing/2010/main" Requires="a14">
           <p:sp>
             <p:nvSpPr>
               <p:cNvPr id="18" name="矩形 17"/>
@@ -44091,7 +45212,7 @@
                 </a:r>
                 <a:r>
                   <a:rPr lang="zh-CN" altLang="en-US" dirty="0"/>
-                  <a:t>参数</a:t>
+                  <a:t>因素</a:t>
                 </a:r>
                 <a14:m>
                   <m:oMath xmlns:m="http://schemas.openxmlformats.org/officeDocument/2006/math">
@@ -44127,7 +45248,7 @@
             </p:txBody>
           </p:sp>
         </mc:Choice>
-        <mc:Fallback xmlns="">
+        <mc:Fallback>
           <p:sp>
             <p:nvSpPr>
               <p:cNvPr id="18" name="矩形 17"/>

--- a/移动对象的时空轨迹相似性查询算法-丁光伟-第2版.pptx
+++ b/移动对象的时空轨迹相似性查询算法-丁光伟-第2版.pptx
@@ -578,6 +578,90 @@
           <a:p>
             <a:fld id="{F8A4E550-F08C-490A-AE9D-597818A582E3}" type="slidenum">
               <a:rPr lang="zh-CN" altLang="en-US" smtClean="0"/>
+              <a:t>1</a:t>
+            </a:fld>
+            <a:endParaRPr lang="zh-CN" altLang="en-US"/>
+          </a:p>
+        </p:txBody>
+      </p:sp>
+    </p:spTree>
+    <p:extLst>
+      <p:ext uri="{BB962C8B-B14F-4D97-AF65-F5344CB8AC3E}">
+        <p14:creationId xmlns:p14="http://schemas.microsoft.com/office/powerpoint/2010/main" val="2779140150"/>
+      </p:ext>
+    </p:extLst>
+  </p:cSld>
+  <p:clrMapOvr>
+    <a:masterClrMapping/>
+  </p:clrMapOvr>
+</p:notes>
+</file>
+
+<file path=ppt/notesSlides/notesSlide2.xml><?xml version="1.0" encoding="utf-8"?>
+<p:notes xmlns:a="http://schemas.openxmlformats.org/drawingml/2006/main" xmlns:r="http://schemas.openxmlformats.org/officeDocument/2006/relationships" xmlns:p="http://schemas.openxmlformats.org/presentationml/2006/main">
+  <p:cSld>
+    <p:spTree>
+      <p:nvGrpSpPr>
+        <p:cNvPr id="1" name=""/>
+        <p:cNvGrpSpPr/>
+        <p:nvPr/>
+      </p:nvGrpSpPr>
+      <p:grpSpPr>
+        <a:xfrm>
+          <a:off x="0" y="0"/>
+          <a:ext cx="0" cy="0"/>
+          <a:chOff x="0" y="0"/>
+          <a:chExt cx="0" cy="0"/>
+        </a:xfrm>
+      </p:grpSpPr>
+      <p:sp>
+        <p:nvSpPr>
+          <p:cNvPr id="2" name="幻灯片图像占位符 1"/>
+          <p:cNvSpPr>
+            <a:spLocks noGrp="1" noRot="1" noChangeAspect="1"/>
+          </p:cNvSpPr>
+          <p:nvPr>
+            <p:ph type="sldImg"/>
+          </p:nvPr>
+        </p:nvSpPr>
+        <p:spPr/>
+      </p:sp>
+      <p:sp>
+        <p:nvSpPr>
+          <p:cNvPr id="3" name="备注占位符 2"/>
+          <p:cNvSpPr>
+            <a:spLocks noGrp="1"/>
+          </p:cNvSpPr>
+          <p:nvPr>
+            <p:ph type="body" idx="1"/>
+          </p:nvPr>
+        </p:nvSpPr>
+        <p:spPr/>
+        <p:txBody>
+          <a:bodyPr/>
+          <a:lstStyle/>
+          <a:p>
+            <a:endParaRPr lang="zh-CN" altLang="en-US" dirty="0"/>
+          </a:p>
+        </p:txBody>
+      </p:sp>
+      <p:sp>
+        <p:nvSpPr>
+          <p:cNvPr id="4" name="灯片编号占位符 3"/>
+          <p:cNvSpPr>
+            <a:spLocks noGrp="1"/>
+          </p:cNvSpPr>
+          <p:nvPr>
+            <p:ph type="sldNum" sz="quarter" idx="10"/>
+          </p:nvPr>
+        </p:nvSpPr>
+        <p:spPr/>
+        <p:txBody>
+          <a:bodyPr/>
+          <a:lstStyle/>
+          <a:p>
+            <a:fld id="{F8A4E550-F08C-490A-AE9D-597818A582E3}" type="slidenum">
+              <a:rPr lang="zh-CN" altLang="en-US" smtClean="0"/>
               <a:t>5</a:t>
             </a:fld>
             <a:endParaRPr lang="zh-CN" altLang="en-US"/>
@@ -597,7 +681,7 @@
 </p:notes>
 </file>
 
-<file path=ppt/notesSlides/notesSlide2.xml><?xml version="1.0" encoding="utf-8"?>
+<file path=ppt/notesSlides/notesSlide3.xml><?xml version="1.0" encoding="utf-8"?>
 <p:notes xmlns:a="http://schemas.openxmlformats.org/drawingml/2006/main" xmlns:r="http://schemas.openxmlformats.org/officeDocument/2006/relationships" xmlns:p="http://schemas.openxmlformats.org/presentationml/2006/main">
   <p:cSld>
     <p:spTree>
@@ -3599,7 +3683,7 @@
             <p:nvPr/>
           </p:nvPicPr>
           <p:blipFill rotWithShape="1">
-            <a:blip r:embed="rId2">
+            <a:blip r:embed="rId3">
               <a:extLst>
                 <a:ext uri="{28A0092B-C50C-407E-A947-70E740481C1C}">
                   <a14:useLocalDpi xmlns:a14="http://schemas.microsoft.com/office/drawing/2010/main" val="0"/>
@@ -5636,8 +5720,8 @@
           </a:p>
         </p:txBody>
       </p:sp>
-      <mc:AlternateContent xmlns:mc="http://schemas.openxmlformats.org/markup-compatibility/2006" xmlns:a14="http://schemas.microsoft.com/office/drawing/2010/main">
-        <mc:Choice Requires="a14">
+      <mc:AlternateContent xmlns:mc="http://schemas.openxmlformats.org/markup-compatibility/2006">
+        <mc:Choice xmlns:a14="http://schemas.microsoft.com/office/drawing/2010/main" Requires="a14">
           <p:sp>
             <p:nvSpPr>
               <p:cNvPr id="18" name="矩形 17"/>
@@ -5663,12 +5747,14 @@
                   <a:rPr lang="zh-CN" altLang="en-US" dirty="0" smtClean="0"/>
                   <a:t>时空转化</a:t>
                 </a:r>
-                <a:r>
-                  <a:rPr lang="zh-CN" altLang="en-US" dirty="0"/>
-                  <a:t>因素</a:t>
-                </a:r>
                 <a14:m>
                   <m:oMath xmlns:m="http://schemas.openxmlformats.org/officeDocument/2006/math">
+                    <m:r>
+                      <a:rPr lang="zh-CN" altLang="en-US" i="1" smtClean="0">
+                        <a:latin typeface="Cambria Math" panose="02040503050406030204" pitchFamily="18" charset="0"/>
+                      </a:rPr>
+                      <m:t>参数</m:t>
+                    </m:r>
                     <m:sSub>
                       <m:sSubPr>
                         <m:ctrlPr>
@@ -5701,7 +5787,7 @@
             </p:txBody>
           </p:sp>
         </mc:Choice>
-        <mc:Fallback xmlns="">
+        <mc:Fallback>
           <p:sp>
             <p:nvSpPr>
               <p:cNvPr id="18" name="矩形 17"/>
@@ -6488,8 +6574,8 @@
           </a:p>
         </p:txBody>
       </p:sp>
-      <mc:AlternateContent xmlns:mc="http://schemas.openxmlformats.org/markup-compatibility/2006" xmlns:a14="http://schemas.microsoft.com/office/drawing/2010/main">
-        <mc:Choice Requires="a14">
+      <mc:AlternateContent xmlns:mc="http://schemas.openxmlformats.org/markup-compatibility/2006">
+        <mc:Choice xmlns:a14="http://schemas.microsoft.com/office/drawing/2010/main" Requires="a14">
           <p:sp>
             <p:nvSpPr>
               <p:cNvPr id="18" name="矩形 17"/>
@@ -6513,14 +6599,20 @@
               <a:p>
                 <a:r>
                   <a:rPr lang="zh-CN" altLang="en-US" dirty="0" smtClean="0"/>
-                  <a:t>时空转化</a:t>
+                  <a:t>时空</a:t>
                 </a:r>
                 <a:r>
-                  <a:rPr lang="zh-CN" altLang="en-US" dirty="0"/>
-                  <a:t>因素</a:t>
+                  <a:rPr lang="zh-CN" altLang="en-US" dirty="0" smtClean="0"/>
+                  <a:t>转化</a:t>
                 </a:r>
                 <a14:m>
                   <m:oMath xmlns:m="http://schemas.openxmlformats.org/officeDocument/2006/math">
+                    <m:r>
+                      <a:rPr lang="zh-CN" altLang="en-US" i="1">
+                        <a:latin typeface="Cambria Math" panose="02040503050406030204" pitchFamily="18" charset="0"/>
+                      </a:rPr>
+                      <m:t>参数</m:t>
+                    </m:r>
                     <m:sSub>
                       <m:sSubPr>
                         <m:ctrlPr>
@@ -6553,7 +6645,7 @@
             </p:txBody>
           </p:sp>
         </mc:Choice>
-        <mc:Fallback xmlns="">
+        <mc:Fallback>
           <p:sp>
             <p:nvSpPr>
               <p:cNvPr id="18" name="矩形 17"/>
@@ -6571,7 +6663,7 @@
                 <a:avLst/>
               </a:prstGeom>
               <a:blipFill>
-                <a:blip r:embed="rId6"/>
+                <a:blip r:embed="rId5"/>
                 <a:stretch>
                   <a:fillRect l="-2685" t="-15000" b="-21667"/>
                 </a:stretch>
@@ -6615,7 +6707,7 @@
             <p:nvPr/>
           </p:nvPicPr>
           <p:blipFill>
-            <a:blip r:embed="rId7"/>
+            <a:blip r:embed="rId6"/>
             <a:stretch>
               <a:fillRect/>
             </a:stretch>
@@ -7455,7 +7547,15 @@
           <a:p>
             <a:r>
               <a:rPr lang="zh-CN" altLang="en-US" dirty="0" smtClean="0"/>
-              <a:t>优势：保持时间有序</a:t>
+              <a:t>优势</a:t>
+            </a:r>
+            <a:r>
+              <a:rPr lang="zh-CN" altLang="en-US" dirty="0" smtClean="0"/>
+              <a:t>：保持时间</a:t>
+            </a:r>
+            <a:r>
+              <a:rPr lang="zh-CN" altLang="en-US" dirty="0" smtClean="0"/>
+              <a:t>有序</a:t>
             </a:r>
           </a:p>
         </p:txBody>
@@ -12440,7 +12540,7 @@
         </p:nvSpPr>
         <p:spPr>
           <a:xfrm>
-            <a:off x="1880557" y="3773506"/>
+            <a:off x="2076271" y="3735321"/>
             <a:ext cx="2467154" cy="369332"/>
           </a:xfrm>
           <a:prstGeom prst="rect">
@@ -12462,13 +12562,7 @@
           </a:bodyPr>
           <a:lstStyle/>
           <a:p>
-            <a:pPr algn="ctr" eaLnBrk="1" fontAlgn="auto" hangingPunct="1">
-              <a:spcBef>
-                <a:spcPts val="0"/>
-              </a:spcBef>
-              <a:spcAft>
-                <a:spcPts val="0"/>
-              </a:spcAft>
+            <a:pPr algn="ctr">
               <a:defRPr/>
             </a:pPr>
             <a:r>
@@ -12480,60 +12574,10 @@
                 <a:ea typeface="黑体" panose="02010609060101010101" pitchFamily="49" charset="-122"/>
                 <a:cs typeface="Times New Roman" panose="02020603050405020304" pitchFamily="18" charset="0"/>
               </a:rPr>
-              <a:t>断点</a:t>
-            </a:r>
-            <a:endParaRPr lang="zh-CN" altLang="en-US" dirty="0">
-              <a:solidFill>
-                <a:schemeClr val="bg1"/>
-              </a:solidFill>
-              <a:latin typeface="Times New Roman" panose="02020603050405020304" pitchFamily="18" charset="0"/>
-              <a:ea typeface="黑体" panose="02010609060101010101" pitchFamily="49" charset="-122"/>
-              <a:cs typeface="Times New Roman" panose="02020603050405020304" pitchFamily="18" charset="0"/>
-            </a:endParaRPr>
-          </a:p>
-        </p:txBody>
-      </p:sp>
-      <p:sp>
-        <p:nvSpPr>
-          <p:cNvPr id="19" name="文本框 18"/>
-          <p:cNvSpPr txBox="1"/>
-          <p:nvPr/>
-        </p:nvSpPr>
-        <p:spPr>
-          <a:xfrm>
-            <a:off x="5015394" y="3773506"/>
-            <a:ext cx="2467154" cy="369332"/>
-          </a:xfrm>
-          <a:prstGeom prst="rect">
-            <a:avLst/>
-          </a:prstGeom>
-          <a:solidFill>
-            <a:schemeClr val="accent2">
-              <a:lumMod val="50000"/>
-              <a:alpha val="80000"/>
-            </a:schemeClr>
-          </a:solidFill>
-          <a:effectLst>
-            <a:softEdge rad="25400"/>
-          </a:effectLst>
-        </p:spPr>
-        <p:txBody>
-          <a:bodyPr>
-            <a:spAutoFit/>
-          </a:bodyPr>
-          <a:lstStyle/>
-          <a:p>
-            <a:pPr algn="ctr" eaLnBrk="1" fontAlgn="auto" hangingPunct="1">
-              <a:spcBef>
-                <a:spcPts val="0"/>
-              </a:spcBef>
-              <a:spcAft>
-                <a:spcPts val="0"/>
-              </a:spcAft>
-              <a:defRPr/>
-            </a:pPr>
-            <a:r>
-              <a:rPr lang="zh-CN" altLang="en-US" dirty="0" smtClean="0">
+              <a:t>时空</a:t>
+            </a:r>
+            <a:r>
+              <a:rPr lang="zh-CN" altLang="en-US" dirty="0">
                 <a:solidFill>
                   <a:schemeClr val="bg1"/>
                 </a:solidFill>
@@ -12541,7 +12585,7 @@
                 <a:ea typeface="黑体" panose="02010609060101010101" pitchFamily="49" charset="-122"/>
                 <a:cs typeface="Times New Roman" panose="02020603050405020304" pitchFamily="18" charset="0"/>
               </a:rPr>
-              <a:t>轨迹段时空距离</a:t>
+              <a:t>距离</a:t>
             </a:r>
             <a:endParaRPr lang="zh-CN" altLang="en-US" dirty="0">
               <a:solidFill>
@@ -12562,7 +12606,7 @@
         </p:nvSpPr>
         <p:spPr>
           <a:xfrm>
-            <a:off x="1880557" y="4376469"/>
+            <a:off x="3552603" y="4527347"/>
             <a:ext cx="2467154" cy="369332"/>
           </a:xfrm>
           <a:prstGeom prst="rect">
@@ -12583,17 +12627,11 @@
           </a:bodyPr>
           <a:lstStyle/>
           <a:p>
-            <a:pPr algn="ctr" eaLnBrk="1" fontAlgn="auto" hangingPunct="1">
-              <a:spcBef>
-                <a:spcPts val="0"/>
-              </a:spcBef>
-              <a:spcAft>
-                <a:spcPts val="0"/>
-              </a:spcAft>
+            <a:pPr algn="ctr">
               <a:defRPr/>
             </a:pPr>
             <a:r>
-              <a:rPr lang="zh-CN" altLang="en-US" dirty="0" smtClean="0">
+              <a:rPr lang="zh-CN" altLang="en-US" dirty="0">
                 <a:solidFill>
                   <a:schemeClr val="bg1"/>
                 </a:solidFill>
@@ -12601,7 +12639,18 @@
                 <a:ea typeface="黑体" panose="02010609060101010101" pitchFamily="49" charset="-122"/>
                 <a:cs typeface="Times New Roman" panose="02020603050405020304" pitchFamily="18" charset="0"/>
               </a:rPr>
-              <a:t>形状影响因素</a:t>
+              <a:t>轨迹</a:t>
+            </a:r>
+            <a:r>
+              <a:rPr lang="zh-CN" altLang="en-US" dirty="0" smtClean="0">
+                <a:solidFill>
+                  <a:schemeClr val="bg1"/>
+                </a:solidFill>
+                <a:latin typeface="Times New Roman" panose="02020603050405020304" pitchFamily="18" charset="0"/>
+                <a:ea typeface="黑体" panose="02010609060101010101" pitchFamily="49" charset="-122"/>
+                <a:cs typeface="Times New Roman" panose="02020603050405020304" pitchFamily="18" charset="0"/>
+              </a:rPr>
+              <a:t>段距离</a:t>
             </a:r>
             <a:endParaRPr lang="zh-CN" altLang="en-US" dirty="0">
               <a:solidFill>
@@ -12622,7 +12671,7 @@
         </p:nvSpPr>
         <p:spPr>
           <a:xfrm>
-            <a:off x="5015394" y="4376469"/>
+            <a:off x="3552603" y="5153575"/>
             <a:ext cx="2467154" cy="369332"/>
           </a:xfrm>
           <a:prstGeom prst="rect">
@@ -12644,17 +12693,11 @@
           </a:bodyPr>
           <a:lstStyle/>
           <a:p>
-            <a:pPr algn="ctr" eaLnBrk="1" fontAlgn="auto" hangingPunct="1">
-              <a:spcBef>
-                <a:spcPts val="0"/>
-              </a:spcBef>
-              <a:spcAft>
-                <a:spcPts val="0"/>
-              </a:spcAft>
+            <a:pPr algn="ctr">
               <a:defRPr/>
             </a:pPr>
             <a:r>
-              <a:rPr lang="zh-CN" altLang="en-US" dirty="0" smtClean="0">
+              <a:rPr lang="zh-CN" altLang="en-US" dirty="0">
                 <a:solidFill>
                   <a:schemeClr val="bg1"/>
                 </a:solidFill>
@@ -12662,7 +12705,7 @@
                 <a:ea typeface="黑体" panose="02010609060101010101" pitchFamily="49" charset="-122"/>
                 <a:cs typeface="Times New Roman" panose="02020603050405020304" pitchFamily="18" charset="0"/>
               </a:rPr>
-              <a:t>轨迹段间距离</a:t>
+              <a:t>轨迹距离</a:t>
             </a:r>
             <a:endParaRPr lang="zh-CN" altLang="en-US" dirty="0">
               <a:solidFill>
@@ -12683,7 +12726,7 @@
         </p:nvSpPr>
         <p:spPr>
           <a:xfrm>
-            <a:off x="1880557" y="4979432"/>
+            <a:off x="3552603" y="5863601"/>
             <a:ext cx="2467154" cy="369332"/>
           </a:xfrm>
           <a:prstGeom prst="rect">
@@ -12710,7 +12753,7 @@
               <a:defRPr/>
             </a:pPr>
             <a:r>
-              <a:rPr lang="zh-CN" altLang="en-US" dirty="0" smtClean="0">
+              <a:rPr lang="zh-CN" altLang="en-US" dirty="0">
                 <a:solidFill>
                   <a:schemeClr val="bg1"/>
                 </a:solidFill>
@@ -12718,7 +12761,7 @@
                 <a:ea typeface="黑体" panose="02010609060101010101" pitchFamily="49" charset="-122"/>
                 <a:cs typeface="Times New Roman" panose="02020603050405020304" pitchFamily="18" charset="0"/>
               </a:rPr>
-              <a:t>轨迹距离</a:t>
+              <a:t>轨迹相似性查询</a:t>
             </a:r>
             <a:endParaRPr lang="zh-CN" altLang="en-US" dirty="0">
               <a:solidFill>
@@ -12733,22 +12776,22 @@
       </p:sp>
       <p:sp>
         <p:nvSpPr>
-          <p:cNvPr id="23" name="文本框 22"/>
+          <p:cNvPr id="24" name="文本框 23"/>
           <p:cNvSpPr txBox="1"/>
           <p:nvPr/>
         </p:nvSpPr>
         <p:spPr>
           <a:xfrm>
-            <a:off x="5015394" y="4979432"/>
+            <a:off x="5015394" y="3737118"/>
             <a:ext cx="2467154" cy="369332"/>
           </a:xfrm>
           <a:prstGeom prst="rect">
             <a:avLst/>
           </a:prstGeom>
           <a:solidFill>
-            <a:schemeClr val="accent4">
-              <a:lumMod val="50000"/>
-              <a:alpha val="80000"/>
+            <a:schemeClr val="accent5">
+              <a:lumMod val="75000"/>
+              <a:alpha val="90000"/>
             </a:schemeClr>
           </a:solidFill>
           <a:effectLst>
@@ -12761,17 +12804,11 @@
           </a:bodyPr>
           <a:lstStyle/>
           <a:p>
-            <a:pPr algn="ctr" eaLnBrk="1" fontAlgn="auto" hangingPunct="1">
-              <a:spcBef>
-                <a:spcPts val="0"/>
-              </a:spcBef>
-              <a:spcAft>
-                <a:spcPts val="0"/>
-              </a:spcAft>
+            <a:pPr algn="ctr">
               <a:defRPr/>
             </a:pPr>
             <a:r>
-              <a:rPr lang="zh-CN" altLang="en-US" dirty="0" smtClean="0">
+              <a:rPr lang="zh-CN" altLang="en-US" dirty="0">
                 <a:solidFill>
                   <a:schemeClr val="bg1"/>
                 </a:solidFill>
@@ -12779,7 +12816,18 @@
                 <a:ea typeface="黑体" panose="02010609060101010101" pitchFamily="49" charset="-122"/>
                 <a:cs typeface="Times New Roman" panose="02020603050405020304" pitchFamily="18" charset="0"/>
               </a:rPr>
-              <a:t>轨迹相似性查询</a:t>
+              <a:t>形状</a:t>
+            </a:r>
+            <a:r>
+              <a:rPr lang="zh-CN" altLang="en-US" dirty="0" smtClean="0">
+                <a:solidFill>
+                  <a:schemeClr val="bg1"/>
+                </a:solidFill>
+                <a:latin typeface="Times New Roman" panose="02020603050405020304" pitchFamily="18" charset="0"/>
+                <a:ea typeface="黑体" panose="02010609060101010101" pitchFamily="49" charset="-122"/>
+                <a:cs typeface="Times New Roman" panose="02020603050405020304" pitchFamily="18" charset="0"/>
+              </a:rPr>
+              <a:t>影响</a:t>
             </a:r>
             <a:endParaRPr lang="zh-CN" altLang="en-US" dirty="0">
               <a:solidFill>
@@ -12792,6 +12840,150 @@
           </a:p>
         </p:txBody>
       </p:sp>
+      <p:cxnSp>
+        <p:nvCxnSpPr>
+          <p:cNvPr id="9" name="肘形连接符 8"/>
+          <p:cNvCxnSpPr>
+            <a:stCxn id="18" idx="2"/>
+            <a:endCxn id="20" idx="0"/>
+          </p:cNvCxnSpPr>
+          <p:nvPr/>
+        </p:nvCxnSpPr>
+        <p:spPr>
+          <a:xfrm rot="16200000" flipH="1">
+            <a:off x="3836667" y="3577834"/>
+            <a:ext cx="422694" cy="1476332"/>
+          </a:xfrm>
+          <a:prstGeom prst="bentConnector3">
+            <a:avLst/>
+          </a:prstGeom>
+          <a:ln>
+            <a:tailEnd type="triangle"/>
+          </a:ln>
+        </p:spPr>
+        <p:style>
+          <a:lnRef idx="1">
+            <a:schemeClr val="accent1"/>
+          </a:lnRef>
+          <a:fillRef idx="0">
+            <a:schemeClr val="accent1"/>
+          </a:fillRef>
+          <a:effectRef idx="0">
+            <a:schemeClr val="accent1"/>
+          </a:effectRef>
+          <a:fontRef idx="minor">
+            <a:schemeClr val="tx1"/>
+          </a:fontRef>
+        </p:style>
+      </p:cxnSp>
+      <p:cxnSp>
+        <p:nvCxnSpPr>
+          <p:cNvPr id="25" name="肘形连接符 24"/>
+          <p:cNvCxnSpPr>
+            <a:stCxn id="24" idx="2"/>
+            <a:endCxn id="20" idx="0"/>
+          </p:cNvCxnSpPr>
+          <p:nvPr/>
+        </p:nvCxnSpPr>
+        <p:spPr>
+          <a:xfrm rot="5400000">
+            <a:off x="5307128" y="3585503"/>
+            <a:ext cx="420897" cy="1462791"/>
+          </a:xfrm>
+          <a:prstGeom prst="bentConnector3">
+            <a:avLst/>
+          </a:prstGeom>
+          <a:ln>
+            <a:tailEnd type="triangle"/>
+          </a:ln>
+        </p:spPr>
+        <p:style>
+          <a:lnRef idx="1">
+            <a:schemeClr val="accent1"/>
+          </a:lnRef>
+          <a:fillRef idx="0">
+            <a:schemeClr val="accent1"/>
+          </a:fillRef>
+          <a:effectRef idx="0">
+            <a:schemeClr val="accent1"/>
+          </a:effectRef>
+          <a:fontRef idx="minor">
+            <a:schemeClr val="tx1"/>
+          </a:fontRef>
+        </p:style>
+      </p:cxnSp>
+      <p:cxnSp>
+        <p:nvCxnSpPr>
+          <p:cNvPr id="27" name="直接箭头连接符 26"/>
+          <p:cNvCxnSpPr>
+            <a:stCxn id="20" idx="2"/>
+            <a:endCxn id="21" idx="0"/>
+          </p:cNvCxnSpPr>
+          <p:nvPr/>
+        </p:nvCxnSpPr>
+        <p:spPr>
+          <a:xfrm>
+            <a:off x="4786180" y="4896679"/>
+            <a:ext cx="0" cy="256896"/>
+          </a:xfrm>
+          <a:prstGeom prst="straightConnector1">
+            <a:avLst/>
+          </a:prstGeom>
+          <a:ln>
+            <a:tailEnd type="triangle"/>
+          </a:ln>
+        </p:spPr>
+        <p:style>
+          <a:lnRef idx="1">
+            <a:schemeClr val="accent1"/>
+          </a:lnRef>
+          <a:fillRef idx="0">
+            <a:schemeClr val="accent1"/>
+          </a:fillRef>
+          <a:effectRef idx="0">
+            <a:schemeClr val="accent1"/>
+          </a:effectRef>
+          <a:fontRef idx="minor">
+            <a:schemeClr val="tx1"/>
+          </a:fontRef>
+        </p:style>
+      </p:cxnSp>
+      <p:cxnSp>
+        <p:nvCxnSpPr>
+          <p:cNvPr id="29" name="直接箭头连接符 28"/>
+          <p:cNvCxnSpPr>
+            <a:stCxn id="21" idx="2"/>
+            <a:endCxn id="22" idx="0"/>
+          </p:cNvCxnSpPr>
+          <p:nvPr/>
+        </p:nvCxnSpPr>
+        <p:spPr>
+          <a:xfrm>
+            <a:off x="4786180" y="5522907"/>
+            <a:ext cx="0" cy="340694"/>
+          </a:xfrm>
+          <a:prstGeom prst="straightConnector1">
+            <a:avLst/>
+          </a:prstGeom>
+          <a:ln>
+            <a:tailEnd type="triangle"/>
+          </a:ln>
+        </p:spPr>
+        <p:style>
+          <a:lnRef idx="1">
+            <a:schemeClr val="accent1"/>
+          </a:lnRef>
+          <a:fillRef idx="0">
+            <a:schemeClr val="accent1"/>
+          </a:fillRef>
+          <a:effectRef idx="0">
+            <a:schemeClr val="accent1"/>
+          </a:effectRef>
+          <a:fontRef idx="minor">
+            <a:schemeClr val="tx1"/>
+          </a:fontRef>
+        </p:style>
+      </p:cxnSp>
     </p:spTree>
     <p:extLst>
       <p:ext uri="{BB962C8B-B14F-4D97-AF65-F5344CB8AC3E}">
@@ -13956,56 +14148,6 @@
           </a:p>
         </p:txBody>
       </p:sp>
-      <p:sp>
-        <p:nvSpPr>
-          <p:cNvPr id="7" name="标题 1"/>
-          <p:cNvSpPr txBox="1">
-            <a:spLocks/>
-          </p:cNvSpPr>
-          <p:nvPr/>
-        </p:nvSpPr>
-        <p:spPr>
-          <a:xfrm>
-            <a:off x="628650" y="365125"/>
-            <a:ext cx="6324600" cy="715963"/>
-          </a:xfrm>
-          <a:prstGeom prst="rect">
-            <a:avLst/>
-          </a:prstGeom>
-        </p:spPr>
-        <p:txBody>
-          <a:bodyPr/>
-          <a:lstStyle>
-            <a:lvl1pPr algn="l" defTabSz="914400" rtl="0" eaLnBrk="1" latinLnBrk="0" hangingPunct="1">
-              <a:lnSpc>
-                <a:spcPct val="90000"/>
-              </a:lnSpc>
-              <a:spcBef>
-                <a:spcPct val="0"/>
-              </a:spcBef>
-              <a:buNone/>
-              <a:defRPr sz="4400" kern="1200">
-                <a:solidFill>
-                  <a:schemeClr val="tx1"/>
-                </a:solidFill>
-                <a:latin typeface="+mj-lt"/>
-                <a:ea typeface="+mj-ea"/>
-                <a:cs typeface="+mj-cs"/>
-              </a:defRPr>
-            </a:lvl1pPr>
-          </a:lstStyle>
-          <a:p>
-            <a:r>
-              <a:rPr lang="zh-CN" altLang="en-US" dirty="0" smtClean="0">
-                <a:latin typeface="Times New Roman" panose="02020603050405020304" pitchFamily="18" charset="0"/>
-                <a:ea typeface="黑体" panose="02010609060101010101" pitchFamily="49" charset="-122"/>
-                <a:cs typeface="Times New Roman" panose="02020603050405020304" pitchFamily="18" charset="0"/>
-              </a:rPr>
-              <a:t>断点</a:t>
-            </a:r>
-          </a:p>
-        </p:txBody>
-      </p:sp>
       <p:pic>
         <p:nvPicPr>
           <p:cNvPr id="8" name="图片 7"/>
@@ -14642,6 +14784,69 @@
               <a:solidFill>
                 <a:srgbClr val="000000"/>
               </a:solidFill>
+              <a:latin typeface="Times New Roman" panose="02020603050405020304" pitchFamily="18" charset="0"/>
+              <a:ea typeface="黑体" panose="02010609060101010101" pitchFamily="49" charset="-122"/>
+              <a:cs typeface="Times New Roman" panose="02020603050405020304" pitchFamily="18" charset="0"/>
+            </a:endParaRPr>
+          </a:p>
+        </p:txBody>
+      </p:sp>
+      <p:sp>
+        <p:nvSpPr>
+          <p:cNvPr id="25" name="标题 1"/>
+          <p:cNvSpPr txBox="1">
+            <a:spLocks/>
+          </p:cNvSpPr>
+          <p:nvPr/>
+        </p:nvSpPr>
+        <p:spPr>
+          <a:xfrm>
+            <a:off x="628650" y="365125"/>
+            <a:ext cx="6324600" cy="715963"/>
+          </a:xfrm>
+          <a:prstGeom prst="rect">
+            <a:avLst/>
+          </a:prstGeom>
+        </p:spPr>
+        <p:txBody>
+          <a:bodyPr/>
+          <a:lstStyle>
+            <a:lvl1pPr algn="l" defTabSz="914400" rtl="0" eaLnBrk="1" latinLnBrk="0" hangingPunct="1">
+              <a:lnSpc>
+                <a:spcPct val="90000"/>
+              </a:lnSpc>
+              <a:spcBef>
+                <a:spcPct val="0"/>
+              </a:spcBef>
+              <a:buNone/>
+              <a:defRPr sz="4400" kern="1200">
+                <a:solidFill>
+                  <a:schemeClr val="tx1"/>
+                </a:solidFill>
+                <a:latin typeface="+mj-lt"/>
+                <a:ea typeface="+mj-ea"/>
+                <a:cs typeface="+mj-cs"/>
+              </a:defRPr>
+            </a:lvl1pPr>
+          </a:lstStyle>
+          <a:p>
+            <a:r>
+              <a:rPr lang="zh-CN" altLang="en-US" dirty="0" smtClean="0">
+                <a:latin typeface="Times New Roman" panose="02020603050405020304" pitchFamily="18" charset="0"/>
+                <a:ea typeface="黑体" panose="02010609060101010101" pitchFamily="49" charset="-122"/>
+                <a:cs typeface="Times New Roman" panose="02020603050405020304" pitchFamily="18" charset="0"/>
+              </a:rPr>
+              <a:t>轨迹</a:t>
+            </a:r>
+            <a:r>
+              <a:rPr lang="zh-CN" altLang="en-US" dirty="0" smtClean="0">
+                <a:latin typeface="Times New Roman" panose="02020603050405020304" pitchFamily="18" charset="0"/>
+                <a:ea typeface="黑体" panose="02010609060101010101" pitchFamily="49" charset="-122"/>
+                <a:cs typeface="Times New Roman" panose="02020603050405020304" pitchFamily="18" charset="0"/>
+              </a:rPr>
+              <a:t>段距离：时空距离</a:t>
+            </a:r>
+            <a:endParaRPr lang="zh-CN" altLang="en-US" dirty="0" smtClean="0">
               <a:latin typeface="Times New Roman" panose="02020603050405020304" pitchFamily="18" charset="0"/>
               <a:ea typeface="黑体" panose="02010609060101010101" pitchFamily="49" charset="-122"/>
               <a:cs typeface="Times New Roman" panose="02020603050405020304" pitchFamily="18" charset="0"/>
@@ -14968,56 +15173,6 @@
               <a:ea typeface="黑体" panose="02010609060101010101" pitchFamily="49" charset="-122"/>
               <a:cs typeface="Times New Roman" panose="02020603050405020304" pitchFamily="18" charset="0"/>
             </a:endParaRPr>
-          </a:p>
-        </p:txBody>
-      </p:sp>
-      <p:sp>
-        <p:nvSpPr>
-          <p:cNvPr id="7" name="标题 1"/>
-          <p:cNvSpPr txBox="1">
-            <a:spLocks/>
-          </p:cNvSpPr>
-          <p:nvPr/>
-        </p:nvSpPr>
-        <p:spPr>
-          <a:xfrm>
-            <a:off x="628650" y="365125"/>
-            <a:ext cx="6324600" cy="715963"/>
-          </a:xfrm>
-          <a:prstGeom prst="rect">
-            <a:avLst/>
-          </a:prstGeom>
-        </p:spPr>
-        <p:txBody>
-          <a:bodyPr/>
-          <a:lstStyle>
-            <a:lvl1pPr algn="l" defTabSz="914400" rtl="0" eaLnBrk="1" latinLnBrk="0" hangingPunct="1">
-              <a:lnSpc>
-                <a:spcPct val="90000"/>
-              </a:lnSpc>
-              <a:spcBef>
-                <a:spcPct val="0"/>
-              </a:spcBef>
-              <a:buNone/>
-              <a:defRPr sz="4400" kern="1200">
-                <a:solidFill>
-                  <a:schemeClr val="tx1"/>
-                </a:solidFill>
-                <a:latin typeface="+mj-lt"/>
-                <a:ea typeface="+mj-ea"/>
-                <a:cs typeface="+mj-cs"/>
-              </a:defRPr>
-            </a:lvl1pPr>
-          </a:lstStyle>
-          <a:p>
-            <a:r>
-              <a:rPr lang="zh-CN" altLang="en-US" dirty="0" smtClean="0">
-                <a:latin typeface="Times New Roman" panose="02020603050405020304" pitchFamily="18" charset="0"/>
-                <a:ea typeface="黑体" panose="02010609060101010101" pitchFamily="49" charset="-122"/>
-                <a:cs typeface="Times New Roman" panose="02020603050405020304" pitchFamily="18" charset="0"/>
-              </a:rPr>
-              <a:t>断点</a:t>
-            </a:r>
           </a:p>
         </p:txBody>
       </p:sp>
@@ -16033,6 +16188,69 @@
           </p:sp>
         </mc:Fallback>
       </mc:AlternateContent>
+      <p:sp>
+        <p:nvSpPr>
+          <p:cNvPr id="14" name="标题 1"/>
+          <p:cNvSpPr txBox="1">
+            <a:spLocks/>
+          </p:cNvSpPr>
+          <p:nvPr/>
+        </p:nvSpPr>
+        <p:spPr>
+          <a:xfrm>
+            <a:off x="628650" y="365125"/>
+            <a:ext cx="6324600" cy="715963"/>
+          </a:xfrm>
+          <a:prstGeom prst="rect">
+            <a:avLst/>
+          </a:prstGeom>
+        </p:spPr>
+        <p:txBody>
+          <a:bodyPr/>
+          <a:lstStyle>
+            <a:lvl1pPr algn="l" defTabSz="914400" rtl="0" eaLnBrk="1" latinLnBrk="0" hangingPunct="1">
+              <a:lnSpc>
+                <a:spcPct val="90000"/>
+              </a:lnSpc>
+              <a:spcBef>
+                <a:spcPct val="0"/>
+              </a:spcBef>
+              <a:buNone/>
+              <a:defRPr sz="4400" kern="1200">
+                <a:solidFill>
+                  <a:schemeClr val="tx1"/>
+                </a:solidFill>
+                <a:latin typeface="+mj-lt"/>
+                <a:ea typeface="+mj-ea"/>
+                <a:cs typeface="+mj-cs"/>
+              </a:defRPr>
+            </a:lvl1pPr>
+          </a:lstStyle>
+          <a:p>
+            <a:r>
+              <a:rPr lang="zh-CN" altLang="en-US" dirty="0" smtClean="0">
+                <a:latin typeface="Times New Roman" panose="02020603050405020304" pitchFamily="18" charset="0"/>
+                <a:ea typeface="黑体" panose="02010609060101010101" pitchFamily="49" charset="-122"/>
+                <a:cs typeface="Times New Roman" panose="02020603050405020304" pitchFamily="18" charset="0"/>
+              </a:rPr>
+              <a:t>轨迹</a:t>
+            </a:r>
+            <a:r>
+              <a:rPr lang="zh-CN" altLang="en-US" dirty="0" smtClean="0">
+                <a:latin typeface="Times New Roman" panose="02020603050405020304" pitchFamily="18" charset="0"/>
+                <a:ea typeface="黑体" panose="02010609060101010101" pitchFamily="49" charset="-122"/>
+                <a:cs typeface="Times New Roman" panose="02020603050405020304" pitchFamily="18" charset="0"/>
+              </a:rPr>
+              <a:t>段距离：时空距离</a:t>
+            </a:r>
+            <a:endParaRPr lang="zh-CN" altLang="en-US" dirty="0" smtClean="0">
+              <a:latin typeface="Times New Roman" panose="02020603050405020304" pitchFamily="18" charset="0"/>
+              <a:ea typeface="黑体" panose="02010609060101010101" pitchFamily="49" charset="-122"/>
+              <a:cs typeface="Times New Roman" panose="02020603050405020304" pitchFamily="18" charset="0"/>
+            </a:endParaRPr>
+          </a:p>
+        </p:txBody>
+      </p:sp>
     </p:spTree>
     <p:extLst>
       <p:ext uri="{BB962C8B-B14F-4D97-AF65-F5344CB8AC3E}">
@@ -16295,8 +16513,21 @@
                 <a:ea typeface="黑体" panose="02010609060101010101" pitchFamily="49" charset="-122"/>
                 <a:cs typeface="Times New Roman" panose="02020603050405020304" pitchFamily="18" charset="0"/>
               </a:rPr>
-              <a:t>轨迹段时空距离</a:t>
-            </a:r>
+              <a:t>轨迹</a:t>
+            </a:r>
+            <a:r>
+              <a:rPr lang="zh-CN" altLang="en-US" dirty="0" smtClean="0">
+                <a:latin typeface="Times New Roman" panose="02020603050405020304" pitchFamily="18" charset="0"/>
+                <a:ea typeface="黑体" panose="02010609060101010101" pitchFamily="49" charset="-122"/>
+                <a:cs typeface="Times New Roman" panose="02020603050405020304" pitchFamily="18" charset="0"/>
+              </a:rPr>
+              <a:t>段距离：时空距离</a:t>
+            </a:r>
+            <a:endParaRPr lang="zh-CN" altLang="en-US" dirty="0" smtClean="0">
+              <a:latin typeface="Times New Roman" panose="02020603050405020304" pitchFamily="18" charset="0"/>
+              <a:ea typeface="黑体" panose="02010609060101010101" pitchFamily="49" charset="-122"/>
+              <a:cs typeface="Times New Roman" panose="02020603050405020304" pitchFamily="18" charset="0"/>
+            </a:endParaRPr>
           </a:p>
         </p:txBody>
       </p:sp>
@@ -17177,8 +17408,8 @@
           </p:sp>
         </mc:Fallback>
       </mc:AlternateContent>
-      <mc:AlternateContent xmlns:mc="http://schemas.openxmlformats.org/markup-compatibility/2006" xmlns:a14="http://schemas.microsoft.com/office/drawing/2010/main">
-        <mc:Choice Requires="a14">
+      <mc:AlternateContent xmlns:mc="http://schemas.openxmlformats.org/markup-compatibility/2006">
+        <mc:Choice xmlns:a14="http://schemas.microsoft.com/office/drawing/2010/main" Requires="a14">
           <p:sp>
             <p:nvSpPr>
               <p:cNvPr id="25" name="圆角矩形 24"/>
@@ -17187,8 +17418,8 @@
             </p:nvSpPr>
             <p:spPr>
               <a:xfrm>
-                <a:off x="171660" y="1400370"/>
-                <a:ext cx="1396952" cy="1282547"/>
+                <a:off x="180683" y="1429288"/>
+                <a:ext cx="1670204" cy="895391"/>
               </a:xfrm>
               <a:prstGeom prst="roundRect">
                 <a:avLst/>
@@ -17212,20 +17443,13 @@
               <a:bodyPr rtlCol="0" anchor="ctr"/>
               <a:lstStyle/>
               <a:p>
-                <a:r>
-                  <a:rPr lang="zh-CN" altLang="zh-CN" sz="1400" dirty="0">
-                    <a:latin typeface="黑体" panose="02010609060101010101" pitchFamily="49" charset="-122"/>
-                    <a:ea typeface="黑体" panose="02010609060101010101" pitchFamily="49" charset="-122"/>
-                  </a:rPr>
-                  <a:t>断点阈值</a:t>
-                </a:r>
                 <a14:m>
                   <m:oMath xmlns:m="http://schemas.openxmlformats.org/officeDocument/2006/math">
                     <m:r>
                       <m:rPr>
                         <m:sty m:val="p"/>
                       </m:rPr>
-                      <a:rPr lang="en-US" altLang="zh-CN" sz="1400">
+                      <a:rPr lang="en-US" altLang="zh-CN" sz="1600">
                         <a:latin typeface="Cambria Math" panose="02040503050406030204" pitchFamily="18" charset="0"/>
                       </a:rPr>
                       <m:t>η</m:t>
@@ -17233,20 +17457,40 @@
                   </m:oMath>
                 </a14:m>
                 <a:r>
-                  <a:rPr lang="zh-CN" altLang="en-US" sz="1400" dirty="0">
+                  <a:rPr lang="zh-CN" altLang="en-US" sz="1600" dirty="0">
                     <a:latin typeface="黑体" panose="02010609060101010101" pitchFamily="49" charset="-122"/>
                     <a:ea typeface="黑体" panose="02010609060101010101" pitchFamily="49" charset="-122"/>
                   </a:rPr>
-                  <a:t>趋向于无穷小，</a:t>
+                  <a:t>趋向于</a:t>
                 </a:r>
                 <a:r>
-                  <a:rPr lang="zh-CN" altLang="zh-CN" sz="1400" dirty="0">
+                  <a:rPr lang="zh-CN" altLang="en-US" sz="1600" dirty="0" smtClean="0">
                     <a:latin typeface="黑体" panose="02010609060101010101" pitchFamily="49" charset="-122"/>
                     <a:ea typeface="黑体" panose="02010609060101010101" pitchFamily="49" charset="-122"/>
                   </a:rPr>
-                  <a:t>相邻断点到对应点的距离近似相等</a:t>
+                  <a:t>无穷小</a:t>
                 </a:r>
-                <a:endParaRPr lang="zh-CN" altLang="en-US" sz="1400" dirty="0">
+                <a:endParaRPr lang="en-US" altLang="zh-CN" sz="1600" dirty="0" smtClean="0">
+                  <a:latin typeface="黑体" panose="02010609060101010101" pitchFamily="49" charset="-122"/>
+                  <a:ea typeface="黑体" panose="02010609060101010101" pitchFamily="49" charset="-122"/>
+                </a:endParaRPr>
+              </a:p>
+              <a:p>
+                <a:r>
+                  <a:rPr lang="zh-CN" altLang="zh-CN" sz="1200" dirty="0" smtClean="0">
+                    <a:latin typeface="黑体" panose="02010609060101010101" pitchFamily="49" charset="-122"/>
+                    <a:ea typeface="黑体" panose="02010609060101010101" pitchFamily="49" charset="-122"/>
+                  </a:rPr>
+                  <a:t>相邻</a:t>
+                </a:r>
+                <a:r>
+                  <a:rPr lang="zh-CN" altLang="zh-CN" sz="1200" dirty="0">
+                    <a:latin typeface="黑体" panose="02010609060101010101" pitchFamily="49" charset="-122"/>
+                    <a:ea typeface="黑体" panose="02010609060101010101" pitchFamily="49" charset="-122"/>
+                  </a:rPr>
+                  <a:t>断点到对应点的距离近似相等</a:t>
+                </a:r>
+                <a:endParaRPr lang="zh-CN" altLang="en-US" sz="1200" dirty="0">
                   <a:latin typeface="黑体" panose="02010609060101010101" pitchFamily="49" charset="-122"/>
                   <a:ea typeface="黑体" panose="02010609060101010101" pitchFamily="49" charset="-122"/>
                 </a:endParaRPr>
@@ -17254,7 +17498,7 @@
             </p:txBody>
           </p:sp>
         </mc:Choice>
-        <mc:Fallback xmlns="">
+        <mc:Fallback>
           <p:sp>
             <p:nvSpPr>
               <p:cNvPr id="25" name="圆角矩形 24"/>
@@ -17265,8 +17509,8 @@
             </p:nvSpPr>
             <p:spPr>
               <a:xfrm>
-                <a:off x="171660" y="1400370"/>
-                <a:ext cx="1396952" cy="1282547"/>
+                <a:off x="180683" y="1429288"/>
+                <a:ext cx="1670204" cy="895391"/>
               </a:xfrm>
               <a:prstGeom prst="roundRect">
                 <a:avLst/>
@@ -17293,8 +17537,8 @@
           </p:sp>
         </mc:Fallback>
       </mc:AlternateContent>
-      <mc:AlternateContent xmlns:mc="http://schemas.openxmlformats.org/markup-compatibility/2006" xmlns:a14="http://schemas.microsoft.com/office/drawing/2010/main">
-        <mc:Choice Requires="a14">
+      <mc:AlternateContent xmlns:mc="http://schemas.openxmlformats.org/markup-compatibility/2006">
+        <mc:Choice xmlns:a14="http://schemas.microsoft.com/office/drawing/2010/main" Requires="a14">
           <p:sp>
             <p:nvSpPr>
               <p:cNvPr id="26" name="圆角矩形 25"/>
@@ -17334,7 +17578,7 @@
                       <m:rPr>
                         <m:sty m:val="p"/>
                       </m:rPr>
-                      <a:rPr lang="en-US" altLang="zh-CN" sz="1400">
+                      <a:rPr lang="en-US" altLang="zh-CN" sz="1600">
                         <a:latin typeface="Cambria Math" panose="02040503050406030204" pitchFamily="18" charset="0"/>
                       </a:rPr>
                       <m:t>η</m:t>
@@ -17342,32 +17586,52 @@
                   </m:oMath>
                 </a14:m>
                 <a:r>
-                  <a:rPr lang="zh-CN" altLang="en-US" sz="1400" dirty="0">
+                  <a:rPr lang="zh-CN" altLang="en-US" sz="1600" dirty="0">
                     <a:latin typeface="黑体" panose="02010609060101010101" pitchFamily="49" charset="-122"/>
                     <a:ea typeface="黑体" panose="02010609060101010101" pitchFamily="49" charset="-122"/>
                   </a:rPr>
-                  <a:t>变大后，</a:t>
+                  <a:t>变大</a:t>
                 </a:r>
                 <a:r>
-                  <a:rPr lang="zh-CN" altLang="zh-CN" sz="1400" dirty="0">
+                  <a:rPr lang="zh-CN" altLang="en-US" sz="1600" dirty="0" smtClean="0">
                     <a:latin typeface="黑体" panose="02010609060101010101" pitchFamily="49" charset="-122"/>
                     <a:ea typeface="黑体" panose="02010609060101010101" pitchFamily="49" charset="-122"/>
                   </a:rPr>
-                  <a:t>在一定精度范围内，使用</a:t>
+                  <a:t>后</a:t>
+                </a:r>
+                <a:endParaRPr lang="en-US" altLang="zh-CN" sz="1600" dirty="0" smtClean="0">
+                  <a:latin typeface="黑体" panose="02010609060101010101" pitchFamily="49" charset="-122"/>
+                  <a:ea typeface="黑体" panose="02010609060101010101" pitchFamily="49" charset="-122"/>
+                </a:endParaRPr>
+              </a:p>
+              <a:p>
+                <a:r>
+                  <a:rPr lang="zh-CN" altLang="zh-CN" sz="1200" dirty="0" smtClean="0">
+                    <a:latin typeface="黑体" panose="02010609060101010101" pitchFamily="49" charset="-122"/>
+                    <a:ea typeface="黑体" panose="02010609060101010101" pitchFamily="49" charset="-122"/>
+                  </a:rPr>
+                  <a:t>在</a:t>
+                </a:r>
+                <a:r>
+                  <a:rPr lang="zh-CN" altLang="zh-CN" sz="1200" dirty="0">
+                    <a:latin typeface="黑体" panose="02010609060101010101" pitchFamily="49" charset="-122"/>
+                    <a:ea typeface="黑体" panose="02010609060101010101" pitchFamily="49" charset="-122"/>
+                  </a:rPr>
+                  <a:t>一定精度范围内，使用</a:t>
                 </a:r>
                 <a14:m>
                   <m:oMath xmlns:m="http://schemas.openxmlformats.org/officeDocument/2006/math">
                     <m:sSub>
                       <m:sSubPr>
                         <m:ctrlPr>
-                          <a:rPr lang="zh-CN" altLang="zh-CN" sz="1400" i="1">
+                          <a:rPr lang="zh-CN" altLang="zh-CN" sz="1200" i="1">
                             <a:latin typeface="Cambria Math" panose="02040503050406030204" pitchFamily="18" charset="0"/>
                           </a:rPr>
                         </m:ctrlPr>
                       </m:sSubPr>
                       <m:e>
                         <m:r>
-                          <a:rPr lang="en-US" altLang="zh-CN" sz="1400" i="1">
+                          <a:rPr lang="en-US" altLang="zh-CN" sz="1200" i="1">
                             <a:latin typeface="Cambria Math" panose="02040503050406030204" pitchFamily="18" charset="0"/>
                           </a:rPr>
                           <m:t>𝑏𝑝</m:t>
@@ -17375,7 +17639,7 @@
                       </m:e>
                       <m:sub>
                         <m:r>
-                          <a:rPr lang="en-US" altLang="zh-CN" sz="1400" i="1">
+                          <a:rPr lang="en-US" altLang="zh-CN" sz="1200" i="1">
                             <a:latin typeface="Cambria Math" panose="02040503050406030204" pitchFamily="18" charset="0"/>
                           </a:rPr>
                           <m:t>2</m:t>
@@ -17385,7 +17649,7 @@
                   </m:oMath>
                 </a14:m>
                 <a:r>
-                  <a:rPr lang="zh-CN" altLang="zh-CN" sz="1400" dirty="0">
+                  <a:rPr lang="zh-CN" altLang="zh-CN" sz="1200" dirty="0">
                     <a:latin typeface="黑体" panose="02010609060101010101" pitchFamily="49" charset="-122"/>
                     <a:ea typeface="黑体" panose="02010609060101010101" pitchFamily="49" charset="-122"/>
                   </a:rPr>
@@ -17396,14 +17660,14 @@
                     <m:sSub>
                       <m:sSubPr>
                         <m:ctrlPr>
-                          <a:rPr lang="zh-CN" altLang="zh-CN" sz="1400" i="1">
+                          <a:rPr lang="zh-CN" altLang="zh-CN" sz="1200" i="1">
                             <a:latin typeface="Cambria Math" panose="02040503050406030204" pitchFamily="18" charset="0"/>
                           </a:rPr>
                         </m:ctrlPr>
                       </m:sSubPr>
                       <m:e>
                         <m:r>
-                          <a:rPr lang="en-US" altLang="zh-CN" sz="1400" i="1">
+                          <a:rPr lang="en-US" altLang="zh-CN" sz="1200" i="1">
                             <a:latin typeface="Cambria Math" panose="02040503050406030204" pitchFamily="18" charset="0"/>
                           </a:rPr>
                           <m:t>𝑛𝑏</m:t>
@@ -17411,7 +17675,7 @@
                       </m:e>
                       <m:sub>
                         <m:r>
-                          <a:rPr lang="en-US" altLang="zh-CN" sz="1400" i="1">
+                          <a:rPr lang="en-US" altLang="zh-CN" sz="1200" i="1">
                             <a:latin typeface="Cambria Math" panose="02040503050406030204" pitchFamily="18" charset="0"/>
                           </a:rPr>
                           <m:t>0</m:t>
@@ -17421,7 +17685,7 @@
                   </m:oMath>
                 </a14:m>
                 <a:r>
-                  <a:rPr lang="zh-CN" altLang="zh-CN" sz="1400" dirty="0">
+                  <a:rPr lang="zh-CN" altLang="zh-CN" sz="1200" dirty="0">
                     <a:latin typeface="黑体" panose="02010609060101010101" pitchFamily="49" charset="-122"/>
                     <a:ea typeface="黑体" panose="02010609060101010101" pitchFamily="49" charset="-122"/>
                   </a:rPr>
@@ -17432,14 +17696,14 @@
                     <m:sSub>
                       <m:sSubPr>
                         <m:ctrlPr>
-                          <a:rPr lang="zh-CN" altLang="zh-CN" sz="1400" i="1">
+                          <a:rPr lang="zh-CN" altLang="zh-CN" sz="1200" i="1">
                             <a:latin typeface="Cambria Math" panose="02040503050406030204" pitchFamily="18" charset="0"/>
                           </a:rPr>
                         </m:ctrlPr>
                       </m:sSubPr>
                       <m:e>
                         <m:r>
-                          <a:rPr lang="en-US" altLang="zh-CN" sz="1400" i="1">
+                          <a:rPr lang="en-US" altLang="zh-CN" sz="1200" i="1">
                             <a:latin typeface="Cambria Math" panose="02040503050406030204" pitchFamily="18" charset="0"/>
                           </a:rPr>
                           <m:t>𝑛𝑏</m:t>
@@ -17447,7 +17711,7 @@
                       </m:e>
                       <m:sub>
                         <m:r>
-                          <a:rPr lang="en-US" altLang="zh-CN" sz="1400" i="1">
+                          <a:rPr lang="en-US" altLang="zh-CN" sz="1200" i="1">
                             <a:latin typeface="Cambria Math" panose="02040503050406030204" pitchFamily="18" charset="0"/>
                           </a:rPr>
                           <m:t>1</m:t>
@@ -17457,13 +17721,13 @@
                   </m:oMath>
                 </a14:m>
                 <a:r>
-                  <a:rPr lang="zh-CN" altLang="zh-CN" sz="1400" dirty="0">
+                  <a:rPr lang="zh-CN" altLang="zh-CN" sz="1200" dirty="0">
                     <a:latin typeface="黑体" panose="02010609060101010101" pitchFamily="49" charset="-122"/>
                     <a:ea typeface="黑体" panose="02010609060101010101" pitchFamily="49" charset="-122"/>
                   </a:rPr>
                   <a:t>间的所有消失的断点</a:t>
                 </a:r>
-                <a:endParaRPr lang="zh-CN" altLang="en-US" sz="1400" dirty="0">
+                <a:endParaRPr lang="zh-CN" altLang="en-US" sz="1200" dirty="0">
                   <a:latin typeface="黑体" panose="02010609060101010101" pitchFamily="49" charset="-122"/>
                   <a:ea typeface="黑体" panose="02010609060101010101" pitchFamily="49" charset="-122"/>
                 </a:endParaRPr>
@@ -17471,7 +17735,7 @@
             </p:txBody>
           </p:sp>
         </mc:Choice>
-        <mc:Fallback xmlns="">
+        <mc:Fallback>
           <p:sp>
             <p:nvSpPr>
               <p:cNvPr id="26" name="圆角矩形 25"/>
@@ -17491,7 +17755,7 @@
               <a:blipFill>
                 <a:blip r:embed="rId9"/>
                 <a:stretch>
-                  <a:fillRect b="-2488"/>
+                  <a:fillRect/>
                 </a:stretch>
               </a:blipFill>
             </p:spPr>
@@ -17910,56 +18174,6 @@
           </a:p>
         </p:txBody>
       </p:sp>
-      <p:sp>
-        <p:nvSpPr>
-          <p:cNvPr id="7" name="标题 1"/>
-          <p:cNvSpPr txBox="1">
-            <a:spLocks/>
-          </p:cNvSpPr>
-          <p:nvPr/>
-        </p:nvSpPr>
-        <p:spPr>
-          <a:xfrm>
-            <a:off x="628650" y="365125"/>
-            <a:ext cx="6324600" cy="715963"/>
-          </a:xfrm>
-          <a:prstGeom prst="rect">
-            <a:avLst/>
-          </a:prstGeom>
-        </p:spPr>
-        <p:txBody>
-          <a:bodyPr/>
-          <a:lstStyle>
-            <a:lvl1pPr algn="l" defTabSz="914400" rtl="0" eaLnBrk="1" latinLnBrk="0" hangingPunct="1">
-              <a:lnSpc>
-                <a:spcPct val="90000"/>
-              </a:lnSpc>
-              <a:spcBef>
-                <a:spcPct val="0"/>
-              </a:spcBef>
-              <a:buNone/>
-              <a:defRPr sz="4400" kern="1200">
-                <a:solidFill>
-                  <a:schemeClr val="tx1"/>
-                </a:solidFill>
-                <a:latin typeface="+mj-lt"/>
-                <a:ea typeface="+mj-ea"/>
-                <a:cs typeface="+mj-cs"/>
-              </a:defRPr>
-            </a:lvl1pPr>
-          </a:lstStyle>
-          <a:p>
-            <a:r>
-              <a:rPr lang="zh-CN" altLang="en-US" dirty="0" smtClean="0">
-                <a:latin typeface="Times New Roman" panose="02020603050405020304" pitchFamily="18" charset="0"/>
-                <a:ea typeface="黑体" panose="02010609060101010101" pitchFamily="49" charset="-122"/>
-                <a:cs typeface="Times New Roman" panose="02020603050405020304" pitchFamily="18" charset="0"/>
-              </a:rPr>
-              <a:t>形状影响因素</a:t>
-            </a:r>
-          </a:p>
-        </p:txBody>
-      </p:sp>
       <p:pic>
         <p:nvPicPr>
           <p:cNvPr id="11" name="图片 10"/>
@@ -18026,7 +18240,19 @@
             <a:p>
               <a:r>
                 <a:rPr lang="zh-CN" altLang="en-US" dirty="0" smtClean="0"/>
-                <a:t>相同轨迹段长度，对应轨迹段间</a:t>
+                <a:t>轨迹</a:t>
+              </a:r>
+              <a:r>
+                <a:rPr lang="zh-CN" altLang="en-US" dirty="0" smtClean="0"/>
+                <a:t>段</a:t>
+              </a:r>
+              <a:r>
+                <a:rPr lang="zh-CN" altLang="en-US" dirty="0"/>
+                <a:t>长度相同，</a:t>
+              </a:r>
+              <a:r>
+                <a:rPr lang="zh-CN" altLang="en-US" dirty="0" smtClean="0"/>
+                <a:t>对应轨迹段间</a:t>
               </a:r>
               <a:r>
                 <a:rPr lang="zh-CN" altLang="en-US" dirty="0" smtClean="0">
@@ -18986,6 +19212,69 @@
               <a:t>从投影的值可以看出轨迹段间形状相似程度</a:t>
             </a:r>
             <a:endParaRPr lang="en-US" altLang="zh-CN" sz="1600" dirty="0"/>
+          </a:p>
+        </p:txBody>
+      </p:sp>
+      <p:sp>
+        <p:nvSpPr>
+          <p:cNvPr id="22" name="标题 1"/>
+          <p:cNvSpPr txBox="1">
+            <a:spLocks/>
+          </p:cNvSpPr>
+          <p:nvPr/>
+        </p:nvSpPr>
+        <p:spPr>
+          <a:xfrm>
+            <a:off x="628650" y="365125"/>
+            <a:ext cx="6324600" cy="715963"/>
+          </a:xfrm>
+          <a:prstGeom prst="rect">
+            <a:avLst/>
+          </a:prstGeom>
+        </p:spPr>
+        <p:txBody>
+          <a:bodyPr/>
+          <a:lstStyle>
+            <a:lvl1pPr algn="l" defTabSz="914400" rtl="0" eaLnBrk="1" latinLnBrk="0" hangingPunct="1">
+              <a:lnSpc>
+                <a:spcPct val="90000"/>
+              </a:lnSpc>
+              <a:spcBef>
+                <a:spcPct val="0"/>
+              </a:spcBef>
+              <a:buNone/>
+              <a:defRPr sz="4400" kern="1200">
+                <a:solidFill>
+                  <a:schemeClr val="tx1"/>
+                </a:solidFill>
+                <a:latin typeface="+mj-lt"/>
+                <a:ea typeface="+mj-ea"/>
+                <a:cs typeface="+mj-cs"/>
+              </a:defRPr>
+            </a:lvl1pPr>
+          </a:lstStyle>
+          <a:p>
+            <a:r>
+              <a:rPr lang="zh-CN" altLang="en-US" dirty="0" smtClean="0">
+                <a:latin typeface="Times New Roman" panose="02020603050405020304" pitchFamily="18" charset="0"/>
+                <a:ea typeface="黑体" panose="02010609060101010101" pitchFamily="49" charset="-122"/>
+                <a:cs typeface="Times New Roman" panose="02020603050405020304" pitchFamily="18" charset="0"/>
+              </a:rPr>
+              <a:t>轨迹</a:t>
+            </a:r>
+            <a:r>
+              <a:rPr lang="zh-CN" altLang="en-US" dirty="0" smtClean="0">
+                <a:latin typeface="Times New Roman" panose="02020603050405020304" pitchFamily="18" charset="0"/>
+                <a:ea typeface="黑体" panose="02010609060101010101" pitchFamily="49" charset="-122"/>
+                <a:cs typeface="Times New Roman" panose="02020603050405020304" pitchFamily="18" charset="0"/>
+              </a:rPr>
+              <a:t>段距离：形状影响</a:t>
+            </a:r>
+            <a:endParaRPr lang="zh-CN" altLang="en-US" dirty="0" smtClean="0">
+              <a:latin typeface="Times New Roman" panose="02020603050405020304" pitchFamily="18" charset="0"/>
+              <a:ea typeface="黑体" panose="02010609060101010101" pitchFamily="49" charset="-122"/>
+              <a:cs typeface="Times New Roman" panose="02020603050405020304" pitchFamily="18" charset="0"/>
+            </a:endParaRPr>
           </a:p>
         </p:txBody>
       </p:sp>
@@ -19968,64 +20257,6 @@
       </mc:AlternateContent>
       <p:sp>
         <p:nvSpPr>
-          <p:cNvPr id="8" name="标题 1"/>
-          <p:cNvSpPr txBox="1">
-            <a:spLocks/>
-          </p:cNvSpPr>
-          <p:nvPr/>
-        </p:nvSpPr>
-        <p:spPr>
-          <a:xfrm>
-            <a:off x="628650" y="365125"/>
-            <a:ext cx="6324600" cy="715963"/>
-          </a:xfrm>
-          <a:prstGeom prst="rect">
-            <a:avLst/>
-          </a:prstGeom>
-        </p:spPr>
-        <p:txBody>
-          <a:bodyPr/>
-          <a:lstStyle>
-            <a:lvl1pPr algn="l" defTabSz="914400" rtl="0" eaLnBrk="1" latinLnBrk="0" hangingPunct="1">
-              <a:lnSpc>
-                <a:spcPct val="90000"/>
-              </a:lnSpc>
-              <a:spcBef>
-                <a:spcPct val="0"/>
-              </a:spcBef>
-              <a:buNone/>
-              <a:defRPr sz="4400" kern="1200">
-                <a:solidFill>
-                  <a:schemeClr val="tx1"/>
-                </a:solidFill>
-                <a:latin typeface="+mj-lt"/>
-                <a:ea typeface="+mj-ea"/>
-                <a:cs typeface="+mj-cs"/>
-              </a:defRPr>
-            </a:lvl1pPr>
-          </a:lstStyle>
-          <a:p>
-            <a:r>
-              <a:rPr lang="zh-CN" altLang="en-US" dirty="0" smtClean="0">
-                <a:latin typeface="Times New Roman" panose="02020603050405020304" pitchFamily="18" charset="0"/>
-                <a:ea typeface="黑体" panose="02010609060101010101" pitchFamily="49" charset="-122"/>
-                <a:cs typeface="Times New Roman" panose="02020603050405020304" pitchFamily="18" charset="0"/>
-              </a:rPr>
-              <a:t>形状</a:t>
-            </a:r>
-            <a:r>
-              <a:rPr lang="zh-CN" altLang="en-US" dirty="0">
-                <a:latin typeface="Times New Roman" panose="02020603050405020304" pitchFamily="18" charset="0"/>
-                <a:ea typeface="黑体" panose="02010609060101010101" pitchFamily="49" charset="-122"/>
-                <a:cs typeface="Times New Roman" panose="02020603050405020304" pitchFamily="18" charset="0"/>
-              </a:rPr>
-              <a:t>影响因素</a:t>
-            </a:r>
-          </a:p>
-        </p:txBody>
-      </p:sp>
-      <p:sp>
-        <p:nvSpPr>
           <p:cNvPr id="20" name="AutoShape 31"/>
           <p:cNvSpPr>
             <a:spLocks noChangeArrowheads="1"/>
@@ -20936,13 +21167,6 @@
               </a:rPr>
               <a:t>权值</a:t>
             </a:r>
-            <a:endParaRPr lang="zh-CN" altLang="en-US" sz="2000" b="1" dirty="0">
-              <a:solidFill>
-                <a:srgbClr val="4A67AA"/>
-              </a:solidFill>
-              <a:latin typeface="方正静蕾简体" panose="02000000000000000000" pitchFamily="2" charset="-122"/>
-              <a:ea typeface="方正静蕾简体" panose="02000000000000000000" pitchFamily="2" charset="-122"/>
-            </a:endParaRPr>
           </a:p>
         </p:txBody>
       </p:sp>
@@ -21265,6 +21489,69 @@
           </p:sp>
         </mc:Fallback>
       </mc:AlternateContent>
+      <p:sp>
+        <p:nvSpPr>
+          <p:cNvPr id="19" name="标题 1"/>
+          <p:cNvSpPr txBox="1">
+            <a:spLocks/>
+          </p:cNvSpPr>
+          <p:nvPr/>
+        </p:nvSpPr>
+        <p:spPr>
+          <a:xfrm>
+            <a:off x="628650" y="365125"/>
+            <a:ext cx="6324600" cy="715963"/>
+          </a:xfrm>
+          <a:prstGeom prst="rect">
+            <a:avLst/>
+          </a:prstGeom>
+        </p:spPr>
+        <p:txBody>
+          <a:bodyPr/>
+          <a:lstStyle>
+            <a:lvl1pPr algn="l" defTabSz="914400" rtl="0" eaLnBrk="1" latinLnBrk="0" hangingPunct="1">
+              <a:lnSpc>
+                <a:spcPct val="90000"/>
+              </a:lnSpc>
+              <a:spcBef>
+                <a:spcPct val="0"/>
+              </a:spcBef>
+              <a:buNone/>
+              <a:defRPr sz="4400" kern="1200">
+                <a:solidFill>
+                  <a:schemeClr val="tx1"/>
+                </a:solidFill>
+                <a:latin typeface="+mj-lt"/>
+                <a:ea typeface="+mj-ea"/>
+                <a:cs typeface="+mj-cs"/>
+              </a:defRPr>
+            </a:lvl1pPr>
+          </a:lstStyle>
+          <a:p>
+            <a:r>
+              <a:rPr lang="zh-CN" altLang="en-US" dirty="0" smtClean="0">
+                <a:latin typeface="Times New Roman" panose="02020603050405020304" pitchFamily="18" charset="0"/>
+                <a:ea typeface="黑体" panose="02010609060101010101" pitchFamily="49" charset="-122"/>
+                <a:cs typeface="Times New Roman" panose="02020603050405020304" pitchFamily="18" charset="0"/>
+              </a:rPr>
+              <a:t>轨迹</a:t>
+            </a:r>
+            <a:r>
+              <a:rPr lang="zh-CN" altLang="en-US" dirty="0" smtClean="0">
+                <a:latin typeface="Times New Roman" panose="02020603050405020304" pitchFamily="18" charset="0"/>
+                <a:ea typeface="黑体" panose="02010609060101010101" pitchFamily="49" charset="-122"/>
+                <a:cs typeface="Times New Roman" panose="02020603050405020304" pitchFamily="18" charset="0"/>
+              </a:rPr>
+              <a:t>段距离：形状影响</a:t>
+            </a:r>
+            <a:endParaRPr lang="zh-CN" altLang="en-US" dirty="0" smtClean="0">
+              <a:latin typeface="Times New Roman" panose="02020603050405020304" pitchFamily="18" charset="0"/>
+              <a:ea typeface="黑体" panose="02010609060101010101" pitchFamily="49" charset="-122"/>
+              <a:cs typeface="Times New Roman" panose="02020603050405020304" pitchFamily="18" charset="0"/>
+            </a:endParaRPr>
+          </a:p>
+        </p:txBody>
+      </p:sp>
     </p:spTree>
     <p:extLst>
       <p:ext uri="{BB962C8B-B14F-4D97-AF65-F5344CB8AC3E}">
@@ -22383,8 +22670,8 @@
           </p:sp>
         </mc:Fallback>
       </mc:AlternateContent>
-      <mc:AlternateContent xmlns:mc="http://schemas.openxmlformats.org/markup-compatibility/2006">
-        <mc:Choice xmlns:a14="http://schemas.microsoft.com/office/drawing/2010/main" Requires="a14">
+      <mc:AlternateContent xmlns:mc="http://schemas.openxmlformats.org/markup-compatibility/2006" xmlns:a14="http://schemas.microsoft.com/office/drawing/2010/main">
+        <mc:Choice Requires="a14">
           <p:sp>
             <p:nvSpPr>
               <p:cNvPr id="18" name="TextBox 40"/>
@@ -22538,11 +22825,11 @@
                     <m:sSub>
                       <m:sSubPr>
                         <m:ctrlPr>
-                          <a:rPr lang="zh-CN" altLang="zh-CN">
+                          <a:rPr lang="zh-CN" altLang="zh-CN" i="1">
                             <a:solidFill>
                               <a:srgbClr val="000000"/>
                             </a:solidFill>
-                            <a:latin typeface="Times New Roman" panose="02020603050405020304" pitchFamily="18" charset="0"/>
+                            <a:latin typeface="Cambria Math" panose="02040503050406030204" pitchFamily="18" charset="0"/>
                             <a:ea typeface="黑体" panose="02010609060101010101" pitchFamily="49" charset="-122"/>
                             <a:cs typeface="Times New Roman" panose="02020603050405020304" pitchFamily="18" charset="0"/>
                           </a:rPr>
@@ -22554,7 +22841,7 @@
                             <a:solidFill>
                               <a:srgbClr val="000000"/>
                             </a:solidFill>
-                            <a:latin typeface="Times New Roman" panose="02020603050405020304" pitchFamily="18" charset="0"/>
+                            <a:latin typeface="Cambria Math" panose="02040503050406030204" pitchFamily="18" charset="0"/>
                             <a:ea typeface="黑体" panose="02010609060101010101" pitchFamily="49" charset="-122"/>
                             <a:cs typeface="Times New Roman" panose="02020603050405020304" pitchFamily="18" charset="0"/>
                           </a:rPr>
@@ -22567,7 +22854,7 @@
                             <a:solidFill>
                               <a:srgbClr val="000000"/>
                             </a:solidFill>
-                            <a:latin typeface="Times New Roman" panose="02020603050405020304" pitchFamily="18" charset="0"/>
+                            <a:latin typeface="Cambria Math" panose="02040503050406030204" pitchFamily="18" charset="0"/>
                             <a:ea typeface="黑体" panose="02010609060101010101" pitchFamily="49" charset="-122"/>
                             <a:cs typeface="Times New Roman" panose="02020603050405020304" pitchFamily="18" charset="0"/>
                           </a:rPr>
@@ -22586,29 +22873,7 @@
                     <a:ea typeface="黑体" panose="02010609060101010101" pitchFamily="49" charset="-122"/>
                     <a:cs typeface="Times New Roman" panose="02020603050405020304" pitchFamily="18" charset="0"/>
                   </a:rPr>
-                  <a:t>描述了对应轨迹</a:t>
-                </a:r>
-                <a:r>
-                  <a:rPr lang="zh-CN" altLang="en-US" dirty="0">
-                    <a:solidFill>
-                      <a:srgbClr val="000000"/>
-                    </a:solidFill>
-                    <a:latin typeface="Times New Roman" panose="02020603050405020304" pitchFamily="18" charset="0"/>
-                    <a:ea typeface="黑体" panose="02010609060101010101" pitchFamily="49" charset="-122"/>
-                    <a:cs typeface="Times New Roman" panose="02020603050405020304" pitchFamily="18" charset="0"/>
-                  </a:rPr>
-                  <a:t>段间</a:t>
-                </a:r>
-                <a:r>
-                  <a:rPr lang="zh-CN" altLang="en-US" dirty="0">
-                    <a:solidFill>
-                      <a:srgbClr val="000000"/>
-                    </a:solidFill>
-                    <a:latin typeface="Times New Roman" panose="02020603050405020304" pitchFamily="18" charset="0"/>
-                    <a:ea typeface="黑体" panose="02010609060101010101" pitchFamily="49" charset="-122"/>
-                    <a:cs typeface="Times New Roman" panose="02020603050405020304" pitchFamily="18" charset="0"/>
-                  </a:rPr>
-                  <a:t>：</a:t>
+                  <a:t>描述了对应轨迹段间：</a:t>
                 </a:r>
                 <a:endParaRPr lang="en-US" altLang="zh-CN" dirty="0">
                   <a:solidFill>
@@ -22780,7 +23045,7 @@
             </p:txBody>
           </p:sp>
         </mc:Choice>
-        <mc:Fallback>
+        <mc:Fallback xmlns="">
           <p:sp>
             <p:nvSpPr>
               <p:cNvPr id="18" name="TextBox 40"/>
@@ -22825,8 +23090,8 @@
           </p:sp>
         </mc:Fallback>
       </mc:AlternateContent>
-      <mc:AlternateContent xmlns:mc="http://schemas.openxmlformats.org/markup-compatibility/2006" xmlns:a14="http://schemas.microsoft.com/office/drawing/2010/main">
-        <mc:Choice Requires="a14">
+      <mc:AlternateContent xmlns:mc="http://schemas.openxmlformats.org/markup-compatibility/2006">
+        <mc:Choice xmlns:a14="http://schemas.microsoft.com/office/drawing/2010/main" Requires="a14">
           <p:sp>
             <p:nvSpPr>
               <p:cNvPr id="12" name="文本框 11"/>
@@ -22868,22 +23133,14 @@
                     <a:latin typeface="黑体" panose="02010609060101010101" pitchFamily="49" charset="-122"/>
                     <a:ea typeface="黑体" panose="02010609060101010101" pitchFamily="49" charset="-122"/>
                   </a:rPr>
-                  <a:t>形状影响</a:t>
-                </a:r>
-                <a:r>
-                  <a:rPr lang="zh-CN" altLang="en-US" dirty="0" smtClean="0">
-                    <a:latin typeface="Times New Roman" panose="02020603050405020304" pitchFamily="18" charset="0"/>
-                    <a:ea typeface="黑体" panose="02010609060101010101" pitchFamily="49" charset="-122"/>
-                    <a:cs typeface="Times New Roman" panose="02020603050405020304" pitchFamily="18" charset="0"/>
-                  </a:rPr>
-                  <a:t>因素</a:t>
+                  <a:t>形状</a:t>
                 </a:r>
                 <a:r>
                   <a:rPr lang="zh-CN" altLang="en-US" dirty="0" smtClean="0">
                     <a:latin typeface="黑体" panose="02010609060101010101" pitchFamily="49" charset="-122"/>
                     <a:ea typeface="黑体" panose="02010609060101010101" pitchFamily="49" charset="-122"/>
                   </a:rPr>
-                  <a:t> </a:t>
+                  <a:t>影响权值 </a:t>
                 </a:r>
                 <a14:m>
                   <m:oMath xmlns:m="http://schemas.openxmlformats.org/officeDocument/2006/math">
@@ -22911,7 +23168,7 @@
             </p:txBody>
           </p:sp>
         </mc:Choice>
-        <mc:Fallback xmlns="">
+        <mc:Fallback>
           <p:sp>
             <p:nvSpPr>
               <p:cNvPr id="12" name="文本框 11"/>
@@ -23804,18 +24061,7 @@
                   <a:ea typeface="黑体" panose="02010609060101010101" pitchFamily="49" charset="-122"/>
                   <a:cs typeface="Times New Roman" panose="02020603050405020304" pitchFamily="18" charset="0"/>
                 </a:rPr>
-                <a:t>影响</a:t>
-              </a:r>
-              <a:r>
-                <a:rPr lang="zh-CN" altLang="en-US" sz="1600" dirty="0">
-                  <a:solidFill>
-                    <a:schemeClr val="tx1"/>
-                  </a:solidFill>
-                  <a:latin typeface="Times New Roman" panose="02020603050405020304" pitchFamily="18" charset="0"/>
-                  <a:ea typeface="黑体" panose="02010609060101010101" pitchFamily="49" charset="-122"/>
-                  <a:cs typeface="Times New Roman" panose="02020603050405020304" pitchFamily="18" charset="0"/>
-                </a:rPr>
-                <a:t>因素</a:t>
+                <a:t>影响权值</a:t>
               </a:r>
               <a:endParaRPr lang="zh-CN" altLang="en-US" sz="1600" dirty="0">
                 <a:solidFill>
@@ -24215,36 +24461,6 @@
           </a:p>
         </p:txBody>
       </p:sp>
-      <p:pic>
-        <p:nvPicPr>
-          <p:cNvPr id="27" name="图片 26"/>
-          <p:cNvPicPr>
-            <a:picLocks noChangeAspect="1"/>
-          </p:cNvPicPr>
-          <p:nvPr/>
-        </p:nvPicPr>
-        <p:blipFill>
-          <a:blip r:embed="rId3">
-            <a:extLst>
-              <a:ext uri="{28A0092B-C50C-407E-A947-70E740481C1C}">
-                <a14:useLocalDpi xmlns:a14="http://schemas.microsoft.com/office/drawing/2010/main" val="0"/>
-              </a:ext>
-            </a:extLst>
-          </a:blip>
-          <a:stretch>
-            <a:fillRect/>
-          </a:stretch>
-        </p:blipFill>
-        <p:spPr>
-          <a:xfrm>
-            <a:off x="-28575" y="1238250"/>
-            <a:ext cx="9144000" cy="4609827"/>
-          </a:xfrm>
-          <a:prstGeom prst="rect">
-            <a:avLst/>
-          </a:prstGeom>
-        </p:spPr>
-      </p:pic>
       <p:sp>
         <p:nvSpPr>
           <p:cNvPr id="32" name="文本框 31"/>
@@ -24310,6 +24526,36 @@
           </a:p>
         </p:txBody>
       </p:sp>
+      <p:pic>
+        <p:nvPicPr>
+          <p:cNvPr id="2" name="图片 1"/>
+          <p:cNvPicPr>
+            <a:picLocks noChangeAspect="1"/>
+          </p:cNvPicPr>
+          <p:nvPr/>
+        </p:nvPicPr>
+        <p:blipFill>
+          <a:blip r:embed="rId3">
+            <a:extLst>
+              <a:ext uri="{28A0092B-C50C-407E-A947-70E740481C1C}">
+                <a14:useLocalDpi xmlns:a14="http://schemas.microsoft.com/office/drawing/2010/main" val="0"/>
+              </a:ext>
+            </a:extLst>
+          </a:blip>
+          <a:stretch>
+            <a:fillRect/>
+          </a:stretch>
+        </p:blipFill>
+        <p:spPr>
+          <a:xfrm>
+            <a:off x="0" y="1275382"/>
+            <a:ext cx="9144000" cy="4609827"/>
+          </a:xfrm>
+          <a:prstGeom prst="rect">
+            <a:avLst/>
+          </a:prstGeom>
+        </p:spPr>
+      </p:pic>
     </p:spTree>
     <p:extLst>
       <p:ext uri="{BB962C8B-B14F-4D97-AF65-F5344CB8AC3E}">
@@ -24577,8 +24823,8 @@
           </a:p>
         </p:txBody>
       </p:sp>
-      <mc:AlternateContent xmlns:mc="http://schemas.openxmlformats.org/markup-compatibility/2006">
-        <mc:Choice xmlns:a14="http://schemas.microsoft.com/office/drawing/2010/main" Requires="a14">
+      <mc:AlternateContent xmlns:mc="http://schemas.openxmlformats.org/markup-compatibility/2006" xmlns:a14="http://schemas.microsoft.com/office/drawing/2010/main">
+        <mc:Choice Requires="a14">
           <p:sp>
             <p:nvSpPr>
               <p:cNvPr id="34" name="文本框 33"/>
@@ -24991,14 +25237,7 @@
                     <a:latin typeface="黑体" panose="02010609060101010101" pitchFamily="49" charset="-122"/>
                     <a:ea typeface="黑体" panose="02010609060101010101" pitchFamily="49" charset="-122"/>
                   </a:rPr>
-                  <a:t>、</a:t>
-                </a:r>
-                <a:r>
-                  <a:rPr lang="zh-CN" altLang="en-US" sz="1600" dirty="0" smtClean="0">
-                    <a:latin typeface="黑体" panose="02010609060101010101" pitchFamily="49" charset="-122"/>
-                    <a:ea typeface="黑体" panose="02010609060101010101" pitchFamily="49" charset="-122"/>
-                  </a:rPr>
-                  <a:t>返回满足 </a:t>
+                  <a:t>、返回满足 </a:t>
                 </a:r>
                 <a:r>
                   <a:rPr lang="en-US" altLang="zh-CN" sz="1600" dirty="0" smtClean="0">
@@ -25025,14 +25264,7 @@
                     <a:latin typeface="黑体" panose="02010609060101010101" pitchFamily="49" charset="-122"/>
                     <a:ea typeface="黑体" panose="02010609060101010101" pitchFamily="49" charset="-122"/>
                   </a:rPr>
-                  <a:t> 的</a:t>
-                </a:r>
-                <a:r>
-                  <a:rPr lang="zh-CN" altLang="en-US" sz="1600" dirty="0" smtClean="0">
-                    <a:latin typeface="黑体" panose="02010609060101010101" pitchFamily="49" charset="-122"/>
-                    <a:ea typeface="黑体" panose="02010609060101010101" pitchFamily="49" charset="-122"/>
-                  </a:rPr>
-                  <a:t>所有</a:t>
+                  <a:t> 的所有</a:t>
                 </a:r>
                 <a:r>
                   <a:rPr lang="en-US" altLang="zh-CN" sz="1600" dirty="0" smtClean="0">
@@ -25052,7 +25284,7 @@
             </p:txBody>
           </p:sp>
         </mc:Choice>
-        <mc:Fallback>
+        <mc:Fallback xmlns="">
           <p:sp>
             <p:nvSpPr>
               <p:cNvPr id="34" name="文本框 33"/>
@@ -29504,7 +29736,23 @@
                 <a:ea typeface="黑体" panose="02010609060101010101" pitchFamily="49" charset="-122"/>
                 <a:cs typeface="Times New Roman" panose="02020603050405020304" pitchFamily="18" charset="0"/>
               </a:rPr>
-              <a:t>模型中时空归一化因素对查询结果的影响</a:t>
+              <a:t>模型中</a:t>
+            </a:r>
+            <a:r>
+              <a:rPr lang="zh-CN" altLang="en-US" sz="1400" dirty="0" smtClean="0">
+                <a:latin typeface="Times New Roman" panose="02020603050405020304" pitchFamily="18" charset="0"/>
+                <a:ea typeface="黑体" panose="02010609060101010101" pitchFamily="49" charset="-122"/>
+                <a:cs typeface="Times New Roman" panose="02020603050405020304" pitchFamily="18" charset="0"/>
+              </a:rPr>
+              <a:t>时空转化参数对</a:t>
+            </a:r>
+            <a:r>
+              <a:rPr lang="zh-CN" altLang="en-US" sz="1400" dirty="0" smtClean="0">
+                <a:latin typeface="Times New Roman" panose="02020603050405020304" pitchFamily="18" charset="0"/>
+                <a:ea typeface="黑体" panose="02010609060101010101" pitchFamily="49" charset="-122"/>
+                <a:cs typeface="Times New Roman" panose="02020603050405020304" pitchFamily="18" charset="0"/>
+              </a:rPr>
+              <a:t>查询结果的影响</a:t>
             </a:r>
             <a:endParaRPr lang="en-US" altLang="zh-CN" sz="1400" dirty="0" smtClean="0">
               <a:latin typeface="Times New Roman" panose="02020603050405020304" pitchFamily="18" charset="0"/>
@@ -29526,7 +29774,39 @@
                 <a:ea typeface="黑体" panose="02010609060101010101" pitchFamily="49" charset="-122"/>
                 <a:cs typeface="Times New Roman" panose="02020603050405020304" pitchFamily="18" charset="0"/>
               </a:rPr>
-              <a:t>        时空归一化因素是时间向空间转化的比例。太小会忽视时间差距的影响，太大会放大时间的重要性，忽略空间上的差距。因此需要适中的数值。</a:t>
+              <a:t>        </a:t>
+            </a:r>
+            <a:r>
+              <a:rPr lang="zh-CN" altLang="en-US" sz="1400" dirty="0" smtClean="0">
+                <a:latin typeface="Times New Roman" panose="02020603050405020304" pitchFamily="18" charset="0"/>
+                <a:ea typeface="黑体" panose="02010609060101010101" pitchFamily="49" charset="-122"/>
+                <a:cs typeface="Times New Roman" panose="02020603050405020304" pitchFamily="18" charset="0"/>
+              </a:rPr>
+              <a:t>时空</a:t>
+            </a:r>
+            <a:r>
+              <a:rPr lang="zh-CN" altLang="en-US" sz="1400" dirty="0" smtClean="0">
+                <a:latin typeface="Times New Roman" panose="02020603050405020304" pitchFamily="18" charset="0"/>
+                <a:ea typeface="黑体" panose="02010609060101010101" pitchFamily="49" charset="-122"/>
+                <a:cs typeface="Times New Roman" panose="02020603050405020304" pitchFamily="18" charset="0"/>
+              </a:rPr>
+              <a:t>转化参数</a:t>
+            </a:r>
+            <a:r>
+              <a:rPr lang="zh-CN" altLang="en-US" sz="1400" dirty="0" smtClean="0">
+                <a:latin typeface="Times New Roman" panose="02020603050405020304" pitchFamily="18" charset="0"/>
+                <a:ea typeface="黑体" panose="02010609060101010101" pitchFamily="49" charset="-122"/>
+                <a:cs typeface="Times New Roman" panose="02020603050405020304" pitchFamily="18" charset="0"/>
+              </a:rPr>
+              <a:t>代表时间的重要程度。</a:t>
+            </a:r>
+            <a:r>
+              <a:rPr lang="zh-CN" altLang="en-US" sz="1400" dirty="0" smtClean="0">
+                <a:latin typeface="Times New Roman" panose="02020603050405020304" pitchFamily="18" charset="0"/>
+                <a:ea typeface="黑体" panose="02010609060101010101" pitchFamily="49" charset="-122"/>
+                <a:cs typeface="Times New Roman" panose="02020603050405020304" pitchFamily="18" charset="0"/>
+              </a:rPr>
+              <a:t>太小会忽视时间差距的影响，太大会放大时间的重要性，忽略空间上的差距。因此需要适中的数值。</a:t>
             </a:r>
             <a:endParaRPr lang="en-US" altLang="zh-CN" sz="1400" dirty="0" smtClean="0">
               <a:latin typeface="Times New Roman" panose="02020603050405020304" pitchFamily="18" charset="0"/>
@@ -29737,6 +30017,170 @@
                 <a:cs typeface="Times New Roman" panose="02020603050405020304" pitchFamily="18" charset="0"/>
               </a:rPr>
               <a:t>条轨迹。</a:t>
+            </a:r>
+            <a:endParaRPr lang="zh-TW" altLang="en-US" sz="1400" dirty="0">
+              <a:latin typeface="黑体" panose="02010609060101010101" pitchFamily="49" charset="-122"/>
+              <a:ea typeface="黑体" panose="02010609060101010101" pitchFamily="49" charset="-122"/>
+              <a:cs typeface="Times New Roman" panose="02020603050405020304" pitchFamily="18" charset="0"/>
+            </a:endParaRPr>
+          </a:p>
+        </p:txBody>
+      </p:sp>
+      <p:sp>
+        <p:nvSpPr>
+          <p:cNvPr id="13" name="AutoShape 31"/>
+          <p:cNvSpPr>
+            <a:spLocks noChangeArrowheads="1"/>
+          </p:cNvSpPr>
+          <p:nvPr/>
+        </p:nvSpPr>
+        <p:spPr bwMode="auto">
+          <a:xfrm>
+            <a:off x="4532811" y="440721"/>
+            <a:ext cx="2444125" cy="779588"/>
+          </a:xfrm>
+          <a:prstGeom prst="wedgeRoundRectCallout">
+            <a:avLst>
+              <a:gd name="adj1" fmla="val 29230"/>
+              <a:gd name="adj2" fmla="val 79854"/>
+              <a:gd name="adj3" fmla="val 16667"/>
+            </a:avLst>
+          </a:prstGeom>
+          <a:solidFill>
+            <a:srgbClr val="CCFFFF"/>
+          </a:solidFill>
+          <a:ln w="9525">
+            <a:solidFill>
+              <a:schemeClr val="tx1"/>
+            </a:solidFill>
+            <a:miter lim="800000"/>
+          </a:ln>
+        </p:spPr>
+        <p:txBody>
+          <a:bodyPr/>
+          <a:lstStyle>
+            <a:lvl1pPr>
+              <a:defRPr>
+                <a:solidFill>
+                  <a:schemeClr val="tx1"/>
+                </a:solidFill>
+                <a:latin typeface="Calibri" panose="020F0502020204030204" pitchFamily="34" charset="0"/>
+                <a:ea typeface="宋体" panose="02010600030101010101" pitchFamily="2" charset="-122"/>
+              </a:defRPr>
+            </a:lvl1pPr>
+            <a:lvl2pPr marL="742950" indent="-285750">
+              <a:defRPr>
+                <a:solidFill>
+                  <a:schemeClr val="tx1"/>
+                </a:solidFill>
+                <a:latin typeface="Calibri" panose="020F0502020204030204" pitchFamily="34" charset="0"/>
+                <a:ea typeface="宋体" panose="02010600030101010101" pitchFamily="2" charset="-122"/>
+              </a:defRPr>
+            </a:lvl2pPr>
+            <a:lvl3pPr marL="1143000" indent="-228600">
+              <a:defRPr>
+                <a:solidFill>
+                  <a:schemeClr val="tx1"/>
+                </a:solidFill>
+                <a:latin typeface="Calibri" panose="020F0502020204030204" pitchFamily="34" charset="0"/>
+                <a:ea typeface="宋体" panose="02010600030101010101" pitchFamily="2" charset="-122"/>
+              </a:defRPr>
+            </a:lvl3pPr>
+            <a:lvl4pPr marL="1600200" indent="-228600">
+              <a:defRPr>
+                <a:solidFill>
+                  <a:schemeClr val="tx1"/>
+                </a:solidFill>
+                <a:latin typeface="Calibri" panose="020F0502020204030204" pitchFamily="34" charset="0"/>
+                <a:ea typeface="宋体" panose="02010600030101010101" pitchFamily="2" charset="-122"/>
+              </a:defRPr>
+            </a:lvl4pPr>
+            <a:lvl5pPr marL="2057400" indent="-228600">
+              <a:defRPr>
+                <a:solidFill>
+                  <a:schemeClr val="tx1"/>
+                </a:solidFill>
+                <a:latin typeface="Calibri" panose="020F0502020204030204" pitchFamily="34" charset="0"/>
+                <a:ea typeface="宋体" panose="02010600030101010101" pitchFamily="2" charset="-122"/>
+              </a:defRPr>
+            </a:lvl5pPr>
+            <a:lvl6pPr marL="2514600" indent="-228600" fontAlgn="base">
+              <a:spcBef>
+                <a:spcPct val="0"/>
+              </a:spcBef>
+              <a:spcAft>
+                <a:spcPct val="0"/>
+              </a:spcAft>
+              <a:defRPr>
+                <a:solidFill>
+                  <a:schemeClr val="tx1"/>
+                </a:solidFill>
+                <a:latin typeface="Calibri" panose="020F0502020204030204" pitchFamily="34" charset="0"/>
+                <a:ea typeface="宋体" panose="02010600030101010101" pitchFamily="2" charset="-122"/>
+              </a:defRPr>
+            </a:lvl6pPr>
+            <a:lvl7pPr marL="2971800" indent="-228600" fontAlgn="base">
+              <a:spcBef>
+                <a:spcPct val="0"/>
+              </a:spcBef>
+              <a:spcAft>
+                <a:spcPct val="0"/>
+              </a:spcAft>
+              <a:defRPr>
+                <a:solidFill>
+                  <a:schemeClr val="tx1"/>
+                </a:solidFill>
+                <a:latin typeface="Calibri" panose="020F0502020204030204" pitchFamily="34" charset="0"/>
+                <a:ea typeface="宋体" panose="02010600030101010101" pitchFamily="2" charset="-122"/>
+              </a:defRPr>
+            </a:lvl7pPr>
+            <a:lvl8pPr marL="3429000" indent="-228600" fontAlgn="base">
+              <a:spcBef>
+                <a:spcPct val="0"/>
+              </a:spcBef>
+              <a:spcAft>
+                <a:spcPct val="0"/>
+              </a:spcAft>
+              <a:defRPr>
+                <a:solidFill>
+                  <a:schemeClr val="tx1"/>
+                </a:solidFill>
+                <a:latin typeface="Calibri" panose="020F0502020204030204" pitchFamily="34" charset="0"/>
+                <a:ea typeface="宋体" panose="02010600030101010101" pitchFamily="2" charset="-122"/>
+              </a:defRPr>
+            </a:lvl8pPr>
+            <a:lvl9pPr marL="3886200" indent="-228600" fontAlgn="base">
+              <a:spcBef>
+                <a:spcPct val="0"/>
+              </a:spcBef>
+              <a:spcAft>
+                <a:spcPct val="0"/>
+              </a:spcAft>
+              <a:defRPr>
+                <a:solidFill>
+                  <a:schemeClr val="tx1"/>
+                </a:solidFill>
+                <a:latin typeface="Calibri" panose="020F0502020204030204" pitchFamily="34" charset="0"/>
+                <a:ea typeface="宋体" panose="02010600030101010101" pitchFamily="2" charset="-122"/>
+              </a:defRPr>
+            </a:lvl9pPr>
+          </a:lstStyle>
+          <a:p>
+            <a:r>
+              <a:rPr lang="zh-CN" altLang="en-US" sz="1400" dirty="0" smtClean="0">
+                <a:latin typeface="黑体" panose="02010609060101010101" pitchFamily="49" charset="-122"/>
+                <a:ea typeface="黑体" panose="02010609060101010101" pitchFamily="49" charset="-122"/>
+                <a:cs typeface="Times New Roman" panose="02020603050405020304" pitchFamily="18" charset="0"/>
+              </a:rPr>
+              <a:t>纵轴代表查准率，即查询结果</a:t>
+            </a:r>
+            <a:r>
+              <a:rPr lang="zh-CN" altLang="en-US" sz="1400" dirty="0">
+                <a:latin typeface="黑体" panose="02010609060101010101" pitchFamily="49" charset="-122"/>
+                <a:ea typeface="黑体" panose="02010609060101010101" pitchFamily="49" charset="-122"/>
+                <a:cs typeface="Times New Roman" panose="02020603050405020304" pitchFamily="18" charset="0"/>
+              </a:rPr>
+              <a:t>中，真正与查询轨迹相似的比例。</a:t>
             </a:r>
             <a:endParaRPr lang="zh-TW" altLang="en-US" sz="1400" dirty="0">
               <a:latin typeface="黑体" panose="02010609060101010101" pitchFamily="49" charset="-122"/>
@@ -31570,41 +32014,32 @@
                 <a:ea typeface="黑体" panose="02010609060101010101" pitchFamily="49" charset="-122"/>
                 <a:cs typeface="Times New Roman" panose="02020603050405020304" pitchFamily="18" charset="0"/>
               </a:rPr>
-              <a:t>验证三维时空有效性</a:t>
-            </a:r>
+              <a:t>验证</a:t>
+            </a:r>
+            <a:r>
+              <a:rPr lang="en-US" altLang="zh-CN" dirty="0" smtClean="0">
+                <a:latin typeface="Times New Roman" panose="02020603050405020304" pitchFamily="18" charset="0"/>
+                <a:ea typeface="黑体" panose="02010609060101010101" pitchFamily="49" charset="-122"/>
+                <a:cs typeface="Times New Roman" panose="02020603050405020304" pitchFamily="18" charset="0"/>
+              </a:rPr>
+              <a:t>SNTR</a:t>
+            </a:r>
+            <a:r>
+              <a:rPr lang="zh-CN" altLang="en-US" dirty="0" smtClean="0">
+                <a:latin typeface="Times New Roman" panose="02020603050405020304" pitchFamily="18" charset="0"/>
+                <a:ea typeface="黑体" panose="02010609060101010101" pitchFamily="49" charset="-122"/>
+                <a:cs typeface="Times New Roman" panose="02020603050405020304" pitchFamily="18" charset="0"/>
+              </a:rPr>
+              <a:t>模型有效性</a:t>
+            </a:r>
+            <a:endParaRPr lang="zh-CN" altLang="en-US" dirty="0" smtClean="0">
+              <a:latin typeface="Times New Roman" panose="02020603050405020304" pitchFamily="18" charset="0"/>
+              <a:ea typeface="黑体" panose="02010609060101010101" pitchFamily="49" charset="-122"/>
+              <a:cs typeface="Times New Roman" panose="02020603050405020304" pitchFamily="18" charset="0"/>
+            </a:endParaRPr>
           </a:p>
         </p:txBody>
       </p:sp>
-      <p:pic>
-        <p:nvPicPr>
-          <p:cNvPr id="8" name="图片 7"/>
-          <p:cNvPicPr>
-            <a:picLocks noChangeAspect="1"/>
-          </p:cNvPicPr>
-          <p:nvPr/>
-        </p:nvPicPr>
-        <p:blipFill>
-          <a:blip r:embed="rId3">
-            <a:extLst>
-              <a:ext uri="{28A0092B-C50C-407E-A947-70E740481C1C}">
-                <a14:useLocalDpi xmlns:a14="http://schemas.microsoft.com/office/drawing/2010/main" val="0"/>
-              </a:ext>
-            </a:extLst>
-          </a:blip>
-          <a:stretch>
-            <a:fillRect/>
-          </a:stretch>
-        </p:blipFill>
-        <p:spPr>
-          <a:xfrm>
-            <a:off x="2669012" y="2372844"/>
-            <a:ext cx="3805975" cy="2854481"/>
-          </a:xfrm>
-          <a:prstGeom prst="rect">
-            <a:avLst/>
-          </a:prstGeom>
-        </p:spPr>
-      </p:pic>
       <p:sp>
         <p:nvSpPr>
           <p:cNvPr id="9" name="文本框 8"/>
@@ -31880,6 +32315,125 @@
           </a:p>
         </p:txBody>
       </p:sp>
+      <p:grpSp>
+        <p:nvGrpSpPr>
+          <p:cNvPr id="16" name="组合 15"/>
+          <p:cNvGrpSpPr/>
+          <p:nvPr/>
+        </p:nvGrpSpPr>
+        <p:grpSpPr>
+          <a:xfrm>
+            <a:off x="2669012" y="2372844"/>
+            <a:ext cx="3805975" cy="2854481"/>
+            <a:chOff x="2669012" y="2372844"/>
+            <a:chExt cx="3805975" cy="2854481"/>
+          </a:xfrm>
+        </p:grpSpPr>
+        <p:pic>
+          <p:nvPicPr>
+            <p:cNvPr id="8" name="图片 7"/>
+            <p:cNvPicPr>
+              <a:picLocks noChangeAspect="1"/>
+            </p:cNvPicPr>
+            <p:nvPr/>
+          </p:nvPicPr>
+          <p:blipFill>
+            <a:blip r:embed="rId3">
+              <a:extLst>
+                <a:ext uri="{28A0092B-C50C-407E-A947-70E740481C1C}">
+                  <a14:useLocalDpi xmlns:a14="http://schemas.microsoft.com/office/drawing/2010/main" val="0"/>
+                </a:ext>
+              </a:extLst>
+            </a:blip>
+            <a:stretch>
+              <a:fillRect/>
+            </a:stretch>
+          </p:blipFill>
+          <p:spPr>
+            <a:xfrm>
+              <a:off x="2669012" y="2372844"/>
+              <a:ext cx="3805975" cy="2854481"/>
+            </a:xfrm>
+            <a:prstGeom prst="rect">
+              <a:avLst/>
+            </a:prstGeom>
+          </p:spPr>
+        </p:pic>
+        <p:cxnSp>
+          <p:nvCxnSpPr>
+            <p:cNvPr id="11" name="直接连接符 10"/>
+            <p:cNvCxnSpPr/>
+            <p:nvPr/>
+          </p:nvCxnSpPr>
+          <p:spPr>
+            <a:xfrm flipV="1">
+              <a:off x="3191774" y="3152091"/>
+              <a:ext cx="844649" cy="260518"/>
+            </a:xfrm>
+            <a:prstGeom prst="line">
+              <a:avLst/>
+            </a:prstGeom>
+            <a:ln w="25400">
+              <a:solidFill>
+                <a:schemeClr val="accent1">
+                  <a:lumMod val="75000"/>
+                </a:schemeClr>
+              </a:solidFill>
+            </a:ln>
+          </p:spPr>
+          <p:style>
+            <a:lnRef idx="1">
+              <a:schemeClr val="accent1"/>
+            </a:lnRef>
+            <a:fillRef idx="0">
+              <a:schemeClr val="accent1"/>
+            </a:fillRef>
+            <a:effectRef idx="0">
+              <a:schemeClr val="accent1"/>
+            </a:effectRef>
+            <a:fontRef idx="minor">
+              <a:schemeClr val="tx1"/>
+            </a:fontRef>
+          </p:style>
+        </p:cxnSp>
+        <p:cxnSp>
+          <p:nvCxnSpPr>
+            <p:cNvPr id="14" name="直接连接符 13"/>
+            <p:cNvCxnSpPr/>
+            <p:nvPr/>
+          </p:nvCxnSpPr>
+          <p:spPr>
+            <a:xfrm flipV="1">
+              <a:off x="4883577" y="3064777"/>
+              <a:ext cx="744256" cy="390778"/>
+            </a:xfrm>
+            <a:prstGeom prst="line">
+              <a:avLst/>
+            </a:prstGeom>
+            <a:ln w="25400">
+              <a:solidFill>
+                <a:schemeClr val="accent1">
+                  <a:lumMod val="75000"/>
+                </a:schemeClr>
+              </a:solidFill>
+            </a:ln>
+          </p:spPr>
+          <p:style>
+            <a:lnRef idx="1">
+              <a:schemeClr val="accent1"/>
+            </a:lnRef>
+            <a:fillRef idx="0">
+              <a:schemeClr val="accent1"/>
+            </a:fillRef>
+            <a:effectRef idx="0">
+              <a:schemeClr val="accent1"/>
+            </a:effectRef>
+            <a:fontRef idx="minor">
+              <a:schemeClr val="tx1"/>
+            </a:fontRef>
+          </p:style>
+        </p:cxnSp>
+      </p:grpSp>
     </p:spTree>
     <p:extLst>
       <p:ext uri="{BB962C8B-B14F-4D97-AF65-F5344CB8AC3E}">
@@ -41119,8 +41673,8 @@
         </p:nvSpPr>
         <p:spPr bwMode="auto">
           <a:xfrm>
-            <a:off x="6679804" y="3401988"/>
-            <a:ext cx="2269134" cy="1178561"/>
+            <a:off x="6730269" y="4124444"/>
+            <a:ext cx="2269134" cy="956239"/>
           </a:xfrm>
           <a:prstGeom prst="wedgeRoundRectCallout">
             <a:avLst>
@@ -41263,7 +41817,7 @@
                 <a:ea typeface="黑体" panose="02010609060101010101" pitchFamily="49" charset="-122"/>
                 <a:cs typeface="Times New Roman" panose="02020603050405020304" pitchFamily="18" charset="0"/>
               </a:rPr>
-              <a:t>、时空混乱</a:t>
+              <a:t>、不能很好考虑时间</a:t>
             </a:r>
             <a:endParaRPr lang="en-US" altLang="zh-CN" sz="1600" dirty="0" smtClean="0">
               <a:latin typeface="Times New Roman" panose="02020603050405020304" pitchFamily="18" charset="0"/>
@@ -41286,7 +41840,15 @@
                 <a:ea typeface="黑体" panose="02010609060101010101" pitchFamily="49" charset="-122"/>
                 <a:cs typeface="Times New Roman" panose="02020603050405020304" pitchFamily="18" charset="0"/>
               </a:rPr>
-              <a:t>、对齐效果差</a:t>
+              <a:t>、对应点匹配效果</a:t>
+            </a:r>
+            <a:r>
+              <a:rPr lang="zh-CN" altLang="en-US" sz="1600" dirty="0" smtClean="0">
+                <a:latin typeface="Times New Roman" panose="02020603050405020304" pitchFamily="18" charset="0"/>
+                <a:ea typeface="黑体" panose="02010609060101010101" pitchFamily="49" charset="-122"/>
+                <a:cs typeface="Times New Roman" panose="02020603050405020304" pitchFamily="18" charset="0"/>
+              </a:rPr>
+              <a:t>差</a:t>
             </a:r>
             <a:endParaRPr lang="en-US" altLang="zh-CN" sz="1600" dirty="0" smtClean="0">
               <a:latin typeface="Times New Roman" panose="02020603050405020304" pitchFamily="18" charset="0"/>
@@ -41312,20 +41874,12 @@
               <a:t>、</a:t>
             </a:r>
             <a:r>
-              <a:rPr lang="zh-CN" altLang="en-US" sz="1600" dirty="0">
-                <a:latin typeface="Times New Roman" panose="02020603050405020304" pitchFamily="18" charset="0"/>
-                <a:ea typeface="黑体" panose="02010609060101010101" pitchFamily="49" charset="-122"/>
-                <a:cs typeface="Times New Roman" panose="02020603050405020304" pitchFamily="18" charset="0"/>
-              </a:rPr>
-              <a:t>对数据的采样策略较</a:t>
-            </a:r>
-            <a:r>
               <a:rPr lang="zh-CN" altLang="en-US" sz="1600" dirty="0" smtClean="0">
                 <a:latin typeface="Times New Roman" panose="02020603050405020304" pitchFamily="18" charset="0"/>
                 <a:ea typeface="黑体" panose="02010609060101010101" pitchFamily="49" charset="-122"/>
                 <a:cs typeface="Times New Roman" panose="02020603050405020304" pitchFamily="18" charset="0"/>
               </a:rPr>
-              <a:t>敏感</a:t>
+              <a:t>对采样策略敏感</a:t>
             </a:r>
             <a:endParaRPr lang="en-US" altLang="zh-CN" sz="1600" dirty="0">
               <a:latin typeface="Times New Roman" panose="02020603050405020304" pitchFamily="18" charset="0"/>
@@ -41790,24 +42344,14 @@
           <a:p>
             <a:pPr algn="ctr"/>
             <a:r>
-              <a:rPr lang="zh-CN" altLang="en-US" sz="4000" b="1" dirty="0">
+              <a:rPr lang="zh-CN" altLang="en-US" sz="4000" b="1" dirty="0" smtClean="0">
                 <a:solidFill>
                   <a:srgbClr val="5E5EAF"/>
                 </a:solidFill>
                 <a:latin typeface="黑体" panose="02010609060101010101" pitchFamily="49" charset="-122"/>
                 <a:ea typeface="黑体" panose="02010609060101010101" pitchFamily="49" charset="-122"/>
               </a:rPr>
-              <a:t>三维时空</a:t>
-            </a:r>
-            <a:r>
-              <a:rPr lang="zh-CN" altLang="en-US" sz="4000" b="1" dirty="0" smtClean="0">
-                <a:solidFill>
-                  <a:srgbClr val="5E5EAF"/>
-                </a:solidFill>
-                <a:latin typeface="黑体" panose="02010609060101010101" pitchFamily="49" charset="-122"/>
-                <a:ea typeface="黑体" panose="02010609060101010101" pitchFamily="49" charset="-122"/>
-              </a:rPr>
-              <a:t>下</a:t>
+              <a:t>时空下对应点</a:t>
             </a:r>
             <a:endParaRPr lang="en-US" altLang="zh-CN" sz="4000" b="1" dirty="0" smtClean="0">
               <a:solidFill>
@@ -41827,7 +42371,7 @@
                 <a:latin typeface="黑体" panose="02010609060101010101" pitchFamily="49" charset="-122"/>
                 <a:ea typeface="黑体" panose="02010609060101010101" pitchFamily="49" charset="-122"/>
               </a:rPr>
-              <a:t>对应</a:t>
+              <a:t>匹配</a:t>
             </a:r>
             <a:r>
               <a:rPr lang="zh-CN" altLang="en-US" sz="4000" b="1" dirty="0">
@@ -41837,7 +42381,7 @@
                 <a:latin typeface="黑体" panose="02010609060101010101" pitchFamily="49" charset="-122"/>
                 <a:ea typeface="黑体" panose="02010609060101010101" pitchFamily="49" charset="-122"/>
               </a:rPr>
-              <a:t>点匹配算法</a:t>
+              <a:t>算法</a:t>
             </a:r>
           </a:p>
         </p:txBody>
@@ -42624,7 +43168,7 @@
           <p:nvPr>
             <p:extLst>
               <p:ext uri="{D42A27DB-BD31-4B8C-83A1-F6EECF244321}">
-                <p14:modId xmlns:p14="http://schemas.microsoft.com/office/powerpoint/2010/main" val="3106683957"/>
+                <p14:modId xmlns:p14="http://schemas.microsoft.com/office/powerpoint/2010/main" val="3743405275"/>
               </p:ext>
             </p:extLst>
           </p:nvPr>
@@ -42728,20 +43272,12 @@
                         </a:lnSpc>
                       </a:pPr>
                       <a:r>
-                        <a:rPr lang="en-US" altLang="zh-CN" sz="1200" dirty="0" smtClean="0">
-                          <a:latin typeface="Times New Roman" panose="02020603050405020304" pitchFamily="18" charset="0"/>
-                          <a:ea typeface="黑体" panose="02010609060101010101" pitchFamily="49" charset="-122"/>
-                          <a:cs typeface="Times New Roman" panose="02020603050405020304" pitchFamily="18" charset="0"/>
-                        </a:rPr>
-                        <a:t>GPS</a:t>
-                      </a:r>
-                      <a:r>
                         <a:rPr lang="zh-CN" altLang="en-US" sz="1200" dirty="0" smtClean="0">
                           <a:latin typeface="Times New Roman" panose="02020603050405020304" pitchFamily="18" charset="0"/>
                           <a:ea typeface="黑体" panose="02010609060101010101" pitchFamily="49" charset="-122"/>
                           <a:cs typeface="Times New Roman" panose="02020603050405020304" pitchFamily="18" charset="0"/>
                         </a:rPr>
-                        <a:t>坐标</a:t>
+                        <a:t>空间坐标</a:t>
                       </a:r>
                       <a:endParaRPr lang="zh-CN" altLang="en-US" sz="1200" dirty="0">
                         <a:latin typeface="Times New Roman" panose="02020603050405020304" pitchFamily="18" charset="0"/>

--- a/移动对象的时空轨迹相似性查询算法-丁光伟-第2版.pptx
+++ b/移动对象的时空轨迹相似性查询算法-丁光伟-第2版.pptx
@@ -5,7 +5,7 @@
     <p:sldMasterId id="2147483648" r:id="rId1"/>
   </p:sldMasterIdLst>
   <p:notesMasterIdLst>
-    <p:notesMasterId r:id="rId39"/>
+    <p:notesMasterId r:id="rId40"/>
   </p:notesMasterIdLst>
   <p:sldIdLst>
     <p:sldId id="256" r:id="rId2"/>
@@ -33,18 +33,19 @@
     <p:sldId id="312" r:id="rId24"/>
     <p:sldId id="313" r:id="rId25"/>
     <p:sldId id="314" r:id="rId26"/>
-    <p:sldId id="339" r:id="rId27"/>
-    <p:sldId id="317" r:id="rId28"/>
-    <p:sldId id="318" r:id="rId29"/>
-    <p:sldId id="321" r:id="rId30"/>
-    <p:sldId id="343" r:id="rId31"/>
-    <p:sldId id="344" r:id="rId32"/>
-    <p:sldId id="345" r:id="rId33"/>
-    <p:sldId id="337" r:id="rId34"/>
-    <p:sldId id="338" r:id="rId35"/>
-    <p:sldId id="327" r:id="rId36"/>
-    <p:sldId id="328" r:id="rId37"/>
-    <p:sldId id="329" r:id="rId38"/>
+    <p:sldId id="346" r:id="rId27"/>
+    <p:sldId id="339" r:id="rId28"/>
+    <p:sldId id="317" r:id="rId29"/>
+    <p:sldId id="318" r:id="rId30"/>
+    <p:sldId id="321" r:id="rId31"/>
+    <p:sldId id="343" r:id="rId32"/>
+    <p:sldId id="344" r:id="rId33"/>
+    <p:sldId id="345" r:id="rId34"/>
+    <p:sldId id="337" r:id="rId35"/>
+    <p:sldId id="338" r:id="rId36"/>
+    <p:sldId id="327" r:id="rId37"/>
+    <p:sldId id="328" r:id="rId38"/>
+    <p:sldId id="329" r:id="rId39"/>
   </p:sldIdLst>
   <p:sldSz cx="9144000" cy="6858000" type="screen4x3"/>
   <p:notesSz cx="6858000" cy="9144000"/>
@@ -245,7 +246,7 @@
           <a:p>
             <a:fld id="{010F446A-1550-4314-A5B9-A1C2423B0192}" type="datetimeFigureOut">
               <a:rPr lang="zh-CN" altLang="en-US" smtClean="0"/>
-              <a:t>2018/12/13</a:t>
+              <a:t>2018/12/14</a:t>
             </a:fld>
             <a:endParaRPr lang="zh-CN" altLang="en-US"/>
           </a:p>
@@ -765,6 +766,90 @@
 </p:notes>
 </file>
 
+<file path=ppt/notesSlides/notesSlide4.xml><?xml version="1.0" encoding="utf-8"?>
+<p:notes xmlns:a="http://schemas.openxmlformats.org/drawingml/2006/main" xmlns:r="http://schemas.openxmlformats.org/officeDocument/2006/relationships" xmlns:p="http://schemas.openxmlformats.org/presentationml/2006/main">
+  <p:cSld>
+    <p:spTree>
+      <p:nvGrpSpPr>
+        <p:cNvPr id="1" name=""/>
+        <p:cNvGrpSpPr/>
+        <p:nvPr/>
+      </p:nvGrpSpPr>
+      <p:grpSpPr>
+        <a:xfrm>
+          <a:off x="0" y="0"/>
+          <a:ext cx="0" cy="0"/>
+          <a:chOff x="0" y="0"/>
+          <a:chExt cx="0" cy="0"/>
+        </a:xfrm>
+      </p:grpSpPr>
+      <p:sp>
+        <p:nvSpPr>
+          <p:cNvPr id="2" name="幻灯片图像占位符 1"/>
+          <p:cNvSpPr>
+            <a:spLocks noGrp="1" noRot="1" noChangeAspect="1"/>
+          </p:cNvSpPr>
+          <p:nvPr>
+            <p:ph type="sldImg"/>
+          </p:nvPr>
+        </p:nvSpPr>
+        <p:spPr/>
+      </p:sp>
+      <p:sp>
+        <p:nvSpPr>
+          <p:cNvPr id="3" name="备注占位符 2"/>
+          <p:cNvSpPr>
+            <a:spLocks noGrp="1"/>
+          </p:cNvSpPr>
+          <p:nvPr>
+            <p:ph type="body" idx="1"/>
+          </p:nvPr>
+        </p:nvSpPr>
+        <p:spPr/>
+        <p:txBody>
+          <a:bodyPr/>
+          <a:lstStyle/>
+          <a:p>
+            <a:endParaRPr lang="zh-CN" altLang="en-US" noProof="0" dirty="0"/>
+          </a:p>
+        </p:txBody>
+      </p:sp>
+      <p:sp>
+        <p:nvSpPr>
+          <p:cNvPr id="4" name="灯片编号占位符 3"/>
+          <p:cNvSpPr>
+            <a:spLocks noGrp="1"/>
+          </p:cNvSpPr>
+          <p:nvPr>
+            <p:ph type="sldNum" sz="quarter" idx="10"/>
+          </p:nvPr>
+        </p:nvSpPr>
+        <p:spPr/>
+        <p:txBody>
+          <a:bodyPr/>
+          <a:lstStyle/>
+          <a:p>
+            <a:fld id="{F8A4E550-F08C-490A-AE9D-597818A582E3}" type="slidenum">
+              <a:rPr lang="zh-CN" altLang="en-US" smtClean="0"/>
+              <a:t>20</a:t>
+            </a:fld>
+            <a:endParaRPr lang="zh-CN" altLang="en-US"/>
+          </a:p>
+        </p:txBody>
+      </p:sp>
+    </p:spTree>
+    <p:extLst>
+      <p:ext uri="{BB962C8B-B14F-4D97-AF65-F5344CB8AC3E}">
+        <p14:creationId xmlns:p14="http://schemas.microsoft.com/office/powerpoint/2010/main" val="1122268542"/>
+      </p:ext>
+    </p:extLst>
+  </p:cSld>
+  <p:clrMapOvr>
+    <a:masterClrMapping/>
+  </p:clrMapOvr>
+</p:notes>
+</file>
+
 <file path=ppt/slideLayouts/slideLayout1.xml><?xml version="1.0" encoding="utf-8"?>
 <p:sldLayout xmlns:a="http://schemas.openxmlformats.org/drawingml/2006/main" xmlns:r="http://schemas.openxmlformats.org/officeDocument/2006/relationships" xmlns:p="http://schemas.openxmlformats.org/presentationml/2006/main" type="title" preserve="1">
   <p:cSld name="标题幻灯片">
@@ -896,7 +981,7 @@
           <a:p>
             <a:fld id="{F40908C7-E137-47C6-B5BF-488AAB238826}" type="datetime1">
               <a:rPr lang="zh-CN" altLang="en-US" smtClean="0"/>
-              <a:t>2018/12/13</a:t>
+              <a:t>2018/12/14</a:t>
             </a:fld>
             <a:endParaRPr lang="zh-CN" altLang="en-US"/>
           </a:p>
@@ -1079,7 +1164,7 @@
           <a:p>
             <a:fld id="{BCDBFF00-2D0E-4F60-A8D7-9A8735A1A9F2}" type="datetime1">
               <a:rPr lang="zh-CN" altLang="en-US" smtClean="0"/>
-              <a:t>2018/12/13</a:t>
+              <a:t>2018/12/14</a:t>
             </a:fld>
             <a:endParaRPr lang="zh-CN" altLang="en-US"/>
           </a:p>
@@ -1254,7 +1339,7 @@
           <a:p>
             <a:fld id="{34706722-149E-4624-ADE9-0451A969F4EC}" type="datetime1">
               <a:rPr lang="zh-CN" altLang="en-US" smtClean="0"/>
-              <a:t>2018/12/13</a:t>
+              <a:t>2018/12/14</a:t>
             </a:fld>
             <a:endParaRPr lang="zh-CN" altLang="en-US"/>
           </a:p>
@@ -1419,7 +1504,7 @@
           <a:p>
             <a:fld id="{2CF79A60-C518-4449-AED1-554F2E34582A}" type="datetime1">
               <a:rPr lang="zh-CN" altLang="en-US" smtClean="0"/>
-              <a:t>2018/12/13</a:t>
+              <a:t>2018/12/14</a:t>
             </a:fld>
             <a:endParaRPr lang="zh-CN" altLang="en-US"/>
           </a:p>
@@ -1658,7 +1743,7 @@
           <a:p>
             <a:fld id="{9421DB66-0B16-4D02-877A-ACD65B688BFC}" type="datetime1">
               <a:rPr lang="zh-CN" altLang="en-US" smtClean="0"/>
-              <a:t>2018/12/13</a:t>
+              <a:t>2018/12/14</a:t>
             </a:fld>
             <a:endParaRPr lang="zh-CN" altLang="en-US"/>
           </a:p>
@@ -1885,7 +1970,7 @@
           <a:p>
             <a:fld id="{D5B21539-5167-43DF-80BA-DBE5B8F3E419}" type="datetime1">
               <a:rPr lang="zh-CN" altLang="en-US" smtClean="0"/>
-              <a:t>2018/12/13</a:t>
+              <a:t>2018/12/14</a:t>
             </a:fld>
             <a:endParaRPr lang="zh-CN" altLang="en-US"/>
           </a:p>
@@ -2247,7 +2332,7 @@
           <a:p>
             <a:fld id="{7B88BA23-8AFD-4E26-B916-45F0CF113CF6}" type="datetime1">
               <a:rPr lang="zh-CN" altLang="en-US" smtClean="0"/>
-              <a:t>2018/12/13</a:t>
+              <a:t>2018/12/14</a:t>
             </a:fld>
             <a:endParaRPr lang="zh-CN" altLang="en-US"/>
           </a:p>
@@ -2360,7 +2445,7 @@
           <a:p>
             <a:fld id="{E2816BB7-89B1-4A3E-93FE-305D91E8E85A}" type="datetime1">
               <a:rPr lang="zh-CN" altLang="en-US" smtClean="0"/>
-              <a:t>2018/12/13</a:t>
+              <a:t>2018/12/14</a:t>
             </a:fld>
             <a:endParaRPr lang="zh-CN" altLang="en-US"/>
           </a:p>
@@ -2460,7 +2545,7 @@
           <a:p>
             <a:fld id="{E8347A03-BAB8-4B18-B3DE-D9B5B5604F5A}" type="datetime1">
               <a:rPr lang="zh-CN" altLang="en-US" smtClean="0"/>
-              <a:t>2018/12/13</a:t>
+              <a:t>2018/12/14</a:t>
             </a:fld>
             <a:endParaRPr lang="zh-CN" altLang="en-US"/>
           </a:p>
@@ -2733,7 +2818,7 @@
           <a:p>
             <a:fld id="{9B0474CD-E20F-4BB4-BE5D-EA17E7BB0B21}" type="datetime1">
               <a:rPr lang="zh-CN" altLang="en-US" smtClean="0"/>
-              <a:t>2018/12/13</a:t>
+              <a:t>2018/12/14</a:t>
             </a:fld>
             <a:endParaRPr lang="zh-CN" altLang="en-US"/>
           </a:p>
@@ -2985,7 +3070,7 @@
           <a:p>
             <a:fld id="{F6C15E8D-C8B1-4AC5-9B6C-6D1E948F8A8B}" type="datetime1">
               <a:rPr lang="zh-CN" altLang="en-US" smtClean="0"/>
-              <a:t>2018/12/13</a:t>
+              <a:t>2018/12/14</a:t>
             </a:fld>
             <a:endParaRPr lang="zh-CN" altLang="en-US"/>
           </a:p>
@@ -3193,7 +3278,7 @@
           <a:p>
             <a:fld id="{6A9D68BD-449E-4E21-8A4A-D34EBE4E1ADD}" type="datetime1">
               <a:rPr lang="zh-CN" altLang="en-US" smtClean="0"/>
-              <a:t>2018/12/13</a:t>
+              <a:t>2018/12/14</a:t>
             </a:fld>
             <a:endParaRPr lang="zh-CN" altLang="en-US"/>
           </a:p>
@@ -5720,8 +5805,8 @@
           </a:p>
         </p:txBody>
       </p:sp>
-      <mc:AlternateContent xmlns:mc="http://schemas.openxmlformats.org/markup-compatibility/2006">
-        <mc:Choice xmlns:a14="http://schemas.microsoft.com/office/drawing/2010/main" Requires="a14">
+      <mc:AlternateContent xmlns:mc="http://schemas.openxmlformats.org/markup-compatibility/2006" xmlns:a14="http://schemas.microsoft.com/office/drawing/2010/main">
+        <mc:Choice Requires="a14">
           <p:sp>
             <p:nvSpPr>
               <p:cNvPr id="18" name="矩形 17"/>
@@ -5787,7 +5872,7 @@
             </p:txBody>
           </p:sp>
         </mc:Choice>
-        <mc:Fallback>
+        <mc:Fallback xmlns="">
           <p:sp>
             <p:nvSpPr>
               <p:cNvPr id="18" name="矩形 17"/>
@@ -6574,8 +6659,8 @@
           </a:p>
         </p:txBody>
       </p:sp>
-      <mc:AlternateContent xmlns:mc="http://schemas.openxmlformats.org/markup-compatibility/2006">
-        <mc:Choice xmlns:a14="http://schemas.microsoft.com/office/drawing/2010/main" Requires="a14">
+      <mc:AlternateContent xmlns:mc="http://schemas.openxmlformats.org/markup-compatibility/2006" xmlns:a14="http://schemas.microsoft.com/office/drawing/2010/main">
+        <mc:Choice Requires="a14">
           <p:sp>
             <p:nvSpPr>
               <p:cNvPr id="18" name="矩形 17"/>
@@ -6599,11 +6684,7 @@
               <a:p>
                 <a:r>
                   <a:rPr lang="zh-CN" altLang="en-US" dirty="0" smtClean="0"/>
-                  <a:t>时空</a:t>
-                </a:r>
-                <a:r>
-                  <a:rPr lang="zh-CN" altLang="en-US" dirty="0" smtClean="0"/>
-                  <a:t>转化</a:t>
+                  <a:t>时空转化</a:t>
                 </a:r>
                 <a14:m>
                   <m:oMath xmlns:m="http://schemas.openxmlformats.org/officeDocument/2006/math">
@@ -6645,7 +6726,7 @@
             </p:txBody>
           </p:sp>
         </mc:Choice>
-        <mc:Fallback>
+        <mc:Fallback xmlns="">
           <p:sp>
             <p:nvSpPr>
               <p:cNvPr id="18" name="矩形 17"/>
@@ -7547,15 +7628,7 @@
           <a:p>
             <a:r>
               <a:rPr lang="zh-CN" altLang="en-US" dirty="0" smtClean="0"/>
-              <a:t>优势</a:t>
-            </a:r>
-            <a:r>
-              <a:rPr lang="zh-CN" altLang="en-US" dirty="0" smtClean="0"/>
-              <a:t>：保持时间</a:t>
-            </a:r>
-            <a:r>
-              <a:rPr lang="zh-CN" altLang="en-US" dirty="0" smtClean="0"/>
-              <a:t>有序</a:t>
+              <a:t>优势：保持时间有序</a:t>
             </a:r>
           </a:p>
         </p:txBody>
@@ -10335,6 +10408,35 @@
               </a:rPr>
               <a:t>算法优势：</a:t>
             </a:r>
+            <a:endParaRPr lang="en-US" altLang="zh-CN" dirty="0" smtClean="0">
+              <a:solidFill>
+                <a:srgbClr val="333399"/>
+              </a:solidFill>
+              <a:latin typeface="Times New Roman" panose="02020603050405020304" pitchFamily="18" charset="0"/>
+              <a:ea typeface="黑体" panose="02010609060101010101" pitchFamily="49" charset="-122"/>
+              <a:cs typeface="Times New Roman" panose="02020603050405020304" pitchFamily="18" charset="0"/>
+            </a:endParaRPr>
+          </a:p>
+          <a:p>
+            <a:pPr>
+              <a:defRPr/>
+            </a:pPr>
+            <a:r>
+              <a:rPr lang="en-US" altLang="zh-CN" dirty="0" smtClean="0">
+                <a:latin typeface="Times New Roman" panose="02020603050405020304" pitchFamily="18" charset="0"/>
+                <a:ea typeface="黑体" panose="02010609060101010101" pitchFamily="49" charset="-122"/>
+                <a:cs typeface="Times New Roman" panose="02020603050405020304" pitchFamily="18" charset="0"/>
+              </a:rPr>
+              <a:t>        −</a:t>
+            </a:r>
+            <a:r>
+              <a:rPr lang="zh-CN" altLang="en-US" dirty="0">
+                <a:latin typeface="Times New Roman" panose="02020603050405020304" pitchFamily="18" charset="0"/>
+                <a:ea typeface="黑体" panose="02010609060101010101" pitchFamily="49" charset="-122"/>
+                <a:cs typeface="Times New Roman" panose="02020603050405020304" pitchFamily="18" charset="0"/>
+              </a:rPr>
+              <a:t>匹配结果保持时序性</a:t>
+            </a:r>
             <a:endParaRPr lang="en-US" altLang="zh-CN" dirty="0">
               <a:solidFill>
                 <a:srgbClr val="333399"/>
@@ -10385,35 +10487,6 @@
               <a:ea typeface="黑体" panose="02010609060101010101" pitchFamily="49" charset="-122"/>
               <a:cs typeface="Times New Roman" panose="02020603050405020304" pitchFamily="18" charset="0"/>
             </a:endParaRPr>
-          </a:p>
-          <a:p>
-            <a:pPr>
-              <a:defRPr/>
-            </a:pPr>
-            <a:r>
-              <a:rPr lang="en-US" altLang="zh-CN" dirty="0" smtClean="0">
-                <a:latin typeface="Times New Roman" panose="02020603050405020304" pitchFamily="18" charset="0"/>
-                <a:ea typeface="黑体" panose="02010609060101010101" pitchFamily="49" charset="-122"/>
-                <a:cs typeface="Times New Roman" panose="02020603050405020304" pitchFamily="18" charset="0"/>
-              </a:rPr>
-              <a:t>        −</a:t>
-            </a:r>
-            <a:r>
-              <a:rPr lang="zh-CN" altLang="en-US" dirty="0" smtClean="0">
-                <a:latin typeface="Times New Roman" panose="02020603050405020304" pitchFamily="18" charset="0"/>
-                <a:ea typeface="黑体" panose="02010609060101010101" pitchFamily="49" charset="-122"/>
-                <a:cs typeface="Times New Roman" panose="02020603050405020304" pitchFamily="18" charset="0"/>
-              </a:rPr>
-              <a:t>匹配结果保持时序</a:t>
-            </a:r>
-            <a:r>
-              <a:rPr lang="zh-CN" altLang="en-US" dirty="0">
-                <a:latin typeface="Times New Roman" panose="02020603050405020304" pitchFamily="18" charset="0"/>
-                <a:ea typeface="黑体" panose="02010609060101010101" pitchFamily="49" charset="-122"/>
-                <a:cs typeface="Times New Roman" panose="02020603050405020304" pitchFamily="18" charset="0"/>
-              </a:rPr>
-              <a:t>性</a:t>
-            </a:r>
           </a:p>
         </p:txBody>
       </p:sp>
@@ -10742,7 +10815,22 @@
                 <a:latin typeface="黑体" panose="02010609060101010101" pitchFamily="49" charset="-122"/>
                 <a:ea typeface="黑体" panose="02010609060101010101" pitchFamily="49" charset="-122"/>
               </a:rPr>
-              <a:t>提升匹配效果</a:t>
+              <a:t>提升</a:t>
+            </a:r>
+            <a:r>
+              <a:rPr lang="zh-CN" altLang="en-US" dirty="0">
+                <a:latin typeface="Times New Roman" panose="02020603050405020304" pitchFamily="18" charset="0"/>
+                <a:ea typeface="黑体" panose="02010609060101010101" pitchFamily="49" charset="-122"/>
+                <a:cs typeface="Times New Roman" panose="02020603050405020304" pitchFamily="18" charset="0"/>
+              </a:rPr>
+              <a:t>对齐</a:t>
+            </a:r>
+            <a:r>
+              <a:rPr lang="zh-CN" altLang="en-US" dirty="0" smtClean="0">
+                <a:latin typeface="黑体" panose="02010609060101010101" pitchFamily="49" charset="-122"/>
+                <a:ea typeface="黑体" panose="02010609060101010101" pitchFamily="49" charset="-122"/>
+              </a:rPr>
+              <a:t>效果</a:t>
             </a:r>
             <a:endParaRPr lang="zh-CN" altLang="en-US" dirty="0">
               <a:latin typeface="黑体" panose="02010609060101010101" pitchFamily="49" charset="-122"/>
@@ -12587,14 +12675,6 @@
               </a:rPr>
               <a:t>距离</a:t>
             </a:r>
-            <a:endParaRPr lang="zh-CN" altLang="en-US" dirty="0">
-              <a:solidFill>
-                <a:schemeClr val="bg1"/>
-              </a:solidFill>
-              <a:latin typeface="Times New Roman" panose="02020603050405020304" pitchFamily="18" charset="0"/>
-              <a:ea typeface="黑体" panose="02010609060101010101" pitchFamily="49" charset="-122"/>
-              <a:cs typeface="Times New Roman" panose="02020603050405020304" pitchFamily="18" charset="0"/>
-            </a:endParaRPr>
           </a:p>
         </p:txBody>
       </p:sp>
@@ -12707,14 +12787,6 @@
               </a:rPr>
               <a:t>轨迹距离</a:t>
             </a:r>
-            <a:endParaRPr lang="zh-CN" altLang="en-US" dirty="0">
-              <a:solidFill>
-                <a:schemeClr val="bg1"/>
-              </a:solidFill>
-              <a:latin typeface="Times New Roman" panose="02020603050405020304" pitchFamily="18" charset="0"/>
-              <a:ea typeface="黑体" panose="02010609060101010101" pitchFamily="49" charset="-122"/>
-              <a:cs typeface="Times New Roman" panose="02020603050405020304" pitchFamily="18" charset="0"/>
-            </a:endParaRPr>
           </a:p>
         </p:txBody>
       </p:sp>
@@ -12763,14 +12835,6 @@
               </a:rPr>
               <a:t>轨迹相似性查询</a:t>
             </a:r>
-            <a:endParaRPr lang="zh-CN" altLang="en-US" dirty="0">
-              <a:solidFill>
-                <a:schemeClr val="bg1"/>
-              </a:solidFill>
-              <a:latin typeface="Times New Roman" panose="02020603050405020304" pitchFamily="18" charset="0"/>
-              <a:ea typeface="黑体" panose="02010609060101010101" pitchFamily="49" charset="-122"/>
-              <a:cs typeface="Times New Roman" panose="02020603050405020304" pitchFamily="18" charset="0"/>
-            </a:endParaRPr>
           </a:p>
         </p:txBody>
       </p:sp>
@@ -14061,7 +14125,7 @@
             <p:nvPr/>
           </p:nvPicPr>
           <p:blipFill rotWithShape="1">
-            <a:blip r:embed="rId2">
+            <a:blip r:embed="rId3">
               <a:extLst>
                 <a:ext uri="{28A0092B-C50C-407E-A947-70E740481C1C}">
                   <a14:useLocalDpi xmlns:a14="http://schemas.microsoft.com/office/drawing/2010/main" val="0"/>
@@ -14157,7 +14221,7 @@
           <p:nvPr/>
         </p:nvPicPr>
         <p:blipFill>
-          <a:blip r:embed="rId3">
+          <a:blip r:embed="rId4">
             <a:extLst>
               <a:ext uri="{28A0092B-C50C-407E-A947-70E740481C1C}">
                 <a14:useLocalDpi xmlns:a14="http://schemas.microsoft.com/office/drawing/2010/main" val="0"/>
@@ -14187,7 +14251,7 @@
           <p:nvPr/>
         </p:nvPicPr>
         <p:blipFill>
-          <a:blip r:embed="rId4">
+          <a:blip r:embed="rId5">
             <a:extLst>
               <a:ext uri="{28A0092B-C50C-407E-A947-70E740481C1C}">
                 <a14:useLocalDpi xmlns:a14="http://schemas.microsoft.com/office/drawing/2010/main" val="0"/>
@@ -14217,7 +14281,7 @@
           <p:nvPr/>
         </p:nvPicPr>
         <p:blipFill>
-          <a:blip r:embed="rId5" cstate="print">
+          <a:blip r:embed="rId6" cstate="print">
             <a:extLst>
               <a:ext uri="{28A0092B-C50C-407E-A947-70E740481C1C}">
                 <a14:useLocalDpi xmlns:a14="http://schemas.microsoft.com/office/drawing/2010/main" val="0"/>
@@ -14247,7 +14311,7 @@
           <p:nvPr/>
         </p:nvPicPr>
         <p:blipFill>
-          <a:blip r:embed="rId6" cstate="print">
+          <a:blip r:embed="rId7" cstate="print">
             <a:extLst>
               <a:ext uri="{28A0092B-C50C-407E-A947-70E740481C1C}">
                 <a14:useLocalDpi xmlns:a14="http://schemas.microsoft.com/office/drawing/2010/main" val="0"/>
@@ -14483,7 +14547,11 @@
           <a:prstGeom prst="rect">
             <a:avLst/>
           </a:prstGeom>
-          <a:noFill/>
+          <a:solidFill>
+            <a:schemeClr val="accent1">
+              <a:alpha val="50000"/>
+            </a:schemeClr>
+          </a:solidFill>
         </p:spPr>
         <p:txBody>
           <a:bodyPr wrap="none" rtlCol="0">
@@ -14519,7 +14587,11 @@
           <a:prstGeom prst="rect">
             <a:avLst/>
           </a:prstGeom>
-          <a:noFill/>
+          <a:solidFill>
+            <a:schemeClr val="accent1">
+              <a:alpha val="50000"/>
+            </a:schemeClr>
+          </a:solidFill>
         </p:spPr>
         <p:txBody>
           <a:bodyPr wrap="none" rtlCol="0">
@@ -14551,8 +14623,8 @@
         </p:nvSpPr>
         <p:spPr bwMode="auto">
           <a:xfrm>
-            <a:off x="892396" y="5807939"/>
-            <a:ext cx="7134225" cy="646331"/>
+            <a:off x="627936" y="5844534"/>
+            <a:ext cx="8331200" cy="646331"/>
           </a:xfrm>
           <a:prstGeom prst="rect">
             <a:avLst/>
@@ -14571,7 +14643,7 @@
           </a:ln>
         </p:spPr>
         <p:txBody>
-          <a:bodyPr>
+          <a:bodyPr wrap="square">
             <a:spAutoFit/>
           </a:bodyPr>
           <a:lstStyle>
@@ -14716,13 +14788,7 @@
             </a:endParaRPr>
           </a:p>
           <a:p>
-            <a:pPr eaLnBrk="1" fontAlgn="auto" hangingPunct="1">
-              <a:spcBef>
-                <a:spcPts val="0"/>
-              </a:spcBef>
-              <a:spcAft>
-                <a:spcPts val="0"/>
-              </a:spcAft>
+            <a:pPr>
               <a:defRPr/>
             </a:pPr>
             <a:r>
@@ -14778,7 +14844,51 @@
                 <a:ea typeface="黑体" panose="02010609060101010101" pitchFamily="49" charset="-122"/>
                 <a:cs typeface="Times New Roman" panose="02020603050405020304" pitchFamily="18" charset="0"/>
               </a:rPr>
-              <a:t>，不够健壮</a:t>
+              <a:t>，</a:t>
+            </a:r>
+            <a:r>
+              <a:rPr lang="zh-CN" altLang="en-US" dirty="0">
+                <a:solidFill>
+                  <a:srgbClr val="000000"/>
+                </a:solidFill>
+                <a:latin typeface="Times New Roman" panose="02020603050405020304" pitchFamily="18" charset="0"/>
+                <a:ea typeface="黑体" panose="02010609060101010101" pitchFamily="49" charset="-122"/>
+                <a:cs typeface="Times New Roman" panose="02020603050405020304" pitchFamily="18" charset="0"/>
+              </a:rPr>
+              <a:t>相同的</a:t>
+            </a:r>
+            <a:r>
+              <a:rPr lang="zh-CN" altLang="en-US" dirty="0" smtClean="0">
+                <a:solidFill>
+                  <a:srgbClr val="000000"/>
+                </a:solidFill>
+                <a:latin typeface="Times New Roman" panose="02020603050405020304" pitchFamily="18" charset="0"/>
+                <a:ea typeface="黑体" panose="02010609060101010101" pitchFamily="49" charset="-122"/>
+                <a:cs typeface="Times New Roman" panose="02020603050405020304" pitchFamily="18" charset="0"/>
+              </a:rPr>
+              <a:t>移动会</a:t>
+            </a:r>
+            <a:r>
+              <a:rPr lang="zh-CN" altLang="en-US" dirty="0">
+                <a:solidFill>
+                  <a:srgbClr val="000000"/>
+                </a:solidFill>
+                <a:latin typeface="Times New Roman" panose="02020603050405020304" pitchFamily="18" charset="0"/>
+                <a:ea typeface="黑体" panose="02010609060101010101" pitchFamily="49" charset="-122"/>
+                <a:cs typeface="Times New Roman" panose="02020603050405020304" pitchFamily="18" charset="0"/>
+              </a:rPr>
+              <a:t>导致不同查询</a:t>
+            </a:r>
+            <a:r>
+              <a:rPr lang="zh-CN" altLang="en-US" dirty="0" smtClean="0">
+                <a:solidFill>
+                  <a:srgbClr val="000000"/>
+                </a:solidFill>
+                <a:latin typeface="Times New Roman" panose="02020603050405020304" pitchFamily="18" charset="0"/>
+                <a:ea typeface="黑体" panose="02010609060101010101" pitchFamily="49" charset="-122"/>
+                <a:cs typeface="Times New Roman" panose="02020603050405020304" pitchFamily="18" charset="0"/>
+              </a:rPr>
+              <a:t>结果</a:t>
             </a:r>
             <a:endParaRPr lang="zh-CN" altLang="en-US" dirty="0">
               <a:solidFill>
@@ -14836,21 +14946,8 @@
                 <a:ea typeface="黑体" panose="02010609060101010101" pitchFamily="49" charset="-122"/>
                 <a:cs typeface="Times New Roman" panose="02020603050405020304" pitchFamily="18" charset="0"/>
               </a:rPr>
-              <a:t>轨迹</a:t>
-            </a:r>
-            <a:r>
-              <a:rPr lang="zh-CN" altLang="en-US" dirty="0" smtClean="0">
-                <a:latin typeface="Times New Roman" panose="02020603050405020304" pitchFamily="18" charset="0"/>
-                <a:ea typeface="黑体" panose="02010609060101010101" pitchFamily="49" charset="-122"/>
-                <a:cs typeface="Times New Roman" panose="02020603050405020304" pitchFamily="18" charset="0"/>
-              </a:rPr>
-              <a:t>段距离：时空距离</a:t>
-            </a:r>
-            <a:endParaRPr lang="zh-CN" altLang="en-US" dirty="0" smtClean="0">
-              <a:latin typeface="Times New Roman" panose="02020603050405020304" pitchFamily="18" charset="0"/>
-              <a:ea typeface="黑体" panose="02010609060101010101" pitchFamily="49" charset="-122"/>
-              <a:cs typeface="Times New Roman" panose="02020603050405020304" pitchFamily="18" charset="0"/>
-            </a:endParaRPr>
+              <a:t>轨迹段距离：时空距离</a:t>
+            </a:r>
           </a:p>
         </p:txBody>
       </p:sp>
@@ -14955,6 +15052,169 @@
               </a:solidFill>
               <a:latin typeface="Times New Roman" panose="02020603050405020304" pitchFamily="18" charset="0"/>
               <a:cs typeface="Times New Roman" panose="02020603050405020304" pitchFamily="18" charset="0"/>
+            </a:endParaRPr>
+          </a:p>
+        </p:txBody>
+      </p:sp>
+      <p:sp>
+        <p:nvSpPr>
+          <p:cNvPr id="27" name="AutoShape 31"/>
+          <p:cNvSpPr>
+            <a:spLocks noChangeArrowheads="1"/>
+          </p:cNvSpPr>
+          <p:nvPr/>
+        </p:nvSpPr>
+        <p:spPr bwMode="auto">
+          <a:xfrm>
+            <a:off x="4520621" y="1037545"/>
+            <a:ext cx="1737263" cy="906325"/>
+          </a:xfrm>
+          <a:prstGeom prst="wedgeRoundRectCallout">
+            <a:avLst>
+              <a:gd name="adj1" fmla="val -30578"/>
+              <a:gd name="adj2" fmla="val 72877"/>
+              <a:gd name="adj3" fmla="val 16667"/>
+            </a:avLst>
+          </a:prstGeom>
+          <a:solidFill>
+            <a:srgbClr val="CCFFFF"/>
+          </a:solidFill>
+          <a:ln w="9525">
+            <a:solidFill>
+              <a:schemeClr val="tx1"/>
+            </a:solidFill>
+            <a:miter lim="800000"/>
+          </a:ln>
+        </p:spPr>
+        <p:txBody>
+          <a:bodyPr/>
+          <a:lstStyle>
+            <a:lvl1pPr>
+              <a:defRPr>
+                <a:solidFill>
+                  <a:schemeClr val="tx1"/>
+                </a:solidFill>
+                <a:latin typeface="Calibri" panose="020F0502020204030204" pitchFamily="34" charset="0"/>
+                <a:ea typeface="宋体" panose="02010600030101010101" pitchFamily="2" charset="-122"/>
+              </a:defRPr>
+            </a:lvl1pPr>
+            <a:lvl2pPr marL="742950" indent="-285750">
+              <a:defRPr>
+                <a:solidFill>
+                  <a:schemeClr val="tx1"/>
+                </a:solidFill>
+                <a:latin typeface="Calibri" panose="020F0502020204030204" pitchFamily="34" charset="0"/>
+                <a:ea typeface="宋体" panose="02010600030101010101" pitchFamily="2" charset="-122"/>
+              </a:defRPr>
+            </a:lvl2pPr>
+            <a:lvl3pPr marL="1143000" indent="-228600">
+              <a:defRPr>
+                <a:solidFill>
+                  <a:schemeClr val="tx1"/>
+                </a:solidFill>
+                <a:latin typeface="Calibri" panose="020F0502020204030204" pitchFamily="34" charset="0"/>
+                <a:ea typeface="宋体" panose="02010600030101010101" pitchFamily="2" charset="-122"/>
+              </a:defRPr>
+            </a:lvl3pPr>
+            <a:lvl4pPr marL="1600200" indent="-228600">
+              <a:defRPr>
+                <a:solidFill>
+                  <a:schemeClr val="tx1"/>
+                </a:solidFill>
+                <a:latin typeface="Calibri" panose="020F0502020204030204" pitchFamily="34" charset="0"/>
+                <a:ea typeface="宋体" panose="02010600030101010101" pitchFamily="2" charset="-122"/>
+              </a:defRPr>
+            </a:lvl4pPr>
+            <a:lvl5pPr marL="2057400" indent="-228600">
+              <a:defRPr>
+                <a:solidFill>
+                  <a:schemeClr val="tx1"/>
+                </a:solidFill>
+                <a:latin typeface="Calibri" panose="020F0502020204030204" pitchFamily="34" charset="0"/>
+                <a:ea typeface="宋体" panose="02010600030101010101" pitchFamily="2" charset="-122"/>
+              </a:defRPr>
+            </a:lvl5pPr>
+            <a:lvl6pPr marL="2514600" indent="-228600" fontAlgn="base">
+              <a:spcBef>
+                <a:spcPct val="0"/>
+              </a:spcBef>
+              <a:spcAft>
+                <a:spcPct val="0"/>
+              </a:spcAft>
+              <a:defRPr>
+                <a:solidFill>
+                  <a:schemeClr val="tx1"/>
+                </a:solidFill>
+                <a:latin typeface="Calibri" panose="020F0502020204030204" pitchFamily="34" charset="0"/>
+                <a:ea typeface="宋体" panose="02010600030101010101" pitchFamily="2" charset="-122"/>
+              </a:defRPr>
+            </a:lvl6pPr>
+            <a:lvl7pPr marL="2971800" indent="-228600" fontAlgn="base">
+              <a:spcBef>
+                <a:spcPct val="0"/>
+              </a:spcBef>
+              <a:spcAft>
+                <a:spcPct val="0"/>
+              </a:spcAft>
+              <a:defRPr>
+                <a:solidFill>
+                  <a:schemeClr val="tx1"/>
+                </a:solidFill>
+                <a:latin typeface="Calibri" panose="020F0502020204030204" pitchFamily="34" charset="0"/>
+                <a:ea typeface="宋体" panose="02010600030101010101" pitchFamily="2" charset="-122"/>
+              </a:defRPr>
+            </a:lvl7pPr>
+            <a:lvl8pPr marL="3429000" indent="-228600" fontAlgn="base">
+              <a:spcBef>
+                <a:spcPct val="0"/>
+              </a:spcBef>
+              <a:spcAft>
+                <a:spcPct val="0"/>
+              </a:spcAft>
+              <a:defRPr>
+                <a:solidFill>
+                  <a:schemeClr val="tx1"/>
+                </a:solidFill>
+                <a:latin typeface="Calibri" panose="020F0502020204030204" pitchFamily="34" charset="0"/>
+                <a:ea typeface="宋体" panose="02010600030101010101" pitchFamily="2" charset="-122"/>
+              </a:defRPr>
+            </a:lvl8pPr>
+            <a:lvl9pPr marL="3886200" indent="-228600" fontAlgn="base">
+              <a:spcBef>
+                <a:spcPct val="0"/>
+              </a:spcBef>
+              <a:spcAft>
+                <a:spcPct val="0"/>
+              </a:spcAft>
+              <a:defRPr>
+                <a:solidFill>
+                  <a:schemeClr val="tx1"/>
+                </a:solidFill>
+                <a:latin typeface="Calibri" panose="020F0502020204030204" pitchFamily="34" charset="0"/>
+                <a:ea typeface="宋体" panose="02010600030101010101" pitchFamily="2" charset="-122"/>
+              </a:defRPr>
+            </a:lvl9pPr>
+          </a:lstStyle>
+          <a:p>
+            <a:r>
+              <a:rPr lang="zh-CN" altLang="en-US" sz="1600" dirty="0"/>
+              <a:t>采样策略不同会记录下不同的轨迹</a:t>
+            </a:r>
+            <a:r>
+              <a:rPr lang="zh-CN" altLang="en-US" sz="1600" dirty="0" smtClean="0"/>
+              <a:t>数据</a:t>
+            </a:r>
+            <a:r>
+              <a:rPr lang="en-US" altLang="zh-CN" sz="1600" dirty="0" smtClean="0">
+                <a:latin typeface="黑体" panose="02010609060101010101" pitchFamily="49" charset="-122"/>
+                <a:ea typeface="黑体" panose="02010609060101010101" pitchFamily="49" charset="-122"/>
+                <a:cs typeface="Times New Roman" panose="02020603050405020304" pitchFamily="18" charset="0"/>
+              </a:rPr>
+              <a:t> </a:t>
+            </a:r>
+            <a:endParaRPr lang="en-US" altLang="zh-CN" sz="1600" dirty="0">
+              <a:latin typeface="黑体" panose="02010609060101010101" pitchFamily="49" charset="-122"/>
+              <a:ea typeface="黑体" panose="02010609060101010101" pitchFamily="49" charset="-122"/>
             </a:endParaRPr>
           </a:p>
         </p:txBody>
@@ -15204,8 +15464,8 @@
           </a:prstGeom>
         </p:spPr>
       </p:pic>
-      <mc:AlternateContent xmlns:mc="http://schemas.openxmlformats.org/markup-compatibility/2006" xmlns:a14="http://schemas.microsoft.com/office/drawing/2010/main">
-        <mc:Choice Requires="a14">
+      <mc:AlternateContent xmlns:mc="http://schemas.openxmlformats.org/markup-compatibility/2006">
+        <mc:Choice xmlns:a14="http://schemas.microsoft.com/office/drawing/2010/main" Requires="a14">
           <p:sp>
             <p:nvSpPr>
               <p:cNvPr id="11" name="TextBox 40"/>
@@ -15216,7 +15476,7 @@
             </p:nvSpPr>
             <p:spPr bwMode="auto">
               <a:xfrm>
-                <a:off x="1001743" y="5089521"/>
+                <a:off x="1001743" y="5346567"/>
                 <a:ext cx="7324725" cy="923330"/>
               </a:xfrm>
               <a:prstGeom prst="rect">
@@ -15472,28 +15732,21 @@
                     <a:latin typeface="黑体" panose="02010609060101010101" pitchFamily="49" charset="-122"/>
                     <a:ea typeface="黑体" panose="02010609060101010101" pitchFamily="49" charset="-122"/>
                   </a:rPr>
-                  <a:t>，使</a:t>
-                </a:r>
-                <a:r>
-                  <a:rPr lang="zh-CN" altLang="zh-CN" dirty="0">
-                    <a:latin typeface="黑体" panose="02010609060101010101" pitchFamily="49" charset="-122"/>
-                    <a:ea typeface="黑体" panose="02010609060101010101" pitchFamily="49" charset="-122"/>
-                  </a:rPr>
-                  <a:t>相似性</a:t>
-                </a:r>
-                <a:r>
-                  <a:rPr lang="zh-CN" altLang="zh-CN" dirty="0" smtClean="0">
-                    <a:latin typeface="黑体" panose="02010609060101010101" pitchFamily="49" charset="-122"/>
-                    <a:ea typeface="黑体" panose="02010609060101010101" pitchFamily="49" charset="-122"/>
-                  </a:rPr>
-                  <a:t>计算</a:t>
+                  <a:t>，</a:t>
                 </a:r>
                 <a:r>
                   <a:rPr lang="zh-CN" altLang="en-US" dirty="0" smtClean="0">
                     <a:latin typeface="黑体" panose="02010609060101010101" pitchFamily="49" charset="-122"/>
                     <a:ea typeface="黑体" panose="02010609060101010101" pitchFamily="49" charset="-122"/>
                   </a:rPr>
-                  <a:t>结果包含更多轨迹段的信息，变得更准确</a:t>
+                  <a:t>使计算结果更</a:t>
+                </a:r>
+                <a:r>
+                  <a:rPr lang="zh-CN" altLang="en-US" dirty="0" smtClean="0">
+                    <a:latin typeface="黑体" panose="02010609060101010101" pitchFamily="49" charset="-122"/>
+                    <a:ea typeface="黑体" panose="02010609060101010101" pitchFamily="49" charset="-122"/>
+                  </a:rPr>
+                  <a:t>准确</a:t>
                 </a:r>
                 <a:r>
                   <a:rPr lang="zh-CN" altLang="zh-CN" dirty="0" smtClean="0">
@@ -15510,7 +15763,7 @@
             </p:txBody>
           </p:sp>
         </mc:Choice>
-        <mc:Fallback xmlns="">
+        <mc:Fallback>
           <p:sp>
             <p:nvSpPr>
               <p:cNvPr id="11" name="TextBox 40"/>
@@ -15521,7 +15774,7 @@
             </p:nvSpPr>
             <p:spPr bwMode="auto">
               <a:xfrm>
-                <a:off x="1001743" y="5089521"/>
+                <a:off x="1001743" y="5346567"/>
                 <a:ext cx="7324725" cy="923330"/>
               </a:xfrm>
               <a:prstGeom prst="rect">
@@ -15530,7 +15783,7 @@
               <a:blipFill>
                 <a:blip r:embed="rId4"/>
                 <a:stretch>
-                  <a:fillRect l="-498" t="-2581" b="-8387"/>
+                  <a:fillRect l="-498" t="-1923" b="-7692"/>
                 </a:stretch>
               </a:blipFill>
               <a:ln w="22225">
@@ -15567,284 +15820,13 @@
             </p:nvSpPr>
             <p:spPr bwMode="auto">
               <a:xfrm>
-                <a:off x="114300" y="1322243"/>
+                <a:off x="114300" y="2173143"/>
                 <a:ext cx="2292470" cy="1441876"/>
               </a:xfrm>
               <a:prstGeom prst="wedgeRoundRectCallout">
                 <a:avLst>
-                  <a:gd name="adj1" fmla="val 69311"/>
-                  <a:gd name="adj2" fmla="val 22832"/>
-                  <a:gd name="adj3" fmla="val 16667"/>
-                </a:avLst>
-              </a:prstGeom>
-              <a:solidFill>
-                <a:srgbClr val="CCFFFF"/>
-              </a:solidFill>
-              <a:ln w="9525">
-                <a:solidFill>
-                  <a:schemeClr val="tx1"/>
-                </a:solidFill>
-                <a:miter lim="800000"/>
-              </a:ln>
-            </p:spPr>
-            <p:txBody>
-              <a:bodyPr/>
-              <a:lstStyle>
-                <a:lvl1pPr>
-                  <a:defRPr>
-                    <a:solidFill>
-                      <a:schemeClr val="tx1"/>
-                    </a:solidFill>
-                    <a:latin typeface="Calibri" panose="020F0502020204030204" pitchFamily="34" charset="0"/>
-                    <a:ea typeface="宋体" panose="02010600030101010101" pitchFamily="2" charset="-122"/>
-                  </a:defRPr>
-                </a:lvl1pPr>
-                <a:lvl2pPr marL="742950" indent="-285750">
-                  <a:defRPr>
-                    <a:solidFill>
-                      <a:schemeClr val="tx1"/>
-                    </a:solidFill>
-                    <a:latin typeface="Calibri" panose="020F0502020204030204" pitchFamily="34" charset="0"/>
-                    <a:ea typeface="宋体" panose="02010600030101010101" pitchFamily="2" charset="-122"/>
-                  </a:defRPr>
-                </a:lvl2pPr>
-                <a:lvl3pPr marL="1143000" indent="-228600">
-                  <a:defRPr>
-                    <a:solidFill>
-                      <a:schemeClr val="tx1"/>
-                    </a:solidFill>
-                    <a:latin typeface="Calibri" panose="020F0502020204030204" pitchFamily="34" charset="0"/>
-                    <a:ea typeface="宋体" panose="02010600030101010101" pitchFamily="2" charset="-122"/>
-                  </a:defRPr>
-                </a:lvl3pPr>
-                <a:lvl4pPr marL="1600200" indent="-228600">
-                  <a:defRPr>
-                    <a:solidFill>
-                      <a:schemeClr val="tx1"/>
-                    </a:solidFill>
-                    <a:latin typeface="Calibri" panose="020F0502020204030204" pitchFamily="34" charset="0"/>
-                    <a:ea typeface="宋体" panose="02010600030101010101" pitchFamily="2" charset="-122"/>
-                  </a:defRPr>
-                </a:lvl4pPr>
-                <a:lvl5pPr marL="2057400" indent="-228600">
-                  <a:defRPr>
-                    <a:solidFill>
-                      <a:schemeClr val="tx1"/>
-                    </a:solidFill>
-                    <a:latin typeface="Calibri" panose="020F0502020204030204" pitchFamily="34" charset="0"/>
-                    <a:ea typeface="宋体" panose="02010600030101010101" pitchFamily="2" charset="-122"/>
-                  </a:defRPr>
-                </a:lvl5pPr>
-                <a:lvl6pPr marL="2514600" indent="-228600" fontAlgn="base">
-                  <a:spcBef>
-                    <a:spcPct val="0"/>
-                  </a:spcBef>
-                  <a:spcAft>
-                    <a:spcPct val="0"/>
-                  </a:spcAft>
-                  <a:defRPr>
-                    <a:solidFill>
-                      <a:schemeClr val="tx1"/>
-                    </a:solidFill>
-                    <a:latin typeface="Calibri" panose="020F0502020204030204" pitchFamily="34" charset="0"/>
-                    <a:ea typeface="宋体" panose="02010600030101010101" pitchFamily="2" charset="-122"/>
-                  </a:defRPr>
-                </a:lvl6pPr>
-                <a:lvl7pPr marL="2971800" indent="-228600" fontAlgn="base">
-                  <a:spcBef>
-                    <a:spcPct val="0"/>
-                  </a:spcBef>
-                  <a:spcAft>
-                    <a:spcPct val="0"/>
-                  </a:spcAft>
-                  <a:defRPr>
-                    <a:solidFill>
-                      <a:schemeClr val="tx1"/>
-                    </a:solidFill>
-                    <a:latin typeface="Calibri" panose="020F0502020204030204" pitchFamily="34" charset="0"/>
-                    <a:ea typeface="宋体" panose="02010600030101010101" pitchFamily="2" charset="-122"/>
-                  </a:defRPr>
-                </a:lvl7pPr>
-                <a:lvl8pPr marL="3429000" indent="-228600" fontAlgn="base">
-                  <a:spcBef>
-                    <a:spcPct val="0"/>
-                  </a:spcBef>
-                  <a:spcAft>
-                    <a:spcPct val="0"/>
-                  </a:spcAft>
-                  <a:defRPr>
-                    <a:solidFill>
-                      <a:schemeClr val="tx1"/>
-                    </a:solidFill>
-                    <a:latin typeface="Calibri" panose="020F0502020204030204" pitchFamily="34" charset="0"/>
-                    <a:ea typeface="宋体" panose="02010600030101010101" pitchFamily="2" charset="-122"/>
-                  </a:defRPr>
-                </a:lvl8pPr>
-                <a:lvl9pPr marL="3886200" indent="-228600" fontAlgn="base">
-                  <a:spcBef>
-                    <a:spcPct val="0"/>
-                  </a:spcBef>
-                  <a:spcAft>
-                    <a:spcPct val="0"/>
-                  </a:spcAft>
-                  <a:defRPr>
-                    <a:solidFill>
-                      <a:schemeClr val="tx1"/>
-                    </a:solidFill>
-                    <a:latin typeface="Calibri" panose="020F0502020204030204" pitchFamily="34" charset="0"/>
-                    <a:ea typeface="宋体" panose="02010600030101010101" pitchFamily="2" charset="-122"/>
-                  </a:defRPr>
-                </a:lvl9pPr>
-              </a:lstStyle>
-              <a:p>
-                <a:r>
-                  <a:rPr lang="zh-CN" altLang="zh-CN" sz="1600" dirty="0">
-                    <a:latin typeface="黑体" panose="02010609060101010101" pitchFamily="49" charset="-122"/>
-                    <a:ea typeface="黑体" panose="02010609060101010101" pitchFamily="49" charset="-122"/>
-                    <a:cs typeface="Times New Roman" panose="02020603050405020304" pitchFamily="18" charset="0"/>
-                  </a:rPr>
-                  <a:t>断点（</a:t>
-                </a:r>
-                <a:r>
-                  <a:rPr lang="en-US" altLang="zh-CN" sz="1600" dirty="0">
-                    <a:latin typeface="黑体" panose="02010609060101010101" pitchFamily="49" charset="-122"/>
-                    <a:ea typeface="黑体" panose="02010609060101010101" pitchFamily="49" charset="-122"/>
-                  </a:rPr>
-                  <a:t>break point</a:t>
-                </a:r>
-                <a:r>
-                  <a:rPr lang="zh-CN" altLang="zh-CN" sz="1600" dirty="0">
-                    <a:latin typeface="黑体" panose="02010609060101010101" pitchFamily="49" charset="-122"/>
-                    <a:ea typeface="黑体" panose="02010609060101010101" pitchFamily="49" charset="-122"/>
-                    <a:cs typeface="Times New Roman" panose="02020603050405020304" pitchFamily="18" charset="0"/>
-                  </a:rPr>
-                  <a:t>）</a:t>
-                </a:r>
-                <a:r>
-                  <a:rPr lang="zh-CN" altLang="en-US" sz="1600" dirty="0" smtClean="0">
-                    <a:latin typeface="黑体" panose="02010609060101010101" pitchFamily="49" charset="-122"/>
-                    <a:ea typeface="黑体" panose="02010609060101010101" pitchFamily="49" charset="-122"/>
-                    <a:cs typeface="Times New Roman" panose="02020603050405020304" pitchFamily="18" charset="0"/>
-                  </a:rPr>
-                  <a:t>：</a:t>
-                </a:r>
-                <a:endParaRPr lang="en-US" altLang="zh-CN" sz="1600" dirty="0" smtClean="0">
-                  <a:latin typeface="黑体" panose="02010609060101010101" pitchFamily="49" charset="-122"/>
-                  <a:ea typeface="黑体" panose="02010609060101010101" pitchFamily="49" charset="-122"/>
-                  <a:cs typeface="Times New Roman" panose="02020603050405020304" pitchFamily="18" charset="0"/>
-                </a:endParaRPr>
-              </a:p>
-              <a:p>
-                <a:r>
-                  <a:rPr lang="zh-CN" altLang="zh-CN" sz="1600" dirty="0" smtClean="0">
-                    <a:latin typeface="黑体" panose="02010609060101010101" pitchFamily="49" charset="-122"/>
-                    <a:ea typeface="黑体" panose="02010609060101010101" pitchFamily="49" charset="-122"/>
-                  </a:rPr>
-                  <a:t>使用</a:t>
-                </a:r>
-                <a:r>
-                  <a:rPr lang="zh-CN" altLang="zh-CN" sz="1600" dirty="0">
-                    <a:latin typeface="黑体" panose="02010609060101010101" pitchFamily="49" charset="-122"/>
-                    <a:ea typeface="黑体" panose="02010609060101010101" pitchFamily="49" charset="-122"/>
-                  </a:rPr>
-                  <a:t>一个固定的断点阈值</a:t>
-                </a:r>
-                <a14:m>
-                  <m:oMath xmlns:m="http://schemas.openxmlformats.org/officeDocument/2006/math">
-                    <m:r>
-                      <m:rPr>
-                        <m:sty m:val="p"/>
-                      </m:rPr>
-                      <a:rPr lang="en-US" altLang="zh-CN" sz="1600">
-                        <a:latin typeface="Cambria Math" panose="02040503050406030204" pitchFamily="18" charset="0"/>
-                      </a:rPr>
-                      <m:t>η</m:t>
-                    </m:r>
-                  </m:oMath>
-                </a14:m>
-                <a:r>
-                  <a:rPr lang="zh-CN" altLang="zh-CN" sz="1600" dirty="0">
-                    <a:latin typeface="黑体" panose="02010609060101010101" pitchFamily="49" charset="-122"/>
-                    <a:ea typeface="黑体" panose="02010609060101010101" pitchFamily="49" charset="-122"/>
-                  </a:rPr>
-                  <a:t>将两个相邻样本点之间的轨迹段均匀分割</a:t>
-                </a:r>
-                <a:endParaRPr lang="en-US" altLang="zh-CN" sz="1600" dirty="0">
-                  <a:latin typeface="黑体" panose="02010609060101010101" pitchFamily="49" charset="-122"/>
-                  <a:ea typeface="黑体" panose="02010609060101010101" pitchFamily="49" charset="-122"/>
-                </a:endParaRPr>
-              </a:p>
-            </p:txBody>
-          </p:sp>
-        </mc:Choice>
-        <mc:Fallback xmlns="">
-          <p:sp>
-            <p:nvSpPr>
-              <p:cNvPr id="12" name="AutoShape 31"/>
-              <p:cNvSpPr>
-                <a:spLocks noRot="1" noChangeAspect="1" noMove="1" noResize="1" noEditPoints="1" noAdjustHandles="1" noChangeArrowheads="1" noChangeShapeType="1" noTextEdit="1"/>
-              </p:cNvSpPr>
-              <p:nvPr/>
-            </p:nvSpPr>
-            <p:spPr bwMode="auto">
-              <a:xfrm>
-                <a:off x="114300" y="1322243"/>
-                <a:ext cx="2292470" cy="1441876"/>
-              </a:xfrm>
-              <a:prstGeom prst="wedgeRoundRectCallout">
-                <a:avLst>
-                  <a:gd name="adj1" fmla="val 69311"/>
-                  <a:gd name="adj2" fmla="val 22832"/>
-                  <a:gd name="adj3" fmla="val 16667"/>
-                </a:avLst>
-              </a:prstGeom>
-              <a:blipFill>
-                <a:blip r:embed="rId5"/>
-                <a:stretch>
-                  <a:fillRect b="-840"/>
-                </a:stretch>
-              </a:blipFill>
-              <a:ln w="9525">
-                <a:solidFill>
-                  <a:schemeClr val="tx1"/>
-                </a:solidFill>
-                <a:miter lim="800000"/>
-              </a:ln>
-            </p:spPr>
-            <p:txBody>
-              <a:bodyPr/>
-              <a:lstStyle/>
-              <a:p>
-                <a:r>
-                  <a:rPr lang="zh-CN" altLang="en-US">
-                    <a:noFill/>
-                  </a:rPr>
-                  <a:t> </a:t>
-                </a:r>
-              </a:p>
-            </p:txBody>
-          </p:sp>
-        </mc:Fallback>
-      </mc:AlternateContent>
-      <mc:AlternateContent xmlns:mc="http://schemas.openxmlformats.org/markup-compatibility/2006" xmlns:a14="http://schemas.microsoft.com/office/drawing/2010/main">
-        <mc:Choice Requires="a14">
-          <p:sp>
-            <p:nvSpPr>
-              <p:cNvPr id="13" name="AutoShape 31"/>
-              <p:cNvSpPr>
-                <a:spLocks noChangeArrowheads="1"/>
-              </p:cNvSpPr>
-              <p:nvPr/>
-            </p:nvSpPr>
-            <p:spPr bwMode="auto">
-              <a:xfrm>
-                <a:off x="202540" y="3049700"/>
-                <a:ext cx="2367168" cy="1441876"/>
-              </a:xfrm>
-              <a:prstGeom prst="wedgeRoundRectCallout">
-                <a:avLst>
-                  <a:gd name="adj1" fmla="val 100404"/>
-                  <a:gd name="adj2" fmla="val -80072"/>
+                  <a:gd name="adj1" fmla="val 70973"/>
+                  <a:gd name="adj2" fmla="val -30897"/>
                   <a:gd name="adj3" fmla="val 16667"/>
                 </a:avLst>
               </a:prstGeom>
@@ -15974,7 +15956,22 @@
                     <a:ea typeface="黑体" panose="02010609060101010101" pitchFamily="49" charset="-122"/>
                     <a:cs typeface="Times New Roman" panose="02020603050405020304" pitchFamily="18" charset="0"/>
                   </a:rPr>
-                  <a:t>断点</a:t>
+                  <a:t>断点（</a:t>
+                </a:r>
+                <a:r>
+                  <a:rPr lang="en-US" altLang="zh-CN" sz="1600" dirty="0">
+                    <a:latin typeface="黑体" panose="02010609060101010101" pitchFamily="49" charset="-122"/>
+                    <a:ea typeface="黑体" panose="02010609060101010101" pitchFamily="49" charset="-122"/>
+                  </a:rPr>
+                  <a:t>break point</a:t>
+                </a:r>
+                <a:r>
+                  <a:rPr lang="zh-CN" altLang="zh-CN" sz="1600" dirty="0">
+                    <a:latin typeface="黑体" panose="02010609060101010101" pitchFamily="49" charset="-122"/>
+                    <a:ea typeface="黑体" panose="02010609060101010101" pitchFamily="49" charset="-122"/>
+                    <a:cs typeface="Times New Roman" panose="02020603050405020304" pitchFamily="18" charset="0"/>
+                  </a:rPr>
+                  <a:t>）</a:t>
                 </a:r>
                 <a:r>
                   <a:rPr lang="zh-CN" altLang="en-US" sz="1600" dirty="0" smtClean="0">
@@ -15982,29 +15979,44 @@
                     <a:ea typeface="黑体" panose="02010609060101010101" pitchFamily="49" charset="-122"/>
                     <a:cs typeface="Times New Roman" panose="02020603050405020304" pitchFamily="18" charset="0"/>
                   </a:rPr>
-                  <a:t>的对应点：</a:t>
+                  <a:t>：</a:t>
+                </a:r>
+                <a:endParaRPr lang="en-US" altLang="zh-CN" sz="1600" dirty="0" smtClean="0">
+                  <a:latin typeface="黑体" panose="02010609060101010101" pitchFamily="49" charset="-122"/>
+                  <a:ea typeface="黑体" panose="02010609060101010101" pitchFamily="49" charset="-122"/>
+                  <a:cs typeface="Times New Roman" panose="02020603050405020304" pitchFamily="18" charset="0"/>
+                </a:endParaRPr>
+              </a:p>
+              <a:p>
+                <a:r>
+                  <a:rPr lang="en-US" altLang="zh-CN" sz="1600" dirty="0" smtClean="0"/>
+                  <a:t>        </a:t>
                 </a:r>
                 <a:r>
-                  <a:rPr lang="en-US" altLang="zh-CN" sz="1600" dirty="0" smtClean="0">
-                    <a:latin typeface="黑体" panose="02010609060101010101" pitchFamily="49" charset="-122"/>
-                    <a:ea typeface="黑体" panose="02010609060101010101" pitchFamily="49" charset="-122"/>
-                    <a:cs typeface="Times New Roman" panose="02020603050405020304" pitchFamily="18" charset="0"/>
-                  </a:rPr>
-                  <a:t>DTW-BDS(</a:t>
+                  <a:rPr lang="zh-CN" altLang="zh-CN" sz="1600" dirty="0" smtClean="0"/>
+                  <a:t>在</a:t>
+                </a:r>
+                <a:r>
+                  <a:rPr lang="zh-CN" altLang="zh-CN" sz="1600" dirty="0"/>
+                  <a:t>轨迹</a:t>
+                </a:r>
+                <a:r>
+                  <a:rPr lang="zh-CN" altLang="zh-CN" sz="1600" dirty="0" smtClean="0"/>
+                  <a:t>段</a:t>
                 </a:r>
                 <a14:m>
                   <m:oMath xmlns:m="http://schemas.openxmlformats.org/officeDocument/2006/math">
                     <m:sSub>
                       <m:sSubPr>
                         <m:ctrlPr>
-                          <a:rPr lang="zh-CN" altLang="zh-CN" sz="1600" i="1">
+                          <a:rPr lang="en-US" altLang="zh-CN" sz="1600" i="1" smtClean="0">
                             <a:latin typeface="Cambria Math" panose="02040503050406030204" pitchFamily="18" charset="0"/>
                           </a:rPr>
                         </m:ctrlPr>
                       </m:sSubPr>
                       <m:e>
                         <m:r>
-                          <a:rPr lang="en-US" altLang="zh-CN" sz="1600" i="1">
+                          <a:rPr lang="en-US" altLang="zh-CN" sz="1600" b="0" i="1" smtClean="0">
                             <a:latin typeface="Cambria Math" panose="02040503050406030204" pitchFamily="18" charset="0"/>
                           </a:rPr>
                           <m:t>𝑟</m:t>
@@ -16015,14 +16027,14 @@
                           <a:rPr lang="en-US" altLang="zh-CN" sz="1600" b="0" i="1" smtClean="0">
                             <a:latin typeface="Cambria Math" panose="02040503050406030204" pitchFamily="18" charset="0"/>
                           </a:rPr>
-                          <m:t>0</m:t>
+                          <m:t>𝑖</m:t>
                         </m:r>
                       </m:sub>
                     </m:sSub>
                     <m:sSub>
                       <m:sSubPr>
                         <m:ctrlPr>
-                          <a:rPr lang="zh-CN" altLang="zh-CN" sz="1600" i="1">
+                          <a:rPr lang="en-US" altLang="zh-CN" sz="1600" i="1">
                             <a:latin typeface="Cambria Math" panose="02040503050406030204" pitchFamily="18" charset="0"/>
                           </a:rPr>
                         </m:ctrlPr>
@@ -16040,100 +16052,90 @@
                           <a:rPr lang="en-US" altLang="zh-CN" sz="1600" i="1">
                             <a:latin typeface="Cambria Math" panose="02040503050406030204" pitchFamily="18" charset="0"/>
                           </a:rPr>
-                          <m:t>1</m:t>
+                          <m:t>𝑖</m:t>
+                        </m:r>
+                        <m:r>
+                          <a:rPr lang="en-US" altLang="zh-CN" sz="1600" b="0" i="1" smtClean="0">
+                            <a:latin typeface="Cambria Math" panose="02040503050406030204" pitchFamily="18" charset="0"/>
+                          </a:rPr>
+                          <m:t>+1</m:t>
                         </m:r>
                       </m:sub>
                     </m:sSub>
                   </m:oMath>
                 </a14:m>
                 <a:r>
-                  <a:rPr lang="en-US" altLang="zh-CN" sz="1600" dirty="0" smtClean="0">
-                    <a:latin typeface="黑体" panose="02010609060101010101" pitchFamily="49" charset="-122"/>
-                    <a:ea typeface="黑体" panose="02010609060101010101" pitchFamily="49" charset="-122"/>
-                    <a:cs typeface="Times New Roman" panose="02020603050405020304" pitchFamily="18" charset="0"/>
-                  </a:rPr>
-                  <a:t>,</a:t>
+                  <a:rPr lang="zh-CN" altLang="zh-CN" sz="1600" dirty="0" smtClean="0"/>
+                  <a:t>上</a:t>
                 </a:r>
                 <a:r>
-                  <a:rPr lang="zh-CN" altLang="zh-CN" sz="1600" dirty="0">
+                  <a:rPr lang="zh-CN" altLang="zh-CN" sz="1600" dirty="0"/>
+                  <a:t>以固定</a:t>
+                </a:r>
+                <a:r>
+                  <a:rPr lang="zh-CN" altLang="en-US" sz="1600" dirty="0"/>
+                  <a:t>的</a:t>
+                </a:r>
+                <a:r>
+                  <a:rPr lang="zh-CN" altLang="en-US" sz="1600" dirty="0" smtClean="0"/>
+                  <a:t>断点</a:t>
+                </a:r>
+                <a14:m>
+                  <m:oMath xmlns:m="http://schemas.openxmlformats.org/officeDocument/2006/math">
+                    <m:r>
+                      <a:rPr lang="zh-CN" altLang="en-US" sz="1600" i="1" dirty="0">
+                        <a:latin typeface="Cambria Math" panose="02040503050406030204" pitchFamily="18" charset="0"/>
+                      </a:rPr>
+                      <m:t>阈值</m:t>
+                    </m:r>
+                    <m:r>
+                      <m:rPr>
+                        <m:sty m:val="p"/>
+                      </m:rPr>
+                      <a:rPr lang="en-US" altLang="zh-CN" sz="1600">
+                        <a:latin typeface="Cambria Math" panose="02040503050406030204" pitchFamily="18" charset="0"/>
+                      </a:rPr>
+                      <m:t>η</m:t>
+                    </m:r>
+                  </m:oMath>
+                </a14:m>
+                <a:r>
+                  <a:rPr lang="zh-CN" altLang="zh-CN" sz="1600" dirty="0"/>
+                  <a:t>均匀取点，获得</a:t>
+                </a:r>
+                <a:r>
+                  <a:rPr lang="zh-CN" altLang="zh-CN" sz="1600" dirty="0" smtClean="0"/>
+                  <a:t>断点</a:t>
+                </a:r>
+                <a:r>
+                  <a:rPr lang="zh-CN" altLang="en-US" sz="1600" dirty="0" smtClean="0"/>
+                  <a:t>。</a:t>
+                </a:r>
+                <a:endParaRPr lang="en-US" altLang="zh-CN" sz="1600" dirty="0" smtClean="0"/>
+              </a:p>
+              <a:p>
+                <a:r>
+                  <a:rPr lang="en-US" altLang="zh-CN" sz="1600" dirty="0">
                     <a:latin typeface="黑体" panose="02010609060101010101" pitchFamily="49" charset="-122"/>
                     <a:ea typeface="黑体" panose="02010609060101010101" pitchFamily="49" charset="-122"/>
                   </a:rPr>
                   <a:t> </a:t>
                 </a:r>
-                <a14:m>
-                  <m:oMath xmlns:m="http://schemas.openxmlformats.org/officeDocument/2006/math">
-                    <m:sSub>
-                      <m:sSubPr>
-                        <m:ctrlPr>
-                          <a:rPr lang="zh-CN" altLang="zh-CN" sz="1600" i="1">
-                            <a:latin typeface="Cambria Math" panose="02040503050406030204" pitchFamily="18" charset="0"/>
-                          </a:rPr>
-                        </m:ctrlPr>
-                      </m:sSubPr>
-                      <m:e>
-                        <m:r>
-                          <a:rPr lang="en-US" altLang="zh-CN" sz="1600" b="0" i="1" smtClean="0">
-                            <a:latin typeface="Cambria Math" panose="02040503050406030204" pitchFamily="18" charset="0"/>
-                          </a:rPr>
-                          <m:t>𝑞</m:t>
-                        </m:r>
-                      </m:e>
-                      <m:sub>
-                        <m:r>
-                          <a:rPr lang="en-US" altLang="zh-CN" sz="1600" i="1">
-                            <a:latin typeface="Cambria Math" panose="02040503050406030204" pitchFamily="18" charset="0"/>
-                          </a:rPr>
-                          <m:t>0</m:t>
-                        </m:r>
-                      </m:sub>
-                    </m:sSub>
-                    <m:sSub>
-                      <m:sSubPr>
-                        <m:ctrlPr>
-                          <a:rPr lang="zh-CN" altLang="zh-CN" sz="1600" i="1">
-                            <a:latin typeface="Cambria Math" panose="02040503050406030204" pitchFamily="18" charset="0"/>
-                          </a:rPr>
-                        </m:ctrlPr>
-                      </m:sSubPr>
-                      <m:e>
-                        <m:r>
-                          <a:rPr lang="en-US" altLang="zh-CN" sz="1600" b="0" i="1" smtClean="0">
-                            <a:latin typeface="Cambria Math" panose="02040503050406030204" pitchFamily="18" charset="0"/>
-                          </a:rPr>
-                          <m:t>𝑞</m:t>
-                        </m:r>
-                      </m:e>
-                      <m:sub>
-                        <m:r>
-                          <a:rPr lang="en-US" altLang="zh-CN" sz="1600" i="1">
-                            <a:latin typeface="Cambria Math" panose="02040503050406030204" pitchFamily="18" charset="0"/>
-                          </a:rPr>
-                          <m:t>1</m:t>
-                        </m:r>
-                      </m:sub>
-                    </m:sSub>
-                  </m:oMath>
-                </a14:m>
                 <a:r>
                   <a:rPr lang="en-US" altLang="zh-CN" sz="1600" dirty="0" smtClean="0">
                     <a:latin typeface="黑体" panose="02010609060101010101" pitchFamily="49" charset="-122"/>
                     <a:ea typeface="黑体" panose="02010609060101010101" pitchFamily="49" charset="-122"/>
-                    <a:cs typeface="Times New Roman" panose="02020603050405020304" pitchFamily="18" charset="0"/>
                   </a:rPr>
-                  <a:t>)</a:t>
+                  <a:t>   </a:t>
                 </a:r>
                 <a:r>
                   <a:rPr lang="zh-CN" altLang="en-US" sz="1600" dirty="0" smtClean="0">
-                    <a:latin typeface="黑体" panose="02010609060101010101" pitchFamily="49" charset="-122"/>
-                    <a:ea typeface="黑体" panose="02010609060101010101" pitchFamily="49" charset="-122"/>
-                    <a:cs typeface="Times New Roman" panose="02020603050405020304" pitchFamily="18" charset="0"/>
+                    <a:latin typeface="宋体" panose="02010600030101010101" pitchFamily="2" charset="-122"/>
                   </a:rPr>
-                  <a:t>获取所有断点的对应点</a:t>
+                  <a:t>断点的对应点。</a:t>
                 </a:r>
-                <a:endParaRPr lang="en-US" altLang="zh-CN" sz="1600" dirty="0">
-                  <a:latin typeface="黑体" panose="02010609060101010101" pitchFamily="49" charset="-122"/>
-                  <a:ea typeface="黑体" panose="02010609060101010101" pitchFamily="49" charset="-122"/>
+                <a:endParaRPr lang="en-US" altLang="zh-CN" sz="1400" dirty="0">
+                  <a:latin typeface="宋体" panose="02010600030101010101" pitchFamily="2" charset="-122"/>
                 </a:endParaRPr>
               </a:p>
             </p:txBody>
@@ -16142,7 +16144,7 @@
         <mc:Fallback xmlns="">
           <p:sp>
             <p:nvSpPr>
-              <p:cNvPr id="13" name="AutoShape 31"/>
+              <p:cNvPr id="12" name="AutoShape 31"/>
               <p:cNvSpPr>
                 <a:spLocks noRot="1" noChangeAspect="1" noMove="1" noResize="1" noEditPoints="1" noAdjustHandles="1" noChangeArrowheads="1" noChangeShapeType="1" noTextEdit="1"/>
               </p:cNvSpPr>
@@ -16150,20 +16152,20 @@
             </p:nvSpPr>
             <p:spPr bwMode="auto">
               <a:xfrm>
-                <a:off x="202540" y="3049700"/>
-                <a:ext cx="2367168" cy="1441876"/>
+                <a:off x="114300" y="2173143"/>
+                <a:ext cx="2292470" cy="1441876"/>
               </a:xfrm>
               <a:prstGeom prst="wedgeRoundRectCallout">
                 <a:avLst>
-                  <a:gd name="adj1" fmla="val 100404"/>
-                  <a:gd name="adj2" fmla="val -80072"/>
+                  <a:gd name="adj1" fmla="val 70973"/>
+                  <a:gd name="adj2" fmla="val -30897"/>
                   <a:gd name="adj3" fmla="val 16667"/>
                 </a:avLst>
               </a:prstGeom>
               <a:blipFill>
-                <a:blip r:embed="rId6"/>
+                <a:blip r:embed="rId5"/>
                 <a:stretch>
-                  <a:fillRect/>
+                  <a:fillRect b="-837"/>
                 </a:stretch>
               </a:blipFill>
               <a:ln w="9525">
@@ -16233,21 +16235,8 @@
                 <a:ea typeface="黑体" panose="02010609060101010101" pitchFamily="49" charset="-122"/>
                 <a:cs typeface="Times New Roman" panose="02020603050405020304" pitchFamily="18" charset="0"/>
               </a:rPr>
-              <a:t>轨迹</a:t>
-            </a:r>
-            <a:r>
-              <a:rPr lang="zh-CN" altLang="en-US" dirty="0" smtClean="0">
-                <a:latin typeface="Times New Roman" panose="02020603050405020304" pitchFamily="18" charset="0"/>
-                <a:ea typeface="黑体" panose="02010609060101010101" pitchFamily="49" charset="-122"/>
-                <a:cs typeface="Times New Roman" panose="02020603050405020304" pitchFamily="18" charset="0"/>
-              </a:rPr>
-              <a:t>段距离：时空距离</a:t>
-            </a:r>
-            <a:endParaRPr lang="zh-CN" altLang="en-US" dirty="0" smtClean="0">
-              <a:latin typeface="Times New Roman" panose="02020603050405020304" pitchFamily="18" charset="0"/>
-              <a:ea typeface="黑体" panose="02010609060101010101" pitchFamily="49" charset="-122"/>
-              <a:cs typeface="Times New Roman" panose="02020603050405020304" pitchFamily="18" charset="0"/>
-            </a:endParaRPr>
+              <a:t>轨迹段距离：时空距离</a:t>
+            </a:r>
           </a:p>
         </p:txBody>
       </p:sp>
@@ -16513,21 +16502,8 @@
                 <a:ea typeface="黑体" panose="02010609060101010101" pitchFamily="49" charset="-122"/>
                 <a:cs typeface="Times New Roman" panose="02020603050405020304" pitchFamily="18" charset="0"/>
               </a:rPr>
-              <a:t>轨迹</a:t>
-            </a:r>
-            <a:r>
-              <a:rPr lang="zh-CN" altLang="en-US" dirty="0" smtClean="0">
-                <a:latin typeface="Times New Roman" panose="02020603050405020304" pitchFamily="18" charset="0"/>
-                <a:ea typeface="黑体" panose="02010609060101010101" pitchFamily="49" charset="-122"/>
-                <a:cs typeface="Times New Roman" panose="02020603050405020304" pitchFamily="18" charset="0"/>
-              </a:rPr>
-              <a:t>段距离：时空距离</a:t>
-            </a:r>
-            <a:endParaRPr lang="zh-CN" altLang="en-US" dirty="0" smtClean="0">
-              <a:latin typeface="Times New Roman" panose="02020603050405020304" pitchFamily="18" charset="0"/>
-              <a:ea typeface="黑体" panose="02010609060101010101" pitchFamily="49" charset="-122"/>
-              <a:cs typeface="Times New Roman" panose="02020603050405020304" pitchFamily="18" charset="0"/>
-            </a:endParaRPr>
+              <a:t>轨迹段距离：时空距离</a:t>
+            </a:r>
           </a:p>
         </p:txBody>
       </p:sp>
@@ -16808,8 +16784,8 @@
           </a:p>
         </p:txBody>
       </p:sp>
-      <mc:AlternateContent xmlns:mc="http://schemas.openxmlformats.org/markup-compatibility/2006" xmlns:a14="http://schemas.microsoft.com/office/drawing/2010/main">
-        <mc:Choice Requires="a14">
+      <mc:AlternateContent xmlns:mc="http://schemas.openxmlformats.org/markup-compatibility/2006">
+        <mc:Choice xmlns:a14="http://schemas.microsoft.com/office/drawing/2010/main" Requires="a14">
           <p:sp>
             <p:nvSpPr>
               <p:cNvPr id="22" name="矩形 21"/>
@@ -16880,7 +16856,14 @@
                     <a:latin typeface="黑体" panose="02010609060101010101" pitchFamily="49" charset="-122"/>
                     <a:ea typeface="黑体" panose="02010609060101010101" pitchFamily="49" charset="-122"/>
                   </a:rPr>
-                  <a:t>对应点间距离</a:t>
+                  <a:t>对应</a:t>
+                </a:r>
+                <a:r>
+                  <a:rPr lang="zh-CN" altLang="en-US" dirty="0" smtClean="0">
+                    <a:latin typeface="黑体" panose="02010609060101010101" pitchFamily="49" charset="-122"/>
+                    <a:ea typeface="黑体" panose="02010609060101010101" pitchFamily="49" charset="-122"/>
+                  </a:rPr>
+                  <a:t>点间距离</a:t>
                 </a:r>
                 <a:endParaRPr lang="en-US" altLang="zh-CN" dirty="0" smtClean="0">
                   <a:latin typeface="黑体" panose="02010609060101010101" pitchFamily="49" charset="-122"/>
@@ -17364,7 +17347,7 @@
             </p:txBody>
           </p:sp>
         </mc:Choice>
-        <mc:Fallback xmlns="">
+        <mc:Fallback>
           <p:sp>
             <p:nvSpPr>
               <p:cNvPr id="22" name="矩形 21"/>
@@ -17382,7 +17365,7 @@
                 <a:avLst/>
               </a:prstGeom>
               <a:blipFill>
-                <a:blip r:embed="rId7"/>
+                <a:blip r:embed="rId6"/>
                 <a:stretch>
                   <a:fillRect l="-820" t="-21008" b="-85714"/>
                 </a:stretch>
@@ -17408,8 +17391,8 @@
           </p:sp>
         </mc:Fallback>
       </mc:AlternateContent>
-      <mc:AlternateContent xmlns:mc="http://schemas.openxmlformats.org/markup-compatibility/2006">
-        <mc:Choice xmlns:a14="http://schemas.microsoft.com/office/drawing/2010/main" Requires="a14">
+      <mc:AlternateContent xmlns:mc="http://schemas.openxmlformats.org/markup-compatibility/2006" xmlns:a14="http://schemas.microsoft.com/office/drawing/2010/main">
+        <mc:Choice Requires="a14">
           <p:sp>
             <p:nvSpPr>
               <p:cNvPr id="25" name="圆角矩形 24"/>
@@ -17498,7 +17481,7 @@
             </p:txBody>
           </p:sp>
         </mc:Choice>
-        <mc:Fallback>
+        <mc:Fallback xmlns="">
           <p:sp>
             <p:nvSpPr>
               <p:cNvPr id="25" name="圆角矩形 24"/>
@@ -17537,8 +17520,8 @@
           </p:sp>
         </mc:Fallback>
       </mc:AlternateContent>
-      <mc:AlternateContent xmlns:mc="http://schemas.openxmlformats.org/markup-compatibility/2006">
-        <mc:Choice xmlns:a14="http://schemas.microsoft.com/office/drawing/2010/main" Requires="a14">
+      <mc:AlternateContent xmlns:mc="http://schemas.openxmlformats.org/markup-compatibility/2006" xmlns:a14="http://schemas.microsoft.com/office/drawing/2010/main">
+        <mc:Choice Requires="a14">
           <p:sp>
             <p:nvSpPr>
               <p:cNvPr id="26" name="圆角矩形 25"/>
@@ -17735,7 +17718,7 @@
             </p:txBody>
           </p:sp>
         </mc:Choice>
-        <mc:Fallback>
+        <mc:Fallback xmlns="">
           <p:sp>
             <p:nvSpPr>
               <p:cNvPr id="26" name="圆角矩形 25"/>
@@ -17948,7 +17931,35 @@
                 <a:latin typeface="黑体" panose="02010609060101010101" pitchFamily="49" charset="-122"/>
                 <a:ea typeface="黑体" panose="02010609060101010101" pitchFamily="49" charset="-122"/>
               </a:rPr>
-              <a:t>    通过断点获得了更多轨迹段的信息，受采样策略影响更小，更健壮</a:t>
+              <a:t>    </a:t>
+            </a:r>
+            <a:r>
+              <a:rPr lang="zh-CN" altLang="en-US" dirty="0" smtClean="0">
+                <a:latin typeface="黑体" panose="02010609060101010101" pitchFamily="49" charset="-122"/>
+                <a:ea typeface="黑体" panose="02010609060101010101" pitchFamily="49" charset="-122"/>
+              </a:rPr>
+              <a:t>使用断点考虑了更多轨迹段信息</a:t>
+            </a:r>
+            <a:r>
+              <a:rPr lang="zh-CN" altLang="en-US" dirty="0" smtClean="0">
+                <a:latin typeface="黑体" panose="02010609060101010101" pitchFamily="49" charset="-122"/>
+                <a:ea typeface="黑体" panose="02010609060101010101" pitchFamily="49" charset="-122"/>
+              </a:rPr>
+              <a:t>，</a:t>
+            </a:r>
+            <a:r>
+              <a:rPr lang="zh-CN" altLang="en-US" dirty="0" smtClean="0">
+                <a:latin typeface="黑体" panose="02010609060101010101" pitchFamily="49" charset="-122"/>
+                <a:ea typeface="黑体" panose="02010609060101010101" pitchFamily="49" charset="-122"/>
+              </a:rPr>
+              <a:t>受采样策略影响更</a:t>
+            </a:r>
+            <a:r>
+              <a:rPr lang="zh-CN" altLang="en-US" dirty="0" smtClean="0">
+                <a:latin typeface="黑体" panose="02010609060101010101" pitchFamily="49" charset="-122"/>
+                <a:ea typeface="黑体" panose="02010609060101010101" pitchFamily="49" charset="-122"/>
+              </a:rPr>
+              <a:t>小</a:t>
             </a:r>
             <a:endParaRPr lang="zh-CN" altLang="en-US" dirty="0">
               <a:latin typeface="黑体" panose="02010609060101010101" pitchFamily="49" charset="-122"/>
@@ -18240,11 +18251,7 @@
             <a:p>
               <a:r>
                 <a:rPr lang="zh-CN" altLang="en-US" dirty="0" smtClean="0"/>
-                <a:t>轨迹</a:t>
-              </a:r>
-              <a:r>
-                <a:rPr lang="zh-CN" altLang="en-US" dirty="0" smtClean="0"/>
-                <a:t>段</a:t>
+                <a:t>轨迹段</a:t>
               </a:r>
               <a:r>
                 <a:rPr lang="zh-CN" altLang="en-US" dirty="0"/>
@@ -19260,21 +19267,8 @@
                 <a:ea typeface="黑体" panose="02010609060101010101" pitchFamily="49" charset="-122"/>
                 <a:cs typeface="Times New Roman" panose="02020603050405020304" pitchFamily="18" charset="0"/>
               </a:rPr>
-              <a:t>轨迹</a:t>
-            </a:r>
-            <a:r>
-              <a:rPr lang="zh-CN" altLang="en-US" dirty="0" smtClean="0">
-                <a:latin typeface="Times New Roman" panose="02020603050405020304" pitchFamily="18" charset="0"/>
-                <a:ea typeface="黑体" panose="02010609060101010101" pitchFamily="49" charset="-122"/>
-                <a:cs typeface="Times New Roman" panose="02020603050405020304" pitchFamily="18" charset="0"/>
-              </a:rPr>
-              <a:t>段距离：形状影响</a:t>
-            </a:r>
-            <a:endParaRPr lang="zh-CN" altLang="en-US" dirty="0" smtClean="0">
-              <a:latin typeface="Times New Roman" panose="02020603050405020304" pitchFamily="18" charset="0"/>
-              <a:ea typeface="黑体" panose="02010609060101010101" pitchFamily="49" charset="-122"/>
-              <a:cs typeface="Times New Roman" panose="02020603050405020304" pitchFamily="18" charset="0"/>
-            </a:endParaRPr>
+              <a:t>轨迹段距离：形状影响</a:t>
+            </a:r>
           </a:p>
         </p:txBody>
       </p:sp>
@@ -21534,21 +21528,8 @@
                 <a:ea typeface="黑体" panose="02010609060101010101" pitchFamily="49" charset="-122"/>
                 <a:cs typeface="Times New Roman" panose="02020603050405020304" pitchFamily="18" charset="0"/>
               </a:rPr>
-              <a:t>轨迹</a:t>
-            </a:r>
-            <a:r>
-              <a:rPr lang="zh-CN" altLang="en-US" dirty="0" smtClean="0">
-                <a:latin typeface="Times New Roman" panose="02020603050405020304" pitchFamily="18" charset="0"/>
-                <a:ea typeface="黑体" panose="02010609060101010101" pitchFamily="49" charset="-122"/>
-                <a:cs typeface="Times New Roman" panose="02020603050405020304" pitchFamily="18" charset="0"/>
-              </a:rPr>
-              <a:t>段距离：形状影响</a:t>
-            </a:r>
-            <a:endParaRPr lang="zh-CN" altLang="en-US" dirty="0" smtClean="0">
-              <a:latin typeface="Times New Roman" panose="02020603050405020304" pitchFamily="18" charset="0"/>
-              <a:ea typeface="黑体" panose="02010609060101010101" pitchFamily="49" charset="-122"/>
-              <a:cs typeface="Times New Roman" panose="02020603050405020304" pitchFamily="18" charset="0"/>
-            </a:endParaRPr>
+              <a:t>轨迹段距离：形状影响</a:t>
+            </a:r>
           </a:p>
         </p:txBody>
       </p:sp>
@@ -23090,8 +23071,8 @@
           </p:sp>
         </mc:Fallback>
       </mc:AlternateContent>
-      <mc:AlternateContent xmlns:mc="http://schemas.openxmlformats.org/markup-compatibility/2006">
-        <mc:Choice xmlns:a14="http://schemas.microsoft.com/office/drawing/2010/main" Requires="a14">
+      <mc:AlternateContent xmlns:mc="http://schemas.openxmlformats.org/markup-compatibility/2006" xmlns:a14="http://schemas.microsoft.com/office/drawing/2010/main">
+        <mc:Choice Requires="a14">
           <p:sp>
             <p:nvSpPr>
               <p:cNvPr id="12" name="文本框 11"/>
@@ -23133,14 +23114,7 @@
                     <a:latin typeface="黑体" panose="02010609060101010101" pitchFamily="49" charset="-122"/>
                     <a:ea typeface="黑体" panose="02010609060101010101" pitchFamily="49" charset="-122"/>
                   </a:rPr>
-                  <a:t>形状</a:t>
-                </a:r>
-                <a:r>
-                  <a:rPr lang="zh-CN" altLang="en-US" dirty="0" smtClean="0">
-                    <a:latin typeface="黑体" panose="02010609060101010101" pitchFamily="49" charset="-122"/>
-                    <a:ea typeface="黑体" panose="02010609060101010101" pitchFamily="49" charset="-122"/>
-                  </a:rPr>
-                  <a:t>影响权值 </a:t>
+                  <a:t>形状影响权值 </a:t>
                 </a:r>
                 <a14:m>
                   <m:oMath xmlns:m="http://schemas.openxmlformats.org/officeDocument/2006/math">
@@ -23168,7 +23142,7 @@
             </p:txBody>
           </p:sp>
         </mc:Choice>
-        <mc:Fallback>
+        <mc:Fallback xmlns="">
           <p:sp>
             <p:nvSpPr>
               <p:cNvPr id="12" name="文本框 11"/>
@@ -24050,18 +24024,7 @@
                   <a:ea typeface="黑体" panose="02010609060101010101" pitchFamily="49" charset="-122"/>
                   <a:cs typeface="Times New Roman" panose="02020603050405020304" pitchFamily="18" charset="0"/>
                 </a:rPr>
-                <a:t>计算形状</a:t>
-              </a:r>
-              <a:r>
-                <a:rPr lang="zh-CN" altLang="en-US" sz="1600" dirty="0" smtClean="0">
-                  <a:solidFill>
-                    <a:schemeClr val="tx1"/>
-                  </a:solidFill>
-                  <a:latin typeface="Times New Roman" panose="02020603050405020304" pitchFamily="18" charset="0"/>
-                  <a:ea typeface="黑体" panose="02010609060101010101" pitchFamily="49" charset="-122"/>
-                  <a:cs typeface="Times New Roman" panose="02020603050405020304" pitchFamily="18" charset="0"/>
-                </a:rPr>
-                <a:t>影响权值</a:t>
+                <a:t>计算形状影响权值</a:t>
               </a:r>
               <a:endParaRPr lang="zh-CN" altLang="en-US" sz="1600" dirty="0">
                 <a:solidFill>
@@ -24215,6 +24178,773 @@
 </file>
 
 <file path=ppt/slides/slide26.xml><?xml version="1.0" encoding="utf-8"?>
+<p:sld xmlns:a="http://schemas.openxmlformats.org/drawingml/2006/main" xmlns:r="http://schemas.openxmlformats.org/officeDocument/2006/relationships" xmlns:p="http://schemas.openxmlformats.org/presentationml/2006/main">
+  <p:cSld>
+    <p:spTree>
+      <p:nvGrpSpPr>
+        <p:cNvPr id="1" name=""/>
+        <p:cNvGrpSpPr/>
+        <p:nvPr/>
+      </p:nvGrpSpPr>
+      <p:grpSpPr>
+        <a:xfrm>
+          <a:off x="0" y="0"/>
+          <a:ext cx="0" cy="0"/>
+          <a:chOff x="0" y="0"/>
+          <a:chExt cx="0" cy="0"/>
+        </a:xfrm>
+      </p:grpSpPr>
+      <p:grpSp>
+        <p:nvGrpSpPr>
+          <p:cNvPr id="2" name="组合 1"/>
+          <p:cNvGrpSpPr/>
+          <p:nvPr/>
+        </p:nvGrpSpPr>
+        <p:grpSpPr>
+          <a:xfrm>
+            <a:off x="114300" y="171450"/>
+            <a:ext cx="8875502" cy="1066800"/>
+            <a:chOff x="114300" y="171450"/>
+            <a:chExt cx="8875502" cy="1066800"/>
+          </a:xfrm>
+        </p:grpSpPr>
+        <p:cxnSp>
+          <p:nvCxnSpPr>
+            <p:cNvPr id="3" name="直接连接符 2"/>
+            <p:cNvCxnSpPr/>
+            <p:nvPr/>
+          </p:nvCxnSpPr>
+          <p:spPr>
+            <a:xfrm>
+              <a:off x="114300" y="1076325"/>
+              <a:ext cx="8858250" cy="0"/>
+            </a:xfrm>
+            <a:prstGeom prst="line">
+              <a:avLst/>
+            </a:prstGeom>
+            <a:ln w="31750">
+              <a:solidFill>
+                <a:srgbClr val="1E50A6"/>
+              </a:solidFill>
+            </a:ln>
+          </p:spPr>
+          <p:style>
+            <a:lnRef idx="1">
+              <a:schemeClr val="accent1"/>
+            </a:lnRef>
+            <a:fillRef idx="0">
+              <a:schemeClr val="accent1"/>
+            </a:fillRef>
+            <a:effectRef idx="0">
+              <a:schemeClr val="accent1"/>
+            </a:effectRef>
+            <a:fontRef idx="minor">
+              <a:schemeClr val="tx1"/>
+            </a:fontRef>
+          </p:style>
+        </p:cxnSp>
+        <p:cxnSp>
+          <p:nvCxnSpPr>
+            <p:cNvPr id="4" name="直接连接符 3"/>
+            <p:cNvCxnSpPr/>
+            <p:nvPr/>
+          </p:nvCxnSpPr>
+          <p:spPr>
+            <a:xfrm>
+              <a:off x="6962775" y="171450"/>
+              <a:ext cx="28322" cy="1066800"/>
+            </a:xfrm>
+            <a:prstGeom prst="line">
+              <a:avLst/>
+            </a:prstGeom>
+            <a:ln w="31750">
+              <a:solidFill>
+                <a:srgbClr val="1E50A6"/>
+              </a:solidFill>
+            </a:ln>
+          </p:spPr>
+          <p:style>
+            <a:lnRef idx="1">
+              <a:schemeClr val="accent1"/>
+            </a:lnRef>
+            <a:fillRef idx="0">
+              <a:schemeClr val="accent1"/>
+            </a:fillRef>
+            <a:effectRef idx="0">
+              <a:schemeClr val="accent1"/>
+            </a:effectRef>
+            <a:fontRef idx="minor">
+              <a:schemeClr val="tx1"/>
+            </a:fontRef>
+          </p:style>
+        </p:cxnSp>
+        <p:pic>
+          <p:nvPicPr>
+            <p:cNvPr id="5" name="图片 4"/>
+            <p:cNvPicPr>
+              <a:picLocks noChangeAspect="1"/>
+            </p:cNvPicPr>
+            <p:nvPr/>
+          </p:nvPicPr>
+          <p:blipFill rotWithShape="1">
+            <a:blip r:embed="rId2">
+              <a:extLst>
+                <a:ext uri="{28A0092B-C50C-407E-A947-70E740481C1C}">
+                  <a14:useLocalDpi xmlns:a14="http://schemas.microsoft.com/office/drawing/2010/main" val="0"/>
+                </a:ext>
+              </a:extLst>
+            </a:blip>
+            <a:srcRect t="36874" r="33358" b="34304"/>
+            <a:stretch>
+              <a:fillRect/>
+            </a:stretch>
+          </p:blipFill>
+          <p:spPr>
+            <a:xfrm>
+              <a:off x="7076536" y="261127"/>
+              <a:ext cx="1913266" cy="765415"/>
+            </a:xfrm>
+            <a:prstGeom prst="rect">
+              <a:avLst/>
+            </a:prstGeom>
+          </p:spPr>
+        </p:pic>
+      </p:grpSp>
+      <p:sp>
+        <p:nvSpPr>
+          <p:cNvPr id="6" name="矩形 5"/>
+          <p:cNvSpPr/>
+          <p:nvPr/>
+        </p:nvSpPr>
+        <p:spPr>
+          <a:xfrm>
+            <a:off x="0" y="6573627"/>
+            <a:ext cx="9144000" cy="285750"/>
+          </a:xfrm>
+          <a:prstGeom prst="rect">
+            <a:avLst/>
+          </a:prstGeom>
+          <a:solidFill>
+            <a:srgbClr val="1B4DA5"/>
+          </a:solidFill>
+          <a:ln>
+            <a:noFill/>
+          </a:ln>
+        </p:spPr>
+        <p:style>
+          <a:lnRef idx="2">
+            <a:schemeClr val="accent1">
+              <a:shade val="50000"/>
+            </a:schemeClr>
+          </a:lnRef>
+          <a:fillRef idx="1">
+            <a:schemeClr val="accent1"/>
+          </a:fillRef>
+          <a:effectRef idx="0">
+            <a:schemeClr val="accent1"/>
+          </a:effectRef>
+          <a:fontRef idx="minor">
+            <a:schemeClr val="lt1"/>
+          </a:fontRef>
+        </p:style>
+        <p:txBody>
+          <a:bodyPr rtlCol="0" anchor="ctr"/>
+          <a:lstStyle/>
+          <a:p>
+            <a:pPr algn="ctr"/>
+            <a:r>
+              <a:rPr lang="zh-CN" altLang="zh-CN" sz="1200" dirty="0">
+                <a:latin typeface="黑体" panose="02010609060101010101" pitchFamily="49" charset="-122"/>
+                <a:ea typeface="黑体" panose="02010609060101010101" pitchFamily="49" charset="-122"/>
+              </a:rPr>
+              <a:t>移动对象的时空轨迹相似性</a:t>
+            </a:r>
+            <a:r>
+              <a:rPr lang="zh-CN" altLang="zh-CN" sz="1200" dirty="0" smtClean="0">
+                <a:latin typeface="黑体" panose="02010609060101010101" pitchFamily="49" charset="-122"/>
+                <a:ea typeface="黑体" panose="02010609060101010101" pitchFamily="49" charset="-122"/>
+              </a:rPr>
+              <a:t>算法</a:t>
+            </a:r>
+            <a:endParaRPr lang="zh-CN" altLang="en-US" sz="1200" dirty="0">
+              <a:latin typeface="黑体" panose="02010609060101010101" pitchFamily="49" charset="-122"/>
+              <a:ea typeface="黑体" panose="02010609060101010101" pitchFamily="49" charset="-122"/>
+              <a:cs typeface="Times New Roman" panose="02020603050405020304" pitchFamily="18" charset="0"/>
+            </a:endParaRPr>
+          </a:p>
+        </p:txBody>
+      </p:sp>
+      <p:sp>
+        <p:nvSpPr>
+          <p:cNvPr id="7" name="标题 1"/>
+          <p:cNvSpPr txBox="1">
+            <a:spLocks/>
+          </p:cNvSpPr>
+          <p:nvPr/>
+        </p:nvSpPr>
+        <p:spPr>
+          <a:xfrm>
+            <a:off x="628650" y="365125"/>
+            <a:ext cx="6324600" cy="715963"/>
+          </a:xfrm>
+          <a:prstGeom prst="rect">
+            <a:avLst/>
+          </a:prstGeom>
+        </p:spPr>
+        <p:txBody>
+          <a:bodyPr/>
+          <a:lstStyle>
+            <a:lvl1pPr algn="l" defTabSz="914400" rtl="0" eaLnBrk="1" latinLnBrk="0" hangingPunct="1">
+              <a:lnSpc>
+                <a:spcPct val="90000"/>
+              </a:lnSpc>
+              <a:spcBef>
+                <a:spcPct val="0"/>
+              </a:spcBef>
+              <a:buNone/>
+              <a:defRPr sz="4400" kern="1200">
+                <a:solidFill>
+                  <a:schemeClr val="tx1"/>
+                </a:solidFill>
+                <a:latin typeface="+mj-lt"/>
+                <a:ea typeface="+mj-ea"/>
+                <a:cs typeface="+mj-cs"/>
+              </a:defRPr>
+            </a:lvl1pPr>
+          </a:lstStyle>
+          <a:p>
+            <a:r>
+              <a:rPr lang="zh-CN" altLang="en-US" dirty="0" smtClean="0">
+                <a:latin typeface="Times New Roman" panose="02020603050405020304" pitchFamily="18" charset="0"/>
+                <a:ea typeface="黑体" panose="02010609060101010101" pitchFamily="49" charset="-122"/>
+                <a:cs typeface="Times New Roman" panose="02020603050405020304" pitchFamily="18" charset="0"/>
+              </a:rPr>
+              <a:t>轨迹相似性查询</a:t>
+            </a:r>
+          </a:p>
+        </p:txBody>
+      </p:sp>
+      <mc:AlternateContent xmlns:mc="http://schemas.openxmlformats.org/markup-compatibility/2006">
+        <mc:Choice xmlns:a14="http://schemas.microsoft.com/office/drawing/2010/main" Requires="a14">
+          <p:sp>
+            <p:nvSpPr>
+              <p:cNvPr id="8" name="文本框 7"/>
+              <p:cNvSpPr txBox="1"/>
+              <p:nvPr/>
+            </p:nvSpPr>
+            <p:spPr>
+              <a:xfrm>
+                <a:off x="628650" y="1238250"/>
+                <a:ext cx="8066776" cy="1569660"/>
+              </a:xfrm>
+              <a:prstGeom prst="rect">
+                <a:avLst/>
+              </a:prstGeom>
+              <a:noFill/>
+            </p:spPr>
+            <p:txBody>
+              <a:bodyPr wrap="square" rtlCol="0">
+                <a:spAutoFit/>
+              </a:bodyPr>
+              <a:lstStyle/>
+              <a:p>
+                <a:r>
+                  <a:rPr lang="zh-CN" altLang="en-US" sz="1600" b="1" dirty="0" smtClean="0">
+                    <a:solidFill>
+                      <a:schemeClr val="tx1"/>
+                    </a:solidFill>
+                    <a:latin typeface="黑体" panose="02010609060101010101" pitchFamily="49" charset="-122"/>
+                    <a:ea typeface="黑体" panose="02010609060101010101" pitchFamily="49" charset="-122"/>
+                  </a:rPr>
+                  <a:t>时空轨迹相似性查询算法</a:t>
+                </a:r>
+                <a:r>
+                  <a:rPr lang="en-US" altLang="zh-CN" sz="1600" b="1" dirty="0" smtClean="0">
+                    <a:solidFill>
+                      <a:schemeClr val="tx1"/>
+                    </a:solidFill>
+                    <a:latin typeface="黑体" panose="02010609060101010101" pitchFamily="49" charset="-122"/>
+                    <a:ea typeface="黑体" panose="02010609060101010101" pitchFamily="49" charset="-122"/>
+                  </a:rPr>
+                  <a:t>(</a:t>
+                </a:r>
+                <a:r>
+                  <a:rPr lang="en-US" altLang="zh-CN" sz="1600" b="1" dirty="0" err="1" smtClean="0">
+                    <a:solidFill>
+                      <a:schemeClr val="tx1"/>
+                    </a:solidFill>
+                    <a:latin typeface="黑体" panose="02010609060101010101" pitchFamily="49" charset="-122"/>
+                    <a:ea typeface="黑体" panose="02010609060101010101" pitchFamily="49" charset="-122"/>
+                  </a:rPr>
+                  <a:t>Spatio</a:t>
+                </a:r>
+                <a:r>
+                  <a:rPr lang="en-US" altLang="zh-CN" sz="1600" b="1" dirty="0" smtClean="0">
+                    <a:solidFill>
+                      <a:schemeClr val="tx1"/>
+                    </a:solidFill>
+                    <a:latin typeface="黑体" panose="02010609060101010101" pitchFamily="49" charset="-122"/>
+                    <a:ea typeface="黑体" panose="02010609060101010101" pitchFamily="49" charset="-122"/>
+                  </a:rPr>
+                  <a:t>-temporal Trajectory Similarity</a:t>
+                </a:r>
+                <a:r>
+                  <a:rPr lang="zh-CN" altLang="en-US" sz="1600" b="1" dirty="0" smtClean="0">
+                    <a:solidFill>
+                      <a:schemeClr val="tx1"/>
+                    </a:solidFill>
+                    <a:latin typeface="黑体" panose="02010609060101010101" pitchFamily="49" charset="-122"/>
+                    <a:ea typeface="黑体" panose="02010609060101010101" pitchFamily="49" charset="-122"/>
+                  </a:rPr>
+                  <a:t>，</a:t>
+                </a:r>
+                <a:r>
+                  <a:rPr lang="en-US" altLang="zh-CN" sz="1600" b="1" dirty="0" smtClean="0">
+                    <a:solidFill>
+                      <a:schemeClr val="tx1"/>
+                    </a:solidFill>
+                    <a:latin typeface="黑体" panose="02010609060101010101" pitchFamily="49" charset="-122"/>
+                    <a:ea typeface="黑体" panose="02010609060101010101" pitchFamily="49" charset="-122"/>
+                  </a:rPr>
+                  <a:t>STS)</a:t>
+                </a:r>
+              </a:p>
+              <a:p>
+                <a:r>
+                  <a:rPr lang="zh-CN" altLang="en-US" sz="1600" b="1" dirty="0" smtClean="0">
+                    <a:solidFill>
+                      <a:schemeClr val="tx1"/>
+                    </a:solidFill>
+                    <a:latin typeface="黑体" panose="02010609060101010101" pitchFamily="49" charset="-122"/>
+                    <a:ea typeface="黑体" panose="02010609060101010101" pitchFamily="49" charset="-122"/>
+                  </a:rPr>
+                  <a:t>输入：</a:t>
+                </a:r>
+                <a:r>
+                  <a:rPr lang="zh-CN" altLang="en-US" sz="1600" dirty="0" smtClean="0">
+                    <a:solidFill>
+                      <a:schemeClr val="tx1"/>
+                    </a:solidFill>
+                    <a:latin typeface="黑体" panose="02010609060101010101" pitchFamily="49" charset="-122"/>
+                    <a:ea typeface="黑体" panose="02010609060101010101" pitchFamily="49" charset="-122"/>
+                  </a:rPr>
+                  <a:t>查询轨迹</a:t>
+                </a:r>
+                <a:r>
+                  <a:rPr lang="en-US" altLang="zh-CN" sz="1600" dirty="0" smtClean="0">
+                    <a:solidFill>
+                      <a:schemeClr val="tx1"/>
+                    </a:solidFill>
+                    <a:latin typeface="黑体" panose="02010609060101010101" pitchFamily="49" charset="-122"/>
+                    <a:ea typeface="黑体" panose="02010609060101010101" pitchFamily="49" charset="-122"/>
+                  </a:rPr>
+                  <a:t>Q</a:t>
+                </a:r>
+                <a:r>
+                  <a:rPr lang="zh-CN" altLang="en-US" sz="1600" dirty="0" smtClean="0">
+                    <a:solidFill>
+                      <a:schemeClr val="tx1"/>
+                    </a:solidFill>
+                    <a:latin typeface="黑体" panose="02010609060101010101" pitchFamily="49" charset="-122"/>
+                    <a:ea typeface="黑体" panose="02010609060101010101" pitchFamily="49" charset="-122"/>
+                  </a:rPr>
+                  <a:t>，数据轨迹集</a:t>
+                </a:r>
+                <a14:m>
+                  <m:oMath xmlns:m="http://schemas.openxmlformats.org/officeDocument/2006/math">
+                    <m:r>
+                      <a:rPr lang="zh-CN" altLang="en-US" sz="1600" i="1" smtClean="0">
+                        <a:solidFill>
+                          <a:schemeClr val="tx1"/>
+                        </a:solidFill>
+                        <a:latin typeface="Cambria Math" panose="02040503050406030204" pitchFamily="18" charset="0"/>
+                      </a:rPr>
+                      <m:t>𝑇</m:t>
+                    </m:r>
+                  </m:oMath>
+                </a14:m>
+                <a:r>
+                  <a:rPr lang="zh-CN" altLang="en-US" sz="1600" dirty="0" smtClean="0">
+                    <a:solidFill>
+                      <a:schemeClr val="tx1"/>
+                    </a:solidFill>
+                    <a:latin typeface="黑体" panose="02010609060101010101" pitchFamily="49" charset="-122"/>
+                    <a:ea typeface="黑体" panose="02010609060101010101" pitchFamily="49" charset="-122"/>
+                  </a:rPr>
+                  <a:t>，距离阈值</a:t>
+                </a:r>
+                <a14:m>
+                  <m:oMath xmlns:m="http://schemas.openxmlformats.org/officeDocument/2006/math">
+                    <m:r>
+                      <m:rPr>
+                        <m:sty m:val="p"/>
+                      </m:rPr>
+                      <a:rPr lang="en-US" altLang="zh-CN" sz="1600">
+                        <a:latin typeface="Cambria Math" panose="02040503050406030204" pitchFamily="18" charset="0"/>
+                      </a:rPr>
+                      <m:t>δ</m:t>
+                    </m:r>
+                  </m:oMath>
+                </a14:m>
+                <a:endParaRPr lang="en-US" altLang="zh-CN" sz="1600" dirty="0" smtClean="0">
+                  <a:solidFill>
+                    <a:schemeClr val="tx1"/>
+                  </a:solidFill>
+                  <a:latin typeface="黑体" panose="02010609060101010101" pitchFamily="49" charset="-122"/>
+                  <a:ea typeface="黑体" panose="02010609060101010101" pitchFamily="49" charset="-122"/>
+                </a:endParaRPr>
+              </a:p>
+              <a:p>
+                <a:r>
+                  <a:rPr lang="zh-CN" altLang="en-US" sz="1600" b="1" dirty="0" smtClean="0">
+                    <a:solidFill>
+                      <a:schemeClr val="tx1"/>
+                    </a:solidFill>
+                    <a:latin typeface="黑体" panose="02010609060101010101" pitchFamily="49" charset="-122"/>
+                    <a:ea typeface="黑体" panose="02010609060101010101" pitchFamily="49" charset="-122"/>
+                  </a:rPr>
+                  <a:t>输出：</a:t>
+                </a:r>
+                <a:r>
+                  <a:rPr lang="zh-CN" altLang="en-US" sz="1600" dirty="0" smtClean="0">
+                    <a:solidFill>
+                      <a:schemeClr val="tx1"/>
+                    </a:solidFill>
+                    <a:latin typeface="黑体" panose="02010609060101010101" pitchFamily="49" charset="-122"/>
+                    <a:ea typeface="黑体" panose="02010609060101010101" pitchFamily="49" charset="-122"/>
+                  </a:rPr>
+                  <a:t>与</a:t>
+                </a:r>
+                <a:r>
+                  <a:rPr lang="en-US" altLang="zh-CN" sz="1600" dirty="0" smtClean="0">
+                    <a:solidFill>
+                      <a:schemeClr val="tx1"/>
+                    </a:solidFill>
+                    <a:latin typeface="黑体" panose="02010609060101010101" pitchFamily="49" charset="-122"/>
+                    <a:ea typeface="黑体" panose="02010609060101010101" pitchFamily="49" charset="-122"/>
+                  </a:rPr>
+                  <a:t>Q</a:t>
+                </a:r>
+                <a:r>
+                  <a:rPr lang="zh-CN" altLang="en-US" sz="1600" dirty="0" smtClean="0">
+                    <a:solidFill>
+                      <a:schemeClr val="tx1"/>
+                    </a:solidFill>
+                    <a:latin typeface="黑体" panose="02010609060101010101" pitchFamily="49" charset="-122"/>
+                    <a:ea typeface="黑体" panose="02010609060101010101" pitchFamily="49" charset="-122"/>
+                  </a:rPr>
+                  <a:t>相似的轨迹集</a:t>
+                </a:r>
+                <a14:m>
+                  <m:oMath xmlns:m="http://schemas.openxmlformats.org/officeDocument/2006/math">
+                    <m:r>
+                      <a:rPr lang="zh-CN" altLang="en-US" sz="1600" i="1">
+                        <a:latin typeface="Cambria Math" panose="02040503050406030204" pitchFamily="18" charset="0"/>
+                      </a:rPr>
+                      <m:t>𝑇</m:t>
+                    </m:r>
+                    <m:r>
+                      <a:rPr lang="en-US" altLang="zh-CN" sz="1600" b="0" i="1" smtClean="0">
+                        <a:latin typeface="Cambria Math" panose="02040503050406030204" pitchFamily="18" charset="0"/>
+                      </a:rPr>
+                      <m:t>_</m:t>
+                    </m:r>
+                    <m:r>
+                      <a:rPr lang="en-US" altLang="zh-CN" sz="1600" b="0" i="1" smtClean="0">
+                        <a:latin typeface="Cambria Math" panose="02040503050406030204" pitchFamily="18" charset="0"/>
+                      </a:rPr>
+                      <m:t>𝑟𝑒𝑠𝑢𝑙𝑡</m:t>
+                    </m:r>
+                  </m:oMath>
+                </a14:m>
+                <a:endParaRPr lang="en-US" altLang="zh-CN" sz="1600" dirty="0" smtClean="0">
+                  <a:solidFill>
+                    <a:schemeClr val="tx1"/>
+                  </a:solidFill>
+                  <a:latin typeface="黑体" panose="02010609060101010101" pitchFamily="49" charset="-122"/>
+                  <a:ea typeface="黑体" panose="02010609060101010101" pitchFamily="49" charset="-122"/>
+                </a:endParaRPr>
+              </a:p>
+              <a:p>
+                <a:r>
+                  <a:rPr lang="zh-CN" altLang="en-US" sz="1600" dirty="0" smtClean="0">
+                    <a:solidFill>
+                      <a:schemeClr val="tx1"/>
+                    </a:solidFill>
+                    <a:latin typeface="黑体" panose="02010609060101010101" pitchFamily="49" charset="-122"/>
+                    <a:ea typeface="黑体" panose="02010609060101010101" pitchFamily="49" charset="-122"/>
+                  </a:rPr>
+                  <a:t>    </a:t>
+                </a:r>
+                <a:r>
+                  <a:rPr lang="en-US" altLang="zh-CN" sz="1600" dirty="0" smtClean="0">
+                    <a:solidFill>
+                      <a:schemeClr val="tx1"/>
+                    </a:solidFill>
+                    <a:latin typeface="黑体" panose="02010609060101010101" pitchFamily="49" charset="-122"/>
+                    <a:ea typeface="黑体" panose="02010609060101010101" pitchFamily="49" charset="-122"/>
+                  </a:rPr>
+                  <a:t>1</a:t>
+                </a:r>
+                <a:r>
+                  <a:rPr lang="zh-CN" altLang="en-US" sz="1600" dirty="0" smtClean="0">
+                    <a:solidFill>
+                      <a:schemeClr val="tx1"/>
+                    </a:solidFill>
+                    <a:latin typeface="黑体" panose="02010609060101010101" pitchFamily="49" charset="-122"/>
+                    <a:ea typeface="黑体" panose="02010609060101010101" pitchFamily="49" charset="-122"/>
+                  </a:rPr>
+                  <a:t>、</a:t>
+                </a:r>
+                <a:r>
+                  <a:rPr lang="en-US" altLang="zh-CN" sz="1600" dirty="0" smtClean="0">
+                    <a:latin typeface="黑体" panose="02010609060101010101" pitchFamily="49" charset="-122"/>
+                    <a:ea typeface="黑体" panose="02010609060101010101" pitchFamily="49" charset="-122"/>
+                  </a:rPr>
+                  <a:t>SNTR</a:t>
+                </a:r>
+                <a:r>
+                  <a:rPr lang="zh-CN" altLang="en-US" sz="1600" dirty="0" smtClean="0">
+                    <a:latin typeface="黑体" panose="02010609060101010101" pitchFamily="49" charset="-122"/>
+                    <a:ea typeface="黑体" panose="02010609060101010101" pitchFamily="49" charset="-122"/>
+                  </a:rPr>
+                  <a:t>模型构建</a:t>
+                </a:r>
+                <a:endParaRPr lang="en-US" altLang="zh-CN" sz="1600" dirty="0" smtClean="0">
+                  <a:solidFill>
+                    <a:schemeClr val="tx1"/>
+                  </a:solidFill>
+                  <a:latin typeface="黑体" panose="02010609060101010101" pitchFamily="49" charset="-122"/>
+                  <a:ea typeface="黑体" panose="02010609060101010101" pitchFamily="49" charset="-122"/>
+                </a:endParaRPr>
+              </a:p>
+              <a:p>
+                <a:r>
+                  <a:rPr lang="zh-CN" altLang="en-US" sz="1600" dirty="0" smtClean="0">
+                    <a:solidFill>
+                      <a:schemeClr val="tx1"/>
+                    </a:solidFill>
+                    <a:latin typeface="黑体" panose="02010609060101010101" pitchFamily="49" charset="-122"/>
+                    <a:ea typeface="黑体" panose="02010609060101010101" pitchFamily="49" charset="-122"/>
+                  </a:rPr>
+                  <a:t>    </a:t>
+                </a:r>
+                <a:r>
+                  <a:rPr lang="en-US" altLang="zh-CN" sz="1600" dirty="0" smtClean="0">
+                    <a:solidFill>
+                      <a:schemeClr val="tx1"/>
+                    </a:solidFill>
+                    <a:latin typeface="黑体" panose="02010609060101010101" pitchFamily="49" charset="-122"/>
+                    <a:ea typeface="黑体" panose="02010609060101010101" pitchFamily="49" charset="-122"/>
+                  </a:rPr>
+                  <a:t>2</a:t>
+                </a:r>
+                <a:r>
+                  <a:rPr lang="zh-CN" altLang="en-US" sz="1600" dirty="0" smtClean="0">
+                    <a:solidFill>
+                      <a:schemeClr val="tx1"/>
+                    </a:solidFill>
+                    <a:latin typeface="黑体" panose="02010609060101010101" pitchFamily="49" charset="-122"/>
+                    <a:ea typeface="黑体" panose="02010609060101010101" pitchFamily="49" charset="-122"/>
+                  </a:rPr>
+                  <a:t>、</a:t>
+                </a:r>
+                <a:r>
+                  <a:rPr lang="en-US" altLang="zh-CN" sz="1600" dirty="0" smtClean="0">
+                    <a:solidFill>
+                      <a:schemeClr val="tx1"/>
+                    </a:solidFill>
+                    <a:latin typeface="黑体" panose="02010609060101010101" pitchFamily="49" charset="-122"/>
+                    <a:ea typeface="黑体" panose="02010609060101010101" pitchFamily="49" charset="-122"/>
+                  </a:rPr>
+                  <a:t>for </a:t>
+                </a:r>
+                <a:r>
+                  <a:rPr lang="en-US" altLang="zh-CN" sz="1600" dirty="0">
+                    <a:latin typeface="黑体" panose="02010609060101010101" pitchFamily="49" charset="-122"/>
+                    <a:ea typeface="黑体" panose="02010609060101010101" pitchFamily="49" charset="-122"/>
+                  </a:rPr>
+                  <a:t>R</a:t>
+                </a:r>
+                <a14:m>
+                  <m:oMath xmlns:m="http://schemas.openxmlformats.org/officeDocument/2006/math">
+                    <m:r>
+                      <a:rPr lang="en-US" altLang="zh-CN" sz="1600" i="1">
+                        <a:latin typeface="Cambria Math" panose="02040503050406030204" pitchFamily="18" charset="0"/>
+                      </a:rPr>
+                      <m:t>∈</m:t>
+                    </m:r>
+                    <m:r>
+                      <a:rPr lang="zh-CN" altLang="en-US" sz="1600" i="1">
+                        <a:latin typeface="Cambria Math" panose="02040503050406030204" pitchFamily="18" charset="0"/>
+                      </a:rPr>
+                      <m:t>𝑇</m:t>
+                    </m:r>
+                  </m:oMath>
+                </a14:m>
+                <a:r>
+                  <a:rPr lang="zh-CN" altLang="en-US" sz="1600" dirty="0" smtClean="0">
+                    <a:latin typeface="黑体" panose="02010609060101010101" pitchFamily="49" charset="-122"/>
+                    <a:ea typeface="黑体" panose="02010609060101010101" pitchFamily="49" charset="-122"/>
+                  </a:rPr>
+                  <a:t> </a:t>
+                </a:r>
+                <a:r>
+                  <a:rPr lang="en-US" altLang="zh-CN" sz="1600" dirty="0" smtClean="0">
+                    <a:latin typeface="黑体" panose="02010609060101010101" pitchFamily="49" charset="-122"/>
+                    <a:ea typeface="黑体" panose="02010609060101010101" pitchFamily="49" charset="-122"/>
+                  </a:rPr>
+                  <a:t>: </a:t>
+                </a:r>
+                <a:r>
+                  <a:rPr lang="zh-CN" altLang="en-US" sz="1600" dirty="0" smtClean="0">
+                    <a:latin typeface="黑体" panose="02010609060101010101" pitchFamily="49" charset="-122"/>
+                    <a:ea typeface="黑体" panose="02010609060101010101" pitchFamily="49" charset="-122"/>
+                  </a:rPr>
+                  <a:t>计算</a:t>
+                </a:r>
+                <a:r>
+                  <a:rPr lang="en-US" altLang="zh-CN" sz="1600" dirty="0" smtClean="0">
+                    <a:latin typeface="黑体" panose="02010609060101010101" pitchFamily="49" charset="-122"/>
+                    <a:ea typeface="黑体" panose="02010609060101010101" pitchFamily="49" charset="-122"/>
+                  </a:rPr>
+                  <a:t>STS(Q,R)</a:t>
+                </a:r>
+                <a:endParaRPr lang="en-US" altLang="zh-CN" sz="1600" dirty="0" smtClean="0">
+                  <a:solidFill>
+                    <a:schemeClr val="tx1"/>
+                  </a:solidFill>
+                  <a:latin typeface="黑体" panose="02010609060101010101" pitchFamily="49" charset="-122"/>
+                  <a:ea typeface="黑体" panose="02010609060101010101" pitchFamily="49" charset="-122"/>
+                </a:endParaRPr>
+              </a:p>
+              <a:p>
+                <a:r>
+                  <a:rPr lang="zh-CN" altLang="en-US" sz="1600" dirty="0" smtClean="0">
+                    <a:latin typeface="黑体" panose="02010609060101010101" pitchFamily="49" charset="-122"/>
+                    <a:ea typeface="黑体" panose="02010609060101010101" pitchFamily="49" charset="-122"/>
+                  </a:rPr>
+                  <a:t>    </a:t>
+                </a:r>
+                <a:r>
+                  <a:rPr lang="en-US" altLang="zh-CN" sz="1600" dirty="0" smtClean="0">
+                    <a:latin typeface="黑体" panose="02010609060101010101" pitchFamily="49" charset="-122"/>
+                    <a:ea typeface="黑体" panose="02010609060101010101" pitchFamily="49" charset="-122"/>
+                  </a:rPr>
+                  <a:t>3</a:t>
+                </a:r>
+                <a:r>
+                  <a:rPr lang="zh-CN" altLang="en-US" sz="1600" dirty="0" smtClean="0">
+                    <a:latin typeface="黑体" panose="02010609060101010101" pitchFamily="49" charset="-122"/>
+                    <a:ea typeface="黑体" panose="02010609060101010101" pitchFamily="49" charset="-122"/>
+                  </a:rPr>
+                  <a:t>、返回满足 </a:t>
+                </a:r>
+                <a:r>
+                  <a:rPr lang="en-US" altLang="zh-CN" sz="1600" dirty="0" smtClean="0">
+                    <a:latin typeface="黑体" panose="02010609060101010101" pitchFamily="49" charset="-122"/>
+                    <a:ea typeface="黑体" panose="02010609060101010101" pitchFamily="49" charset="-122"/>
+                  </a:rPr>
+                  <a:t>STS(Q,R)&lt;</a:t>
+                </a:r>
+                <a14:m>
+                  <m:oMath xmlns:m="http://schemas.openxmlformats.org/officeDocument/2006/math">
+                    <m:r>
+                      <m:rPr>
+                        <m:sty m:val="p"/>
+                      </m:rPr>
+                      <a:rPr lang="en-US" altLang="zh-CN" sz="1600">
+                        <a:latin typeface="Cambria Math" panose="02040503050406030204" pitchFamily="18" charset="0"/>
+                      </a:rPr>
+                      <m:t>δ</m:t>
+                    </m:r>
+                  </m:oMath>
+                </a14:m>
+                <a:r>
+                  <a:rPr lang="zh-CN" altLang="en-US" sz="1600" dirty="0" smtClean="0">
+                    <a:latin typeface="黑体" panose="02010609060101010101" pitchFamily="49" charset="-122"/>
+                    <a:ea typeface="黑体" panose="02010609060101010101" pitchFamily="49" charset="-122"/>
+                  </a:rPr>
+                  <a:t> 的所有</a:t>
+                </a:r>
+                <a:r>
+                  <a:rPr lang="en-US" altLang="zh-CN" sz="1600" dirty="0" smtClean="0">
+                    <a:latin typeface="黑体" panose="02010609060101010101" pitchFamily="49" charset="-122"/>
+                    <a:ea typeface="黑体" panose="02010609060101010101" pitchFamily="49" charset="-122"/>
+                  </a:rPr>
+                  <a:t>R</a:t>
+                </a:r>
+                <a:endParaRPr lang="zh-CN" altLang="en-US" sz="1600" dirty="0">
+                  <a:solidFill>
+                    <a:schemeClr val="tx1"/>
+                  </a:solidFill>
+                  <a:latin typeface="黑体" panose="02010609060101010101" pitchFamily="49" charset="-122"/>
+                  <a:ea typeface="黑体" panose="02010609060101010101" pitchFamily="49" charset="-122"/>
+                </a:endParaRPr>
+              </a:p>
+            </p:txBody>
+          </p:sp>
+        </mc:Choice>
+        <mc:Fallback>
+          <p:sp>
+            <p:nvSpPr>
+              <p:cNvPr id="8" name="文本框 7"/>
+              <p:cNvSpPr txBox="1">
+                <a:spLocks noRot="1" noChangeAspect="1" noMove="1" noResize="1" noEditPoints="1" noAdjustHandles="1" noChangeArrowheads="1" noChangeShapeType="1" noTextEdit="1"/>
+              </p:cNvSpPr>
+              <p:nvPr/>
+            </p:nvSpPr>
+            <p:spPr>
+              <a:xfrm>
+                <a:off x="628650" y="1238250"/>
+                <a:ext cx="8066776" cy="1569660"/>
+              </a:xfrm>
+              <a:prstGeom prst="rect">
+                <a:avLst/>
+              </a:prstGeom>
+              <a:blipFill>
+                <a:blip r:embed="rId3"/>
+                <a:stretch>
+                  <a:fillRect l="-378" t="-1163" b="-3488"/>
+                </a:stretch>
+              </a:blipFill>
+            </p:spPr>
+            <p:txBody>
+              <a:bodyPr/>
+              <a:lstStyle/>
+              <a:p>
+                <a:r>
+                  <a:rPr lang="zh-CN" altLang="en-US">
+                    <a:noFill/>
+                  </a:rPr>
+                  <a:t> </a:t>
+                </a:r>
+              </a:p>
+            </p:txBody>
+          </p:sp>
+        </mc:Fallback>
+      </mc:AlternateContent>
+    </p:spTree>
+    <p:extLst>
+      <p:ext uri="{BB962C8B-B14F-4D97-AF65-F5344CB8AC3E}">
+        <p14:creationId xmlns:p14="http://schemas.microsoft.com/office/powerpoint/2010/main" val="3461883639"/>
+      </p:ext>
+    </p:extLst>
+  </p:cSld>
+  <p:clrMapOvr>
+    <a:masterClrMapping/>
+  </p:clrMapOvr>
+  <p:timing>
+    <p:tnLst>
+      <p:par>
+        <p:cTn id="1" dur="indefinite" restart="never" nodeType="tmRoot"/>
+      </p:par>
+    </p:tnLst>
+  </p:timing>
+</p:sld>
+</file>
+
+<file path=ppt/slides/slide27.xml><?xml version="1.0" encoding="utf-8"?>
 <p:sld xmlns:a="http://schemas.openxmlformats.org/drawingml/2006/main" xmlns:r="http://schemas.openxmlformats.org/officeDocument/2006/relationships" xmlns:p="http://schemas.openxmlformats.org/presentationml/2006/main">
   <p:cSld>
     <p:spTree>
@@ -24576,7 +25306,7 @@
 </p:sld>
 </file>
 
-<file path=ppt/slides/slide27.xml><?xml version="1.0" encoding="utf-8"?>
+<file path=ppt/slides/slide28.xml><?xml version="1.0" encoding="utf-8"?>
 <p:sld xmlns:a="http://schemas.openxmlformats.org/drawingml/2006/main" xmlns:r="http://schemas.openxmlformats.org/officeDocument/2006/relationships" xmlns:p="http://schemas.openxmlformats.org/presentationml/2006/main">
   <p:cSld>
     <p:spTree>
@@ -25478,7 +26208,7 @@
 </p:sld>
 </file>
 
-<file path=ppt/slides/slide28.xml><?xml version="1.0" encoding="utf-8"?>
+<file path=ppt/slides/slide29.xml><?xml version="1.0" encoding="utf-8"?>
 <p:sld xmlns:a="http://schemas.openxmlformats.org/drawingml/2006/main" xmlns:r="http://schemas.openxmlformats.org/officeDocument/2006/relationships" xmlns:p="http://schemas.openxmlformats.org/presentationml/2006/main">
   <p:cSld>
     <p:spTree>
@@ -26540,7 +27270,727 @@
 </p:sld>
 </file>
 
-<file path=ppt/slides/slide29.xml><?xml version="1.0" encoding="utf-8"?>
+<file path=ppt/slides/slide3.xml><?xml version="1.0" encoding="utf-8"?>
+<p:sld xmlns:a="http://schemas.openxmlformats.org/drawingml/2006/main" xmlns:r="http://schemas.openxmlformats.org/officeDocument/2006/relationships" xmlns:p="http://schemas.openxmlformats.org/presentationml/2006/main">
+  <p:cSld>
+    <p:spTree>
+      <p:nvGrpSpPr>
+        <p:cNvPr id="1" name=""/>
+        <p:cNvGrpSpPr/>
+        <p:nvPr/>
+      </p:nvGrpSpPr>
+      <p:grpSpPr>
+        <a:xfrm>
+          <a:off x="0" y="0"/>
+          <a:ext cx="0" cy="0"/>
+          <a:chOff x="0" y="0"/>
+          <a:chExt cx="0" cy="0"/>
+        </a:xfrm>
+      </p:grpSpPr>
+      <p:grpSp>
+        <p:nvGrpSpPr>
+          <p:cNvPr id="4" name="组合 3"/>
+          <p:cNvGrpSpPr/>
+          <p:nvPr/>
+        </p:nvGrpSpPr>
+        <p:grpSpPr>
+          <a:xfrm>
+            <a:off x="114300" y="171450"/>
+            <a:ext cx="8875502" cy="1066800"/>
+            <a:chOff x="114300" y="171450"/>
+            <a:chExt cx="8875502" cy="1066800"/>
+          </a:xfrm>
+        </p:grpSpPr>
+        <p:cxnSp>
+          <p:nvCxnSpPr>
+            <p:cNvPr id="5" name="直接连接符 4"/>
+            <p:cNvCxnSpPr/>
+            <p:nvPr/>
+          </p:nvCxnSpPr>
+          <p:spPr>
+            <a:xfrm>
+              <a:off x="114300" y="1076325"/>
+              <a:ext cx="8858250" cy="0"/>
+            </a:xfrm>
+            <a:prstGeom prst="line">
+              <a:avLst/>
+            </a:prstGeom>
+            <a:ln w="31750">
+              <a:solidFill>
+                <a:srgbClr val="1E50A6"/>
+              </a:solidFill>
+            </a:ln>
+          </p:spPr>
+          <p:style>
+            <a:lnRef idx="1">
+              <a:schemeClr val="accent1"/>
+            </a:lnRef>
+            <a:fillRef idx="0">
+              <a:schemeClr val="accent1"/>
+            </a:fillRef>
+            <a:effectRef idx="0">
+              <a:schemeClr val="accent1"/>
+            </a:effectRef>
+            <a:fontRef idx="minor">
+              <a:schemeClr val="tx1"/>
+            </a:fontRef>
+          </p:style>
+        </p:cxnSp>
+        <p:cxnSp>
+          <p:nvCxnSpPr>
+            <p:cNvPr id="6" name="直接连接符 5"/>
+            <p:cNvCxnSpPr/>
+            <p:nvPr/>
+          </p:nvCxnSpPr>
+          <p:spPr>
+            <a:xfrm>
+              <a:off x="6962775" y="171450"/>
+              <a:ext cx="28322" cy="1066800"/>
+            </a:xfrm>
+            <a:prstGeom prst="line">
+              <a:avLst/>
+            </a:prstGeom>
+            <a:ln w="31750">
+              <a:solidFill>
+                <a:srgbClr val="1E50A6"/>
+              </a:solidFill>
+            </a:ln>
+          </p:spPr>
+          <p:style>
+            <a:lnRef idx="1">
+              <a:schemeClr val="accent1"/>
+            </a:lnRef>
+            <a:fillRef idx="0">
+              <a:schemeClr val="accent1"/>
+            </a:fillRef>
+            <a:effectRef idx="0">
+              <a:schemeClr val="accent1"/>
+            </a:effectRef>
+            <a:fontRef idx="minor">
+              <a:schemeClr val="tx1"/>
+            </a:fontRef>
+          </p:style>
+        </p:cxnSp>
+        <p:pic>
+          <p:nvPicPr>
+            <p:cNvPr id="7" name="图片 6"/>
+            <p:cNvPicPr>
+              <a:picLocks noChangeAspect="1"/>
+            </p:cNvPicPr>
+            <p:nvPr/>
+          </p:nvPicPr>
+          <p:blipFill rotWithShape="1">
+            <a:blip r:embed="rId2">
+              <a:extLst>
+                <a:ext uri="{28A0092B-C50C-407E-A947-70E740481C1C}">
+                  <a14:useLocalDpi xmlns:a14="http://schemas.microsoft.com/office/drawing/2010/main" val="0"/>
+                </a:ext>
+              </a:extLst>
+            </a:blip>
+            <a:srcRect t="36874" r="33358" b="34304"/>
+            <a:stretch>
+              <a:fillRect/>
+            </a:stretch>
+          </p:blipFill>
+          <p:spPr>
+            <a:xfrm>
+              <a:off x="7076536" y="261127"/>
+              <a:ext cx="1913266" cy="765415"/>
+            </a:xfrm>
+            <a:prstGeom prst="rect">
+              <a:avLst/>
+            </a:prstGeom>
+          </p:spPr>
+        </p:pic>
+      </p:grpSp>
+      <p:sp>
+        <p:nvSpPr>
+          <p:cNvPr id="9" name="标题 1"/>
+          <p:cNvSpPr txBox="1"/>
+          <p:nvPr/>
+        </p:nvSpPr>
+        <p:spPr bwMode="auto">
+          <a:xfrm>
+            <a:off x="1816100" y="1898650"/>
+            <a:ext cx="6240463" cy="1568450"/>
+          </a:xfrm>
+          <a:prstGeom prst="rect">
+            <a:avLst/>
+          </a:prstGeom>
+          <a:noFill/>
+          <a:ln>
+            <a:noFill/>
+          </a:ln>
+          <a:extLst>
+            <a:ext uri="{909E8E84-426E-40DD-AFC4-6F175D3DCCD1}">
+              <a14:hiddenFill xmlns:a14="http://schemas.microsoft.com/office/drawing/2010/main">
+                <a:solidFill>
+                  <a:srgbClr val="FFFFFF"/>
+                </a:solidFill>
+              </a14:hiddenFill>
+            </a:ext>
+            <a:ext uri="{91240B29-F687-4F45-9708-019B960494DF}">
+              <a14:hiddenLine xmlns:a14="http://schemas.microsoft.com/office/drawing/2010/main" w="9525">
+                <a:solidFill>
+                  <a:srgbClr val="000000"/>
+                </a:solidFill>
+                <a:miter lim="800000"/>
+                <a:headEnd/>
+                <a:tailEnd/>
+              </a14:hiddenLine>
+            </a:ext>
+          </a:extLst>
+        </p:spPr>
+        <p:txBody>
+          <a:bodyPr anchor="ctr"/>
+          <a:lstStyle>
+            <a:lvl1pPr defTabSz="685800">
+              <a:defRPr>
+                <a:solidFill>
+                  <a:schemeClr val="tx1"/>
+                </a:solidFill>
+                <a:latin typeface="Calibri" panose="020F0502020204030204" pitchFamily="34" charset="0"/>
+                <a:ea typeface="宋体" panose="02010600030101010101" pitchFamily="2" charset="-122"/>
+              </a:defRPr>
+            </a:lvl1pPr>
+            <a:lvl2pPr marL="742950" indent="-285750" defTabSz="685800">
+              <a:defRPr>
+                <a:solidFill>
+                  <a:schemeClr val="tx1"/>
+                </a:solidFill>
+                <a:latin typeface="Calibri" panose="020F0502020204030204" pitchFamily="34" charset="0"/>
+                <a:ea typeface="宋体" panose="02010600030101010101" pitchFamily="2" charset="-122"/>
+              </a:defRPr>
+            </a:lvl2pPr>
+            <a:lvl3pPr marL="1143000" indent="-228600" defTabSz="685800">
+              <a:defRPr>
+                <a:solidFill>
+                  <a:schemeClr val="tx1"/>
+                </a:solidFill>
+                <a:latin typeface="Calibri" panose="020F0502020204030204" pitchFamily="34" charset="0"/>
+                <a:ea typeface="宋体" panose="02010600030101010101" pitchFamily="2" charset="-122"/>
+              </a:defRPr>
+            </a:lvl3pPr>
+            <a:lvl4pPr marL="1600200" indent="-228600" defTabSz="685800">
+              <a:defRPr>
+                <a:solidFill>
+                  <a:schemeClr val="tx1"/>
+                </a:solidFill>
+                <a:latin typeface="Calibri" panose="020F0502020204030204" pitchFamily="34" charset="0"/>
+                <a:ea typeface="宋体" panose="02010600030101010101" pitchFamily="2" charset="-122"/>
+              </a:defRPr>
+            </a:lvl4pPr>
+            <a:lvl5pPr marL="2057400" indent="-228600" defTabSz="685800">
+              <a:defRPr>
+                <a:solidFill>
+                  <a:schemeClr val="tx1"/>
+                </a:solidFill>
+                <a:latin typeface="Calibri" panose="020F0502020204030204" pitchFamily="34" charset="0"/>
+                <a:ea typeface="宋体" panose="02010600030101010101" pitchFamily="2" charset="-122"/>
+              </a:defRPr>
+            </a:lvl5pPr>
+            <a:lvl6pPr marL="2514600" indent="-228600" defTabSz="685800" fontAlgn="base">
+              <a:spcBef>
+                <a:spcPct val="0"/>
+              </a:spcBef>
+              <a:spcAft>
+                <a:spcPct val="0"/>
+              </a:spcAft>
+              <a:defRPr>
+                <a:solidFill>
+                  <a:schemeClr val="tx1"/>
+                </a:solidFill>
+                <a:latin typeface="Calibri" panose="020F0502020204030204" pitchFamily="34" charset="0"/>
+                <a:ea typeface="宋体" panose="02010600030101010101" pitchFamily="2" charset="-122"/>
+              </a:defRPr>
+            </a:lvl6pPr>
+            <a:lvl7pPr marL="2971800" indent="-228600" defTabSz="685800" fontAlgn="base">
+              <a:spcBef>
+                <a:spcPct val="0"/>
+              </a:spcBef>
+              <a:spcAft>
+                <a:spcPct val="0"/>
+              </a:spcAft>
+              <a:defRPr>
+                <a:solidFill>
+                  <a:schemeClr val="tx1"/>
+                </a:solidFill>
+                <a:latin typeface="Calibri" panose="020F0502020204030204" pitchFamily="34" charset="0"/>
+                <a:ea typeface="宋体" panose="02010600030101010101" pitchFamily="2" charset="-122"/>
+              </a:defRPr>
+            </a:lvl7pPr>
+            <a:lvl8pPr marL="3429000" indent="-228600" defTabSz="685800" fontAlgn="base">
+              <a:spcBef>
+                <a:spcPct val="0"/>
+              </a:spcBef>
+              <a:spcAft>
+                <a:spcPct val="0"/>
+              </a:spcAft>
+              <a:defRPr>
+                <a:solidFill>
+                  <a:schemeClr val="tx1"/>
+                </a:solidFill>
+                <a:latin typeface="Calibri" panose="020F0502020204030204" pitchFamily="34" charset="0"/>
+                <a:ea typeface="宋体" panose="02010600030101010101" pitchFamily="2" charset="-122"/>
+              </a:defRPr>
+            </a:lvl8pPr>
+            <a:lvl9pPr marL="3886200" indent="-228600" defTabSz="685800" fontAlgn="base">
+              <a:spcBef>
+                <a:spcPct val="0"/>
+              </a:spcBef>
+              <a:spcAft>
+                <a:spcPct val="0"/>
+              </a:spcAft>
+              <a:defRPr>
+                <a:solidFill>
+                  <a:schemeClr val="tx1"/>
+                </a:solidFill>
+                <a:latin typeface="Calibri" panose="020F0502020204030204" pitchFamily="34" charset="0"/>
+                <a:ea typeface="宋体" panose="02010600030101010101" pitchFamily="2" charset="-122"/>
+              </a:defRPr>
+            </a:lvl9pPr>
+          </a:lstStyle>
+          <a:p>
+            <a:pPr algn="ctr" eaLnBrk="1" hangingPunct="1"/>
+            <a:r>
+              <a:rPr lang="zh-CN" altLang="en-US" sz="4000" b="1">
+                <a:solidFill>
+                  <a:srgbClr val="5E5EAF"/>
+                </a:solidFill>
+                <a:latin typeface="黑体" panose="02010609060101010101" pitchFamily="49" charset="-122"/>
+                <a:ea typeface="黑体" panose="02010609060101010101" pitchFamily="49" charset="-122"/>
+              </a:rPr>
+              <a:t>研究背景介绍</a:t>
+            </a:r>
+          </a:p>
+        </p:txBody>
+      </p:sp>
+      <p:sp>
+        <p:nvSpPr>
+          <p:cNvPr id="10" name="文本框 9"/>
+          <p:cNvSpPr txBox="1"/>
+          <p:nvPr/>
+        </p:nvSpPr>
+        <p:spPr>
+          <a:xfrm>
+            <a:off x="5015394" y="3773506"/>
+            <a:ext cx="2467154" cy="369332"/>
+          </a:xfrm>
+          <a:prstGeom prst="rect">
+            <a:avLst/>
+          </a:prstGeom>
+          <a:solidFill>
+            <a:schemeClr val="accent6">
+              <a:lumMod val="75000"/>
+              <a:alpha val="90000"/>
+            </a:schemeClr>
+          </a:solidFill>
+          <a:effectLst>
+            <a:softEdge rad="25400"/>
+          </a:effectLst>
+        </p:spPr>
+        <p:txBody>
+          <a:bodyPr>
+            <a:spAutoFit/>
+          </a:bodyPr>
+          <a:lstStyle/>
+          <a:p>
+            <a:pPr algn="ctr" eaLnBrk="1" fontAlgn="auto" hangingPunct="1">
+              <a:spcBef>
+                <a:spcPts val="0"/>
+              </a:spcBef>
+              <a:spcAft>
+                <a:spcPts val="0"/>
+              </a:spcAft>
+              <a:defRPr/>
+            </a:pPr>
+            <a:r>
+              <a:rPr lang="zh-CN" altLang="en-US" dirty="0">
+                <a:solidFill>
+                  <a:schemeClr val="bg1"/>
+                </a:solidFill>
+                <a:latin typeface="Times New Roman" panose="02020603050405020304" pitchFamily="18" charset="0"/>
+                <a:ea typeface="黑体" panose="02010609060101010101" pitchFamily="49" charset="-122"/>
+                <a:cs typeface="Times New Roman" panose="02020603050405020304" pitchFamily="18" charset="0"/>
+              </a:rPr>
+              <a:t>问题定义</a:t>
+            </a:r>
+          </a:p>
+        </p:txBody>
+      </p:sp>
+      <p:sp>
+        <p:nvSpPr>
+          <p:cNvPr id="11" name="文本框 10"/>
+          <p:cNvSpPr txBox="1"/>
+          <p:nvPr/>
+        </p:nvSpPr>
+        <p:spPr>
+          <a:xfrm>
+            <a:off x="1880557" y="3773506"/>
+            <a:ext cx="2467154" cy="369332"/>
+          </a:xfrm>
+          <a:prstGeom prst="rect">
+            <a:avLst/>
+          </a:prstGeom>
+          <a:solidFill>
+            <a:schemeClr val="accent5">
+              <a:lumMod val="75000"/>
+              <a:alpha val="90000"/>
+            </a:schemeClr>
+          </a:solidFill>
+          <a:effectLst>
+            <a:softEdge rad="25400"/>
+          </a:effectLst>
+        </p:spPr>
+        <p:txBody>
+          <a:bodyPr>
+            <a:spAutoFit/>
+          </a:bodyPr>
+          <a:lstStyle/>
+          <a:p>
+            <a:pPr algn="ctr" eaLnBrk="1" fontAlgn="auto" hangingPunct="1">
+              <a:spcBef>
+                <a:spcPts val="0"/>
+              </a:spcBef>
+              <a:spcAft>
+                <a:spcPts val="0"/>
+              </a:spcAft>
+              <a:defRPr/>
+            </a:pPr>
+            <a:r>
+              <a:rPr lang="zh-CN" altLang="en-US" dirty="0">
+                <a:solidFill>
+                  <a:schemeClr val="bg1"/>
+                </a:solidFill>
+                <a:latin typeface="Times New Roman" panose="02020603050405020304" pitchFamily="18" charset="0"/>
+                <a:ea typeface="黑体" panose="02010609060101010101" pitchFamily="49" charset="-122"/>
+                <a:cs typeface="Times New Roman" panose="02020603050405020304" pitchFamily="18" charset="0"/>
+              </a:rPr>
+              <a:t>研究背景</a:t>
+            </a:r>
+          </a:p>
+        </p:txBody>
+      </p:sp>
+      <p:sp>
+        <p:nvSpPr>
+          <p:cNvPr id="12" name="流程图: 联系 11"/>
+          <p:cNvSpPr/>
+          <p:nvPr/>
+        </p:nvSpPr>
+        <p:spPr>
+          <a:xfrm>
+            <a:off x="1803400" y="2233613"/>
+            <a:ext cx="900113" cy="900112"/>
+          </a:xfrm>
+          <a:prstGeom prst="flowChartConnector">
+            <a:avLst/>
+          </a:prstGeom>
+          <a:solidFill>
+            <a:schemeClr val="tx1">
+              <a:lumMod val="50000"/>
+              <a:lumOff val="50000"/>
+            </a:schemeClr>
+          </a:solidFill>
+          <a:ln>
+            <a:noFill/>
+          </a:ln>
+        </p:spPr>
+        <p:style>
+          <a:lnRef idx="2">
+            <a:schemeClr val="accent1">
+              <a:shade val="50000"/>
+            </a:schemeClr>
+          </a:lnRef>
+          <a:fillRef idx="1">
+            <a:schemeClr val="accent1"/>
+          </a:fillRef>
+          <a:effectRef idx="0">
+            <a:schemeClr val="accent1"/>
+          </a:effectRef>
+          <a:fontRef idx="minor">
+            <a:schemeClr val="lt1"/>
+          </a:fontRef>
+        </p:style>
+        <p:txBody>
+          <a:bodyPr anchor="ctr"/>
+          <a:lstStyle/>
+          <a:p>
+            <a:pPr algn="ctr" eaLnBrk="1" fontAlgn="auto" hangingPunct="1">
+              <a:spcBef>
+                <a:spcPts val="0"/>
+              </a:spcBef>
+              <a:spcAft>
+                <a:spcPts val="0"/>
+              </a:spcAft>
+              <a:defRPr/>
+            </a:pPr>
+            <a:r>
+              <a:rPr lang="en-US" altLang="zh-CN" sz="3200" dirty="0"/>
+              <a:t>01</a:t>
+            </a:r>
+            <a:endParaRPr lang="zh-CN" altLang="en-US" sz="3200" dirty="0"/>
+          </a:p>
+        </p:txBody>
+      </p:sp>
+      <p:sp>
+        <p:nvSpPr>
+          <p:cNvPr id="13" name="流程图: 联系 12"/>
+          <p:cNvSpPr/>
+          <p:nvPr/>
+        </p:nvSpPr>
+        <p:spPr>
+          <a:xfrm>
+            <a:off x="2420938" y="2863850"/>
+            <a:ext cx="417512" cy="417513"/>
+          </a:xfrm>
+          <a:prstGeom prst="flowChartConnector">
+            <a:avLst/>
+          </a:prstGeom>
+          <a:solidFill>
+            <a:schemeClr val="tx1">
+              <a:lumMod val="50000"/>
+              <a:lumOff val="50000"/>
+            </a:schemeClr>
+          </a:solidFill>
+          <a:ln>
+            <a:noFill/>
+          </a:ln>
+        </p:spPr>
+        <p:style>
+          <a:lnRef idx="2">
+            <a:schemeClr val="accent1">
+              <a:shade val="50000"/>
+            </a:schemeClr>
+          </a:lnRef>
+          <a:fillRef idx="1">
+            <a:schemeClr val="accent1"/>
+          </a:fillRef>
+          <a:effectRef idx="0">
+            <a:schemeClr val="accent1"/>
+          </a:effectRef>
+          <a:fontRef idx="minor">
+            <a:schemeClr val="lt1"/>
+          </a:fontRef>
+        </p:style>
+        <p:txBody>
+          <a:bodyPr anchor="ctr"/>
+          <a:lstStyle/>
+          <a:p>
+            <a:pPr algn="ctr" eaLnBrk="1" fontAlgn="auto" hangingPunct="1">
+              <a:spcBef>
+                <a:spcPts val="0"/>
+              </a:spcBef>
+              <a:spcAft>
+                <a:spcPts val="0"/>
+              </a:spcAft>
+              <a:defRPr/>
+            </a:pPr>
+            <a:endParaRPr lang="zh-CN" altLang="en-US"/>
+          </a:p>
+        </p:txBody>
+      </p:sp>
+      <p:sp>
+        <p:nvSpPr>
+          <p:cNvPr id="14" name="流程图: 联系 13"/>
+          <p:cNvSpPr/>
+          <p:nvPr/>
+        </p:nvSpPr>
+        <p:spPr>
+          <a:xfrm>
+            <a:off x="2312988" y="1673225"/>
+            <a:ext cx="327025" cy="328613"/>
+          </a:xfrm>
+          <a:prstGeom prst="flowChartConnector">
+            <a:avLst/>
+          </a:prstGeom>
+          <a:solidFill>
+            <a:schemeClr val="tx1">
+              <a:lumMod val="50000"/>
+              <a:lumOff val="50000"/>
+            </a:schemeClr>
+          </a:solidFill>
+          <a:ln>
+            <a:noFill/>
+          </a:ln>
+        </p:spPr>
+        <p:style>
+          <a:lnRef idx="2">
+            <a:schemeClr val="accent1">
+              <a:shade val="50000"/>
+            </a:schemeClr>
+          </a:lnRef>
+          <a:fillRef idx="1">
+            <a:schemeClr val="accent1"/>
+          </a:fillRef>
+          <a:effectRef idx="0">
+            <a:schemeClr val="accent1"/>
+          </a:effectRef>
+          <a:fontRef idx="minor">
+            <a:schemeClr val="lt1"/>
+          </a:fontRef>
+        </p:style>
+        <p:txBody>
+          <a:bodyPr anchor="ctr"/>
+          <a:lstStyle/>
+          <a:p>
+            <a:pPr algn="ctr" eaLnBrk="1" fontAlgn="auto" hangingPunct="1">
+              <a:spcBef>
+                <a:spcPts val="0"/>
+              </a:spcBef>
+              <a:spcAft>
+                <a:spcPts val="0"/>
+              </a:spcAft>
+              <a:defRPr/>
+            </a:pPr>
+            <a:endParaRPr lang="zh-CN" altLang="en-US"/>
+          </a:p>
+        </p:txBody>
+      </p:sp>
+      <p:sp>
+        <p:nvSpPr>
+          <p:cNvPr id="15" name="流程图: 联系 14"/>
+          <p:cNvSpPr/>
+          <p:nvPr/>
+        </p:nvSpPr>
+        <p:spPr>
+          <a:xfrm>
+            <a:off x="2959100" y="2228850"/>
+            <a:ext cx="144463" cy="144463"/>
+          </a:xfrm>
+          <a:prstGeom prst="flowChartConnector">
+            <a:avLst/>
+          </a:prstGeom>
+          <a:solidFill>
+            <a:schemeClr val="tx1">
+              <a:lumMod val="50000"/>
+              <a:lumOff val="50000"/>
+            </a:schemeClr>
+          </a:solidFill>
+          <a:ln>
+            <a:noFill/>
+          </a:ln>
+        </p:spPr>
+        <p:style>
+          <a:lnRef idx="2">
+            <a:schemeClr val="accent1">
+              <a:shade val="50000"/>
+            </a:schemeClr>
+          </a:lnRef>
+          <a:fillRef idx="1">
+            <a:schemeClr val="accent1"/>
+          </a:fillRef>
+          <a:effectRef idx="0">
+            <a:schemeClr val="accent1"/>
+          </a:effectRef>
+          <a:fontRef idx="minor">
+            <a:schemeClr val="lt1"/>
+          </a:fontRef>
+        </p:style>
+        <p:txBody>
+          <a:bodyPr anchor="ctr"/>
+          <a:lstStyle/>
+          <a:p>
+            <a:pPr algn="ctr" eaLnBrk="1" fontAlgn="auto" hangingPunct="1">
+              <a:spcBef>
+                <a:spcPts val="0"/>
+              </a:spcBef>
+              <a:spcAft>
+                <a:spcPts val="0"/>
+              </a:spcAft>
+              <a:defRPr/>
+            </a:pPr>
+            <a:endParaRPr lang="zh-CN" altLang="en-US"/>
+          </a:p>
+        </p:txBody>
+      </p:sp>
+      <p:sp>
+        <p:nvSpPr>
+          <p:cNvPr id="18" name="矩形 17"/>
+          <p:cNvSpPr/>
+          <p:nvPr/>
+        </p:nvSpPr>
+        <p:spPr>
+          <a:xfrm>
+            <a:off x="0" y="6573627"/>
+            <a:ext cx="9144000" cy="285750"/>
+          </a:xfrm>
+          <a:prstGeom prst="rect">
+            <a:avLst/>
+          </a:prstGeom>
+          <a:solidFill>
+            <a:srgbClr val="1B4DA5"/>
+          </a:solidFill>
+          <a:ln>
+            <a:noFill/>
+          </a:ln>
+        </p:spPr>
+        <p:style>
+          <a:lnRef idx="2">
+            <a:schemeClr val="accent1">
+              <a:shade val="50000"/>
+            </a:schemeClr>
+          </a:lnRef>
+          <a:fillRef idx="1">
+            <a:schemeClr val="accent1"/>
+          </a:fillRef>
+          <a:effectRef idx="0">
+            <a:schemeClr val="accent1"/>
+          </a:effectRef>
+          <a:fontRef idx="minor">
+            <a:schemeClr val="lt1"/>
+          </a:fontRef>
+        </p:style>
+        <p:txBody>
+          <a:bodyPr rtlCol="0" anchor="ctr"/>
+          <a:lstStyle/>
+          <a:p>
+            <a:pPr algn="ctr"/>
+            <a:r>
+              <a:rPr lang="zh-CN" altLang="zh-CN" sz="1200" dirty="0">
+                <a:latin typeface="黑体" panose="02010609060101010101" pitchFamily="49" charset="-122"/>
+                <a:ea typeface="黑体" panose="02010609060101010101" pitchFamily="49" charset="-122"/>
+              </a:rPr>
+              <a:t>移动对象的时空轨迹相似性</a:t>
+            </a:r>
+            <a:r>
+              <a:rPr lang="zh-CN" altLang="zh-CN" sz="1200" dirty="0" smtClean="0">
+                <a:latin typeface="黑体" panose="02010609060101010101" pitchFamily="49" charset="-122"/>
+                <a:ea typeface="黑体" panose="02010609060101010101" pitchFamily="49" charset="-122"/>
+              </a:rPr>
+              <a:t>算法</a:t>
+            </a:r>
+            <a:endParaRPr lang="zh-CN" altLang="en-US" sz="1200" dirty="0">
+              <a:latin typeface="黑体" panose="02010609060101010101" pitchFamily="49" charset="-122"/>
+              <a:ea typeface="黑体" panose="02010609060101010101" pitchFamily="49" charset="-122"/>
+              <a:cs typeface="Times New Roman" panose="02020603050405020304" pitchFamily="18" charset="0"/>
+            </a:endParaRPr>
+          </a:p>
+        </p:txBody>
+      </p:sp>
+    </p:spTree>
+  </p:cSld>
+  <p:clrMapOvr>
+    <a:masterClrMapping/>
+  </p:clrMapOvr>
+  <mc:AlternateContent xmlns:mc="http://schemas.openxmlformats.org/markup-compatibility/2006" xmlns:p14="http://schemas.microsoft.com/office/powerpoint/2010/main">
+    <mc:Choice Requires="p14">
+      <p:transition spd="slow" p14:dur="2000"/>
+    </mc:Choice>
+    <mc:Fallback xmlns="">
+      <p:transition spd="slow"/>
+    </mc:Fallback>
+  </mc:AlternateContent>
+  <p:timing>
+    <p:tnLst>
+      <p:par>
+        <p:cTn id="1" dur="indefinite" restart="never" nodeType="tmRoot"/>
+      </p:par>
+    </p:tnLst>
+  </p:timing>
+</p:sld>
+</file>
+
+<file path=ppt/slides/slide30.xml><?xml version="1.0" encoding="utf-8"?>
 <p:sld xmlns:a="http://schemas.openxmlformats.org/drawingml/2006/main" xmlns:r="http://schemas.openxmlformats.org/officeDocument/2006/relationships" xmlns:p="http://schemas.openxmlformats.org/presentationml/2006/main">
   <p:cSld>
     <p:spTree>
@@ -28062,1000 +29512,6 @@
   <p:timing>
     <p:tnLst>
       <p:par>
-        <p:cTn id="1" dur="indefinite" restart="never" nodeType="tmRoot">
-          <p:childTnLst>
-            <p:seq concurrent="1" nextAc="seek">
-              <p:cTn id="2" dur="indefinite" nodeType="mainSeq">
-                <p:childTnLst>
-                  <p:par>
-                    <p:cTn id="3" fill="hold">
-                      <p:stCondLst>
-                        <p:cond delay="indefinite"/>
-                      </p:stCondLst>
-                      <p:childTnLst>
-                        <p:par>
-                          <p:cTn id="4" fill="hold">
-                            <p:stCondLst>
-                              <p:cond delay="0"/>
-                            </p:stCondLst>
-                            <p:childTnLst>
-                              <p:par>
-                                <p:cTn id="5" presetID="14" presetClass="entr" presetSubtype="10" fill="hold" nodeType="clickEffect">
-                                  <p:stCondLst>
-                                    <p:cond delay="0"/>
-                                  </p:stCondLst>
-                                  <p:childTnLst>
-                                    <p:set>
-                                      <p:cBhvr>
-                                        <p:cTn id="6" dur="1" fill="hold">
-                                          <p:stCondLst>
-                                            <p:cond delay="0"/>
-                                          </p:stCondLst>
-                                        </p:cTn>
-                                        <p:tgtEl>
-                                          <p:spTgt spid="18"/>
-                                        </p:tgtEl>
-                                        <p:attrNameLst>
-                                          <p:attrName>style.visibility</p:attrName>
-                                        </p:attrNameLst>
-                                      </p:cBhvr>
-                                      <p:to>
-                                        <p:strVal val="visible"/>
-                                      </p:to>
-                                    </p:set>
-                                    <p:animEffect transition="in" filter="randombar(horizontal)">
-                                      <p:cBhvr>
-                                        <p:cTn id="7" dur="500"/>
-                                        <p:tgtEl>
-                                          <p:spTgt spid="18"/>
-                                        </p:tgtEl>
-                                      </p:cBhvr>
-                                    </p:animEffect>
-                                  </p:childTnLst>
-                                </p:cTn>
-                              </p:par>
-                              <p:par>
-                                <p:cTn id="8" presetID="14" presetClass="entr" presetSubtype="10" fill="hold" grpId="0" nodeType="withEffect">
-                                  <p:stCondLst>
-                                    <p:cond delay="0"/>
-                                  </p:stCondLst>
-                                  <p:childTnLst>
-                                    <p:set>
-                                      <p:cBhvr>
-                                        <p:cTn id="9" dur="1" fill="hold">
-                                          <p:stCondLst>
-                                            <p:cond delay="0"/>
-                                          </p:stCondLst>
-                                        </p:cTn>
-                                        <p:tgtEl>
-                                          <p:spTgt spid="13"/>
-                                        </p:tgtEl>
-                                        <p:attrNameLst>
-                                          <p:attrName>style.visibility</p:attrName>
-                                        </p:attrNameLst>
-                                      </p:cBhvr>
-                                      <p:to>
-                                        <p:strVal val="visible"/>
-                                      </p:to>
-                                    </p:set>
-                                    <p:animEffect transition="in" filter="randombar(horizontal)">
-                                      <p:cBhvr>
-                                        <p:cTn id="10" dur="500"/>
-                                        <p:tgtEl>
-                                          <p:spTgt spid="13"/>
-                                        </p:tgtEl>
-                                      </p:cBhvr>
-                                    </p:animEffect>
-                                  </p:childTnLst>
-                                </p:cTn>
-                              </p:par>
-                              <p:par>
-                                <p:cTn id="11" presetID="14" presetClass="entr" presetSubtype="10" fill="hold" nodeType="withEffect">
-                                  <p:stCondLst>
-                                    <p:cond delay="0"/>
-                                  </p:stCondLst>
-                                  <p:childTnLst>
-                                    <p:set>
-                                      <p:cBhvr>
-                                        <p:cTn id="12" dur="1" fill="hold">
-                                          <p:stCondLst>
-                                            <p:cond delay="0"/>
-                                          </p:stCondLst>
-                                        </p:cTn>
-                                        <p:tgtEl>
-                                          <p:spTgt spid="3"/>
-                                        </p:tgtEl>
-                                        <p:attrNameLst>
-                                          <p:attrName>style.visibility</p:attrName>
-                                        </p:attrNameLst>
-                                      </p:cBhvr>
-                                      <p:to>
-                                        <p:strVal val="visible"/>
-                                      </p:to>
-                                    </p:set>
-                                    <p:animEffect transition="in" filter="randombar(horizontal)">
-                                      <p:cBhvr>
-                                        <p:cTn id="13" dur="500"/>
-                                        <p:tgtEl>
-                                          <p:spTgt spid="3"/>
-                                        </p:tgtEl>
-                                      </p:cBhvr>
-                                    </p:animEffect>
-                                  </p:childTnLst>
-                                </p:cTn>
-                              </p:par>
-                              <p:par>
-                                <p:cTn id="14" presetID="14" presetClass="entr" presetSubtype="10" fill="hold" grpId="0" nodeType="withEffect">
-                                  <p:stCondLst>
-                                    <p:cond delay="0"/>
-                                  </p:stCondLst>
-                                  <p:childTnLst>
-                                    <p:set>
-                                      <p:cBhvr>
-                                        <p:cTn id="15" dur="1" fill="hold">
-                                          <p:stCondLst>
-                                            <p:cond delay="0"/>
-                                          </p:stCondLst>
-                                        </p:cTn>
-                                        <p:tgtEl>
-                                          <p:spTgt spid="4"/>
-                                        </p:tgtEl>
-                                        <p:attrNameLst>
-                                          <p:attrName>style.visibility</p:attrName>
-                                        </p:attrNameLst>
-                                      </p:cBhvr>
-                                      <p:to>
-                                        <p:strVal val="visible"/>
-                                      </p:to>
-                                    </p:set>
-                                    <p:animEffect transition="in" filter="randombar(horizontal)">
-                                      <p:cBhvr>
-                                        <p:cTn id="16" dur="500"/>
-                                        <p:tgtEl>
-                                          <p:spTgt spid="4"/>
-                                        </p:tgtEl>
-                                      </p:cBhvr>
-                                    </p:animEffect>
-                                  </p:childTnLst>
-                                </p:cTn>
-                              </p:par>
-                            </p:childTnLst>
-                          </p:cTn>
-                        </p:par>
-                      </p:childTnLst>
-                    </p:cTn>
-                  </p:par>
-                  <p:par>
-                    <p:cTn id="17" fill="hold">
-                      <p:stCondLst>
-                        <p:cond delay="indefinite"/>
-                      </p:stCondLst>
-                      <p:childTnLst>
-                        <p:par>
-                          <p:cTn id="18" fill="hold">
-                            <p:stCondLst>
-                              <p:cond delay="0"/>
-                            </p:stCondLst>
-                            <p:childTnLst>
-                              <p:par>
-                                <p:cTn id="19" presetID="14" presetClass="entr" presetSubtype="10" fill="hold" nodeType="clickEffect">
-                                  <p:stCondLst>
-                                    <p:cond delay="0"/>
-                                  </p:stCondLst>
-                                  <p:childTnLst>
-                                    <p:set>
-                                      <p:cBhvr>
-                                        <p:cTn id="20" dur="1" fill="hold">
-                                          <p:stCondLst>
-                                            <p:cond delay="0"/>
-                                          </p:stCondLst>
-                                        </p:cTn>
-                                        <p:tgtEl>
-                                          <p:spTgt spid="17"/>
-                                        </p:tgtEl>
-                                        <p:attrNameLst>
-                                          <p:attrName>style.visibility</p:attrName>
-                                        </p:attrNameLst>
-                                      </p:cBhvr>
-                                      <p:to>
-                                        <p:strVal val="visible"/>
-                                      </p:to>
-                                    </p:set>
-                                    <p:animEffect transition="in" filter="randombar(horizontal)">
-                                      <p:cBhvr>
-                                        <p:cTn id="21" dur="500"/>
-                                        <p:tgtEl>
-                                          <p:spTgt spid="17"/>
-                                        </p:tgtEl>
-                                      </p:cBhvr>
-                                    </p:animEffect>
-                                  </p:childTnLst>
-                                </p:cTn>
-                              </p:par>
-                              <p:par>
-                                <p:cTn id="22" presetID="14" presetClass="entr" presetSubtype="10" fill="hold" grpId="0" nodeType="withEffect">
-                                  <p:stCondLst>
-                                    <p:cond delay="0"/>
-                                  </p:stCondLst>
-                                  <p:childTnLst>
-                                    <p:set>
-                                      <p:cBhvr>
-                                        <p:cTn id="23" dur="1" fill="hold">
-                                          <p:stCondLst>
-                                            <p:cond delay="0"/>
-                                          </p:stCondLst>
-                                        </p:cTn>
-                                        <p:tgtEl>
-                                          <p:spTgt spid="15"/>
-                                        </p:tgtEl>
-                                        <p:attrNameLst>
-                                          <p:attrName>style.visibility</p:attrName>
-                                        </p:attrNameLst>
-                                      </p:cBhvr>
-                                      <p:to>
-                                        <p:strVal val="visible"/>
-                                      </p:to>
-                                    </p:set>
-                                    <p:animEffect transition="in" filter="randombar(horizontal)">
-                                      <p:cBhvr>
-                                        <p:cTn id="24" dur="500"/>
-                                        <p:tgtEl>
-                                          <p:spTgt spid="15"/>
-                                        </p:tgtEl>
-                                      </p:cBhvr>
-                                    </p:animEffect>
-                                  </p:childTnLst>
-                                </p:cTn>
-                              </p:par>
-                            </p:childTnLst>
-                          </p:cTn>
-                        </p:par>
-                      </p:childTnLst>
-                    </p:cTn>
-                  </p:par>
-                </p:childTnLst>
-              </p:cTn>
-              <p:prevCondLst>
-                <p:cond evt="onPrev" delay="0">
-                  <p:tgtEl>
-                    <p:sldTgt/>
-                  </p:tgtEl>
-                </p:cond>
-              </p:prevCondLst>
-              <p:nextCondLst>
-                <p:cond evt="onNext" delay="0">
-                  <p:tgtEl>
-                    <p:sldTgt/>
-                  </p:tgtEl>
-                </p:cond>
-              </p:nextCondLst>
-            </p:seq>
-          </p:childTnLst>
-        </p:cTn>
-      </p:par>
-    </p:tnLst>
-    <p:bldLst>
-      <p:bldP spid="4" grpId="0"/>
-      <p:bldP spid="13" grpId="0" animBg="1"/>
-      <p:bldP spid="15" grpId="0" animBg="1"/>
-    </p:bldLst>
-  </p:timing>
-</p:sld>
-</file>
-
-<file path=ppt/slides/slide3.xml><?xml version="1.0" encoding="utf-8"?>
-<p:sld xmlns:a="http://schemas.openxmlformats.org/drawingml/2006/main" xmlns:r="http://schemas.openxmlformats.org/officeDocument/2006/relationships" xmlns:p="http://schemas.openxmlformats.org/presentationml/2006/main">
-  <p:cSld>
-    <p:spTree>
-      <p:nvGrpSpPr>
-        <p:cNvPr id="1" name=""/>
-        <p:cNvGrpSpPr/>
-        <p:nvPr/>
-      </p:nvGrpSpPr>
-      <p:grpSpPr>
-        <a:xfrm>
-          <a:off x="0" y="0"/>
-          <a:ext cx="0" cy="0"/>
-          <a:chOff x="0" y="0"/>
-          <a:chExt cx="0" cy="0"/>
-        </a:xfrm>
-      </p:grpSpPr>
-      <p:grpSp>
-        <p:nvGrpSpPr>
-          <p:cNvPr id="4" name="组合 3"/>
-          <p:cNvGrpSpPr/>
-          <p:nvPr/>
-        </p:nvGrpSpPr>
-        <p:grpSpPr>
-          <a:xfrm>
-            <a:off x="114300" y="171450"/>
-            <a:ext cx="8875502" cy="1066800"/>
-            <a:chOff x="114300" y="171450"/>
-            <a:chExt cx="8875502" cy="1066800"/>
-          </a:xfrm>
-        </p:grpSpPr>
-        <p:cxnSp>
-          <p:nvCxnSpPr>
-            <p:cNvPr id="5" name="直接连接符 4"/>
-            <p:cNvCxnSpPr/>
-            <p:nvPr/>
-          </p:nvCxnSpPr>
-          <p:spPr>
-            <a:xfrm>
-              <a:off x="114300" y="1076325"/>
-              <a:ext cx="8858250" cy="0"/>
-            </a:xfrm>
-            <a:prstGeom prst="line">
-              <a:avLst/>
-            </a:prstGeom>
-            <a:ln w="31750">
-              <a:solidFill>
-                <a:srgbClr val="1E50A6"/>
-              </a:solidFill>
-            </a:ln>
-          </p:spPr>
-          <p:style>
-            <a:lnRef idx="1">
-              <a:schemeClr val="accent1"/>
-            </a:lnRef>
-            <a:fillRef idx="0">
-              <a:schemeClr val="accent1"/>
-            </a:fillRef>
-            <a:effectRef idx="0">
-              <a:schemeClr val="accent1"/>
-            </a:effectRef>
-            <a:fontRef idx="minor">
-              <a:schemeClr val="tx1"/>
-            </a:fontRef>
-          </p:style>
-        </p:cxnSp>
-        <p:cxnSp>
-          <p:nvCxnSpPr>
-            <p:cNvPr id="6" name="直接连接符 5"/>
-            <p:cNvCxnSpPr/>
-            <p:nvPr/>
-          </p:nvCxnSpPr>
-          <p:spPr>
-            <a:xfrm>
-              <a:off x="6962775" y="171450"/>
-              <a:ext cx="28322" cy="1066800"/>
-            </a:xfrm>
-            <a:prstGeom prst="line">
-              <a:avLst/>
-            </a:prstGeom>
-            <a:ln w="31750">
-              <a:solidFill>
-                <a:srgbClr val="1E50A6"/>
-              </a:solidFill>
-            </a:ln>
-          </p:spPr>
-          <p:style>
-            <a:lnRef idx="1">
-              <a:schemeClr val="accent1"/>
-            </a:lnRef>
-            <a:fillRef idx="0">
-              <a:schemeClr val="accent1"/>
-            </a:fillRef>
-            <a:effectRef idx="0">
-              <a:schemeClr val="accent1"/>
-            </a:effectRef>
-            <a:fontRef idx="minor">
-              <a:schemeClr val="tx1"/>
-            </a:fontRef>
-          </p:style>
-        </p:cxnSp>
-        <p:pic>
-          <p:nvPicPr>
-            <p:cNvPr id="7" name="图片 6"/>
-            <p:cNvPicPr>
-              <a:picLocks noChangeAspect="1"/>
-            </p:cNvPicPr>
-            <p:nvPr/>
-          </p:nvPicPr>
-          <p:blipFill rotWithShape="1">
-            <a:blip r:embed="rId2">
-              <a:extLst>
-                <a:ext uri="{28A0092B-C50C-407E-A947-70E740481C1C}">
-                  <a14:useLocalDpi xmlns:a14="http://schemas.microsoft.com/office/drawing/2010/main" val="0"/>
-                </a:ext>
-              </a:extLst>
-            </a:blip>
-            <a:srcRect t="36874" r="33358" b="34304"/>
-            <a:stretch>
-              <a:fillRect/>
-            </a:stretch>
-          </p:blipFill>
-          <p:spPr>
-            <a:xfrm>
-              <a:off x="7076536" y="261127"/>
-              <a:ext cx="1913266" cy="765415"/>
-            </a:xfrm>
-            <a:prstGeom prst="rect">
-              <a:avLst/>
-            </a:prstGeom>
-          </p:spPr>
-        </p:pic>
-      </p:grpSp>
-      <p:sp>
-        <p:nvSpPr>
-          <p:cNvPr id="9" name="标题 1"/>
-          <p:cNvSpPr txBox="1"/>
-          <p:nvPr/>
-        </p:nvSpPr>
-        <p:spPr bwMode="auto">
-          <a:xfrm>
-            <a:off x="1816100" y="1898650"/>
-            <a:ext cx="6240463" cy="1568450"/>
-          </a:xfrm>
-          <a:prstGeom prst="rect">
-            <a:avLst/>
-          </a:prstGeom>
-          <a:noFill/>
-          <a:ln>
-            <a:noFill/>
-          </a:ln>
-          <a:extLst>
-            <a:ext uri="{909E8E84-426E-40DD-AFC4-6F175D3DCCD1}">
-              <a14:hiddenFill xmlns:a14="http://schemas.microsoft.com/office/drawing/2010/main">
-                <a:solidFill>
-                  <a:srgbClr val="FFFFFF"/>
-                </a:solidFill>
-              </a14:hiddenFill>
-            </a:ext>
-            <a:ext uri="{91240B29-F687-4F45-9708-019B960494DF}">
-              <a14:hiddenLine xmlns:a14="http://schemas.microsoft.com/office/drawing/2010/main" w="9525">
-                <a:solidFill>
-                  <a:srgbClr val="000000"/>
-                </a:solidFill>
-                <a:miter lim="800000"/>
-                <a:headEnd/>
-                <a:tailEnd/>
-              </a14:hiddenLine>
-            </a:ext>
-          </a:extLst>
-        </p:spPr>
-        <p:txBody>
-          <a:bodyPr anchor="ctr"/>
-          <a:lstStyle>
-            <a:lvl1pPr defTabSz="685800">
-              <a:defRPr>
-                <a:solidFill>
-                  <a:schemeClr val="tx1"/>
-                </a:solidFill>
-                <a:latin typeface="Calibri" panose="020F0502020204030204" pitchFamily="34" charset="0"/>
-                <a:ea typeface="宋体" panose="02010600030101010101" pitchFamily="2" charset="-122"/>
-              </a:defRPr>
-            </a:lvl1pPr>
-            <a:lvl2pPr marL="742950" indent="-285750" defTabSz="685800">
-              <a:defRPr>
-                <a:solidFill>
-                  <a:schemeClr val="tx1"/>
-                </a:solidFill>
-                <a:latin typeface="Calibri" panose="020F0502020204030204" pitchFamily="34" charset="0"/>
-                <a:ea typeface="宋体" panose="02010600030101010101" pitchFamily="2" charset="-122"/>
-              </a:defRPr>
-            </a:lvl2pPr>
-            <a:lvl3pPr marL="1143000" indent="-228600" defTabSz="685800">
-              <a:defRPr>
-                <a:solidFill>
-                  <a:schemeClr val="tx1"/>
-                </a:solidFill>
-                <a:latin typeface="Calibri" panose="020F0502020204030204" pitchFamily="34" charset="0"/>
-                <a:ea typeface="宋体" panose="02010600030101010101" pitchFamily="2" charset="-122"/>
-              </a:defRPr>
-            </a:lvl3pPr>
-            <a:lvl4pPr marL="1600200" indent="-228600" defTabSz="685800">
-              <a:defRPr>
-                <a:solidFill>
-                  <a:schemeClr val="tx1"/>
-                </a:solidFill>
-                <a:latin typeface="Calibri" panose="020F0502020204030204" pitchFamily="34" charset="0"/>
-                <a:ea typeface="宋体" panose="02010600030101010101" pitchFamily="2" charset="-122"/>
-              </a:defRPr>
-            </a:lvl4pPr>
-            <a:lvl5pPr marL="2057400" indent="-228600" defTabSz="685800">
-              <a:defRPr>
-                <a:solidFill>
-                  <a:schemeClr val="tx1"/>
-                </a:solidFill>
-                <a:latin typeface="Calibri" panose="020F0502020204030204" pitchFamily="34" charset="0"/>
-                <a:ea typeface="宋体" panose="02010600030101010101" pitchFamily="2" charset="-122"/>
-              </a:defRPr>
-            </a:lvl5pPr>
-            <a:lvl6pPr marL="2514600" indent="-228600" defTabSz="685800" fontAlgn="base">
-              <a:spcBef>
-                <a:spcPct val="0"/>
-              </a:spcBef>
-              <a:spcAft>
-                <a:spcPct val="0"/>
-              </a:spcAft>
-              <a:defRPr>
-                <a:solidFill>
-                  <a:schemeClr val="tx1"/>
-                </a:solidFill>
-                <a:latin typeface="Calibri" panose="020F0502020204030204" pitchFamily="34" charset="0"/>
-                <a:ea typeface="宋体" panose="02010600030101010101" pitchFamily="2" charset="-122"/>
-              </a:defRPr>
-            </a:lvl6pPr>
-            <a:lvl7pPr marL="2971800" indent="-228600" defTabSz="685800" fontAlgn="base">
-              <a:spcBef>
-                <a:spcPct val="0"/>
-              </a:spcBef>
-              <a:spcAft>
-                <a:spcPct val="0"/>
-              </a:spcAft>
-              <a:defRPr>
-                <a:solidFill>
-                  <a:schemeClr val="tx1"/>
-                </a:solidFill>
-                <a:latin typeface="Calibri" panose="020F0502020204030204" pitchFamily="34" charset="0"/>
-                <a:ea typeface="宋体" panose="02010600030101010101" pitchFamily="2" charset="-122"/>
-              </a:defRPr>
-            </a:lvl7pPr>
-            <a:lvl8pPr marL="3429000" indent="-228600" defTabSz="685800" fontAlgn="base">
-              <a:spcBef>
-                <a:spcPct val="0"/>
-              </a:spcBef>
-              <a:spcAft>
-                <a:spcPct val="0"/>
-              </a:spcAft>
-              <a:defRPr>
-                <a:solidFill>
-                  <a:schemeClr val="tx1"/>
-                </a:solidFill>
-                <a:latin typeface="Calibri" panose="020F0502020204030204" pitchFamily="34" charset="0"/>
-                <a:ea typeface="宋体" panose="02010600030101010101" pitchFamily="2" charset="-122"/>
-              </a:defRPr>
-            </a:lvl8pPr>
-            <a:lvl9pPr marL="3886200" indent="-228600" defTabSz="685800" fontAlgn="base">
-              <a:spcBef>
-                <a:spcPct val="0"/>
-              </a:spcBef>
-              <a:spcAft>
-                <a:spcPct val="0"/>
-              </a:spcAft>
-              <a:defRPr>
-                <a:solidFill>
-                  <a:schemeClr val="tx1"/>
-                </a:solidFill>
-                <a:latin typeface="Calibri" panose="020F0502020204030204" pitchFamily="34" charset="0"/>
-                <a:ea typeface="宋体" panose="02010600030101010101" pitchFamily="2" charset="-122"/>
-              </a:defRPr>
-            </a:lvl9pPr>
-          </a:lstStyle>
-          <a:p>
-            <a:pPr algn="ctr" eaLnBrk="1" hangingPunct="1"/>
-            <a:r>
-              <a:rPr lang="zh-CN" altLang="en-US" sz="4000" b="1">
-                <a:solidFill>
-                  <a:srgbClr val="5E5EAF"/>
-                </a:solidFill>
-                <a:latin typeface="黑体" panose="02010609060101010101" pitchFamily="49" charset="-122"/>
-                <a:ea typeface="黑体" panose="02010609060101010101" pitchFamily="49" charset="-122"/>
-              </a:rPr>
-              <a:t>研究背景介绍</a:t>
-            </a:r>
-          </a:p>
-        </p:txBody>
-      </p:sp>
-      <p:sp>
-        <p:nvSpPr>
-          <p:cNvPr id="10" name="文本框 9"/>
-          <p:cNvSpPr txBox="1"/>
-          <p:nvPr/>
-        </p:nvSpPr>
-        <p:spPr>
-          <a:xfrm>
-            <a:off x="5015394" y="3773506"/>
-            <a:ext cx="2467154" cy="369332"/>
-          </a:xfrm>
-          <a:prstGeom prst="rect">
-            <a:avLst/>
-          </a:prstGeom>
-          <a:solidFill>
-            <a:schemeClr val="accent6">
-              <a:lumMod val="75000"/>
-              <a:alpha val="90000"/>
-            </a:schemeClr>
-          </a:solidFill>
-          <a:effectLst>
-            <a:softEdge rad="25400"/>
-          </a:effectLst>
-        </p:spPr>
-        <p:txBody>
-          <a:bodyPr>
-            <a:spAutoFit/>
-          </a:bodyPr>
-          <a:lstStyle/>
-          <a:p>
-            <a:pPr algn="ctr" eaLnBrk="1" fontAlgn="auto" hangingPunct="1">
-              <a:spcBef>
-                <a:spcPts val="0"/>
-              </a:spcBef>
-              <a:spcAft>
-                <a:spcPts val="0"/>
-              </a:spcAft>
-              <a:defRPr/>
-            </a:pPr>
-            <a:r>
-              <a:rPr lang="zh-CN" altLang="en-US" dirty="0">
-                <a:solidFill>
-                  <a:schemeClr val="bg1"/>
-                </a:solidFill>
-                <a:latin typeface="Times New Roman" panose="02020603050405020304" pitchFamily="18" charset="0"/>
-                <a:ea typeface="黑体" panose="02010609060101010101" pitchFamily="49" charset="-122"/>
-                <a:cs typeface="Times New Roman" panose="02020603050405020304" pitchFamily="18" charset="0"/>
-              </a:rPr>
-              <a:t>问题定义</a:t>
-            </a:r>
-          </a:p>
-        </p:txBody>
-      </p:sp>
-      <p:sp>
-        <p:nvSpPr>
-          <p:cNvPr id="11" name="文本框 10"/>
-          <p:cNvSpPr txBox="1"/>
-          <p:nvPr/>
-        </p:nvSpPr>
-        <p:spPr>
-          <a:xfrm>
-            <a:off x="1880557" y="3773506"/>
-            <a:ext cx="2467154" cy="369332"/>
-          </a:xfrm>
-          <a:prstGeom prst="rect">
-            <a:avLst/>
-          </a:prstGeom>
-          <a:solidFill>
-            <a:schemeClr val="accent5">
-              <a:lumMod val="75000"/>
-              <a:alpha val="90000"/>
-            </a:schemeClr>
-          </a:solidFill>
-          <a:effectLst>
-            <a:softEdge rad="25400"/>
-          </a:effectLst>
-        </p:spPr>
-        <p:txBody>
-          <a:bodyPr>
-            <a:spAutoFit/>
-          </a:bodyPr>
-          <a:lstStyle/>
-          <a:p>
-            <a:pPr algn="ctr" eaLnBrk="1" fontAlgn="auto" hangingPunct="1">
-              <a:spcBef>
-                <a:spcPts val="0"/>
-              </a:spcBef>
-              <a:spcAft>
-                <a:spcPts val="0"/>
-              </a:spcAft>
-              <a:defRPr/>
-            </a:pPr>
-            <a:r>
-              <a:rPr lang="zh-CN" altLang="en-US" dirty="0">
-                <a:solidFill>
-                  <a:schemeClr val="bg1"/>
-                </a:solidFill>
-                <a:latin typeface="Times New Roman" panose="02020603050405020304" pitchFamily="18" charset="0"/>
-                <a:ea typeface="黑体" panose="02010609060101010101" pitchFamily="49" charset="-122"/>
-                <a:cs typeface="Times New Roman" panose="02020603050405020304" pitchFamily="18" charset="0"/>
-              </a:rPr>
-              <a:t>研究背景</a:t>
-            </a:r>
-          </a:p>
-        </p:txBody>
-      </p:sp>
-      <p:sp>
-        <p:nvSpPr>
-          <p:cNvPr id="12" name="流程图: 联系 11"/>
-          <p:cNvSpPr/>
-          <p:nvPr/>
-        </p:nvSpPr>
-        <p:spPr>
-          <a:xfrm>
-            <a:off x="1803400" y="2233613"/>
-            <a:ext cx="900113" cy="900112"/>
-          </a:xfrm>
-          <a:prstGeom prst="flowChartConnector">
-            <a:avLst/>
-          </a:prstGeom>
-          <a:solidFill>
-            <a:schemeClr val="tx1">
-              <a:lumMod val="50000"/>
-              <a:lumOff val="50000"/>
-            </a:schemeClr>
-          </a:solidFill>
-          <a:ln>
-            <a:noFill/>
-          </a:ln>
-        </p:spPr>
-        <p:style>
-          <a:lnRef idx="2">
-            <a:schemeClr val="accent1">
-              <a:shade val="50000"/>
-            </a:schemeClr>
-          </a:lnRef>
-          <a:fillRef idx="1">
-            <a:schemeClr val="accent1"/>
-          </a:fillRef>
-          <a:effectRef idx="0">
-            <a:schemeClr val="accent1"/>
-          </a:effectRef>
-          <a:fontRef idx="minor">
-            <a:schemeClr val="lt1"/>
-          </a:fontRef>
-        </p:style>
-        <p:txBody>
-          <a:bodyPr anchor="ctr"/>
-          <a:lstStyle/>
-          <a:p>
-            <a:pPr algn="ctr" eaLnBrk="1" fontAlgn="auto" hangingPunct="1">
-              <a:spcBef>
-                <a:spcPts val="0"/>
-              </a:spcBef>
-              <a:spcAft>
-                <a:spcPts val="0"/>
-              </a:spcAft>
-              <a:defRPr/>
-            </a:pPr>
-            <a:r>
-              <a:rPr lang="en-US" altLang="zh-CN" sz="3200" dirty="0"/>
-              <a:t>01</a:t>
-            </a:r>
-            <a:endParaRPr lang="zh-CN" altLang="en-US" sz="3200" dirty="0"/>
-          </a:p>
-        </p:txBody>
-      </p:sp>
-      <p:sp>
-        <p:nvSpPr>
-          <p:cNvPr id="13" name="流程图: 联系 12"/>
-          <p:cNvSpPr/>
-          <p:nvPr/>
-        </p:nvSpPr>
-        <p:spPr>
-          <a:xfrm>
-            <a:off x="2420938" y="2863850"/>
-            <a:ext cx="417512" cy="417513"/>
-          </a:xfrm>
-          <a:prstGeom prst="flowChartConnector">
-            <a:avLst/>
-          </a:prstGeom>
-          <a:solidFill>
-            <a:schemeClr val="tx1">
-              <a:lumMod val="50000"/>
-              <a:lumOff val="50000"/>
-            </a:schemeClr>
-          </a:solidFill>
-          <a:ln>
-            <a:noFill/>
-          </a:ln>
-        </p:spPr>
-        <p:style>
-          <a:lnRef idx="2">
-            <a:schemeClr val="accent1">
-              <a:shade val="50000"/>
-            </a:schemeClr>
-          </a:lnRef>
-          <a:fillRef idx="1">
-            <a:schemeClr val="accent1"/>
-          </a:fillRef>
-          <a:effectRef idx="0">
-            <a:schemeClr val="accent1"/>
-          </a:effectRef>
-          <a:fontRef idx="minor">
-            <a:schemeClr val="lt1"/>
-          </a:fontRef>
-        </p:style>
-        <p:txBody>
-          <a:bodyPr anchor="ctr"/>
-          <a:lstStyle/>
-          <a:p>
-            <a:pPr algn="ctr" eaLnBrk="1" fontAlgn="auto" hangingPunct="1">
-              <a:spcBef>
-                <a:spcPts val="0"/>
-              </a:spcBef>
-              <a:spcAft>
-                <a:spcPts val="0"/>
-              </a:spcAft>
-              <a:defRPr/>
-            </a:pPr>
-            <a:endParaRPr lang="zh-CN" altLang="en-US"/>
-          </a:p>
-        </p:txBody>
-      </p:sp>
-      <p:sp>
-        <p:nvSpPr>
-          <p:cNvPr id="14" name="流程图: 联系 13"/>
-          <p:cNvSpPr/>
-          <p:nvPr/>
-        </p:nvSpPr>
-        <p:spPr>
-          <a:xfrm>
-            <a:off x="2312988" y="1673225"/>
-            <a:ext cx="327025" cy="328613"/>
-          </a:xfrm>
-          <a:prstGeom prst="flowChartConnector">
-            <a:avLst/>
-          </a:prstGeom>
-          <a:solidFill>
-            <a:schemeClr val="tx1">
-              <a:lumMod val="50000"/>
-              <a:lumOff val="50000"/>
-            </a:schemeClr>
-          </a:solidFill>
-          <a:ln>
-            <a:noFill/>
-          </a:ln>
-        </p:spPr>
-        <p:style>
-          <a:lnRef idx="2">
-            <a:schemeClr val="accent1">
-              <a:shade val="50000"/>
-            </a:schemeClr>
-          </a:lnRef>
-          <a:fillRef idx="1">
-            <a:schemeClr val="accent1"/>
-          </a:fillRef>
-          <a:effectRef idx="0">
-            <a:schemeClr val="accent1"/>
-          </a:effectRef>
-          <a:fontRef idx="minor">
-            <a:schemeClr val="lt1"/>
-          </a:fontRef>
-        </p:style>
-        <p:txBody>
-          <a:bodyPr anchor="ctr"/>
-          <a:lstStyle/>
-          <a:p>
-            <a:pPr algn="ctr" eaLnBrk="1" fontAlgn="auto" hangingPunct="1">
-              <a:spcBef>
-                <a:spcPts val="0"/>
-              </a:spcBef>
-              <a:spcAft>
-                <a:spcPts val="0"/>
-              </a:spcAft>
-              <a:defRPr/>
-            </a:pPr>
-            <a:endParaRPr lang="zh-CN" altLang="en-US"/>
-          </a:p>
-        </p:txBody>
-      </p:sp>
-      <p:sp>
-        <p:nvSpPr>
-          <p:cNvPr id="15" name="流程图: 联系 14"/>
-          <p:cNvSpPr/>
-          <p:nvPr/>
-        </p:nvSpPr>
-        <p:spPr>
-          <a:xfrm>
-            <a:off x="2959100" y="2228850"/>
-            <a:ext cx="144463" cy="144463"/>
-          </a:xfrm>
-          <a:prstGeom prst="flowChartConnector">
-            <a:avLst/>
-          </a:prstGeom>
-          <a:solidFill>
-            <a:schemeClr val="tx1">
-              <a:lumMod val="50000"/>
-              <a:lumOff val="50000"/>
-            </a:schemeClr>
-          </a:solidFill>
-          <a:ln>
-            <a:noFill/>
-          </a:ln>
-        </p:spPr>
-        <p:style>
-          <a:lnRef idx="2">
-            <a:schemeClr val="accent1">
-              <a:shade val="50000"/>
-            </a:schemeClr>
-          </a:lnRef>
-          <a:fillRef idx="1">
-            <a:schemeClr val="accent1"/>
-          </a:fillRef>
-          <a:effectRef idx="0">
-            <a:schemeClr val="accent1"/>
-          </a:effectRef>
-          <a:fontRef idx="minor">
-            <a:schemeClr val="lt1"/>
-          </a:fontRef>
-        </p:style>
-        <p:txBody>
-          <a:bodyPr anchor="ctr"/>
-          <a:lstStyle/>
-          <a:p>
-            <a:pPr algn="ctr" eaLnBrk="1" fontAlgn="auto" hangingPunct="1">
-              <a:spcBef>
-                <a:spcPts val="0"/>
-              </a:spcBef>
-              <a:spcAft>
-                <a:spcPts val="0"/>
-              </a:spcAft>
-              <a:defRPr/>
-            </a:pPr>
-            <a:endParaRPr lang="zh-CN" altLang="en-US"/>
-          </a:p>
-        </p:txBody>
-      </p:sp>
-      <p:sp>
-        <p:nvSpPr>
-          <p:cNvPr id="18" name="矩形 17"/>
-          <p:cNvSpPr/>
-          <p:nvPr/>
-        </p:nvSpPr>
-        <p:spPr>
-          <a:xfrm>
-            <a:off x="0" y="6573627"/>
-            <a:ext cx="9144000" cy="285750"/>
-          </a:xfrm>
-          <a:prstGeom prst="rect">
-            <a:avLst/>
-          </a:prstGeom>
-          <a:solidFill>
-            <a:srgbClr val="1B4DA5"/>
-          </a:solidFill>
-          <a:ln>
-            <a:noFill/>
-          </a:ln>
-        </p:spPr>
-        <p:style>
-          <a:lnRef idx="2">
-            <a:schemeClr val="accent1">
-              <a:shade val="50000"/>
-            </a:schemeClr>
-          </a:lnRef>
-          <a:fillRef idx="1">
-            <a:schemeClr val="accent1"/>
-          </a:fillRef>
-          <a:effectRef idx="0">
-            <a:schemeClr val="accent1"/>
-          </a:effectRef>
-          <a:fontRef idx="minor">
-            <a:schemeClr val="lt1"/>
-          </a:fontRef>
-        </p:style>
-        <p:txBody>
-          <a:bodyPr rtlCol="0" anchor="ctr"/>
-          <a:lstStyle/>
-          <a:p>
-            <a:pPr algn="ctr"/>
-            <a:r>
-              <a:rPr lang="zh-CN" altLang="zh-CN" sz="1200" dirty="0">
-                <a:latin typeface="黑体" panose="02010609060101010101" pitchFamily="49" charset="-122"/>
-                <a:ea typeface="黑体" panose="02010609060101010101" pitchFamily="49" charset="-122"/>
-              </a:rPr>
-              <a:t>移动对象的时空轨迹相似性</a:t>
-            </a:r>
-            <a:r>
-              <a:rPr lang="zh-CN" altLang="zh-CN" sz="1200" dirty="0" smtClean="0">
-                <a:latin typeface="黑体" panose="02010609060101010101" pitchFamily="49" charset="-122"/>
-                <a:ea typeface="黑体" panose="02010609060101010101" pitchFamily="49" charset="-122"/>
-              </a:rPr>
-              <a:t>算法</a:t>
-            </a:r>
-            <a:endParaRPr lang="zh-CN" altLang="en-US" sz="1200" dirty="0">
-              <a:latin typeface="黑体" panose="02010609060101010101" pitchFamily="49" charset="-122"/>
-              <a:ea typeface="黑体" panose="02010609060101010101" pitchFamily="49" charset="-122"/>
-              <a:cs typeface="Times New Roman" panose="02020603050405020304" pitchFamily="18" charset="0"/>
-            </a:endParaRPr>
-          </a:p>
-        </p:txBody>
-      </p:sp>
-    </p:spTree>
-  </p:cSld>
-  <p:clrMapOvr>
-    <a:masterClrMapping/>
-  </p:clrMapOvr>
-  <mc:AlternateContent xmlns:mc="http://schemas.openxmlformats.org/markup-compatibility/2006" xmlns:p14="http://schemas.microsoft.com/office/powerpoint/2010/main">
-    <mc:Choice Requires="p14">
-      <p:transition spd="slow" p14:dur="2000"/>
-    </mc:Choice>
-    <mc:Fallback xmlns="">
-      <p:transition spd="slow"/>
-    </mc:Fallback>
-  </mc:AlternateContent>
-  <p:timing>
-    <p:tnLst>
-      <p:par>
         <p:cTn id="1" dur="indefinite" restart="never" nodeType="tmRoot"/>
       </p:par>
     </p:tnLst>
@@ -29063,7 +29519,7 @@
 </p:sld>
 </file>
 
-<file path=ppt/slides/slide30.xml><?xml version="1.0" encoding="utf-8"?>
+<file path=ppt/slides/slide31.xml><?xml version="1.0" encoding="utf-8"?>
 <p:sld xmlns:a="http://schemas.openxmlformats.org/drawingml/2006/main" xmlns:r="http://schemas.openxmlformats.org/officeDocument/2006/relationships" xmlns:p="http://schemas.openxmlformats.org/presentationml/2006/main">
   <p:cSld>
     <p:spTree>
@@ -29736,23 +30192,7 @@
                 <a:ea typeface="黑体" panose="02010609060101010101" pitchFamily="49" charset="-122"/>
                 <a:cs typeface="Times New Roman" panose="02020603050405020304" pitchFamily="18" charset="0"/>
               </a:rPr>
-              <a:t>模型中</a:t>
-            </a:r>
-            <a:r>
-              <a:rPr lang="zh-CN" altLang="en-US" sz="1400" dirty="0" smtClean="0">
-                <a:latin typeface="Times New Roman" panose="02020603050405020304" pitchFamily="18" charset="0"/>
-                <a:ea typeface="黑体" panose="02010609060101010101" pitchFamily="49" charset="-122"/>
-                <a:cs typeface="Times New Roman" panose="02020603050405020304" pitchFamily="18" charset="0"/>
-              </a:rPr>
-              <a:t>时空转化参数对</a:t>
-            </a:r>
-            <a:r>
-              <a:rPr lang="zh-CN" altLang="en-US" sz="1400" dirty="0" smtClean="0">
-                <a:latin typeface="Times New Roman" panose="02020603050405020304" pitchFamily="18" charset="0"/>
-                <a:ea typeface="黑体" panose="02010609060101010101" pitchFamily="49" charset="-122"/>
-                <a:cs typeface="Times New Roman" panose="02020603050405020304" pitchFamily="18" charset="0"/>
-              </a:rPr>
-              <a:t>查询结果的影响</a:t>
+              <a:t>模型中时空转化参数对查询结果的影响</a:t>
             </a:r>
             <a:endParaRPr lang="en-US" altLang="zh-CN" sz="1400" dirty="0" smtClean="0">
               <a:latin typeface="Times New Roman" panose="02020603050405020304" pitchFamily="18" charset="0"/>
@@ -29774,39 +30214,7 @@
                 <a:ea typeface="黑体" panose="02010609060101010101" pitchFamily="49" charset="-122"/>
                 <a:cs typeface="Times New Roman" panose="02020603050405020304" pitchFamily="18" charset="0"/>
               </a:rPr>
-              <a:t>        </a:t>
-            </a:r>
-            <a:r>
-              <a:rPr lang="zh-CN" altLang="en-US" sz="1400" dirty="0" smtClean="0">
-                <a:latin typeface="Times New Roman" panose="02020603050405020304" pitchFamily="18" charset="0"/>
-                <a:ea typeface="黑体" panose="02010609060101010101" pitchFamily="49" charset="-122"/>
-                <a:cs typeface="Times New Roman" panose="02020603050405020304" pitchFamily="18" charset="0"/>
-              </a:rPr>
-              <a:t>时空</a:t>
-            </a:r>
-            <a:r>
-              <a:rPr lang="zh-CN" altLang="en-US" sz="1400" dirty="0" smtClean="0">
-                <a:latin typeface="Times New Roman" panose="02020603050405020304" pitchFamily="18" charset="0"/>
-                <a:ea typeface="黑体" panose="02010609060101010101" pitchFamily="49" charset="-122"/>
-                <a:cs typeface="Times New Roman" panose="02020603050405020304" pitchFamily="18" charset="0"/>
-              </a:rPr>
-              <a:t>转化参数</a:t>
-            </a:r>
-            <a:r>
-              <a:rPr lang="zh-CN" altLang="en-US" sz="1400" dirty="0" smtClean="0">
-                <a:latin typeface="Times New Roman" panose="02020603050405020304" pitchFamily="18" charset="0"/>
-                <a:ea typeface="黑体" panose="02010609060101010101" pitchFamily="49" charset="-122"/>
-                <a:cs typeface="Times New Roman" panose="02020603050405020304" pitchFamily="18" charset="0"/>
-              </a:rPr>
-              <a:t>代表时间的重要程度。</a:t>
-            </a:r>
-            <a:r>
-              <a:rPr lang="zh-CN" altLang="en-US" sz="1400" dirty="0" smtClean="0">
-                <a:latin typeface="Times New Roman" panose="02020603050405020304" pitchFamily="18" charset="0"/>
-                <a:ea typeface="黑体" panose="02010609060101010101" pitchFamily="49" charset="-122"/>
-                <a:cs typeface="Times New Roman" panose="02020603050405020304" pitchFamily="18" charset="0"/>
-              </a:rPr>
-              <a:t>太小会忽视时间差距的影响，太大会放大时间的重要性，忽略空间上的差距。因此需要适中的数值。</a:t>
+              <a:t>        时空转化参数代表时间的重要程度。太小会忽视时间差距的影响，太大会放大时间的重要性，忽略空间上的差距。因此需要适中的数值。</a:t>
             </a:r>
             <a:endParaRPr lang="en-US" altLang="zh-CN" sz="1400" dirty="0" smtClean="0">
               <a:latin typeface="Times New Roman" panose="02020603050405020304" pitchFamily="18" charset="0"/>
@@ -30210,7 +30618,7 @@
 </p:sld>
 </file>
 
-<file path=ppt/slides/slide31.xml><?xml version="1.0" encoding="utf-8"?>
+<file path=ppt/slides/slide32.xml><?xml version="1.0" encoding="utf-8"?>
 <p:sld xmlns:a="http://schemas.openxmlformats.org/drawingml/2006/main" xmlns:r="http://schemas.openxmlformats.org/officeDocument/2006/relationships" xmlns:p="http://schemas.openxmlformats.org/presentationml/2006/main">
   <p:cSld>
     <p:spTree>
@@ -30965,797 +31373,6 @@
     <p:extLst>
       <p:ext uri="{BB962C8B-B14F-4D97-AF65-F5344CB8AC3E}">
         <p14:creationId xmlns:p14="http://schemas.microsoft.com/office/powerpoint/2010/main" val="2316803614"/>
-      </p:ext>
-    </p:extLst>
-  </p:cSld>
-  <p:clrMapOvr>
-    <a:masterClrMapping/>
-  </p:clrMapOvr>
-  <p:timing>
-    <p:tnLst>
-      <p:par>
-        <p:cTn id="1" dur="indefinite" restart="never" nodeType="tmRoot"/>
-      </p:par>
-    </p:tnLst>
-  </p:timing>
-</p:sld>
-</file>
-
-<file path=ppt/slides/slide32.xml><?xml version="1.0" encoding="utf-8"?>
-<p:sld xmlns:a="http://schemas.openxmlformats.org/drawingml/2006/main" xmlns:r="http://schemas.openxmlformats.org/officeDocument/2006/relationships" xmlns:p="http://schemas.openxmlformats.org/presentationml/2006/main">
-  <p:cSld>
-    <p:spTree>
-      <p:nvGrpSpPr>
-        <p:cNvPr id="1" name=""/>
-        <p:cNvGrpSpPr/>
-        <p:nvPr/>
-      </p:nvGrpSpPr>
-      <p:grpSpPr>
-        <a:xfrm>
-          <a:off x="0" y="0"/>
-          <a:ext cx="0" cy="0"/>
-          <a:chOff x="0" y="0"/>
-          <a:chExt cx="0" cy="0"/>
-        </a:xfrm>
-      </p:grpSpPr>
-      <p:grpSp>
-        <p:nvGrpSpPr>
-          <p:cNvPr id="2" name="组合 1"/>
-          <p:cNvGrpSpPr/>
-          <p:nvPr/>
-        </p:nvGrpSpPr>
-        <p:grpSpPr>
-          <a:xfrm>
-            <a:off x="114300" y="171450"/>
-            <a:ext cx="8875502" cy="1066800"/>
-            <a:chOff x="114300" y="171450"/>
-            <a:chExt cx="8875502" cy="1066800"/>
-          </a:xfrm>
-        </p:grpSpPr>
-        <p:cxnSp>
-          <p:nvCxnSpPr>
-            <p:cNvPr id="3" name="直接连接符 2"/>
-            <p:cNvCxnSpPr/>
-            <p:nvPr/>
-          </p:nvCxnSpPr>
-          <p:spPr>
-            <a:xfrm>
-              <a:off x="114300" y="1076325"/>
-              <a:ext cx="8858250" cy="0"/>
-            </a:xfrm>
-            <a:prstGeom prst="line">
-              <a:avLst/>
-            </a:prstGeom>
-            <a:ln w="31750">
-              <a:solidFill>
-                <a:srgbClr val="1E50A6"/>
-              </a:solidFill>
-            </a:ln>
-          </p:spPr>
-          <p:style>
-            <a:lnRef idx="1">
-              <a:schemeClr val="accent1"/>
-            </a:lnRef>
-            <a:fillRef idx="0">
-              <a:schemeClr val="accent1"/>
-            </a:fillRef>
-            <a:effectRef idx="0">
-              <a:schemeClr val="accent1"/>
-            </a:effectRef>
-            <a:fontRef idx="minor">
-              <a:schemeClr val="tx1"/>
-            </a:fontRef>
-          </p:style>
-        </p:cxnSp>
-        <p:cxnSp>
-          <p:nvCxnSpPr>
-            <p:cNvPr id="4" name="直接连接符 3"/>
-            <p:cNvCxnSpPr/>
-            <p:nvPr/>
-          </p:nvCxnSpPr>
-          <p:spPr>
-            <a:xfrm>
-              <a:off x="6962775" y="171450"/>
-              <a:ext cx="28322" cy="1066800"/>
-            </a:xfrm>
-            <a:prstGeom prst="line">
-              <a:avLst/>
-            </a:prstGeom>
-            <a:ln w="31750">
-              <a:solidFill>
-                <a:srgbClr val="1E50A6"/>
-              </a:solidFill>
-            </a:ln>
-          </p:spPr>
-          <p:style>
-            <a:lnRef idx="1">
-              <a:schemeClr val="accent1"/>
-            </a:lnRef>
-            <a:fillRef idx="0">
-              <a:schemeClr val="accent1"/>
-            </a:fillRef>
-            <a:effectRef idx="0">
-              <a:schemeClr val="accent1"/>
-            </a:effectRef>
-            <a:fontRef idx="minor">
-              <a:schemeClr val="tx1"/>
-            </a:fontRef>
-          </p:style>
-        </p:cxnSp>
-        <p:pic>
-          <p:nvPicPr>
-            <p:cNvPr id="5" name="图片 4"/>
-            <p:cNvPicPr>
-              <a:picLocks noChangeAspect="1"/>
-            </p:cNvPicPr>
-            <p:nvPr/>
-          </p:nvPicPr>
-          <p:blipFill rotWithShape="1">
-            <a:blip r:embed="rId2">
-              <a:extLst>
-                <a:ext uri="{28A0092B-C50C-407E-A947-70E740481C1C}">
-                  <a14:useLocalDpi xmlns:a14="http://schemas.microsoft.com/office/drawing/2010/main" val="0"/>
-                </a:ext>
-              </a:extLst>
-            </a:blip>
-            <a:srcRect t="36874" r="33358" b="34304"/>
-            <a:stretch>
-              <a:fillRect/>
-            </a:stretch>
-          </p:blipFill>
-          <p:spPr>
-            <a:xfrm>
-              <a:off x="7076536" y="261127"/>
-              <a:ext cx="1913266" cy="765415"/>
-            </a:xfrm>
-            <a:prstGeom prst="rect">
-              <a:avLst/>
-            </a:prstGeom>
-          </p:spPr>
-        </p:pic>
-      </p:grpSp>
-      <p:sp>
-        <p:nvSpPr>
-          <p:cNvPr id="6" name="矩形 5"/>
-          <p:cNvSpPr/>
-          <p:nvPr/>
-        </p:nvSpPr>
-        <p:spPr>
-          <a:xfrm>
-            <a:off x="0" y="6573627"/>
-            <a:ext cx="9144000" cy="285750"/>
-          </a:xfrm>
-          <a:prstGeom prst="rect">
-            <a:avLst/>
-          </a:prstGeom>
-          <a:solidFill>
-            <a:srgbClr val="1B4DA5"/>
-          </a:solidFill>
-          <a:ln>
-            <a:noFill/>
-          </a:ln>
-        </p:spPr>
-        <p:style>
-          <a:lnRef idx="2">
-            <a:schemeClr val="accent1">
-              <a:shade val="50000"/>
-            </a:schemeClr>
-          </a:lnRef>
-          <a:fillRef idx="1">
-            <a:schemeClr val="accent1"/>
-          </a:fillRef>
-          <a:effectRef idx="0">
-            <a:schemeClr val="accent1"/>
-          </a:effectRef>
-          <a:fontRef idx="minor">
-            <a:schemeClr val="lt1"/>
-          </a:fontRef>
-        </p:style>
-        <p:txBody>
-          <a:bodyPr rtlCol="0" anchor="ctr"/>
-          <a:lstStyle/>
-          <a:p>
-            <a:pPr algn="ctr"/>
-            <a:r>
-              <a:rPr lang="zh-CN" altLang="zh-CN" sz="1200" dirty="0">
-                <a:latin typeface="黑体" panose="02010609060101010101" pitchFamily="49" charset="-122"/>
-                <a:ea typeface="黑体" panose="02010609060101010101" pitchFamily="49" charset="-122"/>
-              </a:rPr>
-              <a:t>移动对象的时空轨迹相似性</a:t>
-            </a:r>
-            <a:r>
-              <a:rPr lang="zh-CN" altLang="zh-CN" sz="1200" dirty="0" smtClean="0">
-                <a:latin typeface="黑体" panose="02010609060101010101" pitchFamily="49" charset="-122"/>
-                <a:ea typeface="黑体" panose="02010609060101010101" pitchFamily="49" charset="-122"/>
-              </a:rPr>
-              <a:t>算法</a:t>
-            </a:r>
-            <a:endParaRPr lang="zh-CN" altLang="en-US" sz="1200" dirty="0">
-              <a:latin typeface="黑体" panose="02010609060101010101" pitchFamily="49" charset="-122"/>
-              <a:ea typeface="黑体" panose="02010609060101010101" pitchFamily="49" charset="-122"/>
-              <a:cs typeface="Times New Roman" panose="02020603050405020304" pitchFamily="18" charset="0"/>
-            </a:endParaRPr>
-          </a:p>
-        </p:txBody>
-      </p:sp>
-      <p:sp>
-        <p:nvSpPr>
-          <p:cNvPr id="7" name="标题 1"/>
-          <p:cNvSpPr txBox="1">
-            <a:spLocks/>
-          </p:cNvSpPr>
-          <p:nvPr/>
-        </p:nvSpPr>
-        <p:spPr>
-          <a:xfrm>
-            <a:off x="628650" y="365125"/>
-            <a:ext cx="6324600" cy="715963"/>
-          </a:xfrm>
-          <a:prstGeom prst="rect">
-            <a:avLst/>
-          </a:prstGeom>
-        </p:spPr>
-        <p:txBody>
-          <a:bodyPr/>
-          <a:lstStyle>
-            <a:lvl1pPr algn="l" defTabSz="914400" rtl="0" eaLnBrk="1" latinLnBrk="0" hangingPunct="1">
-              <a:lnSpc>
-                <a:spcPct val="90000"/>
-              </a:lnSpc>
-              <a:spcBef>
-                <a:spcPct val="0"/>
-              </a:spcBef>
-              <a:buNone/>
-              <a:defRPr sz="4400" kern="1200">
-                <a:solidFill>
-                  <a:schemeClr val="tx1"/>
-                </a:solidFill>
-                <a:latin typeface="+mj-lt"/>
-                <a:ea typeface="+mj-ea"/>
-                <a:cs typeface="+mj-cs"/>
-              </a:defRPr>
-            </a:lvl1pPr>
-          </a:lstStyle>
-          <a:p>
-            <a:r>
-              <a:rPr lang="zh-CN" altLang="en-US" dirty="0" smtClean="0">
-                <a:latin typeface="Times New Roman" panose="02020603050405020304" pitchFamily="18" charset="0"/>
-                <a:ea typeface="黑体" panose="02010609060101010101" pitchFamily="49" charset="-122"/>
-                <a:cs typeface="Times New Roman" panose="02020603050405020304" pitchFamily="18" charset="0"/>
-              </a:rPr>
-              <a:t>查询轨迹长度的影响</a:t>
-            </a:r>
-          </a:p>
-        </p:txBody>
-      </p:sp>
-      <p:sp>
-        <p:nvSpPr>
-          <p:cNvPr id="8" name="文本框 7"/>
-          <p:cNvSpPr txBox="1"/>
-          <p:nvPr/>
-        </p:nvSpPr>
-        <p:spPr>
-          <a:xfrm>
-            <a:off x="628650" y="1238250"/>
-            <a:ext cx="7600950" cy="923330"/>
-          </a:xfrm>
-          <a:prstGeom prst="rect">
-            <a:avLst/>
-          </a:prstGeom>
-          <a:noFill/>
-        </p:spPr>
-        <p:txBody>
-          <a:bodyPr wrap="square" rtlCol="0">
-            <a:spAutoFit/>
-          </a:bodyPr>
-          <a:lstStyle/>
-          <a:p>
-            <a:r>
-              <a:rPr lang="zh-CN" altLang="en-US" dirty="0" smtClean="0"/>
-              <a:t>参与比较的算法：</a:t>
-            </a:r>
-            <a:r>
-              <a:rPr lang="en-US" altLang="zh-CN" dirty="0" smtClean="0"/>
-              <a:t>DTW</a:t>
-            </a:r>
-            <a:r>
-              <a:rPr lang="zh-CN" altLang="en-US" dirty="0" smtClean="0"/>
-              <a:t>、</a:t>
-            </a:r>
-            <a:r>
-              <a:rPr lang="en-US" altLang="zh-CN" dirty="0" smtClean="0"/>
-              <a:t>SDTW</a:t>
-            </a:r>
-            <a:r>
-              <a:rPr lang="zh-CN" altLang="en-US" dirty="0" smtClean="0"/>
-              <a:t>、</a:t>
-            </a:r>
-            <a:r>
-              <a:rPr lang="en-US" altLang="zh-CN" dirty="0" smtClean="0"/>
-              <a:t>PTM</a:t>
-            </a:r>
-            <a:r>
-              <a:rPr lang="zh-CN" altLang="en-US" dirty="0" smtClean="0"/>
-              <a:t>、</a:t>
-            </a:r>
-            <a:r>
-              <a:rPr lang="en-US" altLang="zh-CN" dirty="0" smtClean="0">
-                <a:solidFill>
-                  <a:schemeClr val="accent1"/>
-                </a:solidFill>
-              </a:rPr>
-              <a:t>STS</a:t>
-            </a:r>
-          </a:p>
-          <a:p>
-            <a:r>
-              <a:rPr lang="zh-CN" altLang="en-US" dirty="0" smtClean="0"/>
-              <a:t>变量为不同的查询轨迹的长度，通过调节算法参数，使用获得的</a:t>
-            </a:r>
-            <a:r>
-              <a:rPr lang="zh-CN" altLang="zh-CN" dirty="0" smtClean="0"/>
-              <a:t>最大</a:t>
-            </a:r>
-            <a:r>
-              <a:rPr lang="zh-CN" altLang="zh-CN" dirty="0"/>
-              <a:t>的查准率</a:t>
-            </a:r>
-            <a:r>
-              <a:rPr lang="zh-CN" altLang="zh-CN" dirty="0" smtClean="0"/>
-              <a:t>作为算法效果</a:t>
-            </a:r>
-            <a:endParaRPr lang="en-US" altLang="zh-CN" dirty="0" smtClean="0"/>
-          </a:p>
-        </p:txBody>
-      </p:sp>
-      <p:sp>
-        <p:nvSpPr>
-          <p:cNvPr id="9" name="TextBox 40"/>
-          <p:cNvSpPr txBox="1">
-            <a:spLocks noChangeArrowheads="1"/>
-          </p:cNvSpPr>
-          <p:nvPr/>
-        </p:nvSpPr>
-        <p:spPr bwMode="auto">
-          <a:xfrm>
-            <a:off x="708444" y="5207472"/>
-            <a:ext cx="7324725" cy="1200329"/>
-          </a:xfrm>
-          <a:prstGeom prst="rect">
-            <a:avLst/>
-          </a:prstGeom>
-          <a:solidFill>
-            <a:schemeClr val="accent6">
-              <a:lumMod val="20000"/>
-              <a:lumOff val="80000"/>
-            </a:schemeClr>
-          </a:solidFill>
-          <a:ln w="22225">
-            <a:solidFill>
-              <a:srgbClr val="5E5EAF"/>
-            </a:solidFill>
-            <a:miter lim="800000"/>
-          </a:ln>
-        </p:spPr>
-        <p:txBody>
-          <a:bodyPr>
-            <a:spAutoFit/>
-          </a:bodyPr>
-          <a:lstStyle>
-            <a:lvl1pPr>
-              <a:defRPr>
-                <a:solidFill>
-                  <a:schemeClr val="tx1"/>
-                </a:solidFill>
-                <a:latin typeface="Tahoma" panose="020B0604030504040204" pitchFamily="34" charset="0"/>
-                <a:ea typeface="PMingLiU" panose="02020500000000000000" pitchFamily="18" charset="-120"/>
-              </a:defRPr>
-            </a:lvl1pPr>
-            <a:lvl2pPr>
-              <a:defRPr>
-                <a:solidFill>
-                  <a:schemeClr val="tx1"/>
-                </a:solidFill>
-                <a:latin typeface="Tahoma" panose="020B0604030504040204" pitchFamily="34" charset="0"/>
-                <a:ea typeface="PMingLiU" panose="02020500000000000000" pitchFamily="18" charset="-120"/>
-              </a:defRPr>
-            </a:lvl2pPr>
-            <a:lvl3pPr>
-              <a:defRPr>
-                <a:solidFill>
-                  <a:schemeClr val="tx1"/>
-                </a:solidFill>
-                <a:latin typeface="Tahoma" panose="020B0604030504040204" pitchFamily="34" charset="0"/>
-                <a:ea typeface="PMingLiU" panose="02020500000000000000" pitchFamily="18" charset="-120"/>
-              </a:defRPr>
-            </a:lvl3pPr>
-            <a:lvl4pPr>
-              <a:defRPr>
-                <a:solidFill>
-                  <a:schemeClr val="tx1"/>
-                </a:solidFill>
-                <a:latin typeface="Tahoma" panose="020B0604030504040204" pitchFamily="34" charset="0"/>
-                <a:ea typeface="PMingLiU" panose="02020500000000000000" pitchFamily="18" charset="-120"/>
-              </a:defRPr>
-            </a:lvl4pPr>
-            <a:lvl5pPr>
-              <a:defRPr>
-                <a:solidFill>
-                  <a:schemeClr val="tx1"/>
-                </a:solidFill>
-                <a:latin typeface="Tahoma" panose="020B0604030504040204" pitchFamily="34" charset="0"/>
-                <a:ea typeface="PMingLiU" panose="02020500000000000000" pitchFamily="18" charset="-120"/>
-              </a:defRPr>
-            </a:lvl5pPr>
-            <a:lvl6pPr fontAlgn="base">
-              <a:spcBef>
-                <a:spcPct val="0"/>
-              </a:spcBef>
-              <a:spcAft>
-                <a:spcPct val="0"/>
-              </a:spcAft>
-              <a:buFont typeface="Arial" panose="020B0604020202020204" pitchFamily="34" charset="0"/>
-              <a:defRPr>
-                <a:solidFill>
-                  <a:schemeClr val="tx1"/>
-                </a:solidFill>
-                <a:latin typeface="Tahoma" panose="020B0604030504040204" pitchFamily="34" charset="0"/>
-                <a:ea typeface="PMingLiU" panose="02020500000000000000" pitchFamily="18" charset="-120"/>
-              </a:defRPr>
-            </a:lvl6pPr>
-            <a:lvl7pPr fontAlgn="base">
-              <a:spcBef>
-                <a:spcPct val="0"/>
-              </a:spcBef>
-              <a:spcAft>
-                <a:spcPct val="0"/>
-              </a:spcAft>
-              <a:buFont typeface="Arial" panose="020B0604020202020204" pitchFamily="34" charset="0"/>
-              <a:defRPr>
-                <a:solidFill>
-                  <a:schemeClr val="tx1"/>
-                </a:solidFill>
-                <a:latin typeface="Tahoma" panose="020B0604030504040204" pitchFamily="34" charset="0"/>
-                <a:ea typeface="PMingLiU" panose="02020500000000000000" pitchFamily="18" charset="-120"/>
-              </a:defRPr>
-            </a:lvl7pPr>
-            <a:lvl8pPr fontAlgn="base">
-              <a:spcBef>
-                <a:spcPct val="0"/>
-              </a:spcBef>
-              <a:spcAft>
-                <a:spcPct val="0"/>
-              </a:spcAft>
-              <a:buFont typeface="Arial" panose="020B0604020202020204" pitchFamily="34" charset="0"/>
-              <a:defRPr>
-                <a:solidFill>
-                  <a:schemeClr val="tx1"/>
-                </a:solidFill>
-                <a:latin typeface="Tahoma" panose="020B0604030504040204" pitchFamily="34" charset="0"/>
-                <a:ea typeface="PMingLiU" panose="02020500000000000000" pitchFamily="18" charset="-120"/>
-              </a:defRPr>
-            </a:lvl8pPr>
-            <a:lvl9pPr fontAlgn="base">
-              <a:spcBef>
-                <a:spcPct val="0"/>
-              </a:spcBef>
-              <a:spcAft>
-                <a:spcPct val="0"/>
-              </a:spcAft>
-              <a:buFont typeface="Arial" panose="020B0604020202020204" pitchFamily="34" charset="0"/>
-              <a:defRPr>
-                <a:solidFill>
-                  <a:schemeClr val="tx1"/>
-                </a:solidFill>
-                <a:latin typeface="Tahoma" panose="020B0604030504040204" pitchFamily="34" charset="0"/>
-                <a:ea typeface="PMingLiU" panose="02020500000000000000" pitchFamily="18" charset="-120"/>
-              </a:defRPr>
-            </a:lvl9pPr>
-          </a:lstStyle>
-          <a:p>
-            <a:r>
-              <a:rPr lang="zh-CN" altLang="en-US" dirty="0" smtClean="0">
-                <a:latin typeface="黑体" panose="02010609060101010101" pitchFamily="49" charset="-122"/>
-                <a:ea typeface="黑体" panose="02010609060101010101" pitchFamily="49" charset="-122"/>
-              </a:rPr>
-              <a:t>结论：</a:t>
-            </a:r>
-            <a:endParaRPr lang="en-US" altLang="zh-CN" dirty="0" smtClean="0">
-              <a:latin typeface="黑体" panose="02010609060101010101" pitchFamily="49" charset="-122"/>
-              <a:ea typeface="黑体" panose="02010609060101010101" pitchFamily="49" charset="-122"/>
-            </a:endParaRPr>
-          </a:p>
-          <a:p>
-            <a:r>
-              <a:rPr lang="en-US" altLang="zh-CN" dirty="0" smtClean="0">
-                <a:latin typeface="黑体" panose="02010609060101010101" pitchFamily="49" charset="-122"/>
-                <a:ea typeface="黑体" panose="02010609060101010101" pitchFamily="49" charset="-122"/>
-              </a:rPr>
-              <a:t>    DTW</a:t>
-            </a:r>
-            <a:r>
-              <a:rPr lang="zh-CN" altLang="en-US" dirty="0" smtClean="0">
-                <a:latin typeface="黑体" panose="02010609060101010101" pitchFamily="49" charset="-122"/>
-                <a:ea typeface="黑体" panose="02010609060101010101" pitchFamily="49" charset="-122"/>
-              </a:rPr>
-              <a:t>未</a:t>
-            </a:r>
-            <a:r>
-              <a:rPr lang="zh-CN" altLang="en-US" dirty="0">
-                <a:latin typeface="黑体" panose="02010609060101010101" pitchFamily="49" charset="-122"/>
-                <a:ea typeface="黑体" panose="02010609060101010101" pitchFamily="49" charset="-122"/>
-              </a:rPr>
-              <a:t>考虑时间因素，查准率较低</a:t>
-            </a:r>
-            <a:endParaRPr lang="en-US" altLang="zh-CN" dirty="0">
-              <a:latin typeface="黑体" panose="02010609060101010101" pitchFamily="49" charset="-122"/>
-              <a:ea typeface="黑体" panose="02010609060101010101" pitchFamily="49" charset="-122"/>
-            </a:endParaRPr>
-          </a:p>
-          <a:p>
-            <a:r>
-              <a:rPr lang="en-US" altLang="zh-CN" dirty="0" smtClean="0">
-                <a:latin typeface="黑体" panose="02010609060101010101" pitchFamily="49" charset="-122"/>
-                <a:ea typeface="黑体" panose="02010609060101010101" pitchFamily="49" charset="-122"/>
-              </a:rPr>
-              <a:t>    SDTW</a:t>
-            </a:r>
-            <a:r>
-              <a:rPr lang="zh-CN" altLang="en-US" dirty="0">
-                <a:latin typeface="黑体" panose="02010609060101010101" pitchFamily="49" charset="-122"/>
-                <a:ea typeface="黑体" panose="02010609060101010101" pitchFamily="49" charset="-122"/>
-              </a:rPr>
-              <a:t>与</a:t>
-            </a:r>
-            <a:r>
-              <a:rPr lang="en-US" altLang="zh-CN" dirty="0">
-                <a:latin typeface="黑体" panose="02010609060101010101" pitchFamily="49" charset="-122"/>
-                <a:ea typeface="黑体" panose="02010609060101010101" pitchFamily="49" charset="-122"/>
-              </a:rPr>
-              <a:t>PTM</a:t>
-            </a:r>
-            <a:r>
-              <a:rPr lang="zh-CN" altLang="en-US" dirty="0" smtClean="0">
-                <a:latin typeface="黑体" panose="02010609060101010101" pitchFamily="49" charset="-122"/>
-                <a:ea typeface="黑体" panose="02010609060101010101" pitchFamily="49" charset="-122"/>
-              </a:rPr>
-              <a:t>考虑时间，但</a:t>
-            </a:r>
-            <a:r>
-              <a:rPr lang="zh-CN" altLang="en-US" dirty="0">
-                <a:latin typeface="黑体" panose="02010609060101010101" pitchFamily="49" charset="-122"/>
-                <a:ea typeface="黑体" panose="02010609060101010101" pitchFamily="49" charset="-122"/>
-              </a:rPr>
-              <a:t>查准率</a:t>
-            </a:r>
-            <a:r>
-              <a:rPr lang="zh-CN" altLang="en-US" dirty="0" smtClean="0">
-                <a:latin typeface="黑体" panose="02010609060101010101" pitchFamily="49" charset="-122"/>
-                <a:ea typeface="黑体" panose="02010609060101010101" pitchFamily="49" charset="-122"/>
-              </a:rPr>
-              <a:t>随</a:t>
-            </a:r>
-            <a:r>
-              <a:rPr lang="zh-CN" altLang="en-US" dirty="0">
-                <a:latin typeface="黑体" panose="02010609060101010101" pitchFamily="49" charset="-122"/>
-                <a:ea typeface="黑体" panose="02010609060101010101" pitchFamily="49" charset="-122"/>
-              </a:rPr>
-              <a:t>查询轨迹</a:t>
-            </a:r>
-            <a:r>
-              <a:rPr lang="zh-CN" altLang="en-US" dirty="0" smtClean="0">
-                <a:latin typeface="黑体" panose="02010609060101010101" pitchFamily="49" charset="-122"/>
-                <a:ea typeface="黑体" panose="02010609060101010101" pitchFamily="49" charset="-122"/>
-              </a:rPr>
-              <a:t>长度变化的波动</a:t>
-            </a:r>
-            <a:r>
-              <a:rPr lang="zh-CN" altLang="en-US" dirty="0">
-                <a:latin typeface="黑体" panose="02010609060101010101" pitchFamily="49" charset="-122"/>
-                <a:ea typeface="黑体" panose="02010609060101010101" pitchFamily="49" charset="-122"/>
-              </a:rPr>
-              <a:t>较大</a:t>
-            </a:r>
-            <a:endParaRPr lang="en-US" altLang="zh-CN" dirty="0">
-              <a:latin typeface="黑体" panose="02010609060101010101" pitchFamily="49" charset="-122"/>
-              <a:ea typeface="黑体" panose="02010609060101010101" pitchFamily="49" charset="-122"/>
-            </a:endParaRPr>
-          </a:p>
-          <a:p>
-            <a:r>
-              <a:rPr lang="en-US" altLang="zh-CN" dirty="0" smtClean="0">
-                <a:solidFill>
-                  <a:schemeClr val="accent1"/>
-                </a:solidFill>
-                <a:latin typeface="黑体" panose="02010609060101010101" pitchFamily="49" charset="-122"/>
-                <a:ea typeface="黑体" panose="02010609060101010101" pitchFamily="49" charset="-122"/>
-              </a:rPr>
-              <a:t>    STS</a:t>
-            </a:r>
-            <a:r>
-              <a:rPr lang="zh-CN" altLang="en-US" dirty="0">
-                <a:solidFill>
-                  <a:schemeClr val="accent1"/>
-                </a:solidFill>
-                <a:latin typeface="黑体" panose="02010609060101010101" pitchFamily="49" charset="-122"/>
-                <a:ea typeface="黑体" panose="02010609060101010101" pitchFamily="49" charset="-122"/>
-              </a:rPr>
-              <a:t>较稳定</a:t>
-            </a:r>
-            <a:r>
-              <a:rPr lang="zh-CN" altLang="en-US" dirty="0">
-                <a:latin typeface="黑体" panose="02010609060101010101" pitchFamily="49" charset="-122"/>
-                <a:ea typeface="黑体" panose="02010609060101010101" pitchFamily="49" charset="-122"/>
-              </a:rPr>
-              <a:t>，轨迹长度的变化未带来较大</a:t>
-            </a:r>
-            <a:r>
-              <a:rPr lang="zh-CN" altLang="en-US" dirty="0" smtClean="0">
-                <a:latin typeface="黑体" panose="02010609060101010101" pitchFamily="49" charset="-122"/>
-                <a:ea typeface="黑体" panose="02010609060101010101" pitchFamily="49" charset="-122"/>
-              </a:rPr>
-              <a:t>影响</a:t>
-            </a:r>
-            <a:endParaRPr lang="zh-CN" altLang="en-US" dirty="0">
-              <a:latin typeface="黑体" panose="02010609060101010101" pitchFamily="49" charset="-122"/>
-              <a:ea typeface="黑体" panose="02010609060101010101" pitchFamily="49" charset="-122"/>
-            </a:endParaRPr>
-          </a:p>
-        </p:txBody>
-      </p:sp>
-      <p:grpSp>
-        <p:nvGrpSpPr>
-          <p:cNvPr id="10" name="组合 9"/>
-          <p:cNvGrpSpPr/>
-          <p:nvPr/>
-        </p:nvGrpSpPr>
-        <p:grpSpPr>
-          <a:xfrm>
-            <a:off x="628650" y="2278705"/>
-            <a:ext cx="7456833" cy="2762941"/>
-            <a:chOff x="628650" y="2278705"/>
-            <a:chExt cx="7456833" cy="2762941"/>
-          </a:xfrm>
-        </p:grpSpPr>
-        <p:pic>
-          <p:nvPicPr>
-            <p:cNvPr id="11" name="图片 10"/>
-            <p:cNvPicPr>
-              <a:picLocks noChangeAspect="1"/>
-            </p:cNvPicPr>
-            <p:nvPr/>
-          </p:nvPicPr>
-          <p:blipFill>
-            <a:blip r:embed="rId3">
-              <a:extLst>
-                <a:ext uri="{28A0092B-C50C-407E-A947-70E740481C1C}">
-                  <a14:useLocalDpi xmlns:a14="http://schemas.microsoft.com/office/drawing/2010/main" val="0"/>
-                </a:ext>
-              </a:extLst>
-            </a:blip>
-            <a:stretch>
-              <a:fillRect/>
-            </a:stretch>
-          </p:blipFill>
-          <p:spPr>
-            <a:xfrm>
-              <a:off x="628650" y="2278705"/>
-              <a:ext cx="3683921" cy="2762941"/>
-            </a:xfrm>
-            <a:prstGeom prst="rect">
-              <a:avLst/>
-            </a:prstGeom>
-          </p:spPr>
-        </p:pic>
-        <p:pic>
-          <p:nvPicPr>
-            <p:cNvPr id="12" name="图片 11"/>
-            <p:cNvPicPr>
-              <a:picLocks noChangeAspect="1"/>
-            </p:cNvPicPr>
-            <p:nvPr/>
-          </p:nvPicPr>
-          <p:blipFill>
-            <a:blip r:embed="rId4">
-              <a:extLst>
-                <a:ext uri="{28A0092B-C50C-407E-A947-70E740481C1C}">
-                  <a14:useLocalDpi xmlns:a14="http://schemas.microsoft.com/office/drawing/2010/main" val="0"/>
-                </a:ext>
-              </a:extLst>
-            </a:blip>
-            <a:stretch>
-              <a:fillRect/>
-            </a:stretch>
-          </p:blipFill>
-          <p:spPr>
-            <a:xfrm>
-              <a:off x="4401562" y="2278705"/>
-              <a:ext cx="3683921" cy="2762941"/>
-            </a:xfrm>
-            <a:prstGeom prst="rect">
-              <a:avLst/>
-            </a:prstGeom>
-          </p:spPr>
-        </p:pic>
-        <p:cxnSp>
-          <p:nvCxnSpPr>
-            <p:cNvPr id="13" name="直接连接符 12"/>
-            <p:cNvCxnSpPr/>
-            <p:nvPr/>
-          </p:nvCxnSpPr>
-          <p:spPr>
-            <a:xfrm flipV="1">
-              <a:off x="1820174" y="2743199"/>
-              <a:ext cx="2294626" cy="77638"/>
-            </a:xfrm>
-            <a:prstGeom prst="line">
-              <a:avLst/>
-            </a:prstGeom>
-            <a:ln w="25400">
-              <a:solidFill>
-                <a:schemeClr val="accent1">
-                  <a:lumMod val="75000"/>
-                </a:schemeClr>
-              </a:solidFill>
-            </a:ln>
-          </p:spPr>
-          <p:style>
-            <a:lnRef idx="1">
-              <a:schemeClr val="accent1"/>
-            </a:lnRef>
-            <a:fillRef idx="0">
-              <a:schemeClr val="accent1"/>
-            </a:fillRef>
-            <a:effectRef idx="0">
-              <a:schemeClr val="accent1"/>
-            </a:effectRef>
-            <a:fontRef idx="minor">
-              <a:schemeClr val="tx1"/>
-            </a:fontRef>
-          </p:style>
-        </p:cxnSp>
-        <p:cxnSp>
-          <p:nvCxnSpPr>
-            <p:cNvPr id="14" name="直接连接符 13"/>
-            <p:cNvCxnSpPr/>
-            <p:nvPr/>
-          </p:nvCxnSpPr>
-          <p:spPr>
-            <a:xfrm>
-              <a:off x="5753819" y="2820837"/>
-              <a:ext cx="2018581" cy="0"/>
-            </a:xfrm>
-            <a:prstGeom prst="line">
-              <a:avLst/>
-            </a:prstGeom>
-            <a:ln w="25400">
-              <a:solidFill>
-                <a:schemeClr val="accent1">
-                  <a:lumMod val="75000"/>
-                </a:schemeClr>
-              </a:solidFill>
-            </a:ln>
-          </p:spPr>
-          <p:style>
-            <a:lnRef idx="1">
-              <a:schemeClr val="accent1"/>
-            </a:lnRef>
-            <a:fillRef idx="0">
-              <a:schemeClr val="accent1"/>
-            </a:fillRef>
-            <a:effectRef idx="0">
-              <a:schemeClr val="accent1"/>
-            </a:effectRef>
-            <a:fontRef idx="minor">
-              <a:schemeClr val="tx1"/>
-            </a:fontRef>
-          </p:style>
-        </p:cxnSp>
-      </p:grpSp>
-    </p:spTree>
-    <p:extLst>
-      <p:ext uri="{BB962C8B-B14F-4D97-AF65-F5344CB8AC3E}">
-        <p14:creationId xmlns:p14="http://schemas.microsoft.com/office/powerpoint/2010/main" val="1207529891"/>
       </p:ext>
     </p:extLst>
   </p:cSld>
@@ -32014,6 +31631,751 @@
                 <a:ea typeface="黑体" panose="02010609060101010101" pitchFamily="49" charset="-122"/>
                 <a:cs typeface="Times New Roman" panose="02020603050405020304" pitchFamily="18" charset="0"/>
               </a:rPr>
+              <a:t>查询轨迹长度的影响</a:t>
+            </a:r>
+          </a:p>
+        </p:txBody>
+      </p:sp>
+      <p:sp>
+        <p:nvSpPr>
+          <p:cNvPr id="8" name="文本框 7"/>
+          <p:cNvSpPr txBox="1"/>
+          <p:nvPr/>
+        </p:nvSpPr>
+        <p:spPr>
+          <a:xfrm>
+            <a:off x="628650" y="1238250"/>
+            <a:ext cx="7600950" cy="923330"/>
+          </a:xfrm>
+          <a:prstGeom prst="rect">
+            <a:avLst/>
+          </a:prstGeom>
+          <a:noFill/>
+        </p:spPr>
+        <p:txBody>
+          <a:bodyPr wrap="square" rtlCol="0">
+            <a:spAutoFit/>
+          </a:bodyPr>
+          <a:lstStyle/>
+          <a:p>
+            <a:r>
+              <a:rPr lang="zh-CN" altLang="en-US" dirty="0" smtClean="0"/>
+              <a:t>参与比较的算法：</a:t>
+            </a:r>
+            <a:r>
+              <a:rPr lang="en-US" altLang="zh-CN" dirty="0" smtClean="0"/>
+              <a:t>DTW</a:t>
+            </a:r>
+            <a:r>
+              <a:rPr lang="zh-CN" altLang="en-US" dirty="0" smtClean="0"/>
+              <a:t>、</a:t>
+            </a:r>
+            <a:r>
+              <a:rPr lang="en-US" altLang="zh-CN" dirty="0" smtClean="0"/>
+              <a:t>SDTW</a:t>
+            </a:r>
+            <a:r>
+              <a:rPr lang="zh-CN" altLang="en-US" dirty="0" smtClean="0"/>
+              <a:t>、</a:t>
+            </a:r>
+            <a:r>
+              <a:rPr lang="en-US" altLang="zh-CN" dirty="0" smtClean="0"/>
+              <a:t>PTM</a:t>
+            </a:r>
+            <a:r>
+              <a:rPr lang="zh-CN" altLang="en-US" dirty="0" smtClean="0"/>
+              <a:t>、</a:t>
+            </a:r>
+            <a:r>
+              <a:rPr lang="en-US" altLang="zh-CN" dirty="0" smtClean="0">
+                <a:solidFill>
+                  <a:schemeClr val="accent1"/>
+                </a:solidFill>
+              </a:rPr>
+              <a:t>STS</a:t>
+            </a:r>
+          </a:p>
+          <a:p>
+            <a:r>
+              <a:rPr lang="zh-CN" altLang="en-US" dirty="0" smtClean="0"/>
+              <a:t>变量为不同的查询轨迹的长度，通过调节算法参数，使用获得的</a:t>
+            </a:r>
+            <a:r>
+              <a:rPr lang="zh-CN" altLang="zh-CN" dirty="0" smtClean="0"/>
+              <a:t>最大</a:t>
+            </a:r>
+            <a:r>
+              <a:rPr lang="zh-CN" altLang="zh-CN" dirty="0"/>
+              <a:t>的查准率</a:t>
+            </a:r>
+            <a:r>
+              <a:rPr lang="zh-CN" altLang="zh-CN" dirty="0" smtClean="0"/>
+              <a:t>作为算法效果</a:t>
+            </a:r>
+            <a:endParaRPr lang="en-US" altLang="zh-CN" dirty="0" smtClean="0"/>
+          </a:p>
+        </p:txBody>
+      </p:sp>
+      <p:sp>
+        <p:nvSpPr>
+          <p:cNvPr id="9" name="TextBox 40"/>
+          <p:cNvSpPr txBox="1">
+            <a:spLocks noChangeArrowheads="1"/>
+          </p:cNvSpPr>
+          <p:nvPr/>
+        </p:nvSpPr>
+        <p:spPr bwMode="auto">
+          <a:xfrm>
+            <a:off x="881062" y="4911633"/>
+            <a:ext cx="7324725" cy="1477328"/>
+          </a:xfrm>
+          <a:prstGeom prst="rect">
+            <a:avLst/>
+          </a:prstGeom>
+          <a:solidFill>
+            <a:schemeClr val="accent6">
+              <a:lumMod val="20000"/>
+              <a:lumOff val="80000"/>
+            </a:schemeClr>
+          </a:solidFill>
+          <a:ln w="22225">
+            <a:solidFill>
+              <a:srgbClr val="5E5EAF"/>
+            </a:solidFill>
+            <a:miter lim="800000"/>
+          </a:ln>
+        </p:spPr>
+        <p:txBody>
+          <a:bodyPr>
+            <a:spAutoFit/>
+          </a:bodyPr>
+          <a:lstStyle>
+            <a:lvl1pPr>
+              <a:defRPr>
+                <a:solidFill>
+                  <a:schemeClr val="tx1"/>
+                </a:solidFill>
+                <a:latin typeface="Tahoma" panose="020B0604030504040204" pitchFamily="34" charset="0"/>
+                <a:ea typeface="PMingLiU" panose="02020500000000000000" pitchFamily="18" charset="-120"/>
+              </a:defRPr>
+            </a:lvl1pPr>
+            <a:lvl2pPr>
+              <a:defRPr>
+                <a:solidFill>
+                  <a:schemeClr val="tx1"/>
+                </a:solidFill>
+                <a:latin typeface="Tahoma" panose="020B0604030504040204" pitchFamily="34" charset="0"/>
+                <a:ea typeface="PMingLiU" panose="02020500000000000000" pitchFamily="18" charset="-120"/>
+              </a:defRPr>
+            </a:lvl2pPr>
+            <a:lvl3pPr>
+              <a:defRPr>
+                <a:solidFill>
+                  <a:schemeClr val="tx1"/>
+                </a:solidFill>
+                <a:latin typeface="Tahoma" panose="020B0604030504040204" pitchFamily="34" charset="0"/>
+                <a:ea typeface="PMingLiU" panose="02020500000000000000" pitchFamily="18" charset="-120"/>
+              </a:defRPr>
+            </a:lvl3pPr>
+            <a:lvl4pPr>
+              <a:defRPr>
+                <a:solidFill>
+                  <a:schemeClr val="tx1"/>
+                </a:solidFill>
+                <a:latin typeface="Tahoma" panose="020B0604030504040204" pitchFamily="34" charset="0"/>
+                <a:ea typeface="PMingLiU" panose="02020500000000000000" pitchFamily="18" charset="-120"/>
+              </a:defRPr>
+            </a:lvl4pPr>
+            <a:lvl5pPr>
+              <a:defRPr>
+                <a:solidFill>
+                  <a:schemeClr val="tx1"/>
+                </a:solidFill>
+                <a:latin typeface="Tahoma" panose="020B0604030504040204" pitchFamily="34" charset="0"/>
+                <a:ea typeface="PMingLiU" panose="02020500000000000000" pitchFamily="18" charset="-120"/>
+              </a:defRPr>
+            </a:lvl5pPr>
+            <a:lvl6pPr fontAlgn="base">
+              <a:spcBef>
+                <a:spcPct val="0"/>
+              </a:spcBef>
+              <a:spcAft>
+                <a:spcPct val="0"/>
+              </a:spcAft>
+              <a:buFont typeface="Arial" panose="020B0604020202020204" pitchFamily="34" charset="0"/>
+              <a:defRPr>
+                <a:solidFill>
+                  <a:schemeClr val="tx1"/>
+                </a:solidFill>
+                <a:latin typeface="Tahoma" panose="020B0604030504040204" pitchFamily="34" charset="0"/>
+                <a:ea typeface="PMingLiU" panose="02020500000000000000" pitchFamily="18" charset="-120"/>
+              </a:defRPr>
+            </a:lvl6pPr>
+            <a:lvl7pPr fontAlgn="base">
+              <a:spcBef>
+                <a:spcPct val="0"/>
+              </a:spcBef>
+              <a:spcAft>
+                <a:spcPct val="0"/>
+              </a:spcAft>
+              <a:buFont typeface="Arial" panose="020B0604020202020204" pitchFamily="34" charset="0"/>
+              <a:defRPr>
+                <a:solidFill>
+                  <a:schemeClr val="tx1"/>
+                </a:solidFill>
+                <a:latin typeface="Tahoma" panose="020B0604030504040204" pitchFamily="34" charset="0"/>
+                <a:ea typeface="PMingLiU" panose="02020500000000000000" pitchFamily="18" charset="-120"/>
+              </a:defRPr>
+            </a:lvl7pPr>
+            <a:lvl8pPr fontAlgn="base">
+              <a:spcBef>
+                <a:spcPct val="0"/>
+              </a:spcBef>
+              <a:spcAft>
+                <a:spcPct val="0"/>
+              </a:spcAft>
+              <a:buFont typeface="Arial" panose="020B0604020202020204" pitchFamily="34" charset="0"/>
+              <a:defRPr>
+                <a:solidFill>
+                  <a:schemeClr val="tx1"/>
+                </a:solidFill>
+                <a:latin typeface="Tahoma" panose="020B0604030504040204" pitchFamily="34" charset="0"/>
+                <a:ea typeface="PMingLiU" panose="02020500000000000000" pitchFamily="18" charset="-120"/>
+              </a:defRPr>
+            </a:lvl8pPr>
+            <a:lvl9pPr fontAlgn="base">
+              <a:spcBef>
+                <a:spcPct val="0"/>
+              </a:spcBef>
+              <a:spcAft>
+                <a:spcPct val="0"/>
+              </a:spcAft>
+              <a:buFont typeface="Arial" panose="020B0604020202020204" pitchFamily="34" charset="0"/>
+              <a:defRPr>
+                <a:solidFill>
+                  <a:schemeClr val="tx1"/>
+                </a:solidFill>
+                <a:latin typeface="Tahoma" panose="020B0604030504040204" pitchFamily="34" charset="0"/>
+                <a:ea typeface="PMingLiU" panose="02020500000000000000" pitchFamily="18" charset="-120"/>
+              </a:defRPr>
+            </a:lvl9pPr>
+          </a:lstStyle>
+          <a:p>
+            <a:r>
+              <a:rPr lang="zh-CN" altLang="en-US" dirty="0" smtClean="0">
+                <a:latin typeface="黑体" panose="02010609060101010101" pitchFamily="49" charset="-122"/>
+                <a:ea typeface="黑体" panose="02010609060101010101" pitchFamily="49" charset="-122"/>
+              </a:rPr>
+              <a:t>结论：</a:t>
+            </a:r>
+            <a:endParaRPr lang="en-US" altLang="zh-CN" dirty="0" smtClean="0">
+              <a:latin typeface="黑体" panose="02010609060101010101" pitchFamily="49" charset="-122"/>
+              <a:ea typeface="黑体" panose="02010609060101010101" pitchFamily="49" charset="-122"/>
+            </a:endParaRPr>
+          </a:p>
+          <a:p>
+            <a:r>
+              <a:rPr lang="en-US" altLang="zh-CN" dirty="0" smtClean="0">
+                <a:latin typeface="黑体" panose="02010609060101010101" pitchFamily="49" charset="-122"/>
+                <a:ea typeface="黑体" panose="02010609060101010101" pitchFamily="49" charset="-122"/>
+              </a:rPr>
+              <a:t>    DTW</a:t>
+            </a:r>
+            <a:r>
+              <a:rPr lang="zh-CN" altLang="en-US" dirty="0" smtClean="0">
+                <a:latin typeface="黑体" panose="02010609060101010101" pitchFamily="49" charset="-122"/>
+                <a:ea typeface="黑体" panose="02010609060101010101" pitchFamily="49" charset="-122"/>
+              </a:rPr>
+              <a:t>未</a:t>
+            </a:r>
+            <a:r>
+              <a:rPr lang="zh-CN" altLang="en-US" dirty="0">
+                <a:latin typeface="黑体" panose="02010609060101010101" pitchFamily="49" charset="-122"/>
+                <a:ea typeface="黑体" panose="02010609060101010101" pitchFamily="49" charset="-122"/>
+              </a:rPr>
+              <a:t>考虑时间因素，查准率较低</a:t>
+            </a:r>
+            <a:endParaRPr lang="en-US" altLang="zh-CN" dirty="0">
+              <a:latin typeface="黑体" panose="02010609060101010101" pitchFamily="49" charset="-122"/>
+              <a:ea typeface="黑体" panose="02010609060101010101" pitchFamily="49" charset="-122"/>
+            </a:endParaRPr>
+          </a:p>
+          <a:p>
+            <a:r>
+              <a:rPr lang="en-US" altLang="zh-CN" dirty="0" smtClean="0">
+                <a:latin typeface="黑体" panose="02010609060101010101" pitchFamily="49" charset="-122"/>
+                <a:ea typeface="黑体" panose="02010609060101010101" pitchFamily="49" charset="-122"/>
+              </a:rPr>
+              <a:t>    SDTW</a:t>
+            </a:r>
+            <a:r>
+              <a:rPr lang="zh-CN" altLang="en-US" dirty="0" smtClean="0">
+                <a:latin typeface="黑体" panose="02010609060101010101" pitchFamily="49" charset="-122"/>
+                <a:ea typeface="黑体" panose="02010609060101010101" pitchFamily="49" charset="-122"/>
+              </a:rPr>
+              <a:t>受采样策略影响大，波动较大</a:t>
+            </a:r>
+            <a:endParaRPr lang="en-US" altLang="zh-CN" dirty="0" smtClean="0">
+              <a:latin typeface="黑体" panose="02010609060101010101" pitchFamily="49" charset="-122"/>
+              <a:ea typeface="黑体" panose="02010609060101010101" pitchFamily="49" charset="-122"/>
+            </a:endParaRPr>
+          </a:p>
+          <a:p>
+            <a:r>
+              <a:rPr lang="en-US" altLang="zh-CN" dirty="0">
+                <a:latin typeface="黑体" panose="02010609060101010101" pitchFamily="49" charset="-122"/>
+                <a:ea typeface="黑体" panose="02010609060101010101" pitchFamily="49" charset="-122"/>
+              </a:rPr>
+              <a:t> </a:t>
+            </a:r>
+            <a:r>
+              <a:rPr lang="en-US" altLang="zh-CN" dirty="0" smtClean="0">
+                <a:latin typeface="黑体" panose="02010609060101010101" pitchFamily="49" charset="-122"/>
+                <a:ea typeface="黑体" panose="02010609060101010101" pitchFamily="49" charset="-122"/>
+              </a:rPr>
+              <a:t>   PTM</a:t>
+            </a:r>
+            <a:r>
+              <a:rPr lang="zh-CN" altLang="en-US" dirty="0" smtClean="0">
+                <a:latin typeface="黑体" panose="02010609060101010101" pitchFamily="49" charset="-122"/>
+                <a:ea typeface="黑体" panose="02010609060101010101" pitchFamily="49" charset="-122"/>
+              </a:rPr>
+              <a:t>易造成时空混乱，查准率较低</a:t>
+            </a:r>
+            <a:endParaRPr lang="en-US" altLang="zh-CN" dirty="0">
+              <a:latin typeface="黑体" panose="02010609060101010101" pitchFamily="49" charset="-122"/>
+              <a:ea typeface="黑体" panose="02010609060101010101" pitchFamily="49" charset="-122"/>
+            </a:endParaRPr>
+          </a:p>
+          <a:p>
+            <a:r>
+              <a:rPr lang="en-US" altLang="zh-CN" dirty="0" smtClean="0">
+                <a:solidFill>
+                  <a:schemeClr val="accent1"/>
+                </a:solidFill>
+                <a:latin typeface="黑体" panose="02010609060101010101" pitchFamily="49" charset="-122"/>
+                <a:ea typeface="黑体" panose="02010609060101010101" pitchFamily="49" charset="-122"/>
+              </a:rPr>
+              <a:t>    STS</a:t>
+            </a:r>
+            <a:r>
+              <a:rPr lang="zh-CN" altLang="en-US" dirty="0" smtClean="0">
+                <a:solidFill>
+                  <a:schemeClr val="accent1"/>
+                </a:solidFill>
+                <a:latin typeface="黑体" panose="02010609060101010101" pitchFamily="49" charset="-122"/>
+                <a:ea typeface="黑体" panose="02010609060101010101" pitchFamily="49" charset="-122"/>
+              </a:rPr>
+              <a:t>查准率较高，较</a:t>
+            </a:r>
+            <a:r>
+              <a:rPr lang="zh-CN" altLang="en-US" dirty="0">
+                <a:solidFill>
+                  <a:schemeClr val="accent1"/>
+                </a:solidFill>
+                <a:latin typeface="黑体" panose="02010609060101010101" pitchFamily="49" charset="-122"/>
+                <a:ea typeface="黑体" panose="02010609060101010101" pitchFamily="49" charset="-122"/>
+              </a:rPr>
+              <a:t>稳定</a:t>
+            </a:r>
+            <a:r>
+              <a:rPr lang="zh-CN" altLang="en-US" dirty="0">
+                <a:latin typeface="黑体" panose="02010609060101010101" pitchFamily="49" charset="-122"/>
+                <a:ea typeface="黑体" panose="02010609060101010101" pitchFamily="49" charset="-122"/>
+              </a:rPr>
+              <a:t>，轨迹长度的变化未带来较大</a:t>
+            </a:r>
+            <a:r>
+              <a:rPr lang="zh-CN" altLang="en-US" dirty="0" smtClean="0">
+                <a:latin typeface="黑体" panose="02010609060101010101" pitchFamily="49" charset="-122"/>
+                <a:ea typeface="黑体" panose="02010609060101010101" pitchFamily="49" charset="-122"/>
+              </a:rPr>
+              <a:t>影响</a:t>
+            </a:r>
+            <a:endParaRPr lang="en-US" altLang="zh-CN" dirty="0" smtClean="0">
+              <a:latin typeface="黑体" panose="02010609060101010101" pitchFamily="49" charset="-122"/>
+              <a:ea typeface="黑体" panose="02010609060101010101" pitchFamily="49" charset="-122"/>
+            </a:endParaRPr>
+          </a:p>
+        </p:txBody>
+      </p:sp>
+      <p:grpSp>
+        <p:nvGrpSpPr>
+          <p:cNvPr id="18" name="组合 17"/>
+          <p:cNvGrpSpPr/>
+          <p:nvPr/>
+        </p:nvGrpSpPr>
+        <p:grpSpPr>
+          <a:xfrm>
+            <a:off x="1353178" y="2143125"/>
+            <a:ext cx="6035256" cy="2544275"/>
+            <a:chOff x="1353178" y="2143125"/>
+            <a:chExt cx="6035256" cy="2544275"/>
+          </a:xfrm>
+        </p:grpSpPr>
+        <p:pic>
+          <p:nvPicPr>
+            <p:cNvPr id="15" name="图片 14"/>
+            <p:cNvPicPr>
+              <a:picLocks noChangeAspect="1"/>
+            </p:cNvPicPr>
+            <p:nvPr/>
+          </p:nvPicPr>
+          <p:blipFill>
+            <a:blip r:embed="rId3" cstate="print">
+              <a:extLst>
+                <a:ext uri="{28A0092B-C50C-407E-A947-70E740481C1C}">
+                  <a14:useLocalDpi xmlns:a14="http://schemas.microsoft.com/office/drawing/2010/main" val="0"/>
+                </a:ext>
+              </a:extLst>
+            </a:blip>
+            <a:stretch>
+              <a:fillRect/>
+            </a:stretch>
+          </p:blipFill>
+          <p:spPr>
+            <a:xfrm>
+              <a:off x="1353178" y="2143125"/>
+              <a:ext cx="6035256" cy="2544275"/>
+            </a:xfrm>
+            <a:prstGeom prst="rect">
+              <a:avLst/>
+            </a:prstGeom>
+          </p:spPr>
+        </p:pic>
+        <p:cxnSp>
+          <p:nvCxnSpPr>
+            <p:cNvPr id="11" name="直接连接符 10"/>
+            <p:cNvCxnSpPr/>
+            <p:nvPr/>
+          </p:nvCxnSpPr>
+          <p:spPr>
+            <a:xfrm flipV="1">
+              <a:off x="2451100" y="2705610"/>
+              <a:ext cx="1676400" cy="37590"/>
+            </a:xfrm>
+            <a:prstGeom prst="line">
+              <a:avLst/>
+            </a:prstGeom>
+            <a:ln w="38100">
+              <a:solidFill>
+                <a:schemeClr val="tx1"/>
+              </a:solidFill>
+            </a:ln>
+          </p:spPr>
+          <p:style>
+            <a:lnRef idx="1">
+              <a:schemeClr val="accent1"/>
+            </a:lnRef>
+            <a:fillRef idx="0">
+              <a:schemeClr val="accent1"/>
+            </a:fillRef>
+            <a:effectRef idx="0">
+              <a:schemeClr val="accent1"/>
+            </a:effectRef>
+            <a:fontRef idx="minor">
+              <a:schemeClr val="tx1"/>
+            </a:fontRef>
+          </p:style>
+        </p:cxnSp>
+        <p:cxnSp>
+          <p:nvCxnSpPr>
+            <p:cNvPr id="12" name="直接连接符 11"/>
+            <p:cNvCxnSpPr/>
+            <p:nvPr/>
+          </p:nvCxnSpPr>
+          <p:spPr>
+            <a:xfrm flipV="1">
+              <a:off x="5461000" y="2686816"/>
+              <a:ext cx="1727200" cy="37589"/>
+            </a:xfrm>
+            <a:prstGeom prst="line">
+              <a:avLst/>
+            </a:prstGeom>
+            <a:ln w="38100">
+              <a:solidFill>
+                <a:schemeClr val="tx1"/>
+              </a:solidFill>
+            </a:ln>
+          </p:spPr>
+          <p:style>
+            <a:lnRef idx="1">
+              <a:schemeClr val="accent1"/>
+            </a:lnRef>
+            <a:fillRef idx="0">
+              <a:schemeClr val="accent1"/>
+            </a:fillRef>
+            <a:effectRef idx="0">
+              <a:schemeClr val="accent1"/>
+            </a:effectRef>
+            <a:fontRef idx="minor">
+              <a:schemeClr val="tx1"/>
+            </a:fontRef>
+          </p:style>
+        </p:cxnSp>
+      </p:grpSp>
+    </p:spTree>
+    <p:extLst>
+      <p:ext uri="{BB962C8B-B14F-4D97-AF65-F5344CB8AC3E}">
+        <p14:creationId xmlns:p14="http://schemas.microsoft.com/office/powerpoint/2010/main" val="1207529891"/>
+      </p:ext>
+    </p:extLst>
+  </p:cSld>
+  <p:clrMapOvr>
+    <a:masterClrMapping/>
+  </p:clrMapOvr>
+  <p:timing>
+    <p:tnLst>
+      <p:par>
+        <p:cTn id="1" dur="indefinite" restart="never" nodeType="tmRoot"/>
+      </p:par>
+    </p:tnLst>
+  </p:timing>
+</p:sld>
+</file>
+
+<file path=ppt/slides/slide34.xml><?xml version="1.0" encoding="utf-8"?>
+<p:sld xmlns:a="http://schemas.openxmlformats.org/drawingml/2006/main" xmlns:r="http://schemas.openxmlformats.org/officeDocument/2006/relationships" xmlns:p="http://schemas.openxmlformats.org/presentationml/2006/main">
+  <p:cSld>
+    <p:spTree>
+      <p:nvGrpSpPr>
+        <p:cNvPr id="1" name=""/>
+        <p:cNvGrpSpPr/>
+        <p:nvPr/>
+      </p:nvGrpSpPr>
+      <p:grpSpPr>
+        <a:xfrm>
+          <a:off x="0" y="0"/>
+          <a:ext cx="0" cy="0"/>
+          <a:chOff x="0" y="0"/>
+          <a:chExt cx="0" cy="0"/>
+        </a:xfrm>
+      </p:grpSpPr>
+      <p:grpSp>
+        <p:nvGrpSpPr>
+          <p:cNvPr id="2" name="组合 1"/>
+          <p:cNvGrpSpPr/>
+          <p:nvPr/>
+        </p:nvGrpSpPr>
+        <p:grpSpPr>
+          <a:xfrm>
+            <a:off x="114300" y="171450"/>
+            <a:ext cx="8875502" cy="1066800"/>
+            <a:chOff x="114300" y="171450"/>
+            <a:chExt cx="8875502" cy="1066800"/>
+          </a:xfrm>
+        </p:grpSpPr>
+        <p:cxnSp>
+          <p:nvCxnSpPr>
+            <p:cNvPr id="3" name="直接连接符 2"/>
+            <p:cNvCxnSpPr/>
+            <p:nvPr/>
+          </p:nvCxnSpPr>
+          <p:spPr>
+            <a:xfrm>
+              <a:off x="114300" y="1076325"/>
+              <a:ext cx="8858250" cy="0"/>
+            </a:xfrm>
+            <a:prstGeom prst="line">
+              <a:avLst/>
+            </a:prstGeom>
+            <a:ln w="31750">
+              <a:solidFill>
+                <a:srgbClr val="1E50A6"/>
+              </a:solidFill>
+            </a:ln>
+          </p:spPr>
+          <p:style>
+            <a:lnRef idx="1">
+              <a:schemeClr val="accent1"/>
+            </a:lnRef>
+            <a:fillRef idx="0">
+              <a:schemeClr val="accent1"/>
+            </a:fillRef>
+            <a:effectRef idx="0">
+              <a:schemeClr val="accent1"/>
+            </a:effectRef>
+            <a:fontRef idx="minor">
+              <a:schemeClr val="tx1"/>
+            </a:fontRef>
+          </p:style>
+        </p:cxnSp>
+        <p:cxnSp>
+          <p:nvCxnSpPr>
+            <p:cNvPr id="4" name="直接连接符 3"/>
+            <p:cNvCxnSpPr/>
+            <p:nvPr/>
+          </p:nvCxnSpPr>
+          <p:spPr>
+            <a:xfrm>
+              <a:off x="6962775" y="171450"/>
+              <a:ext cx="28322" cy="1066800"/>
+            </a:xfrm>
+            <a:prstGeom prst="line">
+              <a:avLst/>
+            </a:prstGeom>
+            <a:ln w="31750">
+              <a:solidFill>
+                <a:srgbClr val="1E50A6"/>
+              </a:solidFill>
+            </a:ln>
+          </p:spPr>
+          <p:style>
+            <a:lnRef idx="1">
+              <a:schemeClr val="accent1"/>
+            </a:lnRef>
+            <a:fillRef idx="0">
+              <a:schemeClr val="accent1"/>
+            </a:fillRef>
+            <a:effectRef idx="0">
+              <a:schemeClr val="accent1"/>
+            </a:effectRef>
+            <a:fontRef idx="minor">
+              <a:schemeClr val="tx1"/>
+            </a:fontRef>
+          </p:style>
+        </p:cxnSp>
+        <p:pic>
+          <p:nvPicPr>
+            <p:cNvPr id="5" name="图片 4"/>
+            <p:cNvPicPr>
+              <a:picLocks noChangeAspect="1"/>
+            </p:cNvPicPr>
+            <p:nvPr/>
+          </p:nvPicPr>
+          <p:blipFill rotWithShape="1">
+            <a:blip r:embed="rId2">
+              <a:extLst>
+                <a:ext uri="{28A0092B-C50C-407E-A947-70E740481C1C}">
+                  <a14:useLocalDpi xmlns:a14="http://schemas.microsoft.com/office/drawing/2010/main" val="0"/>
+                </a:ext>
+              </a:extLst>
+            </a:blip>
+            <a:srcRect t="36874" r="33358" b="34304"/>
+            <a:stretch>
+              <a:fillRect/>
+            </a:stretch>
+          </p:blipFill>
+          <p:spPr>
+            <a:xfrm>
+              <a:off x="7076536" y="261127"/>
+              <a:ext cx="1913266" cy="765415"/>
+            </a:xfrm>
+            <a:prstGeom prst="rect">
+              <a:avLst/>
+            </a:prstGeom>
+          </p:spPr>
+        </p:pic>
+      </p:grpSp>
+      <p:sp>
+        <p:nvSpPr>
+          <p:cNvPr id="6" name="矩形 5"/>
+          <p:cNvSpPr/>
+          <p:nvPr/>
+        </p:nvSpPr>
+        <p:spPr>
+          <a:xfrm>
+            <a:off x="0" y="6573627"/>
+            <a:ext cx="9144000" cy="285750"/>
+          </a:xfrm>
+          <a:prstGeom prst="rect">
+            <a:avLst/>
+          </a:prstGeom>
+          <a:solidFill>
+            <a:srgbClr val="1B4DA5"/>
+          </a:solidFill>
+          <a:ln>
+            <a:noFill/>
+          </a:ln>
+        </p:spPr>
+        <p:style>
+          <a:lnRef idx="2">
+            <a:schemeClr val="accent1">
+              <a:shade val="50000"/>
+            </a:schemeClr>
+          </a:lnRef>
+          <a:fillRef idx="1">
+            <a:schemeClr val="accent1"/>
+          </a:fillRef>
+          <a:effectRef idx="0">
+            <a:schemeClr val="accent1"/>
+          </a:effectRef>
+          <a:fontRef idx="minor">
+            <a:schemeClr val="lt1"/>
+          </a:fontRef>
+        </p:style>
+        <p:txBody>
+          <a:bodyPr rtlCol="0" anchor="ctr"/>
+          <a:lstStyle/>
+          <a:p>
+            <a:pPr algn="ctr"/>
+            <a:r>
+              <a:rPr lang="zh-CN" altLang="zh-CN" sz="1200" dirty="0">
+                <a:latin typeface="黑体" panose="02010609060101010101" pitchFamily="49" charset="-122"/>
+                <a:ea typeface="黑体" panose="02010609060101010101" pitchFamily="49" charset="-122"/>
+              </a:rPr>
+              <a:t>移动对象的时空轨迹相似性</a:t>
+            </a:r>
+            <a:r>
+              <a:rPr lang="zh-CN" altLang="zh-CN" sz="1200" dirty="0" smtClean="0">
+                <a:latin typeface="黑体" panose="02010609060101010101" pitchFamily="49" charset="-122"/>
+                <a:ea typeface="黑体" panose="02010609060101010101" pitchFamily="49" charset="-122"/>
+              </a:rPr>
+              <a:t>算法</a:t>
+            </a:r>
+            <a:endParaRPr lang="zh-CN" altLang="en-US" sz="1200" dirty="0">
+              <a:latin typeface="黑体" panose="02010609060101010101" pitchFamily="49" charset="-122"/>
+              <a:ea typeface="黑体" panose="02010609060101010101" pitchFamily="49" charset="-122"/>
+              <a:cs typeface="Times New Roman" panose="02020603050405020304" pitchFamily="18" charset="0"/>
+            </a:endParaRPr>
+          </a:p>
+        </p:txBody>
+      </p:sp>
+      <p:sp>
+        <p:nvSpPr>
+          <p:cNvPr id="7" name="标题 1"/>
+          <p:cNvSpPr txBox="1">
+            <a:spLocks/>
+          </p:cNvSpPr>
+          <p:nvPr/>
+        </p:nvSpPr>
+        <p:spPr>
+          <a:xfrm>
+            <a:off x="628650" y="365125"/>
+            <a:ext cx="6324600" cy="715963"/>
+          </a:xfrm>
+          <a:prstGeom prst="rect">
+            <a:avLst/>
+          </a:prstGeom>
+        </p:spPr>
+        <p:txBody>
+          <a:bodyPr/>
+          <a:lstStyle>
+            <a:lvl1pPr algn="l" defTabSz="914400" rtl="0" eaLnBrk="1" latinLnBrk="0" hangingPunct="1">
+              <a:lnSpc>
+                <a:spcPct val="90000"/>
+              </a:lnSpc>
+              <a:spcBef>
+                <a:spcPct val="0"/>
+              </a:spcBef>
+              <a:buNone/>
+              <a:defRPr sz="4400" kern="1200">
+                <a:solidFill>
+                  <a:schemeClr val="tx1"/>
+                </a:solidFill>
+                <a:latin typeface="+mj-lt"/>
+                <a:ea typeface="+mj-ea"/>
+                <a:cs typeface="+mj-cs"/>
+              </a:defRPr>
+            </a:lvl1pPr>
+          </a:lstStyle>
+          <a:p>
+            <a:r>
+              <a:rPr lang="zh-CN" altLang="en-US" dirty="0" smtClean="0">
+                <a:latin typeface="Times New Roman" panose="02020603050405020304" pitchFamily="18" charset="0"/>
+                <a:ea typeface="黑体" panose="02010609060101010101" pitchFamily="49" charset="-122"/>
+                <a:cs typeface="Times New Roman" panose="02020603050405020304" pitchFamily="18" charset="0"/>
+              </a:rPr>
               <a:t>验证</a:t>
             </a:r>
             <a:r>
@@ -32032,11 +32394,6 @@
               </a:rPr>
               <a:t>模型有效性</a:t>
             </a:r>
-            <a:endParaRPr lang="zh-CN" altLang="en-US" dirty="0" smtClean="0">
-              <a:latin typeface="Times New Roman" panose="02020603050405020304" pitchFamily="18" charset="0"/>
-              <a:ea typeface="黑体" panose="02010609060101010101" pitchFamily="49" charset="-122"/>
-              <a:cs typeface="Times New Roman" panose="02020603050405020304" pitchFamily="18" charset="0"/>
-            </a:endParaRPr>
           </a:p>
         </p:txBody>
       </p:sp>
@@ -32285,28 +32642,28 @@
                 <a:latin typeface="黑体" panose="02010609060101010101" pitchFamily="49" charset="-122"/>
                 <a:ea typeface="黑体" panose="02010609060101010101" pitchFamily="49" charset="-122"/>
               </a:rPr>
-              <a:t>   DTW-3d</a:t>
+              <a:t>   SNTR</a:t>
             </a:r>
             <a:r>
               <a:rPr lang="zh-CN" altLang="en-US" dirty="0" smtClean="0">
                 <a:latin typeface="黑体" panose="02010609060101010101" pitchFamily="49" charset="-122"/>
                 <a:ea typeface="黑体" panose="02010609060101010101" pitchFamily="49" charset="-122"/>
               </a:rPr>
-              <a:t>的查准率较</a:t>
+              <a:t>模型对</a:t>
             </a:r>
             <a:r>
               <a:rPr lang="en-US" altLang="zh-CN" dirty="0" smtClean="0">
                 <a:latin typeface="黑体" panose="02010609060101010101" pitchFamily="49" charset="-122"/>
                 <a:ea typeface="黑体" panose="02010609060101010101" pitchFamily="49" charset="-122"/>
               </a:rPr>
-              <a:t>DTW-2d</a:t>
+              <a:t>DTW-3d</a:t>
             </a:r>
             <a:r>
               <a:rPr lang="zh-CN" altLang="en-US" dirty="0" smtClean="0">
                 <a:latin typeface="黑体" panose="02010609060101010101" pitchFamily="49" charset="-122"/>
                 <a:ea typeface="黑体" panose="02010609060101010101" pitchFamily="49" charset="-122"/>
               </a:rPr>
-              <a:t>有较大提升，因此三维时空是有效的</a:t>
+              <a:t>的查准率有较大提升，因此三维时空是有效的</a:t>
             </a:r>
             <a:endParaRPr lang="zh-CN" altLang="en-US" dirty="0">
               <a:latin typeface="黑体" panose="02010609060101010101" pitchFamily="49" charset="-122"/>
@@ -32317,7 +32674,7 @@
       </p:sp>
       <p:grpSp>
         <p:nvGrpSpPr>
-          <p:cNvPr id="16" name="组合 15"/>
+          <p:cNvPr id="22" name="组合 21"/>
           <p:cNvGrpSpPr/>
           <p:nvPr/>
         </p:nvGrpSpPr>
@@ -32361,23 +32718,21 @@
         </p:pic>
         <p:cxnSp>
           <p:nvCxnSpPr>
-            <p:cNvPr id="11" name="直接连接符 10"/>
+            <p:cNvPr id="15" name="直接连接符 14"/>
             <p:cNvCxnSpPr/>
             <p:nvPr/>
           </p:nvCxnSpPr>
           <p:spPr>
             <a:xfrm flipV="1">
-              <a:off x="3191774" y="3152091"/>
-              <a:ext cx="844649" cy="260518"/>
+              <a:off x="3441700" y="3200400"/>
+              <a:ext cx="558800" cy="279400"/>
             </a:xfrm>
             <a:prstGeom prst="line">
               <a:avLst/>
             </a:prstGeom>
-            <a:ln w="25400">
+            <a:ln w="38100">
               <a:solidFill>
-                <a:schemeClr val="accent1">
-                  <a:lumMod val="75000"/>
-                </a:schemeClr>
+                <a:schemeClr val="tx1"/>
               </a:solidFill>
             </a:ln>
           </p:spPr>
@@ -32398,23 +32753,21 @@
         </p:cxnSp>
         <p:cxnSp>
           <p:nvCxnSpPr>
-            <p:cNvPr id="14" name="直接连接符 13"/>
+            <p:cNvPr id="17" name="直接连接符 16"/>
             <p:cNvCxnSpPr/>
             <p:nvPr/>
           </p:nvCxnSpPr>
           <p:spPr>
             <a:xfrm flipV="1">
-              <a:off x="4883577" y="3064777"/>
-              <a:ext cx="744256" cy="390778"/>
+              <a:off x="5156200" y="3200400"/>
+              <a:ext cx="457200" cy="279400"/>
             </a:xfrm>
             <a:prstGeom prst="line">
               <a:avLst/>
             </a:prstGeom>
-            <a:ln w="25400">
+            <a:ln w="38100">
               <a:solidFill>
-                <a:schemeClr val="accent1">
-                  <a:lumMod val="75000"/>
-                </a:schemeClr>
+                <a:schemeClr val="tx1"/>
               </a:solidFill>
             </a:ln>
           </p:spPr>
@@ -32454,7 +32807,7 @@
 </p:sld>
 </file>
 
-<file path=ppt/slides/slide34.xml><?xml version="1.0" encoding="utf-8"?>
+<file path=ppt/slides/slide35.xml><?xml version="1.0" encoding="utf-8"?>
 <p:sld xmlns:a="http://schemas.openxmlformats.org/drawingml/2006/main" xmlns:r="http://schemas.openxmlformats.org/officeDocument/2006/relationships" xmlns:p="http://schemas.openxmlformats.org/presentationml/2006/main">
   <p:cSld>
     <p:spTree>
@@ -33148,13 +33501,19 @@
               <a:t>查准率较高</a:t>
             </a:r>
             <a:r>
-              <a:rPr lang="zh-CN" altLang="en-US" dirty="0" smtClean="0">
+              <a:rPr lang="zh-CN" altLang="en-US" dirty="0">
+                <a:solidFill>
+                  <a:schemeClr val="accent1"/>
+                </a:solidFill>
                 <a:latin typeface="黑体" panose="02010609060101010101" pitchFamily="49" charset="-122"/>
                 <a:ea typeface="黑体" panose="02010609060101010101" pitchFamily="49" charset="-122"/>
               </a:rPr>
               <a:t>，较稳定</a:t>
             </a:r>
-            <a:endParaRPr lang="en-US" altLang="zh-CN" dirty="0" smtClean="0">
+            <a:endParaRPr lang="en-US" altLang="zh-CN" dirty="0">
+              <a:solidFill>
+                <a:schemeClr val="accent1"/>
+              </a:solidFill>
               <a:latin typeface="黑体" panose="02010609060101010101" pitchFamily="49" charset="-122"/>
               <a:ea typeface="黑体" panose="02010609060101010101" pitchFamily="49" charset="-122"/>
             </a:endParaRPr>
@@ -33251,7 +33610,7 @@
 </p:sld>
 </file>
 
-<file path=ppt/slides/slide35.xml><?xml version="1.0" encoding="utf-8"?>
+<file path=ppt/slides/slide36.xml><?xml version="1.0" encoding="utf-8"?>
 <p:sld xmlns:a="http://schemas.openxmlformats.org/drawingml/2006/main" xmlns:r="http://schemas.openxmlformats.org/officeDocument/2006/relationships" xmlns:p="http://schemas.openxmlformats.org/presentationml/2006/main">
   <p:cSld>
     <p:spTree>
@@ -33993,7 +34352,7 @@
 </p:sld>
 </file>
 
-<file path=ppt/slides/slide36.xml><?xml version="1.0" encoding="utf-8"?>
+<file path=ppt/slides/slide37.xml><?xml version="1.0" encoding="utf-8"?>
 <p:sld xmlns:a="http://schemas.openxmlformats.org/drawingml/2006/main" xmlns:r="http://schemas.openxmlformats.org/officeDocument/2006/relationships" xmlns:p="http://schemas.openxmlformats.org/presentationml/2006/main">
   <p:cSld>
     <p:spTree>
@@ -34863,10 +35222,10 @@
         </p:nvGrpSpPr>
         <p:grpSpPr bwMode="auto">
           <a:xfrm>
-            <a:off x="638175" y="4884737"/>
-            <a:ext cx="7772400" cy="724624"/>
+            <a:off x="638175" y="4884736"/>
+            <a:ext cx="7772400" cy="645587"/>
             <a:chOff x="638175" y="4884597"/>
-            <a:chExt cx="7772400" cy="725459"/>
+            <a:chExt cx="7772400" cy="646331"/>
           </a:xfrm>
         </p:grpSpPr>
         <p:sp>
@@ -34877,8 +35236,8 @@
           </p:nvSpPr>
           <p:spPr>
             <a:xfrm>
-              <a:off x="1130300" y="4901354"/>
-              <a:ext cx="7280275" cy="708702"/>
+              <a:off x="1130300" y="5055420"/>
+              <a:ext cx="7280275" cy="400571"/>
             </a:xfrm>
             <a:prstGeom prst="rect">
               <a:avLst/>
@@ -34894,13 +35253,10 @@
             </a:bodyPr>
             <a:lstStyle/>
             <a:p>
-              <a:pPr algn="just" eaLnBrk="1" fontAlgn="auto" hangingPunct="1">
+              <a:pPr algn="just">
                 <a:spcBef>
                   <a:spcPts val="1200"/>
                 </a:spcBef>
-                <a:spcAft>
-                  <a:spcPts val="0"/>
-                </a:spcAft>
                 <a:defRPr/>
               </a:pPr>
               <a:r>
@@ -34915,49 +35271,7 @@
                   <a:ea typeface="黑体" panose="02010609060101010101" pitchFamily="49" charset="-122"/>
                   <a:cs typeface="Times New Roman" panose="02020603050405020304" pitchFamily="18" charset="0"/>
                 </a:rPr>
-                <a:t>实验结果反映了本文提出</a:t>
-              </a:r>
-              <a:r>
-                <a:rPr lang="zh-CN" altLang="zh-CN" sz="2000" dirty="0" smtClean="0">
-                  <a:solidFill>
-                    <a:schemeClr val="tx1">
-                      <a:lumMod val="85000"/>
-                      <a:lumOff val="15000"/>
-                    </a:schemeClr>
-                  </a:solidFill>
-                  <a:latin typeface="Times New Roman" panose="02020603050405020304" pitchFamily="18" charset="0"/>
-                  <a:ea typeface="黑体" panose="02010609060101010101" pitchFamily="49" charset="-122"/>
-                  <a:cs typeface="Times New Roman" panose="02020603050405020304" pitchFamily="18" charset="0"/>
-                </a:rPr>
-                <a:t>的</a:t>
-              </a:r>
-              <a:r>
-                <a:rPr lang="zh-CN" altLang="en-US" sz="2000" dirty="0" smtClean="0">
-                  <a:solidFill>
-                    <a:schemeClr val="tx1">
-                      <a:lumMod val="85000"/>
-                      <a:lumOff val="15000"/>
-                    </a:schemeClr>
-                  </a:solidFill>
-                  <a:latin typeface="Times New Roman" panose="02020603050405020304" pitchFamily="18" charset="0"/>
-                  <a:ea typeface="黑体" panose="02010609060101010101" pitchFamily="49" charset="-122"/>
-                  <a:cs typeface="Times New Roman" panose="02020603050405020304" pitchFamily="18" charset="0"/>
-                </a:rPr>
-                <a:t>对应点匹配算法以及轨迹相似性计算方法</a:t>
-              </a:r>
-              <a:r>
-                <a:rPr lang="zh-CN" altLang="zh-CN" sz="2000" dirty="0" smtClean="0">
-                  <a:solidFill>
-                    <a:schemeClr val="tx1">
-                      <a:lumMod val="85000"/>
-                      <a:lumOff val="15000"/>
-                    </a:schemeClr>
-                  </a:solidFill>
-                  <a:latin typeface="Times New Roman" panose="02020603050405020304" pitchFamily="18" charset="0"/>
-                  <a:ea typeface="黑体" panose="02010609060101010101" pitchFamily="49" charset="-122"/>
-                  <a:cs typeface="Times New Roman" panose="02020603050405020304" pitchFamily="18" charset="0"/>
-                </a:rPr>
-                <a:t>的有效性</a:t>
+                <a:t>实验结果反映了本文提出的模型和算法的有效性</a:t>
               </a:r>
               <a:r>
                 <a:rPr lang="zh-CN" altLang="en-US" sz="2000" dirty="0" smtClean="0">
@@ -35116,7 +35430,7 @@
 </p:sld>
 </file>
 
-<file path=ppt/slides/slide37.xml><?xml version="1.0" encoding="utf-8"?>
+<file path=ppt/slides/slide38.xml><?xml version="1.0" encoding="utf-8"?>
 <p:sld xmlns:a="http://schemas.openxmlformats.org/drawingml/2006/main" xmlns:r="http://schemas.openxmlformats.org/officeDocument/2006/relationships" xmlns:p="http://schemas.openxmlformats.org/presentationml/2006/main">
   <p:cSld>
     <p:spTree>
@@ -41840,15 +42154,7 @@
                 <a:ea typeface="黑体" panose="02010609060101010101" pitchFamily="49" charset="-122"/>
                 <a:cs typeface="Times New Roman" panose="02020603050405020304" pitchFamily="18" charset="0"/>
               </a:rPr>
-              <a:t>、对应点匹配效果</a:t>
-            </a:r>
-            <a:r>
-              <a:rPr lang="zh-CN" altLang="en-US" sz="1600" dirty="0" smtClean="0">
-                <a:latin typeface="Times New Roman" panose="02020603050405020304" pitchFamily="18" charset="0"/>
-                <a:ea typeface="黑体" panose="02010609060101010101" pitchFamily="49" charset="-122"/>
-                <a:cs typeface="Times New Roman" panose="02020603050405020304" pitchFamily="18" charset="0"/>
-              </a:rPr>
-              <a:t>差</a:t>
+              <a:t>、对应点匹配效果差</a:t>
             </a:r>
             <a:endParaRPr lang="en-US" altLang="zh-CN" sz="1600" dirty="0" smtClean="0">
               <a:latin typeface="Times New Roman" panose="02020603050405020304" pitchFamily="18" charset="0"/>
@@ -41871,15 +42177,7 @@
                 <a:ea typeface="黑体" panose="02010609060101010101" pitchFamily="49" charset="-122"/>
                 <a:cs typeface="Times New Roman" panose="02020603050405020304" pitchFamily="18" charset="0"/>
               </a:rPr>
-              <a:t>、</a:t>
-            </a:r>
-            <a:r>
-              <a:rPr lang="zh-CN" altLang="en-US" sz="1600" dirty="0" smtClean="0">
-                <a:latin typeface="Times New Roman" panose="02020603050405020304" pitchFamily="18" charset="0"/>
-                <a:ea typeface="黑体" panose="02010609060101010101" pitchFamily="49" charset="-122"/>
-                <a:cs typeface="Times New Roman" panose="02020603050405020304" pitchFamily="18" charset="0"/>
-              </a:rPr>
-              <a:t>对采样策略敏感</a:t>
+              <a:t>、对采样策略敏感</a:t>
             </a:r>
             <a:endParaRPr lang="en-US" altLang="zh-CN" sz="1600" dirty="0">
               <a:latin typeface="Times New Roman" panose="02020603050405020304" pitchFamily="18" charset="0"/>

--- a/移动对象的时空轨迹相似性查询算法-丁光伟-第2版.pptx
+++ b/移动对象的时空轨迹相似性查询算法-丁光伟-第2版.pptx
@@ -979,7 +979,7 @@
           <a:bodyPr/>
           <a:lstStyle/>
           <a:p>
-            <a:fld id="{F40908C7-E137-47C6-B5BF-488AAB238826}" type="datetime1">
+            <a:fld id="{B12D70A8-60B1-4391-BFEF-AE337569A11B}" type="datetime1">
               <a:rPr lang="zh-CN" altLang="en-US" smtClean="0"/>
               <a:t>2018/12/14</a:t>
             </a:fld>
@@ -1008,7 +1008,7 @@
       </p:sp>
       <p:sp>
         <p:nvSpPr>
-          <p:cNvPr id="6" name="Slide Number Placeholder 5"/>
+          <p:cNvPr id="8" name="Slide Number Placeholder 4"/>
           <p:cNvSpPr>
             <a:spLocks noGrp="1"/>
           </p:cNvSpPr>
@@ -1018,21 +1018,13 @@
         </p:nvSpPr>
         <p:spPr>
           <a:xfrm>
-            <a:off x="6779225" y="6356350"/>
+            <a:off x="6457950" y="6486096"/>
             <a:ext cx="2057400" cy="365125"/>
           </a:xfrm>
         </p:spPr>
         <p:txBody>
           <a:bodyPr/>
-          <a:lstStyle>
-            <a:lvl1pPr>
-              <a:defRPr>
-                <a:solidFill>
-                  <a:srgbClr val="FFFFFF"/>
-                </a:solidFill>
-              </a:defRPr>
-            </a:lvl1pPr>
-          </a:lstStyle>
+          <a:lstStyle/>
           <a:p>
             <a:fld id="{102EE73F-A8E0-43E4-8F07-AFA76695A4A7}" type="slidenum">
               <a:rPr lang="zh-CN" altLang="en-US" smtClean="0"/>
@@ -1162,7 +1154,7 @@
           <a:bodyPr/>
           <a:lstStyle/>
           <a:p>
-            <a:fld id="{BCDBFF00-2D0E-4F60-A8D7-9A8735A1A9F2}" type="datetime1">
+            <a:fld id="{244C6680-C8CE-4B98-8E52-1DFAE4A81881}" type="datetime1">
               <a:rPr lang="zh-CN" altLang="en-US" smtClean="0"/>
               <a:t>2018/12/14</a:t>
             </a:fld>
@@ -1337,7 +1329,7 @@
           <a:bodyPr/>
           <a:lstStyle/>
           <a:p>
-            <a:fld id="{34706722-149E-4624-ADE9-0451A969F4EC}" type="datetime1">
+            <a:fld id="{72CD0602-6D92-4298-91B2-6996DE62022A}" type="datetime1">
               <a:rPr lang="zh-CN" altLang="en-US" smtClean="0"/>
               <a:t>2018/12/14</a:t>
             </a:fld>
@@ -1502,7 +1494,7 @@
           <a:bodyPr/>
           <a:lstStyle/>
           <a:p>
-            <a:fld id="{2CF79A60-C518-4449-AED1-554F2E34582A}" type="datetime1">
+            <a:fld id="{84B32136-8C50-46A8-ABD4-FA7AA6C8CCCD}" type="datetime1">
               <a:rPr lang="zh-CN" altLang="en-US" smtClean="0"/>
               <a:t>2018/12/14</a:t>
             </a:fld>
@@ -1531,7 +1523,7 @@
       </p:sp>
       <p:sp>
         <p:nvSpPr>
-          <p:cNvPr id="6" name="Slide Number Placeholder 5"/>
+          <p:cNvPr id="7" name="Slide Number Placeholder 4"/>
           <p:cNvSpPr>
             <a:spLocks noGrp="1"/>
           </p:cNvSpPr>
@@ -1539,16 +1531,26 @@
             <p:ph type="sldNum" sz="quarter" idx="12"/>
           </p:nvPr>
         </p:nvSpPr>
-        <p:spPr/>
+        <p:spPr>
+          <a:xfrm>
+            <a:off x="6457950" y="6486096"/>
+            <a:ext cx="2057400" cy="365125"/>
+          </a:xfrm>
+        </p:spPr>
         <p:txBody>
           <a:bodyPr/>
           <a:lstStyle/>
           <a:p>
             <a:fld id="{102EE73F-A8E0-43E4-8F07-AFA76695A4A7}" type="slidenum">
               <a:rPr lang="zh-CN" altLang="en-US" smtClean="0"/>
+              <a:pPr/>
               <a:t>‹#›</a:t>
             </a:fld>
-            <a:endParaRPr lang="zh-CN" altLang="en-US"/>
+            <a:r>
+              <a:rPr lang="en-US" altLang="zh-CN" dirty="0" smtClean="0"/>
+              <a:t>/37</a:t>
+            </a:r>
+            <a:endParaRPr lang="zh-CN" altLang="en-US" dirty="0"/>
           </a:p>
         </p:txBody>
       </p:sp>
@@ -1741,7 +1743,7 @@
           <a:bodyPr/>
           <a:lstStyle/>
           <a:p>
-            <a:fld id="{9421DB66-0B16-4D02-877A-ACD65B688BFC}" type="datetime1">
+            <a:fld id="{C4CD1E1D-B5E2-47C5-AE11-4B72A02144D3}" type="datetime1">
               <a:rPr lang="zh-CN" altLang="en-US" smtClean="0"/>
               <a:t>2018/12/14</a:t>
             </a:fld>
@@ -1770,7 +1772,7 @@
       </p:sp>
       <p:sp>
         <p:nvSpPr>
-          <p:cNvPr id="6" name="Slide Number Placeholder 5"/>
+          <p:cNvPr id="7" name="Slide Number Placeholder 4"/>
           <p:cNvSpPr>
             <a:spLocks noGrp="1"/>
           </p:cNvSpPr>
@@ -1778,16 +1780,26 @@
             <p:ph type="sldNum" sz="quarter" idx="12"/>
           </p:nvPr>
         </p:nvSpPr>
-        <p:spPr/>
+        <p:spPr>
+          <a:xfrm>
+            <a:off x="6457950" y="6486096"/>
+            <a:ext cx="2057400" cy="365125"/>
+          </a:xfrm>
+        </p:spPr>
         <p:txBody>
           <a:bodyPr/>
           <a:lstStyle/>
           <a:p>
             <a:fld id="{102EE73F-A8E0-43E4-8F07-AFA76695A4A7}" type="slidenum">
               <a:rPr lang="zh-CN" altLang="en-US" smtClean="0"/>
+              <a:pPr/>
               <a:t>‹#›</a:t>
             </a:fld>
-            <a:endParaRPr lang="zh-CN" altLang="en-US"/>
+            <a:r>
+              <a:rPr lang="en-US" altLang="zh-CN" dirty="0" smtClean="0"/>
+              <a:t>/37</a:t>
+            </a:r>
+            <a:endParaRPr lang="zh-CN" altLang="en-US" dirty="0"/>
           </a:p>
         </p:txBody>
       </p:sp>
@@ -1968,7 +1980,7 @@
           <a:bodyPr/>
           <a:lstStyle/>
           <a:p>
-            <a:fld id="{D5B21539-5167-43DF-80BA-DBE5B8F3E419}" type="datetime1">
+            <a:fld id="{E5BF1410-2BBB-412A-9C7E-EF236317C278}" type="datetime1">
               <a:rPr lang="zh-CN" altLang="en-US" smtClean="0"/>
               <a:t>2018/12/14</a:t>
             </a:fld>
@@ -1997,7 +2009,7 @@
       </p:sp>
       <p:sp>
         <p:nvSpPr>
-          <p:cNvPr id="7" name="Slide Number Placeholder 6"/>
+          <p:cNvPr id="8" name="Slide Number Placeholder 4"/>
           <p:cNvSpPr>
             <a:spLocks noGrp="1"/>
           </p:cNvSpPr>
@@ -2005,16 +2017,26 @@
             <p:ph type="sldNum" sz="quarter" idx="12"/>
           </p:nvPr>
         </p:nvSpPr>
-        <p:spPr/>
+        <p:spPr>
+          <a:xfrm>
+            <a:off x="6457950" y="6486096"/>
+            <a:ext cx="2057400" cy="365125"/>
+          </a:xfrm>
+        </p:spPr>
         <p:txBody>
           <a:bodyPr/>
           <a:lstStyle/>
           <a:p>
             <a:fld id="{102EE73F-A8E0-43E4-8F07-AFA76695A4A7}" type="slidenum">
               <a:rPr lang="zh-CN" altLang="en-US" smtClean="0"/>
+              <a:pPr/>
               <a:t>‹#›</a:t>
             </a:fld>
-            <a:endParaRPr lang="zh-CN" altLang="en-US"/>
+            <a:r>
+              <a:rPr lang="en-US" altLang="zh-CN" dirty="0" smtClean="0"/>
+              <a:t>/37</a:t>
+            </a:r>
+            <a:endParaRPr lang="zh-CN" altLang="en-US" dirty="0"/>
           </a:p>
         </p:txBody>
       </p:sp>
@@ -2330,7 +2352,7 @@
           <a:bodyPr/>
           <a:lstStyle/>
           <a:p>
-            <a:fld id="{7B88BA23-8AFD-4E26-B916-45F0CF113CF6}" type="datetime1">
+            <a:fld id="{445B79DB-B9B5-4F43-A9BB-2D785A612096}" type="datetime1">
               <a:rPr lang="zh-CN" altLang="en-US" smtClean="0"/>
               <a:t>2018/12/14</a:t>
             </a:fld>
@@ -2443,7 +2465,7 @@
           <a:bodyPr/>
           <a:lstStyle/>
           <a:p>
-            <a:fld id="{E2816BB7-89B1-4A3E-93FE-305D91E8E85A}" type="datetime1">
+            <a:fld id="{0EDB5A70-78CB-4117-8167-59C2ADC5AE17}" type="datetime1">
               <a:rPr lang="zh-CN" altLang="en-US" smtClean="0"/>
               <a:t>2018/12/14</a:t>
             </a:fld>
@@ -2482,7 +2504,7 @@
         </p:nvSpPr>
         <p:spPr>
           <a:xfrm>
-            <a:off x="6457950" y="6492875"/>
+            <a:off x="6457950" y="6486096"/>
             <a:ext cx="2057400" cy="365125"/>
           </a:xfrm>
         </p:spPr>
@@ -2543,7 +2565,7 @@
           <a:bodyPr/>
           <a:lstStyle/>
           <a:p>
-            <a:fld id="{E8347A03-BAB8-4B18-B3DE-D9B5B5604F5A}" type="datetime1">
+            <a:fld id="{3F2EF9F8-CB46-4AE8-BD52-C9E199E5D349}" type="datetime1">
               <a:rPr lang="zh-CN" altLang="en-US" smtClean="0"/>
               <a:t>2018/12/14</a:t>
             </a:fld>
@@ -2572,7 +2594,7 @@
       </p:sp>
       <p:sp>
         <p:nvSpPr>
-          <p:cNvPr id="4" name="Slide Number Placeholder 3"/>
+          <p:cNvPr id="5" name="Slide Number Placeholder 4"/>
           <p:cNvSpPr>
             <a:spLocks noGrp="1"/>
           </p:cNvSpPr>
@@ -2582,14 +2604,23 @@
         </p:nvSpPr>
         <p:spPr>
           <a:xfrm>
-            <a:off x="6886317" y="6492875"/>
-            <a:ext cx="1648083" cy="365125"/>
+            <a:off x="6457950" y="6486096"/>
+            <a:ext cx="2057400" cy="365125"/>
           </a:xfrm>
         </p:spPr>
         <p:txBody>
           <a:bodyPr/>
           <a:lstStyle/>
           <a:p>
+            <a:fld id="{102EE73F-A8E0-43E4-8F07-AFA76695A4A7}" type="slidenum">
+              <a:rPr lang="zh-CN" altLang="en-US" smtClean="0"/>
+              <a:pPr/>
+              <a:t>‹#›</a:t>
+            </a:fld>
+            <a:r>
+              <a:rPr lang="en-US" altLang="zh-CN" dirty="0" smtClean="0"/>
+              <a:t>/37</a:t>
+            </a:r>
             <a:endParaRPr lang="zh-CN" altLang="en-US" dirty="0"/>
           </a:p>
         </p:txBody>
@@ -2816,7 +2847,7 @@
           <a:bodyPr/>
           <a:lstStyle/>
           <a:p>
-            <a:fld id="{9B0474CD-E20F-4BB4-BE5D-EA17E7BB0B21}" type="datetime1">
+            <a:fld id="{93D7E2DC-9FE7-45C4-8D51-5B005C665E05}" type="datetime1">
               <a:rPr lang="zh-CN" altLang="en-US" smtClean="0"/>
               <a:t>2018/12/14</a:t>
             </a:fld>
@@ -3068,7 +3099,7 @@
           <a:bodyPr/>
           <a:lstStyle/>
           <a:p>
-            <a:fld id="{F6C15E8D-C8B1-4AC5-9B6C-6D1E948F8A8B}" type="datetime1">
+            <a:fld id="{23CFDEA9-8599-4450-82B3-51A4B6A57E41}" type="datetime1">
               <a:rPr lang="zh-CN" altLang="en-US" smtClean="0"/>
               <a:t>2018/12/14</a:t>
             </a:fld>
@@ -3276,7 +3307,7 @@
             </a:lvl1pPr>
           </a:lstStyle>
           <a:p>
-            <a:fld id="{6A9D68BD-449E-4E21-8A4A-D34EBE4E1ADD}" type="datetime1">
+            <a:fld id="{981DA65D-2E79-4918-BA90-2E820EC0BC35}" type="datetime1">
               <a:rPr lang="zh-CN" altLang="en-US" smtClean="0"/>
               <a:t>2018/12/14</a:t>
             </a:fld>
@@ -15464,8 +15495,8 @@
           </a:prstGeom>
         </p:spPr>
       </p:pic>
-      <mc:AlternateContent xmlns:mc="http://schemas.openxmlformats.org/markup-compatibility/2006">
-        <mc:Choice xmlns:a14="http://schemas.microsoft.com/office/drawing/2010/main" Requires="a14">
+      <mc:AlternateContent xmlns:mc="http://schemas.openxmlformats.org/markup-compatibility/2006" xmlns:a14="http://schemas.microsoft.com/office/drawing/2010/main">
+        <mc:Choice Requires="a14">
           <p:sp>
             <p:nvSpPr>
               <p:cNvPr id="11" name="TextBox 40"/>
@@ -15739,14 +15770,7 @@
                     <a:latin typeface="黑体" panose="02010609060101010101" pitchFamily="49" charset="-122"/>
                     <a:ea typeface="黑体" panose="02010609060101010101" pitchFamily="49" charset="-122"/>
                   </a:rPr>
-                  <a:t>使计算结果更</a:t>
-                </a:r>
-                <a:r>
-                  <a:rPr lang="zh-CN" altLang="en-US" dirty="0" smtClean="0">
-                    <a:latin typeface="黑体" panose="02010609060101010101" pitchFamily="49" charset="-122"/>
-                    <a:ea typeface="黑体" panose="02010609060101010101" pitchFamily="49" charset="-122"/>
-                  </a:rPr>
-                  <a:t>准确</a:t>
+                  <a:t>使计算结果更准确</a:t>
                 </a:r>
                 <a:r>
                   <a:rPr lang="zh-CN" altLang="zh-CN" dirty="0" smtClean="0">
@@ -15763,7 +15787,7 @@
             </p:txBody>
           </p:sp>
         </mc:Choice>
-        <mc:Fallback>
+        <mc:Fallback xmlns="">
           <p:sp>
             <p:nvSpPr>
               <p:cNvPr id="11" name="TextBox 40"/>
@@ -16831,7 +16855,28 @@
                     <a:latin typeface="黑体" panose="02010609060101010101" pitchFamily="49" charset="-122"/>
                     <a:ea typeface="黑体" panose="02010609060101010101" pitchFamily="49" charset="-122"/>
                   </a:rPr>
-                  <a:t>权重 </a:t>
+                  <a:t>对应</a:t>
+                </a:r>
+                <a:r>
+                  <a:rPr lang="zh-CN" altLang="en-US" dirty="0" smtClean="0">
+                    <a:latin typeface="黑体" panose="02010609060101010101" pitchFamily="49" charset="-122"/>
+                    <a:ea typeface="黑体" panose="02010609060101010101" pitchFamily="49" charset="-122"/>
+                  </a:rPr>
+                  <a:t>点间</a:t>
+                </a:r>
+                <a:r>
+                  <a:rPr lang="zh-CN" altLang="en-US" dirty="0" smtClean="0">
+                    <a:latin typeface="黑体" panose="02010609060101010101" pitchFamily="49" charset="-122"/>
+                    <a:ea typeface="黑体" panose="02010609060101010101" pitchFamily="49" charset="-122"/>
+                  </a:rPr>
+                  <a:t>距离</a:t>
+                </a:r>
+                <a:r>
+                  <a:rPr lang="zh-CN" altLang="en-US" dirty="0" smtClean="0">
+                    <a:latin typeface="黑体" panose="02010609060101010101" pitchFamily="49" charset="-122"/>
+                    <a:ea typeface="黑体" panose="02010609060101010101" pitchFamily="49" charset="-122"/>
+                  </a:rPr>
+                  <a:t> </a:t>
                 </a:r>
                 <a14:m>
                   <m:oMath xmlns:m="http://schemas.openxmlformats.org/officeDocument/2006/math">
@@ -16845,27 +16890,20 @@
                   </m:oMath>
                 </a14:m>
                 <a:r>
-                  <a:rPr lang="en-US" altLang="zh-CN" dirty="0" smtClean="0">
+                  <a:rPr lang="zh-CN" altLang="en-US" dirty="0" smtClean="0">
                     <a:latin typeface="黑体" panose="02010609060101010101" pitchFamily="49" charset="-122"/>
                     <a:ea typeface="黑体" panose="02010609060101010101" pitchFamily="49" charset="-122"/>
                   </a:rPr>
                   <a:t> </a:t>
                 </a:r>
                 <a:r>
-                  <a:rPr lang="zh-CN" altLang="en-US" dirty="0" smtClean="0">
+                  <a:rPr lang="zh-CN" altLang="en-US" dirty="0">
                     <a:latin typeface="黑体" panose="02010609060101010101" pitchFamily="49" charset="-122"/>
                     <a:ea typeface="黑体" panose="02010609060101010101" pitchFamily="49" charset="-122"/>
                   </a:rPr>
-                  <a:t>对应</a:t>
+                  <a:t>权重</a:t>
                 </a:r>
-                <a:r>
-                  <a:rPr lang="zh-CN" altLang="en-US" dirty="0" smtClean="0">
-                    <a:latin typeface="黑体" panose="02010609060101010101" pitchFamily="49" charset="-122"/>
-                    <a:ea typeface="黑体" panose="02010609060101010101" pitchFamily="49" charset="-122"/>
-                  </a:rPr>
-                  <a:t>点间距离</a:t>
-                </a:r>
-                <a:endParaRPr lang="en-US" altLang="zh-CN" dirty="0" smtClean="0">
+                <a:endParaRPr lang="en-US" altLang="zh-CN" dirty="0">
                   <a:latin typeface="黑体" panose="02010609060101010101" pitchFamily="49" charset="-122"/>
                   <a:ea typeface="黑体" panose="02010609060101010101" pitchFamily="49" charset="-122"/>
                 </a:endParaRPr>
@@ -17931,35 +17969,7 @@
                 <a:latin typeface="黑体" panose="02010609060101010101" pitchFamily="49" charset="-122"/>
                 <a:ea typeface="黑体" panose="02010609060101010101" pitchFamily="49" charset="-122"/>
               </a:rPr>
-              <a:t>    </a:t>
-            </a:r>
-            <a:r>
-              <a:rPr lang="zh-CN" altLang="en-US" dirty="0" smtClean="0">
-                <a:latin typeface="黑体" panose="02010609060101010101" pitchFamily="49" charset="-122"/>
-                <a:ea typeface="黑体" panose="02010609060101010101" pitchFamily="49" charset="-122"/>
-              </a:rPr>
-              <a:t>使用断点考虑了更多轨迹段信息</a:t>
-            </a:r>
-            <a:r>
-              <a:rPr lang="zh-CN" altLang="en-US" dirty="0" smtClean="0">
-                <a:latin typeface="黑体" panose="02010609060101010101" pitchFamily="49" charset="-122"/>
-                <a:ea typeface="黑体" panose="02010609060101010101" pitchFamily="49" charset="-122"/>
-              </a:rPr>
-              <a:t>，</a:t>
-            </a:r>
-            <a:r>
-              <a:rPr lang="zh-CN" altLang="en-US" dirty="0" smtClean="0">
-                <a:latin typeface="黑体" panose="02010609060101010101" pitchFamily="49" charset="-122"/>
-                <a:ea typeface="黑体" panose="02010609060101010101" pitchFamily="49" charset="-122"/>
-              </a:rPr>
-              <a:t>受采样策略影响更</a:t>
-            </a:r>
-            <a:r>
-              <a:rPr lang="zh-CN" altLang="en-US" dirty="0" smtClean="0">
-                <a:latin typeface="黑体" panose="02010609060101010101" pitchFamily="49" charset="-122"/>
-                <a:ea typeface="黑体" panose="02010609060101010101" pitchFamily="49" charset="-122"/>
-              </a:rPr>
-              <a:t>小</a:t>
+              <a:t>    使用断点考虑了更多轨迹段信息，受采样策略影响更小</a:t>
             </a:r>
             <a:endParaRPr lang="zh-CN" altLang="en-US" dirty="0">
               <a:latin typeface="黑体" panose="02010609060101010101" pitchFamily="49" charset="-122"/>
@@ -21188,8 +21198,8 @@
           </a:prstGeom>
         </p:spPr>
       </p:pic>
-      <mc:AlternateContent xmlns:mc="http://schemas.openxmlformats.org/markup-compatibility/2006" xmlns:a14="http://schemas.microsoft.com/office/drawing/2010/main">
-        <mc:Choice Requires="a14">
+      <mc:AlternateContent xmlns:mc="http://schemas.openxmlformats.org/markup-compatibility/2006">
+        <mc:Choice xmlns:a14="http://schemas.microsoft.com/office/drawing/2010/main" Requires="a14">
           <p:sp>
             <p:nvSpPr>
               <p:cNvPr id="24" name="AutoShape 31"/>
@@ -21428,13 +21438,27 @@
                     <a:latin typeface="黑体" panose="02010609060101010101" pitchFamily="49" charset="-122"/>
                     <a:ea typeface="黑体" panose="02010609060101010101" pitchFamily="49" charset="-122"/>
                   </a:rPr>
-                  <a:t>形状相似性呈负相关</a:t>
+                  <a:t>形状</a:t>
+                </a:r>
+                <a:r>
+                  <a:rPr lang="zh-CN" altLang="en-US" sz="1600" dirty="0" smtClean="0">
+                    <a:latin typeface="黑体" panose="02010609060101010101" pitchFamily="49" charset="-122"/>
+                    <a:ea typeface="黑体" panose="02010609060101010101" pitchFamily="49" charset="-122"/>
+                  </a:rPr>
+                  <a:t>相似呈</a:t>
+                </a:r>
+                <a:r>
+                  <a:rPr lang="zh-CN" altLang="en-US" sz="1600" dirty="0">
+                    <a:latin typeface="黑体" panose="02010609060101010101" pitchFamily="49" charset="-122"/>
+                    <a:ea typeface="黑体" panose="02010609060101010101" pitchFamily="49" charset="-122"/>
+                  </a:rPr>
+                  <a:t>负相关</a:t>
                 </a:r>
               </a:p>
             </p:txBody>
           </p:sp>
         </mc:Choice>
-        <mc:Fallback xmlns="">
+        <mc:Fallback>
           <p:sp>
             <p:nvSpPr>
               <p:cNvPr id="24" name="AutoShape 31"/>
@@ -24424,8 +24448,8 @@
           </a:p>
         </p:txBody>
       </p:sp>
-      <mc:AlternateContent xmlns:mc="http://schemas.openxmlformats.org/markup-compatibility/2006">
-        <mc:Choice xmlns:a14="http://schemas.microsoft.com/office/drawing/2010/main" Requires="a14">
+      <mc:AlternateContent xmlns:mc="http://schemas.openxmlformats.org/markup-compatibility/2006" xmlns:a14="http://schemas.microsoft.com/office/drawing/2010/main">
+        <mc:Choice Requires="a14">
           <p:sp>
             <p:nvSpPr>
               <p:cNvPr id="8" name="文本框 7"/>
@@ -24885,7 +24909,7 @@
             </p:txBody>
           </p:sp>
         </mc:Choice>
-        <mc:Fallback>
+        <mc:Fallback xmlns="">
           <p:sp>
             <p:nvSpPr>
               <p:cNvPr id="8" name="文本框 7"/>
@@ -32663,7 +32687,21 @@
                 <a:latin typeface="黑体" panose="02010609060101010101" pitchFamily="49" charset="-122"/>
                 <a:ea typeface="黑体" panose="02010609060101010101" pitchFamily="49" charset="-122"/>
               </a:rPr>
-              <a:t>的查准率有较大提升，因此三维时空是有效的</a:t>
+              <a:t>的查准率有较大提升，因此</a:t>
+            </a:r>
+            <a:r>
+              <a:rPr lang="en-US" altLang="zh-CN" dirty="0" smtClean="0">
+                <a:latin typeface="黑体" panose="02010609060101010101" pitchFamily="49" charset="-122"/>
+                <a:ea typeface="黑体" panose="02010609060101010101" pitchFamily="49" charset="-122"/>
+              </a:rPr>
+              <a:t>SNTR</a:t>
+            </a:r>
+            <a:r>
+              <a:rPr lang="zh-CN" altLang="en-US" dirty="0" smtClean="0">
+                <a:latin typeface="黑体" panose="02010609060101010101" pitchFamily="49" charset="-122"/>
+                <a:ea typeface="黑体" panose="02010609060101010101" pitchFamily="49" charset="-122"/>
+              </a:rPr>
+              <a:t>模型是有效的</a:t>
             </a:r>
             <a:endParaRPr lang="zh-CN" altLang="en-US" dirty="0">
               <a:latin typeface="黑体" panose="02010609060101010101" pitchFamily="49" charset="-122"/>
